--- a/PPT/python1.pptx
+++ b/PPT/python1.pptx
@@ -150,7 +150,7 @@
 <file path=ppt/revisionInfo.xml><?xml version="1.0" encoding="utf-8"?>
 <p1510:revInfo xmlns:a="http://schemas.openxmlformats.org/drawingml/2006/main" xmlns:r="http://schemas.openxmlformats.org/officeDocument/2006/relationships" xmlns:p1510="http://schemas.microsoft.com/office/powerpoint/2015/10/main">
   <p1510:revLst>
-    <p1510:client id="{42F73B06-DA81-4C67-8473-07E158E9C79B}" v="1298" dt="2023-05-04T18:24:25.984"/>
+    <p1510:client id="{42F73B06-DA81-4C67-8473-07E158E9C79B}" v="1384" dt="2023-05-05T12:10:46.144"/>
   </p1510:revLst>
 </p1510:revInfo>
 </file>
@@ -1262,12 +1262,12 @@
   <pc:docChgLst>
     <pc:chgData name="Scruel Tao" userId="5ea5c98d59b44d4b" providerId="LiveId" clId="{42F73B06-DA81-4C67-8473-07E158E9C79B}"/>
     <pc:docChg chg="undo redo custSel addSld delSld modSld sldOrd modMainMaster">
-      <pc:chgData name="Scruel Tao" userId="5ea5c98d59b44d4b" providerId="LiveId" clId="{42F73B06-DA81-4C67-8473-07E158E9C79B}" dt="2023-05-04T18:24:26.957" v="5791" actId="47"/>
+      <pc:chgData name="Scruel Tao" userId="5ea5c98d59b44d4b" providerId="LiveId" clId="{42F73B06-DA81-4C67-8473-07E158E9C79B}" dt="2023-05-05T12:11:19.290" v="5902" actId="1076"/>
       <pc:docMkLst>
         <pc:docMk/>
       </pc:docMkLst>
-      <pc:sldChg chg="addSp delSp modSp mod">
-        <pc:chgData name="Scruel Tao" userId="5ea5c98d59b44d4b" providerId="LiveId" clId="{42F73B06-DA81-4C67-8473-07E158E9C79B}" dt="2023-04-26T10:56:44.356" v="3059" actId="20577"/>
+      <pc:sldChg chg="addSp delSp modSp mod modTransition">
+        <pc:chgData name="Scruel Tao" userId="5ea5c98d59b44d4b" providerId="LiveId" clId="{42F73B06-DA81-4C67-8473-07E158E9C79B}" dt="2023-05-05T10:01:51.588" v="5834"/>
         <pc:sldMkLst>
           <pc:docMk/>
           <pc:sldMk cId="1112998187" sldId="257"/>
@@ -1305,8 +1305,8 @@
           </ac:spMkLst>
         </pc:spChg>
       </pc:sldChg>
-      <pc:sldChg chg="addSp delSp modSp mod modAnim">
-        <pc:chgData name="Scruel Tao" userId="5ea5c98d59b44d4b" providerId="LiveId" clId="{42F73B06-DA81-4C67-8473-07E158E9C79B}" dt="2023-05-03T02:57:09.187" v="5593"/>
+      <pc:sldChg chg="addSp delSp modSp mod modTransition modAnim">
+        <pc:chgData name="Scruel Tao" userId="5ea5c98d59b44d4b" providerId="LiveId" clId="{42F73B06-DA81-4C67-8473-07E158E9C79B}" dt="2023-05-05T10:01:51.588" v="5834"/>
         <pc:sldMkLst>
           <pc:docMk/>
           <pc:sldMk cId="3636494425" sldId="258"/>
@@ -1848,8 +1848,8 @@
           </ac:picMkLst>
         </pc:picChg>
       </pc:sldChg>
-      <pc:sldChg chg="modSp mod">
-        <pc:chgData name="Scruel Tao" userId="5ea5c98d59b44d4b" providerId="LiveId" clId="{42F73B06-DA81-4C67-8473-07E158E9C79B}" dt="2023-05-03T02:09:35.414" v="5556" actId="27636"/>
+      <pc:sldChg chg="modSp mod modTransition">
+        <pc:chgData name="Scruel Tao" userId="5ea5c98d59b44d4b" providerId="LiveId" clId="{42F73B06-DA81-4C67-8473-07E158E9C79B}" dt="2023-05-05T10:01:51.588" v="5834"/>
         <pc:sldMkLst>
           <pc:docMk/>
           <pc:sldMk cId="1199684676" sldId="259"/>
@@ -1863,7 +1863,7 @@
           </ac:spMkLst>
         </pc:spChg>
         <pc:spChg chg="mod">
-          <ac:chgData name="Scruel Tao" userId="5ea5c98d59b44d4b" providerId="LiveId" clId="{42F73B06-DA81-4C67-8473-07E158E9C79B}" dt="2023-05-03T02:09:35.414" v="5556" actId="27636"/>
+          <ac:chgData name="Scruel Tao" userId="5ea5c98d59b44d4b" providerId="LiveId" clId="{42F73B06-DA81-4C67-8473-07E158E9C79B}" dt="2023-05-05T10:00:36.417" v="5822" actId="6549"/>
           <ac:spMkLst>
             <pc:docMk/>
             <pc:sldMk cId="1199684676" sldId="259"/>
@@ -1879,8 +1879,8 @@
           </ac:picMkLst>
         </pc:picChg>
       </pc:sldChg>
-      <pc:sldChg chg="addSp delSp modSp mod setBg modNotes">
-        <pc:chgData name="Scruel Tao" userId="5ea5c98d59b44d4b" providerId="LiveId" clId="{42F73B06-DA81-4C67-8473-07E158E9C79B}" dt="2023-05-03T00:05:25.729" v="5424" actId="207"/>
+      <pc:sldChg chg="addSp delSp modSp mod modTransition setBg modNotes">
+        <pc:chgData name="Scruel Tao" userId="5ea5c98d59b44d4b" providerId="LiveId" clId="{42F73B06-DA81-4C67-8473-07E158E9C79B}" dt="2023-05-05T10:01:51.588" v="5834"/>
         <pc:sldMkLst>
           <pc:docMk/>
           <pc:sldMk cId="0" sldId="260"/>
@@ -1950,8 +1950,8 @@
           </ac:picMkLst>
         </pc:picChg>
       </pc:sldChg>
-      <pc:sldChg chg="modSp mod modAnim">
-        <pc:chgData name="Scruel Tao" userId="5ea5c98d59b44d4b" providerId="LiveId" clId="{42F73B06-DA81-4C67-8473-07E158E9C79B}" dt="2023-05-03T01:52:35.301" v="5453" actId="2711"/>
+      <pc:sldChg chg="modSp mod modTransition modAnim">
+        <pc:chgData name="Scruel Tao" userId="5ea5c98d59b44d4b" providerId="LiveId" clId="{42F73B06-DA81-4C67-8473-07E158E9C79B}" dt="2023-05-05T12:09:22.538" v="5897"/>
         <pc:sldMkLst>
           <pc:docMk/>
           <pc:sldMk cId="3351160539" sldId="261"/>
@@ -1973,7 +1973,7 @@
           </ac:spMkLst>
         </pc:spChg>
         <pc:picChg chg="mod">
-          <ac:chgData name="Scruel Tao" userId="5ea5c98d59b44d4b" providerId="LiveId" clId="{42F73B06-DA81-4C67-8473-07E158E9C79B}" dt="2023-04-29T16:32:39.882" v="4713" actId="1076"/>
+          <ac:chgData name="Scruel Tao" userId="5ea5c98d59b44d4b" providerId="LiveId" clId="{42F73B06-DA81-4C67-8473-07E158E9C79B}" dt="2023-05-05T10:00:46.158" v="5823" actId="1076"/>
           <ac:picMkLst>
             <pc:docMk/>
             <pc:sldMk cId="3351160539" sldId="261"/>
@@ -1981,8 +1981,8 @@
           </ac:picMkLst>
         </pc:picChg>
       </pc:sldChg>
-      <pc:sldChg chg="modSp mod modAnim modNotesTx">
-        <pc:chgData name="Scruel Tao" userId="5ea5c98d59b44d4b" providerId="LiveId" clId="{42F73B06-DA81-4C67-8473-07E158E9C79B}" dt="2023-05-03T02:58:07.772" v="5601"/>
+      <pc:sldChg chg="modSp mod modTransition modAnim modNotesTx">
+        <pc:chgData name="Scruel Tao" userId="5ea5c98d59b44d4b" providerId="LiveId" clId="{42F73B06-DA81-4C67-8473-07E158E9C79B}" dt="2023-05-05T10:01:51.588" v="5834"/>
         <pc:sldMkLst>
           <pc:docMk/>
           <pc:sldMk cId="1122177192" sldId="262"/>
@@ -2004,8 +2004,8 @@
           </ac:spMkLst>
         </pc:spChg>
       </pc:sldChg>
-      <pc:sldChg chg="modSp mod modClrScheme chgLayout">
-        <pc:chgData name="Scruel Tao" userId="5ea5c98d59b44d4b" providerId="LiveId" clId="{42F73B06-DA81-4C67-8473-07E158E9C79B}" dt="2023-05-03T02:58:34.919" v="5605" actId="1076"/>
+      <pc:sldChg chg="modSp mod modTransition modClrScheme chgLayout">
+        <pc:chgData name="Scruel Tao" userId="5ea5c98d59b44d4b" providerId="LiveId" clId="{42F73B06-DA81-4C67-8473-07E158E9C79B}" dt="2023-05-05T10:03:32.940" v="5848"/>
         <pc:sldMkLst>
           <pc:docMk/>
           <pc:sldMk cId="3745137309" sldId="263"/>
@@ -2059,8 +2059,8 @@
           </ac:picMkLst>
         </pc:picChg>
       </pc:sldChg>
-      <pc:sldChg chg="modSp mod modClrScheme modAnim chgLayout modNotesTx">
-        <pc:chgData name="Scruel Tao" userId="5ea5c98d59b44d4b" providerId="LiveId" clId="{42F73B06-DA81-4C67-8473-07E158E9C79B}" dt="2023-05-04T07:55:11.733" v="5665" actId="20577"/>
+      <pc:sldChg chg="modSp mod modTransition modClrScheme modAnim chgLayout modNotesTx">
+        <pc:chgData name="Scruel Tao" userId="5ea5c98d59b44d4b" providerId="LiveId" clId="{42F73B06-DA81-4C67-8473-07E158E9C79B}" dt="2023-05-05T10:01:51.588" v="5834"/>
         <pc:sldMkLst>
           <pc:docMk/>
           <pc:sldMk cId="3725727672" sldId="264"/>
@@ -2106,8 +2106,8 @@
           </ac:picMkLst>
         </pc:picChg>
       </pc:sldChg>
-      <pc:sldChg chg="addSp delSp modSp mod modClrScheme chgLayout">
-        <pc:chgData name="Scruel Tao" userId="5ea5c98d59b44d4b" providerId="LiveId" clId="{42F73B06-DA81-4C67-8473-07E158E9C79B}" dt="2023-05-03T14:46:39.825" v="5633" actId="13926"/>
+      <pc:sldChg chg="addSp delSp modSp mod modTransition modClrScheme chgLayout">
+        <pc:chgData name="Scruel Tao" userId="5ea5c98d59b44d4b" providerId="LiveId" clId="{42F73B06-DA81-4C67-8473-07E158E9C79B}" dt="2023-05-05T10:01:51.588" v="5834"/>
         <pc:sldMkLst>
           <pc:docMk/>
           <pc:sldMk cId="3416507657" sldId="265"/>
@@ -2145,8 +2145,8 @@
           </ac:picMkLst>
         </pc:picChg>
       </pc:sldChg>
-      <pc:sldChg chg="addSp delSp modSp mod modClrScheme chgLayout">
-        <pc:chgData name="Scruel Tao" userId="5ea5c98d59b44d4b" providerId="LiveId" clId="{42F73B06-DA81-4C67-8473-07E158E9C79B}" dt="2023-05-03T14:46:30.807" v="5631" actId="13926"/>
+      <pc:sldChg chg="addSp delSp modSp mod modTransition modClrScheme chgLayout">
+        <pc:chgData name="Scruel Tao" userId="5ea5c98d59b44d4b" providerId="LiveId" clId="{42F73B06-DA81-4C67-8473-07E158E9C79B}" dt="2023-05-05T10:01:51.588" v="5834"/>
         <pc:sldMkLst>
           <pc:docMk/>
           <pc:sldMk cId="192831406" sldId="270"/>
@@ -2224,8 +2224,8 @@
           </ac:picMkLst>
         </pc:picChg>
       </pc:sldChg>
-      <pc:sldChg chg="addSp delSp modSp mod addAnim delAnim modAnim">
-        <pc:chgData name="Scruel Tao" userId="5ea5c98d59b44d4b" providerId="LiveId" clId="{42F73B06-DA81-4C67-8473-07E158E9C79B}" dt="2023-05-03T14:29:34.856" v="5626"/>
+      <pc:sldChg chg="addSp delSp modSp mod modTransition addAnim delAnim modAnim">
+        <pc:chgData name="Scruel Tao" userId="5ea5c98d59b44d4b" providerId="LiveId" clId="{42F73B06-DA81-4C67-8473-07E158E9C79B}" dt="2023-05-05T10:06:17.769" v="5874" actId="962"/>
         <pc:sldMkLst>
           <pc:docMk/>
           <pc:sldMk cId="555885545" sldId="271"/>
@@ -2239,7 +2239,7 @@
           </ac:spMkLst>
         </pc:spChg>
         <pc:spChg chg="mod">
-          <ac:chgData name="Scruel Tao" userId="5ea5c98d59b44d4b" providerId="LiveId" clId="{42F73B06-DA81-4C67-8473-07E158E9C79B}" dt="2023-05-03T14:29:34.856" v="5626"/>
+          <ac:chgData name="Scruel Tao" userId="5ea5c98d59b44d4b" providerId="LiveId" clId="{42F73B06-DA81-4C67-8473-07E158E9C79B}" dt="2023-05-05T10:06:17.769" v="5874" actId="962"/>
           <ac:spMkLst>
             <pc:docMk/>
             <pc:sldMk cId="555885545" sldId="271"/>
@@ -2295,8 +2295,8 @@
           </ac:picMkLst>
         </pc:picChg>
       </pc:sldChg>
-      <pc:sldChg chg="modSp modAnim modNotesTx">
-        <pc:chgData name="Scruel Tao" userId="5ea5c98d59b44d4b" providerId="LiveId" clId="{42F73B06-DA81-4C67-8473-07E158E9C79B}" dt="2023-05-03T02:41:25.415" v="5587" actId="2711"/>
+      <pc:sldChg chg="modSp mod modTransition modAnim modNotesTx">
+        <pc:chgData name="Scruel Tao" userId="5ea5c98d59b44d4b" providerId="LiveId" clId="{42F73B06-DA81-4C67-8473-07E158E9C79B}" dt="2023-05-05T12:11:19.290" v="5902" actId="1076"/>
         <pc:sldMkLst>
           <pc:docMk/>
           <pc:sldMk cId="1518949093" sldId="272"/>
@@ -2310,7 +2310,7 @@
           </ac:spMkLst>
         </pc:spChg>
         <pc:spChg chg="mod">
-          <ac:chgData name="Scruel Tao" userId="5ea5c98d59b44d4b" providerId="LiveId" clId="{42F73B06-DA81-4C67-8473-07E158E9C79B}" dt="2023-05-03T02:41:25.415" v="5587" actId="2711"/>
+          <ac:chgData name="Scruel Tao" userId="5ea5c98d59b44d4b" providerId="LiveId" clId="{42F73B06-DA81-4C67-8473-07E158E9C79B}" dt="2023-05-05T12:11:19.290" v="5902" actId="1076"/>
           <ac:spMkLst>
             <pc:docMk/>
             <pc:sldMk cId="1518949093" sldId="272"/>
@@ -2318,8 +2318,8 @@
           </ac:spMkLst>
         </pc:spChg>
       </pc:sldChg>
-      <pc:sldChg chg="addSp delSp modSp mod delAnim modAnim modNotesTx">
-        <pc:chgData name="Scruel Tao" userId="5ea5c98d59b44d4b" providerId="LiveId" clId="{42F73B06-DA81-4C67-8473-07E158E9C79B}" dt="2023-05-04T09:30:41.024" v="5706" actId="20577"/>
+      <pc:sldChg chg="addSp delSp modSp mod modTransition delAnim modAnim modNotesTx">
+        <pc:chgData name="Scruel Tao" userId="5ea5c98d59b44d4b" providerId="LiveId" clId="{42F73B06-DA81-4C67-8473-07E158E9C79B}" dt="2023-05-05T10:01:51.588" v="5834"/>
         <pc:sldMkLst>
           <pc:docMk/>
           <pc:sldMk cId="1301849154" sldId="273"/>
@@ -2445,8 +2445,8 @@
           </ac:picMkLst>
         </pc:picChg>
       </pc:sldChg>
-      <pc:sldChg chg="modSp mod addAnim delAnim modAnim">
-        <pc:chgData name="Scruel Tao" userId="5ea5c98d59b44d4b" providerId="LiveId" clId="{42F73B06-DA81-4C67-8473-07E158E9C79B}" dt="2023-05-03T01:58:48.748" v="5545" actId="20577"/>
+      <pc:sldChg chg="modSp mod modTransition addAnim delAnim modAnim">
+        <pc:chgData name="Scruel Tao" userId="5ea5c98d59b44d4b" providerId="LiveId" clId="{42F73B06-DA81-4C67-8473-07E158E9C79B}" dt="2023-05-05T10:01:51.588" v="5834"/>
         <pc:sldMkLst>
           <pc:docMk/>
           <pc:sldMk cId="2878673110" sldId="274"/>
@@ -2460,8 +2460,8 @@
           </ac:spMkLst>
         </pc:spChg>
       </pc:sldChg>
-      <pc:sldChg chg="addSp delSp modSp mod delAnim modAnim modNotesTx">
-        <pc:chgData name="Scruel Tao" userId="5ea5c98d59b44d4b" providerId="LiveId" clId="{42F73B06-DA81-4C67-8473-07E158E9C79B}" dt="2023-05-04T11:37:04.300" v="5719" actId="13926"/>
+      <pc:sldChg chg="addSp delSp modSp mod modTransition delAnim modAnim modNotesTx">
+        <pc:chgData name="Scruel Tao" userId="5ea5c98d59b44d4b" providerId="LiveId" clId="{42F73B06-DA81-4C67-8473-07E158E9C79B}" dt="2023-05-05T10:06:51.552" v="5879" actId="207"/>
         <pc:sldMkLst>
           <pc:docMk/>
           <pc:sldMk cId="1525970791" sldId="275"/>
@@ -2491,7 +2491,7 @@
           </ac:spMkLst>
         </pc:spChg>
         <pc:spChg chg="mod">
-          <ac:chgData name="Scruel Tao" userId="5ea5c98d59b44d4b" providerId="LiveId" clId="{42F73B06-DA81-4C67-8473-07E158E9C79B}" dt="2023-05-04T11:37:04.300" v="5719" actId="13926"/>
+          <ac:chgData name="Scruel Tao" userId="5ea5c98d59b44d4b" providerId="LiveId" clId="{42F73B06-DA81-4C67-8473-07E158E9C79B}" dt="2023-05-05T10:06:51.184" v="5878" actId="207"/>
           <ac:spMkLst>
             <pc:docMk/>
             <pc:sldMk cId="1525970791" sldId="275"/>
@@ -2499,7 +2499,7 @@
           </ac:spMkLst>
         </pc:spChg>
         <pc:spChg chg="add mod">
-          <ac:chgData name="Scruel Tao" userId="5ea5c98d59b44d4b" providerId="LiveId" clId="{42F73B06-DA81-4C67-8473-07E158E9C79B}" dt="2023-05-03T14:29:02.706" v="5618" actId="13926"/>
+          <ac:chgData name="Scruel Tao" userId="5ea5c98d59b44d4b" providerId="LiveId" clId="{42F73B06-DA81-4C67-8473-07E158E9C79B}" dt="2023-05-05T10:06:51.552" v="5879" actId="207"/>
           <ac:spMkLst>
             <pc:docMk/>
             <pc:sldMk cId="1525970791" sldId="275"/>
@@ -2571,8 +2571,8 @@
           </ac:picMkLst>
         </pc:picChg>
       </pc:sldChg>
-      <pc:sldChg chg="modSp add mod modAnim modNotesTx">
-        <pc:chgData name="Scruel Tao" userId="5ea5c98d59b44d4b" providerId="LiveId" clId="{42F73B06-DA81-4C67-8473-07E158E9C79B}" dt="2023-05-04T11:36:49.952" v="5718" actId="20577"/>
+      <pc:sldChg chg="modSp add mod modTransition modAnim modNotesTx">
+        <pc:chgData name="Scruel Tao" userId="5ea5c98d59b44d4b" providerId="LiveId" clId="{42F73B06-DA81-4C67-8473-07E158E9C79B}" dt="2023-05-05T10:01:51.588" v="5834"/>
         <pc:sldMkLst>
           <pc:docMk/>
           <pc:sldMk cId="1751565490" sldId="276"/>
@@ -2726,14 +2726,14 @@
           </ac:picMkLst>
         </pc:picChg>
       </pc:sldChg>
-      <pc:sldChg chg="addSp delSp modSp add mod delAnim modAnim">
-        <pc:chgData name="Scruel Tao" userId="5ea5c98d59b44d4b" providerId="LiveId" clId="{42F73B06-DA81-4C67-8473-07E158E9C79B}" dt="2023-05-03T14:47:14.869" v="5644" actId="27636"/>
+      <pc:sldChg chg="addSp delSp modSp add mod modTransition delAnim modAnim">
+        <pc:chgData name="Scruel Tao" userId="5ea5c98d59b44d4b" providerId="LiveId" clId="{42F73B06-DA81-4C67-8473-07E158E9C79B}" dt="2023-05-05T10:07:44.028" v="5891" actId="20577"/>
         <pc:sldMkLst>
           <pc:docMk/>
           <pc:sldMk cId="4026358202" sldId="279"/>
         </pc:sldMkLst>
         <pc:spChg chg="mod">
-          <ac:chgData name="Scruel Tao" userId="5ea5c98d59b44d4b" providerId="LiveId" clId="{42F73B06-DA81-4C67-8473-07E158E9C79B}" dt="2023-05-03T14:47:14.869" v="5644" actId="27636"/>
+          <ac:chgData name="Scruel Tao" userId="5ea5c98d59b44d4b" providerId="LiveId" clId="{42F73B06-DA81-4C67-8473-07E158E9C79B}" dt="2023-05-05T10:07:44.028" v="5891" actId="20577"/>
           <ac:spMkLst>
             <pc:docMk/>
             <pc:sldMk cId="4026358202" sldId="279"/>
@@ -2781,12 +2781,20 @@
           </ac:picMkLst>
         </pc:picChg>
       </pc:sldChg>
-      <pc:sldChg chg="addSp delSp modSp add mod delAnim modAnim">
-        <pc:chgData name="Scruel Tao" userId="5ea5c98d59b44d4b" providerId="LiveId" clId="{42F73B06-DA81-4C67-8473-07E158E9C79B}" dt="2023-05-03T14:29:23.955" v="5622" actId="207"/>
+      <pc:sldChg chg="addSp delSp modSp add mod modTransition delAnim modAnim">
+        <pc:chgData name="Scruel Tao" userId="5ea5c98d59b44d4b" providerId="LiveId" clId="{42F73B06-DA81-4C67-8473-07E158E9C79B}" dt="2023-05-05T10:06:14.816" v="5873" actId="962"/>
         <pc:sldMkLst>
           <pc:docMk/>
           <pc:sldMk cId="4291654708" sldId="280"/>
         </pc:sldMkLst>
+        <pc:spChg chg="mod">
+          <ac:chgData name="Scruel Tao" userId="5ea5c98d59b44d4b" providerId="LiveId" clId="{42F73B06-DA81-4C67-8473-07E158E9C79B}" dt="2023-05-05T10:04:39.752" v="5852" actId="962"/>
+          <ac:spMkLst>
+            <pc:docMk/>
+            <pc:sldMk cId="4291654708" sldId="280"/>
+            <ac:spMk id="2" creationId="{ABA783DF-49A6-7EF1-661E-C574E2C2F386}"/>
+          </ac:spMkLst>
+        </pc:spChg>
         <pc:spChg chg="add del mod">
           <ac:chgData name="Scruel Tao" userId="5ea5c98d59b44d4b" providerId="LiveId" clId="{42F73B06-DA81-4C67-8473-07E158E9C79B}" dt="2023-04-29T14:39:45.568" v="4391" actId="21"/>
           <ac:spMkLst>
@@ -2796,7 +2804,7 @@
           </ac:spMkLst>
         </pc:spChg>
         <pc:spChg chg="mod">
-          <ac:chgData name="Scruel Tao" userId="5ea5c98d59b44d4b" providerId="LiveId" clId="{42F73B06-DA81-4C67-8473-07E158E9C79B}" dt="2023-05-03T14:29:23.955" v="5622" actId="207"/>
+          <ac:chgData name="Scruel Tao" userId="5ea5c98d59b44d4b" providerId="LiveId" clId="{42F73B06-DA81-4C67-8473-07E158E9C79B}" dt="2023-05-05T10:06:14.816" v="5873" actId="962"/>
           <ac:spMkLst>
             <pc:docMk/>
             <pc:sldMk cId="4291654708" sldId="280"/>
@@ -2876,7 +2884,7 @@
           </ac:picMkLst>
         </pc:picChg>
         <pc:picChg chg="add mod ord">
-          <ac:chgData name="Scruel Tao" userId="5ea5c98d59b44d4b" providerId="LiveId" clId="{42F73B06-DA81-4C67-8473-07E158E9C79B}" dt="2023-04-29T16:44:31.478" v="4729" actId="1076"/>
+          <ac:chgData name="Scruel Tao" userId="5ea5c98d59b44d4b" providerId="LiveId" clId="{42F73B06-DA81-4C67-8473-07E158E9C79B}" dt="2023-05-05T10:04:39.752" v="5852" actId="962"/>
           <ac:picMkLst>
             <pc:docMk/>
             <pc:sldMk cId="4291654708" sldId="280"/>
@@ -2892,14 +2900,14 @@
           </ac:picMkLst>
         </pc:picChg>
       </pc:sldChg>
-      <pc:sldChg chg="addSp delSp modSp add mod addAnim delAnim modAnim">
-        <pc:chgData name="Scruel Tao" userId="5ea5c98d59b44d4b" providerId="LiveId" clId="{42F73B06-DA81-4C67-8473-07E158E9C79B}" dt="2023-05-03T14:46:48.586" v="5634"/>
+      <pc:sldChg chg="addSp delSp modSp add mod modTransition addAnim delAnim modAnim">
+        <pc:chgData name="Scruel Tao" userId="5ea5c98d59b44d4b" providerId="LiveId" clId="{42F73B06-DA81-4C67-8473-07E158E9C79B}" dt="2023-05-05T10:06:07.580" v="5869"/>
         <pc:sldMkLst>
           <pc:docMk/>
           <pc:sldMk cId="908115860" sldId="281"/>
         </pc:sldMkLst>
         <pc:spChg chg="mod">
-          <ac:chgData name="Scruel Tao" userId="5ea5c98d59b44d4b" providerId="LiveId" clId="{42F73B06-DA81-4C67-8473-07E158E9C79B}" dt="2023-05-03T14:46:48.586" v="5634"/>
+          <ac:chgData name="Scruel Tao" userId="5ea5c98d59b44d4b" providerId="LiveId" clId="{42F73B06-DA81-4C67-8473-07E158E9C79B}" dt="2023-05-05T10:06:06.977" v="5868" actId="962"/>
           <ac:spMkLst>
             <pc:docMk/>
             <pc:sldMk cId="908115860" sldId="281"/>
@@ -2955,14 +2963,14 @@
           </ac:picMkLst>
         </pc:picChg>
       </pc:sldChg>
-      <pc:sldChg chg="addSp delSp modSp add mod delAnim modAnim">
-        <pc:chgData name="Scruel Tao" userId="5ea5c98d59b44d4b" providerId="LiveId" clId="{42F73B06-DA81-4C67-8473-07E158E9C79B}" dt="2023-05-03T14:29:27.016" v="5623"/>
+      <pc:sldChg chg="addSp delSp modSp add mod modTransition delAnim modAnim">
+        <pc:chgData name="Scruel Tao" userId="5ea5c98d59b44d4b" providerId="LiveId" clId="{42F73B06-DA81-4C67-8473-07E158E9C79B}" dt="2023-05-05T12:10:46.144" v="5901"/>
         <pc:sldMkLst>
           <pc:docMk/>
           <pc:sldMk cId="1594483198" sldId="282"/>
         </pc:sldMkLst>
         <pc:spChg chg="mod">
-          <ac:chgData name="Scruel Tao" userId="5ea5c98d59b44d4b" providerId="LiveId" clId="{42F73B06-DA81-4C67-8473-07E158E9C79B}" dt="2023-05-03T14:29:27.016" v="5623"/>
+          <ac:chgData name="Scruel Tao" userId="5ea5c98d59b44d4b" providerId="LiveId" clId="{42F73B06-DA81-4C67-8473-07E158E9C79B}" dt="2023-05-05T10:06:12.398" v="5872" actId="962"/>
           <ac:spMkLst>
             <pc:docMk/>
             <pc:sldMk cId="1594483198" sldId="282"/>
@@ -3025,8 +3033,8 @@
           <pc:sldMk cId="1225167520" sldId="283"/>
         </pc:sldMkLst>
       </pc:sldChg>
-      <pc:sldChg chg="addSp delSp modSp add mod modClrScheme modAnim chgLayout">
-        <pc:chgData name="Scruel Tao" userId="5ea5c98d59b44d4b" providerId="LiveId" clId="{42F73B06-DA81-4C67-8473-07E158E9C79B}" dt="2023-05-03T14:46:33.234" v="5632" actId="13926"/>
+      <pc:sldChg chg="addSp delSp modSp add mod modTransition modClrScheme modAnim chgLayout">
+        <pc:chgData name="Scruel Tao" userId="5ea5c98d59b44d4b" providerId="LiveId" clId="{42F73B06-DA81-4C67-8473-07E158E9C79B}" dt="2023-05-05T10:01:51.588" v="5834"/>
         <pc:sldMkLst>
           <pc:docMk/>
           <pc:sldMk cId="1355169620" sldId="283"/>
@@ -3104,14 +3112,14 @@
           </ac:picMkLst>
         </pc:picChg>
       </pc:sldChg>
-      <pc:sldChg chg="addSp delSp modSp add mod delAnim modAnim">
-        <pc:chgData name="Scruel Tao" userId="5ea5c98d59b44d4b" providerId="LiveId" clId="{42F73B06-DA81-4C67-8473-07E158E9C79B}" dt="2023-05-04T11:37:13.720" v="5720" actId="13926"/>
+      <pc:sldChg chg="addSp delSp modSp add mod modTransition delAnim modAnim">
+        <pc:chgData name="Scruel Tao" userId="5ea5c98d59b44d4b" providerId="LiveId" clId="{42F73B06-DA81-4C67-8473-07E158E9C79B}" dt="2023-05-05T10:06:58.194" v="5881" actId="207"/>
         <pc:sldMkLst>
           <pc:docMk/>
           <pc:sldMk cId="1521228770" sldId="284"/>
         </pc:sldMkLst>
         <pc:spChg chg="add mod">
-          <ac:chgData name="Scruel Tao" userId="5ea5c98d59b44d4b" providerId="LiveId" clId="{42F73B06-DA81-4C67-8473-07E158E9C79B}" dt="2023-05-03T14:29:00.144" v="5617" actId="13926"/>
+          <ac:chgData name="Scruel Tao" userId="5ea5c98d59b44d4b" providerId="LiveId" clId="{42F73B06-DA81-4C67-8473-07E158E9C79B}" dt="2023-05-05T10:06:54.907" v="5880" actId="207"/>
           <ac:spMkLst>
             <pc:docMk/>
             <pc:sldMk cId="1521228770" sldId="284"/>
@@ -3127,7 +3135,7 @@
           </ac:spMkLst>
         </pc:spChg>
         <pc:spChg chg="mod">
-          <ac:chgData name="Scruel Tao" userId="5ea5c98d59b44d4b" providerId="LiveId" clId="{42F73B06-DA81-4C67-8473-07E158E9C79B}" dt="2023-05-04T11:37:13.720" v="5720" actId="13926"/>
+          <ac:chgData name="Scruel Tao" userId="5ea5c98d59b44d4b" providerId="LiveId" clId="{42F73B06-DA81-4C67-8473-07E158E9C79B}" dt="2023-05-05T10:06:58.194" v="5881" actId="207"/>
           <ac:spMkLst>
             <pc:docMk/>
             <pc:sldMk cId="1521228770" sldId="284"/>
@@ -3182,8 +3190,8 @@
           <pc:sldMk cId="2227428054" sldId="284"/>
         </pc:sldMkLst>
       </pc:sldChg>
-      <pc:sldChg chg="addSp delSp modSp add mod delAnim modAnim">
-        <pc:chgData name="Scruel Tao" userId="5ea5c98d59b44d4b" providerId="LiveId" clId="{42F73B06-DA81-4C67-8473-07E158E9C79B}" dt="2023-05-04T11:37:15.704" v="5721" actId="13926"/>
+      <pc:sldChg chg="addSp delSp modSp add mod modTransition delAnim modAnim">
+        <pc:chgData name="Scruel Tao" userId="5ea5c98d59b44d4b" providerId="LiveId" clId="{42F73B06-DA81-4C67-8473-07E158E9C79B}" dt="2023-05-05T10:07:03.809" v="5883" actId="207"/>
         <pc:sldMkLst>
           <pc:docMk/>
           <pc:sldMk cId="4038958788" sldId="285"/>
@@ -3197,7 +3205,7 @@
           </ac:spMkLst>
         </pc:spChg>
         <pc:spChg chg="add mod">
-          <ac:chgData name="Scruel Tao" userId="5ea5c98d59b44d4b" providerId="LiveId" clId="{42F73B06-DA81-4C67-8473-07E158E9C79B}" dt="2023-05-03T14:29:50.352" v="5628" actId="13926"/>
+          <ac:chgData name="Scruel Tao" userId="5ea5c98d59b44d4b" providerId="LiveId" clId="{42F73B06-DA81-4C67-8473-07E158E9C79B}" dt="2023-05-05T10:07:03.809" v="5883" actId="207"/>
           <ac:spMkLst>
             <pc:docMk/>
             <pc:sldMk cId="4038958788" sldId="285"/>
@@ -3205,7 +3213,7 @@
           </ac:spMkLst>
         </pc:spChg>
         <pc:spChg chg="mod">
-          <ac:chgData name="Scruel Tao" userId="5ea5c98d59b44d4b" providerId="LiveId" clId="{42F73B06-DA81-4C67-8473-07E158E9C79B}" dt="2023-05-04T11:37:15.704" v="5721" actId="13926"/>
+          <ac:chgData name="Scruel Tao" userId="5ea5c98d59b44d4b" providerId="LiveId" clId="{42F73B06-DA81-4C67-8473-07E158E9C79B}" dt="2023-05-05T10:07:01.610" v="5882" actId="207"/>
           <ac:spMkLst>
             <pc:docMk/>
             <pc:sldMk cId="4038958788" sldId="285"/>
@@ -3260,8 +3268,8 @@
           <pc:sldMk cId="1616077886" sldId="286"/>
         </pc:sldMkLst>
       </pc:sldChg>
-      <pc:sldChg chg="addSp delSp modSp add mod">
-        <pc:chgData name="Scruel Tao" userId="5ea5c98d59b44d4b" providerId="LiveId" clId="{42F73B06-DA81-4C67-8473-07E158E9C79B}" dt="2023-05-03T14:29:56.022" v="5629" actId="207"/>
+      <pc:sldChg chg="addSp delSp modSp add mod modTransition">
+        <pc:chgData name="Scruel Tao" userId="5ea5c98d59b44d4b" providerId="LiveId" clId="{42F73B06-DA81-4C67-8473-07E158E9C79B}" dt="2023-05-05T10:01:51.588" v="5834"/>
         <pc:sldMkLst>
           <pc:docMk/>
           <pc:sldMk cId="2656073724" sldId="286"/>
@@ -3323,8 +3331,8 @@
           </ac:picMkLst>
         </pc:picChg>
       </pc:sldChg>
-      <pc:sldChg chg="addSp delSp modSp add mod chgLayout">
-        <pc:chgData name="Scruel Tao" userId="5ea5c98d59b44d4b" providerId="LiveId" clId="{42F73B06-DA81-4C67-8473-07E158E9C79B}" dt="2023-05-03T01:50:28.330" v="5439" actId="114"/>
+      <pc:sldChg chg="addSp delSp modSp add mod modTransition chgLayout">
+        <pc:chgData name="Scruel Tao" userId="5ea5c98d59b44d4b" providerId="LiveId" clId="{42F73B06-DA81-4C67-8473-07E158E9C79B}" dt="2023-05-05T10:01:51.588" v="5834"/>
         <pc:sldMkLst>
           <pc:docMk/>
           <pc:sldMk cId="4147465309" sldId="287"/>
@@ -3655,14 +3663,14 @@
           </ac:spMkLst>
         </pc:spChg>
       </pc:sldChg>
-      <pc:sldChg chg="modSp add mod">
-        <pc:chgData name="Scruel Tao" userId="5ea5c98d59b44d4b" providerId="LiveId" clId="{42F73B06-DA81-4C67-8473-07E158E9C79B}" dt="2023-05-03T14:29:37.893" v="5627" actId="207"/>
+      <pc:sldChg chg="modSp add mod modTransition">
+        <pc:chgData name="Scruel Tao" userId="5ea5c98d59b44d4b" providerId="LiveId" clId="{42F73B06-DA81-4C67-8473-07E158E9C79B}" dt="2023-05-05T10:06:18.340" v="5875" actId="962"/>
         <pc:sldMkLst>
           <pc:docMk/>
           <pc:sldMk cId="706773735" sldId="311"/>
         </pc:sldMkLst>
         <pc:spChg chg="mod">
-          <ac:chgData name="Scruel Tao" userId="5ea5c98d59b44d4b" providerId="LiveId" clId="{42F73B06-DA81-4C67-8473-07E158E9C79B}" dt="2023-05-03T14:29:37.893" v="5627" actId="207"/>
+          <ac:chgData name="Scruel Tao" userId="5ea5c98d59b44d4b" providerId="LiveId" clId="{42F73B06-DA81-4C67-8473-07E158E9C79B}" dt="2023-05-05T10:06:18.340" v="5875" actId="962"/>
           <ac:spMkLst>
             <pc:docMk/>
             <pc:sldMk cId="706773735" sldId="311"/>
@@ -3692,21 +3700,29 @@
           </ac:spMkLst>
         </pc:spChg>
       </pc:sldChg>
-      <pc:sldChg chg="add">
-        <pc:chgData name="Scruel Tao" userId="5ea5c98d59b44d4b" providerId="LiveId" clId="{42F73B06-DA81-4C67-8473-07E158E9C79B}" dt="2023-05-04T18:24:25.979" v="5790"/>
+      <pc:sldChg chg="add modTransition">
+        <pc:chgData name="Scruel Tao" userId="5ea5c98d59b44d4b" providerId="LiveId" clId="{42F73B06-DA81-4C67-8473-07E158E9C79B}" dt="2023-05-05T10:01:51.588" v="5834"/>
         <pc:sldMkLst>
           <pc:docMk/>
           <pc:sldMk cId="3625446739" sldId="366"/>
         </pc:sldMkLst>
       </pc:sldChg>
-      <pc:sldMasterChg chg="modSldLayout">
-        <pc:chgData name="Scruel Tao" userId="5ea5c98d59b44d4b" providerId="LiveId" clId="{42F73B06-DA81-4C67-8473-07E158E9C79B}" dt="2023-05-03T01:27:14.513" v="5434" actId="2711"/>
+      <pc:sldMasterChg chg="modTransition modSldLayout">
+        <pc:chgData name="Scruel Tao" userId="5ea5c98d59b44d4b" providerId="LiveId" clId="{42F73B06-DA81-4C67-8473-07E158E9C79B}" dt="2023-05-05T10:01:51.588" v="5834"/>
         <pc:sldMasterMkLst>
           <pc:docMk/>
           <pc:sldMasterMk cId="1766057859" sldId="2147483648"/>
         </pc:sldMasterMkLst>
-        <pc:sldLayoutChg chg="addSp delSp modSp mod">
-          <pc:chgData name="Scruel Tao" userId="5ea5c98d59b44d4b" providerId="LiveId" clId="{42F73B06-DA81-4C67-8473-07E158E9C79B}" dt="2023-05-03T01:27:09.379" v="5433" actId="2711"/>
+        <pc:sldLayoutChg chg="modTransition">
+          <pc:chgData name="Scruel Tao" userId="5ea5c98d59b44d4b" providerId="LiveId" clId="{42F73B06-DA81-4C67-8473-07E158E9C79B}" dt="2023-05-05T10:01:51.588" v="5834"/>
+          <pc:sldLayoutMkLst>
+            <pc:docMk/>
+            <pc:sldMasterMk cId="1766057859" sldId="2147483648"/>
+            <pc:sldLayoutMk cId="2187492797" sldId="2147483649"/>
+          </pc:sldLayoutMkLst>
+        </pc:sldLayoutChg>
+        <pc:sldLayoutChg chg="addSp delSp modSp mod modTransition">
+          <pc:chgData name="Scruel Tao" userId="5ea5c98d59b44d4b" providerId="LiveId" clId="{42F73B06-DA81-4C67-8473-07E158E9C79B}" dt="2023-05-05T10:01:51.588" v="5834"/>
           <pc:sldLayoutMkLst>
             <pc:docMk/>
             <pc:sldMasterMk cId="1766057859" sldId="2147483648"/>
@@ -3758,8 +3774,16 @@
             </ac:spMkLst>
           </pc:spChg>
         </pc:sldLayoutChg>
-        <pc:sldLayoutChg chg="addSp delSp modSp mod">
-          <pc:chgData name="Scruel Tao" userId="5ea5c98d59b44d4b" providerId="LiveId" clId="{42F73B06-DA81-4C67-8473-07E158E9C79B}" dt="2023-05-03T01:27:14.513" v="5434" actId="2711"/>
+        <pc:sldLayoutChg chg="modTransition">
+          <pc:chgData name="Scruel Tao" userId="5ea5c98d59b44d4b" providerId="LiveId" clId="{42F73B06-DA81-4C67-8473-07E158E9C79B}" dt="2023-05-05T10:01:51.588" v="5834"/>
+          <pc:sldLayoutMkLst>
+            <pc:docMk/>
+            <pc:sldMasterMk cId="1766057859" sldId="2147483648"/>
+            <pc:sldLayoutMk cId="3876442843" sldId="2147483651"/>
+          </pc:sldLayoutMkLst>
+        </pc:sldLayoutChg>
+        <pc:sldLayoutChg chg="addSp delSp modSp mod modTransition">
+          <pc:chgData name="Scruel Tao" userId="5ea5c98d59b44d4b" providerId="LiveId" clId="{42F73B06-DA81-4C67-8473-07E158E9C79B}" dt="2023-05-05T10:01:51.588" v="5834"/>
           <pc:sldLayoutMkLst>
             <pc:docMk/>
             <pc:sldMasterMk cId="1766057859" sldId="2147483648"/>
@@ -3811,8 +3835,64 @@
             </ac:spMkLst>
           </pc:spChg>
         </pc:sldLayoutChg>
-        <pc:sldLayoutChg chg="delSp">
-          <pc:chgData name="Scruel Tao" userId="5ea5c98d59b44d4b" providerId="LiveId" clId="{42F73B06-DA81-4C67-8473-07E158E9C79B}" dt="2023-04-25T02:47:33.665" v="42" actId="21"/>
+        <pc:sldLayoutChg chg="modTransition">
+          <pc:chgData name="Scruel Tao" userId="5ea5c98d59b44d4b" providerId="LiveId" clId="{42F73B06-DA81-4C67-8473-07E158E9C79B}" dt="2023-05-05T10:01:51.588" v="5834"/>
+          <pc:sldLayoutMkLst>
+            <pc:docMk/>
+            <pc:sldMasterMk cId="1766057859" sldId="2147483648"/>
+            <pc:sldLayoutMk cId="1903742116" sldId="2147483653"/>
+          </pc:sldLayoutMkLst>
+        </pc:sldLayoutChg>
+        <pc:sldLayoutChg chg="modTransition">
+          <pc:chgData name="Scruel Tao" userId="5ea5c98d59b44d4b" providerId="LiveId" clId="{42F73B06-DA81-4C67-8473-07E158E9C79B}" dt="2023-05-05T10:01:51.588" v="5834"/>
+          <pc:sldLayoutMkLst>
+            <pc:docMk/>
+            <pc:sldMasterMk cId="1766057859" sldId="2147483648"/>
+            <pc:sldLayoutMk cId="2266343131" sldId="2147483654"/>
+          </pc:sldLayoutMkLst>
+        </pc:sldLayoutChg>
+        <pc:sldLayoutChg chg="modTransition">
+          <pc:chgData name="Scruel Tao" userId="5ea5c98d59b44d4b" providerId="LiveId" clId="{42F73B06-DA81-4C67-8473-07E158E9C79B}" dt="2023-05-05T10:01:51.588" v="5834"/>
+          <pc:sldLayoutMkLst>
+            <pc:docMk/>
+            <pc:sldMasterMk cId="1766057859" sldId="2147483648"/>
+            <pc:sldLayoutMk cId="3125871839" sldId="2147483655"/>
+          </pc:sldLayoutMkLst>
+        </pc:sldLayoutChg>
+        <pc:sldLayoutChg chg="modTransition">
+          <pc:chgData name="Scruel Tao" userId="5ea5c98d59b44d4b" providerId="LiveId" clId="{42F73B06-DA81-4C67-8473-07E158E9C79B}" dt="2023-05-05T10:01:51.588" v="5834"/>
+          <pc:sldLayoutMkLst>
+            <pc:docMk/>
+            <pc:sldMasterMk cId="1766057859" sldId="2147483648"/>
+            <pc:sldLayoutMk cId="4269120921" sldId="2147483656"/>
+          </pc:sldLayoutMkLst>
+        </pc:sldLayoutChg>
+        <pc:sldLayoutChg chg="modTransition">
+          <pc:chgData name="Scruel Tao" userId="5ea5c98d59b44d4b" providerId="LiveId" clId="{42F73B06-DA81-4C67-8473-07E158E9C79B}" dt="2023-05-05T10:01:51.588" v="5834"/>
+          <pc:sldLayoutMkLst>
+            <pc:docMk/>
+            <pc:sldMasterMk cId="1766057859" sldId="2147483648"/>
+            <pc:sldLayoutMk cId="3839517779" sldId="2147483657"/>
+          </pc:sldLayoutMkLst>
+        </pc:sldLayoutChg>
+        <pc:sldLayoutChg chg="modTransition">
+          <pc:chgData name="Scruel Tao" userId="5ea5c98d59b44d4b" providerId="LiveId" clId="{42F73B06-DA81-4C67-8473-07E158E9C79B}" dt="2023-05-05T10:01:51.588" v="5834"/>
+          <pc:sldLayoutMkLst>
+            <pc:docMk/>
+            <pc:sldMasterMk cId="1766057859" sldId="2147483648"/>
+            <pc:sldLayoutMk cId="3533658407" sldId="2147483658"/>
+          </pc:sldLayoutMkLst>
+        </pc:sldLayoutChg>
+        <pc:sldLayoutChg chg="modTransition">
+          <pc:chgData name="Scruel Tao" userId="5ea5c98d59b44d4b" providerId="LiveId" clId="{42F73B06-DA81-4C67-8473-07E158E9C79B}" dt="2023-05-05T10:01:51.588" v="5834"/>
+          <pc:sldLayoutMkLst>
+            <pc:docMk/>
+            <pc:sldMasterMk cId="1766057859" sldId="2147483648"/>
+            <pc:sldLayoutMk cId="1976972956" sldId="2147483659"/>
+          </pc:sldLayoutMkLst>
+        </pc:sldLayoutChg>
+        <pc:sldLayoutChg chg="delSp modTransition">
+          <pc:chgData name="Scruel Tao" userId="5ea5c98d59b44d4b" providerId="LiveId" clId="{42F73B06-DA81-4C67-8473-07E158E9C79B}" dt="2023-05-05T10:01:51.588" v="5834"/>
           <pc:sldLayoutMkLst>
             <pc:docMk/>
             <pc:sldMasterMk cId="1766057859" sldId="2147483648"/>
@@ -5838,6 +5918,18 @@
   <p:clrMapOvr>
     <a:masterClrMapping/>
   </p:clrMapOvr>
+  <mc:AlternateContent xmlns:mc="http://schemas.openxmlformats.org/markup-compatibility/2006" xmlns:p14="http://schemas.microsoft.com/office/powerpoint/2010/main">
+    <mc:Choice Requires="p14">
+      <p:transition spd="med" p14:dur="700">
+        <p:fade/>
+      </p:transition>
+    </mc:Choice>
+    <mc:Fallback xmlns="">
+      <p:transition spd="med">
+        <p:fade/>
+      </p:transition>
+    </mc:Fallback>
+  </mc:AlternateContent>
 </p:sldLayout>
 </file>
 
@@ -6036,6 +6128,18 @@
   <p:clrMapOvr>
     <a:masterClrMapping/>
   </p:clrMapOvr>
+  <mc:AlternateContent xmlns:mc="http://schemas.openxmlformats.org/markup-compatibility/2006" xmlns:p14="http://schemas.microsoft.com/office/powerpoint/2010/main">
+    <mc:Choice Requires="p14">
+      <p:transition spd="med" p14:dur="700">
+        <p:fade/>
+      </p:transition>
+    </mc:Choice>
+    <mc:Fallback xmlns="">
+      <p:transition spd="med">
+        <p:fade/>
+      </p:transition>
+    </mc:Fallback>
+  </mc:AlternateContent>
 </p:sldLayout>
 </file>
 
@@ -6244,6 +6348,18 @@
   <p:clrMapOvr>
     <a:masterClrMapping/>
   </p:clrMapOvr>
+  <mc:AlternateContent xmlns:mc="http://schemas.openxmlformats.org/markup-compatibility/2006" xmlns:p14="http://schemas.microsoft.com/office/powerpoint/2010/main">
+    <mc:Choice Requires="p14">
+      <p:transition spd="med" p14:dur="700">
+        <p:fade/>
+      </p:transition>
+    </mc:Choice>
+    <mc:Fallback xmlns="">
+      <p:transition spd="med">
+        <p:fade/>
+      </p:transition>
+    </mc:Fallback>
+  </mc:AlternateContent>
 </p:sldLayout>
 </file>
 
@@ -6516,7 +6632,18 @@
   <p:clrMapOvr>
     <a:masterClrMapping/>
   </p:clrMapOvr>
-  <p:transition spd="med"/>
+  <mc:AlternateContent xmlns:mc="http://schemas.openxmlformats.org/markup-compatibility/2006" xmlns:p14="http://schemas.microsoft.com/office/powerpoint/2010/main">
+    <mc:Choice Requires="p14">
+      <p:transition spd="med" p14:dur="700">
+        <p:fade/>
+      </p:transition>
+    </mc:Choice>
+    <mc:Fallback xmlns="">
+      <p:transition spd="med">
+        <p:fade/>
+      </p:transition>
+    </mc:Fallback>
+  </mc:AlternateContent>
 </p:sldLayout>
 </file>
 
@@ -6819,6 +6946,18 @@
   <p:clrMapOvr>
     <a:masterClrMapping/>
   </p:clrMapOvr>
+  <mc:AlternateContent xmlns:mc="http://schemas.openxmlformats.org/markup-compatibility/2006" xmlns:p14="http://schemas.microsoft.com/office/powerpoint/2010/main">
+    <mc:Choice Requires="p14">
+      <p:transition spd="med" p14:dur="700">
+        <p:fade/>
+      </p:transition>
+    </mc:Choice>
+    <mc:Fallback xmlns="">
+      <p:transition spd="med">
+        <p:fade/>
+      </p:transition>
+    </mc:Fallback>
+  </mc:AlternateContent>
 </p:sldLayout>
 </file>
 
@@ -7094,6 +7233,18 @@
   <p:clrMapOvr>
     <a:masterClrMapping/>
   </p:clrMapOvr>
+  <mc:AlternateContent xmlns:mc="http://schemas.openxmlformats.org/markup-compatibility/2006" xmlns:p14="http://schemas.microsoft.com/office/powerpoint/2010/main">
+    <mc:Choice Requires="p14">
+      <p:transition spd="med" p14:dur="700">
+        <p:fade/>
+      </p:transition>
+    </mc:Choice>
+    <mc:Fallback xmlns="">
+      <p:transition spd="med">
+        <p:fade/>
+      </p:transition>
+    </mc:Fallback>
+  </mc:AlternateContent>
 </p:sldLayout>
 </file>
 
@@ -7489,6 +7640,18 @@
   <p:clrMapOvr>
     <a:masterClrMapping/>
   </p:clrMapOvr>
+  <mc:AlternateContent xmlns:mc="http://schemas.openxmlformats.org/markup-compatibility/2006" xmlns:p14="http://schemas.microsoft.com/office/powerpoint/2010/main">
+    <mc:Choice Requires="p14">
+      <p:transition spd="med" p14:dur="700">
+        <p:fade/>
+      </p:transition>
+    </mc:Choice>
+    <mc:Fallback xmlns="">
+      <p:transition spd="med">
+        <p:fade/>
+      </p:transition>
+    </mc:Fallback>
+  </mc:AlternateContent>
 </p:sldLayout>
 </file>
 
@@ -7901,6 +8064,18 @@
   <p:clrMapOvr>
     <a:masterClrMapping/>
   </p:clrMapOvr>
+  <mc:AlternateContent xmlns:mc="http://schemas.openxmlformats.org/markup-compatibility/2006" xmlns:p14="http://schemas.microsoft.com/office/powerpoint/2010/main">
+    <mc:Choice Requires="p14">
+      <p:transition spd="med" p14:dur="700">
+        <p:fade/>
+      </p:transition>
+    </mc:Choice>
+    <mc:Fallback xmlns="">
+      <p:transition spd="med">
+        <p:fade/>
+      </p:transition>
+    </mc:Fallback>
+  </mc:AlternateContent>
 </p:sldLayout>
 </file>
 
@@ -8042,6 +8217,18 @@
   <p:clrMapOvr>
     <a:masterClrMapping/>
   </p:clrMapOvr>
+  <mc:AlternateContent xmlns:mc="http://schemas.openxmlformats.org/markup-compatibility/2006" xmlns:p14="http://schemas.microsoft.com/office/powerpoint/2010/main">
+    <mc:Choice Requires="p14">
+      <p:transition spd="med" p14:dur="700">
+        <p:fade/>
+      </p:transition>
+    </mc:Choice>
+    <mc:Fallback xmlns="">
+      <p:transition spd="med">
+        <p:fade/>
+      </p:transition>
+    </mc:Fallback>
+  </mc:AlternateContent>
 </p:sldLayout>
 </file>
 
@@ -8155,6 +8342,18 @@
   <p:clrMapOvr>
     <a:masterClrMapping/>
   </p:clrMapOvr>
+  <mc:AlternateContent xmlns:mc="http://schemas.openxmlformats.org/markup-compatibility/2006" xmlns:p14="http://schemas.microsoft.com/office/powerpoint/2010/main">
+    <mc:Choice Requires="p14">
+      <p:transition spd="med" p14:dur="700">
+        <p:fade/>
+      </p:transition>
+    </mc:Choice>
+    <mc:Fallback xmlns="">
+      <p:transition spd="med">
+        <p:fade/>
+      </p:transition>
+    </mc:Fallback>
+  </mc:AlternateContent>
 </p:sldLayout>
 </file>
 
@@ -8466,6 +8665,18 @@
   <p:clrMapOvr>
     <a:masterClrMapping/>
   </p:clrMapOvr>
+  <mc:AlternateContent xmlns:mc="http://schemas.openxmlformats.org/markup-compatibility/2006" xmlns:p14="http://schemas.microsoft.com/office/powerpoint/2010/main">
+    <mc:Choice Requires="p14">
+      <p:transition spd="med" p14:dur="700">
+        <p:fade/>
+      </p:transition>
+    </mc:Choice>
+    <mc:Fallback xmlns="">
+      <p:transition spd="med">
+        <p:fade/>
+      </p:transition>
+    </mc:Fallback>
+  </mc:AlternateContent>
 </p:sldLayout>
 </file>
 
@@ -8754,6 +8965,18 @@
   <p:clrMapOvr>
     <a:masterClrMapping/>
   </p:clrMapOvr>
+  <mc:AlternateContent xmlns:mc="http://schemas.openxmlformats.org/markup-compatibility/2006" xmlns:p14="http://schemas.microsoft.com/office/powerpoint/2010/main">
+    <mc:Choice Requires="p14">
+      <p:transition spd="med" p14:dur="700">
+        <p:fade/>
+      </p:transition>
+    </mc:Choice>
+    <mc:Fallback xmlns="">
+      <p:transition spd="med">
+        <p:fade/>
+      </p:transition>
+    </mc:Fallback>
+  </mc:AlternateContent>
 </p:sldLayout>
 </file>
 
@@ -9043,6 +9266,18 @@
     <p:sldLayoutId id="2147483659" r:id="rId11"/>
     <p:sldLayoutId id="2147483660" r:id="rId12"/>
   </p:sldLayoutIdLst>
+  <mc:AlternateContent xmlns:mc="http://schemas.openxmlformats.org/markup-compatibility/2006" xmlns:p14="http://schemas.microsoft.com/office/powerpoint/2010/main">
+    <mc:Choice Requires="p14">
+      <p:transition spd="med" p14:dur="700">
+        <p:fade/>
+      </p:transition>
+    </mc:Choice>
+    <mc:Fallback xmlns="">
+      <p:transition spd="med">
+        <p:fade/>
+      </p:transition>
+    </mc:Fallback>
+  </mc:AlternateContent>
   <p:txStyles>
     <p:titleStyle>
       <a:lvl1pPr algn="l" defTabSz="914400" rtl="0" eaLnBrk="1" latinLnBrk="0" hangingPunct="1">
@@ -9676,7 +9911,18 @@
   <p:clrMapOvr>
     <a:masterClrMapping/>
   </p:clrMapOvr>
-  <p:transition spd="med"/>
+  <mc:AlternateContent xmlns:mc="http://schemas.openxmlformats.org/markup-compatibility/2006" xmlns:p14="http://schemas.microsoft.com/office/powerpoint/2010/main">
+    <mc:Choice Requires="p14">
+      <p:transition spd="med" p14:dur="700">
+        <p:fade/>
+      </p:transition>
+    </mc:Choice>
+    <mc:Fallback xmlns="">
+      <p:transition spd="med">
+        <p:fade/>
+      </p:transition>
+    </mc:Fallback>
+  </mc:AlternateContent>
   <p:timing>
     <p:tnLst>
       <p:par>
@@ -10025,6 +10271,18 @@
   <p:clrMapOvr>
     <a:masterClrMapping/>
   </p:clrMapOvr>
+  <mc:AlternateContent xmlns:mc="http://schemas.openxmlformats.org/markup-compatibility/2006" xmlns:p14="http://schemas.microsoft.com/office/powerpoint/2010/main">
+    <mc:Choice Requires="p14">
+      <p:transition spd="med" p14:dur="700">
+        <p:fade/>
+      </p:transition>
+    </mc:Choice>
+    <mc:Fallback xmlns="">
+      <p:transition spd="med">
+        <p:fade/>
+      </p:transition>
+    </mc:Fallback>
+  </mc:AlternateContent>
   <p:timing>
     <p:tnLst>
       <p:par>
@@ -10315,6 +10573,18 @@
   <p:clrMapOvr>
     <a:masterClrMapping/>
   </p:clrMapOvr>
+  <mc:AlternateContent xmlns:mc="http://schemas.openxmlformats.org/markup-compatibility/2006" xmlns:p14="http://schemas.microsoft.com/office/powerpoint/2010/main">
+    <mc:Choice Requires="p14">
+      <p:transition spd="med" p14:dur="700">
+        <p:fade/>
+      </p:transition>
+    </mc:Choice>
+    <mc:Fallback xmlns="">
+      <p:transition spd="med">
+        <p:fade/>
+      </p:transition>
+    </mc:Fallback>
+  </mc:AlternateContent>
   <p:timing>
     <p:tnLst>
       <p:par>
@@ -10805,6 +11075,18 @@
   <p:clrMapOvr>
     <a:masterClrMapping/>
   </p:clrMapOvr>
+  <mc:AlternateContent xmlns:mc="http://schemas.openxmlformats.org/markup-compatibility/2006" xmlns:p14="http://schemas.microsoft.com/office/powerpoint/2010/main">
+    <mc:Choice Requires="p14">
+      <p:transition spd="med" p14:dur="700">
+        <p:fade/>
+      </p:transition>
+    </mc:Choice>
+    <mc:Fallback xmlns="">
+      <p:transition spd="med">
+        <p:fade/>
+      </p:transition>
+    </mc:Fallback>
+  </mc:AlternateContent>
 </p:sld>
 </file>
 
@@ -11089,6 +11371,18 @@
   <p:clrMapOvr>
     <a:masterClrMapping/>
   </p:clrMapOvr>
+  <mc:AlternateContent xmlns:mc="http://schemas.openxmlformats.org/markup-compatibility/2006" xmlns:p14="http://schemas.microsoft.com/office/powerpoint/2010/main">
+    <mc:Choice Requires="p14">
+      <p:transition spd="med" p14:dur="700">
+        <p:fade/>
+      </p:transition>
+    </mc:Choice>
+    <mc:Fallback xmlns="">
+      <p:transition spd="med">
+        <p:fade/>
+      </p:transition>
+    </mc:Fallback>
+  </mc:AlternateContent>
 </p:sld>
 </file>
 
@@ -11278,10 +11572,14 @@
   </p:clrMapOvr>
   <mc:AlternateContent xmlns:mc="http://schemas.openxmlformats.org/markup-compatibility/2006" xmlns:p14="http://schemas.microsoft.com/office/powerpoint/2010/main">
     <mc:Choice Requires="p14">
-      <p:transition p14:dur="10"/>
+      <p:transition spd="med" p14:dur="700">
+        <p:fade/>
+      </p:transition>
     </mc:Choice>
     <mc:Fallback xmlns="">
-      <p:transition/>
+      <p:transition spd="med">
+        <p:fade/>
+      </p:transition>
     </mc:Fallback>
   </mc:AlternateContent>
 </p:sld>
@@ -11535,12 +11833,16 @@
   <p:clrMapOvr>
     <a:masterClrMapping/>
   </p:clrMapOvr>
-  <mc:AlternateContent xmlns:mc="http://schemas.openxmlformats.org/markup-compatibility/2006" xmlns:p14="http://schemas.microsoft.com/office/powerpoint/2010/main">
-    <mc:Choice Requires="p14">
-      <p:transition p14:dur="10"/>
+  <mc:AlternateContent xmlns:mc="http://schemas.openxmlformats.org/markup-compatibility/2006" xmlns:p159="http://schemas.microsoft.com/office/powerpoint/2015/09/main">
+    <mc:Choice Requires="p159">
+      <p:transition xmlns:p14="http://schemas.microsoft.com/office/powerpoint/2010/main" spd="slow" p14:dur="2000">
+        <p159:morph option="byObject"/>
+      </p:transition>
     </mc:Choice>
     <mc:Fallback xmlns="">
-      <p:transition/>
+      <p:transition spd="slow">
+        <p:fade/>
+      </p:transition>
     </mc:Fallback>
   </mc:AlternateContent>
 </p:sld>
@@ -11844,10 +12146,14 @@
   </p:clrMapOvr>
   <mc:AlternateContent xmlns:mc="http://schemas.openxmlformats.org/markup-compatibility/2006" xmlns:p14="http://schemas.microsoft.com/office/powerpoint/2010/main">
     <mc:Choice Requires="p14">
-      <p:transition p14:dur="10"/>
+      <p:transition spd="med" p14:dur="700">
+        <p:fade/>
+      </p:transition>
     </mc:Choice>
     <mc:Fallback xmlns="">
-      <p:transition/>
+      <p:transition spd="med">
+        <p:fade/>
+      </p:transition>
     </mc:Fallback>
   </mc:AlternateContent>
 </p:sld>
@@ -12181,10 +12487,14 @@
   </p:clrMapOvr>
   <mc:AlternateContent xmlns:mc="http://schemas.openxmlformats.org/markup-compatibility/2006" xmlns:p14="http://schemas.microsoft.com/office/powerpoint/2010/main">
     <mc:Choice Requires="p14">
-      <p:transition p14:dur="10"/>
+      <p:transition spd="med" p14:dur="700">
+        <p:fade/>
+      </p:transition>
     </mc:Choice>
     <mc:Fallback xmlns="">
-      <p:transition/>
+      <p:transition spd="med">
+        <p:fade/>
+      </p:transition>
     </mc:Fallback>
   </mc:AlternateContent>
 </p:sld>
@@ -12575,10 +12885,14 @@
   </p:clrMapOvr>
   <mc:AlternateContent xmlns:mc="http://schemas.openxmlformats.org/markup-compatibility/2006" xmlns:p14="http://schemas.microsoft.com/office/powerpoint/2010/main">
     <mc:Choice Requires="p14">
-      <p:transition p14:dur="10"/>
+      <p:transition spd="med" p14:dur="700">
+        <p:fade/>
+      </p:transition>
     </mc:Choice>
     <mc:Fallback xmlns="">
-      <p:transition/>
+      <p:transition spd="med">
+        <p:fade/>
+      </p:transition>
     </mc:Fallback>
   </mc:AlternateContent>
 </p:sld>
@@ -12809,6 +13123,18 @@
   <p:clrMapOvr>
     <a:masterClrMapping/>
   </p:clrMapOvr>
+  <mc:AlternateContent xmlns:mc="http://schemas.openxmlformats.org/markup-compatibility/2006" xmlns:p14="http://schemas.microsoft.com/office/powerpoint/2010/main">
+    <mc:Choice Requires="p14">
+      <p:transition spd="med" p14:dur="700">
+        <p:fade/>
+      </p:transition>
+    </mc:Choice>
+    <mc:Fallback xmlns="">
+      <p:transition spd="med">
+        <p:fade/>
+      </p:transition>
+    </mc:Fallback>
+  </mc:AlternateContent>
 </p:sld>
 </file>
 
@@ -13012,6 +13338,18 @@
   <p:clrMapOvr>
     <a:masterClrMapping/>
   </p:clrMapOvr>
+  <mc:AlternateContent xmlns:mc="http://schemas.openxmlformats.org/markup-compatibility/2006" xmlns:p14="http://schemas.microsoft.com/office/powerpoint/2010/main">
+    <mc:Choice Requires="p14">
+      <p:transition spd="med" p14:dur="700">
+        <p:fade/>
+      </p:transition>
+    </mc:Choice>
+    <mc:Fallback xmlns="">
+      <p:transition spd="med">
+        <p:fade/>
+      </p:transition>
+    </mc:Fallback>
+  </mc:AlternateContent>
 </p:sld>
 </file>
 
@@ -13115,11 +13453,22 @@
           <a:lstStyle/>
           <a:p>
             <a:r>
-              <a:rPr lang="zh-CN" altLang="en-US" dirty="0"/>
+              <a:rPr lang="zh-CN" altLang="en-US" dirty="0">
+                <a:solidFill>
+                  <a:schemeClr val="bg1">
+                    <a:lumMod val="65000"/>
+                  </a:schemeClr>
+                </a:solidFill>
+              </a:rPr>
               <a:t>在新建的 </a:t>
             </a:r>
             <a:r>
               <a:rPr lang="en-US" altLang="zh-CN" dirty="0">
+                <a:solidFill>
+                  <a:schemeClr val="bg1">
+                    <a:lumMod val="65000"/>
+                  </a:schemeClr>
+                </a:solidFill>
                 <a:highlight>
                   <a:srgbClr val="F0F0F0"/>
                 </a:highlight>
@@ -13128,14 +13477,32 @@
               <a:t>py</a:t>
             </a:r>
             <a:r>
-              <a:rPr lang="en-US" altLang="zh-CN" dirty="0"/>
+              <a:rPr lang="en-US" altLang="zh-CN" dirty="0">
+                <a:solidFill>
+                  <a:schemeClr val="bg1">
+                    <a:lumMod val="65000"/>
+                  </a:schemeClr>
+                </a:solidFill>
+              </a:rPr>
               <a:t> </a:t>
             </a:r>
             <a:r>
-              <a:rPr lang="zh-CN" altLang="en-US" dirty="0"/>
+              <a:rPr lang="zh-CN" altLang="en-US" dirty="0">
+                <a:solidFill>
+                  <a:schemeClr val="bg1">
+                    <a:lumMod val="65000"/>
+                  </a:schemeClr>
+                </a:solidFill>
+              </a:rPr>
               <a:t>文件中输入</a:t>
             </a:r>
-            <a:endParaRPr lang="en-US" altLang="zh-CN" dirty="0"/>
+            <a:endParaRPr lang="en-US" altLang="zh-CN" dirty="0">
+              <a:solidFill>
+                <a:schemeClr val="bg1">
+                  <a:lumMod val="65000"/>
+                </a:schemeClr>
+              </a:solidFill>
+            </a:endParaRPr>
           </a:p>
           <a:p>
             <a:endParaRPr lang="en-US" altLang="zh-CN" dirty="0"/>
@@ -13227,6 +13594,11 @@
             </a:pPr>
             <a:r>
               <a:rPr lang="en-US" altLang="zh-CN" sz="2400" b="1" dirty="0">
+                <a:solidFill>
+                  <a:schemeClr val="bg1">
+                    <a:lumMod val="65000"/>
+                  </a:schemeClr>
+                </a:solidFill>
                 <a:highlight>
                   <a:srgbClr val="F0F0F0"/>
                 </a:highlight>
@@ -13247,6 +13619,18 @@
   <p:clrMapOvr>
     <a:masterClrMapping/>
   </p:clrMapOvr>
+  <mc:AlternateContent xmlns:mc="http://schemas.openxmlformats.org/markup-compatibility/2006" xmlns:p14="http://schemas.microsoft.com/office/powerpoint/2010/main">
+    <mc:Choice Requires="p14">
+      <p:transition spd="med" p14:dur="700">
+        <p:fade/>
+      </p:transition>
+    </mc:Choice>
+    <mc:Fallback xmlns="">
+      <p:transition spd="med">
+        <p:fade/>
+      </p:transition>
+    </mc:Fallback>
+  </mc:AlternateContent>
 </p:sld>
 </file>
 
@@ -13350,11 +13734,22 @@
           <a:lstStyle/>
           <a:p>
             <a:r>
-              <a:rPr lang="zh-CN" altLang="en-US" dirty="0"/>
+              <a:rPr lang="zh-CN" altLang="en-US" dirty="0">
+                <a:solidFill>
+                  <a:schemeClr val="bg1">
+                    <a:lumMod val="65000"/>
+                  </a:schemeClr>
+                </a:solidFill>
+              </a:rPr>
               <a:t>在新建的 </a:t>
             </a:r>
             <a:r>
               <a:rPr lang="en-US" altLang="zh-CN" dirty="0">
+                <a:solidFill>
+                  <a:schemeClr val="bg1">
+                    <a:lumMod val="65000"/>
+                  </a:schemeClr>
+                </a:solidFill>
                 <a:highlight>
                   <a:srgbClr val="F0F0F0"/>
                 </a:highlight>
@@ -13363,25 +13758,60 @@
               <a:t>py</a:t>
             </a:r>
             <a:r>
-              <a:rPr lang="en-US" altLang="zh-CN" dirty="0"/>
+              <a:rPr lang="en-US" altLang="zh-CN" dirty="0">
+                <a:solidFill>
+                  <a:schemeClr val="bg1">
+                    <a:lumMod val="65000"/>
+                  </a:schemeClr>
+                </a:solidFill>
+              </a:rPr>
               <a:t> </a:t>
             </a:r>
             <a:r>
-              <a:rPr lang="zh-CN" altLang="en-US" dirty="0"/>
+              <a:rPr lang="zh-CN" altLang="en-US" dirty="0">
+                <a:solidFill>
+                  <a:schemeClr val="bg1">
+                    <a:lumMod val="65000"/>
+                  </a:schemeClr>
+                </a:solidFill>
+              </a:rPr>
               <a:t>文件中输入</a:t>
             </a:r>
-            <a:endParaRPr lang="en-US" altLang="zh-CN" dirty="0"/>
-          </a:p>
-          <a:p>
-            <a:endParaRPr lang="en-US" altLang="zh-CN" dirty="0"/>
-          </a:p>
-          <a:p>
-            <a:r>
-              <a:rPr lang="zh-CN" altLang="en-US" dirty="0"/>
+            <a:endParaRPr lang="en-US" altLang="zh-CN" dirty="0">
+              <a:solidFill>
+                <a:schemeClr val="bg1">
+                  <a:lumMod val="65000"/>
+                </a:schemeClr>
+              </a:solidFill>
+            </a:endParaRPr>
+          </a:p>
+          <a:p>
+            <a:endParaRPr lang="en-US" altLang="zh-CN" dirty="0">
+              <a:solidFill>
+                <a:schemeClr val="bg1">
+                  <a:lumMod val="65000"/>
+                </a:schemeClr>
+              </a:solidFill>
+            </a:endParaRPr>
+          </a:p>
+          <a:p>
+            <a:r>
+              <a:rPr lang="zh-CN" altLang="en-US" dirty="0">
+                <a:solidFill>
+                  <a:schemeClr val="bg1">
+                    <a:lumMod val="65000"/>
+                  </a:schemeClr>
+                </a:solidFill>
+              </a:rPr>
               <a:t>选择菜单 </a:t>
             </a:r>
             <a:r>
               <a:rPr lang="en-US" altLang="zh-CN" b="1" u="sng" dirty="0">
+                <a:solidFill>
+                  <a:schemeClr val="bg1">
+                    <a:lumMod val="65000"/>
+                  </a:schemeClr>
+                </a:solidFill>
                 <a:latin typeface="Consolas" panose="020B0609020204030204" pitchFamily="49" charset="0"/>
               </a:rPr>
               <a:t>Run -&gt; Run Without Debugging</a:t>
@@ -13517,6 +13947,11 @@
             </a:pPr>
             <a:r>
               <a:rPr lang="en-US" altLang="zh-CN" sz="2400" b="1" dirty="0">
+                <a:solidFill>
+                  <a:schemeClr val="bg1">
+                    <a:lumMod val="65000"/>
+                  </a:schemeClr>
+                </a:solidFill>
                 <a:highlight>
                   <a:srgbClr val="F0F0F0"/>
                 </a:highlight>
@@ -13537,6 +13972,18 @@
   <p:clrMapOvr>
     <a:masterClrMapping/>
   </p:clrMapOvr>
+  <mc:AlternateContent xmlns:mc="http://schemas.openxmlformats.org/markup-compatibility/2006" xmlns:p14="http://schemas.microsoft.com/office/powerpoint/2010/main">
+    <mc:Choice Requires="p14">
+      <p:transition spd="med" p14:dur="700">
+        <p:fade/>
+      </p:transition>
+    </mc:Choice>
+    <mc:Fallback xmlns="">
+      <p:transition spd="med">
+        <p:fade/>
+      </p:transition>
+    </mc:Fallback>
+  </mc:AlternateContent>
   <p:timing>
     <p:tnLst>
       <p:par>
@@ -13830,7 +14277,7 @@
         </p:nvSpPr>
         <p:spPr>
           <a:xfrm>
-            <a:off x="3004342" y="5727125"/>
+            <a:off x="3004342" y="5657503"/>
             <a:ext cx="6183316" cy="584775"/>
           </a:xfrm>
           <a:prstGeom prst="rect">
@@ -13869,6 +14316,18 @@
   <p:clrMapOvr>
     <a:masterClrMapping/>
   </p:clrMapOvr>
+  <mc:AlternateContent xmlns:mc="http://schemas.openxmlformats.org/markup-compatibility/2006" xmlns:p14="http://schemas.microsoft.com/office/powerpoint/2010/main">
+    <mc:Choice Requires="p14">
+      <p:transition spd="med" p14:dur="700">
+        <p:fade/>
+      </p:transition>
+    </mc:Choice>
+    <mc:Fallback xmlns="">
+      <p:transition spd="med">
+        <p:fade/>
+      </p:transition>
+    </mc:Fallback>
+  </mc:AlternateContent>
   <p:timing>
     <p:tnLst>
       <p:par>
@@ -14484,6 +14943,18 @@
   <p:clrMapOvr>
     <a:masterClrMapping/>
   </p:clrMapOvr>
+  <mc:AlternateContent xmlns:mc="http://schemas.openxmlformats.org/markup-compatibility/2006" xmlns:p14="http://schemas.microsoft.com/office/powerpoint/2010/main">
+    <mc:Choice Requires="p14">
+      <p:transition spd="med" p14:dur="700">
+        <p:fade/>
+      </p:transition>
+    </mc:Choice>
+    <mc:Fallback xmlns="">
+      <p:transition spd="med">
+        <p:fade/>
+      </p:transition>
+    </mc:Fallback>
+  </mc:AlternateContent>
 </p:sld>
 </file>
 
@@ -14826,6 +15297,18 @@
   <p:clrMapOvr>
     <a:masterClrMapping/>
   </p:clrMapOvr>
+  <mc:AlternateContent xmlns:mc="http://schemas.openxmlformats.org/markup-compatibility/2006" xmlns:p14="http://schemas.microsoft.com/office/powerpoint/2010/main">
+    <mc:Choice Requires="p14">
+      <p:transition spd="med" p14:dur="700">
+        <p:fade/>
+      </p:transition>
+    </mc:Choice>
+    <mc:Fallback xmlns="">
+      <p:transition spd="med">
+        <p:fade/>
+      </p:transition>
+    </mc:Fallback>
+  </mc:AlternateContent>
 </p:sld>
 </file>
 
@@ -15062,15 +15545,14 @@
           </a:p>
           <a:p>
             <a:r>
-              <a:rPr lang="zh-CN" altLang="en-US" dirty="0"/>
-              <a:t>使用</a:t>
-            </a:r>
-            <a:endParaRPr lang="en-US" altLang="zh-CN" dirty="0"/>
-          </a:p>
-          <a:p>
-            <a:pPr marL="0" indent="0">
-              <a:buNone/>
-            </a:pPr>
+              <a:rPr lang="en-US" altLang="zh-CN" b="1">
+                <a:highlight>
+                  <a:srgbClr val="F0F0F0"/>
+                </a:highlight>
+                <a:latin typeface="Consolas" panose="020B0609020204030204" pitchFamily="49" charset="0"/>
+              </a:rPr>
+              <a:t>python </a:t>
+            </a:r>
             <a:r>
               <a:rPr lang="en-US" altLang="zh-CN" b="1" dirty="0">
                 <a:highlight>
@@ -15078,7 +15560,7 @@
                 </a:highlight>
                 <a:latin typeface="Consolas" panose="020B0609020204030204" pitchFamily="49" charset="0"/>
               </a:rPr>
-              <a:t>python hello_world.py</a:t>
+              <a:t>hello_world.py</a:t>
             </a:r>
           </a:p>
           <a:p>
@@ -15247,6 +15729,18 @@
   <p:clrMapOvr>
     <a:masterClrMapping/>
   </p:clrMapOvr>
+  <mc:AlternateContent xmlns:mc="http://schemas.openxmlformats.org/markup-compatibility/2006" xmlns:p14="http://schemas.microsoft.com/office/powerpoint/2010/main">
+    <mc:Choice Requires="p14">
+      <p:transition spd="med" p14:dur="700">
+        <p:fade/>
+      </p:transition>
+    </mc:Choice>
+    <mc:Fallback xmlns="">
+      <p:transition spd="med">
+        <p:fade/>
+      </p:transition>
+    </mc:Fallback>
+  </mc:AlternateContent>
 </p:sld>
 </file>
 
@@ -15469,6 +15963,18 @@
   <p:clrMapOvr>
     <a:masterClrMapping/>
   </p:clrMapOvr>
+  <mc:AlternateContent xmlns:mc="http://schemas.openxmlformats.org/markup-compatibility/2006" xmlns:p14="http://schemas.microsoft.com/office/powerpoint/2010/main">
+    <mc:Choice Requires="p14">
+      <p:transition spd="med" p14:dur="700">
+        <p:fade/>
+      </p:transition>
+    </mc:Choice>
+    <mc:Fallback xmlns="">
+      <p:transition spd="med">
+        <p:fade/>
+      </p:transition>
+    </mc:Fallback>
+  </mc:AlternateContent>
   <p:timing>
     <p:tnLst>
       <p:par>
@@ -15805,6 +16311,18 @@
   <p:clrMapOvr>
     <a:masterClrMapping/>
   </p:clrMapOvr>
+  <mc:AlternateContent xmlns:mc="http://schemas.openxmlformats.org/markup-compatibility/2006" xmlns:p14="http://schemas.microsoft.com/office/powerpoint/2010/main">
+    <mc:Choice Requires="p14">
+      <p:transition spd="med" p14:dur="700">
+        <p:fade/>
+      </p:transition>
+    </mc:Choice>
+    <mc:Fallback xmlns="">
+      <p:transition spd="med">
+        <p:fade/>
+      </p:transition>
+    </mc:Fallback>
+  </mc:AlternateContent>
   <p:timing>
     <p:tnLst>
       <p:par>
@@ -16131,6 +16649,18 @@
   <p:clrMapOvr>
     <a:masterClrMapping/>
   </p:clrMapOvr>
+  <mc:AlternateContent xmlns:mc="http://schemas.openxmlformats.org/markup-compatibility/2006" xmlns:p14="http://schemas.microsoft.com/office/powerpoint/2010/main">
+    <mc:Choice Requires="p14">
+      <p:transition spd="med" p14:dur="700">
+        <p:fade/>
+      </p:transition>
+    </mc:Choice>
+    <mc:Fallback xmlns="">
+      <p:transition spd="med">
+        <p:fade/>
+      </p:transition>
+    </mc:Fallback>
+  </mc:AlternateContent>
 </p:sld>
 </file>
 
@@ -18180,6 +18710,18 @@
   <p:clrMapOvr>
     <a:masterClrMapping/>
   </p:clrMapOvr>
+  <mc:AlternateContent xmlns:mc="http://schemas.openxmlformats.org/markup-compatibility/2006" xmlns:p14="http://schemas.microsoft.com/office/powerpoint/2010/main">
+    <mc:Choice Requires="p14">
+      <p:transition spd="med" p14:dur="700">
+        <p:fade/>
+      </p:transition>
+    </mc:Choice>
+    <mc:Fallback xmlns="">
+      <p:transition spd="med">
+        <p:fade/>
+      </p:transition>
+    </mc:Fallback>
+  </mc:AlternateContent>
   <p:timing>
     <p:tnLst>
       <p:par>
@@ -18458,6 +19000,18 @@
   <p:clrMapOvr>
     <a:masterClrMapping/>
   </p:clrMapOvr>
+  <mc:AlternateContent xmlns:mc="http://schemas.openxmlformats.org/markup-compatibility/2006" xmlns:p14="http://schemas.microsoft.com/office/powerpoint/2010/main">
+    <mc:Choice Requires="p14">
+      <p:transition spd="med" p14:dur="700">
+        <p:fade/>
+      </p:transition>
+    </mc:Choice>
+    <mc:Fallback xmlns="">
+      <p:transition spd="med">
+        <p:fade/>
+      </p:transition>
+    </mc:Fallback>
+  </mc:AlternateContent>
 </p:sld>
 </file>
 
@@ -18580,7 +19134,7 @@
         </p:spPr>
         <p:txBody>
           <a:bodyPr>
-            <a:normAutofit lnSpcReduction="10000"/>
+            <a:normAutofit/>
           </a:bodyPr>
           <a:lstStyle/>
           <a:p>
@@ -18693,7 +19247,7 @@
             </a:pPr>
             <a:r>
               <a:rPr lang="zh-CN" altLang="en-US" dirty="0"/>
-              <a:t>（书中代码使用 </a:t>
+              <a:t>书中使用 </a:t>
             </a:r>
             <a:r>
               <a:rPr lang="en-US" altLang="zh-CN" dirty="0">
@@ -18707,7 +19261,7 @@
             </a:r>
             <a:r>
               <a:rPr lang="zh-CN" altLang="en-US" dirty="0"/>
-              <a:t>版本运行）</a:t>
+              <a:t>版本运行代码</a:t>
             </a:r>
             <a:endParaRPr lang="en-US" altLang="zh-CN" dirty="0"/>
           </a:p>
@@ -18723,6 +19277,18 @@
   <p:clrMapOvr>
     <a:masterClrMapping/>
   </p:clrMapOvr>
+  <mc:AlternateContent xmlns:mc="http://schemas.openxmlformats.org/markup-compatibility/2006" xmlns:p14="http://schemas.microsoft.com/office/powerpoint/2010/main">
+    <mc:Choice Requires="p14">
+      <p:transition spd="med" p14:dur="700">
+        <p:fade/>
+      </p:transition>
+    </mc:Choice>
+    <mc:Fallback xmlns="">
+      <p:transition spd="med">
+        <p:fade/>
+      </p:transition>
+    </mc:Fallback>
+  </mc:AlternateContent>
 </p:sld>
 </file>
 
@@ -19012,7 +19578,7 @@
         </p:blipFill>
         <p:spPr>
           <a:xfrm>
-            <a:off x="6263968" y="2464986"/>
+            <a:off x="6396704" y="1983077"/>
             <a:ext cx="4816257" cy="1928027"/>
           </a:xfrm>
         </p:spPr>
@@ -19079,6 +19645,18 @@
   <p:clrMapOvr>
     <a:masterClrMapping/>
   </p:clrMapOvr>
+  <mc:AlternateContent xmlns:mc="http://schemas.openxmlformats.org/markup-compatibility/2006" xmlns:p14="http://schemas.microsoft.com/office/powerpoint/2010/main">
+    <mc:Choice Requires="p14">
+      <p:transition spd="med" p14:dur="700">
+        <p:fade/>
+      </p:transition>
+    </mc:Choice>
+    <mc:Fallback xmlns="">
+      <p:transition spd="med">
+        <p:fade/>
+      </p:transition>
+    </mc:Fallback>
+  </mc:AlternateContent>
   <p:timing>
     <p:tnLst>
       <p:par>
@@ -19100,7 +19678,7 @@
                             </p:stCondLst>
                             <p:childTnLst>
                               <p:par>
-                                <p:cTn id="5" presetID="14" presetClass="entr" presetSubtype="10" fill="hold" grpId="0" nodeType="clickEffect">
+                                <p:cTn id="5" presetID="2" presetClass="entr" presetSubtype="4" fill="hold" nodeType="clickEffect">
                                   <p:stCondLst>
                                     <p:cond delay="0"/>
                                   </p:stCondLst>
@@ -19108,6 +19686,319 @@
                                     <p:set>
                                       <p:cBhvr>
                                         <p:cTn id="6" dur="1" fill="hold">
+                                          <p:stCondLst>
+                                            <p:cond delay="0"/>
+                                          </p:stCondLst>
+                                        </p:cTn>
+                                        <p:tgtEl>
+                                          <p:spTgt spid="13"/>
+                                        </p:tgtEl>
+                                        <p:attrNameLst>
+                                          <p:attrName>style.visibility</p:attrName>
+                                        </p:attrNameLst>
+                                      </p:cBhvr>
+                                      <p:to>
+                                        <p:strVal val="visible"/>
+                                      </p:to>
+                                    </p:set>
+                                    <p:anim calcmode="lin" valueType="num">
+                                      <p:cBhvr additive="base">
+                                        <p:cTn id="7" dur="500" fill="hold"/>
+                                        <p:tgtEl>
+                                          <p:spTgt spid="13"/>
+                                        </p:tgtEl>
+                                        <p:attrNameLst>
+                                          <p:attrName>ppt_x</p:attrName>
+                                        </p:attrNameLst>
+                                      </p:cBhvr>
+                                      <p:tavLst>
+                                        <p:tav tm="0">
+                                          <p:val>
+                                            <p:strVal val="#ppt_x"/>
+                                          </p:val>
+                                        </p:tav>
+                                        <p:tav tm="100000">
+                                          <p:val>
+                                            <p:strVal val="#ppt_x"/>
+                                          </p:val>
+                                        </p:tav>
+                                      </p:tavLst>
+                                    </p:anim>
+                                    <p:anim calcmode="lin" valueType="num">
+                                      <p:cBhvr additive="base">
+                                        <p:cTn id="8" dur="500" fill="hold"/>
+                                        <p:tgtEl>
+                                          <p:spTgt spid="13"/>
+                                        </p:tgtEl>
+                                        <p:attrNameLst>
+                                          <p:attrName>ppt_y</p:attrName>
+                                        </p:attrNameLst>
+                                      </p:cBhvr>
+                                      <p:tavLst>
+                                        <p:tav tm="0">
+                                          <p:val>
+                                            <p:strVal val="1+#ppt_h/2"/>
+                                          </p:val>
+                                        </p:tav>
+                                        <p:tav tm="100000">
+                                          <p:val>
+                                            <p:strVal val="#ppt_y"/>
+                                          </p:val>
+                                        </p:tav>
+                                      </p:tavLst>
+                                    </p:anim>
+                                  </p:childTnLst>
+                                </p:cTn>
+                              </p:par>
+                            </p:childTnLst>
+                          </p:cTn>
+                        </p:par>
+                      </p:childTnLst>
+                    </p:cTn>
+                  </p:par>
+                  <p:par>
+                    <p:cTn id="9" fill="hold">
+                      <p:stCondLst>
+                        <p:cond delay="indefinite"/>
+                      </p:stCondLst>
+                      <p:childTnLst>
+                        <p:par>
+                          <p:cTn id="10" fill="hold">
+                            <p:stCondLst>
+                              <p:cond delay="0"/>
+                            </p:stCondLst>
+                            <p:childTnLst>
+                              <p:par>
+                                <p:cTn id="11" presetID="1" presetClass="entr" presetSubtype="0" fill="hold" nodeType="clickEffect">
+                                  <p:stCondLst>
+                                    <p:cond delay="0"/>
+                                  </p:stCondLst>
+                                  <p:childTnLst>
+                                    <p:set>
+                                      <p:cBhvr>
+                                        <p:cTn id="12" dur="1" fill="hold">
+                                          <p:stCondLst>
+                                            <p:cond delay="0"/>
+                                          </p:stCondLst>
+                                        </p:cTn>
+                                        <p:tgtEl>
+                                          <p:spTgt spid="5">
+                                            <p:txEl>
+                                              <p:pRg st="3" end="3"/>
+                                            </p:txEl>
+                                          </p:spTgt>
+                                        </p:tgtEl>
+                                        <p:attrNameLst>
+                                          <p:attrName>style.visibility</p:attrName>
+                                        </p:attrNameLst>
+                                      </p:cBhvr>
+                                      <p:to>
+                                        <p:strVal val="visible"/>
+                                      </p:to>
+                                    </p:set>
+                                  </p:childTnLst>
+                                </p:cTn>
+                              </p:par>
+                              <p:par>
+                                <p:cTn id="13" presetID="1" presetClass="entr" presetSubtype="0" fill="hold" nodeType="withEffect">
+                                  <p:stCondLst>
+                                    <p:cond delay="0"/>
+                                  </p:stCondLst>
+                                  <p:childTnLst>
+                                    <p:set>
+                                      <p:cBhvr>
+                                        <p:cTn id="14" dur="1" fill="hold">
+                                          <p:stCondLst>
+                                            <p:cond delay="0"/>
+                                          </p:stCondLst>
+                                        </p:cTn>
+                                        <p:tgtEl>
+                                          <p:spTgt spid="5">
+                                            <p:txEl>
+                                              <p:pRg st="4" end="4"/>
+                                            </p:txEl>
+                                          </p:spTgt>
+                                        </p:tgtEl>
+                                        <p:attrNameLst>
+                                          <p:attrName>style.visibility</p:attrName>
+                                        </p:attrNameLst>
+                                      </p:cBhvr>
+                                      <p:to>
+                                        <p:strVal val="visible"/>
+                                      </p:to>
+                                    </p:set>
+                                  </p:childTnLst>
+                                </p:cTn>
+                              </p:par>
+                              <p:par>
+                                <p:cTn id="15" presetID="1" presetClass="entr" presetSubtype="0" fill="hold" nodeType="withEffect">
+                                  <p:stCondLst>
+                                    <p:cond delay="0"/>
+                                  </p:stCondLst>
+                                  <p:childTnLst>
+                                    <p:set>
+                                      <p:cBhvr>
+                                        <p:cTn id="16" dur="1" fill="hold">
+                                          <p:stCondLst>
+                                            <p:cond delay="0"/>
+                                          </p:stCondLst>
+                                        </p:cTn>
+                                        <p:tgtEl>
+                                          <p:spTgt spid="5">
+                                            <p:txEl>
+                                              <p:pRg st="5" end="5"/>
+                                            </p:txEl>
+                                          </p:spTgt>
+                                        </p:tgtEl>
+                                        <p:attrNameLst>
+                                          <p:attrName>style.visibility</p:attrName>
+                                        </p:attrNameLst>
+                                      </p:cBhvr>
+                                      <p:to>
+                                        <p:strVal val="visible"/>
+                                      </p:to>
+                                    </p:set>
+                                  </p:childTnLst>
+                                </p:cTn>
+                              </p:par>
+                            </p:childTnLst>
+                          </p:cTn>
+                        </p:par>
+                      </p:childTnLst>
+                    </p:cTn>
+                  </p:par>
+                  <p:par>
+                    <p:cTn id="17" fill="hold">
+                      <p:stCondLst>
+                        <p:cond delay="indefinite"/>
+                      </p:stCondLst>
+                      <p:childTnLst>
+                        <p:par>
+                          <p:cTn id="18" fill="hold">
+                            <p:stCondLst>
+                              <p:cond delay="0"/>
+                            </p:stCondLst>
+                            <p:childTnLst>
+                              <p:par>
+                                <p:cTn id="19" presetID="1" presetClass="entr" presetSubtype="0" fill="hold" nodeType="clickEffect">
+                                  <p:stCondLst>
+                                    <p:cond delay="0"/>
+                                  </p:stCondLst>
+                                  <p:childTnLst>
+                                    <p:set>
+                                      <p:cBhvr>
+                                        <p:cTn id="20" dur="1" fill="hold">
+                                          <p:stCondLst>
+                                            <p:cond delay="0"/>
+                                          </p:stCondLst>
+                                        </p:cTn>
+                                        <p:tgtEl>
+                                          <p:spTgt spid="5">
+                                            <p:txEl>
+                                              <p:pRg st="6" end="6"/>
+                                            </p:txEl>
+                                          </p:spTgt>
+                                        </p:tgtEl>
+                                        <p:attrNameLst>
+                                          <p:attrName>style.visibility</p:attrName>
+                                        </p:attrNameLst>
+                                      </p:cBhvr>
+                                      <p:to>
+                                        <p:strVal val="visible"/>
+                                      </p:to>
+                                    </p:set>
+                                  </p:childTnLst>
+                                </p:cTn>
+                              </p:par>
+                              <p:par>
+                                <p:cTn id="21" presetID="1" presetClass="entr" presetSubtype="0" fill="hold" nodeType="withEffect">
+                                  <p:stCondLst>
+                                    <p:cond delay="0"/>
+                                  </p:stCondLst>
+                                  <p:childTnLst>
+                                    <p:set>
+                                      <p:cBhvr>
+                                        <p:cTn id="22" dur="1" fill="hold">
+                                          <p:stCondLst>
+                                            <p:cond delay="0"/>
+                                          </p:stCondLst>
+                                        </p:cTn>
+                                        <p:tgtEl>
+                                          <p:spTgt spid="5">
+                                            <p:txEl>
+                                              <p:pRg st="7" end="7"/>
+                                            </p:txEl>
+                                          </p:spTgt>
+                                        </p:tgtEl>
+                                        <p:attrNameLst>
+                                          <p:attrName>style.visibility</p:attrName>
+                                        </p:attrNameLst>
+                                      </p:cBhvr>
+                                      <p:to>
+                                        <p:strVal val="visible"/>
+                                      </p:to>
+                                    </p:set>
+                                  </p:childTnLst>
+                                </p:cTn>
+                              </p:par>
+                              <p:par>
+                                <p:cTn id="23" presetID="1" presetClass="entr" presetSubtype="0" fill="hold" nodeType="withEffect">
+                                  <p:stCondLst>
+                                    <p:cond delay="0"/>
+                                  </p:stCondLst>
+                                  <p:childTnLst>
+                                    <p:set>
+                                      <p:cBhvr>
+                                        <p:cTn id="24" dur="1" fill="hold">
+                                          <p:stCondLst>
+                                            <p:cond delay="0"/>
+                                          </p:stCondLst>
+                                        </p:cTn>
+                                        <p:tgtEl>
+                                          <p:spTgt spid="5">
+                                            <p:txEl>
+                                              <p:pRg st="8" end="8"/>
+                                            </p:txEl>
+                                          </p:spTgt>
+                                        </p:tgtEl>
+                                        <p:attrNameLst>
+                                          <p:attrName>style.visibility</p:attrName>
+                                        </p:attrNameLst>
+                                      </p:cBhvr>
+                                      <p:to>
+                                        <p:strVal val="visible"/>
+                                      </p:to>
+                                    </p:set>
+                                  </p:childTnLst>
+                                </p:cTn>
+                              </p:par>
+                            </p:childTnLst>
+                          </p:cTn>
+                        </p:par>
+                      </p:childTnLst>
+                    </p:cTn>
+                  </p:par>
+                  <p:par>
+                    <p:cTn id="25" fill="hold">
+                      <p:stCondLst>
+                        <p:cond delay="indefinite"/>
+                      </p:stCondLst>
+                      <p:childTnLst>
+                        <p:par>
+                          <p:cTn id="26" fill="hold">
+                            <p:stCondLst>
+                              <p:cond delay="0"/>
+                            </p:stCondLst>
+                            <p:childTnLst>
+                              <p:par>
+                                <p:cTn id="27" presetID="14" presetClass="entr" presetSubtype="10" fill="hold" grpId="0" nodeType="clickEffect">
+                                  <p:stCondLst>
+                                    <p:cond delay="0"/>
+                                  </p:stCondLst>
+                                  <p:childTnLst>
+                                    <p:set>
+                                      <p:cBhvr>
+                                        <p:cTn id="28" dur="1" fill="hold">
                                           <p:stCondLst>
                                             <p:cond delay="0"/>
                                           </p:stCondLst>
@@ -19125,7 +20016,7 @@
                                     </p:set>
                                     <p:animEffect transition="in" filter="randombar(horizontal)">
                                       <p:cBhvr>
-                                        <p:cTn id="7" dur="500"/>
+                                        <p:cTn id="29" dur="500"/>
                                         <p:tgtEl>
                                           <p:spTgt spid="14"/>
                                         </p:tgtEl>
@@ -19416,6 +20307,18 @@
   <p:clrMapOvr>
     <a:masterClrMapping/>
   </p:clrMapOvr>
+  <mc:AlternateContent xmlns:mc="http://schemas.openxmlformats.org/markup-compatibility/2006" xmlns:p14="http://schemas.microsoft.com/office/powerpoint/2010/main">
+    <mc:Choice Requires="p14">
+      <p:transition spd="med" p14:dur="700">
+        <p:fade/>
+      </p:transition>
+    </mc:Choice>
+    <mc:Fallback xmlns="">
+      <p:transition spd="med">
+        <p:fade/>
+      </p:transition>
+    </mc:Fallback>
+  </mc:AlternateContent>
 </p:sld>
 </file>
 
@@ -19833,6 +20736,18 @@
   <p:clrMapOvr>
     <a:masterClrMapping/>
   </p:clrMapOvr>
+  <mc:AlternateContent xmlns:mc="http://schemas.openxmlformats.org/markup-compatibility/2006" xmlns:p14="http://schemas.microsoft.com/office/powerpoint/2010/main">
+    <mc:Choice Requires="p14">
+      <p:transition spd="med" p14:dur="700">
+        <p:fade/>
+      </p:transition>
+    </mc:Choice>
+    <mc:Fallback xmlns="">
+      <p:transition spd="med">
+        <p:fade/>
+      </p:transition>
+    </mc:Fallback>
+  </mc:AlternateContent>
   <p:timing>
     <p:tnLst>
       <p:par>

--- a/PPT/python1.pptx
+++ b/PPT/python1.pptx
@@ -150,7 +150,7 @@
 <file path=ppt/revisionInfo.xml><?xml version="1.0" encoding="utf-8"?>
 <p1510:revInfo xmlns:a="http://schemas.openxmlformats.org/drawingml/2006/main" xmlns:r="http://schemas.openxmlformats.org/officeDocument/2006/relationships" xmlns:p1510="http://schemas.microsoft.com/office/powerpoint/2015/10/main">
   <p1510:revLst>
-    <p1510:client id="{42F73B06-DA81-4C67-8473-07E158E9C79B}" v="1384" dt="2023-05-05T12:10:46.144"/>
+    <p1510:client id="{42F73B06-DA81-4C67-8473-07E158E9C79B}" v="1416" dt="2023-05-07T15:26:48.220"/>
   </p1510:revLst>
 </p1510:revInfo>
 </file>
@@ -1262,7 +1262,7 @@
   <pc:docChgLst>
     <pc:chgData name="Scruel Tao" userId="5ea5c98d59b44d4b" providerId="LiveId" clId="{42F73B06-DA81-4C67-8473-07E158E9C79B}"/>
     <pc:docChg chg="undo redo custSel addSld delSld modSld sldOrd modMainMaster">
-      <pc:chgData name="Scruel Tao" userId="5ea5c98d59b44d4b" providerId="LiveId" clId="{42F73B06-DA81-4C67-8473-07E158E9C79B}" dt="2023-05-05T12:11:19.290" v="5902" actId="1076"/>
+      <pc:chgData name="Scruel Tao" userId="5ea5c98d59b44d4b" providerId="LiveId" clId="{42F73B06-DA81-4C67-8473-07E158E9C79B}" dt="2023-05-08T01:24:22.003" v="6661" actId="20577"/>
       <pc:docMkLst>
         <pc:docMk/>
       </pc:docMkLst>
@@ -1306,7 +1306,7 @@
         </pc:spChg>
       </pc:sldChg>
       <pc:sldChg chg="addSp delSp modSp mod modTransition modAnim">
-        <pc:chgData name="Scruel Tao" userId="5ea5c98d59b44d4b" providerId="LiveId" clId="{42F73B06-DA81-4C67-8473-07E158E9C79B}" dt="2023-05-05T10:01:51.588" v="5834"/>
+        <pc:chgData name="Scruel Tao" userId="5ea5c98d59b44d4b" providerId="LiveId" clId="{42F73B06-DA81-4C67-8473-07E158E9C79B}" dt="2023-05-06T20:38:55.339" v="6417" actId="166"/>
         <pc:sldMkLst>
           <pc:docMk/>
           <pc:sldMk cId="3636494425" sldId="258"/>
@@ -1727,8 +1727,8 @@
             <ac:spMk id="59" creationId="{679C6DCA-93EF-C47E-B75E-7C7F1E9F94C4}"/>
           </ac:spMkLst>
         </pc:spChg>
-        <pc:spChg chg="add mod">
-          <ac:chgData name="Scruel Tao" userId="5ea5c98d59b44d4b" providerId="LiveId" clId="{42F73B06-DA81-4C67-8473-07E158E9C79B}" dt="2023-04-25T03:22:58.685" v="884" actId="1035"/>
+        <pc:spChg chg="add mod ord">
+          <ac:chgData name="Scruel Tao" userId="5ea5c98d59b44d4b" providerId="LiveId" clId="{42F73B06-DA81-4C67-8473-07E158E9C79B}" dt="2023-05-06T20:38:55.339" v="6417" actId="166"/>
           <ac:spMkLst>
             <pc:docMk/>
             <pc:sldMk cId="3636494425" sldId="258"/>
@@ -1848,8 +1848,8 @@
           </ac:picMkLst>
         </pc:picChg>
       </pc:sldChg>
-      <pc:sldChg chg="modSp mod modTransition">
-        <pc:chgData name="Scruel Tao" userId="5ea5c98d59b44d4b" providerId="LiveId" clId="{42F73B06-DA81-4C67-8473-07E158E9C79B}" dt="2023-05-05T10:01:51.588" v="5834"/>
+      <pc:sldChg chg="modSp mod modTransition modAnim">
+        <pc:chgData name="Scruel Tao" userId="5ea5c98d59b44d4b" providerId="LiveId" clId="{42F73B06-DA81-4C67-8473-07E158E9C79B}" dt="2023-05-06T20:39:19.687" v="6422"/>
         <pc:sldMkLst>
           <pc:docMk/>
           <pc:sldMk cId="1199684676" sldId="259"/>
@@ -1950,14 +1950,14 @@
           </ac:picMkLst>
         </pc:picChg>
       </pc:sldChg>
-      <pc:sldChg chg="modSp mod modTransition modAnim">
-        <pc:chgData name="Scruel Tao" userId="5ea5c98d59b44d4b" providerId="LiveId" clId="{42F73B06-DA81-4C67-8473-07E158E9C79B}" dt="2023-05-05T12:09:22.538" v="5897"/>
+      <pc:sldChg chg="modSp mod modTransition modAnim modNotesTx">
+        <pc:chgData name="Scruel Tao" userId="5ea5c98d59b44d4b" providerId="LiveId" clId="{42F73B06-DA81-4C67-8473-07E158E9C79B}" dt="2023-05-06T20:39:44.372" v="6423"/>
         <pc:sldMkLst>
           <pc:docMk/>
           <pc:sldMk cId="3351160539" sldId="261"/>
         </pc:sldMkLst>
         <pc:spChg chg="mod">
-          <ac:chgData name="Scruel Tao" userId="5ea5c98d59b44d4b" providerId="LiveId" clId="{42F73B06-DA81-4C67-8473-07E158E9C79B}" dt="2023-05-03T01:52:35.301" v="5453" actId="2711"/>
+          <ac:chgData name="Scruel Tao" userId="5ea5c98d59b44d4b" providerId="LiveId" clId="{42F73B06-DA81-4C67-8473-07E158E9C79B}" dt="2023-05-06T09:05:23.971" v="6370" actId="20577"/>
           <ac:spMkLst>
             <pc:docMk/>
             <pc:sldMk cId="3351160539" sldId="261"/>
@@ -1965,7 +1965,7 @@
           </ac:spMkLst>
         </pc:spChg>
         <pc:spChg chg="mod">
-          <ac:chgData name="Scruel Tao" userId="5ea5c98d59b44d4b" providerId="LiveId" clId="{42F73B06-DA81-4C67-8473-07E158E9C79B}" dt="2023-05-03T01:52:24.476" v="5451" actId="2711"/>
+          <ac:chgData name="Scruel Tao" userId="5ea5c98d59b44d4b" providerId="LiveId" clId="{42F73B06-DA81-4C67-8473-07E158E9C79B}" dt="2023-05-06T16:47:23.211" v="6372" actId="207"/>
           <ac:spMkLst>
             <pc:docMk/>
             <pc:sldMk cId="3351160539" sldId="261"/>
@@ -2106,8 +2106,8 @@
           </ac:picMkLst>
         </pc:picChg>
       </pc:sldChg>
-      <pc:sldChg chg="addSp delSp modSp mod modTransition modClrScheme chgLayout">
-        <pc:chgData name="Scruel Tao" userId="5ea5c98d59b44d4b" providerId="LiveId" clId="{42F73B06-DA81-4C67-8473-07E158E9C79B}" dt="2023-05-05T10:01:51.588" v="5834"/>
+      <pc:sldChg chg="addSp delSp modSp mod modTransition modClrScheme delAnim modAnim chgLayout">
+        <pc:chgData name="Scruel Tao" userId="5ea5c98d59b44d4b" providerId="LiveId" clId="{42F73B06-DA81-4C67-8473-07E158E9C79B}" dt="2023-05-06T16:53:54.908" v="6413" actId="21"/>
         <pc:sldMkLst>
           <pc:docMk/>
           <pc:sldMk cId="3416507657" sldId="265"/>
@@ -2121,6 +2121,14 @@
           </ac:spMkLst>
         </pc:spChg>
         <pc:spChg chg="add del mod">
+          <ac:chgData name="Scruel Tao" userId="5ea5c98d59b44d4b" providerId="LiveId" clId="{42F73B06-DA81-4C67-8473-07E158E9C79B}" dt="2023-05-06T16:49:35.170" v="6373" actId="21"/>
+          <ac:spMkLst>
+            <pc:docMk/>
+            <pc:sldMk cId="3416507657" sldId="265"/>
+            <ac:spMk id="3" creationId="{9F610B5B-8735-5D53-AB8A-372E2C772012}"/>
+          </ac:spMkLst>
+        </pc:spChg>
+        <pc:spChg chg="add del mod">
           <ac:chgData name="Scruel Tao" userId="5ea5c98d59b44d4b" providerId="LiveId" clId="{42F73B06-DA81-4C67-8473-07E158E9C79B}" dt="2023-04-29T11:30:33.535" v="3872" actId="21"/>
           <ac:spMkLst>
             <pc:docMk/>
@@ -2136,6 +2144,22 @@
             <ac:spMk id="5" creationId="{334FF01F-2A65-44F6-34F9-69AC934A31D7}"/>
           </ac:spMkLst>
         </pc:spChg>
+        <pc:spChg chg="add del">
+          <ac:chgData name="Scruel Tao" userId="5ea5c98d59b44d4b" providerId="LiveId" clId="{42F73B06-DA81-4C67-8473-07E158E9C79B}" dt="2023-05-06T16:49:40.194" v="6375" actId="22"/>
+          <ac:spMkLst>
+            <pc:docMk/>
+            <pc:sldMk cId="3416507657" sldId="265"/>
+            <ac:spMk id="6" creationId="{6138E7CB-416D-4AC2-092C-2DE171F6B713}"/>
+          </ac:spMkLst>
+        </pc:spChg>
+        <pc:picChg chg="add del mod">
+          <ac:chgData name="Scruel Tao" userId="5ea5c98d59b44d4b" providerId="LiveId" clId="{42F73B06-DA81-4C67-8473-07E158E9C79B}" dt="2023-05-06T16:51:54.324" v="6381" actId="21"/>
+          <ac:picMkLst>
+            <pc:docMk/>
+            <pc:sldMk cId="3416507657" sldId="265"/>
+            <ac:picMk id="8" creationId="{775AA5F3-CA0A-B7F9-1060-F4601EF41F6B}"/>
+          </ac:picMkLst>
+        </pc:picChg>
         <pc:picChg chg="mod ord">
           <ac:chgData name="Scruel Tao" userId="5ea5c98d59b44d4b" providerId="LiveId" clId="{42F73B06-DA81-4C67-8473-07E158E9C79B}" dt="2023-04-29T11:30:49.553" v="3904" actId="1076"/>
           <ac:picMkLst>
@@ -2144,6 +2168,14 @@
             <ac:picMk id="11" creationId="{44AA24C5-508C-4D40-7E65-55D5627E4671}"/>
           </ac:picMkLst>
         </pc:picChg>
+        <pc:cxnChg chg="add del mod">
+          <ac:chgData name="Scruel Tao" userId="5ea5c98d59b44d4b" providerId="LiveId" clId="{42F73B06-DA81-4C67-8473-07E158E9C79B}" dt="2023-05-06T16:53:54.908" v="6413" actId="21"/>
+          <ac:cxnSpMkLst>
+            <pc:docMk/>
+            <pc:sldMk cId="3416507657" sldId="265"/>
+            <ac:cxnSpMk id="10" creationId="{0A7B695A-9A9D-BC9D-7815-5CE2B5E48024}"/>
+          </ac:cxnSpMkLst>
+        </pc:cxnChg>
       </pc:sldChg>
       <pc:sldChg chg="addSp delSp modSp mod modTransition modClrScheme chgLayout">
         <pc:chgData name="Scruel Tao" userId="5ea5c98d59b44d4b" providerId="LiveId" clId="{42F73B06-DA81-4C67-8473-07E158E9C79B}" dt="2023-05-05T10:01:51.588" v="5834"/>
@@ -2572,7 +2604,7 @@
         </pc:picChg>
       </pc:sldChg>
       <pc:sldChg chg="modSp add mod modTransition modAnim modNotesTx">
-        <pc:chgData name="Scruel Tao" userId="5ea5c98d59b44d4b" providerId="LiveId" clId="{42F73B06-DA81-4C67-8473-07E158E9C79B}" dt="2023-05-05T10:01:51.588" v="5834"/>
+        <pc:chgData name="Scruel Tao" userId="5ea5c98d59b44d4b" providerId="LiveId" clId="{42F73B06-DA81-4C67-8473-07E158E9C79B}" dt="2023-05-06T16:54:42.145" v="6416" actId="20577"/>
         <pc:sldMkLst>
           <pc:docMk/>
           <pc:sldMk cId="1751565490" sldId="276"/>
@@ -3034,7 +3066,7 @@
         </pc:sldMkLst>
       </pc:sldChg>
       <pc:sldChg chg="addSp delSp modSp add mod modTransition modClrScheme modAnim chgLayout">
-        <pc:chgData name="Scruel Tao" userId="5ea5c98d59b44d4b" providerId="LiveId" clId="{42F73B06-DA81-4C67-8473-07E158E9C79B}" dt="2023-05-05T10:01:51.588" v="5834"/>
+        <pc:chgData name="Scruel Tao" userId="5ea5c98d59b44d4b" providerId="LiveId" clId="{42F73B06-DA81-4C67-8473-07E158E9C79B}" dt="2023-05-06T20:40:02.896" v="6424" actId="1076"/>
         <pc:sldMkLst>
           <pc:docMk/>
           <pc:sldMk cId="1355169620" sldId="283"/>
@@ -3045,6 +3077,14 @@
             <pc:docMk/>
             <pc:sldMk cId="1355169620" sldId="283"/>
             <ac:spMk id="2" creationId="{ABA783DF-49A6-7EF1-661E-C574E2C2F386}"/>
+          </ac:spMkLst>
+        </pc:spChg>
+        <pc:spChg chg="add mod">
+          <ac:chgData name="Scruel Tao" userId="5ea5c98d59b44d4b" providerId="LiveId" clId="{42F73B06-DA81-4C67-8473-07E158E9C79B}" dt="2023-05-06T20:40:02.896" v="6424" actId="1076"/>
+          <ac:spMkLst>
+            <pc:docMk/>
+            <pc:sldMk cId="1355169620" sldId="283"/>
+            <ac:spMk id="3" creationId="{4C2E732F-A50A-4A52-40B9-986D3F10E91A}"/>
           </ac:spMkLst>
         </pc:spChg>
         <pc:spChg chg="add del mod">
@@ -3331,8 +3371,8 @@
           </ac:picMkLst>
         </pc:picChg>
       </pc:sldChg>
-      <pc:sldChg chg="addSp delSp modSp add mod modTransition chgLayout">
-        <pc:chgData name="Scruel Tao" userId="5ea5c98d59b44d4b" providerId="LiveId" clId="{42F73B06-DA81-4C67-8473-07E158E9C79B}" dt="2023-05-05T10:01:51.588" v="5834"/>
+      <pc:sldChg chg="addSp delSp modSp add mod modTransition chgLayout modNotesTx">
+        <pc:chgData name="Scruel Tao" userId="5ea5c98d59b44d4b" providerId="LiveId" clId="{42F73B06-DA81-4C67-8473-07E158E9C79B}" dt="2023-05-08T01:24:22.003" v="6661" actId="20577"/>
         <pc:sldMkLst>
           <pc:docMk/>
           <pc:sldMk cId="4147465309" sldId="287"/>
@@ -3346,7 +3386,7 @@
           </ac:spMkLst>
         </pc:spChg>
         <pc:spChg chg="add mod">
-          <ac:chgData name="Scruel Tao" userId="5ea5c98d59b44d4b" providerId="LiveId" clId="{42F73B06-DA81-4C67-8473-07E158E9C79B}" dt="2023-05-03T01:50:28.330" v="5439" actId="114"/>
+          <ac:chgData name="Scruel Tao" userId="5ea5c98d59b44d4b" providerId="LiveId" clId="{42F73B06-DA81-4C67-8473-07E158E9C79B}" dt="2023-05-06T20:39:11.895" v="6419" actId="1076"/>
           <ac:spMkLst>
             <pc:docMk/>
             <pc:sldMk cId="4147465309" sldId="287"/>
@@ -3664,7 +3704,7 @@
         </pc:spChg>
       </pc:sldChg>
       <pc:sldChg chg="modSp add mod modTransition">
-        <pc:chgData name="Scruel Tao" userId="5ea5c98d59b44d4b" providerId="LiveId" clId="{42F73B06-DA81-4C67-8473-07E158E9C79B}" dt="2023-05-05T10:06:18.340" v="5875" actId="962"/>
+        <pc:chgData name="Scruel Tao" userId="5ea5c98d59b44d4b" providerId="LiveId" clId="{42F73B06-DA81-4C67-8473-07E158E9C79B}" dt="2023-05-05T15:08:24.863" v="6349"/>
         <pc:sldMkLst>
           <pc:docMk/>
           <pc:sldMk cId="706773735" sldId="311"/>
@@ -3706,6 +3746,69 @@
           <pc:docMk/>
           <pc:sldMk cId="3625446739" sldId="366"/>
         </pc:sldMkLst>
+      </pc:sldChg>
+      <pc:sldChg chg="addSp delSp modSp add del mod chgLayout">
+        <pc:chgData name="Scruel Tao" userId="5ea5c98d59b44d4b" providerId="LiveId" clId="{42F73B06-DA81-4C67-8473-07E158E9C79B}" dt="2023-05-07T15:39:40.094" v="6491" actId="47"/>
+        <pc:sldMkLst>
+          <pc:docMk/>
+          <pc:sldMk cId="2773861659" sldId="367"/>
+        </pc:sldMkLst>
+        <pc:spChg chg="mod ord">
+          <ac:chgData name="Scruel Tao" userId="5ea5c98d59b44d4b" providerId="LiveId" clId="{42F73B06-DA81-4C67-8473-07E158E9C79B}" dt="2023-05-07T15:27:14.004" v="6460" actId="700"/>
+          <ac:spMkLst>
+            <pc:docMk/>
+            <pc:sldMk cId="2773861659" sldId="367"/>
+            <ac:spMk id="2" creationId="{ABA783DF-49A6-7EF1-661E-C574E2C2F386}"/>
+          </ac:spMkLst>
+        </pc:spChg>
+        <pc:spChg chg="del mod">
+          <ac:chgData name="Scruel Tao" userId="5ea5c98d59b44d4b" providerId="LiveId" clId="{42F73B06-DA81-4C67-8473-07E158E9C79B}" dt="2023-05-07T15:27:09.125" v="6459" actId="478"/>
+          <ac:spMkLst>
+            <pc:docMk/>
+            <pc:sldMk cId="2773861659" sldId="367"/>
+            <ac:spMk id="3" creationId="{B919DED7-EDDF-A9D7-FFE1-8104659F6D9E}"/>
+          </ac:spMkLst>
+        </pc:spChg>
+        <pc:spChg chg="add del mod">
+          <ac:chgData name="Scruel Tao" userId="5ea5c98d59b44d4b" providerId="LiveId" clId="{42F73B06-DA81-4C67-8473-07E158E9C79B}" dt="2023-05-07T15:27:14.004" v="6460" actId="700"/>
+          <ac:spMkLst>
+            <pc:docMk/>
+            <pc:sldMk cId="2773861659" sldId="367"/>
+            <ac:spMk id="6" creationId="{75451877-E50F-F274-9307-D428BE038589}"/>
+          </ac:spMkLst>
+        </pc:spChg>
+        <pc:spChg chg="add mod ord">
+          <ac:chgData name="Scruel Tao" userId="5ea5c98d59b44d4b" providerId="LiveId" clId="{42F73B06-DA81-4C67-8473-07E158E9C79B}" dt="2023-05-07T15:27:25.808" v="6490" actId="20577"/>
+          <ac:spMkLst>
+            <pc:docMk/>
+            <pc:sldMk cId="2773861659" sldId="367"/>
+            <ac:spMk id="7" creationId="{AEF32D1D-FED2-7071-A96D-A91884DB91AC}"/>
+          </ac:spMkLst>
+        </pc:spChg>
+        <pc:spChg chg="add mod ord">
+          <ac:chgData name="Scruel Tao" userId="5ea5c98d59b44d4b" providerId="LiveId" clId="{42F73B06-DA81-4C67-8473-07E158E9C79B}" dt="2023-05-07T15:27:14.004" v="6460" actId="700"/>
+          <ac:spMkLst>
+            <pc:docMk/>
+            <pc:sldMk cId="2773861659" sldId="367"/>
+            <ac:spMk id="8" creationId="{B7CDD84C-6F29-C99F-508E-2FBC7FDA92DD}"/>
+          </ac:spMkLst>
+        </pc:spChg>
+        <pc:picChg chg="del">
+          <ac:chgData name="Scruel Tao" userId="5ea5c98d59b44d4b" providerId="LiveId" clId="{42F73B06-DA81-4C67-8473-07E158E9C79B}" dt="2023-05-07T15:26:57.230" v="6443" actId="478"/>
+          <ac:picMkLst>
+            <pc:docMk/>
+            <pc:sldMk cId="2773861659" sldId="367"/>
+            <ac:picMk id="5" creationId="{91F646AF-DCFD-7B44-A4F5-21F01F47F131}"/>
+          </ac:picMkLst>
+        </pc:picChg>
+        <pc:picChg chg="del">
+          <ac:chgData name="Scruel Tao" userId="5ea5c98d59b44d4b" providerId="LiveId" clId="{42F73B06-DA81-4C67-8473-07E158E9C79B}" dt="2023-05-07T15:26:59.729" v="6444" actId="478"/>
+          <ac:picMkLst>
+            <pc:docMk/>
+            <pc:sldMk cId="2773861659" sldId="367"/>
+            <ac:picMk id="9" creationId="{83E1DED6-3890-04C1-AAF9-C65E31A76C71}"/>
+          </ac:picMkLst>
+        </pc:picChg>
       </pc:sldChg>
       <pc:sldMasterChg chg="modTransition modSldLayout">
         <pc:chgData name="Scruel Tao" userId="5ea5c98d59b44d4b" providerId="LiveId" clId="{42F73B06-DA81-4C67-8473-07E158E9C79B}" dt="2023-05-05T10:01:51.588" v="5834"/>
@@ -4008,7 +4111,7 @@
           <a:p>
             <a:fld id="{AC7E1972-C479-4420-A687-8FB83BA90DEB}" type="datetimeFigureOut">
               <a:rPr lang="zh-CN" altLang="en-US" smtClean="0"/>
-              <a:t>2023/5/5</a:t>
+              <a:t>2023/5/8</a:t>
             </a:fld>
             <a:endParaRPr lang="zh-CN" altLang="en-US"/>
           </a:p>
@@ -4185,7 +4288,7 @@
           <a:p>
             <a:fld id="{89B7AB8D-BCC0-43C6-B24C-055A25DB558F}" type="datetimeFigureOut">
               <a:rPr lang="zh-CN" altLang="en-US" smtClean="0"/>
-              <a:t>2023/5/5</a:t>
+              <a:t>2023/5/8</a:t>
             </a:fld>
             <a:endParaRPr lang="zh-CN" altLang="en-US"/>
           </a:p>
@@ -4587,25 +4690,24 @@
           <a:lstStyle/>
           <a:p>
             <a:r>
-              <a:rPr lang="zh-CN" altLang="en-US"/>
-              <a:t>终端用</a:t>
-            </a:r>
-            <a:r>
-              <a:rPr lang="zh-CN" altLang="en-US" dirty="0"/>
-              <a:t>的是 </a:t>
-            </a:r>
-            <a:r>
-              <a:rPr lang="en-US" altLang="zh-CN" dirty="0" err="1"/>
-              <a:t>zsh</a:t>
-            </a:r>
-            <a:r>
-              <a:rPr lang="en-US" altLang="zh-CN" dirty="0"/>
-              <a:t> + spaceship </a:t>
-            </a:r>
-            <a:r>
-              <a:rPr lang="zh-CN" altLang="en-US" dirty="0"/>
-              <a:t>主题</a:t>
-            </a:r>
+              <a:rPr lang="zh-CN" altLang="en-US" sz="1800" b="0" i="0" u="none" strike="noStrike" baseline="0" dirty="0">
+                <a:latin typeface="FZSSJW--GB1-0"/>
+              </a:rPr>
+              <a:t>附录 </a:t>
+            </a:r>
+            <a:r>
+              <a:rPr lang="en-US" altLang="zh-CN" sz="1800" b="0" i="0" u="none" strike="noStrike" baseline="0" dirty="0">
+                <a:latin typeface="TimesNewRoman"/>
+              </a:rPr>
+              <a:t>C </a:t>
+            </a:r>
+            <a:r>
+              <a:rPr lang="zh-CN" altLang="en-US" sz="1800" b="0" i="0" u="none" strike="noStrike" baseline="0" dirty="0">
+                <a:latin typeface="FZSSJW--GB1-0"/>
+              </a:rPr>
+              <a:t>提供了很多在线资源，如论坛或在线聊天网站</a:t>
+            </a:r>
+            <a:endParaRPr lang="zh-CN" altLang="en-US" dirty="0"/>
           </a:p>
         </p:txBody>
       </p:sp>
@@ -4626,7 +4728,7 @@
           <a:p>
             <a:fld id="{9901CBA2-7C9E-4AD6-B258-A0DB055BB3AF}" type="slidenum">
               <a:rPr lang="zh-CN" altLang="en-US" smtClean="0"/>
-              <a:t>23</a:t>
+              <a:t>22</a:t>
             </a:fld>
             <a:endParaRPr lang="zh-CN" altLang="en-US"/>
           </a:p>
@@ -4635,7 +4737,7 @@
     </p:spTree>
     <p:extLst>
       <p:ext uri="{BB962C8B-B14F-4D97-AF65-F5344CB8AC3E}">
-        <p14:creationId xmlns:p14="http://schemas.microsoft.com/office/powerpoint/2010/main" val="2700064975"/>
+        <p14:creationId xmlns:p14="http://schemas.microsoft.com/office/powerpoint/2010/main" val="1308399219"/>
       </p:ext>
     </p:extLst>
   </p:cSld>
@@ -4710,7 +4812,7 @@
           <a:p>
             <a:fld id="{9901CBA2-7C9E-4AD6-B258-A0DB055BB3AF}" type="slidenum">
               <a:rPr lang="zh-CN" altLang="en-US" smtClean="0"/>
-              <a:t>24</a:t>
+              <a:t>23</a:t>
             </a:fld>
             <a:endParaRPr lang="zh-CN" altLang="en-US"/>
           </a:p>
@@ -4719,7 +4821,7 @@
     </p:spTree>
     <p:extLst>
       <p:ext uri="{BB962C8B-B14F-4D97-AF65-F5344CB8AC3E}">
-        <p14:creationId xmlns:p14="http://schemas.microsoft.com/office/powerpoint/2010/main" val="3761428499"/>
+        <p14:creationId xmlns:p14="http://schemas.microsoft.com/office/powerpoint/2010/main" val="2700064975"/>
       </p:ext>
     </p:extLst>
   </p:cSld>
@@ -4794,7 +4896,7 @@
           <a:p>
             <a:fld id="{9901CBA2-7C9E-4AD6-B258-A0DB055BB3AF}" type="slidenum">
               <a:rPr lang="zh-CN" altLang="en-US" smtClean="0"/>
-              <a:t>25</a:t>
+              <a:t>24</a:t>
             </a:fld>
             <a:endParaRPr lang="zh-CN" altLang="en-US"/>
           </a:p>
@@ -4803,7 +4905,7 @@
     </p:spTree>
     <p:extLst>
       <p:ext uri="{BB962C8B-B14F-4D97-AF65-F5344CB8AC3E}">
-        <p14:creationId xmlns:p14="http://schemas.microsoft.com/office/powerpoint/2010/main" val="3250660397"/>
+        <p14:creationId xmlns:p14="http://schemas.microsoft.com/office/powerpoint/2010/main" val="3761428499"/>
       </p:ext>
     </p:extLst>
   </p:cSld>
@@ -4857,6 +4959,90 @@
           <a:bodyPr/>
           <a:lstStyle/>
           <a:p>
+            <a:endParaRPr lang="zh-CN" altLang="en-US" dirty="0"/>
+          </a:p>
+        </p:txBody>
+      </p:sp>
+      <p:sp>
+        <p:nvSpPr>
+          <p:cNvPr id="4" name="灯片编号占位符 3"/>
+          <p:cNvSpPr>
+            <a:spLocks noGrp="1"/>
+          </p:cNvSpPr>
+          <p:nvPr>
+            <p:ph type="sldNum" sz="quarter" idx="5"/>
+          </p:nvPr>
+        </p:nvSpPr>
+        <p:spPr/>
+        <p:txBody>
+          <a:bodyPr/>
+          <a:lstStyle/>
+          <a:p>
+            <a:fld id="{9901CBA2-7C9E-4AD6-B258-A0DB055BB3AF}" type="slidenum">
+              <a:rPr lang="zh-CN" altLang="en-US" smtClean="0"/>
+              <a:t>25</a:t>
+            </a:fld>
+            <a:endParaRPr lang="zh-CN" altLang="en-US"/>
+          </a:p>
+        </p:txBody>
+      </p:sp>
+    </p:spTree>
+    <p:extLst>
+      <p:ext uri="{BB962C8B-B14F-4D97-AF65-F5344CB8AC3E}">
+        <p14:creationId xmlns:p14="http://schemas.microsoft.com/office/powerpoint/2010/main" val="3250660397"/>
+      </p:ext>
+    </p:extLst>
+  </p:cSld>
+  <p:clrMapOvr>
+    <a:masterClrMapping/>
+  </p:clrMapOvr>
+</p:notes>
+</file>
+
+<file path=ppt/notesSlides/notesSlide14.xml><?xml version="1.0" encoding="utf-8"?>
+<p:notes xmlns:a="http://schemas.openxmlformats.org/drawingml/2006/main" xmlns:r="http://schemas.openxmlformats.org/officeDocument/2006/relationships" xmlns:p="http://schemas.openxmlformats.org/presentationml/2006/main">
+  <p:cSld>
+    <p:spTree>
+      <p:nvGrpSpPr>
+        <p:cNvPr id="1" name=""/>
+        <p:cNvGrpSpPr/>
+        <p:nvPr/>
+      </p:nvGrpSpPr>
+      <p:grpSpPr>
+        <a:xfrm>
+          <a:off x="0" y="0"/>
+          <a:ext cx="0" cy="0"/>
+          <a:chOff x="0" y="0"/>
+          <a:chExt cx="0" cy="0"/>
+        </a:xfrm>
+      </p:grpSpPr>
+      <p:sp>
+        <p:nvSpPr>
+          <p:cNvPr id="2" name="幻灯片图像占位符 1"/>
+          <p:cNvSpPr>
+            <a:spLocks noGrp="1" noRot="1" noChangeAspect="1"/>
+          </p:cNvSpPr>
+          <p:nvPr>
+            <p:ph type="sldImg"/>
+          </p:nvPr>
+        </p:nvSpPr>
+        <p:spPr/>
+      </p:sp>
+      <p:sp>
+        <p:nvSpPr>
+          <p:cNvPr id="3" name="备注占位符 2"/>
+          <p:cNvSpPr>
+            <a:spLocks noGrp="1"/>
+          </p:cNvSpPr>
+          <p:nvPr>
+            <p:ph type="body" idx="1"/>
+          </p:nvPr>
+        </p:nvSpPr>
+        <p:spPr/>
+        <p:txBody>
+          <a:bodyPr/>
+          <a:lstStyle/>
+          <a:p>
             <a:pPr marL="0" marR="0" lvl="0" indent="0" algn="l" defTabSz="914400" rtl="0" eaLnBrk="1" fontAlgn="auto" latinLnBrk="0" hangingPunct="1">
               <a:lnSpc>
                 <a:spcPct val="100000"/>
@@ -4875,6 +5061,50 @@
               <a:defRPr/>
             </a:pPr>
             <a:r>
+              <a:rPr lang="zh-CN" altLang="en-US" b="1" dirty="0"/>
+              <a:t>如果你是初学者，可选拓展部分可直接忽略，以后回来翻阅也不迟，避免增加学习负担。</a:t>
+            </a:r>
+            <a:endParaRPr lang="en-US" altLang="zh-CN" b="1" dirty="0"/>
+          </a:p>
+          <a:p>
+            <a:pPr marL="0" marR="0" lvl="0" indent="0" algn="l" defTabSz="914400" rtl="0" eaLnBrk="1" fontAlgn="auto" latinLnBrk="0" hangingPunct="1">
+              <a:lnSpc>
+                <a:spcPct val="100000"/>
+              </a:lnSpc>
+              <a:spcBef>
+                <a:spcPts val="0"/>
+              </a:spcBef>
+              <a:spcAft>
+                <a:spcPts val="0"/>
+              </a:spcAft>
+              <a:buClrTx/>
+              <a:buSzTx/>
+              <a:buFontTx/>
+              <a:buNone/>
+              <a:tabLst/>
+              <a:defRPr/>
+            </a:pPr>
+            <a:endParaRPr lang="en-US" altLang="zh-CN" dirty="0"/>
+          </a:p>
+          <a:p>
+            <a:pPr marL="0" marR="0" lvl="0" indent="0" algn="l" defTabSz="914400" rtl="0" eaLnBrk="1" fontAlgn="auto" latinLnBrk="0" hangingPunct="1">
+              <a:lnSpc>
+                <a:spcPct val="100000"/>
+              </a:lnSpc>
+              <a:spcBef>
+                <a:spcPts val="0"/>
+              </a:spcBef>
+              <a:spcAft>
+                <a:spcPts val="0"/>
+              </a:spcAft>
+              <a:buClrTx/>
+              <a:buSzTx/>
+              <a:buFontTx/>
+              <a:buNone/>
+              <a:tabLst/>
+              <a:defRPr/>
+            </a:pPr>
+            <a:r>
               <a:rPr lang="zh-CN" altLang="en-US" dirty="0"/>
               <a:t>可配置 </a:t>
             </a:r>
@@ -4907,7 +5137,7 @@
             </a:r>
             <a:r>
               <a:rPr lang="zh-CN" altLang="en-US" dirty="0"/>
-              <a:t>系统的同学，虚拟环境的配置是必学的，否则如果初学者后续误执行 </a:t>
+              <a:t>系统的同学，虚拟环境的配置是必学的，否则如果后续误执行 </a:t>
             </a:r>
             <a:r>
               <a:rPr lang="en-US" altLang="zh-CN" dirty="0"/>
@@ -5021,6 +5251,82 @@
           <a:bodyPr/>
           <a:lstStyle/>
           <a:p>
+            <a:r>
+              <a:rPr lang="zh-CN" altLang="en-US" dirty="0"/>
+              <a:t>左图为著名编程语言网站的趋势榜，右图为身为终身仁慈独裁者的</a:t>
+            </a:r>
+            <a:r>
+              <a:rPr lang="en-US" altLang="zh-CN" dirty="0">
+                <a:solidFill>
+                  <a:srgbClr val="222222"/>
+                </a:solidFill>
+                <a:effectLst/>
+                <a:latin typeface="Helvetica Neue"/>
+              </a:rPr>
+              <a:t>Python </a:t>
+            </a:r>
+            <a:r>
+              <a:rPr lang="zh-CN" altLang="en-US" dirty="0">
+                <a:solidFill>
+                  <a:srgbClr val="222222"/>
+                </a:solidFill>
+                <a:effectLst/>
+                <a:latin typeface="Helvetica Neue"/>
+              </a:rPr>
+              <a:t>之父</a:t>
+            </a:r>
+            <a:r>
+              <a:rPr lang="en-US" altLang="zh-CN" dirty="0">
+                <a:solidFill>
+                  <a:srgbClr val="222222"/>
+                </a:solidFill>
+                <a:effectLst/>
+                <a:latin typeface="Helvetica Neue"/>
+              </a:rPr>
+              <a:t>——</a:t>
+            </a:r>
+            <a:r>
+              <a:rPr lang="zh-CN" altLang="en-US" dirty="0">
+                <a:solidFill>
+                  <a:srgbClr val="222222"/>
+                </a:solidFill>
+                <a:effectLst/>
+                <a:latin typeface="Helvetica Neue"/>
+              </a:rPr>
+              <a:t>龟叔（</a:t>
+            </a:r>
+            <a:r>
+              <a:rPr lang="en-US" altLang="zh-CN" dirty="0">
+                <a:solidFill>
+                  <a:srgbClr val="222222"/>
+                </a:solidFill>
+                <a:effectLst/>
+                <a:latin typeface="Helvetica Neue"/>
+              </a:rPr>
+              <a:t>Guido van Rossum</a:t>
+            </a:r>
+            <a:r>
+              <a:rPr lang="zh-CN" altLang="en-US" dirty="0">
+                <a:solidFill>
+                  <a:srgbClr val="222222"/>
+                </a:solidFill>
+                <a:effectLst/>
+                <a:latin typeface="Helvetica Neue"/>
+              </a:rPr>
+              <a:t>）参加 </a:t>
+            </a:r>
+            <a:r>
+              <a:rPr lang="en-US" altLang="zh-CN" dirty="0" err="1"/>
+              <a:t>pycon</a:t>
+            </a:r>
+            <a:r>
+              <a:rPr lang="en-US" altLang="zh-CN" dirty="0"/>
+              <a:t> 2010 </a:t>
+            </a:r>
+            <a:r>
+              <a:rPr lang="zh-CN" altLang="en-US"/>
+              <a:t>时的照片</a:t>
+            </a:r>
             <a:endParaRPr lang="zh-CN" altLang="en-US" dirty="0"/>
           </a:p>
         </p:txBody>
@@ -5042,7 +5348,7 @@
           <a:p>
             <a:fld id="{9901CBA2-7C9E-4AD6-B258-A0DB055BB3AF}" type="slidenum">
               <a:rPr lang="zh-CN" altLang="en-US" smtClean="0"/>
-              <a:t>7</a:t>
+              <a:t>5</a:t>
             </a:fld>
             <a:endParaRPr lang="zh-CN" altLang="en-US"/>
           </a:p>
@@ -5051,7 +5357,7 @@
     </p:spTree>
     <p:extLst>
       <p:ext uri="{BB962C8B-B14F-4D97-AF65-F5344CB8AC3E}">
-        <p14:creationId xmlns:p14="http://schemas.microsoft.com/office/powerpoint/2010/main" val="34409804"/>
+        <p14:creationId xmlns:p14="http://schemas.microsoft.com/office/powerpoint/2010/main" val="185375993"/>
       </p:ext>
     </p:extLst>
   </p:cSld>
@@ -5105,6 +5411,63 @@
           <a:bodyPr/>
           <a:lstStyle/>
           <a:p>
+            <a:pPr marL="0" marR="0" lvl="0" indent="0" algn="l" defTabSz="914400" rtl="0" eaLnBrk="1" fontAlgn="auto" latinLnBrk="0" hangingPunct="1">
+              <a:lnSpc>
+                <a:spcPct val="100000"/>
+              </a:lnSpc>
+              <a:spcBef>
+                <a:spcPts val="0"/>
+              </a:spcBef>
+              <a:spcAft>
+                <a:spcPts val="0"/>
+              </a:spcAft>
+              <a:buClrTx/>
+              <a:buSzTx/>
+              <a:buFontTx/>
+              <a:buNone/>
+              <a:tabLst/>
+              <a:defRPr/>
+            </a:pPr>
+            <a:r>
+              <a:rPr lang="zh-CN" altLang="en-US" dirty="0"/>
+              <a:t>附图是在 </a:t>
+            </a:r>
+            <a:r>
+              <a:rPr lang="en-US" altLang="zh-CN" dirty="0"/>
+              <a:t>Linux </a:t>
+            </a:r>
+            <a:r>
+              <a:rPr lang="zh-CN" altLang="en-US" dirty="0"/>
+              <a:t>上采用 </a:t>
+            </a:r>
+            <a:r>
+              <a:rPr lang="en-US" altLang="zh-CN" dirty="0" err="1"/>
+              <a:t>zsh</a:t>
+            </a:r>
+            <a:r>
+              <a:rPr lang="zh-CN" altLang="en-US" dirty="0"/>
+              <a:t>终端</a:t>
+            </a:r>
+            <a:r>
+              <a:rPr lang="en-US" altLang="zh-CN" dirty="0"/>
+              <a:t>+ spaceship </a:t>
+            </a:r>
+            <a:r>
+              <a:rPr lang="zh-CN" altLang="en-US" dirty="0"/>
+              <a:t>主题的效果，</a:t>
+            </a:r>
+            <a:r>
+              <a:rPr lang="en-US" altLang="zh-CN" dirty="0"/>
+              <a:t>windows </a:t>
+            </a:r>
+            <a:r>
+              <a:rPr lang="zh-CN" altLang="en-US" dirty="0"/>
+              <a:t>上显示的没有</a:t>
+            </a:r>
+            <a:r>
+              <a:rPr lang="zh-CN" altLang="en-US"/>
+              <a:t>这么好看，不过执行命令之类的都是一样的</a:t>
+            </a:r>
             <a:endParaRPr lang="zh-CN" altLang="en-US" dirty="0"/>
           </a:p>
         </p:txBody>
@@ -5126,7 +5489,7 @@
           <a:p>
             <a:fld id="{9901CBA2-7C9E-4AD6-B258-A0DB055BB3AF}" type="slidenum">
               <a:rPr lang="zh-CN" altLang="en-US" smtClean="0"/>
-              <a:t>9</a:t>
+              <a:t>7</a:t>
             </a:fld>
             <a:endParaRPr lang="zh-CN" altLang="en-US"/>
           </a:p>
@@ -5135,7 +5498,7 @@
     </p:spTree>
     <p:extLst>
       <p:ext uri="{BB962C8B-B14F-4D97-AF65-F5344CB8AC3E}">
-        <p14:creationId xmlns:p14="http://schemas.microsoft.com/office/powerpoint/2010/main" val="2059751540"/>
+        <p14:creationId xmlns:p14="http://schemas.microsoft.com/office/powerpoint/2010/main" val="34409804"/>
       </p:ext>
     </p:extLst>
   </p:cSld>
@@ -5189,38 +5552,7 @@
           <a:bodyPr/>
           <a:lstStyle/>
           <a:p>
-            <a:r>
-              <a:rPr lang="zh-CN" altLang="en-US" dirty="0"/>
-              <a:t>在 </a:t>
-            </a:r>
-            <a:r>
-              <a:rPr lang="en-US" altLang="zh-CN" dirty="0"/>
-              <a:t>macOS </a:t>
-            </a:r>
-            <a:r>
-              <a:rPr lang="zh-CN" altLang="en-US" dirty="0"/>
-              <a:t>系统中，如果出现一个弹出框，询问你是否要安装命令行开发者工具，请单击 </a:t>
-            </a:r>
-            <a:r>
-              <a:rPr lang="en-US" altLang="zh-CN" dirty="0"/>
-              <a:t>Install</a:t>
-            </a:r>
-            <a:r>
-              <a:rPr lang="zh-CN" altLang="en-US" dirty="0"/>
-              <a:t>。可能会出现一条消息，指出需要很长时间才能安装完成，但只要你的网络连接不是很慢，实际上只需</a:t>
-            </a:r>
-            <a:r>
-              <a:rPr lang="zh-CN" altLang="en-US"/>
-              <a:t>要不到 </a:t>
-            </a:r>
-            <a:r>
-              <a:rPr lang="en-US" altLang="zh-CN"/>
-              <a:t>20 </a:t>
-            </a:r>
-            <a:r>
-              <a:rPr lang="zh-CN" altLang="en-US" dirty="0"/>
-              <a:t>分钟。</a:t>
-            </a:r>
+            <a:endParaRPr lang="zh-CN" altLang="en-US" dirty="0"/>
           </a:p>
         </p:txBody>
       </p:sp>
@@ -5241,7 +5573,7 @@
           <a:p>
             <a:fld id="{9901CBA2-7C9E-4AD6-B258-A0DB055BB3AF}" type="slidenum">
               <a:rPr lang="zh-CN" altLang="en-US" smtClean="0"/>
-              <a:t>10</a:t>
+              <a:t>9</a:t>
             </a:fld>
             <a:endParaRPr lang="zh-CN" altLang="en-US"/>
           </a:p>
@@ -5250,7 +5582,7 @@
     </p:spTree>
     <p:extLst>
       <p:ext uri="{BB962C8B-B14F-4D97-AF65-F5344CB8AC3E}">
-        <p14:creationId xmlns:p14="http://schemas.microsoft.com/office/powerpoint/2010/main" val="1664245364"/>
+        <p14:creationId xmlns:p14="http://schemas.microsoft.com/office/powerpoint/2010/main" val="2059751540"/>
       </p:ext>
     </p:extLst>
   </p:cSld>
@@ -5306,7 +5638,35 @@
           <a:p>
             <a:r>
               <a:rPr lang="zh-CN" altLang="en-US" dirty="0"/>
-              <a:t>当然，也可以选择自己喜欢的编辑器</a:t>
+              <a:t>在 </a:t>
+            </a:r>
+            <a:r>
+              <a:rPr lang="en-US" altLang="zh-CN" dirty="0"/>
+              <a:t>macOS </a:t>
+            </a:r>
+            <a:r>
+              <a:rPr lang="zh-CN" altLang="en-US" dirty="0"/>
+              <a:t>系统中，如果出现一个弹出框，询问你是否要安装命令行开发者工具，请单击 </a:t>
+            </a:r>
+            <a:r>
+              <a:rPr lang="en-US" altLang="zh-CN" dirty="0"/>
+              <a:t>Install</a:t>
+            </a:r>
+            <a:r>
+              <a:rPr lang="zh-CN" altLang="en-US" dirty="0"/>
+              <a:t>。可能会出现一条消息，指出需要很长时间才能安装完成，但只要你的网络连接不是很慢，实际上只需</a:t>
+            </a:r>
+            <a:r>
+              <a:rPr lang="zh-CN" altLang="en-US"/>
+              <a:t>要不到 </a:t>
+            </a:r>
+            <a:r>
+              <a:rPr lang="en-US" altLang="zh-CN"/>
+              <a:t>20 </a:t>
+            </a:r>
+            <a:r>
+              <a:rPr lang="zh-CN" altLang="en-US" dirty="0"/>
+              <a:t>分钟。</a:t>
             </a:r>
           </a:p>
         </p:txBody>
@@ -5328,7 +5688,7 @@
           <a:p>
             <a:fld id="{9901CBA2-7C9E-4AD6-B258-A0DB055BB3AF}" type="slidenum">
               <a:rPr lang="zh-CN" altLang="en-US" smtClean="0"/>
-              <a:t>11</a:t>
+              <a:t>10</a:t>
             </a:fld>
             <a:endParaRPr lang="zh-CN" altLang="en-US"/>
           </a:p>
@@ -5337,7 +5697,7 @@
     </p:spTree>
     <p:extLst>
       <p:ext uri="{BB962C8B-B14F-4D97-AF65-F5344CB8AC3E}">
-        <p14:creationId xmlns:p14="http://schemas.microsoft.com/office/powerpoint/2010/main" val="2211635743"/>
+        <p14:creationId xmlns:p14="http://schemas.microsoft.com/office/powerpoint/2010/main" val="1664245364"/>
       </p:ext>
     </p:extLst>
   </p:cSld>
@@ -5391,7 +5751,10 @@
           <a:bodyPr/>
           <a:lstStyle/>
           <a:p>
-            <a:endParaRPr lang="en-US" altLang="zh-CN" dirty="0"/>
+            <a:r>
+              <a:rPr lang="zh-CN" altLang="en-US" dirty="0"/>
+              <a:t>当然，也可以选择自己喜欢的编辑器</a:t>
+            </a:r>
           </a:p>
         </p:txBody>
       </p:sp>
@@ -5412,7 +5775,7 @@
           <a:p>
             <a:fld id="{9901CBA2-7C9E-4AD6-B258-A0DB055BB3AF}" type="slidenum">
               <a:rPr lang="zh-CN" altLang="en-US" smtClean="0"/>
-              <a:t>19</a:t>
+              <a:t>11</a:t>
             </a:fld>
             <a:endParaRPr lang="zh-CN" altLang="en-US"/>
           </a:p>
@@ -5421,7 +5784,7 @@
     </p:spTree>
     <p:extLst>
       <p:ext uri="{BB962C8B-B14F-4D97-AF65-F5344CB8AC3E}">
-        <p14:creationId xmlns:p14="http://schemas.microsoft.com/office/powerpoint/2010/main" val="794091751"/>
+        <p14:creationId xmlns:p14="http://schemas.microsoft.com/office/powerpoint/2010/main" val="2211635743"/>
       </p:ext>
     </p:extLst>
   </p:cSld>
@@ -5496,7 +5859,7 @@
           <a:p>
             <a:fld id="{9901CBA2-7C9E-4AD6-B258-A0DB055BB3AF}" type="slidenum">
               <a:rPr lang="zh-CN" altLang="en-US" smtClean="0"/>
-              <a:t>20</a:t>
+              <a:t>19</a:t>
             </a:fld>
             <a:endParaRPr lang="zh-CN" altLang="en-US"/>
           </a:p>
@@ -5505,7 +5868,7 @@
     </p:spTree>
     <p:extLst>
       <p:ext uri="{BB962C8B-B14F-4D97-AF65-F5344CB8AC3E}">
-        <p14:creationId xmlns:p14="http://schemas.microsoft.com/office/powerpoint/2010/main" val="2020201082"/>
+        <p14:creationId xmlns:p14="http://schemas.microsoft.com/office/powerpoint/2010/main" val="794091751"/>
       </p:ext>
     </p:extLst>
   </p:cSld>
@@ -5580,7 +5943,7 @@
           <a:p>
             <a:fld id="{9901CBA2-7C9E-4AD6-B258-A0DB055BB3AF}" type="slidenum">
               <a:rPr lang="zh-CN" altLang="en-US" smtClean="0"/>
-              <a:t>21</a:t>
+              <a:t>20</a:t>
             </a:fld>
             <a:endParaRPr lang="zh-CN" altLang="en-US"/>
           </a:p>
@@ -5589,7 +5952,7 @@
     </p:spTree>
     <p:extLst>
       <p:ext uri="{BB962C8B-B14F-4D97-AF65-F5344CB8AC3E}">
-        <p14:creationId xmlns:p14="http://schemas.microsoft.com/office/powerpoint/2010/main" val="1907829771"/>
+        <p14:creationId xmlns:p14="http://schemas.microsoft.com/office/powerpoint/2010/main" val="2020201082"/>
       </p:ext>
     </p:extLst>
   </p:cSld>
@@ -5643,25 +6006,7 @@
           <a:bodyPr/>
           <a:lstStyle/>
           <a:p>
-            <a:r>
-              <a:rPr lang="zh-CN" altLang="en-US" sz="1800" b="0" i="0" u="none" strike="noStrike" baseline="0" dirty="0">
-                <a:latin typeface="FZSSJW--GB1-0"/>
-              </a:rPr>
-              <a:t>附录 </a:t>
-            </a:r>
-            <a:r>
-              <a:rPr lang="en-US" altLang="zh-CN" sz="1800" b="0" i="0" u="none" strike="noStrike" baseline="0" dirty="0">
-                <a:latin typeface="TimesNewRoman"/>
-              </a:rPr>
-              <a:t>C </a:t>
-            </a:r>
-            <a:r>
-              <a:rPr lang="zh-CN" altLang="en-US" sz="1800" b="0" i="0" u="none" strike="noStrike" baseline="0" dirty="0">
-                <a:latin typeface="FZSSJW--GB1-0"/>
-              </a:rPr>
-              <a:t>提供了很多在线资源，如论坛或在线聊天网站</a:t>
-            </a:r>
-            <a:endParaRPr lang="zh-CN" altLang="en-US" dirty="0"/>
+            <a:endParaRPr lang="en-US" altLang="zh-CN" dirty="0"/>
           </a:p>
         </p:txBody>
       </p:sp>
@@ -5682,7 +6027,7 @@
           <a:p>
             <a:fld id="{9901CBA2-7C9E-4AD6-B258-A0DB055BB3AF}" type="slidenum">
               <a:rPr lang="zh-CN" altLang="en-US" smtClean="0"/>
-              <a:t>22</a:t>
+              <a:t>21</a:t>
             </a:fld>
             <a:endParaRPr lang="zh-CN" altLang="en-US"/>
           </a:p>
@@ -5691,7 +6036,7 @@
     </p:spTree>
     <p:extLst>
       <p:ext uri="{BB962C8B-B14F-4D97-AF65-F5344CB8AC3E}">
-        <p14:creationId xmlns:p14="http://schemas.microsoft.com/office/powerpoint/2010/main" val="1308399219"/>
+        <p14:creationId xmlns:p14="http://schemas.microsoft.com/office/powerpoint/2010/main" val="1907829771"/>
       </p:ext>
     </p:extLst>
   </p:cSld>
@@ -5848,7 +6193,7 @@
           <a:p>
             <a:fld id="{F721228B-0167-4061-A906-8575043315EE}" type="datetimeFigureOut">
               <a:rPr lang="zh-CN" altLang="en-US" smtClean="0"/>
-              <a:t>2023/5/5</a:t>
+              <a:t>2023/5/8</a:t>
             </a:fld>
             <a:endParaRPr lang="zh-CN" altLang="en-US"/>
           </a:p>
@@ -6058,7 +6403,7 @@
           <a:p>
             <a:fld id="{F721228B-0167-4061-A906-8575043315EE}" type="datetimeFigureOut">
               <a:rPr lang="zh-CN" altLang="en-US" smtClean="0"/>
-              <a:t>2023/5/5</a:t>
+              <a:t>2023/5/8</a:t>
             </a:fld>
             <a:endParaRPr lang="zh-CN" altLang="en-US"/>
           </a:p>
@@ -6278,7 +6623,7 @@
           <a:p>
             <a:fld id="{F721228B-0167-4061-A906-8575043315EE}" type="datetimeFigureOut">
               <a:rPr lang="zh-CN" altLang="en-US" smtClean="0"/>
-              <a:t>2023/5/5</a:t>
+              <a:t>2023/5/8</a:t>
             </a:fld>
             <a:endParaRPr lang="zh-CN" altLang="en-US"/>
           </a:p>
@@ -6827,7 +7172,7 @@
           <a:p>
             <a:fld id="{F721228B-0167-4061-A906-8575043315EE}" type="datetimeFigureOut">
               <a:rPr lang="zh-CN" altLang="en-US" smtClean="0"/>
-              <a:t>2023/5/5</a:t>
+              <a:t>2023/5/8</a:t>
             </a:fld>
             <a:endParaRPr lang="zh-CN" altLang="en-US"/>
           </a:p>
@@ -7163,7 +7508,7 @@
           <a:p>
             <a:fld id="{F721228B-0167-4061-A906-8575043315EE}" type="datetimeFigureOut">
               <a:rPr lang="zh-CN" altLang="en-US" smtClean="0"/>
-              <a:t>2023/5/5</a:t>
+              <a:t>2023/5/8</a:t>
             </a:fld>
             <a:endParaRPr lang="zh-CN" altLang="en-US"/>
           </a:p>
@@ -7521,7 +7866,7 @@
           <a:p>
             <a:fld id="{F721228B-0167-4061-A906-8575043315EE}" type="datetimeFigureOut">
               <a:rPr lang="zh-CN" altLang="en-US" smtClean="0"/>
-              <a:t>2023/5/5</a:t>
+              <a:t>2023/5/8</a:t>
             </a:fld>
             <a:endParaRPr lang="zh-CN" altLang="en-US"/>
           </a:p>
@@ -7994,7 +8339,7 @@
           <a:p>
             <a:fld id="{F721228B-0167-4061-A906-8575043315EE}" type="datetimeFigureOut">
               <a:rPr lang="zh-CN" altLang="en-US" smtClean="0"/>
-              <a:t>2023/5/5</a:t>
+              <a:t>2023/5/8</a:t>
             </a:fld>
             <a:endParaRPr lang="zh-CN" altLang="en-US"/>
           </a:p>
@@ -8147,7 +8492,7 @@
           <a:p>
             <a:fld id="{F721228B-0167-4061-A906-8575043315EE}" type="datetimeFigureOut">
               <a:rPr lang="zh-CN" altLang="en-US" smtClean="0"/>
-              <a:t>2023/5/5</a:t>
+              <a:t>2023/5/8</a:t>
             </a:fld>
             <a:endParaRPr lang="zh-CN" altLang="en-US"/>
           </a:p>
@@ -8272,7 +8617,7 @@
           <a:p>
             <a:fld id="{F721228B-0167-4061-A906-8575043315EE}" type="datetimeFigureOut">
               <a:rPr lang="zh-CN" altLang="en-US" smtClean="0"/>
-              <a:t>2023/5/5</a:t>
+              <a:t>2023/5/8</a:t>
             </a:fld>
             <a:endParaRPr lang="zh-CN" altLang="en-US"/>
           </a:p>
@@ -8595,7 +8940,7 @@
           <a:p>
             <a:fld id="{F721228B-0167-4061-A906-8575043315EE}" type="datetimeFigureOut">
               <a:rPr lang="zh-CN" altLang="en-US" smtClean="0"/>
-              <a:t>2023/5/5</a:t>
+              <a:t>2023/5/8</a:t>
             </a:fld>
             <a:endParaRPr lang="zh-CN" altLang="en-US"/>
           </a:p>
@@ -8895,7 +9240,7 @@
           <a:p>
             <a:fld id="{F721228B-0167-4061-A906-8575043315EE}" type="datetimeFigureOut">
               <a:rPr lang="zh-CN" altLang="en-US" smtClean="0"/>
-              <a:t>2023/5/5</a:t>
+              <a:t>2023/5/8</a:t>
             </a:fld>
             <a:endParaRPr lang="zh-CN" altLang="en-US"/>
           </a:p>
@@ -9148,7 +9493,7 @@
           <a:p>
             <a:fld id="{F721228B-0167-4061-A906-8575043315EE}" type="datetimeFigureOut">
               <a:rPr lang="zh-CN" altLang="en-US" smtClean="0"/>
-              <a:t>2023/5/5</a:t>
+              <a:t>2023/5/8</a:t>
             </a:fld>
             <a:endParaRPr lang="zh-CN" altLang="en-US"/>
           </a:p>
@@ -11833,14 +12178,14 @@
   <p:clrMapOvr>
     <a:masterClrMapping/>
   </p:clrMapOvr>
-  <mc:AlternateContent xmlns:mc="http://schemas.openxmlformats.org/markup-compatibility/2006" xmlns:p159="http://schemas.microsoft.com/office/powerpoint/2015/09/main">
-    <mc:Choice Requires="p159">
-      <p:transition xmlns:p14="http://schemas.microsoft.com/office/powerpoint/2010/main" spd="slow" p14:dur="2000">
-        <p159:morph option="byObject"/>
+  <mc:AlternateContent xmlns:mc="http://schemas.openxmlformats.org/markup-compatibility/2006" xmlns:p14="http://schemas.microsoft.com/office/powerpoint/2010/main">
+    <mc:Choice Requires="p14">
+      <p:transition spd="med" p14:dur="700">
+        <p:fade/>
       </p:transition>
     </mc:Choice>
     <mc:Fallback xmlns="">
-      <p:transition spd="slow">
+      <p:transition spd="med">
         <p:fade/>
       </p:transition>
     </mc:Fallback>
@@ -18042,55 +18387,6 @@
       </p:sp>
       <p:sp>
         <p:nvSpPr>
-          <p:cNvPr id="60" name="object 23">
-            <a:extLst>
-              <a:ext uri="{FF2B5EF4-FFF2-40B4-BE49-F238E27FC236}">
-                <a16:creationId xmlns:a16="http://schemas.microsoft.com/office/drawing/2014/main" id="{3B2146D0-F7C3-DCE3-BE29-F363BFE08CA2}"/>
-              </a:ext>
-            </a:extLst>
-          </p:cNvPr>
-          <p:cNvSpPr txBox="1"/>
-          <p:nvPr/>
-        </p:nvSpPr>
-        <p:spPr>
-          <a:xfrm>
-            <a:off x="5787199" y="4227323"/>
-            <a:ext cx="338455" cy="627380"/>
-          </a:xfrm>
-          <a:prstGeom prst="rect">
-            <a:avLst/>
-          </a:prstGeom>
-        </p:spPr>
-        <p:txBody>
-          <a:bodyPr vert="horz" wrap="square" lIns="0" tIns="0" rIns="0" bIns="0" rtlCol="0">
-            <a:spAutoFit/>
-          </a:bodyPr>
-          <a:lstStyle/>
-          <a:p>
-            <a:pPr marL="12700">
-              <a:lnSpc>
-                <a:spcPct val="100000"/>
-              </a:lnSpc>
-            </a:pPr>
-            <a:r>
-              <a:rPr sz="4000" b="1" spc="-5" dirty="0">
-                <a:solidFill>
-                  <a:srgbClr val="767070"/>
-                </a:solidFill>
-                <a:latin typeface="Verdana"/>
-                <a:cs typeface="Verdana"/>
-              </a:rPr>
-              <a:t>?</a:t>
-            </a:r>
-            <a:endParaRPr sz="4000">
-              <a:latin typeface="Verdana"/>
-              <a:cs typeface="Verdana"/>
-            </a:endParaRPr>
-          </a:p>
-        </p:txBody>
-      </p:sp>
-      <p:sp>
-        <p:nvSpPr>
           <p:cNvPr id="61" name="object 24">
             <a:extLst>
               <a:ext uri="{FF2B5EF4-FFF2-40B4-BE49-F238E27FC236}">
@@ -18696,6 +18992,55 @@
             <a:endParaRPr lang="zh-CN" altLang="en-US" sz="2800" i="1" dirty="0">
               <a:latin typeface="微软雅黑" panose="020B0503020204020204" pitchFamily="34" charset="-122"/>
               <a:ea typeface="微软雅黑" panose="020B0503020204020204" pitchFamily="34" charset="-122"/>
+            </a:endParaRPr>
+          </a:p>
+        </p:txBody>
+      </p:sp>
+      <p:sp>
+        <p:nvSpPr>
+          <p:cNvPr id="60" name="object 23">
+            <a:extLst>
+              <a:ext uri="{FF2B5EF4-FFF2-40B4-BE49-F238E27FC236}">
+                <a16:creationId xmlns:a16="http://schemas.microsoft.com/office/drawing/2014/main" id="{3B2146D0-F7C3-DCE3-BE29-F363BFE08CA2}"/>
+              </a:ext>
+            </a:extLst>
+          </p:cNvPr>
+          <p:cNvSpPr txBox="1"/>
+          <p:nvPr/>
+        </p:nvSpPr>
+        <p:spPr>
+          <a:xfrm>
+            <a:off x="5787199" y="4227323"/>
+            <a:ext cx="338455" cy="627380"/>
+          </a:xfrm>
+          <a:prstGeom prst="rect">
+            <a:avLst/>
+          </a:prstGeom>
+        </p:spPr>
+        <p:txBody>
+          <a:bodyPr vert="horz" wrap="square" lIns="0" tIns="0" rIns="0" bIns="0" rtlCol="0">
+            <a:spAutoFit/>
+          </a:bodyPr>
+          <a:lstStyle/>
+          <a:p>
+            <a:pPr marL="12700">
+              <a:lnSpc>
+                <a:spcPct val="100000"/>
+              </a:lnSpc>
+            </a:pPr>
+            <a:r>
+              <a:rPr sz="4000" b="1" spc="-5" dirty="0">
+                <a:solidFill>
+                  <a:srgbClr val="767070"/>
+                </a:solidFill>
+                <a:latin typeface="Verdana"/>
+                <a:cs typeface="Verdana"/>
+              </a:rPr>
+              <a:t>?</a:t>
+            </a:r>
+            <a:endParaRPr sz="4000" dirty="0">
+              <a:latin typeface="Verdana"/>
+              <a:cs typeface="Verdana"/>
             </a:endParaRPr>
           </a:p>
         </p:txBody>
@@ -18872,7 +19217,7 @@
       <p:pic>
         <p:nvPicPr>
           <p:cNvPr id="9" name="内容占位符 8">
-            <a:hlinkClick r:id="rId2"/>
+            <a:hlinkClick r:id="rId3"/>
             <a:extLst>
               <a:ext uri="{FF2B5EF4-FFF2-40B4-BE49-F238E27FC236}">
                 <a16:creationId xmlns:a16="http://schemas.microsoft.com/office/drawing/2014/main" id="{83E1DED6-3890-04C1-AAF9-C65E31A76C71}"/>
@@ -18887,7 +19232,7 @@
           </p:nvPr>
         </p:nvPicPr>
         <p:blipFill>
-          <a:blip r:embed="rId3">
+          <a:blip r:embed="rId4">
             <a:extLst>
               <a:ext uri="{28A0092B-C50C-407E-A947-70E740481C1C}">
                 <a14:useLocalDpi xmlns:a14="http://schemas.microsoft.com/office/drawing/2010/main" val="0"/>
@@ -18919,8 +19264,8 @@
         </p:nvSpPr>
         <p:spPr>
           <a:xfrm>
-            <a:off x="1336480" y="2054738"/>
-            <a:ext cx="4787616" cy="584775"/>
+            <a:off x="1605986" y="2164068"/>
+            <a:ext cx="4607120" cy="584775"/>
           </a:xfrm>
           <a:prstGeom prst="rect">
             <a:avLst/>
@@ -18957,7 +19302,7 @@
       <p:pic>
         <p:nvPicPr>
           <p:cNvPr id="5" name="图片 4">
-            <a:hlinkClick r:id="rId4"/>
+            <a:hlinkClick r:id="rId5"/>
             <a:extLst>
               <a:ext uri="{FF2B5EF4-FFF2-40B4-BE49-F238E27FC236}">
                 <a16:creationId xmlns:a16="http://schemas.microsoft.com/office/drawing/2014/main" id="{91F646AF-DCFD-7B44-A4F5-21F01F47F131}"/>
@@ -18970,7 +19315,7 @@
           <p:nvPr/>
         </p:nvPicPr>
         <p:blipFill>
-          <a:blip r:embed="rId5">
+          <a:blip r:embed="rId6">
             <a:extLst>
               <a:ext uri="{28A0092B-C50C-407E-A947-70E740481C1C}">
                 <a14:useLocalDpi xmlns:a14="http://schemas.microsoft.com/office/drawing/2010/main" val="0"/>
@@ -19289,6 +19634,92 @@
       </p:transition>
     </mc:Fallback>
   </mc:AlternateContent>
+  <p:timing>
+    <p:tnLst>
+      <p:par>
+        <p:cTn id="1" dur="indefinite" restart="never" nodeType="tmRoot">
+          <p:childTnLst>
+            <p:seq concurrent="1" nextAc="seek">
+              <p:cTn id="2" dur="indefinite" nodeType="mainSeq">
+                <p:childTnLst>
+                  <p:par>
+                    <p:cTn id="3" fill="hold">
+                      <p:stCondLst>
+                        <p:cond delay="indefinite"/>
+                        <p:cond evt="onBegin" delay="0">
+                          <p:tn val="2"/>
+                        </p:cond>
+                      </p:stCondLst>
+                      <p:childTnLst>
+                        <p:par>
+                          <p:cTn id="4" fill="hold">
+                            <p:stCondLst>
+                              <p:cond delay="0"/>
+                            </p:stCondLst>
+                            <p:childTnLst>
+                              <p:par>
+                                <p:cTn id="5" presetID="10" presetClass="entr" presetSubtype="0" fill="hold" nodeType="withEffect">
+                                  <p:stCondLst>
+                                    <p:cond delay="0"/>
+                                  </p:stCondLst>
+                                  <p:childTnLst>
+                                    <p:set>
+                                      <p:cBhvr>
+                                        <p:cTn id="6" dur="1" fill="hold">
+                                          <p:stCondLst>
+                                            <p:cond delay="0"/>
+                                          </p:stCondLst>
+                                        </p:cTn>
+                                        <p:tgtEl>
+                                          <p:spTgt spid="11"/>
+                                        </p:tgtEl>
+                                        <p:attrNameLst>
+                                          <p:attrName>style.visibility</p:attrName>
+                                        </p:attrNameLst>
+                                      </p:cBhvr>
+                                      <p:to>
+                                        <p:strVal val="visible"/>
+                                      </p:to>
+                                    </p:set>
+                                    <p:animEffect transition="in" filter="fade">
+                                      <p:cBhvr>
+                                        <p:cTn id="7" dur="500"/>
+                                        <p:tgtEl>
+                                          <p:spTgt spid="11"/>
+                                        </p:tgtEl>
+                                      </p:cBhvr>
+                                    </p:animEffect>
+                                  </p:childTnLst>
+                                </p:cTn>
+                              </p:par>
+                            </p:childTnLst>
+                          </p:cTn>
+                        </p:par>
+                      </p:childTnLst>
+                    </p:cTn>
+                  </p:par>
+                </p:childTnLst>
+              </p:cTn>
+              <p:prevCondLst>
+                <p:cond evt="onPrev" delay="0">
+                  <p:tgtEl>
+                    <p:sldTgt/>
+                  </p:tgtEl>
+                </p:cond>
+              </p:prevCondLst>
+              <p:nextCondLst>
+                <p:cond evt="onNext" delay="0">
+                  <p:tgtEl>
+                    <p:sldTgt/>
+                  </p:tgtEl>
+                </p:cond>
+              </p:nextCondLst>
+            </p:seq>
+          </p:childTnLst>
+        </p:cTn>
+      </p:par>
+    </p:tnLst>
+  </p:timing>
 </p:sld>
 </file>
 
@@ -19418,30 +19849,28 @@
               <a:buNone/>
             </a:pPr>
             <a:r>
-              <a:rPr lang="zh-CN" altLang="en-US" dirty="0"/>
-              <a:t>书中代码片段：</a:t>
-            </a:r>
-            <a:endParaRPr lang="en-US" altLang="zh-CN" dirty="0"/>
+              <a:rPr lang="zh-CN" altLang="en-US" sz="2400" dirty="0"/>
+              <a:t>书中的代码片段：</a:t>
+            </a:r>
+            <a:endParaRPr lang="en-US" altLang="zh-CN" sz="2400" dirty="0"/>
           </a:p>
           <a:p>
             <a:pPr marL="0" indent="0" algn="l">
               <a:buNone/>
             </a:pPr>
             <a:r>
-              <a:rPr lang="en-US" altLang="zh-CN" sz="1800" b="0" i="0" u="none" strike="noStrike" baseline="0" dirty="0">
+              <a:rPr lang="en-US" altLang="zh-CN" sz="1900" b="0" i="0" u="none" strike="noStrike" baseline="0" dirty="0">
                 <a:highlight>
                   <a:srgbClr val="F0F0F0"/>
                 </a:highlight>
-                <a:latin typeface="Consolas" panose="020B0609020204030204" pitchFamily="49" charset="0"/>
               </a:rPr>
               <a:t>&gt;&gt;&gt; </a:t>
             </a:r>
             <a:r>
-              <a:rPr lang="en-US" altLang="zh-CN" sz="1800" b="1" i="0" u="none" strike="noStrike" baseline="0" dirty="0">
+              <a:rPr lang="en-US" altLang="zh-CN" sz="1900" b="1" i="0" u="none" strike="noStrike" baseline="0" dirty="0">
                 <a:highlight>
                   <a:srgbClr val="F0F0F0"/>
                 </a:highlight>
-                <a:latin typeface="Consolas" panose="020B0609020204030204" pitchFamily="49" charset="0"/>
               </a:rPr>
               <a:t>print("Hello Python interpreter!")</a:t>
             </a:r>
@@ -19451,19 +19880,17 @@
               <a:buNone/>
             </a:pPr>
             <a:r>
-              <a:rPr lang="en-US" altLang="zh-CN" sz="1800" b="0" i="0" u="none" strike="noStrike" baseline="0" dirty="0">
+              <a:rPr lang="en-US" altLang="zh-CN" sz="1900" b="0" i="0" u="none" strike="noStrike" baseline="0" dirty="0">
                 <a:highlight>
                   <a:srgbClr val="F0F0F0"/>
                 </a:highlight>
-                <a:latin typeface="Consolas" panose="020B0609020204030204" pitchFamily="49" charset="0"/>
               </a:rPr>
               <a:t>Hello Python interpreter!</a:t>
             </a:r>
-            <a:endParaRPr lang="en-US" altLang="zh-CN" dirty="0">
+            <a:endParaRPr lang="en-US" altLang="zh-CN" sz="1900" dirty="0">
               <a:highlight>
                 <a:srgbClr val="F0F0F0"/>
               </a:highlight>
-              <a:latin typeface="Consolas" panose="020B0609020204030204" pitchFamily="49" charset="0"/>
             </a:endParaRPr>
           </a:p>
           <a:p>
@@ -19502,7 +19929,6 @@
                 <a:highlight>
                   <a:srgbClr val="F0F0F0"/>
                 </a:highlight>
-                <a:latin typeface="Consolas" panose="020B0609020204030204" pitchFamily="49" charset="0"/>
               </a:rPr>
               <a:t>&gt;&gt;&gt;</a:t>
             </a:r>
@@ -19613,6 +20039,11 @@
           <a:p>
             <a:r>
               <a:rPr lang="zh-CN" altLang="en-US" sz="3200" i="1" dirty="0">
+                <a:solidFill>
+                  <a:schemeClr val="accent1">
+                    <a:lumMod val="75000"/>
+                  </a:schemeClr>
+                </a:solidFill>
                 <a:latin typeface="微软雅黑" panose="020B0503020204020204" pitchFamily="34" charset="-122"/>
                 <a:ea typeface="微软雅黑" panose="020B0503020204020204" pitchFamily="34" charset="-122"/>
               </a:rPr>
@@ -19620,6 +20051,11 @@
             </a:r>
             <a:r>
               <a:rPr lang="en-US" altLang="zh-CN" sz="3200" i="1" dirty="0">
+                <a:solidFill>
+                  <a:schemeClr val="accent1">
+                    <a:lumMod val="75000"/>
+                  </a:schemeClr>
+                </a:solidFill>
                 <a:latin typeface="微软雅黑" panose="020B0503020204020204" pitchFamily="34" charset="-122"/>
                 <a:ea typeface="微软雅黑" panose="020B0503020204020204" pitchFamily="34" charset="-122"/>
               </a:rPr>
@@ -19627,6 +20063,11 @@
             </a:r>
             <a:r>
               <a:rPr lang="zh-CN" altLang="en-US" sz="3200" i="1" dirty="0">
+                <a:solidFill>
+                  <a:schemeClr val="accent1">
+                    <a:lumMod val="75000"/>
+                  </a:schemeClr>
+                </a:solidFill>
                 <a:latin typeface="微软雅黑" panose="020B0503020204020204" pitchFamily="34" charset="-122"/>
                 <a:ea typeface="微软雅黑" panose="020B0503020204020204" pitchFamily="34" charset="-122"/>
               </a:rPr>
@@ -19678,7 +20119,7 @@
                             </p:stCondLst>
                             <p:childTnLst>
                               <p:par>
-                                <p:cTn id="5" presetID="2" presetClass="entr" presetSubtype="4" fill="hold" nodeType="clickEffect">
+                                <p:cTn id="5" presetID="10" presetClass="entr" presetSubtype="0" fill="hold" nodeType="clickEffect">
                                   <p:stCondLst>
                                     <p:cond delay="0"/>
                                   </p:stCondLst>
@@ -19701,52 +20142,14 @@
                                         <p:strVal val="visible"/>
                                       </p:to>
                                     </p:set>
-                                    <p:anim calcmode="lin" valueType="num">
-                                      <p:cBhvr additive="base">
-                                        <p:cTn id="7" dur="500" fill="hold"/>
+                                    <p:animEffect transition="in" filter="fade">
+                                      <p:cBhvr>
+                                        <p:cTn id="7" dur="500"/>
                                         <p:tgtEl>
                                           <p:spTgt spid="13"/>
                                         </p:tgtEl>
-                                        <p:attrNameLst>
-                                          <p:attrName>ppt_x</p:attrName>
-                                        </p:attrNameLst>
                                       </p:cBhvr>
-                                      <p:tavLst>
-                                        <p:tav tm="0">
-                                          <p:val>
-                                            <p:strVal val="#ppt_x"/>
-                                          </p:val>
-                                        </p:tav>
-                                        <p:tav tm="100000">
-                                          <p:val>
-                                            <p:strVal val="#ppt_x"/>
-                                          </p:val>
-                                        </p:tav>
-                                      </p:tavLst>
-                                    </p:anim>
-                                    <p:anim calcmode="lin" valueType="num">
-                                      <p:cBhvr additive="base">
-                                        <p:cTn id="8" dur="500" fill="hold"/>
-                                        <p:tgtEl>
-                                          <p:spTgt spid="13"/>
-                                        </p:tgtEl>
-                                        <p:attrNameLst>
-                                          <p:attrName>ppt_y</p:attrName>
-                                        </p:attrNameLst>
-                                      </p:cBhvr>
-                                      <p:tavLst>
-                                        <p:tav tm="0">
-                                          <p:val>
-                                            <p:strVal val="1+#ppt_h/2"/>
-                                          </p:val>
-                                        </p:tav>
-                                        <p:tav tm="100000">
-                                          <p:val>
-                                            <p:strVal val="#ppt_y"/>
-                                          </p:val>
-                                        </p:tav>
-                                      </p:tavLst>
-                                    </p:anim>
+                                    </p:animEffect>
                                   </p:childTnLst>
                                 </p:cTn>
                               </p:par>
@@ -19757,26 +20160,26 @@
                     </p:cTn>
                   </p:par>
                   <p:par>
-                    <p:cTn id="9" fill="hold">
+                    <p:cTn id="8" fill="hold">
                       <p:stCondLst>
                         <p:cond delay="indefinite"/>
                       </p:stCondLst>
                       <p:childTnLst>
                         <p:par>
-                          <p:cTn id="10" fill="hold">
+                          <p:cTn id="9" fill="hold">
                             <p:stCondLst>
                               <p:cond delay="0"/>
                             </p:stCondLst>
                             <p:childTnLst>
                               <p:par>
-                                <p:cTn id="11" presetID="1" presetClass="entr" presetSubtype="0" fill="hold" nodeType="clickEffect">
+                                <p:cTn id="10" presetID="1" presetClass="entr" presetSubtype="0" fill="hold" nodeType="clickEffect">
                                   <p:stCondLst>
                                     <p:cond delay="0"/>
                                   </p:stCondLst>
                                   <p:childTnLst>
                                     <p:set>
                                       <p:cBhvr>
-                                        <p:cTn id="12" dur="1" fill="hold">
+                                        <p:cTn id="11" dur="1" fill="hold">
                                           <p:stCondLst>
                                             <p:cond delay="0"/>
                                           </p:stCondLst>
@@ -19800,14 +20203,14 @@
                                 </p:cTn>
                               </p:par>
                               <p:par>
-                                <p:cTn id="13" presetID="1" presetClass="entr" presetSubtype="0" fill="hold" nodeType="withEffect">
+                                <p:cTn id="12" presetID="1" presetClass="entr" presetSubtype="0" fill="hold" nodeType="withEffect">
                                   <p:stCondLst>
                                     <p:cond delay="0"/>
                                   </p:stCondLst>
                                   <p:childTnLst>
                                     <p:set>
                                       <p:cBhvr>
-                                        <p:cTn id="14" dur="1" fill="hold">
+                                        <p:cTn id="13" dur="1" fill="hold">
                                           <p:stCondLst>
                                             <p:cond delay="0"/>
                                           </p:stCondLst>
@@ -19831,14 +20234,14 @@
                                 </p:cTn>
                               </p:par>
                               <p:par>
-                                <p:cTn id="15" presetID="1" presetClass="entr" presetSubtype="0" fill="hold" nodeType="withEffect">
+                                <p:cTn id="14" presetID="1" presetClass="entr" presetSubtype="0" fill="hold" nodeType="withEffect">
                                   <p:stCondLst>
                                     <p:cond delay="0"/>
                                   </p:stCondLst>
                                   <p:childTnLst>
                                     <p:set>
                                       <p:cBhvr>
-                                        <p:cTn id="16" dur="1" fill="hold">
+                                        <p:cTn id="15" dur="1" fill="hold">
                                           <p:stCondLst>
                                             <p:cond delay="0"/>
                                           </p:stCondLst>
@@ -19868,26 +20271,26 @@
                     </p:cTn>
                   </p:par>
                   <p:par>
-                    <p:cTn id="17" fill="hold">
+                    <p:cTn id="16" fill="hold">
                       <p:stCondLst>
                         <p:cond delay="indefinite"/>
                       </p:stCondLst>
                       <p:childTnLst>
                         <p:par>
-                          <p:cTn id="18" fill="hold">
+                          <p:cTn id="17" fill="hold">
                             <p:stCondLst>
                               <p:cond delay="0"/>
                             </p:stCondLst>
                             <p:childTnLst>
                               <p:par>
-                                <p:cTn id="19" presetID="1" presetClass="entr" presetSubtype="0" fill="hold" nodeType="clickEffect">
+                                <p:cTn id="18" presetID="1" presetClass="entr" presetSubtype="0" fill="hold" nodeType="clickEffect">
                                   <p:stCondLst>
                                     <p:cond delay="0"/>
                                   </p:stCondLst>
                                   <p:childTnLst>
                                     <p:set>
                                       <p:cBhvr>
-                                        <p:cTn id="20" dur="1" fill="hold">
+                                        <p:cTn id="19" dur="1" fill="hold">
                                           <p:stCondLst>
                                             <p:cond delay="0"/>
                                           </p:stCondLst>
@@ -19911,14 +20314,14 @@
                                 </p:cTn>
                               </p:par>
                               <p:par>
-                                <p:cTn id="21" presetID="1" presetClass="entr" presetSubtype="0" fill="hold" nodeType="withEffect">
+                                <p:cTn id="20" presetID="1" presetClass="entr" presetSubtype="0" fill="hold" nodeType="withEffect">
                                   <p:stCondLst>
                                     <p:cond delay="0"/>
                                   </p:stCondLst>
                                   <p:childTnLst>
                                     <p:set>
                                       <p:cBhvr>
-                                        <p:cTn id="22" dur="1" fill="hold">
+                                        <p:cTn id="21" dur="1" fill="hold">
                                           <p:stCondLst>
                                             <p:cond delay="0"/>
                                           </p:stCondLst>
@@ -19942,14 +20345,14 @@
                                 </p:cTn>
                               </p:par>
                               <p:par>
-                                <p:cTn id="23" presetID="1" presetClass="entr" presetSubtype="0" fill="hold" nodeType="withEffect">
+                                <p:cTn id="22" presetID="1" presetClass="entr" presetSubtype="0" fill="hold" nodeType="withEffect">
                                   <p:stCondLst>
                                     <p:cond delay="0"/>
                                   </p:stCondLst>
                                   <p:childTnLst>
                                     <p:set>
                                       <p:cBhvr>
-                                        <p:cTn id="24" dur="1" fill="hold">
+                                        <p:cTn id="23" dur="1" fill="hold">
                                           <p:stCondLst>
                                             <p:cond delay="0"/>
                                           </p:stCondLst>
@@ -19979,26 +20382,26 @@
                     </p:cTn>
                   </p:par>
                   <p:par>
-                    <p:cTn id="25" fill="hold">
+                    <p:cTn id="24" fill="hold">
                       <p:stCondLst>
                         <p:cond delay="indefinite"/>
                       </p:stCondLst>
                       <p:childTnLst>
                         <p:par>
-                          <p:cTn id="26" fill="hold">
+                          <p:cTn id="25" fill="hold">
                             <p:stCondLst>
                               <p:cond delay="0"/>
                             </p:stCondLst>
                             <p:childTnLst>
                               <p:par>
-                                <p:cTn id="27" presetID="14" presetClass="entr" presetSubtype="10" fill="hold" grpId="0" nodeType="clickEffect">
+                                <p:cTn id="26" presetID="14" presetClass="entr" presetSubtype="10" fill="hold" grpId="0" nodeType="clickEffect">
                                   <p:stCondLst>
                                     <p:cond delay="0"/>
                                   </p:stCondLst>
                                   <p:childTnLst>
                                     <p:set>
                                       <p:cBhvr>
-                                        <p:cTn id="28" dur="1" fill="hold">
+                                        <p:cTn id="27" dur="1" fill="hold">
                                           <p:stCondLst>
                                             <p:cond delay="0"/>
                                           </p:stCondLst>
@@ -20016,7 +20419,7 @@
                                     </p:set>
                                     <p:animEffect transition="in" filter="randombar(horizontal)">
                                       <p:cBhvr>
-                                        <p:cTn id="29" dur="500"/>
+                                        <p:cTn id="28" dur="500"/>
                                         <p:tgtEl>
                                           <p:spTgt spid="14"/>
                                         </p:tgtEl>
@@ -20726,6 +21129,52 @@
           </a:prstGeom>
         </p:spPr>
       </p:pic>
+      <p:sp>
+        <p:nvSpPr>
+          <p:cNvPr id="3" name="箭头: 右 2">
+            <a:extLst>
+              <a:ext uri="{FF2B5EF4-FFF2-40B4-BE49-F238E27FC236}">
+                <a16:creationId xmlns:a16="http://schemas.microsoft.com/office/drawing/2014/main" id="{4C2E732F-A50A-4A52-40B9-986D3F10E91A}"/>
+              </a:ext>
+            </a:extLst>
+          </p:cNvPr>
+          <p:cNvSpPr/>
+          <p:nvPr/>
+        </p:nvSpPr>
+        <p:spPr>
+          <a:xfrm>
+            <a:off x="3605085" y="4831816"/>
+            <a:ext cx="363415" cy="290145"/>
+          </a:xfrm>
+          <a:prstGeom prst="rightArrow">
+            <a:avLst/>
+          </a:prstGeom>
+        </p:spPr>
+        <p:style>
+          <a:lnRef idx="2">
+            <a:schemeClr val="accent1">
+              <a:shade val="50000"/>
+            </a:schemeClr>
+          </a:lnRef>
+          <a:fillRef idx="1">
+            <a:schemeClr val="accent1"/>
+          </a:fillRef>
+          <a:effectRef idx="0">
+            <a:schemeClr val="accent1"/>
+          </a:effectRef>
+          <a:fontRef idx="minor">
+            <a:schemeClr val="lt1"/>
+          </a:fontRef>
+        </p:style>
+        <p:txBody>
+          <a:bodyPr rtlCol="0" anchor="ctr"/>
+          <a:lstStyle/>
+          <a:p>
+            <a:pPr algn="ctr"/>
+            <a:endParaRPr lang="zh-CN" altLang="en-US" sz="1400" dirty="0"/>
+          </a:p>
+        </p:txBody>
+      </p:sp>
     </p:spTree>
     <p:extLst>
       <p:ext uri="{BB962C8B-B14F-4D97-AF65-F5344CB8AC3E}">
@@ -20760,6 +21209,9 @@
                     <p:cTn id="3" fill="hold">
                       <p:stCondLst>
                         <p:cond delay="indefinite"/>
+                        <p:cond evt="onBegin" delay="0">
+                          <p:tn val="2"/>
+                        </p:cond>
                       </p:stCondLst>
                       <p:childTnLst>
                         <p:par>
@@ -20769,7 +21221,7 @@
                             </p:stCondLst>
                             <p:childTnLst>
                               <p:par>
-                                <p:cTn id="5" presetID="2" presetClass="entr" presetSubtype="4" fill="hold" grpId="0" nodeType="clickEffect">
+                                <p:cTn id="5" presetID="22" presetClass="entr" presetSubtype="8" fill="hold" grpId="0" nodeType="withEffect">
                                   <p:stCondLst>
                                     <p:cond delay="0"/>
                                   </p:stCondLst>
@@ -20777,6 +21229,59 @@
                                     <p:set>
                                       <p:cBhvr>
                                         <p:cTn id="6" dur="1" fill="hold">
+                                          <p:stCondLst>
+                                            <p:cond delay="0"/>
+                                          </p:stCondLst>
+                                        </p:cTn>
+                                        <p:tgtEl>
+                                          <p:spTgt spid="3"/>
+                                        </p:tgtEl>
+                                        <p:attrNameLst>
+                                          <p:attrName>style.visibility</p:attrName>
+                                        </p:attrNameLst>
+                                      </p:cBhvr>
+                                      <p:to>
+                                        <p:strVal val="visible"/>
+                                      </p:to>
+                                    </p:set>
+                                    <p:animEffect transition="in" filter="wipe(left)">
+                                      <p:cBhvr>
+                                        <p:cTn id="7" dur="500"/>
+                                        <p:tgtEl>
+                                          <p:spTgt spid="3"/>
+                                        </p:tgtEl>
+                                      </p:cBhvr>
+                                    </p:animEffect>
+                                  </p:childTnLst>
+                                </p:cTn>
+                              </p:par>
+                            </p:childTnLst>
+                          </p:cTn>
+                        </p:par>
+                      </p:childTnLst>
+                    </p:cTn>
+                  </p:par>
+                  <p:par>
+                    <p:cTn id="8" fill="hold">
+                      <p:stCondLst>
+                        <p:cond delay="indefinite"/>
+                      </p:stCondLst>
+                      <p:childTnLst>
+                        <p:par>
+                          <p:cTn id="9" fill="hold">
+                            <p:stCondLst>
+                              <p:cond delay="0"/>
+                            </p:stCondLst>
+                            <p:childTnLst>
+                              <p:par>
+                                <p:cTn id="10" presetID="2" presetClass="entr" presetSubtype="4" fill="hold" grpId="0" nodeType="clickEffect">
+                                  <p:stCondLst>
+                                    <p:cond delay="0"/>
+                                  </p:stCondLst>
+                                  <p:childTnLst>
+                                    <p:set>
+                                      <p:cBhvr>
+                                        <p:cTn id="11" dur="1" fill="hold">
                                           <p:stCondLst>
                                             <p:cond delay="0"/>
                                           </p:stCondLst>
@@ -20794,7 +21299,7 @@
                                     </p:set>
                                     <p:anim calcmode="lin" valueType="num">
                                       <p:cBhvr additive="base">
-                                        <p:cTn id="7" dur="500" fill="hold"/>
+                                        <p:cTn id="12" dur="500" fill="hold"/>
                                         <p:tgtEl>
                                           <p:spTgt spid="14"/>
                                         </p:tgtEl>
@@ -20817,7 +21322,7 @@
                                     </p:anim>
                                     <p:anim calcmode="lin" valueType="num">
                                       <p:cBhvr additive="base">
-                                        <p:cTn id="8" dur="500" fill="hold"/>
+                                        <p:cTn id="13" dur="500" fill="hold"/>
                                         <p:tgtEl>
                                           <p:spTgt spid="14"/>
                                         </p:tgtEl>
@@ -20870,6 +21375,7 @@
     </p:tnLst>
     <p:bldLst>
       <p:bldP spid="14" grpId="0"/>
+      <p:bldP spid="3" grpId="0" animBg="1"/>
     </p:bldLst>
   </p:timing>
 </p:sld>

--- a/PPT/python1.pptx
+++ b/PPT/python1.pptx
@@ -150,7 +150,7 @@
 <file path=ppt/revisionInfo.xml><?xml version="1.0" encoding="utf-8"?>
 <p1510:revInfo xmlns:a="http://schemas.openxmlformats.org/drawingml/2006/main" xmlns:r="http://schemas.openxmlformats.org/officeDocument/2006/relationships" xmlns:p1510="http://schemas.microsoft.com/office/powerpoint/2015/10/main">
   <p1510:revLst>
-    <p1510:client id="{42F73B06-DA81-4C67-8473-07E158E9C79B}" v="1416" dt="2023-05-07T15:26:48.220"/>
+    <p1510:client id="{42F73B06-DA81-4C67-8473-07E158E9C79B}" v="1544" dt="2023-05-24T16:16:46.534"/>
   </p1510:revLst>
 </p1510:revInfo>
 </file>
@@ -1262,7 +1262,7 @@
   <pc:docChgLst>
     <pc:chgData name="Scruel Tao" userId="5ea5c98d59b44d4b" providerId="LiveId" clId="{42F73B06-DA81-4C67-8473-07E158E9C79B}"/>
     <pc:docChg chg="undo redo custSel addSld delSld modSld sldOrd modMainMaster">
-      <pc:chgData name="Scruel Tao" userId="5ea5c98d59b44d4b" providerId="LiveId" clId="{42F73B06-DA81-4C67-8473-07E158E9C79B}" dt="2023-05-08T01:24:22.003" v="6661" actId="20577"/>
+      <pc:chgData name="Scruel Tao" userId="5ea5c98d59b44d4b" providerId="LiveId" clId="{42F73B06-DA81-4C67-8473-07E158E9C79B}" dt="2023-05-24T16:16:46.534" v="7101" actId="20577"/>
       <pc:docMkLst>
         <pc:docMk/>
       </pc:docMkLst>
@@ -1306,7 +1306,7 @@
         </pc:spChg>
       </pc:sldChg>
       <pc:sldChg chg="addSp delSp modSp mod modTransition modAnim">
-        <pc:chgData name="Scruel Tao" userId="5ea5c98d59b44d4b" providerId="LiveId" clId="{42F73B06-DA81-4C67-8473-07E158E9C79B}" dt="2023-05-06T20:38:55.339" v="6417" actId="166"/>
+        <pc:chgData name="Scruel Tao" userId="5ea5c98d59b44d4b" providerId="LiveId" clId="{42F73B06-DA81-4C67-8473-07E158E9C79B}" dt="2023-05-12T17:00:46.954" v="6683" actId="20577"/>
         <pc:sldMkLst>
           <pc:docMk/>
           <pc:sldMk cId="3636494425" sldId="258"/>
@@ -1768,7 +1768,7 @@
           </ac:spMkLst>
         </pc:spChg>
         <pc:spChg chg="add del mod">
-          <ac:chgData name="Scruel Tao" userId="5ea5c98d59b44d4b" providerId="LiveId" clId="{42F73B06-DA81-4C67-8473-07E158E9C79B}" dt="2023-04-29T03:12:48.351" v="3537" actId="20577"/>
+          <ac:chgData name="Scruel Tao" userId="5ea5c98d59b44d4b" providerId="LiveId" clId="{42F73B06-DA81-4C67-8473-07E158E9C79B}" dt="2023-05-12T17:00:46.954" v="6683" actId="20577"/>
           <ac:spMkLst>
             <pc:docMk/>
             <pc:sldMk cId="3636494425" sldId="258"/>
@@ -1848,8 +1848,8 @@
           </ac:picMkLst>
         </pc:picChg>
       </pc:sldChg>
-      <pc:sldChg chg="modSp mod modTransition modAnim">
-        <pc:chgData name="Scruel Tao" userId="5ea5c98d59b44d4b" providerId="LiveId" clId="{42F73B06-DA81-4C67-8473-07E158E9C79B}" dt="2023-05-06T20:39:19.687" v="6422"/>
+      <pc:sldChg chg="modSp mod modTransition modAnim modNotesTx">
+        <pc:chgData name="Scruel Tao" userId="5ea5c98d59b44d4b" providerId="LiveId" clId="{42F73B06-DA81-4C67-8473-07E158E9C79B}" dt="2023-05-24T16:15:04.661" v="7045" actId="1076"/>
         <pc:sldMkLst>
           <pc:docMk/>
           <pc:sldMk cId="1199684676" sldId="259"/>
@@ -1863,7 +1863,7 @@
           </ac:spMkLst>
         </pc:spChg>
         <pc:spChg chg="mod">
-          <ac:chgData name="Scruel Tao" userId="5ea5c98d59b44d4b" providerId="LiveId" clId="{42F73B06-DA81-4C67-8473-07E158E9C79B}" dt="2023-05-05T10:00:36.417" v="5822" actId="6549"/>
+          <ac:chgData name="Scruel Tao" userId="5ea5c98d59b44d4b" providerId="LiveId" clId="{42F73B06-DA81-4C67-8473-07E158E9C79B}" dt="2023-05-24T16:15:04.661" v="7045" actId="1076"/>
           <ac:spMkLst>
             <pc:docMk/>
             <pc:sldMk cId="1199684676" sldId="259"/>
@@ -1880,11 +1880,19 @@
         </pc:picChg>
       </pc:sldChg>
       <pc:sldChg chg="addSp delSp modSp mod modTransition setBg modNotes">
-        <pc:chgData name="Scruel Tao" userId="5ea5c98d59b44d4b" providerId="LiveId" clId="{42F73B06-DA81-4C67-8473-07E158E9C79B}" dt="2023-05-05T10:01:51.588" v="5834"/>
+        <pc:chgData name="Scruel Tao" userId="5ea5c98d59b44d4b" providerId="LiveId" clId="{42F73B06-DA81-4C67-8473-07E158E9C79B}" dt="2023-05-16T03:57:12.184" v="6716" actId="478"/>
         <pc:sldMkLst>
           <pc:docMk/>
           <pc:sldMk cId="0" sldId="260"/>
         </pc:sldMkLst>
+        <pc:spChg chg="del">
+          <ac:chgData name="Scruel Tao" userId="5ea5c98d59b44d4b" providerId="LiveId" clId="{42F73B06-DA81-4C67-8473-07E158E9C79B}" dt="2023-05-16T03:57:12.184" v="6716" actId="478"/>
+          <ac:spMkLst>
+            <pc:docMk/>
+            <pc:sldMk cId="0" sldId="260"/>
+            <ac:spMk id="2" creationId="{51B8E4C0-E15B-4BD0-7B5B-A44A3D5B0C34}"/>
+          </ac:spMkLst>
+        </pc:spChg>
         <pc:spChg chg="add mod">
           <ac:chgData name="Scruel Tao" userId="5ea5c98d59b44d4b" providerId="LiveId" clId="{42F73B06-DA81-4C67-8473-07E158E9C79B}" dt="2023-05-03T00:05:25.729" v="5424" actId="207"/>
           <ac:spMkLst>
@@ -1951,7 +1959,7 @@
         </pc:picChg>
       </pc:sldChg>
       <pc:sldChg chg="modSp mod modTransition modAnim modNotesTx">
-        <pc:chgData name="Scruel Tao" userId="5ea5c98d59b44d4b" providerId="LiveId" clId="{42F73B06-DA81-4C67-8473-07E158E9C79B}" dt="2023-05-06T20:39:44.372" v="6423"/>
+        <pc:chgData name="Scruel Tao" userId="5ea5c98d59b44d4b" providerId="LiveId" clId="{42F73B06-DA81-4C67-8473-07E158E9C79B}" dt="2023-05-12T18:18:07.102" v="6692" actId="20577"/>
         <pc:sldMkLst>
           <pc:docMk/>
           <pc:sldMk cId="3351160539" sldId="261"/>
@@ -1973,7 +1981,7 @@
           </ac:spMkLst>
         </pc:spChg>
         <pc:picChg chg="mod">
-          <ac:chgData name="Scruel Tao" userId="5ea5c98d59b44d4b" providerId="LiveId" clId="{42F73B06-DA81-4C67-8473-07E158E9C79B}" dt="2023-05-05T10:00:46.158" v="5823" actId="1076"/>
+          <ac:chgData name="Scruel Tao" userId="5ea5c98d59b44d4b" providerId="LiveId" clId="{42F73B06-DA81-4C67-8473-07E158E9C79B}" dt="2023-05-12T18:17:59.430" v="6691" actId="1076"/>
           <ac:picMkLst>
             <pc:docMk/>
             <pc:sldMk cId="3351160539" sldId="261"/>
@@ -2005,7 +2013,7 @@
         </pc:spChg>
       </pc:sldChg>
       <pc:sldChg chg="modSp mod modTransition modClrScheme chgLayout">
-        <pc:chgData name="Scruel Tao" userId="5ea5c98d59b44d4b" providerId="LiveId" clId="{42F73B06-DA81-4C67-8473-07E158E9C79B}" dt="2023-05-05T10:03:32.940" v="5848"/>
+        <pc:chgData name="Scruel Tao" userId="5ea5c98d59b44d4b" providerId="LiveId" clId="{42F73B06-DA81-4C67-8473-07E158E9C79B}" dt="2023-05-14T16:29:25.572" v="6715" actId="167"/>
         <pc:sldMkLst>
           <pc:docMk/>
           <pc:sldMk cId="3745137309" sldId="263"/>
@@ -2051,7 +2059,7 @@
           </ac:picMkLst>
         </pc:picChg>
         <pc:picChg chg="mod ord">
-          <ac:chgData name="Scruel Tao" userId="5ea5c98d59b44d4b" providerId="LiveId" clId="{42F73B06-DA81-4C67-8473-07E158E9C79B}" dt="2023-05-02T11:11:49.047" v="5340" actId="14826"/>
+          <ac:chgData name="Scruel Tao" userId="5ea5c98d59b44d4b" providerId="LiveId" clId="{42F73B06-DA81-4C67-8473-07E158E9C79B}" dt="2023-05-14T16:29:25.572" v="6715" actId="167"/>
           <ac:picMkLst>
             <pc:docMk/>
             <pc:sldMk cId="3745137309" sldId="263"/>
@@ -2178,7 +2186,7 @@
         </pc:cxnChg>
       </pc:sldChg>
       <pc:sldChg chg="addSp delSp modSp mod modTransition modClrScheme chgLayout">
-        <pc:chgData name="Scruel Tao" userId="5ea5c98d59b44d4b" providerId="LiveId" clId="{42F73B06-DA81-4C67-8473-07E158E9C79B}" dt="2023-05-05T10:01:51.588" v="5834"/>
+        <pc:chgData name="Scruel Tao" userId="5ea5c98d59b44d4b" providerId="LiveId" clId="{42F73B06-DA81-4C67-8473-07E158E9C79B}" dt="2023-05-14T15:57:27.361" v="6710" actId="1076"/>
         <pc:sldMkLst>
           <pc:docMk/>
           <pc:sldMk cId="192831406" sldId="270"/>
@@ -2207,8 +2215,8 @@
             <ac:spMk id="14" creationId="{BF2C039C-7D70-5BA8-10BF-AC65C1C472C2}"/>
           </ac:spMkLst>
         </pc:spChg>
-        <pc:picChg chg="add mod">
-          <ac:chgData name="Scruel Tao" userId="5ea5c98d59b44d4b" providerId="LiveId" clId="{42F73B06-DA81-4C67-8473-07E158E9C79B}" dt="2023-04-29T03:17:09.847" v="3580" actId="1076"/>
+        <pc:picChg chg="add del mod">
+          <ac:chgData name="Scruel Tao" userId="5ea5c98d59b44d4b" providerId="LiveId" clId="{42F73B06-DA81-4C67-8473-07E158E9C79B}" dt="2023-05-14T15:54:29.917" v="6693" actId="478"/>
           <ac:picMkLst>
             <pc:docMk/>
             <pc:sldMk cId="192831406" sldId="270"/>
@@ -2224,6 +2232,14 @@
           </ac:picMkLst>
         </pc:picChg>
         <pc:picChg chg="add del mod">
+          <ac:chgData name="Scruel Tao" userId="5ea5c98d59b44d4b" providerId="LiveId" clId="{42F73B06-DA81-4C67-8473-07E158E9C79B}" dt="2023-05-14T15:56:44.599" v="6704" actId="478"/>
+          <ac:picMkLst>
+            <pc:docMk/>
+            <pc:sldMk cId="192831406" sldId="270"/>
+            <ac:picMk id="6" creationId="{BC097D40-41E8-4C54-B8AE-5016EE65DBB3}"/>
+          </ac:picMkLst>
+        </pc:picChg>
+        <pc:picChg chg="add del mod">
           <ac:chgData name="Scruel Tao" userId="5ea5c98d59b44d4b" providerId="LiveId" clId="{42F73B06-DA81-4C67-8473-07E158E9C79B}" dt="2023-04-29T03:14:05.640" v="3560" actId="478"/>
           <ac:picMkLst>
             <pc:docMk/>
@@ -2231,12 +2247,20 @@
             <ac:picMk id="7" creationId="{1CAC3588-E08A-3D80-6CFF-0894136F15D6}"/>
           </ac:picMkLst>
         </pc:picChg>
-        <pc:picChg chg="mod ord">
-          <ac:chgData name="Scruel Tao" userId="5ea5c98d59b44d4b" providerId="LiveId" clId="{42F73B06-DA81-4C67-8473-07E158E9C79B}" dt="2023-04-29T03:18:18.149" v="3593" actId="1076"/>
+        <pc:picChg chg="add del mod ord">
+          <ac:chgData name="Scruel Tao" userId="5ea5c98d59b44d4b" providerId="LiveId" clId="{42F73B06-DA81-4C67-8473-07E158E9C79B}" dt="2023-05-14T15:54:37.164" v="6698" actId="478"/>
           <ac:picMkLst>
             <pc:docMk/>
             <pc:sldMk cId="192831406" sldId="270"/>
             <ac:picMk id="8" creationId="{9FEE71E3-5A5A-BDD3-0177-666AE0953528}"/>
+          </ac:picMkLst>
+        </pc:picChg>
+        <pc:picChg chg="add mod">
+          <ac:chgData name="Scruel Tao" userId="5ea5c98d59b44d4b" providerId="LiveId" clId="{42F73B06-DA81-4C67-8473-07E158E9C79B}" dt="2023-05-14T15:55:06.458" v="6702" actId="1076"/>
+          <ac:picMkLst>
+            <pc:docMk/>
+            <pc:sldMk cId="192831406" sldId="270"/>
+            <ac:picMk id="9" creationId="{C4E0BA8B-E96C-1CCA-0C38-38BA68E749FF}"/>
           </ac:picMkLst>
         </pc:picChg>
         <pc:picChg chg="del mod">
@@ -2247,6 +2271,14 @@
             <ac:picMk id="10" creationId="{ED7D2C24-3911-466C-3E76-669FC1671250}"/>
           </ac:picMkLst>
         </pc:picChg>
+        <pc:picChg chg="add del">
+          <ac:chgData name="Scruel Tao" userId="5ea5c98d59b44d4b" providerId="LiveId" clId="{42F73B06-DA81-4C67-8473-07E158E9C79B}" dt="2023-05-14T15:56:57.349" v="6706" actId="478"/>
+          <ac:picMkLst>
+            <pc:docMk/>
+            <pc:sldMk cId="192831406" sldId="270"/>
+            <ac:picMk id="11" creationId="{F6796458-43B3-A408-58F7-9C6627053A91}"/>
+          </ac:picMkLst>
+        </pc:picChg>
         <pc:picChg chg="del mod">
           <ac:chgData name="Scruel Tao" userId="5ea5c98d59b44d4b" providerId="LiveId" clId="{42F73B06-DA81-4C67-8473-07E158E9C79B}" dt="2023-04-25T04:23:48.612" v="1379" actId="478"/>
           <ac:picMkLst>
@@ -2255,9 +2287,17 @@
             <ac:picMk id="12" creationId="{A8B42638-E2EC-8913-3326-65DFC6BFA414}"/>
           </ac:picMkLst>
         </pc:picChg>
+        <pc:picChg chg="add mod">
+          <ac:chgData name="Scruel Tao" userId="5ea5c98d59b44d4b" providerId="LiveId" clId="{42F73B06-DA81-4C67-8473-07E158E9C79B}" dt="2023-05-14T15:57:27.361" v="6710" actId="1076"/>
+          <ac:picMkLst>
+            <pc:docMk/>
+            <pc:sldMk cId="192831406" sldId="270"/>
+            <ac:picMk id="13" creationId="{3CC94CF2-21C3-B572-38BB-A0944EC95AB0}"/>
+          </ac:picMkLst>
+        </pc:picChg>
       </pc:sldChg>
       <pc:sldChg chg="addSp delSp modSp mod modTransition addAnim delAnim modAnim">
-        <pc:chgData name="Scruel Tao" userId="5ea5c98d59b44d4b" providerId="LiveId" clId="{42F73B06-DA81-4C67-8473-07E158E9C79B}" dt="2023-05-05T10:06:17.769" v="5874" actId="962"/>
+        <pc:chgData name="Scruel Tao" userId="5ea5c98d59b44d4b" providerId="LiveId" clId="{42F73B06-DA81-4C67-8473-07E158E9C79B}" dt="2023-05-24T16:15:18.735" v="7046" actId="478"/>
         <pc:sldMkLst>
           <pc:docMk/>
           <pc:sldMk cId="555885545" sldId="271"/>
@@ -2278,8 +2318,8 @@
             <ac:spMk id="5" creationId="{334FF01F-2A65-44F6-34F9-69AC934A31D7}"/>
           </ac:spMkLst>
         </pc:spChg>
-        <pc:spChg chg="add mod">
-          <ac:chgData name="Scruel Tao" userId="5ea5c98d59b44d4b" providerId="LiveId" clId="{42F73B06-DA81-4C67-8473-07E158E9C79B}" dt="2023-05-03T02:59:08.232" v="5608" actId="21"/>
+        <pc:spChg chg="add del mod">
+          <ac:chgData name="Scruel Tao" userId="5ea5c98d59b44d4b" providerId="LiveId" clId="{42F73B06-DA81-4C67-8473-07E158E9C79B}" dt="2023-05-24T16:15:18.735" v="7046" actId="478"/>
           <ac:spMkLst>
             <pc:docMk/>
             <pc:sldMk cId="555885545" sldId="271"/>
@@ -2604,7 +2644,7 @@
         </pc:picChg>
       </pc:sldChg>
       <pc:sldChg chg="modSp add mod modTransition modAnim modNotesTx">
-        <pc:chgData name="Scruel Tao" userId="5ea5c98d59b44d4b" providerId="LiveId" clId="{42F73B06-DA81-4C67-8473-07E158E9C79B}" dt="2023-05-06T16:54:42.145" v="6416" actId="20577"/>
+        <pc:chgData name="Scruel Tao" userId="5ea5c98d59b44d4b" providerId="LiveId" clId="{42F73B06-DA81-4C67-8473-07E158E9C79B}" dt="2023-05-24T16:16:46.534" v="7101" actId="20577"/>
         <pc:sldMkLst>
           <pc:docMk/>
           <pc:sldMk cId="1751565490" sldId="276"/>
@@ -2618,7 +2658,7 @@
           </ac:spMkLst>
         </pc:spChg>
         <pc:spChg chg="mod">
-          <ac:chgData name="Scruel Tao" userId="5ea5c98d59b44d4b" providerId="LiveId" clId="{42F73B06-DA81-4C67-8473-07E158E9C79B}" dt="2023-05-03T01:59:20.214" v="5555" actId="2711"/>
+          <ac:chgData name="Scruel Tao" userId="5ea5c98d59b44d4b" providerId="LiveId" clId="{42F73B06-DA81-4C67-8473-07E158E9C79B}" dt="2023-05-24T16:16:45.610" v="7100" actId="20577"/>
           <ac:spMkLst>
             <pc:docMk/>
             <pc:sldMk cId="1751565490" sldId="276"/>
@@ -3372,7 +3412,7 @@
         </pc:picChg>
       </pc:sldChg>
       <pc:sldChg chg="addSp delSp modSp add mod modTransition chgLayout modNotesTx">
-        <pc:chgData name="Scruel Tao" userId="5ea5c98d59b44d4b" providerId="LiveId" clId="{42F73B06-DA81-4C67-8473-07E158E9C79B}" dt="2023-05-08T01:24:22.003" v="6661" actId="20577"/>
+        <pc:chgData name="Scruel Tao" userId="5ea5c98d59b44d4b" providerId="LiveId" clId="{42F73B06-DA81-4C67-8473-07E158E9C79B}" dt="2023-05-12T17:01:03.948" v="6690" actId="20577"/>
         <pc:sldMkLst>
           <pc:docMk/>
           <pc:sldMk cId="4147465309" sldId="287"/>
@@ -3811,7 +3851,7 @@
         </pc:picChg>
       </pc:sldChg>
       <pc:sldMasterChg chg="modTransition modSldLayout">
-        <pc:chgData name="Scruel Tao" userId="5ea5c98d59b44d4b" providerId="LiveId" clId="{42F73B06-DA81-4C67-8473-07E158E9C79B}" dt="2023-05-05T10:01:51.588" v="5834"/>
+        <pc:chgData name="Scruel Tao" userId="5ea5c98d59b44d4b" providerId="LiveId" clId="{42F73B06-DA81-4C67-8473-07E158E9C79B}" dt="2023-05-16T03:57:15.956" v="6717" actId="478"/>
         <pc:sldMasterMkLst>
           <pc:docMk/>
           <pc:sldMasterMk cId="1766057859" sldId="2147483648"/>
@@ -3995,12 +4035,21 @@
           </pc:sldLayoutMkLst>
         </pc:sldLayoutChg>
         <pc:sldLayoutChg chg="delSp modTransition">
-          <pc:chgData name="Scruel Tao" userId="5ea5c98d59b44d4b" providerId="LiveId" clId="{42F73B06-DA81-4C67-8473-07E158E9C79B}" dt="2023-05-05T10:01:51.588" v="5834"/>
+          <pc:chgData name="Scruel Tao" userId="5ea5c98d59b44d4b" providerId="LiveId" clId="{42F73B06-DA81-4C67-8473-07E158E9C79B}" dt="2023-05-16T03:57:15.956" v="6717" actId="478"/>
           <pc:sldLayoutMkLst>
             <pc:docMk/>
             <pc:sldMasterMk cId="1766057859" sldId="2147483648"/>
             <pc:sldLayoutMk cId="1337634028" sldId="2147483660"/>
           </pc:sldLayoutMkLst>
+          <pc:spChg chg="del">
+            <ac:chgData name="Scruel Tao" userId="5ea5c98d59b44d4b" providerId="LiveId" clId="{42F73B06-DA81-4C67-8473-07E158E9C79B}" dt="2023-05-16T03:57:15.956" v="6717" actId="478"/>
+            <ac:spMkLst>
+              <pc:docMk/>
+              <pc:sldMasterMk cId="1766057859" sldId="2147483648"/>
+              <pc:sldLayoutMk cId="1337634028" sldId="2147483660"/>
+              <ac:spMk id="19472" creationId="{BD0BF484-93B1-9A87-952A-7D5E9B29C38D}"/>
+            </ac:spMkLst>
+          </pc:spChg>
           <pc:picChg chg="del">
             <ac:chgData name="Scruel Tao" userId="5ea5c98d59b44d4b" providerId="LiveId" clId="{42F73B06-DA81-4C67-8473-07E158E9C79B}" dt="2023-04-25T02:47:33.665" v="42" actId="21"/>
             <ac:picMkLst>
@@ -4111,7 +4160,7 @@
           <a:p>
             <a:fld id="{AC7E1972-C479-4420-A687-8FB83BA90DEB}" type="datetimeFigureOut">
               <a:rPr lang="zh-CN" altLang="en-US" smtClean="0"/>
-              <a:t>2023/5/8</a:t>
+              <a:t>2023/5/25</a:t>
             </a:fld>
             <a:endParaRPr lang="zh-CN" altLang="en-US"/>
           </a:p>
@@ -4288,7 +4337,7 @@
           <a:p>
             <a:fld id="{89B7AB8D-BCC0-43C6-B24C-055A25DB558F}" type="datetimeFigureOut">
               <a:rPr lang="zh-CN" altLang="en-US" smtClean="0"/>
-              <a:t>2023/5/8</a:t>
+              <a:t>2023/5/25</a:t>
             </a:fld>
             <a:endParaRPr lang="zh-CN" altLang="en-US"/>
           </a:p>
@@ -4689,25 +4738,7 @@
           <a:bodyPr/>
           <a:lstStyle/>
           <a:p>
-            <a:r>
-              <a:rPr lang="zh-CN" altLang="en-US" sz="1800" b="0" i="0" u="none" strike="noStrike" baseline="0" dirty="0">
-                <a:latin typeface="FZSSJW--GB1-0"/>
-              </a:rPr>
-              <a:t>附录 </a:t>
-            </a:r>
-            <a:r>
-              <a:rPr lang="en-US" altLang="zh-CN" sz="1800" b="0" i="0" u="none" strike="noStrike" baseline="0" dirty="0">
-                <a:latin typeface="TimesNewRoman"/>
-              </a:rPr>
-              <a:t>C </a:t>
-            </a:r>
-            <a:r>
-              <a:rPr lang="zh-CN" altLang="en-US" sz="1800" b="0" i="0" u="none" strike="noStrike" baseline="0" dirty="0">
-                <a:latin typeface="FZSSJW--GB1-0"/>
-              </a:rPr>
-              <a:t>提供了很多在线资源，如论坛或在线聊天网站</a:t>
-            </a:r>
-            <a:endParaRPr lang="zh-CN" altLang="en-US" dirty="0"/>
+            <a:endParaRPr lang="en-US" altLang="zh-CN" dirty="0"/>
           </a:p>
         </p:txBody>
       </p:sp>
@@ -4728,7 +4759,7 @@
           <a:p>
             <a:fld id="{9901CBA2-7C9E-4AD6-B258-A0DB055BB3AF}" type="slidenum">
               <a:rPr lang="zh-CN" altLang="en-US" smtClean="0"/>
-              <a:t>22</a:t>
+              <a:t>21</a:t>
             </a:fld>
             <a:endParaRPr lang="zh-CN" altLang="en-US"/>
           </a:p>
@@ -4737,7 +4768,7 @@
     </p:spTree>
     <p:extLst>
       <p:ext uri="{BB962C8B-B14F-4D97-AF65-F5344CB8AC3E}">
-        <p14:creationId xmlns:p14="http://schemas.microsoft.com/office/powerpoint/2010/main" val="1308399219"/>
+        <p14:creationId xmlns:p14="http://schemas.microsoft.com/office/powerpoint/2010/main" val="1907829771"/>
       </p:ext>
     </p:extLst>
   </p:cSld>
@@ -4791,6 +4822,24 @@
           <a:bodyPr/>
           <a:lstStyle/>
           <a:p>
+            <a:r>
+              <a:rPr lang="zh-CN" altLang="en-US" sz="1800" b="0" i="0" u="none" strike="noStrike" baseline="0" dirty="0">
+                <a:latin typeface="FZSSJW--GB1-0"/>
+              </a:rPr>
+              <a:t>附录 </a:t>
+            </a:r>
+            <a:r>
+              <a:rPr lang="en-US" altLang="zh-CN" sz="1800" b="0" i="0" u="none" strike="noStrike" baseline="0" dirty="0">
+                <a:latin typeface="TimesNewRoman"/>
+              </a:rPr>
+              <a:t>C </a:t>
+            </a:r>
+            <a:r>
+              <a:rPr lang="zh-CN" altLang="en-US" sz="1800" b="0" i="0" u="none" strike="noStrike" baseline="0" dirty="0">
+                <a:latin typeface="FZSSJW--GB1-0"/>
+              </a:rPr>
+              <a:t>提供了很多在线资源，如论坛或在线聊天网站</a:t>
+            </a:r>
             <a:endParaRPr lang="zh-CN" altLang="en-US" dirty="0"/>
           </a:p>
         </p:txBody>
@@ -4812,7 +4861,7 @@
           <a:p>
             <a:fld id="{9901CBA2-7C9E-4AD6-B258-A0DB055BB3AF}" type="slidenum">
               <a:rPr lang="zh-CN" altLang="en-US" smtClean="0"/>
-              <a:t>23</a:t>
+              <a:t>22</a:t>
             </a:fld>
             <a:endParaRPr lang="zh-CN" altLang="en-US"/>
           </a:p>
@@ -4821,7 +4870,7 @@
     </p:spTree>
     <p:extLst>
       <p:ext uri="{BB962C8B-B14F-4D97-AF65-F5344CB8AC3E}">
-        <p14:creationId xmlns:p14="http://schemas.microsoft.com/office/powerpoint/2010/main" val="2700064975"/>
+        <p14:creationId xmlns:p14="http://schemas.microsoft.com/office/powerpoint/2010/main" val="1308399219"/>
       </p:ext>
     </p:extLst>
   </p:cSld>
@@ -4896,7 +4945,7 @@
           <a:p>
             <a:fld id="{9901CBA2-7C9E-4AD6-B258-A0DB055BB3AF}" type="slidenum">
               <a:rPr lang="zh-CN" altLang="en-US" smtClean="0"/>
-              <a:t>24</a:t>
+              <a:t>23</a:t>
             </a:fld>
             <a:endParaRPr lang="zh-CN" altLang="en-US"/>
           </a:p>
@@ -4905,7 +4954,7 @@
     </p:spTree>
     <p:extLst>
       <p:ext uri="{BB962C8B-B14F-4D97-AF65-F5344CB8AC3E}">
-        <p14:creationId xmlns:p14="http://schemas.microsoft.com/office/powerpoint/2010/main" val="3761428499"/>
+        <p14:creationId xmlns:p14="http://schemas.microsoft.com/office/powerpoint/2010/main" val="2700064975"/>
       </p:ext>
     </p:extLst>
   </p:cSld>
@@ -4980,6 +5029,90 @@
           <a:p>
             <a:fld id="{9901CBA2-7C9E-4AD6-B258-A0DB055BB3AF}" type="slidenum">
               <a:rPr lang="zh-CN" altLang="en-US" smtClean="0"/>
+              <a:t>24</a:t>
+            </a:fld>
+            <a:endParaRPr lang="zh-CN" altLang="en-US"/>
+          </a:p>
+        </p:txBody>
+      </p:sp>
+    </p:spTree>
+    <p:extLst>
+      <p:ext uri="{BB962C8B-B14F-4D97-AF65-F5344CB8AC3E}">
+        <p14:creationId xmlns:p14="http://schemas.microsoft.com/office/powerpoint/2010/main" val="3761428499"/>
+      </p:ext>
+    </p:extLst>
+  </p:cSld>
+  <p:clrMapOvr>
+    <a:masterClrMapping/>
+  </p:clrMapOvr>
+</p:notes>
+</file>
+
+<file path=ppt/notesSlides/notesSlide14.xml><?xml version="1.0" encoding="utf-8"?>
+<p:notes xmlns:a="http://schemas.openxmlformats.org/drawingml/2006/main" xmlns:r="http://schemas.openxmlformats.org/officeDocument/2006/relationships" xmlns:p="http://schemas.openxmlformats.org/presentationml/2006/main">
+  <p:cSld>
+    <p:spTree>
+      <p:nvGrpSpPr>
+        <p:cNvPr id="1" name=""/>
+        <p:cNvGrpSpPr/>
+        <p:nvPr/>
+      </p:nvGrpSpPr>
+      <p:grpSpPr>
+        <a:xfrm>
+          <a:off x="0" y="0"/>
+          <a:ext cx="0" cy="0"/>
+          <a:chOff x="0" y="0"/>
+          <a:chExt cx="0" cy="0"/>
+        </a:xfrm>
+      </p:grpSpPr>
+      <p:sp>
+        <p:nvSpPr>
+          <p:cNvPr id="2" name="幻灯片图像占位符 1"/>
+          <p:cNvSpPr>
+            <a:spLocks noGrp="1" noRot="1" noChangeAspect="1"/>
+          </p:cNvSpPr>
+          <p:nvPr>
+            <p:ph type="sldImg"/>
+          </p:nvPr>
+        </p:nvSpPr>
+        <p:spPr/>
+      </p:sp>
+      <p:sp>
+        <p:nvSpPr>
+          <p:cNvPr id="3" name="备注占位符 2"/>
+          <p:cNvSpPr>
+            <a:spLocks noGrp="1"/>
+          </p:cNvSpPr>
+          <p:nvPr>
+            <p:ph type="body" idx="1"/>
+          </p:nvPr>
+        </p:nvSpPr>
+        <p:spPr/>
+        <p:txBody>
+          <a:bodyPr/>
+          <a:lstStyle/>
+          <a:p>
+            <a:endParaRPr lang="zh-CN" altLang="en-US" dirty="0"/>
+          </a:p>
+        </p:txBody>
+      </p:sp>
+      <p:sp>
+        <p:nvSpPr>
+          <p:cNvPr id="4" name="灯片编号占位符 3"/>
+          <p:cNvSpPr>
+            <a:spLocks noGrp="1"/>
+          </p:cNvSpPr>
+          <p:nvPr>
+            <p:ph type="sldNum" sz="quarter" idx="5"/>
+          </p:nvPr>
+        </p:nvSpPr>
+        <p:spPr/>
+        <p:txBody>
+          <a:bodyPr/>
+          <a:lstStyle/>
+          <a:p>
+            <a:fld id="{9901CBA2-7C9E-4AD6-B258-A0DB055BB3AF}" type="slidenum">
+              <a:rPr lang="zh-CN" altLang="en-US" smtClean="0"/>
               <a:t>25</a:t>
             </a:fld>
             <a:endParaRPr lang="zh-CN" altLang="en-US"/>
@@ -4999,7 +5132,7 @@
 </p:notes>
 </file>
 
-<file path=ppt/notesSlides/notesSlide14.xml><?xml version="1.0" encoding="utf-8"?>
+<file path=ppt/notesSlides/notesSlide15.xml><?xml version="1.0" encoding="utf-8"?>
 <p:notes xmlns:a="http://schemas.openxmlformats.org/drawingml/2006/main" xmlns:r="http://schemas.openxmlformats.org/officeDocument/2006/relationships" xmlns:p="http://schemas.openxmlformats.org/presentationml/2006/main">
   <p:cSld>
     <p:spTree>
@@ -5316,18 +5449,27 @@
               <a:t>）参加 </a:t>
             </a:r>
             <a:r>
+              <a:rPr lang="en-US" altLang="zh-CN" dirty="0" err="1">
+                <a:solidFill>
+                  <a:srgbClr val="222222"/>
+                </a:solidFill>
+                <a:effectLst/>
+                <a:latin typeface="Helvetica Neue"/>
+              </a:rPr>
+              <a:t>PyC</a:t>
+            </a:r>
+            <a:r>
               <a:rPr lang="en-US" altLang="zh-CN" dirty="0" err="1"/>
-              <a:t>pycon</a:t>
+              <a:t>on</a:t>
             </a:r>
             <a:r>
               <a:rPr lang="en-US" altLang="zh-CN" dirty="0"/>
               <a:t> 2010 </a:t>
             </a:r>
             <a:r>
-              <a:rPr lang="zh-CN" altLang="en-US"/>
+              <a:rPr lang="zh-CN" altLang="en-US" dirty="0"/>
               <a:t>时的照片</a:t>
             </a:r>
-            <a:endParaRPr lang="zh-CN" altLang="en-US" dirty="0"/>
           </a:p>
         </p:txBody>
       </p:sp>
@@ -5411,62 +5553,63 @@
           <a:bodyPr/>
           <a:lstStyle/>
           <a:p>
-            <a:pPr marL="0" marR="0" lvl="0" indent="0" algn="l" defTabSz="914400" rtl="0" eaLnBrk="1" fontAlgn="auto" latinLnBrk="0" hangingPunct="1">
-              <a:lnSpc>
-                <a:spcPct val="100000"/>
-              </a:lnSpc>
-              <a:spcBef>
-                <a:spcPts val="0"/>
-              </a:spcBef>
-              <a:spcAft>
-                <a:spcPts val="0"/>
-              </a:spcAft>
-              <a:buClrTx/>
-              <a:buSzTx/>
-              <a:buFontTx/>
-              <a:buNone/>
-              <a:tabLst/>
-              <a:defRPr/>
-            </a:pPr>
-            <a:r>
-              <a:rPr lang="zh-CN" altLang="en-US" dirty="0"/>
-              <a:t>附图是在 </a:t>
-            </a:r>
-            <a:r>
-              <a:rPr lang="en-US" altLang="zh-CN" dirty="0"/>
-              <a:t>Linux </a:t>
-            </a:r>
-            <a:r>
-              <a:rPr lang="zh-CN" altLang="en-US" dirty="0"/>
-              <a:t>上采用 </a:t>
-            </a:r>
-            <a:r>
-              <a:rPr lang="en-US" altLang="zh-CN" dirty="0" err="1"/>
-              <a:t>zsh</a:t>
-            </a:r>
-            <a:r>
-              <a:rPr lang="zh-CN" altLang="en-US" dirty="0"/>
-              <a:t>终端</a:t>
-            </a:r>
-            <a:r>
-              <a:rPr lang="en-US" altLang="zh-CN" dirty="0"/>
-              <a:t>+ spaceship </a:t>
-            </a:r>
-            <a:r>
-              <a:rPr lang="zh-CN" altLang="en-US" dirty="0"/>
-              <a:t>主题的效果，</a:t>
-            </a:r>
-            <a:r>
-              <a:rPr lang="en-US" altLang="zh-CN" dirty="0"/>
-              <a:t>windows </a:t>
-            </a:r>
-            <a:r>
-              <a:rPr lang="zh-CN" altLang="en-US" dirty="0"/>
-              <a:t>上显示的没有</a:t>
-            </a:r>
-            <a:r>
-              <a:rPr lang="zh-CN" altLang="en-US"/>
-              <a:t>这么好看，不过执行命令之类的都是一样的</a:t>
+            <a:r>
+              <a:rPr lang="zh-CN" altLang="en-US" sz="1800" b="0" i="0" u="none" strike="noStrike" baseline="0" dirty="0">
+                <a:latin typeface="TimesNewRoman"/>
+              </a:rPr>
+              <a:t>补充一下，</a:t>
+            </a:r>
+            <a:r>
+              <a:rPr lang="en-US" altLang="zh-CN" sz="1800" b="0" i="0" u="none" strike="noStrike" baseline="0" dirty="0">
+                <a:latin typeface="TimesNewRoman"/>
+              </a:rPr>
+              <a:t>Python </a:t>
+            </a:r>
+            <a:r>
+              <a:rPr lang="zh-CN" altLang="en-US" sz="1800" b="0" i="0" u="none" strike="noStrike" baseline="0" dirty="0">
+                <a:latin typeface="FZSSJW--GB1-0"/>
+              </a:rPr>
+              <a:t>这个名称来源于</a:t>
+            </a:r>
+            <a:r>
+              <a:rPr lang="en-US" altLang="zh-CN" sz="2800" dirty="0">
+                <a:hlinkClick r:id="rId3"/>
+              </a:rPr>
+              <a:t>"Monty Python </a:t>
+            </a:r>
+            <a:r>
+              <a:rPr lang="zh-CN" altLang="en-US" sz="2800" dirty="0">
+                <a:hlinkClick r:id="rId3"/>
+              </a:rPr>
+              <a:t>的飞行马戏团</a:t>
+            </a:r>
+            <a:r>
+              <a:rPr lang="en-US" altLang="zh-CN" sz="2800" dirty="0">
+                <a:hlinkClick r:id="rId3"/>
+              </a:rPr>
+              <a:t>"</a:t>
+            </a:r>
+            <a:r>
+              <a:rPr lang="zh-CN" altLang="en-US" sz="2800" dirty="0"/>
+              <a:t> 这部剧本，</a:t>
+            </a:r>
+            <a:r>
+              <a:rPr lang="zh-CN" altLang="en-US" sz="1800" b="0" i="0" u="none" strike="noStrike" baseline="0" dirty="0">
+                <a:latin typeface="FZSSJW--GB1-0"/>
+              </a:rPr>
+              <a:t>而不是单词的含义蟒蛇。虽然，蟒蛇们将会无处不在 </a:t>
+            </a:r>
+            <a:r>
+              <a:rPr lang="en-US" altLang="zh-CN" sz="1800" b="0" i="0" u="none" strike="noStrike" baseline="0" dirty="0">
+                <a:latin typeface="FZSSJW--GB1-0"/>
+              </a:rPr>
+              <a:t>:) </a:t>
+            </a:r>
+          </a:p>
+          <a:p>
+            <a:r>
+              <a:rPr lang="en-US" altLang="zh-CN"/>
+              <a:t>https://docs.python.org/zh-cn/3/faq/general.html#why-is-it-called-python</a:t>
             </a:r>
             <a:endParaRPr lang="zh-CN" altLang="en-US" dirty="0"/>
           </a:p>
@@ -5489,7 +5632,7 @@
           <a:p>
             <a:fld id="{9901CBA2-7C9E-4AD6-B258-A0DB055BB3AF}" type="slidenum">
               <a:rPr lang="zh-CN" altLang="en-US" smtClean="0"/>
-              <a:t>7</a:t>
+              <a:t>6</a:t>
             </a:fld>
             <a:endParaRPr lang="zh-CN" altLang="en-US"/>
           </a:p>
@@ -5498,7 +5641,7 @@
     </p:spTree>
     <p:extLst>
       <p:ext uri="{BB962C8B-B14F-4D97-AF65-F5344CB8AC3E}">
-        <p14:creationId xmlns:p14="http://schemas.microsoft.com/office/powerpoint/2010/main" val="34409804"/>
+        <p14:creationId xmlns:p14="http://schemas.microsoft.com/office/powerpoint/2010/main" val="3651646500"/>
       </p:ext>
     </p:extLst>
   </p:cSld>
@@ -5552,7 +5695,63 @@
           <a:bodyPr/>
           <a:lstStyle/>
           <a:p>
-            <a:endParaRPr lang="zh-CN" altLang="en-US" dirty="0"/>
+            <a:pPr marL="0" marR="0" lvl="0" indent="0" algn="l" defTabSz="914400" rtl="0" eaLnBrk="1" fontAlgn="auto" latinLnBrk="0" hangingPunct="1">
+              <a:lnSpc>
+                <a:spcPct val="100000"/>
+              </a:lnSpc>
+              <a:spcBef>
+                <a:spcPts val="0"/>
+              </a:spcBef>
+              <a:spcAft>
+                <a:spcPts val="0"/>
+              </a:spcAft>
+              <a:buClrTx/>
+              <a:buSzTx/>
+              <a:buFontTx/>
+              <a:buNone/>
+              <a:tabLst/>
+              <a:defRPr/>
+            </a:pPr>
+            <a:r>
+              <a:rPr lang="zh-CN" altLang="en-US" dirty="0"/>
+              <a:t>附图是在 </a:t>
+            </a:r>
+            <a:r>
+              <a:rPr lang="en-US" altLang="zh-CN" dirty="0"/>
+              <a:t>Linux </a:t>
+            </a:r>
+            <a:r>
+              <a:rPr lang="zh-CN" altLang="en-US" dirty="0"/>
+              <a:t>上采用 </a:t>
+            </a:r>
+            <a:r>
+              <a:rPr lang="en-US" altLang="zh-CN" dirty="0" err="1"/>
+              <a:t>zsh</a:t>
+            </a:r>
+            <a:r>
+              <a:rPr lang="en-US" altLang="zh-CN" dirty="0"/>
+              <a:t> </a:t>
+            </a:r>
+            <a:r>
+              <a:rPr lang="zh-CN" altLang="en-US" dirty="0"/>
+              <a:t>终端</a:t>
+            </a:r>
+            <a:r>
+              <a:rPr lang="en-US" altLang="zh-CN" dirty="0"/>
+              <a:t>+ spaceship </a:t>
+            </a:r>
+            <a:r>
+              <a:rPr lang="zh-CN" altLang="en-US" dirty="0"/>
+              <a:t>主题的效果，</a:t>
+            </a:r>
+            <a:r>
+              <a:rPr lang="en-US" altLang="zh-CN" dirty="0"/>
+              <a:t>windows </a:t>
+            </a:r>
+            <a:r>
+              <a:rPr lang="zh-CN" altLang="en-US" dirty="0"/>
+              <a:t>上显示的没有这么好看，不过执行命令之类的都是一样的</a:t>
+            </a:r>
           </a:p>
         </p:txBody>
       </p:sp>
@@ -5573,7 +5772,7 @@
           <a:p>
             <a:fld id="{9901CBA2-7C9E-4AD6-B258-A0DB055BB3AF}" type="slidenum">
               <a:rPr lang="zh-CN" altLang="en-US" smtClean="0"/>
-              <a:t>9</a:t>
+              <a:t>7</a:t>
             </a:fld>
             <a:endParaRPr lang="zh-CN" altLang="en-US"/>
           </a:p>
@@ -5582,7 +5781,7 @@
     </p:spTree>
     <p:extLst>
       <p:ext uri="{BB962C8B-B14F-4D97-AF65-F5344CB8AC3E}">
-        <p14:creationId xmlns:p14="http://schemas.microsoft.com/office/powerpoint/2010/main" val="2059751540"/>
+        <p14:creationId xmlns:p14="http://schemas.microsoft.com/office/powerpoint/2010/main" val="34409804"/>
       </p:ext>
     </p:extLst>
   </p:cSld>
@@ -5636,38 +5835,7 @@
           <a:bodyPr/>
           <a:lstStyle/>
           <a:p>
-            <a:r>
-              <a:rPr lang="zh-CN" altLang="en-US" dirty="0"/>
-              <a:t>在 </a:t>
-            </a:r>
-            <a:r>
-              <a:rPr lang="en-US" altLang="zh-CN" dirty="0"/>
-              <a:t>macOS </a:t>
-            </a:r>
-            <a:r>
-              <a:rPr lang="zh-CN" altLang="en-US" dirty="0"/>
-              <a:t>系统中，如果出现一个弹出框，询问你是否要安装命令行开发者工具，请单击 </a:t>
-            </a:r>
-            <a:r>
-              <a:rPr lang="en-US" altLang="zh-CN" dirty="0"/>
-              <a:t>Install</a:t>
-            </a:r>
-            <a:r>
-              <a:rPr lang="zh-CN" altLang="en-US" dirty="0"/>
-              <a:t>。可能会出现一条消息，指出需要很长时间才能安装完成，但只要你的网络连接不是很慢，实际上只需</a:t>
-            </a:r>
-            <a:r>
-              <a:rPr lang="zh-CN" altLang="en-US"/>
-              <a:t>要不到 </a:t>
-            </a:r>
-            <a:r>
-              <a:rPr lang="en-US" altLang="zh-CN"/>
-              <a:t>20 </a:t>
-            </a:r>
-            <a:r>
-              <a:rPr lang="zh-CN" altLang="en-US" dirty="0"/>
-              <a:t>分钟。</a:t>
-            </a:r>
+            <a:endParaRPr lang="zh-CN" altLang="en-US" dirty="0"/>
           </a:p>
         </p:txBody>
       </p:sp>
@@ -5688,7 +5856,7 @@
           <a:p>
             <a:fld id="{9901CBA2-7C9E-4AD6-B258-A0DB055BB3AF}" type="slidenum">
               <a:rPr lang="zh-CN" altLang="en-US" smtClean="0"/>
-              <a:t>10</a:t>
+              <a:t>9</a:t>
             </a:fld>
             <a:endParaRPr lang="zh-CN" altLang="en-US"/>
           </a:p>
@@ -5697,7 +5865,7 @@
     </p:spTree>
     <p:extLst>
       <p:ext uri="{BB962C8B-B14F-4D97-AF65-F5344CB8AC3E}">
-        <p14:creationId xmlns:p14="http://schemas.microsoft.com/office/powerpoint/2010/main" val="1664245364"/>
+        <p14:creationId xmlns:p14="http://schemas.microsoft.com/office/powerpoint/2010/main" val="2059751540"/>
       </p:ext>
     </p:extLst>
   </p:cSld>
@@ -5753,7 +5921,35 @@
           <a:p>
             <a:r>
               <a:rPr lang="zh-CN" altLang="en-US" dirty="0"/>
-              <a:t>当然，也可以选择自己喜欢的编辑器</a:t>
+              <a:t>在 </a:t>
+            </a:r>
+            <a:r>
+              <a:rPr lang="en-US" altLang="zh-CN" dirty="0"/>
+              <a:t>macOS </a:t>
+            </a:r>
+            <a:r>
+              <a:rPr lang="zh-CN" altLang="en-US" dirty="0"/>
+              <a:t>系统中，如果出现一个弹出框，询问你是否要安装命令行开发者工具，请单击 </a:t>
+            </a:r>
+            <a:r>
+              <a:rPr lang="en-US" altLang="zh-CN" dirty="0"/>
+              <a:t>Install</a:t>
+            </a:r>
+            <a:r>
+              <a:rPr lang="zh-CN" altLang="en-US" dirty="0"/>
+              <a:t>。可能会出现一条消息，指出需要很长时间才能安装完成，但只要你的网络连接不是很慢，实际上只需</a:t>
+            </a:r>
+            <a:r>
+              <a:rPr lang="zh-CN" altLang="en-US"/>
+              <a:t>要不到 </a:t>
+            </a:r>
+            <a:r>
+              <a:rPr lang="en-US" altLang="zh-CN"/>
+              <a:t>20 </a:t>
+            </a:r>
+            <a:r>
+              <a:rPr lang="zh-CN" altLang="en-US" dirty="0"/>
+              <a:t>分钟。</a:t>
             </a:r>
           </a:p>
         </p:txBody>
@@ -5775,7 +5971,7 @@
           <a:p>
             <a:fld id="{9901CBA2-7C9E-4AD6-B258-A0DB055BB3AF}" type="slidenum">
               <a:rPr lang="zh-CN" altLang="en-US" smtClean="0"/>
-              <a:t>11</a:t>
+              <a:t>10</a:t>
             </a:fld>
             <a:endParaRPr lang="zh-CN" altLang="en-US"/>
           </a:p>
@@ -5784,7 +5980,7 @@
     </p:spTree>
     <p:extLst>
       <p:ext uri="{BB962C8B-B14F-4D97-AF65-F5344CB8AC3E}">
-        <p14:creationId xmlns:p14="http://schemas.microsoft.com/office/powerpoint/2010/main" val="2211635743"/>
+        <p14:creationId xmlns:p14="http://schemas.microsoft.com/office/powerpoint/2010/main" val="1664245364"/>
       </p:ext>
     </p:extLst>
   </p:cSld>
@@ -5838,7 +6034,10 @@
           <a:bodyPr/>
           <a:lstStyle/>
           <a:p>
-            <a:endParaRPr lang="en-US" altLang="zh-CN" dirty="0"/>
+            <a:r>
+              <a:rPr lang="zh-CN" altLang="en-US" dirty="0"/>
+              <a:t>当然，也可以选择自己喜欢的编辑器</a:t>
+            </a:r>
           </a:p>
         </p:txBody>
       </p:sp>
@@ -5859,7 +6058,7 @@
           <a:p>
             <a:fld id="{9901CBA2-7C9E-4AD6-B258-A0DB055BB3AF}" type="slidenum">
               <a:rPr lang="zh-CN" altLang="en-US" smtClean="0"/>
-              <a:t>19</a:t>
+              <a:t>11</a:t>
             </a:fld>
             <a:endParaRPr lang="zh-CN" altLang="en-US"/>
           </a:p>
@@ -5868,7 +6067,7 @@
     </p:spTree>
     <p:extLst>
       <p:ext uri="{BB962C8B-B14F-4D97-AF65-F5344CB8AC3E}">
-        <p14:creationId xmlns:p14="http://schemas.microsoft.com/office/powerpoint/2010/main" val="794091751"/>
+        <p14:creationId xmlns:p14="http://schemas.microsoft.com/office/powerpoint/2010/main" val="2211635743"/>
       </p:ext>
     </p:extLst>
   </p:cSld>
@@ -5943,7 +6142,7 @@
           <a:p>
             <a:fld id="{9901CBA2-7C9E-4AD6-B258-A0DB055BB3AF}" type="slidenum">
               <a:rPr lang="zh-CN" altLang="en-US" smtClean="0"/>
-              <a:t>20</a:t>
+              <a:t>19</a:t>
             </a:fld>
             <a:endParaRPr lang="zh-CN" altLang="en-US"/>
           </a:p>
@@ -5952,7 +6151,7 @@
     </p:spTree>
     <p:extLst>
       <p:ext uri="{BB962C8B-B14F-4D97-AF65-F5344CB8AC3E}">
-        <p14:creationId xmlns:p14="http://schemas.microsoft.com/office/powerpoint/2010/main" val="2020201082"/>
+        <p14:creationId xmlns:p14="http://schemas.microsoft.com/office/powerpoint/2010/main" val="794091751"/>
       </p:ext>
     </p:extLst>
   </p:cSld>
@@ -6027,7 +6226,7 @@
           <a:p>
             <a:fld id="{9901CBA2-7C9E-4AD6-B258-A0DB055BB3AF}" type="slidenum">
               <a:rPr lang="zh-CN" altLang="en-US" smtClean="0"/>
-              <a:t>21</a:t>
+              <a:t>20</a:t>
             </a:fld>
             <a:endParaRPr lang="zh-CN" altLang="en-US"/>
           </a:p>
@@ -6036,7 +6235,7 @@
     </p:spTree>
     <p:extLst>
       <p:ext uri="{BB962C8B-B14F-4D97-AF65-F5344CB8AC3E}">
-        <p14:creationId xmlns:p14="http://schemas.microsoft.com/office/powerpoint/2010/main" val="1907829771"/>
+        <p14:creationId xmlns:p14="http://schemas.microsoft.com/office/powerpoint/2010/main" val="2020201082"/>
       </p:ext>
     </p:extLst>
   </p:cSld>
@@ -6193,7 +6392,7 @@
           <a:p>
             <a:fld id="{F721228B-0167-4061-A906-8575043315EE}" type="datetimeFigureOut">
               <a:rPr lang="zh-CN" altLang="en-US" smtClean="0"/>
-              <a:t>2023/5/8</a:t>
+              <a:t>2023/5/25</a:t>
             </a:fld>
             <a:endParaRPr lang="zh-CN" altLang="en-US"/>
           </a:p>
@@ -6403,7 +6602,7 @@
           <a:p>
             <a:fld id="{F721228B-0167-4061-A906-8575043315EE}" type="datetimeFigureOut">
               <a:rPr lang="zh-CN" altLang="en-US" smtClean="0"/>
-              <a:t>2023/5/8</a:t>
+              <a:t>2023/5/25</a:t>
             </a:fld>
             <a:endParaRPr lang="zh-CN" altLang="en-US"/>
           </a:p>
@@ -6623,7 +6822,7 @@
           <a:p>
             <a:fld id="{F721228B-0167-4061-A906-8575043315EE}" type="datetimeFigureOut">
               <a:rPr lang="zh-CN" altLang="en-US" smtClean="0"/>
-              <a:t>2023/5/8</a:t>
+              <a:t>2023/5/25</a:t>
             </a:fld>
             <a:endParaRPr lang="zh-CN" altLang="en-US"/>
           </a:p>
@@ -6725,58 +6924,6 @@
           <a:chExt cx="0" cy="0"/>
         </a:xfrm>
       </p:grpSpPr>
-      <p:sp>
-        <p:nvSpPr>
-          <p:cNvPr id="19472" name="Rectangle 16">
-            <a:extLst>
-              <a:ext uri="{FF2B5EF4-FFF2-40B4-BE49-F238E27FC236}">
-                <a16:creationId xmlns:a16="http://schemas.microsoft.com/office/drawing/2014/main" id="{BD0BF484-93B1-9A87-952A-7D5E9B29C38D}"/>
-              </a:ext>
-            </a:extLst>
-          </p:cNvPr>
-          <p:cNvSpPr>
-            <a:spLocks noGrp="1" noChangeArrowheads="1"/>
-          </p:cNvSpPr>
-          <p:nvPr>
-            <p:ph type="sldNum" sz="quarter" idx="4"/>
-          </p:nvPr>
-        </p:nvSpPr>
-        <p:spPr>
-          <a:xfrm>
-            <a:off x="11582400" y="6486525"/>
-            <a:ext cx="609600" cy="381000"/>
-          </a:xfrm>
-          <a:extLst>
-            <a:ext uri="{909E8E84-426E-40DD-AFC4-6F175D3DCCD1}">
-              <a14:hiddenFill xmlns:a14="http://schemas.microsoft.com/office/drawing/2010/main">
-                <a:solidFill>
-                  <a:schemeClr val="bg1"/>
-                </a:solidFill>
-              </a14:hiddenFill>
-            </a:ext>
-          </a:extLst>
-        </p:spPr>
-        <p:txBody>
-          <a:bodyPr/>
-          <a:lstStyle>
-            <a:lvl1pPr>
-              <a:defRPr>
-                <a:solidFill>
-                  <a:schemeClr val="bg1"/>
-                </a:solidFill>
-              </a:defRPr>
-            </a:lvl1pPr>
-          </a:lstStyle>
-          <a:p>
-            <a:fld id="{2715ED00-090C-4140-8C2E-A7E232A15EA9}" type="slidenum">
-              <a:rPr lang="en-US" altLang="zh-CN"/>
-              <a:pPr/>
-              <a:t>‹#›</a:t>
-            </a:fld>
-            <a:endParaRPr lang="en-US" altLang="zh-CN"/>
-          </a:p>
-        </p:txBody>
-      </p:sp>
       <p:sp>
         <p:nvSpPr>
           <p:cNvPr id="19483" name="Rectangle 27">
@@ -7172,7 +7319,7 @@
           <a:p>
             <a:fld id="{F721228B-0167-4061-A906-8575043315EE}" type="datetimeFigureOut">
               <a:rPr lang="zh-CN" altLang="en-US" smtClean="0"/>
-              <a:t>2023/5/8</a:t>
+              <a:t>2023/5/25</a:t>
             </a:fld>
             <a:endParaRPr lang="zh-CN" altLang="en-US"/>
           </a:p>
@@ -7508,7 +7655,7 @@
           <a:p>
             <a:fld id="{F721228B-0167-4061-A906-8575043315EE}" type="datetimeFigureOut">
               <a:rPr lang="zh-CN" altLang="en-US" smtClean="0"/>
-              <a:t>2023/5/8</a:t>
+              <a:t>2023/5/25</a:t>
             </a:fld>
             <a:endParaRPr lang="zh-CN" altLang="en-US"/>
           </a:p>
@@ -7866,7 +8013,7 @@
           <a:p>
             <a:fld id="{F721228B-0167-4061-A906-8575043315EE}" type="datetimeFigureOut">
               <a:rPr lang="zh-CN" altLang="en-US" smtClean="0"/>
-              <a:t>2023/5/8</a:t>
+              <a:t>2023/5/25</a:t>
             </a:fld>
             <a:endParaRPr lang="zh-CN" altLang="en-US"/>
           </a:p>
@@ -8339,7 +8486,7 @@
           <a:p>
             <a:fld id="{F721228B-0167-4061-A906-8575043315EE}" type="datetimeFigureOut">
               <a:rPr lang="zh-CN" altLang="en-US" smtClean="0"/>
-              <a:t>2023/5/8</a:t>
+              <a:t>2023/5/25</a:t>
             </a:fld>
             <a:endParaRPr lang="zh-CN" altLang="en-US"/>
           </a:p>
@@ -8492,7 +8639,7 @@
           <a:p>
             <a:fld id="{F721228B-0167-4061-A906-8575043315EE}" type="datetimeFigureOut">
               <a:rPr lang="zh-CN" altLang="en-US" smtClean="0"/>
-              <a:t>2023/5/8</a:t>
+              <a:t>2023/5/25</a:t>
             </a:fld>
             <a:endParaRPr lang="zh-CN" altLang="en-US"/>
           </a:p>
@@ -8617,7 +8764,7 @@
           <a:p>
             <a:fld id="{F721228B-0167-4061-A906-8575043315EE}" type="datetimeFigureOut">
               <a:rPr lang="zh-CN" altLang="en-US" smtClean="0"/>
-              <a:t>2023/5/8</a:t>
+              <a:t>2023/5/25</a:t>
             </a:fld>
             <a:endParaRPr lang="zh-CN" altLang="en-US"/>
           </a:p>
@@ -8940,7 +9087,7 @@
           <a:p>
             <a:fld id="{F721228B-0167-4061-A906-8575043315EE}" type="datetimeFigureOut">
               <a:rPr lang="zh-CN" altLang="en-US" smtClean="0"/>
-              <a:t>2023/5/8</a:t>
+              <a:t>2023/5/25</a:t>
             </a:fld>
             <a:endParaRPr lang="zh-CN" altLang="en-US"/>
           </a:p>
@@ -9240,7 +9387,7 @@
           <a:p>
             <a:fld id="{F721228B-0167-4061-A906-8575043315EE}" type="datetimeFigureOut">
               <a:rPr lang="zh-CN" altLang="en-US" smtClean="0"/>
-              <a:t>2023/5/8</a:t>
+              <a:t>2023/5/25</a:t>
             </a:fld>
             <a:endParaRPr lang="zh-CN" altLang="en-US"/>
           </a:p>
@@ -9493,7 +9640,7 @@
           <a:p>
             <a:fld id="{F721228B-0167-4061-A906-8575043315EE}" type="datetimeFigureOut">
               <a:rPr lang="zh-CN" altLang="en-US" smtClean="0"/>
-              <a:t>2023/5/8</a:t>
+              <a:t>2023/5/25</a:t>
             </a:fld>
             <a:endParaRPr lang="zh-CN" altLang="en-US"/>
           </a:p>
@@ -9933,36 +10080,6 @@
       </p:grpSpPr>
       <p:sp>
         <p:nvSpPr>
-          <p:cNvPr id="2" name="Rectangle 16">
-            <a:extLst>
-              <a:ext uri="{FF2B5EF4-FFF2-40B4-BE49-F238E27FC236}">
-                <a16:creationId xmlns:a16="http://schemas.microsoft.com/office/drawing/2014/main" id="{51B8E4C0-E15B-4BD0-7B5B-A44A3D5B0C34}"/>
-              </a:ext>
-            </a:extLst>
-          </p:cNvPr>
-          <p:cNvSpPr>
-            <a:spLocks noGrp="1" noChangeArrowheads="1"/>
-          </p:cNvSpPr>
-          <p:nvPr>
-            <p:ph type="sldNum" sz="quarter" idx="4"/>
-          </p:nvPr>
-        </p:nvSpPr>
-        <p:spPr/>
-        <p:txBody>
-          <a:bodyPr/>
-          <a:lstStyle/>
-          <a:p>
-            <a:fld id="{142851DF-B74D-4AE2-884A-1FB97A3CB7E1}" type="slidenum">
-              <a:rPr lang="en-US" altLang="zh-CN"/>
-              <a:pPr/>
-              <a:t>1</a:t>
-            </a:fld>
-            <a:endParaRPr lang="en-US" altLang="zh-CN"/>
-          </a:p>
-        </p:txBody>
-      </p:sp>
-      <p:sp>
-        <p:nvSpPr>
           <p:cNvPr id="1227783" name="Rectangle 7">
             <a:extLst>
               <a:ext uri="{FF2B5EF4-FFF2-40B4-BE49-F238E27FC236}">
@@ -11122,77 +11239,6 @@
           <a:chExt cx="0" cy="0"/>
         </a:xfrm>
       </p:grpSpPr>
-      <p:sp>
-        <p:nvSpPr>
-          <p:cNvPr id="2" name="标题 1">
-            <a:extLst>
-              <a:ext uri="{FF2B5EF4-FFF2-40B4-BE49-F238E27FC236}">
-                <a16:creationId xmlns:a16="http://schemas.microsoft.com/office/drawing/2014/main" id="{ABA783DF-49A6-7EF1-661E-C574E2C2F386}"/>
-              </a:ext>
-            </a:extLst>
-          </p:cNvPr>
-          <p:cNvSpPr>
-            <a:spLocks noGrp="1"/>
-          </p:cNvSpPr>
-          <p:nvPr>
-            <p:ph type="title"/>
-          </p:nvPr>
-        </p:nvSpPr>
-        <p:spPr/>
-        <p:txBody>
-          <a:bodyPr/>
-          <a:lstStyle/>
-          <a:p>
-            <a:r>
-              <a:rPr lang="en-US" altLang="zh-CN" dirty="0">
-                <a:effectLst>
-                  <a:outerShdw blurRad="38100" dist="38100" dir="2700000" algn="tl">
-                    <a:srgbClr val="000000">
-                      <a:alpha val="43137"/>
-                    </a:srgbClr>
-                  </a:outerShdw>
-                </a:effectLst>
-              </a:rPr>
-              <a:t>1.2 </a:t>
-            </a:r>
-            <a:r>
-              <a:rPr lang="zh-CN" altLang="en-US" dirty="0">
-                <a:effectLst>
-                  <a:outerShdw blurRad="38100" dist="38100" dir="2700000" algn="tl">
-                    <a:srgbClr val="000000">
-                      <a:alpha val="43137"/>
-                    </a:srgbClr>
-                  </a:outerShdw>
-                </a:effectLst>
-              </a:rPr>
-              <a:t>真假 </a:t>
-            </a:r>
-            <a:r>
-              <a:rPr lang="en-US" altLang="zh-CN" dirty="0">
-                <a:effectLst>
-                  <a:outerShdw blurRad="38100" dist="38100" dir="2700000" algn="tl">
-                    <a:srgbClr val="000000">
-                      <a:alpha val="43137"/>
-                    </a:srgbClr>
-                  </a:outerShdw>
-                </a:effectLst>
-                <a:latin typeface="+mj-lt"/>
-              </a:rPr>
-              <a:t>VS Code</a:t>
-            </a:r>
-            <a:endParaRPr lang="zh-CN" altLang="en-US" dirty="0">
-              <a:effectLst>
-                <a:outerShdw blurRad="38100" dist="38100" dir="2700000" algn="tl">
-                  <a:srgbClr val="000000">
-                    <a:alpha val="43137"/>
-                  </a:srgbClr>
-                </a:outerShdw>
-              </a:effectLst>
-              <a:latin typeface="+mj-lt"/>
-            </a:endParaRPr>
-          </a:p>
-        </p:txBody>
-      </p:sp>
       <p:pic>
         <p:nvPicPr>
           <p:cNvPr id="21" name="内容占位符 20">
@@ -11231,6 +11277,77 @@
           </a:prstGeom>
         </p:spPr>
       </p:pic>
+      <p:sp>
+        <p:nvSpPr>
+          <p:cNvPr id="2" name="标题 1">
+            <a:extLst>
+              <a:ext uri="{FF2B5EF4-FFF2-40B4-BE49-F238E27FC236}">
+                <a16:creationId xmlns:a16="http://schemas.microsoft.com/office/drawing/2014/main" id="{ABA783DF-49A6-7EF1-661E-C574E2C2F386}"/>
+              </a:ext>
+            </a:extLst>
+          </p:cNvPr>
+          <p:cNvSpPr>
+            <a:spLocks noGrp="1"/>
+          </p:cNvSpPr>
+          <p:nvPr>
+            <p:ph type="title"/>
+          </p:nvPr>
+        </p:nvSpPr>
+        <p:spPr/>
+        <p:txBody>
+          <a:bodyPr/>
+          <a:lstStyle/>
+          <a:p>
+            <a:r>
+              <a:rPr lang="en-US" altLang="zh-CN" dirty="0">
+                <a:effectLst>
+                  <a:outerShdw blurRad="38100" dist="38100" dir="2700000" algn="tl">
+                    <a:srgbClr val="000000">
+                      <a:alpha val="43137"/>
+                    </a:srgbClr>
+                  </a:outerShdw>
+                </a:effectLst>
+              </a:rPr>
+              <a:t>1.2 </a:t>
+            </a:r>
+            <a:r>
+              <a:rPr lang="zh-CN" altLang="en-US" dirty="0">
+                <a:effectLst>
+                  <a:outerShdw blurRad="38100" dist="38100" dir="2700000" algn="tl">
+                    <a:srgbClr val="000000">
+                      <a:alpha val="43137"/>
+                    </a:srgbClr>
+                  </a:outerShdw>
+                </a:effectLst>
+              </a:rPr>
+              <a:t>真假 </a:t>
+            </a:r>
+            <a:r>
+              <a:rPr lang="en-US" altLang="zh-CN" dirty="0">
+                <a:effectLst>
+                  <a:outerShdw blurRad="38100" dist="38100" dir="2700000" algn="tl">
+                    <a:srgbClr val="000000">
+                      <a:alpha val="43137"/>
+                    </a:srgbClr>
+                  </a:outerShdw>
+                </a:effectLst>
+                <a:latin typeface="+mj-lt"/>
+              </a:rPr>
+              <a:t>VS Code</a:t>
+            </a:r>
+            <a:endParaRPr lang="zh-CN" altLang="en-US" dirty="0">
+              <a:effectLst>
+                <a:outerShdw blurRad="38100" dist="38100" dir="2700000" algn="tl">
+                  <a:srgbClr val="000000">
+                    <a:alpha val="43137"/>
+                  </a:srgbClr>
+                </a:outerShdw>
+              </a:effectLst>
+              <a:latin typeface="+mj-lt"/>
+            </a:endParaRPr>
+          </a:p>
+        </p:txBody>
+      </p:sp>
       <p:sp>
         <p:nvSpPr>
           <p:cNvPr id="8" name="内容占位符 7">
@@ -11877,31 +11994,6 @@
                 <a:srgbClr val="C0C0C0"/>
               </a:highlight>
             </a:endParaRPr>
-          </a:p>
-        </p:txBody>
-      </p:sp>
-      <p:sp>
-        <p:nvSpPr>
-          <p:cNvPr id="6" name="内容占位符 5">
-            <a:extLst>
-              <a:ext uri="{FF2B5EF4-FFF2-40B4-BE49-F238E27FC236}">
-                <a16:creationId xmlns:a16="http://schemas.microsoft.com/office/drawing/2014/main" id="{96411E61-71A7-90DE-7A32-314B47B9E195}"/>
-              </a:ext>
-            </a:extLst>
-          </p:cNvPr>
-          <p:cNvSpPr>
-            <a:spLocks noGrp="1"/>
-          </p:cNvSpPr>
-          <p:nvPr>
-            <p:ph sz="half" idx="2"/>
-          </p:nvPr>
-        </p:nvSpPr>
-        <p:spPr/>
-        <p:txBody>
-          <a:bodyPr/>
-          <a:lstStyle/>
-          <a:p>
-            <a:endParaRPr lang="zh-CN" altLang="en-US"/>
           </a:p>
         </p:txBody>
       </p:sp>
@@ -15890,22 +15982,13 @@
           </a:p>
           <a:p>
             <a:r>
-              <a:rPr lang="en-US" altLang="zh-CN" b="1">
-                <a:highlight>
-                  <a:srgbClr val="F0F0F0"/>
-                </a:highlight>
-                <a:latin typeface="Consolas" panose="020B0609020204030204" pitchFamily="49" charset="0"/>
-              </a:rPr>
-              <a:t>python </a:t>
-            </a:r>
-            <a:r>
               <a:rPr lang="en-US" altLang="zh-CN" b="1" dirty="0">
                 <a:highlight>
                   <a:srgbClr val="F0F0F0"/>
                 </a:highlight>
                 <a:latin typeface="Consolas" panose="020B0609020204030204" pitchFamily="49" charset="0"/>
               </a:rPr>
-              <a:t>hello_world.py</a:t>
+              <a:t>python hello_world.py</a:t>
             </a:r>
           </a:p>
           <a:p>
@@ -16483,21 +16566,27 @@
           <a:p>
             <a:r>
               <a:rPr lang="zh-CN" altLang="en-US" dirty="0"/>
-              <a:t>了解 </a:t>
+              <a:t>配置你的 </a:t>
             </a:r>
             <a:r>
               <a:rPr lang="en-US" altLang="zh-CN" dirty="0">
                 <a:latin typeface="Consolas" panose="020B0609020204030204" pitchFamily="49" charset="0"/>
               </a:rPr>
-              <a:t>Python</a:t>
+              <a:t>VS</a:t>
             </a:r>
             <a:r>
               <a:rPr lang="en-US" altLang="zh-CN" dirty="0"/>
               <a:t> </a:t>
             </a:r>
             <a:r>
+              <a:rPr lang="en-US" altLang="zh-CN" dirty="0">
+                <a:latin typeface="Consolas" panose="020B0609020204030204" pitchFamily="49" charset="0"/>
+              </a:rPr>
+              <a:t>Code</a:t>
+            </a:r>
+            <a:r>
               <a:rPr lang="zh-CN" altLang="en-US" dirty="0"/>
-              <a:t>虚拟环境的相关内容。</a:t>
+              <a:t>（如安装额外的插件等），并与大家分享</a:t>
             </a:r>
             <a:endParaRPr lang="en-US" altLang="zh-CN" dirty="0"/>
           </a:p>
@@ -16507,9 +16596,46 @@
               <a:t>了解什么是 </a:t>
             </a:r>
             <a:r>
-              <a:rPr lang="en-US" altLang="zh-CN" dirty="0" err="1">
-                <a:latin typeface="Consolas" panose="020B0609020204030204" pitchFamily="49" charset="0"/>
-              </a:rPr>
+              <a:rPr lang="en-US" altLang="zh-CN" dirty="0"/>
+              <a:t>IDE</a:t>
+            </a:r>
+            <a:r>
+              <a:rPr lang="zh-CN" altLang="en-US" dirty="0"/>
+              <a:t>，比较 </a:t>
+            </a:r>
+            <a:r>
+              <a:rPr lang="en-US" altLang="zh-CN" dirty="0"/>
+              <a:t>VS Code</a:t>
+            </a:r>
+            <a:r>
+              <a:rPr lang="zh-CN" altLang="en-US" dirty="0"/>
+              <a:t> 和 </a:t>
+            </a:r>
+            <a:r>
+              <a:rPr lang="en-US" altLang="zh-CN" dirty="0"/>
+              <a:t>PyCharm </a:t>
+            </a:r>
+            <a:r>
+              <a:rPr lang="zh-CN" altLang="en-US" dirty="0"/>
+              <a:t>等</a:t>
+            </a:r>
+            <a:endParaRPr lang="en-US" altLang="zh-CN" dirty="0"/>
+          </a:p>
+          <a:p>
+            <a:r>
+              <a:rPr lang="zh-CN" altLang="en-US" dirty="0"/>
+              <a:t>了解 </a:t>
+            </a:r>
+            <a:r>
+              <a:rPr lang="en-US" altLang="zh-CN" dirty="0"/>
+              <a:t>Python </a:t>
+            </a:r>
+            <a:r>
+              <a:rPr lang="zh-CN" altLang="en-US" dirty="0"/>
+              <a:t>虚拟环境的相关内容，了解 </a:t>
+            </a:r>
+            <a:r>
+              <a:rPr lang="en-US" altLang="zh-CN" dirty="0" err="1"/>
               <a:t>Conda</a:t>
             </a:r>
             <a:r>
@@ -16517,47 +16643,16 @@
               <a:t>、</a:t>
             </a:r>
             <a:r>
-              <a:rPr lang="en-US" altLang="zh-CN" dirty="0">
-                <a:latin typeface="Consolas" panose="020B0609020204030204" pitchFamily="49" charset="0"/>
-              </a:rPr>
+              <a:rPr lang="en-US" altLang="zh-CN" dirty="0"/>
               <a:t>Anaconda</a:t>
             </a:r>
             <a:r>
               <a:rPr lang="zh-CN" altLang="en-US" dirty="0"/>
-              <a:t>。</a:t>
-            </a:r>
-            <a:endParaRPr lang="en-US" altLang="zh-CN" dirty="0"/>
-          </a:p>
-          <a:p>
-            <a:r>
-              <a:rPr lang="zh-CN" altLang="en-US" dirty="0"/>
-              <a:t>了解什么是 </a:t>
-            </a:r>
-            <a:r>
-              <a:rPr lang="en-US" altLang="zh-CN" dirty="0">
-                <a:latin typeface="Consolas" panose="020B0609020204030204" pitchFamily="49" charset="0"/>
-              </a:rPr>
-              <a:t>IDE</a:t>
-            </a:r>
-            <a:r>
-              <a:rPr lang="zh-CN" altLang="en-US" dirty="0"/>
-              <a:t>，比较 </a:t>
-            </a:r>
-            <a:r>
-              <a:rPr lang="en-US" altLang="zh-CN" dirty="0">
-                <a:latin typeface="Consolas" panose="020B0609020204030204" pitchFamily="49" charset="0"/>
-              </a:rPr>
-              <a:t>VS Code</a:t>
-            </a:r>
-            <a:r>
-              <a:rPr lang="zh-CN" altLang="en-US" dirty="0"/>
-              <a:t> 和 </a:t>
-            </a:r>
-            <a:r>
-              <a:rPr lang="en-US" altLang="zh-CN" dirty="0">
-                <a:latin typeface="Consolas" panose="020B0609020204030204" pitchFamily="49" charset="0"/>
-              </a:rPr>
-              <a:t>PyCharm</a:t>
+              <a:t>、</a:t>
+            </a:r>
+            <a:r>
+              <a:rPr lang="en-US" altLang="zh-CN" dirty="0" err="1"/>
+              <a:t>Pyenv</a:t>
             </a:r>
             <a:r>
               <a:rPr lang="en-US" altLang="zh-CN" dirty="0"/>
@@ -16565,34 +16660,7 @@
             </a:r>
             <a:r>
               <a:rPr lang="zh-CN" altLang="en-US" dirty="0"/>
-              <a:t>等。</a:t>
-            </a:r>
-            <a:endParaRPr lang="en-US" altLang="zh-CN" dirty="0"/>
-          </a:p>
-          <a:p>
-            <a:r>
-              <a:rPr lang="zh-CN" altLang="en-US" dirty="0"/>
-              <a:t>配置你的 </a:t>
-            </a:r>
-            <a:r>
-              <a:rPr lang="en-US" altLang="zh-CN" dirty="0">
-                <a:latin typeface="Consolas" panose="020B0609020204030204" pitchFamily="49" charset="0"/>
-              </a:rPr>
-              <a:t>VS</a:t>
-            </a:r>
-            <a:r>
-              <a:rPr lang="en-US" altLang="zh-CN" dirty="0"/>
-              <a:t> </a:t>
-            </a:r>
-            <a:r>
-              <a:rPr lang="en-US" altLang="zh-CN" dirty="0">
-                <a:latin typeface="Consolas" panose="020B0609020204030204" pitchFamily="49" charset="0"/>
-              </a:rPr>
-              <a:t>Code</a:t>
-            </a:r>
-            <a:r>
-              <a:rPr lang="zh-CN" altLang="en-US" dirty="0"/>
-              <a:t>（如安装额外的插件等），并与大家分享。</a:t>
+              <a:t>等</a:t>
             </a:r>
             <a:endParaRPr lang="en-US" altLang="zh-CN" dirty="0"/>
           </a:p>
@@ -16640,7 +16708,22 @@
             </a:r>
             <a:r>
               <a:rPr lang="zh-CN" altLang="en-US" dirty="0"/>
-              <a:t>），创建环境并尝试在其中运行程序。</a:t>
+              <a:t>），创建环境并在其中运行程序</a:t>
+            </a:r>
+            <a:endParaRPr lang="en-US" altLang="zh-CN" dirty="0"/>
+          </a:p>
+          <a:p>
+            <a:r>
+              <a:rPr lang="zh-CN" altLang="en-US" dirty="0"/>
+              <a:t>探索一下 </a:t>
+            </a:r>
+            <a:r>
+              <a:rPr lang="en-US" altLang="zh-CN" dirty="0"/>
+              <a:t>Python </a:t>
+            </a:r>
+            <a:r>
+              <a:rPr lang="zh-CN" altLang="en-US" dirty="0"/>
+              <a:t>世界中的其他彩蛋</a:t>
             </a:r>
             <a:endParaRPr lang="en-US" altLang="zh-CN" dirty="0"/>
           </a:p>
@@ -16704,7 +16787,7 @@
                                         <p:tgtEl>
                                           <p:spTgt spid="3">
                                             <p:txEl>
-                                              <p:pRg st="5" end="5"/>
+                                              <p:pRg st="4" end="4"/>
                                             </p:txEl>
                                           </p:spTgt>
                                         </p:tgtEl>
@@ -16728,6 +16811,37 @@
                                     <p:set>
                                       <p:cBhvr>
                                         <p:cTn id="8" dur="1" fill="hold">
+                                          <p:stCondLst>
+                                            <p:cond delay="0"/>
+                                          </p:stCondLst>
+                                        </p:cTn>
+                                        <p:tgtEl>
+                                          <p:spTgt spid="3">
+                                            <p:txEl>
+                                              <p:pRg st="5" end="5"/>
+                                            </p:txEl>
+                                          </p:spTgt>
+                                        </p:tgtEl>
+                                        <p:attrNameLst>
+                                          <p:attrName>style.visibility</p:attrName>
+                                        </p:attrNameLst>
+                                      </p:cBhvr>
+                                      <p:to>
+                                        <p:strVal val="visible"/>
+                                      </p:to>
+                                    </p:set>
+                                  </p:childTnLst>
+                                </p:cTn>
+                              </p:par>
+                              <p:par>
+                                <p:cTn id="9" presetID="1" presetClass="entr" presetSubtype="0" fill="hold" grpId="0" nodeType="withEffect">
+                                  <p:stCondLst>
+                                    <p:cond delay="0"/>
+                                  </p:stCondLst>
+                                  <p:childTnLst>
+                                    <p:set>
+                                      <p:cBhvr>
+                                        <p:cTn id="10" dur="1" fill="hold">
                                           <p:stCondLst>
                                             <p:cond delay="0"/>
                                           </p:stCondLst>
@@ -18787,7 +18901,7 @@
                 <a:ea typeface="+mj-ea"/>
                 <a:cs typeface="Verdana"/>
               </a:rPr>
-              <a:t>跨多平台</a:t>
+              <a:t>类库丰富</a:t>
             </a:r>
             <a:endParaRPr lang="en-US" sz="2400" dirty="0">
               <a:latin typeface="+mj-ea"/>
@@ -19422,7 +19536,7 @@
       <p:pic>
         <p:nvPicPr>
           <p:cNvPr id="11" name="内容占位符 10">
-            <a:hlinkClick r:id="rId2"/>
+            <a:hlinkClick r:id="rId3"/>
             <a:extLst>
               <a:ext uri="{FF2B5EF4-FFF2-40B4-BE49-F238E27FC236}">
                 <a16:creationId xmlns:a16="http://schemas.microsoft.com/office/drawing/2014/main" id="{9D500740-D60E-EFBC-F3C9-43DA9B4672BC}"/>
@@ -19437,7 +19551,7 @@
           </p:nvPr>
         </p:nvPicPr>
         <p:blipFill>
-          <a:blip r:embed="rId3">
+          <a:blip r:embed="rId4">
             <a:extLst>
               <a:ext uri="{28A0092B-C50C-407E-A947-70E740481C1C}">
                 <a14:useLocalDpi xmlns:a14="http://schemas.microsoft.com/office/drawing/2010/main" val="0"/>
@@ -19473,7 +19587,7 @@
         </p:nvSpPr>
         <p:spPr>
           <a:xfrm>
-            <a:off x="914400" y="1825624"/>
+            <a:off x="838200" y="1825624"/>
             <a:ext cx="5181600" cy="4351338"/>
           </a:xfrm>
         </p:spPr>
@@ -20004,7 +20118,7 @@
         </p:blipFill>
         <p:spPr>
           <a:xfrm>
-            <a:off x="6396704" y="1983077"/>
+            <a:off x="6396704" y="1917762"/>
             <a:ext cx="4816257" cy="1928027"/>
           </a:xfrm>
         </p:spPr>
@@ -20634,19 +20748,17 @@
       </p:sp>
       <p:pic>
         <p:nvPicPr>
-          <p:cNvPr id="8" name="内容占位符 7">
+          <p:cNvPr id="9" name="图片 8">
             <a:extLst>
               <a:ext uri="{FF2B5EF4-FFF2-40B4-BE49-F238E27FC236}">
-                <a16:creationId xmlns:a16="http://schemas.microsoft.com/office/drawing/2014/main" id="{9FEE71E3-5A5A-BDD3-0177-666AE0953528}"/>
+                <a16:creationId xmlns:a16="http://schemas.microsoft.com/office/drawing/2014/main" id="{C4E0BA8B-E96C-1CCA-0C38-38BA68E749FF}"/>
               </a:ext>
             </a:extLst>
           </p:cNvPr>
           <p:cNvPicPr>
-            <a:picLocks noGrp="1" noChangeAspect="1"/>
+            <a:picLocks noChangeAspect="1"/>
           </p:cNvPicPr>
-          <p:nvPr>
-            <p:ph sz="half" idx="4294967295"/>
-          </p:nvPr>
+          <p:nvPr/>
         </p:nvPicPr>
         <p:blipFill>
           <a:blip r:embed="rId2">
@@ -20662,8 +20774,8 @@
         </p:blipFill>
         <p:spPr>
           <a:xfrm>
-            <a:off x="1165174" y="2741829"/>
-            <a:ext cx="4314825" cy="2827337"/>
+            <a:off x="1172339" y="2814904"/>
+            <a:ext cx="4785775" cy="3231160"/>
           </a:xfrm>
           <a:prstGeom prst="rect">
             <a:avLst/>
@@ -20672,10 +20784,10 @@
       </p:pic>
       <p:pic>
         <p:nvPicPr>
-          <p:cNvPr id="4" name="图片 3">
+          <p:cNvPr id="13" name="图片 12">
             <a:extLst>
               <a:ext uri="{FF2B5EF4-FFF2-40B4-BE49-F238E27FC236}">
-                <a16:creationId xmlns:a16="http://schemas.microsoft.com/office/drawing/2014/main" id="{218F2045-5618-349B-D17A-7C076511556E}"/>
+                <a16:creationId xmlns:a16="http://schemas.microsoft.com/office/drawing/2014/main" id="{3CC94CF2-21C3-B572-38BB-A0944EC95AB0}"/>
               </a:ext>
             </a:extLst>
           </p:cNvPr>
@@ -20692,8 +20804,8 @@
         </p:blipFill>
         <p:spPr>
           <a:xfrm>
-            <a:off x="5806972" y="3061933"/>
-            <a:ext cx="5546828" cy="2187130"/>
+            <a:off x="6233888" y="2812807"/>
+            <a:ext cx="4784400" cy="3230232"/>
           </a:xfrm>
           <a:prstGeom prst="rect">
             <a:avLst/>

--- a/PPT/python1.pptx
+++ b/PPT/python1.pptx
@@ -5,10 +5,10 @@
     <p:sldMasterId id="2147483648" r:id="rId1"/>
   </p:sldMasterIdLst>
   <p:notesMasterIdLst>
-    <p:notesMasterId r:id="rId29"/>
+    <p:notesMasterId r:id="rId36"/>
   </p:notesMasterIdLst>
   <p:handoutMasterIdLst>
-    <p:handoutMasterId r:id="rId30"/>
+    <p:handoutMasterId r:id="rId37"/>
   </p:handoutMasterIdLst>
   <p:sldIdLst>
     <p:sldId id="260" r:id="rId2"/>
@@ -23,21 +23,28 @@
     <p:sldId id="264" r:id="rId11"/>
     <p:sldId id="262" r:id="rId12"/>
     <p:sldId id="263" r:id="rId13"/>
-    <p:sldId id="265" r:id="rId14"/>
-    <p:sldId id="271" r:id="rId15"/>
-    <p:sldId id="311" r:id="rId16"/>
-    <p:sldId id="280" r:id="rId17"/>
-    <p:sldId id="282" r:id="rId18"/>
-    <p:sldId id="281" r:id="rId19"/>
-    <p:sldId id="275" r:id="rId20"/>
-    <p:sldId id="284" r:id="rId21"/>
-    <p:sldId id="285" r:id="rId22"/>
-    <p:sldId id="272" r:id="rId23"/>
-    <p:sldId id="273" r:id="rId24"/>
-    <p:sldId id="286" r:id="rId25"/>
-    <p:sldId id="279" r:id="rId26"/>
-    <p:sldId id="274" r:id="rId27"/>
-    <p:sldId id="276" r:id="rId28"/>
+    <p:sldId id="367" r:id="rId14"/>
+    <p:sldId id="371" r:id="rId15"/>
+    <p:sldId id="369" r:id="rId16"/>
+    <p:sldId id="372" r:id="rId17"/>
+    <p:sldId id="370" r:id="rId18"/>
+    <p:sldId id="271" r:id="rId19"/>
+    <p:sldId id="311" r:id="rId20"/>
+    <p:sldId id="280" r:id="rId21"/>
+    <p:sldId id="282" r:id="rId22"/>
+    <p:sldId id="281" r:id="rId23"/>
+    <p:sldId id="275" r:id="rId24"/>
+    <p:sldId id="373" r:id="rId25"/>
+    <p:sldId id="374" r:id="rId26"/>
+    <p:sldId id="376" r:id="rId27"/>
+    <p:sldId id="284" r:id="rId28"/>
+    <p:sldId id="285" r:id="rId29"/>
+    <p:sldId id="272" r:id="rId30"/>
+    <p:sldId id="273" r:id="rId31"/>
+    <p:sldId id="286" r:id="rId32"/>
+    <p:sldId id="279" r:id="rId33"/>
+    <p:sldId id="274" r:id="rId34"/>
+    <p:sldId id="276" r:id="rId35"/>
   </p:sldIdLst>
   <p:sldSz cx="12192000" cy="6858000"/>
   <p:notesSz cx="6858000" cy="9144000"/>
@@ -150,7 +157,7 @@
 <file path=ppt/revisionInfo.xml><?xml version="1.0" encoding="utf-8"?>
 <p1510:revInfo xmlns:a="http://schemas.openxmlformats.org/drawingml/2006/main" xmlns:r="http://schemas.openxmlformats.org/officeDocument/2006/relationships" xmlns:p1510="http://schemas.microsoft.com/office/powerpoint/2015/10/main">
   <p1510:revLst>
-    <p1510:client id="{42F73B06-DA81-4C67-8473-07E158E9C79B}" v="1544" dt="2023-05-24T16:16:46.534"/>
+    <p1510:client id="{42F73B06-DA81-4C67-8473-07E158E9C79B}" v="1915" dt="2023-06-02T16:45:48.996"/>
   </p1510:revLst>
 </p1510:revInfo>
 </file>
@@ -1262,7 +1269,7 @@
   <pc:docChgLst>
     <pc:chgData name="Scruel Tao" userId="5ea5c98d59b44d4b" providerId="LiveId" clId="{42F73B06-DA81-4C67-8473-07E158E9C79B}"/>
     <pc:docChg chg="undo redo custSel addSld delSld modSld sldOrd modMainMaster">
-      <pc:chgData name="Scruel Tao" userId="5ea5c98d59b44d4b" providerId="LiveId" clId="{42F73B06-DA81-4C67-8473-07E158E9C79B}" dt="2023-05-24T16:16:46.534" v="7101" actId="20577"/>
+      <pc:chgData name="Scruel Tao" userId="5ea5c98d59b44d4b" providerId="LiveId" clId="{42F73B06-DA81-4C67-8473-07E158E9C79B}" dt="2023-06-02T16:47:38.078" v="11483"/>
       <pc:docMkLst>
         <pc:docMk/>
       </pc:docMkLst>
@@ -1880,7 +1887,7 @@
         </pc:picChg>
       </pc:sldChg>
       <pc:sldChg chg="addSp delSp modSp mod modTransition setBg modNotes">
-        <pc:chgData name="Scruel Tao" userId="5ea5c98d59b44d4b" providerId="LiveId" clId="{42F73B06-DA81-4C67-8473-07E158E9C79B}" dt="2023-05-16T03:57:12.184" v="6716" actId="478"/>
+        <pc:chgData name="Scruel Tao" userId="5ea5c98d59b44d4b" providerId="LiveId" clId="{42F73B06-DA81-4C67-8473-07E158E9C79B}" dt="2023-06-02T13:45:08.635" v="7370" actId="20577"/>
         <pc:sldMkLst>
           <pc:docMk/>
           <pc:sldMk cId="0" sldId="260"/>
@@ -1902,7 +1909,7 @@
           </ac:spMkLst>
         </pc:spChg>
         <pc:spChg chg="mod">
-          <ac:chgData name="Scruel Tao" userId="5ea5c98d59b44d4b" providerId="LiveId" clId="{42F73B06-DA81-4C67-8473-07E158E9C79B}" dt="2023-04-29T18:28:13.684" v="4812" actId="20577"/>
+          <ac:chgData name="Scruel Tao" userId="5ea5c98d59b44d4b" providerId="LiveId" clId="{42F73B06-DA81-4C67-8473-07E158E9C79B}" dt="2023-06-02T13:45:08.635" v="7370" actId="20577"/>
           <ac:spMkLst>
             <pc:docMk/>
             <pc:sldMk cId="0" sldId="260"/>
@@ -2114,14 +2121,14 @@
           </ac:picMkLst>
         </pc:picChg>
       </pc:sldChg>
-      <pc:sldChg chg="addSp delSp modSp mod modTransition modClrScheme delAnim modAnim chgLayout">
-        <pc:chgData name="Scruel Tao" userId="5ea5c98d59b44d4b" providerId="LiveId" clId="{42F73B06-DA81-4C67-8473-07E158E9C79B}" dt="2023-05-06T16:53:54.908" v="6413" actId="21"/>
+      <pc:sldChg chg="addSp delSp modSp del mod modTransition modClrScheme delAnim modAnim chgLayout">
+        <pc:chgData name="Scruel Tao" userId="5ea5c98d59b44d4b" providerId="LiveId" clId="{42F73B06-DA81-4C67-8473-07E158E9C79B}" dt="2023-06-02T15:30:44.703" v="8596" actId="2696"/>
         <pc:sldMkLst>
           <pc:docMk/>
           <pc:sldMk cId="3416507657" sldId="265"/>
         </pc:sldMkLst>
         <pc:spChg chg="mod ord">
-          <ac:chgData name="Scruel Tao" userId="5ea5c98d59b44d4b" providerId="LiveId" clId="{42F73B06-DA81-4C67-8473-07E158E9C79B}" dt="2023-04-29T11:29:18.668" v="3814" actId="700"/>
+          <ac:chgData name="Scruel Tao" userId="5ea5c98d59b44d4b" providerId="LiveId" clId="{42F73B06-DA81-4C67-8473-07E158E9C79B}" dt="2023-06-02T15:30:40.413" v="8594" actId="21"/>
           <ac:spMkLst>
             <pc:docMk/>
             <pc:sldMk cId="3416507657" sldId="265"/>
@@ -2145,7 +2152,7 @@
           </ac:spMkLst>
         </pc:spChg>
         <pc:spChg chg="mod ord">
-          <ac:chgData name="Scruel Tao" userId="5ea5c98d59b44d4b" providerId="LiveId" clId="{42F73B06-DA81-4C67-8473-07E158E9C79B}" dt="2023-05-03T14:46:39.825" v="5633" actId="13926"/>
+          <ac:chgData name="Scruel Tao" userId="5ea5c98d59b44d4b" providerId="LiveId" clId="{42F73B06-DA81-4C67-8473-07E158E9C79B}" dt="2023-06-02T15:30:30.356" v="8591" actId="21"/>
           <ac:spMkLst>
             <pc:docMk/>
             <pc:sldMk cId="3416507657" sldId="265"/>
@@ -2160,6 +2167,22 @@
             <ac:spMk id="6" creationId="{6138E7CB-416D-4AC2-092C-2DE171F6B713}"/>
           </ac:spMkLst>
         </pc:spChg>
+        <pc:picChg chg="add del mod">
+          <ac:chgData name="Scruel Tao" userId="5ea5c98d59b44d4b" providerId="LiveId" clId="{42F73B06-DA81-4C67-8473-07E158E9C79B}" dt="2023-06-02T15:30:26.440" v="8589" actId="21"/>
+          <ac:picMkLst>
+            <pc:docMk/>
+            <pc:sldMk cId="3416507657" sldId="265"/>
+            <ac:picMk id="4" creationId="{7850C5CF-974D-7A2E-4144-1F1D9936F5F1}"/>
+          </ac:picMkLst>
+        </pc:picChg>
+        <pc:picChg chg="add del">
+          <ac:chgData name="Scruel Tao" userId="5ea5c98d59b44d4b" providerId="LiveId" clId="{42F73B06-DA81-4C67-8473-07E158E9C79B}" dt="2023-06-02T15:30:25.904" v="8588" actId="21"/>
+          <ac:picMkLst>
+            <pc:docMk/>
+            <pc:sldMk cId="3416507657" sldId="265"/>
+            <ac:picMk id="7" creationId="{36F00B75-C062-53D8-BF31-1B8E92E9E481}"/>
+          </ac:picMkLst>
+        </pc:picChg>
         <pc:picChg chg="add del mod">
           <ac:chgData name="Scruel Tao" userId="5ea5c98d59b44d4b" providerId="LiveId" clId="{42F73B06-DA81-4C67-8473-07E158E9C79B}" dt="2023-05-06T16:51:54.324" v="6381" actId="21"/>
           <ac:picMkLst>
@@ -2168,8 +2191,8 @@
             <ac:picMk id="8" creationId="{775AA5F3-CA0A-B7F9-1060-F4601EF41F6B}"/>
           </ac:picMkLst>
         </pc:picChg>
-        <pc:picChg chg="mod ord">
-          <ac:chgData name="Scruel Tao" userId="5ea5c98d59b44d4b" providerId="LiveId" clId="{42F73B06-DA81-4C67-8473-07E158E9C79B}" dt="2023-04-29T11:30:49.553" v="3904" actId="1076"/>
+        <pc:picChg chg="add del mod ord">
+          <ac:chgData name="Scruel Tao" userId="5ea5c98d59b44d4b" providerId="LiveId" clId="{42F73B06-DA81-4C67-8473-07E158E9C79B}" dt="2023-06-02T15:30:27.379" v="8590" actId="21"/>
           <ac:picMkLst>
             <pc:docMk/>
             <pc:sldMk cId="3416507657" sldId="265"/>
@@ -2368,13 +2391,13 @@
         </pc:picChg>
       </pc:sldChg>
       <pc:sldChg chg="modSp mod modTransition modAnim modNotesTx">
-        <pc:chgData name="Scruel Tao" userId="5ea5c98d59b44d4b" providerId="LiveId" clId="{42F73B06-DA81-4C67-8473-07E158E9C79B}" dt="2023-05-05T12:11:19.290" v="5902" actId="1076"/>
+        <pc:chgData name="Scruel Tao" userId="5ea5c98d59b44d4b" providerId="LiveId" clId="{42F73B06-DA81-4C67-8473-07E158E9C79B}" dt="2023-06-02T16:29:43.999" v="10627" actId="20577"/>
         <pc:sldMkLst>
           <pc:docMk/>
           <pc:sldMk cId="1518949093" sldId="272"/>
         </pc:sldMkLst>
         <pc:spChg chg="mod">
-          <ac:chgData name="Scruel Tao" userId="5ea5c98d59b44d4b" providerId="LiveId" clId="{42F73B06-DA81-4C67-8473-07E158E9C79B}" dt="2023-05-03T01:57:22.319" v="5518" actId="2711"/>
+          <ac:chgData name="Scruel Tao" userId="5ea5c98d59b44d4b" providerId="LiveId" clId="{42F73B06-DA81-4C67-8473-07E158E9C79B}" dt="2023-06-02T16:29:43.999" v="10627" actId="20577"/>
           <ac:spMkLst>
             <pc:docMk/>
             <pc:sldMk cId="1518949093" sldId="272"/>
@@ -2533,7 +2556,7 @@
         </pc:spChg>
       </pc:sldChg>
       <pc:sldChg chg="addSp delSp modSp mod modTransition delAnim modAnim modNotesTx">
-        <pc:chgData name="Scruel Tao" userId="5ea5c98d59b44d4b" providerId="LiveId" clId="{42F73B06-DA81-4C67-8473-07E158E9C79B}" dt="2023-05-05T10:06:51.552" v="5879" actId="207"/>
+        <pc:chgData name="Scruel Tao" userId="5ea5c98d59b44d4b" providerId="LiveId" clId="{42F73B06-DA81-4C67-8473-07E158E9C79B}" dt="2023-06-02T16:23:57.888" v="10267" actId="20577"/>
         <pc:sldMkLst>
           <pc:docMk/>
           <pc:sldMk cId="1525970791" sldId="275"/>
@@ -2555,6 +2578,14 @@
           </ac:spMkLst>
         </pc:spChg>
         <pc:spChg chg="add del mod">
+          <ac:chgData name="Scruel Tao" userId="5ea5c98d59b44d4b" providerId="LiveId" clId="{42F73B06-DA81-4C67-8473-07E158E9C79B}" dt="2023-06-02T16:14:59.062" v="9463"/>
+          <ac:spMkLst>
+            <pc:docMk/>
+            <pc:sldMk cId="1525970791" sldId="275"/>
+            <ac:spMk id="4" creationId="{8BB27853-CC13-415D-ADA0-9A3FF79F3D5E}"/>
+          </ac:spMkLst>
+        </pc:spChg>
+        <pc:spChg chg="add del mod">
           <ac:chgData name="Scruel Tao" userId="5ea5c98d59b44d4b" providerId="LiveId" clId="{42F73B06-DA81-4C67-8473-07E158E9C79B}" dt="2023-05-03T01:56:24.386" v="5501" actId="478"/>
           <ac:spMkLst>
             <pc:docMk/>
@@ -2563,7 +2594,7 @@
           </ac:spMkLst>
         </pc:spChg>
         <pc:spChg chg="mod">
-          <ac:chgData name="Scruel Tao" userId="5ea5c98d59b44d4b" providerId="LiveId" clId="{42F73B06-DA81-4C67-8473-07E158E9C79B}" dt="2023-05-05T10:06:51.184" v="5878" actId="207"/>
+          <ac:chgData name="Scruel Tao" userId="5ea5c98d59b44d4b" providerId="LiveId" clId="{42F73B06-DA81-4C67-8473-07E158E9C79B}" dt="2023-06-02T16:23:57.888" v="10267" actId="20577"/>
           <ac:spMkLst>
             <pc:docMk/>
             <pc:sldMk cId="1525970791" sldId="275"/>
@@ -2600,6 +2631,14 @@
             <pc:docMk/>
             <pc:sldMk cId="1525970791" sldId="275"/>
             <ac:picMk id="6" creationId="{31311FF8-9F15-5697-993D-16C44209C1F1}"/>
+          </ac:picMkLst>
+        </pc:picChg>
+        <pc:picChg chg="add mod">
+          <ac:chgData name="Scruel Tao" userId="5ea5c98d59b44d4b" providerId="LiveId" clId="{42F73B06-DA81-4C67-8473-07E158E9C79B}" dt="2023-06-02T16:15:43.229" v="9470" actId="14826"/>
+          <ac:picMkLst>
+            <pc:docMk/>
+            <pc:sldMk cId="1525970791" sldId="275"/>
+            <ac:picMk id="8" creationId="{28A16F33-A272-826C-8E01-2B22E4E377A1}"/>
           </ac:picMkLst>
         </pc:picChg>
         <pc:picChg chg="add del mod">
@@ -2618,8 +2657,8 @@
             <ac:picMk id="13" creationId="{28E0336C-E8D0-EA88-BA1F-58180AAA10B2}"/>
           </ac:picMkLst>
         </pc:picChg>
-        <pc:picChg chg="add mod">
-          <ac:chgData name="Scruel Tao" userId="5ea5c98d59b44d4b" providerId="LiveId" clId="{42F73B06-DA81-4C67-8473-07E158E9C79B}" dt="2023-04-29T11:41:53.269" v="4213" actId="1076"/>
+        <pc:picChg chg="add del mod">
+          <ac:chgData name="Scruel Tao" userId="5ea5c98d59b44d4b" providerId="LiveId" clId="{42F73B06-DA81-4C67-8473-07E158E9C79B}" dt="2023-06-02T16:14:57.899" v="9462" actId="478"/>
           <ac:picMkLst>
             <pc:docMk/>
             <pc:sldMk cId="1525970791" sldId="275"/>
@@ -2644,7 +2683,7 @@
         </pc:picChg>
       </pc:sldChg>
       <pc:sldChg chg="modSp add mod modTransition modAnim modNotesTx">
-        <pc:chgData name="Scruel Tao" userId="5ea5c98d59b44d4b" providerId="LiveId" clId="{42F73B06-DA81-4C67-8473-07E158E9C79B}" dt="2023-05-24T16:16:46.534" v="7101" actId="20577"/>
+        <pc:chgData name="Scruel Tao" userId="5ea5c98d59b44d4b" providerId="LiveId" clId="{42F73B06-DA81-4C67-8473-07E158E9C79B}" dt="2023-06-02T15:59:34.139" v="9016" actId="20577"/>
         <pc:sldMkLst>
           <pc:docMk/>
           <pc:sldMk cId="1751565490" sldId="276"/>
@@ -2658,7 +2697,7 @@
           </ac:spMkLst>
         </pc:spChg>
         <pc:spChg chg="mod">
-          <ac:chgData name="Scruel Tao" userId="5ea5c98d59b44d4b" providerId="LiveId" clId="{42F73B06-DA81-4C67-8473-07E158E9C79B}" dt="2023-05-24T16:16:45.610" v="7100" actId="20577"/>
+          <ac:chgData name="Scruel Tao" userId="5ea5c98d59b44d4b" providerId="LiveId" clId="{42F73B06-DA81-4C67-8473-07E158E9C79B}" dt="2023-06-02T15:59:34.139" v="9016" actId="20577"/>
           <ac:spMkLst>
             <pc:docMk/>
             <pc:sldMk cId="1751565490" sldId="276"/>
@@ -2854,7 +2893,7 @@
         </pc:picChg>
       </pc:sldChg>
       <pc:sldChg chg="addSp delSp modSp add mod modTransition delAnim modAnim">
-        <pc:chgData name="Scruel Tao" userId="5ea5c98d59b44d4b" providerId="LiveId" clId="{42F73B06-DA81-4C67-8473-07E158E9C79B}" dt="2023-05-05T10:06:14.816" v="5873" actId="962"/>
+        <pc:chgData name="Scruel Tao" userId="5ea5c98d59b44d4b" providerId="LiveId" clId="{42F73B06-DA81-4C67-8473-07E158E9C79B}" dt="2023-06-02T16:26:55.657" v="10449"/>
         <pc:sldMkLst>
           <pc:docMk/>
           <pc:sldMk cId="4291654708" sldId="280"/>
@@ -2876,7 +2915,7 @@
           </ac:spMkLst>
         </pc:spChg>
         <pc:spChg chg="mod">
-          <ac:chgData name="Scruel Tao" userId="5ea5c98d59b44d4b" providerId="LiveId" clId="{42F73B06-DA81-4C67-8473-07E158E9C79B}" dt="2023-05-05T10:06:14.816" v="5873" actId="962"/>
+          <ac:chgData name="Scruel Tao" userId="5ea5c98d59b44d4b" providerId="LiveId" clId="{42F73B06-DA81-4C67-8473-07E158E9C79B}" dt="2023-06-02T16:26:55.657" v="10449"/>
           <ac:spMkLst>
             <pc:docMk/>
             <pc:sldMk cId="4291654708" sldId="280"/>
@@ -2956,7 +2995,7 @@
           </ac:picMkLst>
         </pc:picChg>
         <pc:picChg chg="add mod ord">
-          <ac:chgData name="Scruel Tao" userId="5ea5c98d59b44d4b" providerId="LiveId" clId="{42F73B06-DA81-4C67-8473-07E158E9C79B}" dt="2023-05-05T10:04:39.752" v="5852" actId="962"/>
+          <ac:chgData name="Scruel Tao" userId="5ea5c98d59b44d4b" providerId="LiveId" clId="{42F73B06-DA81-4C67-8473-07E158E9C79B}" dt="2023-06-02T16:01:22.199" v="9017" actId="14826"/>
           <ac:picMkLst>
             <pc:docMk/>
             <pc:sldMk cId="4291654708" sldId="280"/>
@@ -2973,13 +3012,21 @@
         </pc:picChg>
       </pc:sldChg>
       <pc:sldChg chg="addSp delSp modSp add mod modTransition addAnim delAnim modAnim">
-        <pc:chgData name="Scruel Tao" userId="5ea5c98d59b44d4b" providerId="LiveId" clId="{42F73B06-DA81-4C67-8473-07E158E9C79B}" dt="2023-05-05T10:06:07.580" v="5869"/>
+        <pc:chgData name="Scruel Tao" userId="5ea5c98d59b44d4b" providerId="LiveId" clId="{42F73B06-DA81-4C67-8473-07E158E9C79B}" dt="2023-06-02T16:46:55.531" v="11455" actId="20577"/>
         <pc:sldMkLst>
           <pc:docMk/>
           <pc:sldMk cId="908115860" sldId="281"/>
         </pc:sldMkLst>
+        <pc:spChg chg="add del mod">
+          <ac:chgData name="Scruel Tao" userId="5ea5c98d59b44d4b" providerId="LiveId" clId="{42F73B06-DA81-4C67-8473-07E158E9C79B}" dt="2023-06-02T16:13:34.568" v="9461"/>
+          <ac:spMkLst>
+            <pc:docMk/>
+            <pc:sldMk cId="908115860" sldId="281"/>
+            <ac:spMk id="4" creationId="{DE69AA56-DCC1-D217-5F20-926EF6C094C7}"/>
+          </ac:spMkLst>
+        </pc:spChg>
         <pc:spChg chg="mod">
-          <ac:chgData name="Scruel Tao" userId="5ea5c98d59b44d4b" providerId="LiveId" clId="{42F73B06-DA81-4C67-8473-07E158E9C79B}" dt="2023-05-05T10:06:06.977" v="5868" actId="962"/>
+          <ac:chgData name="Scruel Tao" userId="5ea5c98d59b44d4b" providerId="LiveId" clId="{42F73B06-DA81-4C67-8473-07E158E9C79B}" dt="2023-06-02T16:46:55.531" v="11455" actId="20577"/>
           <ac:spMkLst>
             <pc:docMk/>
             <pc:sldMk cId="908115860" sldId="281"/>
@@ -3002,12 +3049,20 @@
             <ac:picMk id="3" creationId="{E9C9C4B6-9E80-13FC-3C11-56455F818828}"/>
           </ac:picMkLst>
         </pc:picChg>
-        <pc:picChg chg="add mod">
-          <ac:chgData name="Scruel Tao" userId="5ea5c98d59b44d4b" providerId="LiveId" clId="{42F73B06-DA81-4C67-8473-07E158E9C79B}" dt="2023-04-29T16:47:45.551" v="4736" actId="1076"/>
+        <pc:picChg chg="add del mod">
+          <ac:chgData name="Scruel Tao" userId="5ea5c98d59b44d4b" providerId="LiveId" clId="{42F73B06-DA81-4C67-8473-07E158E9C79B}" dt="2023-06-02T16:13:33.660" v="9460" actId="478"/>
           <ac:picMkLst>
             <pc:docMk/>
             <pc:sldMk cId="908115860" sldId="281"/>
             <ac:picMk id="7" creationId="{F8B2DF25-F112-20DD-C76E-F59A1BDB922C}"/>
+          </ac:picMkLst>
+        </pc:picChg>
+        <pc:picChg chg="add mod">
+          <ac:chgData name="Scruel Tao" userId="5ea5c98d59b44d4b" providerId="LiveId" clId="{42F73B06-DA81-4C67-8473-07E158E9C79B}" dt="2023-06-02T16:13:34.568" v="9461"/>
+          <ac:picMkLst>
+            <pc:docMk/>
+            <pc:sldMk cId="908115860" sldId="281"/>
+            <ac:picMk id="8" creationId="{BBDF345A-ACA2-AFDC-8957-87457A4097D2}"/>
           </ac:picMkLst>
         </pc:picChg>
         <pc:picChg chg="del">
@@ -3035,14 +3090,22 @@
           </ac:picMkLst>
         </pc:picChg>
       </pc:sldChg>
-      <pc:sldChg chg="addSp delSp modSp add mod modTransition delAnim modAnim">
-        <pc:chgData name="Scruel Tao" userId="5ea5c98d59b44d4b" providerId="LiveId" clId="{42F73B06-DA81-4C67-8473-07E158E9C79B}" dt="2023-05-05T12:10:46.144" v="5901"/>
+      <pc:sldChg chg="addSp delSp modSp add mod modTransition delAnim modAnim modNotesTx">
+        <pc:chgData name="Scruel Tao" userId="5ea5c98d59b44d4b" providerId="LiveId" clId="{42F73B06-DA81-4C67-8473-07E158E9C79B}" dt="2023-06-02T16:27:43.400" v="10501" actId="115"/>
         <pc:sldMkLst>
           <pc:docMk/>
           <pc:sldMk cId="1594483198" sldId="282"/>
         </pc:sldMkLst>
+        <pc:spChg chg="add del mod">
+          <ac:chgData name="Scruel Tao" userId="5ea5c98d59b44d4b" providerId="LiveId" clId="{42F73B06-DA81-4C67-8473-07E158E9C79B}" dt="2023-06-02T16:07:23.433" v="9031"/>
+          <ac:spMkLst>
+            <pc:docMk/>
+            <pc:sldMk cId="1594483198" sldId="282"/>
+            <ac:spMk id="4" creationId="{F192788F-E451-5005-3314-CBEA200F0BCD}"/>
+          </ac:spMkLst>
+        </pc:spChg>
         <pc:spChg chg="mod">
-          <ac:chgData name="Scruel Tao" userId="5ea5c98d59b44d4b" providerId="LiveId" clId="{42F73B06-DA81-4C67-8473-07E158E9C79B}" dt="2023-05-05T10:06:12.398" v="5872" actId="962"/>
+          <ac:chgData name="Scruel Tao" userId="5ea5c98d59b44d4b" providerId="LiveId" clId="{42F73B06-DA81-4C67-8473-07E158E9C79B}" dt="2023-06-02T16:26:58.257" v="10452"/>
           <ac:spMkLst>
             <pc:docMk/>
             <pc:sldMk cId="1594483198" sldId="282"/>
@@ -3065,12 +3128,28 @@
             <ac:picMk id="3" creationId="{E9C9C4B6-9E80-13FC-3C11-56455F818828}"/>
           </ac:picMkLst>
         </pc:picChg>
-        <pc:picChg chg="add mod">
-          <ac:chgData name="Scruel Tao" userId="5ea5c98d59b44d4b" providerId="LiveId" clId="{42F73B06-DA81-4C67-8473-07E158E9C79B}" dt="2023-04-29T16:47:10.367" v="4732" actId="1076"/>
+        <pc:picChg chg="add del mod">
+          <ac:chgData name="Scruel Tao" userId="5ea5c98d59b44d4b" providerId="LiveId" clId="{42F73B06-DA81-4C67-8473-07E158E9C79B}" dt="2023-06-02T16:05:04.586" v="9030" actId="478"/>
+          <ac:picMkLst>
+            <pc:docMk/>
+            <pc:sldMk cId="1594483198" sldId="282"/>
+            <ac:picMk id="6" creationId="{D7C28290-2B24-6F10-26AE-AA778CFD0AE0}"/>
+          </ac:picMkLst>
+        </pc:picChg>
+        <pc:picChg chg="add del mod">
+          <ac:chgData name="Scruel Tao" userId="5ea5c98d59b44d4b" providerId="LiveId" clId="{42F73B06-DA81-4C67-8473-07E158E9C79B}" dt="2023-06-02T16:02:03.254" v="9024" actId="478"/>
           <ac:picMkLst>
             <pc:docMk/>
             <pc:sldMk cId="1594483198" sldId="282"/>
             <ac:picMk id="7" creationId="{0EC97AC6-5373-86D3-6B29-02CCA748C95C}"/>
+          </ac:picMkLst>
+        </pc:picChg>
+        <pc:picChg chg="add del">
+          <ac:chgData name="Scruel Tao" userId="5ea5c98d59b44d4b" providerId="LiveId" clId="{42F73B06-DA81-4C67-8473-07E158E9C79B}" dt="2023-06-02T16:03:06.015" v="9027" actId="22"/>
+          <ac:picMkLst>
+            <pc:docMk/>
+            <pc:sldMk cId="1594483198" sldId="282"/>
+            <ac:picMk id="9" creationId="{E9DC4DE6-E850-8C53-B000-B303DE06D8FD}"/>
           </ac:picMkLst>
         </pc:picChg>
         <pc:picChg chg="del">
@@ -3079,6 +3158,14 @@
             <pc:docMk/>
             <pc:sldMk cId="1594483198" sldId="282"/>
             <ac:picMk id="10" creationId="{AB9AA877-00A8-CAE0-AEB2-54C3CC706AB2}"/>
+          </ac:picMkLst>
+        </pc:picChg>
+        <pc:picChg chg="add mod">
+          <ac:chgData name="Scruel Tao" userId="5ea5c98d59b44d4b" providerId="LiveId" clId="{42F73B06-DA81-4C67-8473-07E158E9C79B}" dt="2023-06-02T16:10:26.886" v="9190" actId="14826"/>
+          <ac:picMkLst>
+            <pc:docMk/>
+            <pc:sldMk cId="1594483198" sldId="282"/>
+            <ac:picMk id="11" creationId="{468E6746-31C3-018E-3E32-4C4A040F244F}"/>
           </ac:picMkLst>
         </pc:picChg>
         <pc:picChg chg="del mod">
@@ -3192,8 +3279,8 @@
           </ac:picMkLst>
         </pc:picChg>
       </pc:sldChg>
-      <pc:sldChg chg="addSp delSp modSp add mod modTransition delAnim modAnim">
-        <pc:chgData name="Scruel Tao" userId="5ea5c98d59b44d4b" providerId="LiveId" clId="{42F73B06-DA81-4C67-8473-07E158E9C79B}" dt="2023-05-05T10:06:58.194" v="5881" actId="207"/>
+      <pc:sldChg chg="addSp delSp modSp add mod modTransition delAnim modAnim modNotesTx">
+        <pc:chgData name="Scruel Tao" userId="5ea5c98d59b44d4b" providerId="LiveId" clId="{42F73B06-DA81-4C67-8473-07E158E9C79B}" dt="2023-06-02T16:47:36.061" v="11482"/>
         <pc:sldMkLst>
           <pc:docMk/>
           <pc:sldMk cId="1521228770" sldId="284"/>
@@ -3215,11 +3302,19 @@
           </ac:spMkLst>
         </pc:spChg>
         <pc:spChg chg="mod">
-          <ac:chgData name="Scruel Tao" userId="5ea5c98d59b44d4b" providerId="LiveId" clId="{42F73B06-DA81-4C67-8473-07E158E9C79B}" dt="2023-05-05T10:06:58.194" v="5881" actId="207"/>
+          <ac:chgData name="Scruel Tao" userId="5ea5c98d59b44d4b" providerId="LiveId" clId="{42F73B06-DA81-4C67-8473-07E158E9C79B}" dt="2023-06-02T16:47:36.061" v="11482"/>
           <ac:spMkLst>
             <pc:docMk/>
             <pc:sldMk cId="1521228770" sldId="284"/>
             <ac:spMk id="5" creationId="{334FF01F-2A65-44F6-34F9-69AC934A31D7}"/>
+          </ac:spMkLst>
+        </pc:spChg>
+        <pc:spChg chg="add del mod">
+          <ac:chgData name="Scruel Tao" userId="5ea5c98d59b44d4b" providerId="LiveId" clId="{42F73B06-DA81-4C67-8473-07E158E9C79B}" dt="2023-06-02T16:16:29.669" v="9472"/>
+          <ac:spMkLst>
+            <pc:docMk/>
+            <pc:sldMk cId="1521228770" sldId="284"/>
+            <ac:spMk id="6" creationId="{6517F62F-F633-0A36-BE7E-9C415D5A153C}"/>
           </ac:spMkLst>
         </pc:spChg>
         <pc:spChg chg="add del mod">
@@ -3238,12 +3333,20 @@
             <ac:picMk id="6" creationId="{31311FF8-9F15-5697-993D-16C44209C1F1}"/>
           </ac:picMkLst>
         </pc:picChg>
-        <pc:picChg chg="add mod">
-          <ac:chgData name="Scruel Tao" userId="5ea5c98d59b44d4b" providerId="LiveId" clId="{42F73B06-DA81-4C67-8473-07E158E9C79B}" dt="2023-04-29T16:49:13.220" v="4739" actId="1076"/>
+        <pc:picChg chg="add del mod">
+          <ac:chgData name="Scruel Tao" userId="5ea5c98d59b44d4b" providerId="LiveId" clId="{42F73B06-DA81-4C67-8473-07E158E9C79B}" dt="2023-06-02T16:16:28.805" v="9471" actId="478"/>
           <ac:picMkLst>
             <pc:docMk/>
             <pc:sldMk cId="1521228770" sldId="284"/>
             <ac:picMk id="8" creationId="{B8572228-83F5-9541-4226-6825E87128EE}"/>
+          </ac:picMkLst>
+        </pc:picChg>
+        <pc:picChg chg="add mod">
+          <ac:chgData name="Scruel Tao" userId="5ea5c98d59b44d4b" providerId="LiveId" clId="{42F73B06-DA81-4C67-8473-07E158E9C79B}" dt="2023-06-02T16:16:29.669" v="9472"/>
+          <ac:picMkLst>
+            <pc:docMk/>
+            <pc:sldMk cId="1521228770" sldId="284"/>
+            <ac:picMk id="9" creationId="{A509ADDC-1F52-B0E4-A760-B9949AFC0576}"/>
           </ac:picMkLst>
         </pc:picChg>
         <pc:picChg chg="del">
@@ -3270,14 +3373,14 @@
           <pc:sldMk cId="2227428054" sldId="284"/>
         </pc:sldMkLst>
       </pc:sldChg>
-      <pc:sldChg chg="addSp delSp modSp add mod modTransition delAnim modAnim">
-        <pc:chgData name="Scruel Tao" userId="5ea5c98d59b44d4b" providerId="LiveId" clId="{42F73B06-DA81-4C67-8473-07E158E9C79B}" dt="2023-05-05T10:07:03.809" v="5883" actId="207"/>
+      <pc:sldChg chg="addSp delSp modSp add mod modTransition delAnim modAnim modNotesTx">
+        <pc:chgData name="Scruel Tao" userId="5ea5c98d59b44d4b" providerId="LiveId" clId="{42F73B06-DA81-4C67-8473-07E158E9C79B}" dt="2023-06-02T16:47:38.078" v="11483"/>
         <pc:sldMkLst>
           <pc:docMk/>
           <pc:sldMk cId="4038958788" sldId="285"/>
         </pc:sldMkLst>
         <pc:spChg chg="mod">
-          <ac:chgData name="Scruel Tao" userId="5ea5c98d59b44d4b" providerId="LiveId" clId="{42F73B06-DA81-4C67-8473-07E158E9C79B}" dt="2023-05-03T02:41:19.404" v="5586" actId="2711"/>
+          <ac:chgData name="Scruel Tao" userId="5ea5c98d59b44d4b" providerId="LiveId" clId="{42F73B06-DA81-4C67-8473-07E158E9C79B}" dt="2023-06-02T16:45:53.255" v="11406" actId="1076"/>
           <ac:spMkLst>
             <pc:docMk/>
             <pc:sldMk cId="4038958788" sldId="285"/>
@@ -3293,11 +3396,19 @@
           </ac:spMkLst>
         </pc:spChg>
         <pc:spChg chg="mod">
-          <ac:chgData name="Scruel Tao" userId="5ea5c98d59b44d4b" providerId="LiveId" clId="{42F73B06-DA81-4C67-8473-07E158E9C79B}" dt="2023-05-05T10:07:01.610" v="5882" actId="207"/>
+          <ac:chgData name="Scruel Tao" userId="5ea5c98d59b44d4b" providerId="LiveId" clId="{42F73B06-DA81-4C67-8473-07E158E9C79B}" dt="2023-06-02T16:47:38.078" v="11483"/>
           <ac:spMkLst>
             <pc:docMk/>
             <pc:sldMk cId="4038958788" sldId="285"/>
             <ac:spMk id="5" creationId="{334FF01F-2A65-44F6-34F9-69AC934A31D7}"/>
+          </ac:spMkLst>
+        </pc:spChg>
+        <pc:spChg chg="add del mod">
+          <ac:chgData name="Scruel Tao" userId="5ea5c98d59b44d4b" providerId="LiveId" clId="{42F73B06-DA81-4C67-8473-07E158E9C79B}" dt="2023-06-02T16:19:53.821" v="9862"/>
+          <ac:spMkLst>
+            <pc:docMk/>
+            <pc:sldMk cId="4038958788" sldId="285"/>
+            <ac:spMk id="7" creationId="{9379B9B7-251C-4193-8633-02EFD22B8E6D}"/>
           </ac:spMkLst>
         </pc:spChg>
         <pc:spChg chg="add del mod">
@@ -3316,12 +3427,20 @@
             <ac:picMk id="6" creationId="{31311FF8-9F15-5697-993D-16C44209C1F1}"/>
           </ac:picMkLst>
         </pc:picChg>
-        <pc:picChg chg="add mod">
-          <ac:chgData name="Scruel Tao" userId="5ea5c98d59b44d4b" providerId="LiveId" clId="{42F73B06-DA81-4C67-8473-07E158E9C79B}" dt="2023-04-29T16:51:47.917" v="4743" actId="1076"/>
+        <pc:picChg chg="add del mod">
+          <ac:chgData name="Scruel Tao" userId="5ea5c98d59b44d4b" providerId="LiveId" clId="{42F73B06-DA81-4C67-8473-07E158E9C79B}" dt="2023-06-02T16:19:53.462" v="9861" actId="478"/>
           <ac:picMkLst>
             <pc:docMk/>
             <pc:sldMk cId="4038958788" sldId="285"/>
             <ac:picMk id="8" creationId="{B2689DC9-F0D0-78AB-B085-C5A5AC71D70C}"/>
+          </ac:picMkLst>
+        </pc:picChg>
+        <pc:picChg chg="add del mod">
+          <ac:chgData name="Scruel Tao" userId="5ea5c98d59b44d4b" providerId="LiveId" clId="{42F73B06-DA81-4C67-8473-07E158E9C79B}" dt="2023-06-02T16:19:53.821" v="9862"/>
+          <ac:picMkLst>
+            <pc:docMk/>
+            <pc:sldMk cId="4038958788" sldId="285"/>
+            <ac:picMk id="10" creationId="{8FADF6E9-5187-34BF-98AF-44CE79D97BAF}"/>
           </ac:picMkLst>
         </pc:picChg>
         <pc:picChg chg="del">
@@ -3412,7 +3531,7 @@
         </pc:picChg>
       </pc:sldChg>
       <pc:sldChg chg="addSp delSp modSp add mod modTransition chgLayout modNotesTx">
-        <pc:chgData name="Scruel Tao" userId="5ea5c98d59b44d4b" providerId="LiveId" clId="{42F73B06-DA81-4C67-8473-07E158E9C79B}" dt="2023-05-12T17:01:03.948" v="6690" actId="20577"/>
+        <pc:chgData name="Scruel Tao" userId="5ea5c98d59b44d4b" providerId="LiveId" clId="{42F73B06-DA81-4C67-8473-07E158E9C79B}" dt="2023-06-01T04:40:14.829" v="7111" actId="20577"/>
         <pc:sldMkLst>
           <pc:docMk/>
           <pc:sldMk cId="4147465309" sldId="287"/>
@@ -3743,20 +3862,44 @@
           </ac:spMkLst>
         </pc:spChg>
       </pc:sldChg>
-      <pc:sldChg chg="modSp add mod modTransition">
-        <pc:chgData name="Scruel Tao" userId="5ea5c98d59b44d4b" providerId="LiveId" clId="{42F73B06-DA81-4C67-8473-07E158E9C79B}" dt="2023-05-05T15:08:24.863" v="6349"/>
+      <pc:sldChg chg="addSp delSp modSp add mod modTransition modNotesTx">
+        <pc:chgData name="Scruel Tao" userId="5ea5c98d59b44d4b" providerId="LiveId" clId="{42F73B06-DA81-4C67-8473-07E158E9C79B}" dt="2023-06-02T16:27:24.680" v="10484" actId="115"/>
         <pc:sldMkLst>
           <pc:docMk/>
           <pc:sldMk cId="706773735" sldId="311"/>
         </pc:sldMkLst>
         <pc:spChg chg="mod">
-          <ac:chgData name="Scruel Tao" userId="5ea5c98d59b44d4b" providerId="LiveId" clId="{42F73B06-DA81-4C67-8473-07E158E9C79B}" dt="2023-05-05T10:06:18.340" v="5875" actId="962"/>
+          <ac:chgData name="Scruel Tao" userId="5ea5c98d59b44d4b" providerId="LiveId" clId="{42F73B06-DA81-4C67-8473-07E158E9C79B}" dt="2023-06-02T16:26:01.019" v="10443" actId="20577"/>
           <ac:spMkLst>
             <pc:docMk/>
             <pc:sldMk cId="706773735" sldId="311"/>
             <ac:spMk id="5" creationId="{334FF01F-2A65-44F6-34F9-69AC934A31D7}"/>
           </ac:spMkLst>
         </pc:spChg>
+        <pc:spChg chg="add del mod">
+          <ac:chgData name="Scruel Tao" userId="5ea5c98d59b44d4b" providerId="LiveId" clId="{42F73B06-DA81-4C67-8473-07E158E9C79B}" dt="2023-06-02T16:04:55.813" v="9029"/>
+          <ac:spMkLst>
+            <pc:docMk/>
+            <pc:sldMk cId="706773735" sldId="311"/>
+            <ac:spMk id="6" creationId="{C6844800-B2FC-DF30-CA4F-D8606E690FD5}"/>
+          </ac:spMkLst>
+        </pc:spChg>
+        <pc:picChg chg="del mod">
+          <ac:chgData name="Scruel Tao" userId="5ea5c98d59b44d4b" providerId="LiveId" clId="{42F73B06-DA81-4C67-8473-07E158E9C79B}" dt="2023-06-02T16:04:54.693" v="9028" actId="478"/>
+          <ac:picMkLst>
+            <pc:docMk/>
+            <pc:sldMk cId="706773735" sldId="311"/>
+            <ac:picMk id="3" creationId="{E9C9C4B6-9E80-13FC-3C11-56455F818828}"/>
+          </ac:picMkLst>
+        </pc:picChg>
+        <pc:picChg chg="add mod">
+          <ac:chgData name="Scruel Tao" userId="5ea5c98d59b44d4b" providerId="LiveId" clId="{42F73B06-DA81-4C67-8473-07E158E9C79B}" dt="2023-06-02T16:26:47.478" v="10444" actId="14826"/>
+          <ac:picMkLst>
+            <pc:docMk/>
+            <pc:sldMk cId="706773735" sldId="311"/>
+            <ac:picMk id="8" creationId="{C2FF0611-1065-9722-49E1-B3C045A5A248}"/>
+          </ac:picMkLst>
+        </pc:picChg>
       </pc:sldChg>
       <pc:sldChg chg="add del">
         <pc:chgData name="Scruel Tao" userId="5ea5c98d59b44d4b" providerId="LiveId" clId="{42F73B06-DA81-4C67-8473-07E158E9C79B}" dt="2023-05-04T01:20:37.819" v="5662" actId="47"/>
@@ -3787,6 +3930,77 @@
           <pc:sldMk cId="3625446739" sldId="366"/>
         </pc:sldMkLst>
       </pc:sldChg>
+      <pc:sldChg chg="addSp delSp modSp add mod ord modNotesTx">
+        <pc:chgData name="Scruel Tao" userId="5ea5c98d59b44d4b" providerId="LiveId" clId="{42F73B06-DA81-4C67-8473-07E158E9C79B}" dt="2023-06-02T16:25:34.067" v="10436" actId="20577"/>
+        <pc:sldMkLst>
+          <pc:docMk/>
+          <pc:sldMk cId="1263324175" sldId="367"/>
+        </pc:sldMkLst>
+        <pc:spChg chg="mod">
+          <ac:chgData name="Scruel Tao" userId="5ea5c98d59b44d4b" providerId="LiveId" clId="{42F73B06-DA81-4C67-8473-07E158E9C79B}" dt="2023-06-01T04:42:29.502" v="7125" actId="20577"/>
+          <ac:spMkLst>
+            <pc:docMk/>
+            <pc:sldMk cId="1263324175" sldId="367"/>
+            <ac:spMk id="2" creationId="{ABA783DF-49A6-7EF1-661E-C574E2C2F386}"/>
+          </ac:spMkLst>
+        </pc:spChg>
+        <pc:spChg chg="mod">
+          <ac:chgData name="Scruel Tao" userId="5ea5c98d59b44d4b" providerId="LiveId" clId="{42F73B06-DA81-4C67-8473-07E158E9C79B}" dt="2023-06-02T15:25:02.968" v="8210" actId="20577"/>
+          <ac:spMkLst>
+            <pc:docMk/>
+            <pc:sldMk cId="1263324175" sldId="367"/>
+            <ac:spMk id="5" creationId="{334FF01F-2A65-44F6-34F9-69AC934A31D7}"/>
+          </ac:spMkLst>
+        </pc:spChg>
+        <pc:picChg chg="add del mod">
+          <ac:chgData name="Scruel Tao" userId="5ea5c98d59b44d4b" providerId="LiveId" clId="{42F73B06-DA81-4C67-8473-07E158E9C79B}" dt="2023-06-01T04:47:11.773" v="7360"/>
+          <ac:picMkLst>
+            <pc:docMk/>
+            <pc:sldMk cId="1263324175" sldId="367"/>
+            <ac:picMk id="4" creationId="{86DB9B4F-5D6D-4566-042C-FDD19ABDDC3A}"/>
+          </ac:picMkLst>
+        </pc:picChg>
+        <pc:picChg chg="add del mod">
+          <ac:chgData name="Scruel Tao" userId="5ea5c98d59b44d4b" providerId="LiveId" clId="{42F73B06-DA81-4C67-8473-07E158E9C79B}" dt="2023-06-02T15:14:26.099" v="7512" actId="478"/>
+          <ac:picMkLst>
+            <pc:docMk/>
+            <pc:sldMk cId="1263324175" sldId="367"/>
+            <ac:picMk id="4" creationId="{AEDC33BB-96F6-C82A-5F76-0EB244403552}"/>
+          </ac:picMkLst>
+        </pc:picChg>
+        <pc:picChg chg="add mod">
+          <ac:chgData name="Scruel Tao" userId="5ea5c98d59b44d4b" providerId="LiveId" clId="{42F73B06-DA81-4C67-8473-07E158E9C79B}" dt="2023-06-02T15:27:00.457" v="8368" actId="1076"/>
+          <ac:picMkLst>
+            <pc:docMk/>
+            <pc:sldMk cId="1263324175" sldId="367"/>
+            <ac:picMk id="7" creationId="{1B605BC5-7434-CCC1-44E2-C8AE5A7A6ACA}"/>
+          </ac:picMkLst>
+        </pc:picChg>
+        <pc:picChg chg="add del mod">
+          <ac:chgData name="Scruel Tao" userId="5ea5c98d59b44d4b" providerId="LiveId" clId="{42F73B06-DA81-4C67-8473-07E158E9C79B}" dt="2023-06-01T04:47:57.740" v="7365"/>
+          <ac:picMkLst>
+            <pc:docMk/>
+            <pc:sldMk cId="1263324175" sldId="367"/>
+            <ac:picMk id="7" creationId="{D9AB2F12-EF71-D193-40F5-58A562CA9545}"/>
+          </ac:picMkLst>
+        </pc:picChg>
+        <pc:picChg chg="add del mod">
+          <ac:chgData name="Scruel Tao" userId="5ea5c98d59b44d4b" providerId="LiveId" clId="{42F73B06-DA81-4C67-8473-07E158E9C79B}" dt="2023-06-02T15:21:34.356" v="7859" actId="21"/>
+          <ac:picMkLst>
+            <pc:docMk/>
+            <pc:sldMk cId="1263324175" sldId="367"/>
+            <ac:picMk id="9" creationId="{A4E60CBE-8956-9CC9-7CE5-77B0E7F75625}"/>
+          </ac:picMkLst>
+        </pc:picChg>
+        <pc:picChg chg="add del mod">
+          <ac:chgData name="Scruel Tao" userId="5ea5c98d59b44d4b" providerId="LiveId" clId="{42F73B06-DA81-4C67-8473-07E158E9C79B}" dt="2023-06-02T15:11:13.968" v="7456" actId="478"/>
+          <ac:picMkLst>
+            <pc:docMk/>
+            <pc:sldMk cId="1263324175" sldId="367"/>
+            <ac:picMk id="11" creationId="{44AA24C5-508C-4D40-7E65-55D5627E4671}"/>
+          </ac:picMkLst>
+        </pc:picChg>
+      </pc:sldChg>
       <pc:sldChg chg="addSp delSp modSp add del mod chgLayout">
         <pc:chgData name="Scruel Tao" userId="5ea5c98d59b44d4b" providerId="LiveId" clId="{42F73B06-DA81-4C67-8473-07E158E9C79B}" dt="2023-05-07T15:39:40.094" v="6491" actId="47"/>
         <pc:sldMkLst>
@@ -3847,6 +4061,309 @@
             <pc:docMk/>
             <pc:sldMk cId="2773861659" sldId="367"/>
             <ac:picMk id="9" creationId="{83E1DED6-3890-04C1-AAF9-C65E31A76C71}"/>
+          </ac:picMkLst>
+        </pc:picChg>
+      </pc:sldChg>
+      <pc:sldChg chg="addSp delSp modSp add del mod modNotesTx">
+        <pc:chgData name="Scruel Tao" userId="5ea5c98d59b44d4b" providerId="LiveId" clId="{42F73B06-DA81-4C67-8473-07E158E9C79B}" dt="2023-06-02T15:27:27.579" v="8375" actId="47"/>
+        <pc:sldMkLst>
+          <pc:docMk/>
+          <pc:sldMk cId="400875011" sldId="368"/>
+        </pc:sldMkLst>
+        <pc:spChg chg="mod">
+          <ac:chgData name="Scruel Tao" userId="5ea5c98d59b44d4b" providerId="LiveId" clId="{42F73B06-DA81-4C67-8473-07E158E9C79B}" dt="2023-06-02T15:26:37.504" v="8366" actId="21"/>
+          <ac:spMkLst>
+            <pc:docMk/>
+            <pc:sldMk cId="400875011" sldId="368"/>
+            <ac:spMk id="5" creationId="{334FF01F-2A65-44F6-34F9-69AC934A31D7}"/>
+          </ac:spMkLst>
+        </pc:spChg>
+        <pc:picChg chg="add del">
+          <ac:chgData name="Scruel Tao" userId="5ea5c98d59b44d4b" providerId="LiveId" clId="{42F73B06-DA81-4C67-8473-07E158E9C79B}" dt="2023-06-02T15:18:55.002" v="7531" actId="22"/>
+          <ac:picMkLst>
+            <pc:docMk/>
+            <pc:sldMk cId="400875011" sldId="368"/>
+            <ac:picMk id="4" creationId="{6A0CFECA-B700-9767-12A9-847562D0A3A0}"/>
+          </ac:picMkLst>
+        </pc:picChg>
+        <pc:picChg chg="mod">
+          <ac:chgData name="Scruel Tao" userId="5ea5c98d59b44d4b" providerId="LiveId" clId="{42F73B06-DA81-4C67-8473-07E158E9C79B}" dt="2023-06-02T15:26:44.621" v="8367" actId="14100"/>
+          <ac:picMkLst>
+            <pc:docMk/>
+            <pc:sldMk cId="400875011" sldId="368"/>
+            <ac:picMk id="7" creationId="{1B605BC5-7434-CCC1-44E2-C8AE5A7A6ACA}"/>
+          </ac:picMkLst>
+        </pc:picChg>
+        <pc:picChg chg="del">
+          <ac:chgData name="Scruel Tao" userId="5ea5c98d59b44d4b" providerId="LiveId" clId="{42F73B06-DA81-4C67-8473-07E158E9C79B}" dt="2023-06-02T15:18:34.523" v="7525" actId="478"/>
+          <ac:picMkLst>
+            <pc:docMk/>
+            <pc:sldMk cId="400875011" sldId="368"/>
+            <ac:picMk id="9" creationId="{A4E60CBE-8956-9CC9-7CE5-77B0E7F75625}"/>
+          </ac:picMkLst>
+        </pc:picChg>
+      </pc:sldChg>
+      <pc:sldChg chg="addSp delSp modSp add mod modNotesTx">
+        <pc:chgData name="Scruel Tao" userId="5ea5c98d59b44d4b" providerId="LiveId" clId="{42F73B06-DA81-4C67-8473-07E158E9C79B}" dt="2023-06-02T15:28:01.382" v="8434" actId="20577"/>
+        <pc:sldMkLst>
+          <pc:docMk/>
+          <pc:sldMk cId="1718870275" sldId="369"/>
+        </pc:sldMkLst>
+        <pc:spChg chg="mod">
+          <ac:chgData name="Scruel Tao" userId="5ea5c98d59b44d4b" providerId="LiveId" clId="{42F73B06-DA81-4C67-8473-07E158E9C79B}" dt="2023-06-02T15:27:07.140" v="8370"/>
+          <ac:spMkLst>
+            <pc:docMk/>
+            <pc:sldMk cId="1718870275" sldId="369"/>
+            <ac:spMk id="5" creationId="{334FF01F-2A65-44F6-34F9-69AC934A31D7}"/>
+          </ac:spMkLst>
+        </pc:spChg>
+        <pc:picChg chg="add del">
+          <ac:chgData name="Scruel Tao" userId="5ea5c98d59b44d4b" providerId="LiveId" clId="{42F73B06-DA81-4C67-8473-07E158E9C79B}" dt="2023-06-02T15:27:18.844" v="8373" actId="22"/>
+          <ac:picMkLst>
+            <pc:docMk/>
+            <pc:sldMk cId="1718870275" sldId="369"/>
+            <ac:picMk id="4" creationId="{934CC766-D154-3D99-D70D-6FF0E93909DD}"/>
+          </ac:picMkLst>
+        </pc:picChg>
+        <pc:picChg chg="mod">
+          <ac:chgData name="Scruel Tao" userId="5ea5c98d59b44d4b" providerId="LiveId" clId="{42F73B06-DA81-4C67-8473-07E158E9C79B}" dt="2023-06-02T15:27:21.052" v="8374" actId="14826"/>
+          <ac:picMkLst>
+            <pc:docMk/>
+            <pc:sldMk cId="1718870275" sldId="369"/>
+            <ac:picMk id="7" creationId="{1B605BC5-7434-CCC1-44E2-C8AE5A7A6ACA}"/>
+          </ac:picMkLst>
+        </pc:picChg>
+      </pc:sldChg>
+      <pc:sldChg chg="modSp add mod">
+        <pc:chgData name="Scruel Tao" userId="5ea5c98d59b44d4b" providerId="LiveId" clId="{42F73B06-DA81-4C67-8473-07E158E9C79B}" dt="2023-06-02T15:40:06.839" v="8761" actId="20577"/>
+        <pc:sldMkLst>
+          <pc:docMk/>
+          <pc:sldMk cId="2999776910" sldId="370"/>
+        </pc:sldMkLst>
+        <pc:spChg chg="mod">
+          <ac:chgData name="Scruel Tao" userId="5ea5c98d59b44d4b" providerId="LiveId" clId="{42F73B06-DA81-4C67-8473-07E158E9C79B}" dt="2023-06-02T15:30:41.881" v="8595"/>
+          <ac:spMkLst>
+            <pc:docMk/>
+            <pc:sldMk cId="2999776910" sldId="370"/>
+            <ac:spMk id="2" creationId="{ABA783DF-49A6-7EF1-661E-C574E2C2F386}"/>
+          </ac:spMkLst>
+        </pc:spChg>
+        <pc:spChg chg="mod">
+          <ac:chgData name="Scruel Tao" userId="5ea5c98d59b44d4b" providerId="LiveId" clId="{42F73B06-DA81-4C67-8473-07E158E9C79B}" dt="2023-06-02T15:40:06.839" v="8761" actId="20577"/>
+          <ac:spMkLst>
+            <pc:docMk/>
+            <pc:sldMk cId="2999776910" sldId="370"/>
+            <ac:spMk id="5" creationId="{334FF01F-2A65-44F6-34F9-69AC934A31D7}"/>
+          </ac:spMkLst>
+        </pc:spChg>
+        <pc:picChg chg="mod">
+          <ac:chgData name="Scruel Tao" userId="5ea5c98d59b44d4b" providerId="LiveId" clId="{42F73B06-DA81-4C67-8473-07E158E9C79B}" dt="2023-06-02T15:31:44.864" v="8597" actId="14826"/>
+          <ac:picMkLst>
+            <pc:docMk/>
+            <pc:sldMk cId="2999776910" sldId="370"/>
+            <ac:picMk id="7" creationId="{1B605BC5-7434-CCC1-44E2-C8AE5A7A6ACA}"/>
+          </ac:picMkLst>
+        </pc:picChg>
+      </pc:sldChg>
+      <pc:sldChg chg="modSp add mod modTransition modNotesTx">
+        <pc:chgData name="Scruel Tao" userId="5ea5c98d59b44d4b" providerId="LiveId" clId="{42F73B06-DA81-4C67-8473-07E158E9C79B}" dt="2023-06-02T15:35:34.882" v="8644"/>
+        <pc:sldMkLst>
+          <pc:docMk/>
+          <pc:sldMk cId="2826834387" sldId="371"/>
+        </pc:sldMkLst>
+        <pc:picChg chg="mod modCrop">
+          <ac:chgData name="Scruel Tao" userId="5ea5c98d59b44d4b" providerId="LiveId" clId="{42F73B06-DA81-4C67-8473-07E158E9C79B}" dt="2023-06-02T15:35:19.052" v="8639" actId="1076"/>
+          <ac:picMkLst>
+            <pc:docMk/>
+            <pc:sldMk cId="2826834387" sldId="371"/>
+            <ac:picMk id="7" creationId="{1B605BC5-7434-CCC1-44E2-C8AE5A7A6ACA}"/>
+          </ac:picMkLst>
+        </pc:picChg>
+      </pc:sldChg>
+      <pc:sldChg chg="modSp add mod modTransition modNotesTx">
+        <pc:chgData name="Scruel Tao" userId="5ea5c98d59b44d4b" providerId="LiveId" clId="{42F73B06-DA81-4C67-8473-07E158E9C79B}" dt="2023-06-02T15:37:09.268" v="8659" actId="1076"/>
+        <pc:sldMkLst>
+          <pc:docMk/>
+          <pc:sldMk cId="883490720" sldId="372"/>
+        </pc:sldMkLst>
+        <pc:picChg chg="mod modCrop">
+          <ac:chgData name="Scruel Tao" userId="5ea5c98d59b44d4b" providerId="LiveId" clId="{42F73B06-DA81-4C67-8473-07E158E9C79B}" dt="2023-06-02T15:37:09.268" v="8659" actId="1076"/>
+          <ac:picMkLst>
+            <pc:docMk/>
+            <pc:sldMk cId="883490720" sldId="372"/>
+            <ac:picMk id="7" creationId="{1B605BC5-7434-CCC1-44E2-C8AE5A7A6ACA}"/>
+          </ac:picMkLst>
+        </pc:picChg>
+      </pc:sldChg>
+      <pc:sldChg chg="addSp delSp modSp add mod">
+        <pc:chgData name="Scruel Tao" userId="5ea5c98d59b44d4b" providerId="LiveId" clId="{42F73B06-DA81-4C67-8473-07E158E9C79B}" dt="2023-06-02T16:42:21.812" v="11298" actId="207"/>
+        <pc:sldMkLst>
+          <pc:docMk/>
+          <pc:sldMk cId="1685033620" sldId="373"/>
+        </pc:sldMkLst>
+        <pc:spChg chg="add del mod">
+          <ac:chgData name="Scruel Tao" userId="5ea5c98d59b44d4b" providerId="LiveId" clId="{42F73B06-DA81-4C67-8473-07E158E9C79B}" dt="2023-06-02T16:33:51.777" v="10630"/>
+          <ac:spMkLst>
+            <pc:docMk/>
+            <pc:sldMk cId="1685033620" sldId="373"/>
+            <ac:spMk id="4" creationId="{C066EFFD-F17F-E109-003B-08621B36B967}"/>
+          </ac:spMkLst>
+        </pc:spChg>
+        <pc:spChg chg="mod">
+          <ac:chgData name="Scruel Tao" userId="5ea5c98d59b44d4b" providerId="LiveId" clId="{42F73B06-DA81-4C67-8473-07E158E9C79B}" dt="2023-06-02T16:35:50.479" v="10678" actId="207"/>
+          <ac:spMkLst>
+            <pc:docMk/>
+            <pc:sldMk cId="1685033620" sldId="373"/>
+            <ac:spMk id="5" creationId="{334FF01F-2A65-44F6-34F9-69AC934A31D7}"/>
+          </ac:spMkLst>
+        </pc:spChg>
+        <pc:spChg chg="mod">
+          <ac:chgData name="Scruel Tao" userId="5ea5c98d59b44d4b" providerId="LiveId" clId="{42F73B06-DA81-4C67-8473-07E158E9C79B}" dt="2023-06-02T16:42:21.812" v="11298" actId="207"/>
+          <ac:spMkLst>
+            <pc:docMk/>
+            <pc:sldMk cId="1685033620" sldId="373"/>
+            <ac:spMk id="6" creationId="{446DB7A6-FEBA-3FD3-6743-1F2AC323733E}"/>
+          </ac:spMkLst>
+        </pc:spChg>
+        <pc:picChg chg="del">
+          <ac:chgData name="Scruel Tao" userId="5ea5c98d59b44d4b" providerId="LiveId" clId="{42F73B06-DA81-4C67-8473-07E158E9C79B}" dt="2023-06-02T16:33:50.700" v="10629" actId="478"/>
+          <ac:picMkLst>
+            <pc:docMk/>
+            <pc:sldMk cId="1685033620" sldId="373"/>
+            <ac:picMk id="8" creationId="{28A16F33-A272-826C-8E01-2B22E4E377A1}"/>
+          </ac:picMkLst>
+        </pc:picChg>
+        <pc:picChg chg="add mod modCrop">
+          <ac:chgData name="Scruel Tao" userId="5ea5c98d59b44d4b" providerId="LiveId" clId="{42F73B06-DA81-4C67-8473-07E158E9C79B}" dt="2023-06-02T16:37:39.494" v="10777" actId="1036"/>
+          <ac:picMkLst>
+            <pc:docMk/>
+            <pc:sldMk cId="1685033620" sldId="373"/>
+            <ac:picMk id="9" creationId="{583A600A-4746-5EE5-9671-20667897CEAA}"/>
+          </ac:picMkLst>
+        </pc:picChg>
+      </pc:sldChg>
+      <pc:sldChg chg="addSp delSp modSp add mod modTransition modNotesTx">
+        <pc:chgData name="Scruel Tao" userId="5ea5c98d59b44d4b" providerId="LiveId" clId="{42F73B06-DA81-4C67-8473-07E158E9C79B}" dt="2023-06-02T16:45:08.886" v="11397" actId="20577"/>
+        <pc:sldMkLst>
+          <pc:docMk/>
+          <pc:sldMk cId="1540976929" sldId="374"/>
+        </pc:sldMkLst>
+        <pc:spChg chg="add del mod">
+          <ac:chgData name="Scruel Tao" userId="5ea5c98d59b44d4b" providerId="LiveId" clId="{42F73B06-DA81-4C67-8473-07E158E9C79B}" dt="2023-06-02T16:44:37.404" v="11390" actId="478"/>
+          <ac:spMkLst>
+            <pc:docMk/>
+            <pc:sldMk cId="1540976929" sldId="374"/>
+            <ac:spMk id="4" creationId="{CC8B99EC-9892-F8D3-2C71-4EC76D9A3868}"/>
+          </ac:spMkLst>
+        </pc:spChg>
+        <pc:spChg chg="mod">
+          <ac:chgData name="Scruel Tao" userId="5ea5c98d59b44d4b" providerId="LiveId" clId="{42F73B06-DA81-4C67-8473-07E158E9C79B}" dt="2023-06-02T16:45:08.886" v="11397" actId="20577"/>
+          <ac:spMkLst>
+            <pc:docMk/>
+            <pc:sldMk cId="1540976929" sldId="374"/>
+            <ac:spMk id="5" creationId="{334FF01F-2A65-44F6-34F9-69AC934A31D7}"/>
+          </ac:spMkLst>
+        </pc:spChg>
+        <pc:spChg chg="mod">
+          <ac:chgData name="Scruel Tao" userId="5ea5c98d59b44d4b" providerId="LiveId" clId="{42F73B06-DA81-4C67-8473-07E158E9C79B}" dt="2023-06-02T16:42:19.221" v="11297" actId="207"/>
+          <ac:spMkLst>
+            <pc:docMk/>
+            <pc:sldMk cId="1540976929" sldId="374"/>
+            <ac:spMk id="6" creationId="{446DB7A6-FEBA-3FD3-6743-1F2AC323733E}"/>
+          </ac:spMkLst>
+        </pc:spChg>
+        <pc:picChg chg="add del mod modCrop">
+          <ac:chgData name="Scruel Tao" userId="5ea5c98d59b44d4b" providerId="LiveId" clId="{42F73B06-DA81-4C67-8473-07E158E9C79B}" dt="2023-06-02T16:44:36.859" v="11389"/>
+          <ac:picMkLst>
+            <pc:docMk/>
+            <pc:sldMk cId="1540976929" sldId="374"/>
+            <ac:picMk id="7" creationId="{BFDC823C-0C32-8274-00C1-D34806DA310E}"/>
+          </ac:picMkLst>
+        </pc:picChg>
+        <pc:picChg chg="add del mod modCrop">
+          <ac:chgData name="Scruel Tao" userId="5ea5c98d59b44d4b" providerId="LiveId" clId="{42F73B06-DA81-4C67-8473-07E158E9C79B}" dt="2023-06-02T16:44:37.404" v="11390" actId="478"/>
+          <ac:picMkLst>
+            <pc:docMk/>
+            <pc:sldMk cId="1540976929" sldId="374"/>
+            <ac:picMk id="9" creationId="{583A600A-4746-5EE5-9671-20667897CEAA}"/>
+          </ac:picMkLst>
+        </pc:picChg>
+      </pc:sldChg>
+      <pc:sldChg chg="addSp delSp modSp add del mod modTransition">
+        <pc:chgData name="Scruel Tao" userId="5ea5c98d59b44d4b" providerId="LiveId" clId="{42F73B06-DA81-4C67-8473-07E158E9C79B}" dt="2023-06-02T16:45:15.434" v="11399" actId="47"/>
+        <pc:sldMkLst>
+          <pc:docMk/>
+          <pc:sldMk cId="892392772" sldId="375"/>
+        </pc:sldMkLst>
+        <pc:spChg chg="add del mod">
+          <ac:chgData name="Scruel Tao" userId="5ea5c98d59b44d4b" providerId="LiveId" clId="{42F73B06-DA81-4C67-8473-07E158E9C79B}" dt="2023-06-02T16:44:40.662" v="11391" actId="21"/>
+          <ac:spMkLst>
+            <pc:docMk/>
+            <pc:sldMk cId="892392772" sldId="375"/>
+            <ac:spMk id="4" creationId="{1332FD4F-714A-B2CD-F783-9D768A9A3EB2}"/>
+          </ac:spMkLst>
+        </pc:spChg>
+        <pc:spChg chg="add mod">
+          <ac:chgData name="Scruel Tao" userId="5ea5c98d59b44d4b" providerId="LiveId" clId="{42F73B06-DA81-4C67-8473-07E158E9C79B}" dt="2023-06-02T16:45:13.891" v="11398" actId="478"/>
+          <ac:spMkLst>
+            <pc:docMk/>
+            <pc:sldMk cId="892392772" sldId="375"/>
+            <ac:spMk id="10" creationId="{602FE92D-E108-EF0E-A479-D0AA306C7C11}"/>
+          </ac:spMkLst>
+        </pc:spChg>
+        <pc:picChg chg="add del mod">
+          <ac:chgData name="Scruel Tao" userId="5ea5c98d59b44d4b" providerId="LiveId" clId="{42F73B06-DA81-4C67-8473-07E158E9C79B}" dt="2023-06-02T16:44:49.777" v="11394" actId="21"/>
+          <ac:picMkLst>
+            <pc:docMk/>
+            <pc:sldMk cId="892392772" sldId="375"/>
+            <ac:picMk id="7" creationId="{CF63D22C-FC45-A44E-6C56-E299264D8853}"/>
+          </ac:picMkLst>
+        </pc:picChg>
+        <pc:picChg chg="add del mod">
+          <ac:chgData name="Scruel Tao" userId="5ea5c98d59b44d4b" providerId="LiveId" clId="{42F73B06-DA81-4C67-8473-07E158E9C79B}" dt="2023-06-02T16:45:13.891" v="11398" actId="478"/>
+          <ac:picMkLst>
+            <pc:docMk/>
+            <pc:sldMk cId="892392772" sldId="375"/>
+            <ac:picMk id="9" creationId="{583A600A-4746-5EE5-9671-20667897CEAA}"/>
+          </ac:picMkLst>
+        </pc:picChg>
+      </pc:sldChg>
+      <pc:sldChg chg="addSp delSp modSp add mod">
+        <pc:chgData name="Scruel Tao" userId="5ea5c98d59b44d4b" providerId="LiveId" clId="{42F73B06-DA81-4C67-8473-07E158E9C79B}" dt="2023-06-02T16:47:28.886" v="11479" actId="20577"/>
+        <pc:sldMkLst>
+          <pc:docMk/>
+          <pc:sldMk cId="2094629854" sldId="376"/>
+        </pc:sldMkLst>
+        <pc:spChg chg="add del mod">
+          <ac:chgData name="Scruel Tao" userId="5ea5c98d59b44d4b" providerId="LiveId" clId="{42F73B06-DA81-4C67-8473-07E158E9C79B}" dt="2023-06-02T16:44:52.781" v="11396"/>
+          <ac:spMkLst>
+            <pc:docMk/>
+            <pc:sldMk cId="2094629854" sldId="376"/>
+            <ac:spMk id="4" creationId="{D79D7106-5F98-DBCE-350A-8B041F842A85}"/>
+          </ac:spMkLst>
+        </pc:spChg>
+        <pc:spChg chg="mod">
+          <ac:chgData name="Scruel Tao" userId="5ea5c98d59b44d4b" providerId="LiveId" clId="{42F73B06-DA81-4C67-8473-07E158E9C79B}" dt="2023-06-02T16:47:28.886" v="11479" actId="20577"/>
+          <ac:spMkLst>
+            <pc:docMk/>
+            <pc:sldMk cId="2094629854" sldId="376"/>
+            <ac:spMk id="5" creationId="{334FF01F-2A65-44F6-34F9-69AC934A31D7}"/>
+          </ac:spMkLst>
+        </pc:spChg>
+        <pc:picChg chg="add mod">
+          <ac:chgData name="Scruel Tao" userId="5ea5c98d59b44d4b" providerId="LiveId" clId="{42F73B06-DA81-4C67-8473-07E158E9C79B}" dt="2023-06-02T16:44:52.781" v="11396"/>
+          <ac:picMkLst>
+            <pc:docMk/>
+            <pc:sldMk cId="2094629854" sldId="376"/>
+            <ac:picMk id="7" creationId="{9A0B1B14-8CFD-6FF1-DC93-0B0183D1778B}"/>
+          </ac:picMkLst>
+        </pc:picChg>
+        <pc:picChg chg="del">
+          <ac:chgData name="Scruel Tao" userId="5ea5c98d59b44d4b" providerId="LiveId" clId="{42F73B06-DA81-4C67-8473-07E158E9C79B}" dt="2023-06-02T16:44:51.730" v="11395" actId="478"/>
+          <ac:picMkLst>
+            <pc:docMk/>
+            <pc:sldMk cId="2094629854" sldId="376"/>
+            <ac:picMk id="9" creationId="{583A600A-4746-5EE5-9671-20667897CEAA}"/>
           </ac:picMkLst>
         </pc:picChg>
       </pc:sldChg>
@@ -4160,7 +4677,7 @@
           <a:p>
             <a:fld id="{AC7E1972-C479-4420-A687-8FB83BA90DEB}" type="datetimeFigureOut">
               <a:rPr lang="zh-CN" altLang="en-US" smtClean="0"/>
-              <a:t>2023/5/25</a:t>
+              <a:t>2023/6/3</a:t>
             </a:fld>
             <a:endParaRPr lang="zh-CN" altLang="en-US"/>
           </a:p>
@@ -4337,7 +4854,7 @@
           <a:p>
             <a:fld id="{89B7AB8D-BCC0-43C6-B24C-055A25DB558F}" type="datetimeFigureOut">
               <a:rPr lang="zh-CN" altLang="en-US" smtClean="0"/>
-              <a:t>2023/5/25</a:t>
+              <a:t>2023/6/3</a:t>
             </a:fld>
             <a:endParaRPr lang="zh-CN" altLang="en-US"/>
           </a:p>
@@ -4738,7 +5255,7 @@
           <a:bodyPr/>
           <a:lstStyle/>
           <a:p>
-            <a:endParaRPr lang="en-US" altLang="zh-CN" dirty="0"/>
+            <a:endParaRPr lang="zh-CN" altLang="en-US" dirty="0"/>
           </a:p>
         </p:txBody>
       </p:sp>
@@ -4759,7 +5276,7 @@
           <a:p>
             <a:fld id="{9901CBA2-7C9E-4AD6-B258-A0DB055BB3AF}" type="slidenum">
               <a:rPr lang="zh-CN" altLang="en-US" smtClean="0"/>
-              <a:t>21</a:t>
+              <a:t>15</a:t>
             </a:fld>
             <a:endParaRPr lang="zh-CN" altLang="en-US"/>
           </a:p>
@@ -4768,7 +5285,7 @@
     </p:spTree>
     <p:extLst>
       <p:ext uri="{BB962C8B-B14F-4D97-AF65-F5344CB8AC3E}">
-        <p14:creationId xmlns:p14="http://schemas.microsoft.com/office/powerpoint/2010/main" val="1907829771"/>
+        <p14:creationId xmlns:p14="http://schemas.microsoft.com/office/powerpoint/2010/main" val="1395686011"/>
       </p:ext>
     </p:extLst>
   </p:cSld>
@@ -4823,24 +5340,17 @@
           <a:lstStyle/>
           <a:p>
             <a:r>
-              <a:rPr lang="zh-CN" altLang="en-US" sz="1800" b="0" i="0" u="none" strike="noStrike" baseline="0" dirty="0">
-                <a:latin typeface="FZSSJW--GB1-0"/>
-              </a:rPr>
-              <a:t>附录 </a:t>
-            </a:r>
-            <a:r>
-              <a:rPr lang="en-US" altLang="zh-CN" sz="1800" b="0" i="0" u="none" strike="noStrike" baseline="0" dirty="0">
-                <a:latin typeface="TimesNewRoman"/>
-              </a:rPr>
-              <a:t>C </a:t>
-            </a:r>
-            <a:r>
-              <a:rPr lang="zh-CN" altLang="en-US" sz="1800" b="0" i="0" u="none" strike="noStrike" baseline="0" dirty="0">
-                <a:latin typeface="FZSSJW--GB1-0"/>
-              </a:rPr>
-              <a:t>提供了很多在线资源，如论坛或在线聊天网站</a:t>
-            </a:r>
-            <a:endParaRPr lang="zh-CN" altLang="en-US" dirty="0"/>
+              <a:rPr lang="zh-CN" altLang="en-US" dirty="0"/>
+              <a:t>为了降低国内初学者的学习门槛，教程将使用汉化后的 </a:t>
+            </a:r>
+            <a:r>
+              <a:rPr lang="en-US" altLang="zh-CN" dirty="0"/>
+              <a:t>VS Code </a:t>
+            </a:r>
+            <a:r>
+              <a:rPr lang="zh-CN" altLang="en-US" dirty="0"/>
+              <a:t>做演示，虽然个人其实偏好使用英文原版，毕竟常用功能涉及的英文单词并不多。</a:t>
+            </a:r>
           </a:p>
         </p:txBody>
       </p:sp>
@@ -4861,7 +5371,7 @@
           <a:p>
             <a:fld id="{9901CBA2-7C9E-4AD6-B258-A0DB055BB3AF}" type="slidenum">
               <a:rPr lang="zh-CN" altLang="en-US" smtClean="0"/>
-              <a:t>22</a:t>
+              <a:t>16</a:t>
             </a:fld>
             <a:endParaRPr lang="zh-CN" altLang="en-US"/>
           </a:p>
@@ -4870,7 +5380,7 @@
     </p:spTree>
     <p:extLst>
       <p:ext uri="{BB962C8B-B14F-4D97-AF65-F5344CB8AC3E}">
-        <p14:creationId xmlns:p14="http://schemas.microsoft.com/office/powerpoint/2010/main" val="1308399219"/>
+        <p14:creationId xmlns:p14="http://schemas.microsoft.com/office/powerpoint/2010/main" val="1256729343"/>
       </p:ext>
     </p:extLst>
   </p:cSld>
@@ -4945,7 +5455,7 @@
           <a:p>
             <a:fld id="{9901CBA2-7C9E-4AD6-B258-A0DB055BB3AF}" type="slidenum">
               <a:rPr lang="zh-CN" altLang="en-US" smtClean="0"/>
-              <a:t>23</a:t>
+              <a:t>17</a:t>
             </a:fld>
             <a:endParaRPr lang="zh-CN" altLang="en-US"/>
           </a:p>
@@ -4954,7 +5464,7 @@
     </p:spTree>
     <p:extLst>
       <p:ext uri="{BB962C8B-B14F-4D97-AF65-F5344CB8AC3E}">
-        <p14:creationId xmlns:p14="http://schemas.microsoft.com/office/powerpoint/2010/main" val="2700064975"/>
+        <p14:creationId xmlns:p14="http://schemas.microsoft.com/office/powerpoint/2010/main" val="781603725"/>
       </p:ext>
     </p:extLst>
   </p:cSld>
@@ -5008,6 +5518,26 @@
           <a:bodyPr/>
           <a:lstStyle/>
           <a:p>
+            <a:r>
+              <a:rPr lang="zh-CN" altLang="en-US" b="1" u="sng" dirty="0"/>
+              <a:t>文件 </a:t>
+            </a:r>
+            <a:r>
+              <a:rPr lang="en-US" altLang="zh-CN" b="1" u="sng" dirty="0"/>
+              <a:t>-&gt; </a:t>
+            </a:r>
+            <a:r>
+              <a:rPr lang="zh-CN" altLang="en-US" b="1" u="sng" dirty="0"/>
+              <a:t>打开文件夹</a:t>
+            </a:r>
+            <a:r>
+              <a:rPr lang="zh-CN" altLang="en-US" b="1" u="none" dirty="0"/>
+              <a:t>：</a:t>
+            </a:r>
+            <a:r>
+              <a:rPr lang="en-US" altLang="zh-CN" dirty="0"/>
+              <a:t>File -&gt; Open Folder</a:t>
+            </a:r>
             <a:endParaRPr lang="zh-CN" altLang="en-US" dirty="0"/>
           </a:p>
         </p:txBody>
@@ -5029,7 +5559,7 @@
           <a:p>
             <a:fld id="{9901CBA2-7C9E-4AD6-B258-A0DB055BB3AF}" type="slidenum">
               <a:rPr lang="zh-CN" altLang="en-US" smtClean="0"/>
-              <a:t>24</a:t>
+              <a:t>19</a:t>
             </a:fld>
             <a:endParaRPr lang="zh-CN" altLang="en-US"/>
           </a:p>
@@ -5038,7 +5568,7 @@
     </p:spTree>
     <p:extLst>
       <p:ext uri="{BB962C8B-B14F-4D97-AF65-F5344CB8AC3E}">
-        <p14:creationId xmlns:p14="http://schemas.microsoft.com/office/powerpoint/2010/main" val="3761428499"/>
+        <p14:creationId xmlns:p14="http://schemas.microsoft.com/office/powerpoint/2010/main" val="1228176123"/>
       </p:ext>
     </p:extLst>
   </p:cSld>
@@ -5092,7 +5622,24 @@
           <a:bodyPr/>
           <a:lstStyle/>
           <a:p>
-            <a:endParaRPr lang="zh-CN" altLang="en-US" dirty="0"/>
+            <a:r>
+              <a:rPr lang="zh-CN" altLang="en-US" b="1" u="sng" dirty="0"/>
+              <a:t>新建文件</a:t>
+            </a:r>
+            <a:r>
+              <a:rPr lang="zh-CN" altLang="en-US" dirty="0"/>
+              <a:t>：</a:t>
+            </a:r>
+            <a:r>
+              <a:rPr lang="en-US" altLang="zh-CN" dirty="0"/>
+              <a:t>New File</a:t>
+            </a:r>
+          </a:p>
+          <a:p>
+            <a:r>
+              <a:rPr lang="zh-CN" altLang="en-US" dirty="0"/>
+              <a:t>新建文件等操作的操作方式不止一种，可在熟悉后选择自己觉得方便的操作方式</a:t>
+            </a:r>
           </a:p>
         </p:txBody>
       </p:sp>
@@ -5113,7 +5660,7 @@
           <a:p>
             <a:fld id="{9901CBA2-7C9E-4AD6-B258-A0DB055BB3AF}" type="slidenum">
               <a:rPr lang="zh-CN" altLang="en-US" smtClean="0"/>
-              <a:t>25</a:t>
+              <a:t>21</a:t>
             </a:fld>
             <a:endParaRPr lang="zh-CN" altLang="en-US"/>
           </a:p>
@@ -5122,7 +5669,7 @@
     </p:spTree>
     <p:extLst>
       <p:ext uri="{BB962C8B-B14F-4D97-AF65-F5344CB8AC3E}">
-        <p14:creationId xmlns:p14="http://schemas.microsoft.com/office/powerpoint/2010/main" val="3250660397"/>
+        <p14:creationId xmlns:p14="http://schemas.microsoft.com/office/powerpoint/2010/main" val="835326293"/>
       </p:ext>
     </p:extLst>
   </p:cSld>
@@ -5176,130 +5723,6 @@
           <a:bodyPr/>
           <a:lstStyle/>
           <a:p>
-            <a:pPr marL="0" marR="0" lvl="0" indent="0" algn="l" defTabSz="914400" rtl="0" eaLnBrk="1" fontAlgn="auto" latinLnBrk="0" hangingPunct="1">
-              <a:lnSpc>
-                <a:spcPct val="100000"/>
-              </a:lnSpc>
-              <a:spcBef>
-                <a:spcPts val="0"/>
-              </a:spcBef>
-              <a:spcAft>
-                <a:spcPts val="0"/>
-              </a:spcAft>
-              <a:buClrTx/>
-              <a:buSzTx/>
-              <a:buFontTx/>
-              <a:buNone/>
-              <a:tabLst/>
-              <a:defRPr/>
-            </a:pPr>
-            <a:r>
-              <a:rPr lang="zh-CN" altLang="en-US" b="1" dirty="0"/>
-              <a:t>如果你是初学者，可选拓展部分可直接忽略，以后回来翻阅也不迟，避免增加学习负担。</a:t>
-            </a:r>
-            <a:endParaRPr lang="en-US" altLang="zh-CN" b="1" dirty="0"/>
-          </a:p>
-          <a:p>
-            <a:pPr marL="0" marR="0" lvl="0" indent="0" algn="l" defTabSz="914400" rtl="0" eaLnBrk="1" fontAlgn="auto" latinLnBrk="0" hangingPunct="1">
-              <a:lnSpc>
-                <a:spcPct val="100000"/>
-              </a:lnSpc>
-              <a:spcBef>
-                <a:spcPts val="0"/>
-              </a:spcBef>
-              <a:spcAft>
-                <a:spcPts val="0"/>
-              </a:spcAft>
-              <a:buClrTx/>
-              <a:buSzTx/>
-              <a:buFontTx/>
-              <a:buNone/>
-              <a:tabLst/>
-              <a:defRPr/>
-            </a:pPr>
-            <a:endParaRPr lang="en-US" altLang="zh-CN" dirty="0"/>
-          </a:p>
-          <a:p>
-            <a:pPr marL="0" marR="0" lvl="0" indent="0" algn="l" defTabSz="914400" rtl="0" eaLnBrk="1" fontAlgn="auto" latinLnBrk="0" hangingPunct="1">
-              <a:lnSpc>
-                <a:spcPct val="100000"/>
-              </a:lnSpc>
-              <a:spcBef>
-                <a:spcPts val="0"/>
-              </a:spcBef>
-              <a:spcAft>
-                <a:spcPts val="0"/>
-              </a:spcAft>
-              <a:buClrTx/>
-              <a:buSzTx/>
-              <a:buFontTx/>
-              <a:buNone/>
-              <a:tabLst/>
-              <a:defRPr/>
-            </a:pPr>
-            <a:r>
-              <a:rPr lang="zh-CN" altLang="en-US" dirty="0"/>
-              <a:t>可配置 </a:t>
-            </a:r>
-            <a:r>
-              <a:rPr lang="en-US" altLang="zh-CN" dirty="0"/>
-              <a:t>VS Code </a:t>
-            </a:r>
-            <a:r>
-              <a:rPr lang="zh-CN" altLang="en-US" dirty="0"/>
-              <a:t>只显示程序的输出，配置方法请参阅附录 </a:t>
-            </a:r>
-            <a:r>
-              <a:rPr lang="en-US" altLang="zh-CN" dirty="0"/>
-              <a:t>B</a:t>
-            </a:r>
-            <a:r>
-              <a:rPr lang="zh-CN" altLang="en-US" dirty="0"/>
-              <a:t>。</a:t>
-            </a:r>
-            <a:endParaRPr lang="en-US" altLang="zh-CN" dirty="0"/>
-          </a:p>
-          <a:p>
-            <a:r>
-              <a:rPr lang="zh-CN" altLang="en-US" dirty="0"/>
-              <a:t>对于尝试使用 </a:t>
-            </a:r>
-            <a:r>
-              <a:rPr lang="en-US" altLang="zh-CN" dirty="0"/>
-              <a:t>Linux </a:t>
-            </a:r>
-            <a:r>
-              <a:rPr lang="zh-CN" altLang="en-US" dirty="0"/>
-              <a:t>系统的同学，虚拟环境的配置是必学的，否则如果后续误执行 </a:t>
-            </a:r>
-            <a:r>
-              <a:rPr lang="en-US" altLang="zh-CN" dirty="0"/>
-              <a:t>`</a:t>
-            </a:r>
-            <a:r>
-              <a:rPr lang="en-US" altLang="zh-CN" dirty="0" err="1">
-                <a:highlight>
-                  <a:srgbClr val="C0C0C0"/>
-                </a:highlight>
-              </a:rPr>
-              <a:t>sudo</a:t>
-            </a:r>
-            <a:r>
-              <a:rPr lang="en-US" altLang="zh-CN" dirty="0">
-                <a:highlight>
-                  <a:srgbClr val="C0C0C0"/>
-                </a:highlight>
-              </a:rPr>
-              <a:t> pip` </a:t>
-            </a:r>
-            <a:r>
-              <a:rPr lang="zh-CN" altLang="en-US" dirty="0">
-                <a:highlight>
-                  <a:srgbClr val="C0C0C0"/>
-                </a:highlight>
-              </a:rPr>
-              <a:t>命令，可能会导致系统出错。</a:t>
-            </a:r>
             <a:endParaRPr lang="en-US" altLang="zh-CN" dirty="0"/>
           </a:p>
         </p:txBody>
@@ -5321,6 +5744,472 @@
           <a:p>
             <a:fld id="{9901CBA2-7C9E-4AD6-B258-A0DB055BB3AF}" type="slidenum">
               <a:rPr lang="zh-CN" altLang="en-US" smtClean="0"/>
+              <a:t>23</a:t>
+            </a:fld>
+            <a:endParaRPr lang="zh-CN" altLang="en-US"/>
+          </a:p>
+        </p:txBody>
+      </p:sp>
+    </p:spTree>
+    <p:extLst>
+      <p:ext uri="{BB962C8B-B14F-4D97-AF65-F5344CB8AC3E}">
+        <p14:creationId xmlns:p14="http://schemas.microsoft.com/office/powerpoint/2010/main" val="794091751"/>
+      </p:ext>
+    </p:extLst>
+  </p:cSld>
+  <p:clrMapOvr>
+    <a:masterClrMapping/>
+  </p:clrMapOvr>
+</p:notes>
+</file>
+
+<file path=ppt/notesSlides/notesSlide16.xml><?xml version="1.0" encoding="utf-8"?>
+<p:notes xmlns:a="http://schemas.openxmlformats.org/drawingml/2006/main" xmlns:r="http://schemas.openxmlformats.org/officeDocument/2006/relationships" xmlns:p="http://schemas.openxmlformats.org/presentationml/2006/main">
+  <p:cSld>
+    <p:spTree>
+      <p:nvGrpSpPr>
+        <p:cNvPr id="1" name=""/>
+        <p:cNvGrpSpPr/>
+        <p:nvPr/>
+      </p:nvGrpSpPr>
+      <p:grpSpPr>
+        <a:xfrm>
+          <a:off x="0" y="0"/>
+          <a:ext cx="0" cy="0"/>
+          <a:chOff x="0" y="0"/>
+          <a:chExt cx="0" cy="0"/>
+        </a:xfrm>
+      </p:grpSpPr>
+      <p:sp>
+        <p:nvSpPr>
+          <p:cNvPr id="2" name="幻灯片图像占位符 1"/>
+          <p:cNvSpPr>
+            <a:spLocks noGrp="1" noRot="1" noChangeAspect="1"/>
+          </p:cNvSpPr>
+          <p:nvPr>
+            <p:ph type="sldImg"/>
+          </p:nvPr>
+        </p:nvSpPr>
+        <p:spPr/>
+      </p:sp>
+      <p:sp>
+        <p:nvSpPr>
+          <p:cNvPr id="3" name="备注占位符 2"/>
+          <p:cNvSpPr>
+            <a:spLocks noGrp="1"/>
+          </p:cNvSpPr>
+          <p:nvPr>
+            <p:ph type="body" idx="1"/>
+          </p:nvPr>
+        </p:nvSpPr>
+        <p:spPr/>
+        <p:txBody>
+          <a:bodyPr/>
+          <a:lstStyle/>
+          <a:p>
+            <a:endParaRPr lang="en-US" altLang="zh-CN" dirty="0"/>
+          </a:p>
+        </p:txBody>
+      </p:sp>
+      <p:sp>
+        <p:nvSpPr>
+          <p:cNvPr id="4" name="灯片编号占位符 3"/>
+          <p:cNvSpPr>
+            <a:spLocks noGrp="1"/>
+          </p:cNvSpPr>
+          <p:nvPr>
+            <p:ph type="sldNum" sz="quarter" idx="5"/>
+          </p:nvPr>
+        </p:nvSpPr>
+        <p:spPr/>
+        <p:txBody>
+          <a:bodyPr/>
+          <a:lstStyle/>
+          <a:p>
+            <a:fld id="{9901CBA2-7C9E-4AD6-B258-A0DB055BB3AF}" type="slidenum">
+              <a:rPr lang="zh-CN" altLang="en-US" smtClean="0"/>
+              <a:t>24</a:t>
+            </a:fld>
+            <a:endParaRPr lang="zh-CN" altLang="en-US"/>
+          </a:p>
+        </p:txBody>
+      </p:sp>
+    </p:spTree>
+    <p:extLst>
+      <p:ext uri="{BB962C8B-B14F-4D97-AF65-F5344CB8AC3E}">
+        <p14:creationId xmlns:p14="http://schemas.microsoft.com/office/powerpoint/2010/main" val="1857318311"/>
+      </p:ext>
+    </p:extLst>
+  </p:cSld>
+  <p:clrMapOvr>
+    <a:masterClrMapping/>
+  </p:clrMapOvr>
+</p:notes>
+</file>
+
+<file path=ppt/notesSlides/notesSlide17.xml><?xml version="1.0" encoding="utf-8"?>
+<p:notes xmlns:a="http://schemas.openxmlformats.org/drawingml/2006/main" xmlns:r="http://schemas.openxmlformats.org/officeDocument/2006/relationships" xmlns:p="http://schemas.openxmlformats.org/presentationml/2006/main">
+  <p:cSld>
+    <p:spTree>
+      <p:nvGrpSpPr>
+        <p:cNvPr id="1" name=""/>
+        <p:cNvGrpSpPr/>
+        <p:nvPr/>
+      </p:nvGrpSpPr>
+      <p:grpSpPr>
+        <a:xfrm>
+          <a:off x="0" y="0"/>
+          <a:ext cx="0" cy="0"/>
+          <a:chOff x="0" y="0"/>
+          <a:chExt cx="0" cy="0"/>
+        </a:xfrm>
+      </p:grpSpPr>
+      <p:sp>
+        <p:nvSpPr>
+          <p:cNvPr id="2" name="幻灯片图像占位符 1"/>
+          <p:cNvSpPr>
+            <a:spLocks noGrp="1" noRot="1" noChangeAspect="1"/>
+          </p:cNvSpPr>
+          <p:nvPr>
+            <p:ph type="sldImg"/>
+          </p:nvPr>
+        </p:nvSpPr>
+        <p:spPr/>
+      </p:sp>
+      <p:sp>
+        <p:nvSpPr>
+          <p:cNvPr id="3" name="备注占位符 2"/>
+          <p:cNvSpPr>
+            <a:spLocks noGrp="1"/>
+          </p:cNvSpPr>
+          <p:nvPr>
+            <p:ph type="body" idx="1"/>
+          </p:nvPr>
+        </p:nvSpPr>
+        <p:spPr/>
+        <p:txBody>
+          <a:bodyPr/>
+          <a:lstStyle/>
+          <a:p>
+            <a:r>
+              <a:rPr lang="zh-CN" altLang="en-US" dirty="0"/>
+              <a:t>编辑器中输入的内容一般都是临时的，所以强调一下：</a:t>
+            </a:r>
+            <a:endParaRPr lang="en-US" altLang="zh-CN" dirty="0"/>
+          </a:p>
+          <a:p>
+            <a:r>
+              <a:rPr lang="zh-CN" altLang="en-US" dirty="0"/>
+              <a:t>一定不要忘记编辑文件后，要及时保存！</a:t>
+            </a:r>
+            <a:endParaRPr lang="en-US" altLang="zh-CN" dirty="0"/>
+          </a:p>
+          <a:p>
+            <a:r>
+              <a:rPr lang="zh-CN" altLang="en-US" dirty="0"/>
+              <a:t>一定不要忘记编辑文件后，要及时保存！</a:t>
+            </a:r>
+            <a:endParaRPr lang="en-US" altLang="zh-CN" dirty="0"/>
+          </a:p>
+          <a:p>
+            <a:r>
+              <a:rPr lang="zh-CN" altLang="en-US" dirty="0"/>
+              <a:t>一定不要忘记编辑文件后，要及时保存！</a:t>
+            </a:r>
+            <a:endParaRPr lang="en-US" altLang="zh-CN" dirty="0"/>
+          </a:p>
+          <a:p>
+            <a:endParaRPr lang="en-US" altLang="zh-CN" dirty="0"/>
+          </a:p>
+          <a:p>
+            <a:r>
+              <a:rPr lang="zh-CN" altLang="en-US" dirty="0"/>
+              <a:t>可以使用快捷键 </a:t>
+            </a:r>
+            <a:r>
+              <a:rPr lang="en-US" altLang="zh-CN" dirty="0"/>
+              <a:t>Ctrl + S </a:t>
+            </a:r>
+            <a:r>
+              <a:rPr lang="zh-CN" altLang="en-US" dirty="0"/>
+              <a:t>来快速完成保存操作</a:t>
+            </a:r>
+            <a:endParaRPr lang="en-US" altLang="zh-CN" dirty="0"/>
+          </a:p>
+        </p:txBody>
+      </p:sp>
+      <p:sp>
+        <p:nvSpPr>
+          <p:cNvPr id="4" name="灯片编号占位符 3"/>
+          <p:cNvSpPr>
+            <a:spLocks noGrp="1"/>
+          </p:cNvSpPr>
+          <p:nvPr>
+            <p:ph type="sldNum" sz="quarter" idx="5"/>
+          </p:nvPr>
+        </p:nvSpPr>
+        <p:spPr/>
+        <p:txBody>
+          <a:bodyPr/>
+          <a:lstStyle/>
+          <a:p>
+            <a:fld id="{9901CBA2-7C9E-4AD6-B258-A0DB055BB3AF}" type="slidenum">
+              <a:rPr lang="zh-CN" altLang="en-US" smtClean="0"/>
+              <a:t>25</a:t>
+            </a:fld>
+            <a:endParaRPr lang="zh-CN" altLang="en-US"/>
+          </a:p>
+        </p:txBody>
+      </p:sp>
+    </p:spTree>
+    <p:extLst>
+      <p:ext uri="{BB962C8B-B14F-4D97-AF65-F5344CB8AC3E}">
+        <p14:creationId xmlns:p14="http://schemas.microsoft.com/office/powerpoint/2010/main" val="3383538170"/>
+      </p:ext>
+    </p:extLst>
+  </p:cSld>
+  <p:clrMapOvr>
+    <a:masterClrMapping/>
+  </p:clrMapOvr>
+</p:notes>
+</file>
+
+<file path=ppt/notesSlides/notesSlide18.xml><?xml version="1.0" encoding="utf-8"?>
+<p:notes xmlns:a="http://schemas.openxmlformats.org/drawingml/2006/main" xmlns:r="http://schemas.openxmlformats.org/officeDocument/2006/relationships" xmlns:p="http://schemas.openxmlformats.org/presentationml/2006/main">
+  <p:cSld>
+    <p:spTree>
+      <p:nvGrpSpPr>
+        <p:cNvPr id="1" name=""/>
+        <p:cNvGrpSpPr/>
+        <p:nvPr/>
+      </p:nvGrpSpPr>
+      <p:grpSpPr>
+        <a:xfrm>
+          <a:off x="0" y="0"/>
+          <a:ext cx="0" cy="0"/>
+          <a:chOff x="0" y="0"/>
+          <a:chExt cx="0" cy="0"/>
+        </a:xfrm>
+      </p:grpSpPr>
+      <p:sp>
+        <p:nvSpPr>
+          <p:cNvPr id="2" name="幻灯片图像占位符 1"/>
+          <p:cNvSpPr>
+            <a:spLocks noGrp="1" noRot="1" noChangeAspect="1"/>
+          </p:cNvSpPr>
+          <p:nvPr>
+            <p:ph type="sldImg"/>
+          </p:nvPr>
+        </p:nvSpPr>
+        <p:spPr/>
+      </p:sp>
+      <p:sp>
+        <p:nvSpPr>
+          <p:cNvPr id="3" name="备注占位符 2"/>
+          <p:cNvSpPr>
+            <a:spLocks noGrp="1"/>
+          </p:cNvSpPr>
+          <p:nvPr>
+            <p:ph type="body" idx="1"/>
+          </p:nvPr>
+        </p:nvSpPr>
+        <p:spPr/>
+        <p:txBody>
+          <a:bodyPr/>
+          <a:lstStyle/>
+          <a:p>
+            <a:r>
+              <a:rPr lang="zh-CN" altLang="en-US" dirty="0"/>
+              <a:t>编辑器中输入的内容一般都是临时的，所以强调一下：</a:t>
+            </a:r>
+            <a:endParaRPr lang="en-US" altLang="zh-CN" dirty="0"/>
+          </a:p>
+          <a:p>
+            <a:r>
+              <a:rPr lang="zh-CN" altLang="en-US" dirty="0"/>
+              <a:t>一定不要忘记编辑文件后，要及时保存！</a:t>
+            </a:r>
+            <a:endParaRPr lang="en-US" altLang="zh-CN" dirty="0"/>
+          </a:p>
+          <a:p>
+            <a:r>
+              <a:rPr lang="zh-CN" altLang="en-US" dirty="0"/>
+              <a:t>一定不要忘记编辑文件后，要及时保存！</a:t>
+            </a:r>
+            <a:endParaRPr lang="en-US" altLang="zh-CN" dirty="0"/>
+          </a:p>
+          <a:p>
+            <a:r>
+              <a:rPr lang="zh-CN" altLang="en-US" dirty="0"/>
+              <a:t>一定不要忘记编辑文件后，要及时保存！</a:t>
+            </a:r>
+            <a:endParaRPr lang="en-US" altLang="zh-CN" dirty="0"/>
+          </a:p>
+          <a:p>
+            <a:endParaRPr lang="en-US" altLang="zh-CN" dirty="0"/>
+          </a:p>
+          <a:p>
+            <a:r>
+              <a:rPr lang="zh-CN" altLang="en-US" dirty="0"/>
+              <a:t>可以使用快捷键 </a:t>
+            </a:r>
+            <a:r>
+              <a:rPr lang="en-US" altLang="zh-CN" dirty="0"/>
+              <a:t>Ctrl + S </a:t>
+            </a:r>
+            <a:r>
+              <a:rPr lang="zh-CN" altLang="en-US" dirty="0"/>
+              <a:t>来快速完成保存操作</a:t>
+            </a:r>
+            <a:endParaRPr lang="en-US" altLang="zh-CN" dirty="0"/>
+          </a:p>
+        </p:txBody>
+      </p:sp>
+      <p:sp>
+        <p:nvSpPr>
+          <p:cNvPr id="4" name="灯片编号占位符 3"/>
+          <p:cNvSpPr>
+            <a:spLocks noGrp="1"/>
+          </p:cNvSpPr>
+          <p:nvPr>
+            <p:ph type="sldNum" sz="quarter" idx="5"/>
+          </p:nvPr>
+        </p:nvSpPr>
+        <p:spPr/>
+        <p:txBody>
+          <a:bodyPr/>
+          <a:lstStyle/>
+          <a:p>
+            <a:fld id="{9901CBA2-7C9E-4AD6-B258-A0DB055BB3AF}" type="slidenum">
+              <a:rPr lang="zh-CN" altLang="en-US" smtClean="0"/>
+              <a:t>26</a:t>
+            </a:fld>
+            <a:endParaRPr lang="zh-CN" altLang="en-US"/>
+          </a:p>
+        </p:txBody>
+      </p:sp>
+    </p:spTree>
+    <p:extLst>
+      <p:ext uri="{BB962C8B-B14F-4D97-AF65-F5344CB8AC3E}">
+        <p14:creationId xmlns:p14="http://schemas.microsoft.com/office/powerpoint/2010/main" val="507105514"/>
+      </p:ext>
+    </p:extLst>
+  </p:cSld>
+  <p:clrMapOvr>
+    <a:masterClrMapping/>
+  </p:clrMapOvr>
+</p:notes>
+</file>
+
+<file path=ppt/notesSlides/notesSlide19.xml><?xml version="1.0" encoding="utf-8"?>
+<p:notes xmlns:a="http://schemas.openxmlformats.org/drawingml/2006/main" xmlns:r="http://schemas.openxmlformats.org/officeDocument/2006/relationships" xmlns:p="http://schemas.openxmlformats.org/presentationml/2006/main">
+  <p:cSld>
+    <p:spTree>
+      <p:nvGrpSpPr>
+        <p:cNvPr id="1" name=""/>
+        <p:cNvGrpSpPr/>
+        <p:nvPr/>
+      </p:nvGrpSpPr>
+      <p:grpSpPr>
+        <a:xfrm>
+          <a:off x="0" y="0"/>
+          <a:ext cx="0" cy="0"/>
+          <a:chOff x="0" y="0"/>
+          <a:chExt cx="0" cy="0"/>
+        </a:xfrm>
+      </p:grpSpPr>
+      <p:sp>
+        <p:nvSpPr>
+          <p:cNvPr id="2" name="幻灯片图像占位符 1"/>
+          <p:cNvSpPr>
+            <a:spLocks noGrp="1" noRot="1" noChangeAspect="1"/>
+          </p:cNvSpPr>
+          <p:nvPr>
+            <p:ph type="sldImg"/>
+          </p:nvPr>
+        </p:nvSpPr>
+        <p:spPr/>
+      </p:sp>
+      <p:sp>
+        <p:nvSpPr>
+          <p:cNvPr id="3" name="备注占位符 2"/>
+          <p:cNvSpPr>
+            <a:spLocks noGrp="1"/>
+          </p:cNvSpPr>
+          <p:nvPr>
+            <p:ph type="body" idx="1"/>
+          </p:nvPr>
+        </p:nvSpPr>
+        <p:spPr/>
+        <p:txBody>
+          <a:bodyPr/>
+          <a:lstStyle/>
+          <a:p>
+            <a:r>
+              <a:rPr lang="zh-CN" altLang="en-US" dirty="0"/>
+              <a:t>在打开文件后，上边的菜单栏可能会隐藏，此时只要点击左上角的“三个横”图标，就能看到被隐藏的菜单选项了</a:t>
+            </a:r>
+            <a:endParaRPr lang="en-US" altLang="zh-CN" dirty="0"/>
+          </a:p>
+          <a:p>
+            <a:r>
+              <a:rPr lang="zh-CN" altLang="en-US" dirty="0"/>
+              <a:t>在你熟悉使用以后，也可以通过快捷键的方式来运行程序，快捷键一般会显示在选项的最右侧（这里就不演示了）</a:t>
+            </a:r>
+            <a:endParaRPr lang="en-US" altLang="zh-CN" dirty="0"/>
+          </a:p>
+          <a:p>
+            <a:r>
+              <a:rPr lang="zh-CN" altLang="en-US" b="1" u="sng" dirty="0">
+                <a:latin typeface="Consolas" panose="020B0609020204030204" pitchFamily="49" charset="0"/>
+              </a:rPr>
+              <a:t>运行</a:t>
+            </a:r>
+            <a:r>
+              <a:rPr lang="en-US" altLang="zh-CN" b="1" u="sng" dirty="0">
+                <a:latin typeface="Consolas" panose="020B0609020204030204" pitchFamily="49" charset="0"/>
+              </a:rPr>
+              <a:t> -&gt; </a:t>
+            </a:r>
+            <a:r>
+              <a:rPr lang="zh-CN" altLang="en-US" b="1" u="sng" dirty="0">
+                <a:latin typeface="Consolas" panose="020B0609020204030204" pitchFamily="49" charset="0"/>
+              </a:rPr>
+              <a:t>以非调试模式运行</a:t>
+            </a:r>
+            <a:r>
+              <a:rPr lang="zh-CN" altLang="en-US" b="0" u="none" dirty="0">
+                <a:latin typeface="Consolas" panose="020B0609020204030204" pitchFamily="49" charset="0"/>
+              </a:rPr>
+              <a:t>：</a:t>
+            </a:r>
+            <a:r>
+              <a:rPr lang="en-US" altLang="zh-CN" b="0" u="none" dirty="0">
+                <a:latin typeface="Consolas" panose="020B0609020204030204" pitchFamily="49" charset="0"/>
+              </a:rPr>
+              <a:t>Run -&gt; Run Without Debugging</a:t>
+            </a:r>
+            <a:endParaRPr lang="en-US" altLang="zh-CN" b="0" u="none" dirty="0"/>
+          </a:p>
+        </p:txBody>
+      </p:sp>
+      <p:sp>
+        <p:nvSpPr>
+          <p:cNvPr id="4" name="灯片编号占位符 3"/>
+          <p:cNvSpPr>
+            <a:spLocks noGrp="1"/>
+          </p:cNvSpPr>
+          <p:nvPr>
+            <p:ph type="sldNum" sz="quarter" idx="5"/>
+          </p:nvPr>
+        </p:nvSpPr>
+        <p:spPr/>
+        <p:txBody>
+          <a:bodyPr/>
+          <a:lstStyle/>
+          <a:p>
+            <a:fld id="{9901CBA2-7C9E-4AD6-B258-A0DB055BB3AF}" type="slidenum">
+              <a:rPr lang="zh-CN" altLang="en-US" smtClean="0"/>
               <a:t>27</a:t>
             </a:fld>
             <a:endParaRPr lang="zh-CN" altLang="en-US"/>
@@ -5330,7 +6219,7 @@
     </p:spTree>
     <p:extLst>
       <p:ext uri="{BB962C8B-B14F-4D97-AF65-F5344CB8AC3E}">
-        <p14:creationId xmlns:p14="http://schemas.microsoft.com/office/powerpoint/2010/main" val="1632987213"/>
+        <p14:creationId xmlns:p14="http://schemas.microsoft.com/office/powerpoint/2010/main" val="2020201082"/>
       </p:ext>
     </p:extLst>
   </p:cSld>
@@ -5386,7 +6275,7 @@
           <a:p>
             <a:r>
               <a:rPr lang="zh-CN" altLang="en-US" dirty="0"/>
-              <a:t>左图为著名编程语言网站的趋势榜，右图为身为终身仁慈独裁者的</a:t>
+              <a:t>左图是著名编程语言网站的趋势榜，右图是身为终身仁慈独裁者的 </a:t>
             </a:r>
             <a:r>
               <a:rPr lang="en-US" altLang="zh-CN" dirty="0">
@@ -5500,6 +6389,663 @@
     <p:extLst>
       <p:ext uri="{BB962C8B-B14F-4D97-AF65-F5344CB8AC3E}">
         <p14:creationId xmlns:p14="http://schemas.microsoft.com/office/powerpoint/2010/main" val="185375993"/>
+      </p:ext>
+    </p:extLst>
+  </p:cSld>
+  <p:clrMapOvr>
+    <a:masterClrMapping/>
+  </p:clrMapOvr>
+</p:notes>
+</file>
+
+<file path=ppt/notesSlides/notesSlide20.xml><?xml version="1.0" encoding="utf-8"?>
+<p:notes xmlns:a="http://schemas.openxmlformats.org/drawingml/2006/main" xmlns:r="http://schemas.openxmlformats.org/officeDocument/2006/relationships" xmlns:p="http://schemas.openxmlformats.org/presentationml/2006/main">
+  <p:cSld>
+    <p:spTree>
+      <p:nvGrpSpPr>
+        <p:cNvPr id="1" name=""/>
+        <p:cNvGrpSpPr/>
+        <p:nvPr/>
+      </p:nvGrpSpPr>
+      <p:grpSpPr>
+        <a:xfrm>
+          <a:off x="0" y="0"/>
+          <a:ext cx="0" cy="0"/>
+          <a:chOff x="0" y="0"/>
+          <a:chExt cx="0" cy="0"/>
+        </a:xfrm>
+      </p:grpSpPr>
+      <p:sp>
+        <p:nvSpPr>
+          <p:cNvPr id="2" name="幻灯片图像占位符 1"/>
+          <p:cNvSpPr>
+            <a:spLocks noGrp="1" noRot="1" noChangeAspect="1"/>
+          </p:cNvSpPr>
+          <p:nvPr>
+            <p:ph type="sldImg"/>
+          </p:nvPr>
+        </p:nvSpPr>
+        <p:spPr/>
+      </p:sp>
+      <p:sp>
+        <p:nvSpPr>
+          <p:cNvPr id="3" name="备注占位符 2"/>
+          <p:cNvSpPr>
+            <a:spLocks noGrp="1"/>
+          </p:cNvSpPr>
+          <p:nvPr>
+            <p:ph type="body" idx="1"/>
+          </p:nvPr>
+        </p:nvSpPr>
+        <p:spPr/>
+        <p:txBody>
+          <a:bodyPr/>
+          <a:lstStyle/>
+          <a:p>
+            <a:r>
+              <a:rPr lang="zh-CN" altLang="en-US" dirty="0"/>
+              <a:t>终端：</a:t>
+            </a:r>
+            <a:r>
+              <a:rPr lang="en-US" altLang="zh-CN" dirty="0"/>
+              <a:t>Terminal</a:t>
+            </a:r>
+          </a:p>
+        </p:txBody>
+      </p:sp>
+      <p:sp>
+        <p:nvSpPr>
+          <p:cNvPr id="4" name="灯片编号占位符 3"/>
+          <p:cNvSpPr>
+            <a:spLocks noGrp="1"/>
+          </p:cNvSpPr>
+          <p:nvPr>
+            <p:ph type="sldNum" sz="quarter" idx="5"/>
+          </p:nvPr>
+        </p:nvSpPr>
+        <p:spPr/>
+        <p:txBody>
+          <a:bodyPr/>
+          <a:lstStyle/>
+          <a:p>
+            <a:fld id="{9901CBA2-7C9E-4AD6-B258-A0DB055BB3AF}" type="slidenum">
+              <a:rPr lang="zh-CN" altLang="en-US" smtClean="0"/>
+              <a:t>28</a:t>
+            </a:fld>
+            <a:endParaRPr lang="zh-CN" altLang="en-US"/>
+          </a:p>
+        </p:txBody>
+      </p:sp>
+    </p:spTree>
+    <p:extLst>
+      <p:ext uri="{BB962C8B-B14F-4D97-AF65-F5344CB8AC3E}">
+        <p14:creationId xmlns:p14="http://schemas.microsoft.com/office/powerpoint/2010/main" val="1907829771"/>
+      </p:ext>
+    </p:extLst>
+  </p:cSld>
+  <p:clrMapOvr>
+    <a:masterClrMapping/>
+  </p:clrMapOvr>
+</p:notes>
+</file>
+
+<file path=ppt/notesSlides/notesSlide21.xml><?xml version="1.0" encoding="utf-8"?>
+<p:notes xmlns:a="http://schemas.openxmlformats.org/drawingml/2006/main" xmlns:r="http://schemas.openxmlformats.org/officeDocument/2006/relationships" xmlns:p="http://schemas.openxmlformats.org/presentationml/2006/main">
+  <p:cSld>
+    <p:spTree>
+      <p:nvGrpSpPr>
+        <p:cNvPr id="1" name=""/>
+        <p:cNvGrpSpPr/>
+        <p:nvPr/>
+      </p:nvGrpSpPr>
+      <p:grpSpPr>
+        <a:xfrm>
+          <a:off x="0" y="0"/>
+          <a:ext cx="0" cy="0"/>
+          <a:chOff x="0" y="0"/>
+          <a:chExt cx="0" cy="0"/>
+        </a:xfrm>
+      </p:grpSpPr>
+      <p:sp>
+        <p:nvSpPr>
+          <p:cNvPr id="2" name="幻灯片图像占位符 1"/>
+          <p:cNvSpPr>
+            <a:spLocks noGrp="1" noRot="1" noChangeAspect="1"/>
+          </p:cNvSpPr>
+          <p:nvPr>
+            <p:ph type="sldImg"/>
+          </p:nvPr>
+        </p:nvSpPr>
+        <p:spPr/>
+      </p:sp>
+      <p:sp>
+        <p:nvSpPr>
+          <p:cNvPr id="3" name="备注占位符 2"/>
+          <p:cNvSpPr>
+            <a:spLocks noGrp="1"/>
+          </p:cNvSpPr>
+          <p:nvPr>
+            <p:ph type="body" idx="1"/>
+          </p:nvPr>
+        </p:nvSpPr>
+        <p:spPr/>
+        <p:txBody>
+          <a:bodyPr/>
+          <a:lstStyle/>
+          <a:p>
+            <a:r>
+              <a:rPr lang="zh-CN" altLang="en-US" sz="1800" b="0" i="0" u="none" strike="noStrike" baseline="0" dirty="0">
+                <a:latin typeface="FZSSJW--GB1-0"/>
+              </a:rPr>
+              <a:t>附录 </a:t>
+            </a:r>
+            <a:r>
+              <a:rPr lang="en-US" altLang="zh-CN" sz="1800" b="0" i="0" u="none" strike="noStrike" baseline="0" dirty="0">
+                <a:latin typeface="TimesNewRoman"/>
+              </a:rPr>
+              <a:t>C </a:t>
+            </a:r>
+            <a:r>
+              <a:rPr lang="zh-CN" altLang="en-US" sz="1800" b="0" i="0" u="none" strike="noStrike" baseline="0" dirty="0">
+                <a:latin typeface="FZSSJW--GB1-0"/>
+              </a:rPr>
+              <a:t>提供了很多在线资源，如论坛或在线聊天网站</a:t>
+            </a:r>
+            <a:endParaRPr lang="zh-CN" altLang="en-US" dirty="0"/>
+          </a:p>
+        </p:txBody>
+      </p:sp>
+      <p:sp>
+        <p:nvSpPr>
+          <p:cNvPr id="4" name="灯片编号占位符 3"/>
+          <p:cNvSpPr>
+            <a:spLocks noGrp="1"/>
+          </p:cNvSpPr>
+          <p:nvPr>
+            <p:ph type="sldNum" sz="quarter" idx="5"/>
+          </p:nvPr>
+        </p:nvSpPr>
+        <p:spPr/>
+        <p:txBody>
+          <a:bodyPr/>
+          <a:lstStyle/>
+          <a:p>
+            <a:fld id="{9901CBA2-7C9E-4AD6-B258-A0DB055BB3AF}" type="slidenum">
+              <a:rPr lang="zh-CN" altLang="en-US" smtClean="0"/>
+              <a:t>29</a:t>
+            </a:fld>
+            <a:endParaRPr lang="zh-CN" altLang="en-US"/>
+          </a:p>
+        </p:txBody>
+      </p:sp>
+    </p:spTree>
+    <p:extLst>
+      <p:ext uri="{BB962C8B-B14F-4D97-AF65-F5344CB8AC3E}">
+        <p14:creationId xmlns:p14="http://schemas.microsoft.com/office/powerpoint/2010/main" val="1308399219"/>
+      </p:ext>
+    </p:extLst>
+  </p:cSld>
+  <p:clrMapOvr>
+    <a:masterClrMapping/>
+  </p:clrMapOvr>
+</p:notes>
+</file>
+
+<file path=ppt/notesSlides/notesSlide22.xml><?xml version="1.0" encoding="utf-8"?>
+<p:notes xmlns:a="http://schemas.openxmlformats.org/drawingml/2006/main" xmlns:r="http://schemas.openxmlformats.org/officeDocument/2006/relationships" xmlns:p="http://schemas.openxmlformats.org/presentationml/2006/main">
+  <p:cSld>
+    <p:spTree>
+      <p:nvGrpSpPr>
+        <p:cNvPr id="1" name=""/>
+        <p:cNvGrpSpPr/>
+        <p:nvPr/>
+      </p:nvGrpSpPr>
+      <p:grpSpPr>
+        <a:xfrm>
+          <a:off x="0" y="0"/>
+          <a:ext cx="0" cy="0"/>
+          <a:chOff x="0" y="0"/>
+          <a:chExt cx="0" cy="0"/>
+        </a:xfrm>
+      </p:grpSpPr>
+      <p:sp>
+        <p:nvSpPr>
+          <p:cNvPr id="2" name="幻灯片图像占位符 1"/>
+          <p:cNvSpPr>
+            <a:spLocks noGrp="1" noRot="1" noChangeAspect="1"/>
+          </p:cNvSpPr>
+          <p:nvPr>
+            <p:ph type="sldImg"/>
+          </p:nvPr>
+        </p:nvSpPr>
+        <p:spPr/>
+      </p:sp>
+      <p:sp>
+        <p:nvSpPr>
+          <p:cNvPr id="3" name="备注占位符 2"/>
+          <p:cNvSpPr>
+            <a:spLocks noGrp="1"/>
+          </p:cNvSpPr>
+          <p:nvPr>
+            <p:ph type="body" idx="1"/>
+          </p:nvPr>
+        </p:nvSpPr>
+        <p:spPr/>
+        <p:txBody>
+          <a:bodyPr/>
+          <a:lstStyle/>
+          <a:p>
+            <a:endParaRPr lang="zh-CN" altLang="en-US" dirty="0"/>
+          </a:p>
+        </p:txBody>
+      </p:sp>
+      <p:sp>
+        <p:nvSpPr>
+          <p:cNvPr id="4" name="灯片编号占位符 3"/>
+          <p:cNvSpPr>
+            <a:spLocks noGrp="1"/>
+          </p:cNvSpPr>
+          <p:nvPr>
+            <p:ph type="sldNum" sz="quarter" idx="5"/>
+          </p:nvPr>
+        </p:nvSpPr>
+        <p:spPr/>
+        <p:txBody>
+          <a:bodyPr/>
+          <a:lstStyle/>
+          <a:p>
+            <a:fld id="{9901CBA2-7C9E-4AD6-B258-A0DB055BB3AF}" type="slidenum">
+              <a:rPr lang="zh-CN" altLang="en-US" smtClean="0"/>
+              <a:t>30</a:t>
+            </a:fld>
+            <a:endParaRPr lang="zh-CN" altLang="en-US"/>
+          </a:p>
+        </p:txBody>
+      </p:sp>
+    </p:spTree>
+    <p:extLst>
+      <p:ext uri="{BB962C8B-B14F-4D97-AF65-F5344CB8AC3E}">
+        <p14:creationId xmlns:p14="http://schemas.microsoft.com/office/powerpoint/2010/main" val="2700064975"/>
+      </p:ext>
+    </p:extLst>
+  </p:cSld>
+  <p:clrMapOvr>
+    <a:masterClrMapping/>
+  </p:clrMapOvr>
+</p:notes>
+</file>
+
+<file path=ppt/notesSlides/notesSlide23.xml><?xml version="1.0" encoding="utf-8"?>
+<p:notes xmlns:a="http://schemas.openxmlformats.org/drawingml/2006/main" xmlns:r="http://schemas.openxmlformats.org/officeDocument/2006/relationships" xmlns:p="http://schemas.openxmlformats.org/presentationml/2006/main">
+  <p:cSld>
+    <p:spTree>
+      <p:nvGrpSpPr>
+        <p:cNvPr id="1" name=""/>
+        <p:cNvGrpSpPr/>
+        <p:nvPr/>
+      </p:nvGrpSpPr>
+      <p:grpSpPr>
+        <a:xfrm>
+          <a:off x="0" y="0"/>
+          <a:ext cx="0" cy="0"/>
+          <a:chOff x="0" y="0"/>
+          <a:chExt cx="0" cy="0"/>
+        </a:xfrm>
+      </p:grpSpPr>
+      <p:sp>
+        <p:nvSpPr>
+          <p:cNvPr id="2" name="幻灯片图像占位符 1"/>
+          <p:cNvSpPr>
+            <a:spLocks noGrp="1" noRot="1" noChangeAspect="1"/>
+          </p:cNvSpPr>
+          <p:nvPr>
+            <p:ph type="sldImg"/>
+          </p:nvPr>
+        </p:nvSpPr>
+        <p:spPr/>
+      </p:sp>
+      <p:sp>
+        <p:nvSpPr>
+          <p:cNvPr id="3" name="备注占位符 2"/>
+          <p:cNvSpPr>
+            <a:spLocks noGrp="1"/>
+          </p:cNvSpPr>
+          <p:nvPr>
+            <p:ph type="body" idx="1"/>
+          </p:nvPr>
+        </p:nvSpPr>
+        <p:spPr/>
+        <p:txBody>
+          <a:bodyPr/>
+          <a:lstStyle/>
+          <a:p>
+            <a:endParaRPr lang="zh-CN" altLang="en-US" dirty="0"/>
+          </a:p>
+        </p:txBody>
+      </p:sp>
+      <p:sp>
+        <p:nvSpPr>
+          <p:cNvPr id="4" name="灯片编号占位符 3"/>
+          <p:cNvSpPr>
+            <a:spLocks noGrp="1"/>
+          </p:cNvSpPr>
+          <p:nvPr>
+            <p:ph type="sldNum" sz="quarter" idx="5"/>
+          </p:nvPr>
+        </p:nvSpPr>
+        <p:spPr/>
+        <p:txBody>
+          <a:bodyPr/>
+          <a:lstStyle/>
+          <a:p>
+            <a:fld id="{9901CBA2-7C9E-4AD6-B258-A0DB055BB3AF}" type="slidenum">
+              <a:rPr lang="zh-CN" altLang="en-US" smtClean="0"/>
+              <a:t>31</a:t>
+            </a:fld>
+            <a:endParaRPr lang="zh-CN" altLang="en-US"/>
+          </a:p>
+        </p:txBody>
+      </p:sp>
+    </p:spTree>
+    <p:extLst>
+      <p:ext uri="{BB962C8B-B14F-4D97-AF65-F5344CB8AC3E}">
+        <p14:creationId xmlns:p14="http://schemas.microsoft.com/office/powerpoint/2010/main" val="3761428499"/>
+      </p:ext>
+    </p:extLst>
+  </p:cSld>
+  <p:clrMapOvr>
+    <a:masterClrMapping/>
+  </p:clrMapOvr>
+</p:notes>
+</file>
+
+<file path=ppt/notesSlides/notesSlide24.xml><?xml version="1.0" encoding="utf-8"?>
+<p:notes xmlns:a="http://schemas.openxmlformats.org/drawingml/2006/main" xmlns:r="http://schemas.openxmlformats.org/officeDocument/2006/relationships" xmlns:p="http://schemas.openxmlformats.org/presentationml/2006/main">
+  <p:cSld>
+    <p:spTree>
+      <p:nvGrpSpPr>
+        <p:cNvPr id="1" name=""/>
+        <p:cNvGrpSpPr/>
+        <p:nvPr/>
+      </p:nvGrpSpPr>
+      <p:grpSpPr>
+        <a:xfrm>
+          <a:off x="0" y="0"/>
+          <a:ext cx="0" cy="0"/>
+          <a:chOff x="0" y="0"/>
+          <a:chExt cx="0" cy="0"/>
+        </a:xfrm>
+      </p:grpSpPr>
+      <p:sp>
+        <p:nvSpPr>
+          <p:cNvPr id="2" name="幻灯片图像占位符 1"/>
+          <p:cNvSpPr>
+            <a:spLocks noGrp="1" noRot="1" noChangeAspect="1"/>
+          </p:cNvSpPr>
+          <p:nvPr>
+            <p:ph type="sldImg"/>
+          </p:nvPr>
+        </p:nvSpPr>
+        <p:spPr/>
+      </p:sp>
+      <p:sp>
+        <p:nvSpPr>
+          <p:cNvPr id="3" name="备注占位符 2"/>
+          <p:cNvSpPr>
+            <a:spLocks noGrp="1"/>
+          </p:cNvSpPr>
+          <p:nvPr>
+            <p:ph type="body" idx="1"/>
+          </p:nvPr>
+        </p:nvSpPr>
+        <p:spPr/>
+        <p:txBody>
+          <a:bodyPr/>
+          <a:lstStyle/>
+          <a:p>
+            <a:endParaRPr lang="zh-CN" altLang="en-US" dirty="0"/>
+          </a:p>
+        </p:txBody>
+      </p:sp>
+      <p:sp>
+        <p:nvSpPr>
+          <p:cNvPr id="4" name="灯片编号占位符 3"/>
+          <p:cNvSpPr>
+            <a:spLocks noGrp="1"/>
+          </p:cNvSpPr>
+          <p:nvPr>
+            <p:ph type="sldNum" sz="quarter" idx="5"/>
+          </p:nvPr>
+        </p:nvSpPr>
+        <p:spPr/>
+        <p:txBody>
+          <a:bodyPr/>
+          <a:lstStyle/>
+          <a:p>
+            <a:fld id="{9901CBA2-7C9E-4AD6-B258-A0DB055BB3AF}" type="slidenum">
+              <a:rPr lang="zh-CN" altLang="en-US" smtClean="0"/>
+              <a:t>32</a:t>
+            </a:fld>
+            <a:endParaRPr lang="zh-CN" altLang="en-US"/>
+          </a:p>
+        </p:txBody>
+      </p:sp>
+    </p:spTree>
+    <p:extLst>
+      <p:ext uri="{BB962C8B-B14F-4D97-AF65-F5344CB8AC3E}">
+        <p14:creationId xmlns:p14="http://schemas.microsoft.com/office/powerpoint/2010/main" val="3250660397"/>
+      </p:ext>
+    </p:extLst>
+  </p:cSld>
+  <p:clrMapOvr>
+    <a:masterClrMapping/>
+  </p:clrMapOvr>
+</p:notes>
+</file>
+
+<file path=ppt/notesSlides/notesSlide25.xml><?xml version="1.0" encoding="utf-8"?>
+<p:notes xmlns:a="http://schemas.openxmlformats.org/drawingml/2006/main" xmlns:r="http://schemas.openxmlformats.org/officeDocument/2006/relationships" xmlns:p="http://schemas.openxmlformats.org/presentationml/2006/main">
+  <p:cSld>
+    <p:spTree>
+      <p:nvGrpSpPr>
+        <p:cNvPr id="1" name=""/>
+        <p:cNvGrpSpPr/>
+        <p:nvPr/>
+      </p:nvGrpSpPr>
+      <p:grpSpPr>
+        <a:xfrm>
+          <a:off x="0" y="0"/>
+          <a:ext cx="0" cy="0"/>
+          <a:chOff x="0" y="0"/>
+          <a:chExt cx="0" cy="0"/>
+        </a:xfrm>
+      </p:grpSpPr>
+      <p:sp>
+        <p:nvSpPr>
+          <p:cNvPr id="2" name="幻灯片图像占位符 1"/>
+          <p:cNvSpPr>
+            <a:spLocks noGrp="1" noRot="1" noChangeAspect="1"/>
+          </p:cNvSpPr>
+          <p:nvPr>
+            <p:ph type="sldImg"/>
+          </p:nvPr>
+        </p:nvSpPr>
+        <p:spPr/>
+      </p:sp>
+      <p:sp>
+        <p:nvSpPr>
+          <p:cNvPr id="3" name="备注占位符 2"/>
+          <p:cNvSpPr>
+            <a:spLocks noGrp="1"/>
+          </p:cNvSpPr>
+          <p:nvPr>
+            <p:ph type="body" idx="1"/>
+          </p:nvPr>
+        </p:nvSpPr>
+        <p:spPr/>
+        <p:txBody>
+          <a:bodyPr/>
+          <a:lstStyle/>
+          <a:p>
+            <a:pPr marL="0" marR="0" lvl="0" indent="0" algn="l" defTabSz="914400" rtl="0" eaLnBrk="1" fontAlgn="auto" latinLnBrk="0" hangingPunct="1">
+              <a:lnSpc>
+                <a:spcPct val="100000"/>
+              </a:lnSpc>
+              <a:spcBef>
+                <a:spcPts val="0"/>
+              </a:spcBef>
+              <a:spcAft>
+                <a:spcPts val="0"/>
+              </a:spcAft>
+              <a:buClrTx/>
+              <a:buSzTx/>
+              <a:buFontTx/>
+              <a:buNone/>
+              <a:tabLst/>
+              <a:defRPr/>
+            </a:pPr>
+            <a:r>
+              <a:rPr lang="zh-CN" altLang="en-US" b="1" dirty="0"/>
+              <a:t>如果你是初学者，可选拓展部分可直接忽略，以后回来翻阅也不迟，避免增加学习负担。</a:t>
+            </a:r>
+            <a:endParaRPr lang="en-US" altLang="zh-CN" b="1" dirty="0"/>
+          </a:p>
+          <a:p>
+            <a:pPr marL="0" marR="0" lvl="0" indent="0" algn="l" defTabSz="914400" rtl="0" eaLnBrk="1" fontAlgn="auto" latinLnBrk="0" hangingPunct="1">
+              <a:lnSpc>
+                <a:spcPct val="100000"/>
+              </a:lnSpc>
+              <a:spcBef>
+                <a:spcPts val="0"/>
+              </a:spcBef>
+              <a:spcAft>
+                <a:spcPts val="0"/>
+              </a:spcAft>
+              <a:buClrTx/>
+              <a:buSzTx/>
+              <a:buFontTx/>
+              <a:buNone/>
+              <a:tabLst/>
+              <a:defRPr/>
+            </a:pPr>
+            <a:endParaRPr lang="en-US" altLang="zh-CN" dirty="0"/>
+          </a:p>
+          <a:p>
+            <a:pPr marL="0" marR="0" lvl="0" indent="0" algn="l" defTabSz="914400" rtl="0" eaLnBrk="1" fontAlgn="auto" latinLnBrk="0" hangingPunct="1">
+              <a:lnSpc>
+                <a:spcPct val="100000"/>
+              </a:lnSpc>
+              <a:spcBef>
+                <a:spcPts val="0"/>
+              </a:spcBef>
+              <a:spcAft>
+                <a:spcPts val="0"/>
+              </a:spcAft>
+              <a:buClrTx/>
+              <a:buSzTx/>
+              <a:buFontTx/>
+              <a:buNone/>
+              <a:tabLst/>
+              <a:defRPr/>
+            </a:pPr>
+            <a:r>
+              <a:rPr lang="zh-CN" altLang="en-US" dirty="0"/>
+              <a:t>可配置 </a:t>
+            </a:r>
+            <a:r>
+              <a:rPr lang="en-US" altLang="zh-CN" dirty="0"/>
+              <a:t>VS Code </a:t>
+            </a:r>
+            <a:r>
+              <a:rPr lang="zh-CN" altLang="en-US" dirty="0"/>
+              <a:t>只显示程序的输出，配置方法请参阅附录 </a:t>
+            </a:r>
+            <a:r>
+              <a:rPr lang="en-US" altLang="zh-CN" dirty="0"/>
+              <a:t>B</a:t>
+            </a:r>
+            <a:r>
+              <a:rPr lang="zh-CN" altLang="en-US" dirty="0"/>
+              <a:t>。</a:t>
+            </a:r>
+            <a:endParaRPr lang="en-US" altLang="zh-CN" dirty="0"/>
+          </a:p>
+          <a:p>
+            <a:r>
+              <a:rPr lang="zh-CN" altLang="en-US" dirty="0"/>
+              <a:t>对于尝试使用 </a:t>
+            </a:r>
+            <a:r>
+              <a:rPr lang="en-US" altLang="zh-CN" dirty="0"/>
+              <a:t>Linux </a:t>
+            </a:r>
+            <a:r>
+              <a:rPr lang="zh-CN" altLang="en-US" dirty="0"/>
+              <a:t>系统的同学，虚拟环境的配置是必学的，否则如果后续误执行 </a:t>
+            </a:r>
+            <a:r>
+              <a:rPr lang="en-US" altLang="zh-CN" dirty="0"/>
+              <a:t>`</a:t>
+            </a:r>
+            <a:r>
+              <a:rPr lang="en-US" altLang="zh-CN" dirty="0" err="1">
+                <a:highlight>
+                  <a:srgbClr val="C0C0C0"/>
+                </a:highlight>
+              </a:rPr>
+              <a:t>sudo</a:t>
+            </a:r>
+            <a:r>
+              <a:rPr lang="en-US" altLang="zh-CN" dirty="0">
+                <a:highlight>
+                  <a:srgbClr val="C0C0C0"/>
+                </a:highlight>
+              </a:rPr>
+              <a:t> pip` </a:t>
+            </a:r>
+            <a:r>
+              <a:rPr lang="zh-CN" altLang="en-US" dirty="0">
+                <a:highlight>
+                  <a:srgbClr val="C0C0C0"/>
+                </a:highlight>
+              </a:rPr>
+              <a:t>命令，可能会导致系统出错。</a:t>
+            </a:r>
+            <a:endParaRPr lang="en-US" altLang="zh-CN" dirty="0">
+              <a:highlight>
+                <a:srgbClr val="C0C0C0"/>
+              </a:highlight>
+            </a:endParaRPr>
+          </a:p>
+        </p:txBody>
+      </p:sp>
+      <p:sp>
+        <p:nvSpPr>
+          <p:cNvPr id="4" name="灯片编号占位符 3"/>
+          <p:cNvSpPr>
+            <a:spLocks noGrp="1"/>
+          </p:cNvSpPr>
+          <p:nvPr>
+            <p:ph type="sldNum" sz="quarter" idx="5"/>
+          </p:nvPr>
+        </p:nvSpPr>
+        <p:spPr/>
+        <p:txBody>
+          <a:bodyPr/>
+          <a:lstStyle/>
+          <a:p>
+            <a:fld id="{9901CBA2-7C9E-4AD6-B258-A0DB055BB3AF}" type="slidenum">
+              <a:rPr lang="zh-CN" altLang="en-US" smtClean="0"/>
+              <a:t>34</a:t>
+            </a:fld>
+            <a:endParaRPr lang="zh-CN" altLang="en-US"/>
+          </a:p>
+        </p:txBody>
+      </p:sp>
+    </p:spTree>
+    <p:extLst>
+      <p:ext uri="{BB962C8B-B14F-4D97-AF65-F5344CB8AC3E}">
+        <p14:creationId xmlns:p14="http://schemas.microsoft.com/office/powerpoint/2010/main" val="1632987213"/>
       </p:ext>
     </p:extLst>
   </p:cSld>
@@ -6121,7 +7667,30 @@
           <a:bodyPr/>
           <a:lstStyle/>
           <a:p>
-            <a:endParaRPr lang="en-US" altLang="zh-CN" dirty="0"/>
+            <a:pPr marL="0" marR="0" lvl="0" indent="0" algn="l" defTabSz="914400" rtl="0" eaLnBrk="1" fontAlgn="auto" latinLnBrk="0" hangingPunct="1">
+              <a:lnSpc>
+                <a:spcPct val="100000"/>
+              </a:lnSpc>
+              <a:spcBef>
+                <a:spcPts val="0"/>
+              </a:spcBef>
+              <a:spcAft>
+                <a:spcPts val="0"/>
+              </a:spcAft>
+              <a:buClrTx/>
+              <a:buSzTx/>
+              <a:buFontTx/>
+              <a:buNone/>
+              <a:tabLst/>
+              <a:defRPr/>
+            </a:pPr>
+            <a:r>
+              <a:rPr lang="zh-CN" altLang="en-US" dirty="0"/>
+              <a:t>汉化是一个可选项，我们涉及到的操作不会涉及很多单词，如果你想顺便熟悉一下英文，这一步则是可选的，后文在备注中也会附上英文。</a:t>
+            </a:r>
+          </a:p>
+          <a:p>
+            <a:endParaRPr lang="zh-CN" altLang="en-US" dirty="0"/>
           </a:p>
         </p:txBody>
       </p:sp>
@@ -6142,7 +7711,7 @@
           <a:p>
             <a:fld id="{9901CBA2-7C9E-4AD6-B258-A0DB055BB3AF}" type="slidenum">
               <a:rPr lang="zh-CN" altLang="en-US" smtClean="0"/>
-              <a:t>19</a:t>
+              <a:t>13</a:t>
             </a:fld>
             <a:endParaRPr lang="zh-CN" altLang="en-US"/>
           </a:p>
@@ -6151,7 +7720,7 @@
     </p:spTree>
     <p:extLst>
       <p:ext uri="{BB962C8B-B14F-4D97-AF65-F5344CB8AC3E}">
-        <p14:creationId xmlns:p14="http://schemas.microsoft.com/office/powerpoint/2010/main" val="794091751"/>
+        <p14:creationId xmlns:p14="http://schemas.microsoft.com/office/powerpoint/2010/main" val="2035152831"/>
       </p:ext>
     </p:extLst>
   </p:cSld>
@@ -6205,6 +7774,18 @@
           <a:bodyPr/>
           <a:lstStyle/>
           <a:p>
+            <a:r>
+              <a:rPr lang="zh-CN" altLang="en-US" dirty="0"/>
+              <a:t>安装汉化插件时，请认准 </a:t>
+            </a:r>
+            <a:r>
+              <a:rPr lang="en-US" altLang="zh-CN" dirty="0"/>
+              <a:t>Microsoft </a:t>
+            </a:r>
+            <a:r>
+              <a:rPr lang="zh-CN" altLang="en-US" dirty="0"/>
+              <a:t>（微软）的字样和认证标记</a:t>
+            </a:r>
             <a:endParaRPr lang="en-US" altLang="zh-CN" dirty="0"/>
           </a:p>
         </p:txBody>
@@ -6226,7 +7807,7 @@
           <a:p>
             <a:fld id="{9901CBA2-7C9E-4AD6-B258-A0DB055BB3AF}" type="slidenum">
               <a:rPr lang="zh-CN" altLang="en-US" smtClean="0"/>
-              <a:t>20</a:t>
+              <a:t>14</a:t>
             </a:fld>
             <a:endParaRPr lang="zh-CN" altLang="en-US"/>
           </a:p>
@@ -6235,7 +7816,7 @@
     </p:spTree>
     <p:extLst>
       <p:ext uri="{BB962C8B-B14F-4D97-AF65-F5344CB8AC3E}">
-        <p14:creationId xmlns:p14="http://schemas.microsoft.com/office/powerpoint/2010/main" val="2020201082"/>
+        <p14:creationId xmlns:p14="http://schemas.microsoft.com/office/powerpoint/2010/main" val="303646085"/>
       </p:ext>
     </p:extLst>
   </p:cSld>
@@ -6392,7 +7973,7 @@
           <a:p>
             <a:fld id="{F721228B-0167-4061-A906-8575043315EE}" type="datetimeFigureOut">
               <a:rPr lang="zh-CN" altLang="en-US" smtClean="0"/>
-              <a:t>2023/5/25</a:t>
+              <a:t>2023/6/3</a:t>
             </a:fld>
             <a:endParaRPr lang="zh-CN" altLang="en-US"/>
           </a:p>
@@ -6602,7 +8183,7 @@
           <a:p>
             <a:fld id="{F721228B-0167-4061-A906-8575043315EE}" type="datetimeFigureOut">
               <a:rPr lang="zh-CN" altLang="en-US" smtClean="0"/>
-              <a:t>2023/5/25</a:t>
+              <a:t>2023/6/3</a:t>
             </a:fld>
             <a:endParaRPr lang="zh-CN" altLang="en-US"/>
           </a:p>
@@ -6822,7 +8403,7 @@
           <a:p>
             <a:fld id="{F721228B-0167-4061-A906-8575043315EE}" type="datetimeFigureOut">
               <a:rPr lang="zh-CN" altLang="en-US" smtClean="0"/>
-              <a:t>2023/5/25</a:t>
+              <a:t>2023/6/3</a:t>
             </a:fld>
             <a:endParaRPr lang="zh-CN" altLang="en-US"/>
           </a:p>
@@ -7319,7 +8900,7 @@
           <a:p>
             <a:fld id="{F721228B-0167-4061-A906-8575043315EE}" type="datetimeFigureOut">
               <a:rPr lang="zh-CN" altLang="en-US" smtClean="0"/>
-              <a:t>2023/5/25</a:t>
+              <a:t>2023/6/3</a:t>
             </a:fld>
             <a:endParaRPr lang="zh-CN" altLang="en-US"/>
           </a:p>
@@ -7655,7 +9236,7 @@
           <a:p>
             <a:fld id="{F721228B-0167-4061-A906-8575043315EE}" type="datetimeFigureOut">
               <a:rPr lang="zh-CN" altLang="en-US" smtClean="0"/>
-              <a:t>2023/5/25</a:t>
+              <a:t>2023/6/3</a:t>
             </a:fld>
             <a:endParaRPr lang="zh-CN" altLang="en-US"/>
           </a:p>
@@ -8013,7 +9594,7 @@
           <a:p>
             <a:fld id="{F721228B-0167-4061-A906-8575043315EE}" type="datetimeFigureOut">
               <a:rPr lang="zh-CN" altLang="en-US" smtClean="0"/>
-              <a:t>2023/5/25</a:t>
+              <a:t>2023/6/3</a:t>
             </a:fld>
             <a:endParaRPr lang="zh-CN" altLang="en-US"/>
           </a:p>
@@ -8486,7 +10067,7 @@
           <a:p>
             <a:fld id="{F721228B-0167-4061-A906-8575043315EE}" type="datetimeFigureOut">
               <a:rPr lang="zh-CN" altLang="en-US" smtClean="0"/>
-              <a:t>2023/5/25</a:t>
+              <a:t>2023/6/3</a:t>
             </a:fld>
             <a:endParaRPr lang="zh-CN" altLang="en-US"/>
           </a:p>
@@ -8639,7 +10220,7 @@
           <a:p>
             <a:fld id="{F721228B-0167-4061-A906-8575043315EE}" type="datetimeFigureOut">
               <a:rPr lang="zh-CN" altLang="en-US" smtClean="0"/>
-              <a:t>2023/5/25</a:t>
+              <a:t>2023/6/3</a:t>
             </a:fld>
             <a:endParaRPr lang="zh-CN" altLang="en-US"/>
           </a:p>
@@ -8764,7 +10345,7 @@
           <a:p>
             <a:fld id="{F721228B-0167-4061-A906-8575043315EE}" type="datetimeFigureOut">
               <a:rPr lang="zh-CN" altLang="en-US" smtClean="0"/>
-              <a:t>2023/5/25</a:t>
+              <a:t>2023/6/3</a:t>
             </a:fld>
             <a:endParaRPr lang="zh-CN" altLang="en-US"/>
           </a:p>
@@ -9087,7 +10668,7 @@
           <a:p>
             <a:fld id="{F721228B-0167-4061-A906-8575043315EE}" type="datetimeFigureOut">
               <a:rPr lang="zh-CN" altLang="en-US" smtClean="0"/>
-              <a:t>2023/5/25</a:t>
+              <a:t>2023/6/3</a:t>
             </a:fld>
             <a:endParaRPr lang="zh-CN" altLang="en-US"/>
           </a:p>
@@ -9387,7 +10968,7 @@
           <a:p>
             <a:fld id="{F721228B-0167-4061-A906-8575043315EE}" type="datetimeFigureOut">
               <a:rPr lang="zh-CN" altLang="en-US" smtClean="0"/>
-              <a:t>2023/5/25</a:t>
+              <a:t>2023/6/3</a:t>
             </a:fld>
             <a:endParaRPr lang="zh-CN" altLang="en-US"/>
           </a:p>
@@ -9640,7 +11221,7 @@
           <a:p>
             <a:fld id="{F721228B-0167-4061-A906-8575043315EE}" type="datetimeFigureOut">
               <a:rPr lang="zh-CN" altLang="en-US" smtClean="0"/>
-              <a:t>2023/5/25</a:t>
+              <a:t>2023/6/3</a:t>
             </a:fld>
             <a:endParaRPr lang="zh-CN" altLang="en-US"/>
           </a:p>
@@ -10109,7 +11690,7 @@
           <a:p>
             <a:pPr algn="ctr"/>
             <a:r>
-              <a:rPr lang="en-US" altLang="zh-CN" dirty="0">
+              <a:rPr lang="en-US" altLang="zh-CN">
                 <a:solidFill>
                   <a:schemeClr val="tx1">
                     <a:lumMod val="95000"/>
@@ -10126,7 +11707,27 @@
                 <a:latin typeface="华文琥珀" panose="02010800040101010101" pitchFamily="2" charset="-122"/>
                 <a:ea typeface="华文琥珀" panose="02010800040101010101" pitchFamily="2" charset="-122"/>
               </a:rPr>
-              <a:t>Python</a:t>
+              <a:t>Python </a:t>
+            </a:r>
+            <a:r>
+              <a:rPr lang="zh-CN" altLang="en-US">
+                <a:solidFill>
+                  <a:schemeClr val="tx1">
+                    <a:lumMod val="95000"/>
+                    <a:lumOff val="5000"/>
+                  </a:schemeClr>
+                </a:solidFill>
+                <a:effectLst>
+                  <a:outerShdw blurRad="38100" dist="38100" dir="2700000" algn="tl">
+                    <a:srgbClr val="000000">
+                      <a:alpha val="43137"/>
+                    </a:srgbClr>
+                  </a:outerShdw>
+                </a:effectLst>
+                <a:latin typeface="华文琥珀" panose="02010800040101010101" pitchFamily="2" charset="-122"/>
+                <a:ea typeface="华文琥珀" panose="02010800040101010101" pitchFamily="2" charset="-122"/>
+              </a:rPr>
+              <a:t>编程</a:t>
             </a:r>
             <a:r>
               <a:rPr lang="zh-CN" altLang="en-US" dirty="0">
@@ -10146,7 +11747,7 @@
                 <a:latin typeface="华文琥珀" panose="02010800040101010101" pitchFamily="2" charset="-122"/>
                 <a:ea typeface="华文琥珀" panose="02010800040101010101" pitchFamily="2" charset="-122"/>
               </a:rPr>
-              <a:t>编程：从入门到实践</a:t>
+              <a:t>：从入门到实践</a:t>
             </a:r>
             <a:br>
               <a:rPr lang="en-US" altLang="zh-CN" dirty="0">
@@ -11652,42 +13253,20 @@
               <a:t>——</a:t>
             </a:r>
             <a:r>
-              <a:rPr lang="en-US" altLang="zh-CN" dirty="0">
-                <a:effectLst>
-                  <a:outerShdw blurRad="38100" dist="38100" dir="2700000" algn="tl">
-                    <a:srgbClr val="000000">
-                      <a:alpha val="43137"/>
-                    </a:srgbClr>
-                  </a:outerShdw>
-                </a:effectLst>
+              <a:rPr lang="zh-CN" altLang="en-US" dirty="0">
                 <a:latin typeface="+mj-lt"/>
               </a:rPr>
-              <a:t>Python</a:t>
-            </a:r>
-            <a:r>
-              <a:rPr lang="en-US" altLang="zh-CN" dirty="0">
-                <a:effectLst>
-                  <a:outerShdw blurRad="38100" dist="38100" dir="2700000" algn="tl">
-                    <a:srgbClr val="000000">
-                      <a:alpha val="43137"/>
-                    </a:srgbClr>
-                  </a:outerShdw>
-                </a:effectLst>
-              </a:rPr>
-              <a:t> </a:t>
-            </a:r>
-            <a:r>
-              <a:rPr lang="zh-CN" altLang="en-US" dirty="0">
-                <a:effectLst>
-                  <a:outerShdw blurRad="38100" dist="38100" dir="2700000" algn="tl">
-                    <a:srgbClr val="000000">
-                      <a:alpha val="43137"/>
-                    </a:srgbClr>
-                  </a:outerShdw>
-                </a:effectLst>
-              </a:rPr>
-              <a:t>扩展</a:t>
-            </a:r>
+              <a:t>汉化</a:t>
+            </a:r>
+            <a:endParaRPr lang="zh-CN" altLang="en-US" dirty="0">
+              <a:effectLst>
+                <a:outerShdw blurRad="38100" dist="38100" dir="2700000" algn="tl">
+                  <a:srgbClr val="000000">
+                    <a:alpha val="43137"/>
+                  </a:srgbClr>
+                </a:outerShdw>
+              </a:effectLst>
+            </a:endParaRPr>
           </a:p>
         </p:txBody>
       </p:sp>
@@ -11707,7 +13286,12 @@
             <p:ph idx="1"/>
           </p:nvPr>
         </p:nvSpPr>
-        <p:spPr/>
+        <p:spPr>
+          <a:xfrm>
+            <a:off x="838199" y="1890940"/>
+            <a:ext cx="10632141" cy="4351338"/>
+          </a:xfrm>
+        </p:spPr>
         <p:txBody>
           <a:bodyPr/>
           <a:lstStyle/>
@@ -11741,17 +13325,7 @@
             </a:r>
             <a:r>
               <a:rPr lang="zh-CN" altLang="en-US" dirty="0"/>
-              <a:t>）图标</a:t>
-            </a:r>
-            <a:endParaRPr lang="en-US" altLang="zh-CN" dirty="0"/>
-          </a:p>
-          <a:p>
-            <a:pPr marL="0" indent="0">
-              <a:buNone/>
-            </a:pPr>
-            <a:r>
-              <a:rPr lang="zh-CN" altLang="en-US" dirty="0"/>
-              <a:t>在搜索框中输入 </a:t>
+              <a:t>）图标，然后在搜索框中输入 </a:t>
             </a:r>
             <a:r>
               <a:rPr lang="en-US" altLang="zh-CN" b="1" dirty="0">
@@ -11760,7 +13334,7 @@
                 </a:highlight>
                 <a:latin typeface="Consolas" panose="020B0609020204030204" pitchFamily="49" charset="0"/>
               </a:rPr>
-              <a:t>python</a:t>
+              <a:t>Chinese</a:t>
             </a:r>
             <a:r>
               <a:rPr lang="zh-CN" altLang="en-US" dirty="0"/>
@@ -11774,15 +13348,7 @@
             </a:r>
             <a:r>
               <a:rPr lang="zh-CN" altLang="en-US" dirty="0"/>
-              <a:t>）</a:t>
-            </a:r>
-            <a:r>
-              <a:rPr lang="zh-CN" altLang="en-US" u="sng" dirty="0"/>
-              <a:t>微软提供</a:t>
-            </a:r>
-            <a:r>
-              <a:rPr lang="zh-CN" altLang="en-US" dirty="0"/>
-              <a:t>的扩展</a:t>
+              <a:t>）扩展</a:t>
             </a:r>
             <a:endParaRPr lang="en-US" altLang="zh-CN" dirty="0"/>
           </a:p>
@@ -11790,22 +13356,20 @@
       </p:sp>
       <p:pic>
         <p:nvPicPr>
-          <p:cNvPr id="11" name="内容占位符 10">
+          <p:cNvPr id="7" name="图片 6">
             <a:extLst>
               <a:ext uri="{FF2B5EF4-FFF2-40B4-BE49-F238E27FC236}">
-                <a16:creationId xmlns:a16="http://schemas.microsoft.com/office/drawing/2014/main" id="{44AA24C5-508C-4D40-7E65-55D5627E4671}"/>
+                <a16:creationId xmlns:a16="http://schemas.microsoft.com/office/drawing/2014/main" id="{1B605BC5-7434-CCC1-44E2-C8AE5A7A6ACA}"/>
               </a:ext>
             </a:extLst>
           </p:cNvPr>
           <p:cNvPicPr>
-            <a:picLocks noGrp="1" noChangeAspect="1"/>
+            <a:picLocks noChangeAspect="1"/>
           </p:cNvPicPr>
-          <p:nvPr>
-            <p:ph sz="half" idx="4294967295"/>
-          </p:nvPr>
+          <p:nvPr/>
         </p:nvPicPr>
         <p:blipFill>
-          <a:blip r:embed="rId2">
+          <a:blip r:embed="rId3">
             <a:extLst>
               <a:ext uri="{28A0092B-C50C-407E-A947-70E740481C1C}">
                 <a14:useLocalDpi xmlns:a14="http://schemas.microsoft.com/office/drawing/2010/main" val="0"/>
@@ -11818,15 +13382,18 @@
         </p:blipFill>
         <p:spPr>
           <a:xfrm>
-            <a:off x="2358719" y="2964871"/>
-            <a:ext cx="7474561" cy="3747095"/>
+            <a:off x="1853828" y="2753582"/>
+            <a:ext cx="8484343" cy="3997183"/>
           </a:xfrm>
+          <a:prstGeom prst="rect">
+            <a:avLst/>
+          </a:prstGeom>
         </p:spPr>
       </p:pic>
     </p:spTree>
     <p:extLst>
       <p:ext uri="{BB962C8B-B14F-4D97-AF65-F5344CB8AC3E}">
-        <p14:creationId xmlns:p14="http://schemas.microsoft.com/office/powerpoint/2010/main" val="3416507657"/>
+        <p14:creationId xmlns:p14="http://schemas.microsoft.com/office/powerpoint/2010/main" val="1263324175"/>
       </p:ext>
     </p:extLst>
   </p:cSld>
@@ -11909,7 +13476,19 @@
                 </a:effectLst>
                 <a:latin typeface="+mj-lt"/>
               </a:rPr>
-              <a:t>Hello World</a:t>
+              <a:t>VS Code</a:t>
+            </a:r>
+            <a:r>
+              <a:rPr lang="en-US" altLang="zh-CN" dirty="0">
+                <a:effectLst>
+                  <a:outerShdw blurRad="38100" dist="38100" dir="2700000" algn="tl">
+                    <a:srgbClr val="000000">
+                      <a:alpha val="43137"/>
+                    </a:srgbClr>
+                  </a:outerShdw>
+                </a:effectLst>
+              </a:rPr>
+              <a:t> </a:t>
             </a:r>
             <a:r>
               <a:rPr lang="zh-CN" altLang="en-US" dirty="0">
@@ -11921,14 +13500,10 @@
                   </a:outerShdw>
                 </a:effectLst>
               </a:rPr>
-              <a:t>！</a:t>
-            </a:r>
-            <a:r>
-              <a:rPr lang="zh-CN" altLang="en-US" dirty="0"/>
-              <a:t>：</a:t>
-            </a:r>
-            <a:r>
-              <a:rPr lang="zh-CN" altLang="en-US" dirty="0">
+              <a:t>配置</a:t>
+            </a:r>
+            <a:r>
+              <a:rPr lang="en-US" altLang="zh-CN" dirty="0">
                 <a:effectLst>
                   <a:outerShdw blurRad="38100" dist="38100" dir="2700000" algn="tl">
                     <a:srgbClr val="000000">
@@ -11937,8 +13512,23 @@
                   </a:outerShdw>
                 </a:effectLst>
               </a:rPr>
-              <a:t>准备</a:t>
-            </a:r>
+              <a:t>——</a:t>
+            </a:r>
+            <a:r>
+              <a:rPr lang="zh-CN" altLang="en-US" dirty="0">
+                <a:latin typeface="+mj-lt"/>
+              </a:rPr>
+              <a:t>汉化</a:t>
+            </a:r>
+            <a:endParaRPr lang="zh-CN" altLang="en-US" dirty="0">
+              <a:effectLst>
+                <a:outerShdw blurRad="38100" dist="38100" dir="2700000" algn="tl">
+                  <a:srgbClr val="000000">
+                    <a:alpha val="43137"/>
+                  </a:srgbClr>
+                </a:outerShdw>
+              </a:effectLst>
+            </a:endParaRPr>
           </a:p>
         </p:txBody>
       </p:sp>
@@ -11955,62 +13545,126 @@
             <a:spLocks noGrp="1"/>
           </p:cNvSpPr>
           <p:nvPr>
-            <p:ph sz="half" idx="1"/>
+            <p:ph idx="1"/>
           </p:nvPr>
         </p:nvSpPr>
         <p:spPr>
           <a:xfrm>
-            <a:off x="838199" y="1825625"/>
-            <a:ext cx="5423115" cy="4351338"/>
+            <a:off x="838199" y="1890940"/>
+            <a:ext cx="10632141" cy="4351338"/>
           </a:xfrm>
         </p:spPr>
         <p:txBody>
           <a:bodyPr/>
           <a:lstStyle/>
           <a:p>
+            <a:pPr marL="0" indent="0">
+              <a:buNone/>
+            </a:pPr>
             <a:r>
               <a:rPr lang="zh-CN" altLang="en-US" dirty="0"/>
-              <a:t>新建 </a:t>
-            </a:r>
-            <a:r>
-              <a:rPr lang="en-US" altLang="zh-CN" b="1" dirty="0" err="1">
+              <a:t>打开 </a:t>
+            </a:r>
+            <a:r>
+              <a:rPr lang="en-US" altLang="zh-CN" dirty="0">
+                <a:latin typeface="Consolas" panose="020B0609020204030204" pitchFamily="49" charset="0"/>
+              </a:rPr>
+              <a:t>VS Code</a:t>
+            </a:r>
+            <a:r>
+              <a:rPr lang="en-US" altLang="zh-CN" dirty="0"/>
+              <a:t> </a:t>
+            </a:r>
+            <a:r>
+              <a:rPr lang="zh-CN" altLang="en-US" dirty="0"/>
+              <a:t>编辑器，点击左侧的扩展（</a:t>
+            </a:r>
+            <a:r>
+              <a:rPr lang="en-US" altLang="zh-CN" dirty="0">
+                <a:latin typeface="Consolas" panose="020B0609020204030204" pitchFamily="49" charset="0"/>
+              </a:rPr>
+              <a:t>Extensions</a:t>
+            </a:r>
+            <a:r>
+              <a:rPr lang="zh-CN" altLang="en-US" dirty="0"/>
+              <a:t>）图标，然后在搜索框中输入 </a:t>
+            </a:r>
+            <a:r>
+              <a:rPr lang="en-US" altLang="zh-CN" b="1" dirty="0">
                 <a:highlight>
                   <a:srgbClr val="F0F0F0"/>
                 </a:highlight>
                 <a:latin typeface="Consolas" panose="020B0609020204030204" pitchFamily="49" charset="0"/>
               </a:rPr>
-              <a:t>python_work</a:t>
-            </a:r>
-            <a:r>
-              <a:rPr lang="zh-CN" altLang="en-US" b="1" dirty="0"/>
-              <a:t> </a:t>
+              <a:t>Chinese</a:t>
             </a:r>
             <a:r>
               <a:rPr lang="zh-CN" altLang="en-US" dirty="0"/>
-              <a:t>文件夹</a:t>
-            </a:r>
-            <a:endParaRPr lang="en-US" altLang="zh-CN" dirty="0">
-              <a:highlight>
-                <a:srgbClr val="C0C0C0"/>
-              </a:highlight>
-            </a:endParaRPr>
+              <a:t>，点击安装（</a:t>
+            </a:r>
+            <a:r>
+              <a:rPr lang="en-US" altLang="zh-CN" dirty="0">
+                <a:latin typeface="Consolas" panose="020B0609020204030204" pitchFamily="49" charset="0"/>
+              </a:rPr>
+              <a:t>Install</a:t>
+            </a:r>
+            <a:r>
+              <a:rPr lang="zh-CN" altLang="en-US" dirty="0"/>
+              <a:t>）扩展</a:t>
+            </a:r>
+            <a:endParaRPr lang="en-US" altLang="zh-CN" dirty="0"/>
           </a:p>
         </p:txBody>
       </p:sp>
+      <p:pic>
+        <p:nvPicPr>
+          <p:cNvPr id="7" name="图片 6">
+            <a:extLst>
+              <a:ext uri="{FF2B5EF4-FFF2-40B4-BE49-F238E27FC236}">
+                <a16:creationId xmlns:a16="http://schemas.microsoft.com/office/drawing/2014/main" id="{1B605BC5-7434-CCC1-44E2-C8AE5A7A6ACA}"/>
+              </a:ext>
+            </a:extLst>
+          </p:cNvPr>
+          <p:cNvPicPr>
+            <a:picLocks noChangeAspect="1"/>
+          </p:cNvPicPr>
+          <p:nvPr/>
+        </p:nvPicPr>
+        <p:blipFill rotWithShape="1">
+          <a:blip r:embed="rId3">
+            <a:extLst>
+              <a:ext uri="{28A0092B-C50C-407E-A947-70E740481C1C}">
+                <a14:useLocalDpi xmlns:a14="http://schemas.microsoft.com/office/drawing/2010/main" val="0"/>
+              </a:ext>
+            </a:extLst>
+          </a:blip>
+          <a:srcRect r="72525" b="37977"/>
+          <a:stretch/>
+        </p:blipFill>
+        <p:spPr>
+          <a:xfrm>
+            <a:off x="4036373" y="2856730"/>
+            <a:ext cx="3579177" cy="3806629"/>
+          </a:xfrm>
+          <a:prstGeom prst="rect">
+            <a:avLst/>
+          </a:prstGeom>
+        </p:spPr>
+      </p:pic>
     </p:spTree>
     <p:extLst>
       <p:ext uri="{BB962C8B-B14F-4D97-AF65-F5344CB8AC3E}">
-        <p14:creationId xmlns:p14="http://schemas.microsoft.com/office/powerpoint/2010/main" val="555885545"/>
+        <p14:creationId xmlns:p14="http://schemas.microsoft.com/office/powerpoint/2010/main" val="2826834387"/>
       </p:ext>
     </p:extLst>
   </p:cSld>
   <p:clrMapOvr>
     <a:masterClrMapping/>
   </p:clrMapOvr>
-  <mc:AlternateContent xmlns:mc="http://schemas.openxmlformats.org/markup-compatibility/2006" xmlns:p14="http://schemas.microsoft.com/office/powerpoint/2010/main">
-    <mc:Choice Requires="p14">
-      <p:transition spd="med" p14:dur="700">
-        <p:fade/>
+  <mc:AlternateContent xmlns:mc="http://schemas.openxmlformats.org/markup-compatibility/2006" xmlns:p159="http://schemas.microsoft.com/office/powerpoint/2015/09/main">
+    <mc:Choice Requires="p159">
+      <p:transition spd="med">
+        <p159:morph option="byObject"/>
       </p:transition>
     </mc:Choice>
     <mc:Fallback xmlns="">
@@ -12083,7 +13737,19 @@
                 </a:effectLst>
                 <a:latin typeface="+mj-lt"/>
               </a:rPr>
-              <a:t>Hello World</a:t>
+              <a:t>VS Code</a:t>
+            </a:r>
+            <a:r>
+              <a:rPr lang="en-US" altLang="zh-CN" dirty="0">
+                <a:effectLst>
+                  <a:outerShdw blurRad="38100" dist="38100" dir="2700000" algn="tl">
+                    <a:srgbClr val="000000">
+                      <a:alpha val="43137"/>
+                    </a:srgbClr>
+                  </a:outerShdw>
+                </a:effectLst>
+              </a:rPr>
+              <a:t> </a:t>
             </a:r>
             <a:r>
               <a:rPr lang="zh-CN" altLang="en-US" dirty="0">
@@ -12095,14 +13761,10 @@
                   </a:outerShdw>
                 </a:effectLst>
               </a:rPr>
-              <a:t>！</a:t>
-            </a:r>
-            <a:r>
-              <a:rPr lang="zh-CN" altLang="en-US" dirty="0"/>
-              <a:t>：</a:t>
-            </a:r>
-            <a:r>
-              <a:rPr lang="zh-CN" altLang="en-US" dirty="0">
+              <a:t>配置</a:t>
+            </a:r>
+            <a:r>
+              <a:rPr lang="en-US" altLang="zh-CN" dirty="0">
                 <a:effectLst>
                   <a:outerShdw blurRad="38100" dist="38100" dir="2700000" algn="tl">
                     <a:srgbClr val="000000">
@@ -12111,8 +13773,23 @@
                   </a:outerShdw>
                 </a:effectLst>
               </a:rPr>
-              <a:t>准备</a:t>
-            </a:r>
+              <a:t>——</a:t>
+            </a:r>
+            <a:r>
+              <a:rPr lang="zh-CN" altLang="en-US" dirty="0">
+                <a:latin typeface="+mj-lt"/>
+              </a:rPr>
+              <a:t>汉化</a:t>
+            </a:r>
+            <a:endParaRPr lang="zh-CN" altLang="en-US" dirty="0">
+              <a:effectLst>
+                <a:outerShdw blurRad="38100" dist="38100" dir="2700000" algn="tl">
+                  <a:srgbClr val="000000">
+                    <a:alpha val="43137"/>
+                  </a:srgbClr>
+                </a:outerShdw>
+              </a:effectLst>
+            </a:endParaRPr>
           </a:p>
         </p:txBody>
       </p:sp>
@@ -12129,98 +13806,33 @@
             <a:spLocks noGrp="1"/>
           </p:cNvSpPr>
           <p:nvPr>
-            <p:ph sz="half" idx="1"/>
+            <p:ph idx="1"/>
           </p:nvPr>
         </p:nvSpPr>
         <p:spPr>
           <a:xfrm>
-            <a:off x="838199" y="1825625"/>
-            <a:ext cx="5423115" cy="4351338"/>
+            <a:off x="838199" y="1890940"/>
+            <a:ext cx="10632141" cy="4351338"/>
           </a:xfrm>
         </p:spPr>
         <p:txBody>
           <a:bodyPr/>
           <a:lstStyle/>
           <a:p>
-            <a:r>
-              <a:rPr lang="zh-CN" altLang="en-US" dirty="0">
-                <a:solidFill>
-                  <a:schemeClr val="bg1">
-                    <a:lumMod val="65000"/>
-                  </a:schemeClr>
-                </a:solidFill>
-              </a:rPr>
-              <a:t>新建 </a:t>
-            </a:r>
-            <a:r>
-              <a:rPr lang="en-US" altLang="zh-CN" b="1" dirty="0" err="1">
-                <a:solidFill>
-                  <a:schemeClr val="bg1">
-                    <a:lumMod val="65000"/>
-                  </a:schemeClr>
-                </a:solidFill>
-                <a:highlight>
-                  <a:srgbClr val="F0F0F0"/>
-                </a:highlight>
-                <a:latin typeface="Consolas" panose="020B0609020204030204" pitchFamily="49" charset="0"/>
-              </a:rPr>
-              <a:t>python_work</a:t>
-            </a:r>
-            <a:r>
-              <a:rPr lang="zh-CN" altLang="en-US" b="1" dirty="0">
-                <a:solidFill>
-                  <a:schemeClr val="bg1">
-                    <a:lumMod val="65000"/>
-                  </a:schemeClr>
-                </a:solidFill>
-              </a:rPr>
-              <a:t> </a:t>
-            </a:r>
-            <a:r>
-              <a:rPr lang="zh-CN" altLang="en-US" dirty="0">
-                <a:solidFill>
-                  <a:schemeClr val="bg1">
-                    <a:lumMod val="65000"/>
-                  </a:schemeClr>
-                </a:solidFill>
-              </a:rPr>
-              <a:t>文件夹</a:t>
-            </a:r>
-            <a:endParaRPr lang="en-US" altLang="zh-CN" dirty="0">
-              <a:solidFill>
-                <a:schemeClr val="bg1">
-                  <a:lumMod val="65000"/>
-                </a:schemeClr>
-              </a:solidFill>
-              <a:highlight>
-                <a:srgbClr val="C0C0C0"/>
-              </a:highlight>
-            </a:endParaRPr>
-          </a:p>
-          <a:p>
+            <a:pPr marL="0" indent="0">
+              <a:buNone/>
+            </a:pPr>
             <a:r>
               <a:rPr lang="zh-CN" altLang="en-US" dirty="0"/>
-              <a:t>打开 </a:t>
-            </a:r>
-            <a:r>
-              <a:rPr lang="en-US" altLang="zh-CN" dirty="0">
-                <a:latin typeface="Consolas" panose="020B0609020204030204" pitchFamily="49" charset="0"/>
-              </a:rPr>
+              <a:t>如果有提示错误，请重试之前的步骤。当安装完毕后，右下角会出现一个小弹窗，点击后会自动重启，并完成 </a:t>
+            </a:r>
+            <a:r>
+              <a:rPr lang="en-US" altLang="zh-CN" dirty="0"/>
               <a:t>VS Code</a:t>
             </a:r>
             <a:r>
               <a:rPr lang="zh-CN" altLang="en-US" dirty="0"/>
-              <a:t>，并选择菜单 </a:t>
-            </a:r>
-            <a:r>
-              <a:rPr lang="en-US" altLang="zh-CN" b="1" u="sng" dirty="0">
-                <a:latin typeface="Consolas" panose="020B0609020204030204" pitchFamily="49" charset="0"/>
-              </a:rPr>
-              <a:t>File -&gt; Open Folder</a:t>
-            </a:r>
-            <a:r>
-              <a:rPr lang="zh-CN" altLang="en-US" dirty="0"/>
-              <a:t>，打开新建的文件夹</a:t>
+              <a:t> 的汉化</a:t>
             </a:r>
             <a:endParaRPr lang="en-US" altLang="zh-CN" dirty="0"/>
           </a:p>
@@ -12228,22 +13840,20 @@
       </p:sp>
       <p:pic>
         <p:nvPicPr>
-          <p:cNvPr id="3" name="内容占位符 3">
+          <p:cNvPr id="7" name="图片 6">
             <a:extLst>
               <a:ext uri="{FF2B5EF4-FFF2-40B4-BE49-F238E27FC236}">
-                <a16:creationId xmlns:a16="http://schemas.microsoft.com/office/drawing/2014/main" id="{E9C9C4B6-9E80-13FC-3C11-56455F818828}"/>
+                <a16:creationId xmlns:a16="http://schemas.microsoft.com/office/drawing/2014/main" id="{1B605BC5-7434-CCC1-44E2-C8AE5A7A6ACA}"/>
               </a:ext>
             </a:extLst>
           </p:cNvPr>
           <p:cNvPicPr>
-            <a:picLocks noGrp="1" noChangeAspect="1"/>
+            <a:picLocks noChangeAspect="1"/>
           </p:cNvPicPr>
-          <p:nvPr>
-            <p:ph sz="half" idx="2"/>
-          </p:nvPr>
+          <p:nvPr/>
         </p:nvPicPr>
         <p:blipFill>
-          <a:blip r:embed="rId2">
+          <a:blip r:embed="rId3">
             <a:extLst>
               <a:ext uri="{28A0092B-C50C-407E-A947-70E740481C1C}">
                 <a14:useLocalDpi xmlns:a14="http://schemas.microsoft.com/office/drawing/2010/main" val="0"/>
@@ -12255,15 +13865,18 @@
         </p:blipFill>
         <p:spPr>
           <a:xfrm>
-            <a:off x="6860887" y="2146235"/>
-            <a:ext cx="4492913" cy="3710118"/>
+            <a:off x="1853828" y="2770284"/>
+            <a:ext cx="8484343" cy="3963778"/>
           </a:xfrm>
+          <a:prstGeom prst="rect">
+            <a:avLst/>
+          </a:prstGeom>
         </p:spPr>
       </p:pic>
     </p:spTree>
     <p:extLst>
       <p:ext uri="{BB962C8B-B14F-4D97-AF65-F5344CB8AC3E}">
-        <p14:creationId xmlns:p14="http://schemas.microsoft.com/office/powerpoint/2010/main" val="706773735"/>
+        <p14:creationId xmlns:p14="http://schemas.microsoft.com/office/powerpoint/2010/main" val="1718870275"/>
       </p:ext>
     </p:extLst>
   </p:cSld>
@@ -12346,6 +13959,485 @@
                 </a:effectLst>
                 <a:latin typeface="+mj-lt"/>
               </a:rPr>
+              <a:t>VS Code</a:t>
+            </a:r>
+            <a:r>
+              <a:rPr lang="en-US" altLang="zh-CN" dirty="0">
+                <a:effectLst>
+                  <a:outerShdw blurRad="38100" dist="38100" dir="2700000" algn="tl">
+                    <a:srgbClr val="000000">
+                      <a:alpha val="43137"/>
+                    </a:srgbClr>
+                  </a:outerShdw>
+                </a:effectLst>
+              </a:rPr>
+              <a:t> </a:t>
+            </a:r>
+            <a:r>
+              <a:rPr lang="zh-CN" altLang="en-US" dirty="0">
+                <a:effectLst>
+                  <a:outerShdw blurRad="38100" dist="38100" dir="2700000" algn="tl">
+                    <a:srgbClr val="000000">
+                      <a:alpha val="43137"/>
+                    </a:srgbClr>
+                  </a:outerShdw>
+                </a:effectLst>
+              </a:rPr>
+              <a:t>配置</a:t>
+            </a:r>
+            <a:r>
+              <a:rPr lang="en-US" altLang="zh-CN" dirty="0">
+                <a:effectLst>
+                  <a:outerShdw blurRad="38100" dist="38100" dir="2700000" algn="tl">
+                    <a:srgbClr val="000000">
+                      <a:alpha val="43137"/>
+                    </a:srgbClr>
+                  </a:outerShdw>
+                </a:effectLst>
+              </a:rPr>
+              <a:t>——</a:t>
+            </a:r>
+            <a:r>
+              <a:rPr lang="zh-CN" altLang="en-US" dirty="0">
+                <a:latin typeface="+mj-lt"/>
+              </a:rPr>
+              <a:t>汉化</a:t>
+            </a:r>
+            <a:endParaRPr lang="zh-CN" altLang="en-US" dirty="0">
+              <a:effectLst>
+                <a:outerShdw blurRad="38100" dist="38100" dir="2700000" algn="tl">
+                  <a:srgbClr val="000000">
+                    <a:alpha val="43137"/>
+                  </a:srgbClr>
+                </a:outerShdw>
+              </a:effectLst>
+            </a:endParaRPr>
+          </a:p>
+        </p:txBody>
+      </p:sp>
+      <p:sp>
+        <p:nvSpPr>
+          <p:cNvPr id="5" name="内容占位符 4">
+            <a:extLst>
+              <a:ext uri="{FF2B5EF4-FFF2-40B4-BE49-F238E27FC236}">
+                <a16:creationId xmlns:a16="http://schemas.microsoft.com/office/drawing/2014/main" id="{334FF01F-2A65-44F6-34F9-69AC934A31D7}"/>
+              </a:ext>
+            </a:extLst>
+          </p:cNvPr>
+          <p:cNvSpPr>
+            <a:spLocks noGrp="1"/>
+          </p:cNvSpPr>
+          <p:nvPr>
+            <p:ph idx="1"/>
+          </p:nvPr>
+        </p:nvSpPr>
+        <p:spPr>
+          <a:xfrm>
+            <a:off x="838199" y="1890940"/>
+            <a:ext cx="10632141" cy="4351338"/>
+          </a:xfrm>
+        </p:spPr>
+        <p:txBody>
+          <a:bodyPr/>
+          <a:lstStyle/>
+          <a:p>
+            <a:pPr marL="0" indent="0">
+              <a:buNone/>
+            </a:pPr>
+            <a:r>
+              <a:rPr lang="zh-CN" altLang="en-US" dirty="0"/>
+              <a:t>如果有提示错误，请重试之前的步骤。当安装完毕后，右下角会出现一个小弹窗，点击后会自动重启，并完成 </a:t>
+            </a:r>
+            <a:r>
+              <a:rPr lang="en-US" altLang="zh-CN" dirty="0"/>
+              <a:t>VS Code</a:t>
+            </a:r>
+            <a:r>
+              <a:rPr lang="zh-CN" altLang="en-US" dirty="0"/>
+              <a:t> 的汉化</a:t>
+            </a:r>
+            <a:endParaRPr lang="en-US" altLang="zh-CN" dirty="0"/>
+          </a:p>
+        </p:txBody>
+      </p:sp>
+      <p:pic>
+        <p:nvPicPr>
+          <p:cNvPr id="7" name="图片 6">
+            <a:extLst>
+              <a:ext uri="{FF2B5EF4-FFF2-40B4-BE49-F238E27FC236}">
+                <a16:creationId xmlns:a16="http://schemas.microsoft.com/office/drawing/2014/main" id="{1B605BC5-7434-CCC1-44E2-C8AE5A7A6ACA}"/>
+              </a:ext>
+            </a:extLst>
+          </p:cNvPr>
+          <p:cNvPicPr>
+            <a:picLocks noChangeAspect="1"/>
+          </p:cNvPicPr>
+          <p:nvPr/>
+        </p:nvPicPr>
+        <p:blipFill rotWithShape="1">
+          <a:blip r:embed="rId3">
+            <a:extLst>
+              <a:ext uri="{28A0092B-C50C-407E-A947-70E740481C1C}">
+                <a14:useLocalDpi xmlns:a14="http://schemas.microsoft.com/office/drawing/2010/main" val="0"/>
+              </a:ext>
+            </a:extLst>
+          </a:blip>
+          <a:srcRect l="49266" t="59599"/>
+          <a:stretch/>
+        </p:blipFill>
+        <p:spPr>
+          <a:xfrm>
+            <a:off x="2215937" y="3355247"/>
+            <a:ext cx="7760125" cy="2887031"/>
+          </a:xfrm>
+          <a:prstGeom prst="rect">
+            <a:avLst/>
+          </a:prstGeom>
+        </p:spPr>
+      </p:pic>
+    </p:spTree>
+    <p:extLst>
+      <p:ext uri="{BB962C8B-B14F-4D97-AF65-F5344CB8AC3E}">
+        <p14:creationId xmlns:p14="http://schemas.microsoft.com/office/powerpoint/2010/main" val="883490720"/>
+      </p:ext>
+    </p:extLst>
+  </p:cSld>
+  <p:clrMapOvr>
+    <a:masterClrMapping/>
+  </p:clrMapOvr>
+  <mc:AlternateContent xmlns:mc="http://schemas.openxmlformats.org/markup-compatibility/2006" xmlns:p159="http://schemas.microsoft.com/office/powerpoint/2015/09/main">
+    <mc:Choice Requires="p159">
+      <p:transition spd="med">
+        <p159:morph option="byObject"/>
+      </p:transition>
+    </mc:Choice>
+    <mc:Fallback xmlns="">
+      <p:transition spd="med">
+        <p:fade/>
+      </p:transition>
+    </mc:Fallback>
+  </mc:AlternateContent>
+</p:sld>
+</file>
+
+<file path=ppt/slides/slide17.xml><?xml version="1.0" encoding="utf-8"?>
+<p:sld xmlns:a="http://schemas.openxmlformats.org/drawingml/2006/main" xmlns:r="http://schemas.openxmlformats.org/officeDocument/2006/relationships" xmlns:p="http://schemas.openxmlformats.org/presentationml/2006/main">
+  <p:cSld>
+    <p:spTree>
+      <p:nvGrpSpPr>
+        <p:cNvPr id="1" name=""/>
+        <p:cNvGrpSpPr/>
+        <p:nvPr/>
+      </p:nvGrpSpPr>
+      <p:grpSpPr>
+        <a:xfrm>
+          <a:off x="0" y="0"/>
+          <a:ext cx="0" cy="0"/>
+          <a:chOff x="0" y="0"/>
+          <a:chExt cx="0" cy="0"/>
+        </a:xfrm>
+      </p:grpSpPr>
+      <p:sp>
+        <p:nvSpPr>
+          <p:cNvPr id="2" name="标题 1">
+            <a:extLst>
+              <a:ext uri="{FF2B5EF4-FFF2-40B4-BE49-F238E27FC236}">
+                <a16:creationId xmlns:a16="http://schemas.microsoft.com/office/drawing/2014/main" id="{ABA783DF-49A6-7EF1-661E-C574E2C2F386}"/>
+              </a:ext>
+            </a:extLst>
+          </p:cNvPr>
+          <p:cNvSpPr>
+            <a:spLocks noGrp="1"/>
+          </p:cNvSpPr>
+          <p:nvPr>
+            <p:ph type="title"/>
+          </p:nvPr>
+        </p:nvSpPr>
+        <p:spPr/>
+        <p:txBody>
+          <a:bodyPr/>
+          <a:lstStyle/>
+          <a:p>
+            <a:r>
+              <a:rPr lang="en-US" altLang="zh-CN" dirty="0">
+                <a:effectLst>
+                  <a:outerShdw blurRad="38100" dist="38100" dir="2700000" algn="tl">
+                    <a:srgbClr val="000000">
+                      <a:alpha val="43137"/>
+                    </a:srgbClr>
+                  </a:outerShdw>
+                </a:effectLst>
+              </a:rPr>
+              <a:t>1.3 </a:t>
+            </a:r>
+            <a:r>
+              <a:rPr lang="en-US" altLang="zh-CN" dirty="0">
+                <a:effectLst>
+                  <a:outerShdw blurRad="38100" dist="38100" dir="2700000" algn="tl">
+                    <a:srgbClr val="000000">
+                      <a:alpha val="43137"/>
+                    </a:srgbClr>
+                  </a:outerShdw>
+                </a:effectLst>
+                <a:latin typeface="+mj-lt"/>
+              </a:rPr>
+              <a:t>VS Code</a:t>
+            </a:r>
+            <a:r>
+              <a:rPr lang="en-US" altLang="zh-CN" dirty="0">
+                <a:effectLst>
+                  <a:outerShdw blurRad="38100" dist="38100" dir="2700000" algn="tl">
+                    <a:srgbClr val="000000">
+                      <a:alpha val="43137"/>
+                    </a:srgbClr>
+                  </a:outerShdw>
+                </a:effectLst>
+              </a:rPr>
+              <a:t> </a:t>
+            </a:r>
+            <a:r>
+              <a:rPr lang="zh-CN" altLang="en-US" dirty="0">
+                <a:effectLst>
+                  <a:outerShdw blurRad="38100" dist="38100" dir="2700000" algn="tl">
+                    <a:srgbClr val="000000">
+                      <a:alpha val="43137"/>
+                    </a:srgbClr>
+                  </a:outerShdw>
+                </a:effectLst>
+              </a:rPr>
+              <a:t>配置</a:t>
+            </a:r>
+            <a:r>
+              <a:rPr lang="en-US" altLang="zh-CN" dirty="0">
+                <a:effectLst>
+                  <a:outerShdw blurRad="38100" dist="38100" dir="2700000" algn="tl">
+                    <a:srgbClr val="000000">
+                      <a:alpha val="43137"/>
+                    </a:srgbClr>
+                  </a:outerShdw>
+                </a:effectLst>
+              </a:rPr>
+              <a:t>——</a:t>
+            </a:r>
+            <a:r>
+              <a:rPr lang="en-US" altLang="zh-CN" dirty="0">
+                <a:effectLst>
+                  <a:outerShdw blurRad="38100" dist="38100" dir="2700000" algn="tl">
+                    <a:srgbClr val="000000">
+                      <a:alpha val="43137"/>
+                    </a:srgbClr>
+                  </a:outerShdw>
+                </a:effectLst>
+                <a:latin typeface="+mj-lt"/>
+              </a:rPr>
+              <a:t>Python</a:t>
+            </a:r>
+            <a:r>
+              <a:rPr lang="en-US" altLang="zh-CN" dirty="0">
+                <a:effectLst>
+                  <a:outerShdw blurRad="38100" dist="38100" dir="2700000" algn="tl">
+                    <a:srgbClr val="000000">
+                      <a:alpha val="43137"/>
+                    </a:srgbClr>
+                  </a:outerShdw>
+                </a:effectLst>
+              </a:rPr>
+              <a:t> </a:t>
+            </a:r>
+            <a:r>
+              <a:rPr lang="zh-CN" altLang="en-US" dirty="0">
+                <a:effectLst>
+                  <a:outerShdw blurRad="38100" dist="38100" dir="2700000" algn="tl">
+                    <a:srgbClr val="000000">
+                      <a:alpha val="43137"/>
+                    </a:srgbClr>
+                  </a:outerShdw>
+                </a:effectLst>
+              </a:rPr>
+              <a:t>扩展</a:t>
+            </a:r>
+          </a:p>
+        </p:txBody>
+      </p:sp>
+      <p:sp>
+        <p:nvSpPr>
+          <p:cNvPr id="5" name="内容占位符 4">
+            <a:extLst>
+              <a:ext uri="{FF2B5EF4-FFF2-40B4-BE49-F238E27FC236}">
+                <a16:creationId xmlns:a16="http://schemas.microsoft.com/office/drawing/2014/main" id="{334FF01F-2A65-44F6-34F9-69AC934A31D7}"/>
+              </a:ext>
+            </a:extLst>
+          </p:cNvPr>
+          <p:cNvSpPr>
+            <a:spLocks noGrp="1"/>
+          </p:cNvSpPr>
+          <p:nvPr>
+            <p:ph idx="1"/>
+          </p:nvPr>
+        </p:nvSpPr>
+        <p:spPr>
+          <a:xfrm>
+            <a:off x="838199" y="1890940"/>
+            <a:ext cx="10632141" cy="4351338"/>
+          </a:xfrm>
+        </p:spPr>
+        <p:txBody>
+          <a:bodyPr/>
+          <a:lstStyle/>
+          <a:p>
+            <a:pPr marL="0" indent="0">
+              <a:buNone/>
+            </a:pPr>
+            <a:r>
+              <a:rPr lang="zh-CN" altLang="en-US" dirty="0"/>
+              <a:t>和安装汉化扩展时的步骤类似，点击插件菜单后，请在搜索框中输入 </a:t>
+            </a:r>
+            <a:r>
+              <a:rPr lang="en-US" altLang="zh-CN" b="1" dirty="0">
+                <a:highlight>
+                  <a:srgbClr val="F0F0F0"/>
+                </a:highlight>
+                <a:latin typeface="Consolas" panose="020B0609020204030204" pitchFamily="49" charset="0"/>
+              </a:rPr>
+              <a:t>python</a:t>
+            </a:r>
+            <a:r>
+              <a:rPr lang="zh-CN" altLang="en-US" dirty="0"/>
+              <a:t>，并点击安装来安装</a:t>
+            </a:r>
+            <a:r>
+              <a:rPr lang="zh-CN" altLang="en-US" u="sng" dirty="0"/>
+              <a:t>微软提供</a:t>
+            </a:r>
+            <a:r>
+              <a:rPr lang="zh-CN" altLang="en-US" dirty="0"/>
+              <a:t>的扩展</a:t>
+            </a:r>
+            <a:endParaRPr lang="en-US" altLang="zh-CN" dirty="0"/>
+          </a:p>
+        </p:txBody>
+      </p:sp>
+      <p:pic>
+        <p:nvPicPr>
+          <p:cNvPr id="7" name="图片 6">
+            <a:extLst>
+              <a:ext uri="{FF2B5EF4-FFF2-40B4-BE49-F238E27FC236}">
+                <a16:creationId xmlns:a16="http://schemas.microsoft.com/office/drawing/2014/main" id="{1B605BC5-7434-CCC1-44E2-C8AE5A7A6ACA}"/>
+              </a:ext>
+            </a:extLst>
+          </p:cNvPr>
+          <p:cNvPicPr>
+            <a:picLocks noChangeAspect="1"/>
+          </p:cNvPicPr>
+          <p:nvPr/>
+        </p:nvPicPr>
+        <p:blipFill>
+          <a:blip r:embed="rId3">
+            <a:extLst>
+              <a:ext uri="{28A0092B-C50C-407E-A947-70E740481C1C}">
+                <a14:useLocalDpi xmlns:a14="http://schemas.microsoft.com/office/drawing/2010/main" val="0"/>
+              </a:ext>
+            </a:extLst>
+          </a:blip>
+          <a:srcRect/>
+          <a:stretch/>
+        </p:blipFill>
+        <p:spPr>
+          <a:xfrm>
+            <a:off x="1853828" y="2774024"/>
+            <a:ext cx="8484343" cy="3956297"/>
+          </a:xfrm>
+          <a:prstGeom prst="rect">
+            <a:avLst/>
+          </a:prstGeom>
+        </p:spPr>
+      </p:pic>
+    </p:spTree>
+    <p:extLst>
+      <p:ext uri="{BB962C8B-B14F-4D97-AF65-F5344CB8AC3E}">
+        <p14:creationId xmlns:p14="http://schemas.microsoft.com/office/powerpoint/2010/main" val="2999776910"/>
+      </p:ext>
+    </p:extLst>
+  </p:cSld>
+  <p:clrMapOvr>
+    <a:masterClrMapping/>
+  </p:clrMapOvr>
+  <mc:AlternateContent xmlns:mc="http://schemas.openxmlformats.org/markup-compatibility/2006" xmlns:p14="http://schemas.microsoft.com/office/powerpoint/2010/main">
+    <mc:Choice Requires="p14">
+      <p:transition spd="med" p14:dur="700">
+        <p:fade/>
+      </p:transition>
+    </mc:Choice>
+    <mc:Fallback xmlns="">
+      <p:transition spd="med">
+        <p:fade/>
+      </p:transition>
+    </mc:Fallback>
+  </mc:AlternateContent>
+</p:sld>
+</file>
+
+<file path=ppt/slides/slide18.xml><?xml version="1.0" encoding="utf-8"?>
+<p:sld xmlns:a="http://schemas.openxmlformats.org/drawingml/2006/main" xmlns:r="http://schemas.openxmlformats.org/officeDocument/2006/relationships" xmlns:p="http://schemas.openxmlformats.org/presentationml/2006/main">
+  <p:cSld>
+    <p:spTree>
+      <p:nvGrpSpPr>
+        <p:cNvPr id="1" name=""/>
+        <p:cNvGrpSpPr/>
+        <p:nvPr/>
+      </p:nvGrpSpPr>
+      <p:grpSpPr>
+        <a:xfrm>
+          <a:off x="0" y="0"/>
+          <a:ext cx="0" cy="0"/>
+          <a:chOff x="0" y="0"/>
+          <a:chExt cx="0" cy="0"/>
+        </a:xfrm>
+      </p:grpSpPr>
+      <p:sp>
+        <p:nvSpPr>
+          <p:cNvPr id="2" name="标题 1">
+            <a:extLst>
+              <a:ext uri="{FF2B5EF4-FFF2-40B4-BE49-F238E27FC236}">
+                <a16:creationId xmlns:a16="http://schemas.microsoft.com/office/drawing/2014/main" id="{ABA783DF-49A6-7EF1-661E-C574E2C2F386}"/>
+              </a:ext>
+            </a:extLst>
+          </p:cNvPr>
+          <p:cNvSpPr>
+            <a:spLocks noGrp="1"/>
+          </p:cNvSpPr>
+          <p:nvPr>
+            <p:ph type="title"/>
+          </p:nvPr>
+        </p:nvSpPr>
+        <p:spPr/>
+        <p:txBody>
+          <a:bodyPr/>
+          <a:lstStyle/>
+          <a:p>
+            <a:r>
+              <a:rPr lang="en-US" altLang="zh-CN" dirty="0">
+                <a:effectLst>
+                  <a:outerShdw blurRad="38100" dist="38100" dir="2700000" algn="tl">
+                    <a:srgbClr val="000000">
+                      <a:alpha val="43137"/>
+                    </a:srgbClr>
+                  </a:outerShdw>
+                </a:effectLst>
+              </a:rPr>
+              <a:t>1.3 </a:t>
+            </a:r>
+            <a:r>
+              <a:rPr lang="en-US" altLang="zh-CN" dirty="0">
+                <a:effectLst>
+                  <a:outerShdw blurRad="38100" dist="38100" dir="2700000" algn="tl">
+                    <a:srgbClr val="000000">
+                      <a:alpha val="43137"/>
+                    </a:srgbClr>
+                  </a:outerShdw>
+                </a:effectLst>
+                <a:latin typeface="+mj-lt"/>
+              </a:rPr>
               <a:t>Hello World</a:t>
             </a:r>
             <a:r>
@@ -12406,6 +14498,180 @@
           <a:lstStyle/>
           <a:p>
             <a:r>
+              <a:rPr lang="zh-CN" altLang="en-US" dirty="0"/>
+              <a:t>新建 </a:t>
+            </a:r>
+            <a:r>
+              <a:rPr lang="en-US" altLang="zh-CN" b="1" dirty="0" err="1">
+                <a:highlight>
+                  <a:srgbClr val="F0F0F0"/>
+                </a:highlight>
+                <a:latin typeface="Consolas" panose="020B0609020204030204" pitchFamily="49" charset="0"/>
+              </a:rPr>
+              <a:t>python_work</a:t>
+            </a:r>
+            <a:r>
+              <a:rPr lang="zh-CN" altLang="en-US" b="1" dirty="0"/>
+              <a:t> </a:t>
+            </a:r>
+            <a:r>
+              <a:rPr lang="zh-CN" altLang="en-US" dirty="0"/>
+              <a:t>文件夹</a:t>
+            </a:r>
+            <a:endParaRPr lang="en-US" altLang="zh-CN" dirty="0">
+              <a:highlight>
+                <a:srgbClr val="C0C0C0"/>
+              </a:highlight>
+            </a:endParaRPr>
+          </a:p>
+        </p:txBody>
+      </p:sp>
+    </p:spTree>
+    <p:extLst>
+      <p:ext uri="{BB962C8B-B14F-4D97-AF65-F5344CB8AC3E}">
+        <p14:creationId xmlns:p14="http://schemas.microsoft.com/office/powerpoint/2010/main" val="555885545"/>
+      </p:ext>
+    </p:extLst>
+  </p:cSld>
+  <p:clrMapOvr>
+    <a:masterClrMapping/>
+  </p:clrMapOvr>
+  <mc:AlternateContent xmlns:mc="http://schemas.openxmlformats.org/markup-compatibility/2006" xmlns:p14="http://schemas.microsoft.com/office/powerpoint/2010/main">
+    <mc:Choice Requires="p14">
+      <p:transition spd="med" p14:dur="700">
+        <p:fade/>
+      </p:transition>
+    </mc:Choice>
+    <mc:Fallback xmlns="">
+      <p:transition spd="med">
+        <p:fade/>
+      </p:transition>
+    </mc:Fallback>
+  </mc:AlternateContent>
+</p:sld>
+</file>
+
+<file path=ppt/slides/slide19.xml><?xml version="1.0" encoding="utf-8"?>
+<p:sld xmlns:a="http://schemas.openxmlformats.org/drawingml/2006/main" xmlns:r="http://schemas.openxmlformats.org/officeDocument/2006/relationships" xmlns:p="http://schemas.openxmlformats.org/presentationml/2006/main">
+  <p:cSld>
+    <p:spTree>
+      <p:nvGrpSpPr>
+        <p:cNvPr id="1" name=""/>
+        <p:cNvGrpSpPr/>
+        <p:nvPr/>
+      </p:nvGrpSpPr>
+      <p:grpSpPr>
+        <a:xfrm>
+          <a:off x="0" y="0"/>
+          <a:ext cx="0" cy="0"/>
+          <a:chOff x="0" y="0"/>
+          <a:chExt cx="0" cy="0"/>
+        </a:xfrm>
+      </p:grpSpPr>
+      <p:sp>
+        <p:nvSpPr>
+          <p:cNvPr id="2" name="标题 1">
+            <a:extLst>
+              <a:ext uri="{FF2B5EF4-FFF2-40B4-BE49-F238E27FC236}">
+                <a16:creationId xmlns:a16="http://schemas.microsoft.com/office/drawing/2014/main" id="{ABA783DF-49A6-7EF1-661E-C574E2C2F386}"/>
+              </a:ext>
+            </a:extLst>
+          </p:cNvPr>
+          <p:cNvSpPr>
+            <a:spLocks noGrp="1"/>
+          </p:cNvSpPr>
+          <p:nvPr>
+            <p:ph type="title"/>
+          </p:nvPr>
+        </p:nvSpPr>
+        <p:spPr/>
+        <p:txBody>
+          <a:bodyPr/>
+          <a:lstStyle/>
+          <a:p>
+            <a:r>
+              <a:rPr lang="en-US" altLang="zh-CN" dirty="0">
+                <a:effectLst>
+                  <a:outerShdw blurRad="38100" dist="38100" dir="2700000" algn="tl">
+                    <a:srgbClr val="000000">
+                      <a:alpha val="43137"/>
+                    </a:srgbClr>
+                  </a:outerShdw>
+                </a:effectLst>
+              </a:rPr>
+              <a:t>1.3 </a:t>
+            </a:r>
+            <a:r>
+              <a:rPr lang="en-US" altLang="zh-CN" dirty="0">
+                <a:effectLst>
+                  <a:outerShdw blurRad="38100" dist="38100" dir="2700000" algn="tl">
+                    <a:srgbClr val="000000">
+                      <a:alpha val="43137"/>
+                    </a:srgbClr>
+                  </a:outerShdw>
+                </a:effectLst>
+                <a:latin typeface="+mj-lt"/>
+              </a:rPr>
+              <a:t>Hello World</a:t>
+            </a:r>
+            <a:r>
+              <a:rPr lang="zh-CN" altLang="en-US" dirty="0">
+                <a:effectLst>
+                  <a:outerShdw blurRad="38100" dist="38100" dir="2700000" algn="tl">
+                    <a:srgbClr val="000000">
+                      <a:alpha val="43137"/>
+                    </a:srgbClr>
+                  </a:outerShdw>
+                </a:effectLst>
+              </a:rPr>
+              <a:t>！</a:t>
+            </a:r>
+            <a:r>
+              <a:rPr lang="zh-CN" altLang="en-US" dirty="0"/>
+              <a:t>：</a:t>
+            </a:r>
+            <a:r>
+              <a:rPr lang="zh-CN" altLang="en-US" dirty="0">
+                <a:effectLst>
+                  <a:outerShdw blurRad="38100" dist="38100" dir="2700000" algn="tl">
+                    <a:srgbClr val="000000">
+                      <a:alpha val="43137"/>
+                    </a:srgbClr>
+                  </a:outerShdw>
+                </a:effectLst>
+              </a:rPr>
+              <a:t>准备</a:t>
+            </a:r>
+          </a:p>
+        </p:txBody>
+      </p:sp>
+      <p:sp>
+        <p:nvSpPr>
+          <p:cNvPr id="5" name="内容占位符 4">
+            <a:extLst>
+              <a:ext uri="{FF2B5EF4-FFF2-40B4-BE49-F238E27FC236}">
+                <a16:creationId xmlns:a16="http://schemas.microsoft.com/office/drawing/2014/main" id="{334FF01F-2A65-44F6-34F9-69AC934A31D7}"/>
+              </a:ext>
+            </a:extLst>
+          </p:cNvPr>
+          <p:cNvSpPr>
+            <a:spLocks noGrp="1"/>
+          </p:cNvSpPr>
+          <p:nvPr>
+            <p:ph sz="half" idx="1"/>
+          </p:nvPr>
+        </p:nvSpPr>
+        <p:spPr>
+          <a:xfrm>
+            <a:off x="838199" y="1825625"/>
+            <a:ext cx="5423115" cy="4351338"/>
+          </a:xfrm>
+        </p:spPr>
+        <p:txBody>
+          <a:bodyPr/>
+          <a:lstStyle/>
+          <a:p>
+            <a:r>
               <a:rPr lang="zh-CN" altLang="en-US" dirty="0">
                 <a:solidFill>
                   <a:schemeClr val="bg1">
@@ -12462,6 +14728,490 @@
           </a:p>
           <a:p>
             <a:r>
+              <a:rPr lang="zh-CN" altLang="en-US" dirty="0"/>
+              <a:t>打开 </a:t>
+            </a:r>
+            <a:r>
+              <a:rPr lang="en-US" altLang="zh-CN" dirty="0">
+                <a:latin typeface="Consolas" panose="020B0609020204030204" pitchFamily="49" charset="0"/>
+              </a:rPr>
+              <a:t>VS Code</a:t>
+            </a:r>
+            <a:r>
+              <a:rPr lang="zh-CN" altLang="en-US" dirty="0"/>
+              <a:t>，并点选菜单项的</a:t>
+            </a:r>
+            <a:r>
+              <a:rPr lang="zh-CN" altLang="en-US" b="1" u="sng" dirty="0"/>
+              <a:t>文件 </a:t>
+            </a:r>
+            <a:r>
+              <a:rPr lang="en-US" altLang="zh-CN" b="1" u="sng" dirty="0"/>
+              <a:t>-&gt; </a:t>
+            </a:r>
+            <a:r>
+              <a:rPr lang="zh-CN" altLang="en-US" b="1" u="sng" dirty="0"/>
+              <a:t>打开文件夹</a:t>
+            </a:r>
+            <a:r>
+              <a:rPr lang="zh-CN" altLang="en-US" dirty="0"/>
+              <a:t>，来打开刚才新建的文件夹</a:t>
+            </a:r>
+            <a:endParaRPr lang="en-US" altLang="zh-CN" dirty="0"/>
+          </a:p>
+        </p:txBody>
+      </p:sp>
+      <p:pic>
+        <p:nvPicPr>
+          <p:cNvPr id="8" name="内容占位符 7">
+            <a:extLst>
+              <a:ext uri="{FF2B5EF4-FFF2-40B4-BE49-F238E27FC236}">
+                <a16:creationId xmlns:a16="http://schemas.microsoft.com/office/drawing/2014/main" id="{C2FF0611-1065-9722-49E1-B3C045A5A248}"/>
+              </a:ext>
+            </a:extLst>
+          </p:cNvPr>
+          <p:cNvPicPr>
+            <a:picLocks noGrp="1" noChangeAspect="1"/>
+          </p:cNvPicPr>
+          <p:nvPr>
+            <p:ph sz="half" idx="2"/>
+          </p:nvPr>
+        </p:nvPicPr>
+        <p:blipFill>
+          <a:blip r:embed="rId3">
+            <a:extLst>
+              <a:ext uri="{28A0092B-C50C-407E-A947-70E740481C1C}">
+                <a14:useLocalDpi xmlns:a14="http://schemas.microsoft.com/office/drawing/2010/main" val="0"/>
+              </a:ext>
+            </a:extLst>
+          </a:blip>
+          <a:srcRect/>
+          <a:stretch/>
+        </p:blipFill>
+        <p:spPr>
+          <a:xfrm>
+            <a:off x="6667318" y="2250123"/>
+            <a:ext cx="4191363" cy="3657917"/>
+          </a:xfrm>
+        </p:spPr>
+      </p:pic>
+    </p:spTree>
+    <p:extLst>
+      <p:ext uri="{BB962C8B-B14F-4D97-AF65-F5344CB8AC3E}">
+        <p14:creationId xmlns:p14="http://schemas.microsoft.com/office/powerpoint/2010/main" val="706773735"/>
+      </p:ext>
+    </p:extLst>
+  </p:cSld>
+  <p:clrMapOvr>
+    <a:masterClrMapping/>
+  </p:clrMapOvr>
+  <mc:AlternateContent xmlns:mc="http://schemas.openxmlformats.org/markup-compatibility/2006" xmlns:p14="http://schemas.microsoft.com/office/powerpoint/2010/main">
+    <mc:Choice Requires="p14">
+      <p:transition spd="med" p14:dur="700">
+        <p:fade/>
+      </p:transition>
+    </mc:Choice>
+    <mc:Fallback xmlns="">
+      <p:transition spd="med">
+        <p:fade/>
+      </p:transition>
+    </mc:Fallback>
+  </mc:AlternateContent>
+</p:sld>
+</file>
+
+<file path=ppt/slides/slide2.xml><?xml version="1.0" encoding="utf-8"?>
+<p:sld xmlns:a="http://schemas.openxmlformats.org/drawingml/2006/main" xmlns:r="http://schemas.openxmlformats.org/officeDocument/2006/relationships" xmlns:p="http://schemas.openxmlformats.org/presentationml/2006/main">
+  <p:cSld>
+    <p:spTree>
+      <p:nvGrpSpPr>
+        <p:cNvPr id="1" name=""/>
+        <p:cNvGrpSpPr/>
+        <p:nvPr/>
+      </p:nvGrpSpPr>
+      <p:grpSpPr>
+        <a:xfrm>
+          <a:off x="0" y="0"/>
+          <a:ext cx="0" cy="0"/>
+          <a:chOff x="0" y="0"/>
+          <a:chExt cx="0" cy="0"/>
+        </a:xfrm>
+      </p:grpSpPr>
+      <p:sp>
+        <p:nvSpPr>
+          <p:cNvPr id="3" name="内容占位符 2">
+            <a:extLst>
+              <a:ext uri="{FF2B5EF4-FFF2-40B4-BE49-F238E27FC236}">
+                <a16:creationId xmlns:a16="http://schemas.microsoft.com/office/drawing/2014/main" id="{AC7759D9-0BB4-08ED-8476-24F7D903D6DE}"/>
+              </a:ext>
+            </a:extLst>
+          </p:cNvPr>
+          <p:cNvSpPr>
+            <a:spLocks noGrp="1"/>
+          </p:cNvSpPr>
+          <p:nvPr>
+            <p:ph idx="1"/>
+          </p:nvPr>
+        </p:nvSpPr>
+        <p:spPr/>
+        <p:txBody>
+          <a:bodyPr>
+            <a:normAutofit/>
+          </a:bodyPr>
+          <a:lstStyle/>
+          <a:p>
+            <a:r>
+              <a:rPr lang="zh-CN" altLang="en-US" dirty="0"/>
+              <a:t>与</a:t>
+            </a:r>
+            <a:r>
+              <a:rPr lang="en-US" altLang="zh-CN" dirty="0"/>
+              <a:t>《Python </a:t>
+            </a:r>
+            <a:r>
+              <a:rPr lang="zh-CN" altLang="en-US" dirty="0"/>
+              <a:t>编程：从入门到实践（第三版）</a:t>
+            </a:r>
+            <a:r>
+              <a:rPr lang="en-US" altLang="zh-CN" dirty="0"/>
+              <a:t>》</a:t>
+            </a:r>
+            <a:r>
+              <a:rPr lang="zh-CN" altLang="en-US" dirty="0"/>
+              <a:t>一书配套使用</a:t>
+            </a:r>
+            <a:endParaRPr lang="en-US" altLang="zh-CN" dirty="0"/>
+          </a:p>
+          <a:p>
+            <a:r>
+              <a:rPr lang="zh-CN" altLang="en-US" dirty="0"/>
+              <a:t>讲义中的文本及绘图采用</a:t>
+            </a:r>
+            <a:r>
+              <a:rPr lang="zh-CN" altLang="en-US" u="sng" dirty="0">
+                <a:hlinkClick r:id="rId2"/>
+              </a:rPr>
+              <a:t>署名</a:t>
+            </a:r>
+            <a:r>
+              <a:rPr lang="en-US" altLang="zh-CN" u="sng" dirty="0">
+                <a:hlinkClick r:id="rId2"/>
+              </a:rPr>
+              <a:t>-</a:t>
+            </a:r>
+            <a:r>
+              <a:rPr lang="zh-CN" altLang="en-US" u="sng" dirty="0">
+                <a:hlinkClick r:id="rId2"/>
+              </a:rPr>
+              <a:t>非商业性使用</a:t>
+            </a:r>
+            <a:r>
+              <a:rPr lang="en-US" altLang="zh-CN" u="sng" dirty="0">
+                <a:hlinkClick r:id="rId2"/>
+              </a:rPr>
+              <a:t>-</a:t>
+            </a:r>
+            <a:r>
+              <a:rPr lang="zh-CN" altLang="en-US" u="sng" dirty="0">
+                <a:hlinkClick r:id="rId2"/>
+              </a:rPr>
+              <a:t>相同方式共享协议（</a:t>
+            </a:r>
+            <a:r>
+              <a:rPr lang="en-US" altLang="zh-CN" u="sng" dirty="0">
+                <a:hlinkClick r:id="rId2"/>
+              </a:rPr>
+              <a:t>CC BY-NC-SA 4.0</a:t>
+            </a:r>
+            <a:r>
+              <a:rPr lang="zh-CN" altLang="en-US" u="sng" dirty="0">
+                <a:hlinkClick r:id="rId2"/>
+              </a:rPr>
+              <a:t>）</a:t>
+            </a:r>
+            <a:r>
+              <a:rPr lang="zh-CN" altLang="en-US" u="sng" dirty="0"/>
+              <a:t>进行许可</a:t>
+            </a:r>
+            <a:endParaRPr lang="en-US" altLang="zh-CN" dirty="0"/>
+          </a:p>
+          <a:p>
+            <a:r>
+              <a:rPr lang="zh-CN" altLang="en-US" dirty="0"/>
+              <a:t>引用的网络图片附有超链接，可用于访问来源</a:t>
+            </a:r>
+            <a:endParaRPr lang="en-US" altLang="zh-CN" dirty="0"/>
+          </a:p>
+          <a:p>
+            <a:r>
+              <a:rPr lang="zh-CN" altLang="en-US" dirty="0"/>
+              <a:t>讨论、意见、答疑、勘误、更新：</a:t>
+            </a:r>
+            <a:endParaRPr lang="en-US" altLang="zh-CN" dirty="0"/>
+          </a:p>
+          <a:p>
+            <a:pPr marL="0" indent="0">
+              <a:buNone/>
+            </a:pPr>
+            <a:r>
+              <a:rPr lang="en-US" altLang="zh-CN" dirty="0">
+                <a:hlinkClick r:id="rId3"/>
+              </a:rPr>
+              <a:t>https://github.com/scruel/pcc_3e_slides</a:t>
+            </a:r>
+            <a:endParaRPr lang="en-US" altLang="zh-CN" dirty="0"/>
+          </a:p>
+          <a:p>
+            <a:pPr marL="0" indent="0">
+              <a:buNone/>
+            </a:pPr>
+            <a:endParaRPr lang="en-US" altLang="zh-CN" dirty="0"/>
+          </a:p>
+          <a:p>
+            <a:pPr marL="0" indent="0" algn="r">
+              <a:buNone/>
+            </a:pPr>
+            <a:r>
+              <a:rPr lang="zh-CN" altLang="en-US" dirty="0"/>
+              <a:t>作者：</a:t>
+            </a:r>
+            <a:r>
+              <a:rPr lang="en-US" altLang="zh-CN" dirty="0"/>
+              <a:t>@Scruel Tao</a:t>
+            </a:r>
+          </a:p>
+        </p:txBody>
+      </p:sp>
+      <p:sp>
+        <p:nvSpPr>
+          <p:cNvPr id="5" name="标题 4">
+            <a:extLst>
+              <a:ext uri="{FF2B5EF4-FFF2-40B4-BE49-F238E27FC236}">
+                <a16:creationId xmlns:a16="http://schemas.microsoft.com/office/drawing/2014/main" id="{14B5F31E-85DD-B8D9-9ED7-E32A03C57260}"/>
+              </a:ext>
+            </a:extLst>
+          </p:cNvPr>
+          <p:cNvSpPr>
+            <a:spLocks noGrp="1"/>
+          </p:cNvSpPr>
+          <p:nvPr>
+            <p:ph type="title"/>
+          </p:nvPr>
+        </p:nvSpPr>
+        <p:spPr/>
+        <p:txBody>
+          <a:bodyPr/>
+          <a:lstStyle/>
+          <a:p>
+            <a:r>
+              <a:rPr lang="zh-CN" altLang="en-US" dirty="0"/>
+              <a:t>关于本讲义</a:t>
+            </a:r>
+          </a:p>
+        </p:txBody>
+      </p:sp>
+    </p:spTree>
+    <p:extLst>
+      <p:ext uri="{BB962C8B-B14F-4D97-AF65-F5344CB8AC3E}">
+        <p14:creationId xmlns:p14="http://schemas.microsoft.com/office/powerpoint/2010/main" val="3625446739"/>
+      </p:ext>
+    </p:extLst>
+  </p:cSld>
+  <p:clrMapOvr>
+    <a:masterClrMapping/>
+  </p:clrMapOvr>
+  <mc:AlternateContent xmlns:mc="http://schemas.openxmlformats.org/markup-compatibility/2006" xmlns:p14="http://schemas.microsoft.com/office/powerpoint/2010/main">
+    <mc:Choice Requires="p14">
+      <p:transition spd="med" p14:dur="700">
+        <p:fade/>
+      </p:transition>
+    </mc:Choice>
+    <mc:Fallback xmlns="">
+      <p:transition spd="med">
+        <p:fade/>
+      </p:transition>
+    </mc:Fallback>
+  </mc:AlternateContent>
+</p:sld>
+</file>
+
+<file path=ppt/slides/slide20.xml><?xml version="1.0" encoding="utf-8"?>
+<p:sld xmlns:a="http://schemas.openxmlformats.org/drawingml/2006/main" xmlns:r="http://schemas.openxmlformats.org/officeDocument/2006/relationships" xmlns:p="http://schemas.openxmlformats.org/presentationml/2006/main">
+  <p:cSld>
+    <p:spTree>
+      <p:nvGrpSpPr>
+        <p:cNvPr id="1" name=""/>
+        <p:cNvGrpSpPr/>
+        <p:nvPr/>
+      </p:nvGrpSpPr>
+      <p:grpSpPr>
+        <a:xfrm>
+          <a:off x="0" y="0"/>
+          <a:ext cx="0" cy="0"/>
+          <a:chOff x="0" y="0"/>
+          <a:chExt cx="0" cy="0"/>
+        </a:xfrm>
+      </p:grpSpPr>
+      <p:sp>
+        <p:nvSpPr>
+          <p:cNvPr id="2" name="标题 1">
+            <a:extLst>
+              <a:ext uri="{FF2B5EF4-FFF2-40B4-BE49-F238E27FC236}">
+                <a16:creationId xmlns:a16="http://schemas.microsoft.com/office/drawing/2014/main" id="{ABA783DF-49A6-7EF1-661E-C574E2C2F386}"/>
+              </a:ext>
+            </a:extLst>
+          </p:cNvPr>
+          <p:cNvSpPr>
+            <a:spLocks noGrp="1"/>
+          </p:cNvSpPr>
+          <p:nvPr>
+            <p:ph type="title"/>
+          </p:nvPr>
+        </p:nvSpPr>
+        <p:spPr/>
+        <p:txBody>
+          <a:bodyPr/>
+          <a:lstStyle/>
+          <a:p>
+            <a:r>
+              <a:rPr lang="en-US" altLang="zh-CN" dirty="0">
+                <a:effectLst>
+                  <a:outerShdw blurRad="38100" dist="38100" dir="2700000" algn="tl">
+                    <a:srgbClr val="000000">
+                      <a:alpha val="43137"/>
+                    </a:srgbClr>
+                  </a:outerShdw>
+                </a:effectLst>
+              </a:rPr>
+              <a:t>1.3 </a:t>
+            </a:r>
+            <a:r>
+              <a:rPr lang="en-US" altLang="zh-CN" dirty="0">
+                <a:effectLst>
+                  <a:outerShdw blurRad="38100" dist="38100" dir="2700000" algn="tl">
+                    <a:srgbClr val="000000">
+                      <a:alpha val="43137"/>
+                    </a:srgbClr>
+                  </a:outerShdw>
+                </a:effectLst>
+                <a:latin typeface="+mj-lt"/>
+              </a:rPr>
+              <a:t>Hello World</a:t>
+            </a:r>
+            <a:r>
+              <a:rPr lang="zh-CN" altLang="en-US" dirty="0">
+                <a:effectLst>
+                  <a:outerShdw blurRad="38100" dist="38100" dir="2700000" algn="tl">
+                    <a:srgbClr val="000000">
+                      <a:alpha val="43137"/>
+                    </a:srgbClr>
+                  </a:outerShdw>
+                </a:effectLst>
+              </a:rPr>
+              <a:t>！</a:t>
+            </a:r>
+            <a:r>
+              <a:rPr lang="zh-CN" altLang="en-US" dirty="0"/>
+              <a:t>：</a:t>
+            </a:r>
+            <a:r>
+              <a:rPr lang="zh-CN" altLang="en-US" dirty="0">
+                <a:effectLst>
+                  <a:outerShdw blurRad="38100" dist="38100" dir="2700000" algn="tl">
+                    <a:srgbClr val="000000">
+                      <a:alpha val="43137"/>
+                    </a:srgbClr>
+                  </a:outerShdw>
+                </a:effectLst>
+              </a:rPr>
+              <a:t>准备</a:t>
+            </a:r>
+          </a:p>
+        </p:txBody>
+      </p:sp>
+      <p:sp>
+        <p:nvSpPr>
+          <p:cNvPr id="5" name="内容占位符 4">
+            <a:extLst>
+              <a:ext uri="{FF2B5EF4-FFF2-40B4-BE49-F238E27FC236}">
+                <a16:creationId xmlns:a16="http://schemas.microsoft.com/office/drawing/2014/main" id="{334FF01F-2A65-44F6-34F9-69AC934A31D7}"/>
+              </a:ext>
+            </a:extLst>
+          </p:cNvPr>
+          <p:cNvSpPr>
+            <a:spLocks noGrp="1"/>
+          </p:cNvSpPr>
+          <p:nvPr>
+            <p:ph sz="half" idx="1"/>
+          </p:nvPr>
+        </p:nvSpPr>
+        <p:spPr>
+          <a:xfrm>
+            <a:off x="838199" y="1825625"/>
+            <a:ext cx="5423115" cy="4351338"/>
+          </a:xfrm>
+        </p:spPr>
+        <p:txBody>
+          <a:bodyPr/>
+          <a:lstStyle/>
+          <a:p>
+            <a:r>
+              <a:rPr lang="zh-CN" altLang="en-US" dirty="0">
+                <a:solidFill>
+                  <a:schemeClr val="bg1">
+                    <a:lumMod val="65000"/>
+                  </a:schemeClr>
+                </a:solidFill>
+              </a:rPr>
+              <a:t>新建 </a:t>
+            </a:r>
+            <a:r>
+              <a:rPr lang="en-US" altLang="zh-CN" b="1" dirty="0" err="1">
+                <a:solidFill>
+                  <a:schemeClr val="bg1">
+                    <a:lumMod val="65000"/>
+                  </a:schemeClr>
+                </a:solidFill>
+                <a:highlight>
+                  <a:srgbClr val="F0F0F0"/>
+                </a:highlight>
+                <a:latin typeface="Consolas" panose="020B0609020204030204" pitchFamily="49" charset="0"/>
+              </a:rPr>
+              <a:t>python_work</a:t>
+            </a:r>
+            <a:r>
+              <a:rPr lang="zh-CN" altLang="en-US" b="1" dirty="0">
+                <a:solidFill>
+                  <a:schemeClr val="bg1">
+                    <a:lumMod val="65000"/>
+                  </a:schemeClr>
+                </a:solidFill>
+              </a:rPr>
+              <a:t> </a:t>
+            </a:r>
+            <a:r>
+              <a:rPr lang="zh-CN" altLang="en-US" dirty="0">
+                <a:solidFill>
+                  <a:schemeClr val="bg1">
+                    <a:lumMod val="65000"/>
+                  </a:schemeClr>
+                </a:solidFill>
+              </a:rPr>
+              <a:t>文件夹</a:t>
+            </a:r>
+            <a:endParaRPr lang="en-US" altLang="zh-CN" dirty="0">
+              <a:solidFill>
+                <a:schemeClr val="bg1">
+                  <a:lumMod val="65000"/>
+                </a:schemeClr>
+              </a:solidFill>
+              <a:highlight>
+                <a:srgbClr val="C0C0C0"/>
+              </a:highlight>
+            </a:endParaRPr>
+          </a:p>
+          <a:p>
+            <a:r>
               <a:rPr lang="zh-CN" altLang="en-US" dirty="0">
                 <a:solidFill>
                   <a:schemeClr val="bg1">
@@ -12490,7 +15240,17 @@
                   </a:schemeClr>
                 </a:solidFill>
               </a:rPr>
-              <a:t>，并选择菜单 </a:t>
+              <a:t>，并点选菜单项的</a:t>
+            </a:r>
+            <a:r>
+              <a:rPr lang="zh-CN" altLang="en-US" b="1" u="sng" dirty="0">
+                <a:solidFill>
+                  <a:schemeClr val="bg1">
+                    <a:lumMod val="65000"/>
+                  </a:schemeClr>
+                </a:solidFill>
+              </a:rPr>
+              <a:t>文件 </a:t>
             </a:r>
             <a:r>
               <a:rPr lang="en-US" altLang="zh-CN" b="1" u="sng" dirty="0">
@@ -12499,9 +15259,18 @@
                     <a:lumMod val="65000"/>
                   </a:schemeClr>
                 </a:solidFill>
-                <a:latin typeface="Consolas" panose="020B0609020204030204" pitchFamily="49" charset="0"/>
-              </a:rPr>
-              <a:t>File -&gt; Open Folder</a:t>
+              </a:rPr>
+              <a:t>-&gt; </a:t>
+            </a:r>
+            <a:r>
+              <a:rPr lang="zh-CN" altLang="en-US" b="1" u="sng" dirty="0">
+                <a:solidFill>
+                  <a:schemeClr val="bg1">
+                    <a:lumMod val="65000"/>
+                  </a:schemeClr>
+                </a:solidFill>
+              </a:rPr>
+              <a:t>打开文件夹</a:t>
             </a:r>
             <a:r>
               <a:rPr lang="zh-CN" altLang="en-US" dirty="0">
@@ -12511,7 +15280,7 @@
                   </a:schemeClr>
                 </a:solidFill>
               </a:rPr>
-              <a:t>，打开新建的文件夹</a:t>
+              <a:t>，来打开刚才新建的文件夹</a:t>
             </a:r>
             <a:endParaRPr lang="en-US" altLang="zh-CN" dirty="0">
               <a:solidFill>
@@ -12524,7 +15293,7 @@
           <a:p>
             <a:r>
               <a:rPr lang="zh-CN" altLang="en-US" dirty="0"/>
-              <a:t>问询信任文件夹时点选</a:t>
+              <a:t>有问询信任弹窗的话请点选</a:t>
             </a:r>
             <a:r>
               <a:rPr lang="zh-CN" altLang="en-US" b="1" dirty="0"/>
@@ -12596,7 +15365,7 @@
 </p:sld>
 </file>
 
-<file path=ppt/slides/slide17.xml><?xml version="1.0" encoding="utf-8"?>
+<file path=ppt/slides/slide21.xml><?xml version="1.0" encoding="utf-8"?>
 <p:sld xmlns:a="http://schemas.openxmlformats.org/drawingml/2006/main" xmlns:r="http://schemas.openxmlformats.org/officeDocument/2006/relationships" xmlns:p="http://schemas.openxmlformats.org/presentationml/2006/main">
   <p:cSld>
     <p:spTree>
@@ -12801,7 +15570,17 @@
                   </a:schemeClr>
                 </a:solidFill>
               </a:rPr>
-              <a:t>，并选择菜单 </a:t>
+              <a:t>，并点选菜单项的</a:t>
+            </a:r>
+            <a:r>
+              <a:rPr lang="zh-CN" altLang="en-US" b="1" u="sng" dirty="0">
+                <a:solidFill>
+                  <a:schemeClr val="bg1">
+                    <a:lumMod val="65000"/>
+                  </a:schemeClr>
+                </a:solidFill>
+              </a:rPr>
+              <a:t>文件 </a:t>
             </a:r>
             <a:r>
               <a:rPr lang="en-US" altLang="zh-CN" b="1" u="sng" dirty="0">
@@ -12810,9 +15589,18 @@
                     <a:lumMod val="65000"/>
                   </a:schemeClr>
                 </a:solidFill>
-                <a:latin typeface="Consolas" panose="020B0609020204030204" pitchFamily="49" charset="0"/>
-              </a:rPr>
-              <a:t>File -&gt; Open Folder</a:t>
+              </a:rPr>
+              <a:t>-&gt; </a:t>
+            </a:r>
+            <a:r>
+              <a:rPr lang="zh-CN" altLang="en-US" b="1" u="sng" dirty="0">
+                <a:solidFill>
+                  <a:schemeClr val="bg1">
+                    <a:lumMod val="65000"/>
+                  </a:schemeClr>
+                </a:solidFill>
+              </a:rPr>
+              <a:t>打开文件夹</a:t>
             </a:r>
             <a:r>
               <a:rPr lang="zh-CN" altLang="en-US" dirty="0">
@@ -12822,7 +15610,7 @@
                   </a:schemeClr>
                 </a:solidFill>
               </a:rPr>
-              <a:t>，打开新建的文件夹</a:t>
+              <a:t>，来打开刚才新建的文件夹</a:t>
             </a:r>
             <a:endParaRPr lang="en-US" altLang="zh-CN" dirty="0">
               <a:solidFill>
@@ -12841,7 +15629,7 @@
                   </a:schemeClr>
                 </a:solidFill>
               </a:rPr>
-              <a:t>问询信任文件夹时点选</a:t>
+              <a:t>有问询信任弹窗的话请点选</a:t>
             </a:r>
             <a:r>
               <a:rPr lang="zh-CN" altLang="en-US" b="1" dirty="0">
@@ -12864,23 +15652,26 @@
           <a:p>
             <a:r>
               <a:rPr lang="zh-CN" altLang="en-US" dirty="0"/>
-              <a:t>右键目录面板，选择 </a:t>
-            </a:r>
-            <a:r>
-              <a:rPr lang="en-US" altLang="zh-CN" b="1" u="sng" dirty="0">
+              <a:t>右键左边空白处，点击</a:t>
+            </a:r>
+            <a:r>
+              <a:rPr lang="zh-CN" altLang="en-US" b="1" u="sng" dirty="0">
                 <a:latin typeface="Consolas" panose="020B0609020204030204" pitchFamily="49" charset="0"/>
               </a:rPr>
-              <a:t>New File</a:t>
-            </a:r>
+              <a:t>新建文件</a:t>
+            </a:r>
+            <a:endParaRPr lang="en-US" altLang="zh-CN" b="1" u="sng" dirty="0">
+              <a:latin typeface="Consolas" panose="020B0609020204030204" pitchFamily="49" charset="0"/>
+            </a:endParaRPr>
           </a:p>
         </p:txBody>
       </p:sp>
       <p:pic>
         <p:nvPicPr>
-          <p:cNvPr id="7" name="内容占位符 6">
+          <p:cNvPr id="11" name="内容占位符 10">
             <a:extLst>
               <a:ext uri="{FF2B5EF4-FFF2-40B4-BE49-F238E27FC236}">
-                <a16:creationId xmlns:a16="http://schemas.microsoft.com/office/drawing/2014/main" id="{0EC97AC6-5373-86D3-6B29-02CCA748C95C}"/>
+                <a16:creationId xmlns:a16="http://schemas.microsoft.com/office/drawing/2014/main" id="{468E6746-31C3-018E-3E32-4C4A040F244F}"/>
               </a:ext>
             </a:extLst>
           </p:cNvPr>
@@ -12892,7 +15683,7 @@
           </p:nvPr>
         </p:nvPicPr>
         <p:blipFill>
-          <a:blip r:embed="rId2">
+          <a:blip r:embed="rId3">
             <a:extLst>
               <a:ext uri="{28A0092B-C50C-407E-A947-70E740481C1C}">
                 <a14:useLocalDpi xmlns:a14="http://schemas.microsoft.com/office/drawing/2010/main" val="0"/>
@@ -12904,12 +15695,9 @@
         </p:blipFill>
         <p:spPr>
           <a:xfrm>
-            <a:off x="7227213" y="2098034"/>
-            <a:ext cx="4126587" cy="3806520"/>
+            <a:off x="6667318" y="2250123"/>
+            <a:ext cx="4191363" cy="3657917"/>
           </a:xfrm>
-          <a:prstGeom prst="rect">
-            <a:avLst/>
-          </a:prstGeom>
         </p:spPr>
       </p:pic>
     </p:spTree>
@@ -12937,7 +15725,7 @@
 </p:sld>
 </file>
 
-<file path=ppt/slides/slide18.xml><?xml version="1.0" encoding="utf-8"?>
+<file path=ppt/slides/slide22.xml><?xml version="1.0" encoding="utf-8"?>
 <p:sld xmlns:a="http://schemas.openxmlformats.org/drawingml/2006/main" xmlns:r="http://schemas.openxmlformats.org/officeDocument/2006/relationships" xmlns:p="http://schemas.openxmlformats.org/presentationml/2006/main">
   <p:cSld>
     <p:spTree>
@@ -13054,7 +15842,7 @@
           </a:xfrm>
         </p:spPr>
         <p:txBody>
-          <a:bodyPr/>
+          <a:bodyPr tIns="46800"/>
           <a:lstStyle/>
           <a:p>
             <a:r>
@@ -13142,7 +15930,17 @@
                   </a:schemeClr>
                 </a:solidFill>
               </a:rPr>
-              <a:t>，并选择菜单 </a:t>
+              <a:t>，并点选菜单项的</a:t>
+            </a:r>
+            <a:r>
+              <a:rPr lang="zh-CN" altLang="en-US" b="1" u="sng" dirty="0">
+                <a:solidFill>
+                  <a:schemeClr val="bg1">
+                    <a:lumMod val="65000"/>
+                  </a:schemeClr>
+                </a:solidFill>
+              </a:rPr>
+              <a:t>文件 </a:t>
             </a:r>
             <a:r>
               <a:rPr lang="en-US" altLang="zh-CN" b="1" u="sng" dirty="0">
@@ -13151,9 +15949,18 @@
                     <a:lumMod val="65000"/>
                   </a:schemeClr>
                 </a:solidFill>
-                <a:latin typeface="Consolas" panose="020B0609020204030204" pitchFamily="49" charset="0"/>
-              </a:rPr>
-              <a:t>File -&gt; Open Folder</a:t>
+              </a:rPr>
+              <a:t>-&gt; </a:t>
+            </a:r>
+            <a:r>
+              <a:rPr lang="zh-CN" altLang="en-US" b="1" u="sng" dirty="0">
+                <a:solidFill>
+                  <a:schemeClr val="bg1">
+                    <a:lumMod val="65000"/>
+                  </a:schemeClr>
+                </a:solidFill>
+              </a:rPr>
+              <a:t>打开文件夹</a:t>
             </a:r>
             <a:r>
               <a:rPr lang="zh-CN" altLang="en-US" dirty="0">
@@ -13163,7 +15970,7 @@
                   </a:schemeClr>
                 </a:solidFill>
               </a:rPr>
-              <a:t>，打开新建的文件夹</a:t>
+              <a:t>，来打开刚才新建的文件夹</a:t>
             </a:r>
             <a:endParaRPr lang="en-US" altLang="zh-CN" dirty="0">
               <a:solidFill>
@@ -13182,7 +15989,7 @@
                   </a:schemeClr>
                 </a:solidFill>
               </a:rPr>
-              <a:t>问询信任文件夹时点选</a:t>
+              <a:t>有问询信任弹窗的话请点选</a:t>
             </a:r>
             <a:r>
               <a:rPr lang="zh-CN" altLang="en-US" b="1" dirty="0">
@@ -13211,10 +16018,10 @@
                   </a:schemeClr>
                 </a:solidFill>
               </a:rPr>
-              <a:t>右键目录面板，选择 </a:t>
-            </a:r>
-            <a:r>
-              <a:rPr lang="en-US" altLang="zh-CN" b="1" u="sng" dirty="0">
+              <a:t>右键左边空白处，点击</a:t>
+            </a:r>
+            <a:r>
+              <a:rPr lang="zh-CN" altLang="en-US" b="1" u="sng" dirty="0">
                 <a:solidFill>
                   <a:schemeClr val="bg1">
                     <a:lumMod val="65000"/>
@@ -13222,7 +16029,7 @@
                 </a:solidFill>
                 <a:latin typeface="Consolas" panose="020B0609020204030204" pitchFamily="49" charset="0"/>
               </a:rPr>
-              <a:t>New File</a:t>
+              <a:t>新建文件</a:t>
             </a:r>
             <a:endParaRPr lang="en-US" altLang="zh-CN" b="1" u="sng" dirty="0">
               <a:solidFill>
@@ -13230,12 +16037,13 @@
                   <a:lumMod val="65000"/>
                 </a:schemeClr>
               </a:solidFill>
+              <a:latin typeface="Consolas" panose="020B0609020204030204" pitchFamily="49" charset="0"/>
             </a:endParaRPr>
           </a:p>
           <a:p>
             <a:r>
               <a:rPr lang="zh-CN" altLang="en-US" dirty="0"/>
-              <a:t>输入 </a:t>
+              <a:t>在显示的输入框中，输入 </a:t>
             </a:r>
             <a:r>
               <a:rPr lang="en-US" altLang="zh-CN" dirty="0">
@@ -13260,7 +16068,23 @@
                   <a:srgbClr val="FFFFFF"/>
                 </a:highlight>
               </a:rPr>
-              <a:t>以新建文件</a:t>
+              <a:t>并按回车键，以新建 </a:t>
+            </a:r>
+            <a:r>
+              <a:rPr lang="en-US" altLang="zh-CN" dirty="0">
+                <a:highlight>
+                  <a:srgbClr val="FFFFFF"/>
+                </a:highlight>
+              </a:rPr>
+              <a:t>Python </a:t>
+            </a:r>
+            <a:r>
+              <a:rPr lang="zh-CN" altLang="en-US" dirty="0">
+                <a:highlight>
+                  <a:srgbClr val="FFFFFF"/>
+                </a:highlight>
+              </a:rPr>
+              <a:t>代码文件</a:t>
             </a:r>
             <a:endParaRPr lang="en-US" altLang="zh-CN" dirty="0">
               <a:highlight>
@@ -13275,10 +16099,10 @@
       </p:sp>
       <p:pic>
         <p:nvPicPr>
-          <p:cNvPr id="7" name="内容占位符 6">
+          <p:cNvPr id="8" name="内容占位符 7">
             <a:extLst>
               <a:ext uri="{FF2B5EF4-FFF2-40B4-BE49-F238E27FC236}">
-                <a16:creationId xmlns:a16="http://schemas.microsoft.com/office/drawing/2014/main" id="{F8B2DF25-F112-20DD-C76E-F59A1BDB922C}"/>
+                <a16:creationId xmlns:a16="http://schemas.microsoft.com/office/drawing/2014/main" id="{BBDF345A-ACA2-AFDC-8957-87457A4097D2}"/>
               </a:ext>
             </a:extLst>
           </p:cNvPr>
@@ -13297,17 +16121,15 @@
               </a:ext>
             </a:extLst>
           </a:blip>
-          <a:srcRect/>
-          <a:stretch/>
+          <a:stretch>
+            <a:fillRect/>
+          </a:stretch>
         </p:blipFill>
         <p:spPr>
           <a:xfrm>
-            <a:off x="7000003" y="1915728"/>
-            <a:ext cx="4353797" cy="3026543"/>
+            <a:off x="6667318" y="2250123"/>
+            <a:ext cx="4191363" cy="3657917"/>
           </a:xfrm>
-          <a:prstGeom prst="rect">
-            <a:avLst/>
-          </a:prstGeom>
         </p:spPr>
       </p:pic>
     </p:spTree>
@@ -13335,7 +16157,7 @@
 </p:sld>
 </file>
 
-<file path=ppt/slides/slide19.xml><?xml version="1.0" encoding="utf-8"?>
+<file path=ppt/slides/slide23.xml><?xml version="1.0" encoding="utf-8"?>
 <p:sld xmlns:a="http://schemas.openxmlformats.org/drawingml/2006/main" xmlns:r="http://schemas.openxmlformats.org/officeDocument/2006/relationships" xmlns:p="http://schemas.openxmlformats.org/presentationml/2006/main">
   <p:cSld>
     <p:spTree>
@@ -13436,48 +16258,74 @@
           <a:p>
             <a:r>
               <a:rPr lang="zh-CN" altLang="en-US" dirty="0"/>
-              <a:t>在新建的 </a:t>
-            </a:r>
-            <a:r>
-              <a:rPr lang="en-US" altLang="zh-CN" dirty="0">
+              <a:t>打开新建的文件，在其中输入</a:t>
+            </a:r>
+            <a:endParaRPr lang="en-US" altLang="zh-CN" dirty="0"/>
+          </a:p>
+          <a:p>
+            <a:pPr marL="0" indent="0">
+              <a:buNone/>
+            </a:pPr>
+            <a:r>
+              <a:rPr lang="en-US" altLang="zh-CN" b="1" dirty="0">
+                <a:highlight>
+                  <a:srgbClr val="FFFFFF"/>
+                </a:highlight>
+              </a:rPr>
+              <a:t>  </a:t>
+            </a:r>
+          </a:p>
+        </p:txBody>
+      </p:sp>
+      <p:sp>
+        <p:nvSpPr>
+          <p:cNvPr id="6" name="文本框 5">
+            <a:extLst>
+              <a:ext uri="{FF2B5EF4-FFF2-40B4-BE49-F238E27FC236}">
+                <a16:creationId xmlns:a16="http://schemas.microsoft.com/office/drawing/2014/main" id="{446DB7A6-FEBA-3FD3-6743-1F2AC323733E}"/>
+              </a:ext>
+            </a:extLst>
+          </p:cNvPr>
+          <p:cNvSpPr txBox="1"/>
+          <p:nvPr/>
+        </p:nvSpPr>
+        <p:spPr>
+          <a:xfrm>
+            <a:off x="948505" y="2399987"/>
+            <a:ext cx="4960989" cy="461665"/>
+          </a:xfrm>
+          <a:prstGeom prst="rect">
+            <a:avLst/>
+          </a:prstGeom>
+          <a:noFill/>
+        </p:spPr>
+        <p:txBody>
+          <a:bodyPr wrap="square">
+            <a:spAutoFit/>
+          </a:bodyPr>
+          <a:lstStyle/>
+          <a:p>
+            <a:pPr marL="0" indent="0">
+              <a:buNone/>
+            </a:pPr>
+            <a:r>
+              <a:rPr lang="en-US" altLang="zh-CN" sz="2400" b="1" dirty="0">
                 <a:highlight>
                   <a:srgbClr val="F0F0F0"/>
                 </a:highlight>
                 <a:latin typeface="Consolas" panose="020B0609020204030204" pitchFamily="49" charset="0"/>
               </a:rPr>
-              <a:t>py</a:t>
-            </a:r>
-            <a:r>
-              <a:rPr lang="en-US" altLang="zh-CN" dirty="0"/>
-              <a:t> </a:t>
-            </a:r>
-            <a:r>
-              <a:rPr lang="zh-CN" altLang="en-US" dirty="0"/>
-              <a:t>文件中输入</a:t>
-            </a:r>
-            <a:endParaRPr lang="en-US" altLang="zh-CN" dirty="0"/>
-          </a:p>
-          <a:p>
-            <a:pPr marL="0" indent="0">
-              <a:buNone/>
-            </a:pPr>
-            <a:r>
-              <a:rPr lang="en-US" altLang="zh-CN" b="1" dirty="0">
-                <a:highlight>
-                  <a:srgbClr val="FFFFFF"/>
-                </a:highlight>
-              </a:rPr>
-              <a:t>  </a:t>
+              <a:t>print("Hello Python world!")</a:t>
             </a:r>
           </a:p>
         </p:txBody>
       </p:sp>
       <p:pic>
         <p:nvPicPr>
-          <p:cNvPr id="14" name="内容占位符 13">
+          <p:cNvPr id="8" name="内容占位符 7">
             <a:extLst>
               <a:ext uri="{FF2B5EF4-FFF2-40B4-BE49-F238E27FC236}">
-                <a16:creationId xmlns:a16="http://schemas.microsoft.com/office/drawing/2014/main" id="{8C48D656-52E0-8C42-EF17-6B3421824C1A}"/>
+                <a16:creationId xmlns:a16="http://schemas.microsoft.com/office/drawing/2014/main" id="{28A16F33-A272-826C-8E01-2B22E4E377A1}"/>
               </a:ext>
             </a:extLst>
           </p:cNvPr>
@@ -13496,60 +16344,16 @@
               </a:ext>
             </a:extLst>
           </a:blip>
-          <a:stretch>
-            <a:fillRect/>
-          </a:stretch>
+          <a:srcRect/>
+          <a:stretch/>
         </p:blipFill>
         <p:spPr>
           <a:xfrm>
-            <a:off x="6538930" y="2358490"/>
-            <a:ext cx="4814870" cy="2141019"/>
+            <a:off x="6667318" y="2250123"/>
+            <a:ext cx="4191363" cy="3657917"/>
           </a:xfrm>
         </p:spPr>
       </p:pic>
-      <p:sp>
-        <p:nvSpPr>
-          <p:cNvPr id="6" name="文本框 5">
-            <a:extLst>
-              <a:ext uri="{FF2B5EF4-FFF2-40B4-BE49-F238E27FC236}">
-                <a16:creationId xmlns:a16="http://schemas.microsoft.com/office/drawing/2014/main" id="{446DB7A6-FEBA-3FD3-6743-1F2AC323733E}"/>
-              </a:ext>
-            </a:extLst>
-          </p:cNvPr>
-          <p:cNvSpPr txBox="1"/>
-          <p:nvPr/>
-        </p:nvSpPr>
-        <p:spPr>
-          <a:xfrm>
-            <a:off x="948505" y="2399987"/>
-            <a:ext cx="4960989" cy="461665"/>
-          </a:xfrm>
-          <a:prstGeom prst="rect">
-            <a:avLst/>
-          </a:prstGeom>
-          <a:noFill/>
-        </p:spPr>
-        <p:txBody>
-          <a:bodyPr wrap="square">
-            <a:spAutoFit/>
-          </a:bodyPr>
-          <a:lstStyle/>
-          <a:p>
-            <a:pPr marL="0" indent="0">
-              <a:buNone/>
-            </a:pPr>
-            <a:r>
-              <a:rPr lang="en-US" altLang="zh-CN" sz="2400" b="1" dirty="0">
-                <a:highlight>
-                  <a:srgbClr val="F0F0F0"/>
-                </a:highlight>
-                <a:latin typeface="Consolas" panose="020B0609020204030204" pitchFamily="49" charset="0"/>
-              </a:rPr>
-              <a:t>print("Hello Python world!")</a:t>
-            </a:r>
-          </a:p>
-        </p:txBody>
-      </p:sp>
     </p:spTree>
     <p:extLst>
       <p:ext uri="{BB962C8B-B14F-4D97-AF65-F5344CB8AC3E}">
@@ -13575,7 +16379,7 @@
 </p:sld>
 </file>
 
-<file path=ppt/slides/slide2.xml><?xml version="1.0" encoding="utf-8"?>
+<file path=ppt/slides/slide24.xml><?xml version="1.0" encoding="utf-8"?>
 <p:sld xmlns:a="http://schemas.openxmlformats.org/drawingml/2006/main" xmlns:r="http://schemas.openxmlformats.org/officeDocument/2006/relationships" xmlns:p="http://schemas.openxmlformats.org/presentationml/2006/main">
   <p:cSld>
     <p:spTree>
@@ -13594,155 +16398,10 @@
       </p:grpSpPr>
       <p:sp>
         <p:nvSpPr>
-          <p:cNvPr id="3" name="内容占位符 2">
+          <p:cNvPr id="2" name="标题 1">
             <a:extLst>
               <a:ext uri="{FF2B5EF4-FFF2-40B4-BE49-F238E27FC236}">
-                <a16:creationId xmlns:a16="http://schemas.microsoft.com/office/drawing/2014/main" id="{AC7759D9-0BB4-08ED-8476-24F7D903D6DE}"/>
-              </a:ext>
-            </a:extLst>
-          </p:cNvPr>
-          <p:cNvSpPr>
-            <a:spLocks noGrp="1"/>
-          </p:cNvSpPr>
-          <p:nvPr>
-            <p:ph idx="1"/>
-          </p:nvPr>
-        </p:nvSpPr>
-        <p:spPr/>
-        <p:txBody>
-          <a:bodyPr>
-            <a:normAutofit/>
-          </a:bodyPr>
-          <a:lstStyle/>
-          <a:p>
-            <a:r>
-              <a:rPr lang="zh-CN" altLang="en-US" dirty="0"/>
-              <a:t>与</a:t>
-            </a:r>
-            <a:r>
-              <a:rPr lang="en-US" altLang="zh-CN" dirty="0"/>
-              <a:t>《Python </a:t>
-            </a:r>
-            <a:r>
-              <a:rPr lang="zh-CN" altLang="en-US" dirty="0"/>
-              <a:t>编程：从入门到实践（第三版）</a:t>
-            </a:r>
-            <a:r>
-              <a:rPr lang="en-US" altLang="zh-CN" dirty="0"/>
-              <a:t>》</a:t>
-            </a:r>
-            <a:r>
-              <a:rPr lang="zh-CN" altLang="en-US" dirty="0"/>
-              <a:t>一书配套使用</a:t>
-            </a:r>
-            <a:endParaRPr lang="en-US" altLang="zh-CN" dirty="0"/>
-          </a:p>
-          <a:p>
-            <a:r>
-              <a:rPr lang="zh-CN" altLang="en-US" dirty="0"/>
-              <a:t>讲义中的文本及绘图采用</a:t>
-            </a:r>
-            <a:r>
-              <a:rPr lang="zh-CN" altLang="en-US" u="sng" dirty="0">
-                <a:hlinkClick r:id="rId2"/>
-              </a:rPr>
-              <a:t>署名</a:t>
-            </a:r>
-            <a:r>
-              <a:rPr lang="en-US" altLang="zh-CN" u="sng" dirty="0">
-                <a:hlinkClick r:id="rId2"/>
-              </a:rPr>
-              <a:t>-</a:t>
-            </a:r>
-            <a:r>
-              <a:rPr lang="zh-CN" altLang="en-US" u="sng" dirty="0">
-                <a:hlinkClick r:id="rId2"/>
-              </a:rPr>
-              <a:t>非商业性使用</a:t>
-            </a:r>
-            <a:r>
-              <a:rPr lang="en-US" altLang="zh-CN" u="sng" dirty="0">
-                <a:hlinkClick r:id="rId2"/>
-              </a:rPr>
-              <a:t>-</a:t>
-            </a:r>
-            <a:r>
-              <a:rPr lang="zh-CN" altLang="en-US" u="sng" dirty="0">
-                <a:hlinkClick r:id="rId2"/>
-              </a:rPr>
-              <a:t>相同方式共享协议（</a:t>
-            </a:r>
-            <a:r>
-              <a:rPr lang="en-US" altLang="zh-CN" u="sng" dirty="0">
-                <a:hlinkClick r:id="rId2"/>
-              </a:rPr>
-              <a:t>CC BY-NC-SA 4.0</a:t>
-            </a:r>
-            <a:r>
-              <a:rPr lang="zh-CN" altLang="en-US" u="sng" dirty="0">
-                <a:hlinkClick r:id="rId2"/>
-              </a:rPr>
-              <a:t>）</a:t>
-            </a:r>
-            <a:r>
-              <a:rPr lang="zh-CN" altLang="en-US" u="sng" dirty="0"/>
-              <a:t>进行许可</a:t>
-            </a:r>
-            <a:endParaRPr lang="en-US" altLang="zh-CN" dirty="0"/>
-          </a:p>
-          <a:p>
-            <a:r>
-              <a:rPr lang="zh-CN" altLang="en-US" dirty="0"/>
-              <a:t>引用的网络图片附有超链接，可用于访问来源</a:t>
-            </a:r>
-            <a:endParaRPr lang="en-US" altLang="zh-CN" dirty="0"/>
-          </a:p>
-          <a:p>
-            <a:r>
-              <a:rPr lang="zh-CN" altLang="en-US" dirty="0"/>
-              <a:t>讨论、意见、答疑、勘误、更新：</a:t>
-            </a:r>
-            <a:endParaRPr lang="en-US" altLang="zh-CN" dirty="0"/>
-          </a:p>
-          <a:p>
-            <a:pPr marL="0" indent="0">
-              <a:buNone/>
-            </a:pPr>
-            <a:r>
-              <a:rPr lang="en-US" altLang="zh-CN" dirty="0">
-                <a:hlinkClick r:id="rId3"/>
-              </a:rPr>
-              <a:t>https://github.com/scruel/pcc_3e_slides</a:t>
-            </a:r>
-            <a:endParaRPr lang="en-US" altLang="zh-CN" dirty="0"/>
-          </a:p>
-          <a:p>
-            <a:pPr marL="0" indent="0">
-              <a:buNone/>
-            </a:pPr>
-            <a:endParaRPr lang="en-US" altLang="zh-CN" dirty="0"/>
-          </a:p>
-          <a:p>
-            <a:pPr marL="0" indent="0" algn="r">
-              <a:buNone/>
-            </a:pPr>
-            <a:r>
-              <a:rPr lang="zh-CN" altLang="en-US" dirty="0"/>
-              <a:t>作者：</a:t>
-            </a:r>
-            <a:r>
-              <a:rPr lang="en-US" altLang="zh-CN" dirty="0"/>
-              <a:t>@Scruel Tao</a:t>
-            </a:r>
-          </a:p>
-        </p:txBody>
-      </p:sp>
-      <p:sp>
-        <p:nvSpPr>
-          <p:cNvPr id="5" name="标题 4">
-            <a:extLst>
-              <a:ext uri="{FF2B5EF4-FFF2-40B4-BE49-F238E27FC236}">
-                <a16:creationId xmlns:a16="http://schemas.microsoft.com/office/drawing/2014/main" id="{14B5F31E-85DD-B8D9-9ED7-E32A03C57260}"/>
+                <a16:creationId xmlns:a16="http://schemas.microsoft.com/office/drawing/2014/main" id="{ABA783DF-49A6-7EF1-661E-C574E2C2F386}"/>
               </a:ext>
             </a:extLst>
           </p:cNvPr>
@@ -13759,16 +16418,202 @@
           <a:lstStyle/>
           <a:p>
             <a:r>
+              <a:rPr lang="en-US" altLang="zh-CN" dirty="0">
+                <a:effectLst>
+                  <a:outerShdw blurRad="38100" dist="38100" dir="2700000" algn="tl">
+                    <a:srgbClr val="000000">
+                      <a:alpha val="43137"/>
+                    </a:srgbClr>
+                  </a:outerShdw>
+                </a:effectLst>
+              </a:rPr>
+              <a:t>1.3 </a:t>
+            </a:r>
+            <a:r>
+              <a:rPr lang="en-US" altLang="zh-CN" dirty="0">
+                <a:effectLst>
+                  <a:outerShdw blurRad="38100" dist="38100" dir="2700000" algn="tl">
+                    <a:srgbClr val="000000">
+                      <a:alpha val="43137"/>
+                    </a:srgbClr>
+                  </a:outerShdw>
+                </a:effectLst>
+                <a:latin typeface="+mj-lt"/>
+              </a:rPr>
+              <a:t>Hello World</a:t>
+            </a:r>
+            <a:r>
+              <a:rPr lang="zh-CN" altLang="en-US" dirty="0">
+                <a:effectLst>
+                  <a:outerShdw blurRad="38100" dist="38100" dir="2700000" algn="tl">
+                    <a:srgbClr val="000000">
+                      <a:alpha val="43137"/>
+                    </a:srgbClr>
+                  </a:outerShdw>
+                </a:effectLst>
+              </a:rPr>
+              <a:t>！：编写和运行</a:t>
+            </a:r>
+          </a:p>
+        </p:txBody>
+      </p:sp>
+      <p:sp>
+        <p:nvSpPr>
+          <p:cNvPr id="5" name="内容占位符 4">
+            <a:extLst>
+              <a:ext uri="{FF2B5EF4-FFF2-40B4-BE49-F238E27FC236}">
+                <a16:creationId xmlns:a16="http://schemas.microsoft.com/office/drawing/2014/main" id="{334FF01F-2A65-44F6-34F9-69AC934A31D7}"/>
+              </a:ext>
+            </a:extLst>
+          </p:cNvPr>
+          <p:cNvSpPr>
+            <a:spLocks noGrp="1"/>
+          </p:cNvSpPr>
+          <p:nvPr>
+            <p:ph sz="half" idx="1"/>
+          </p:nvPr>
+        </p:nvSpPr>
+        <p:spPr/>
+        <p:txBody>
+          <a:bodyPr/>
+          <a:lstStyle/>
+          <a:p>
+            <a:r>
+              <a:rPr lang="zh-CN" altLang="en-US" dirty="0">
+                <a:solidFill>
+                  <a:schemeClr val="bg1">
+                    <a:lumMod val="65000"/>
+                  </a:schemeClr>
+                </a:solidFill>
+              </a:rPr>
+              <a:t>打开新建的文件，在其中输入</a:t>
+            </a:r>
+            <a:endParaRPr lang="en-US" altLang="zh-CN" dirty="0">
+              <a:solidFill>
+                <a:schemeClr val="bg1">
+                  <a:lumMod val="65000"/>
+                </a:schemeClr>
+              </a:solidFill>
+            </a:endParaRPr>
+          </a:p>
+          <a:p>
+            <a:endParaRPr lang="en-US" altLang="zh-CN" dirty="0"/>
+          </a:p>
+          <a:p>
+            <a:r>
               <a:rPr lang="zh-CN" altLang="en-US" dirty="0"/>
-              <a:t>关于本讲义</a:t>
+              <a:t>点击菜单项的</a:t>
+            </a:r>
+            <a:r>
+              <a:rPr lang="zh-CN" altLang="en-US" b="1" u="sng" dirty="0"/>
+              <a:t>文件</a:t>
+            </a:r>
+            <a:r>
+              <a:rPr lang="en-US" altLang="zh-CN" b="1" u="sng" dirty="0"/>
+              <a:t>-&gt;</a:t>
+            </a:r>
+          </a:p>
+          <a:p>
+            <a:pPr marL="0" indent="0">
+              <a:buNone/>
+            </a:pPr>
+            <a:r>
+              <a:rPr lang="en-US" altLang="zh-CN" b="1" dirty="0">
+                <a:highlight>
+                  <a:srgbClr val="FFFFFF"/>
+                </a:highlight>
+              </a:rPr>
+              <a:t>  </a:t>
             </a:r>
           </a:p>
         </p:txBody>
       </p:sp>
+      <p:sp>
+        <p:nvSpPr>
+          <p:cNvPr id="6" name="文本框 5">
+            <a:extLst>
+              <a:ext uri="{FF2B5EF4-FFF2-40B4-BE49-F238E27FC236}">
+                <a16:creationId xmlns:a16="http://schemas.microsoft.com/office/drawing/2014/main" id="{446DB7A6-FEBA-3FD3-6743-1F2AC323733E}"/>
+              </a:ext>
+            </a:extLst>
+          </p:cNvPr>
+          <p:cNvSpPr txBox="1"/>
+          <p:nvPr/>
+        </p:nvSpPr>
+        <p:spPr>
+          <a:xfrm>
+            <a:off x="948505" y="2399987"/>
+            <a:ext cx="4960989" cy="461665"/>
+          </a:xfrm>
+          <a:prstGeom prst="rect">
+            <a:avLst/>
+          </a:prstGeom>
+          <a:noFill/>
+        </p:spPr>
+        <p:txBody>
+          <a:bodyPr wrap="square">
+            <a:spAutoFit/>
+          </a:bodyPr>
+          <a:lstStyle/>
+          <a:p>
+            <a:pPr marL="0" indent="0">
+              <a:buNone/>
+            </a:pPr>
+            <a:r>
+              <a:rPr lang="en-US" altLang="zh-CN" sz="2400" b="1" dirty="0">
+                <a:solidFill>
+                  <a:schemeClr val="bg1">
+                    <a:lumMod val="65000"/>
+                  </a:schemeClr>
+                </a:solidFill>
+                <a:highlight>
+                  <a:srgbClr val="F0F0F0"/>
+                </a:highlight>
+                <a:latin typeface="Consolas" panose="020B0609020204030204" pitchFamily="49" charset="0"/>
+              </a:rPr>
+              <a:t>print("Hello Python world!")</a:t>
+            </a:r>
+          </a:p>
+        </p:txBody>
+      </p:sp>
+      <p:pic>
+        <p:nvPicPr>
+          <p:cNvPr id="9" name="内容占位符 8">
+            <a:extLst>
+              <a:ext uri="{FF2B5EF4-FFF2-40B4-BE49-F238E27FC236}">
+                <a16:creationId xmlns:a16="http://schemas.microsoft.com/office/drawing/2014/main" id="{583A600A-4746-5EE5-9671-20667897CEAA}"/>
+              </a:ext>
+            </a:extLst>
+          </p:cNvPr>
+          <p:cNvPicPr>
+            <a:picLocks noGrp="1" noChangeAspect="1"/>
+          </p:cNvPicPr>
+          <p:nvPr>
+            <p:ph sz="half" idx="2"/>
+          </p:nvPr>
+        </p:nvPicPr>
+        <p:blipFill rotWithShape="1">
+          <a:blip r:embed="rId3">
+            <a:extLst>
+              <a:ext uri="{28A0092B-C50C-407E-A947-70E740481C1C}">
+                <a14:useLocalDpi xmlns:a14="http://schemas.microsoft.com/office/drawing/2010/main" val="0"/>
+              </a:ext>
+            </a:extLst>
+          </a:blip>
+          <a:srcRect b="45816"/>
+          <a:stretch/>
+        </p:blipFill>
+        <p:spPr>
+          <a:xfrm>
+            <a:off x="6668492" y="2257575"/>
+            <a:ext cx="4191363" cy="3666700"/>
+          </a:xfrm>
+        </p:spPr>
+      </p:pic>
     </p:spTree>
     <p:extLst>
       <p:ext uri="{BB962C8B-B14F-4D97-AF65-F5344CB8AC3E}">
-        <p14:creationId xmlns:p14="http://schemas.microsoft.com/office/powerpoint/2010/main" val="3625446739"/>
+        <p14:creationId xmlns:p14="http://schemas.microsoft.com/office/powerpoint/2010/main" val="1685033620"/>
       </p:ext>
     </p:extLst>
   </p:cSld>
@@ -13790,7 +16635,7 @@
 </p:sld>
 </file>
 
-<file path=ppt/slides/slide20.xml><?xml version="1.0" encoding="utf-8"?>
+<file path=ppt/slides/slide25.xml><?xml version="1.0" encoding="utf-8"?>
 <p:sld xmlns:a="http://schemas.openxmlformats.org/drawingml/2006/main" xmlns:r="http://schemas.openxmlformats.org/officeDocument/2006/relationships" xmlns:p="http://schemas.openxmlformats.org/presentationml/2006/main">
   <p:cSld>
     <p:spTree>
@@ -13897,10 +16742,90 @@
                   </a:schemeClr>
                 </a:solidFill>
               </a:rPr>
-              <a:t>在新建的 </a:t>
-            </a:r>
-            <a:r>
-              <a:rPr lang="en-US" altLang="zh-CN" dirty="0">
+              <a:t>打开新建的文件，在其中输入</a:t>
+            </a:r>
+            <a:endParaRPr lang="en-US" altLang="zh-CN" dirty="0">
+              <a:solidFill>
+                <a:schemeClr val="bg1">
+                  <a:lumMod val="65000"/>
+                </a:schemeClr>
+              </a:solidFill>
+            </a:endParaRPr>
+          </a:p>
+          <a:p>
+            <a:endParaRPr lang="en-US" altLang="zh-CN" dirty="0"/>
+          </a:p>
+          <a:p>
+            <a:r>
+              <a:rPr lang="zh-CN" altLang="en-US" dirty="0"/>
+              <a:t>点击菜单项的</a:t>
+            </a:r>
+            <a:r>
+              <a:rPr lang="zh-CN" altLang="en-US" b="1" u="sng" dirty="0"/>
+              <a:t>文件</a:t>
+            </a:r>
+            <a:r>
+              <a:rPr lang="en-US" altLang="zh-CN" b="1" u="sng" dirty="0"/>
+              <a:t>-&gt;</a:t>
+            </a:r>
+            <a:r>
+              <a:rPr lang="zh-CN" altLang="en-US" b="1" u="sng" dirty="0"/>
+              <a:t>保存</a:t>
+            </a:r>
+            <a:r>
+              <a:rPr lang="zh-CN" altLang="en-US" dirty="0"/>
+              <a:t>来保存刚才输入的内容</a:t>
+            </a:r>
+            <a:endParaRPr lang="en-US" altLang="zh-CN" dirty="0"/>
+          </a:p>
+          <a:p>
+            <a:pPr marL="0" indent="0">
+              <a:buNone/>
+            </a:pPr>
+            <a:r>
+              <a:rPr lang="en-US" altLang="zh-CN" b="1" dirty="0">
+                <a:highlight>
+                  <a:srgbClr val="FFFFFF"/>
+                </a:highlight>
+              </a:rPr>
+              <a:t>  </a:t>
+            </a:r>
+          </a:p>
+        </p:txBody>
+      </p:sp>
+      <p:sp>
+        <p:nvSpPr>
+          <p:cNvPr id="6" name="文本框 5">
+            <a:extLst>
+              <a:ext uri="{FF2B5EF4-FFF2-40B4-BE49-F238E27FC236}">
+                <a16:creationId xmlns:a16="http://schemas.microsoft.com/office/drawing/2014/main" id="{446DB7A6-FEBA-3FD3-6743-1F2AC323733E}"/>
+              </a:ext>
+            </a:extLst>
+          </p:cNvPr>
+          <p:cNvSpPr txBox="1"/>
+          <p:nvPr/>
+        </p:nvSpPr>
+        <p:spPr>
+          <a:xfrm>
+            <a:off x="948505" y="2399987"/>
+            <a:ext cx="4960989" cy="461665"/>
+          </a:xfrm>
+          <a:prstGeom prst="rect">
+            <a:avLst/>
+          </a:prstGeom>
+          <a:noFill/>
+        </p:spPr>
+        <p:txBody>
+          <a:bodyPr wrap="square">
+            <a:spAutoFit/>
+          </a:bodyPr>
+          <a:lstStyle/>
+          <a:p>
+            <a:pPr marL="0" indent="0">
+              <a:buNone/>
+            </a:pPr>
+            <a:r>
+              <a:rPr lang="en-US" altLang="zh-CN" sz="2400" b="1" dirty="0">
                 <a:solidFill>
                   <a:schemeClr val="bg1">
                     <a:lumMod val="65000"/>
@@ -13911,18 +16836,169 @@
                 </a:highlight>
                 <a:latin typeface="Consolas" panose="020B0609020204030204" pitchFamily="49" charset="0"/>
               </a:rPr>
-              <a:t>py</a:t>
-            </a:r>
+              <a:t>print("Hello Python world!")</a:t>
+            </a:r>
+          </a:p>
+        </p:txBody>
+      </p:sp>
+      <p:pic>
+        <p:nvPicPr>
+          <p:cNvPr id="9" name="内容占位符 8">
+            <a:extLst>
+              <a:ext uri="{FF2B5EF4-FFF2-40B4-BE49-F238E27FC236}">
+                <a16:creationId xmlns:a16="http://schemas.microsoft.com/office/drawing/2014/main" id="{583A600A-4746-5EE5-9671-20667897CEAA}"/>
+              </a:ext>
+            </a:extLst>
+          </p:cNvPr>
+          <p:cNvPicPr>
+            <a:picLocks noGrp="1" noChangeAspect="1"/>
+          </p:cNvPicPr>
+          <p:nvPr>
+            <p:ph sz="half" idx="2"/>
+          </p:nvPr>
+        </p:nvPicPr>
+        <p:blipFill rotWithShape="1">
+          <a:blip r:embed="rId3">
+            <a:extLst>
+              <a:ext uri="{28A0092B-C50C-407E-A947-70E740481C1C}">
+                <a14:useLocalDpi xmlns:a14="http://schemas.microsoft.com/office/drawing/2010/main" val="0"/>
+              </a:ext>
+            </a:extLst>
+          </a:blip>
+          <a:srcRect t="28683" b="17745"/>
+          <a:stretch/>
+        </p:blipFill>
+        <p:spPr>
+          <a:xfrm>
+            <a:off x="6681373" y="2273117"/>
+            <a:ext cx="4191363" cy="3625403"/>
+          </a:xfrm>
+        </p:spPr>
+      </p:pic>
+    </p:spTree>
+    <p:extLst>
+      <p:ext uri="{BB962C8B-B14F-4D97-AF65-F5344CB8AC3E}">
+        <p14:creationId xmlns:p14="http://schemas.microsoft.com/office/powerpoint/2010/main" val="1540976929"/>
+      </p:ext>
+    </p:extLst>
+  </p:cSld>
+  <p:clrMapOvr>
+    <a:masterClrMapping/>
+  </p:clrMapOvr>
+  <mc:AlternateContent xmlns:mc="http://schemas.openxmlformats.org/markup-compatibility/2006">
+    <mc:Choice xmlns:p159="http://schemas.microsoft.com/office/powerpoint/2015/09/main" Requires="p159">
+      <p:transition spd="med">
+        <p159:morph option="byObject"/>
+      </p:transition>
+    </mc:Choice>
+    <mc:Fallback>
+      <p:transition spd="med">
+        <p:fade/>
+      </p:transition>
+    </mc:Fallback>
+  </mc:AlternateContent>
+</p:sld>
+</file>
+
+<file path=ppt/slides/slide26.xml><?xml version="1.0" encoding="utf-8"?>
+<p:sld xmlns:a="http://schemas.openxmlformats.org/drawingml/2006/main" xmlns:r="http://schemas.openxmlformats.org/officeDocument/2006/relationships" xmlns:p="http://schemas.openxmlformats.org/presentationml/2006/main">
+  <p:cSld>
+    <p:spTree>
+      <p:nvGrpSpPr>
+        <p:cNvPr id="1" name=""/>
+        <p:cNvGrpSpPr/>
+        <p:nvPr/>
+      </p:nvGrpSpPr>
+      <p:grpSpPr>
+        <a:xfrm>
+          <a:off x="0" y="0"/>
+          <a:ext cx="0" cy="0"/>
+          <a:chOff x="0" y="0"/>
+          <a:chExt cx="0" cy="0"/>
+        </a:xfrm>
+      </p:grpSpPr>
+      <p:sp>
+        <p:nvSpPr>
+          <p:cNvPr id="2" name="标题 1">
+            <a:extLst>
+              <a:ext uri="{FF2B5EF4-FFF2-40B4-BE49-F238E27FC236}">
+                <a16:creationId xmlns:a16="http://schemas.microsoft.com/office/drawing/2014/main" id="{ABA783DF-49A6-7EF1-661E-C574E2C2F386}"/>
+              </a:ext>
+            </a:extLst>
+          </p:cNvPr>
+          <p:cNvSpPr>
+            <a:spLocks noGrp="1"/>
+          </p:cNvSpPr>
+          <p:nvPr>
+            <p:ph type="title"/>
+          </p:nvPr>
+        </p:nvSpPr>
+        <p:spPr/>
+        <p:txBody>
+          <a:bodyPr/>
+          <a:lstStyle/>
+          <a:p>
             <a:r>
               <a:rPr lang="en-US" altLang="zh-CN" dirty="0">
-                <a:solidFill>
-                  <a:schemeClr val="bg1">
-                    <a:lumMod val="65000"/>
-                  </a:schemeClr>
-                </a:solidFill>
-              </a:rPr>
-              <a:t> </a:t>
-            </a:r>
+                <a:effectLst>
+                  <a:outerShdw blurRad="38100" dist="38100" dir="2700000" algn="tl">
+                    <a:srgbClr val="000000">
+                      <a:alpha val="43137"/>
+                    </a:srgbClr>
+                  </a:outerShdw>
+                </a:effectLst>
+              </a:rPr>
+              <a:t>1.3 </a:t>
+            </a:r>
+            <a:r>
+              <a:rPr lang="en-US" altLang="zh-CN" dirty="0">
+                <a:effectLst>
+                  <a:outerShdw blurRad="38100" dist="38100" dir="2700000" algn="tl">
+                    <a:srgbClr val="000000">
+                      <a:alpha val="43137"/>
+                    </a:srgbClr>
+                  </a:outerShdw>
+                </a:effectLst>
+                <a:latin typeface="+mj-lt"/>
+              </a:rPr>
+              <a:t>Hello World</a:t>
+            </a:r>
+            <a:r>
+              <a:rPr lang="zh-CN" altLang="en-US" dirty="0">
+                <a:effectLst>
+                  <a:outerShdw blurRad="38100" dist="38100" dir="2700000" algn="tl">
+                    <a:srgbClr val="000000">
+                      <a:alpha val="43137"/>
+                    </a:srgbClr>
+                  </a:outerShdw>
+                </a:effectLst>
+              </a:rPr>
+              <a:t>！：编写和运行</a:t>
+            </a:r>
+          </a:p>
+        </p:txBody>
+      </p:sp>
+      <p:sp>
+        <p:nvSpPr>
+          <p:cNvPr id="5" name="内容占位符 4">
+            <a:extLst>
+              <a:ext uri="{FF2B5EF4-FFF2-40B4-BE49-F238E27FC236}">
+                <a16:creationId xmlns:a16="http://schemas.microsoft.com/office/drawing/2014/main" id="{334FF01F-2A65-44F6-34F9-69AC934A31D7}"/>
+              </a:ext>
+            </a:extLst>
+          </p:cNvPr>
+          <p:cNvSpPr>
+            <a:spLocks noGrp="1"/>
+          </p:cNvSpPr>
+          <p:nvPr>
+            <p:ph sz="half" idx="1"/>
+          </p:nvPr>
+        </p:nvSpPr>
+        <p:spPr/>
+        <p:txBody>
+          <a:bodyPr/>
+          <a:lstStyle/>
+          <a:p>
             <a:r>
               <a:rPr lang="zh-CN" altLang="en-US" dirty="0">
                 <a:solidFill>
@@ -13931,7 +17007,7 @@
                   </a:schemeClr>
                 </a:solidFill>
               </a:rPr>
-              <a:t>文件中输入</a:t>
+              <a:t>打开新建的文件，在其中输入</a:t>
             </a:r>
             <a:endParaRPr lang="en-US" altLang="zh-CN" dirty="0">
               <a:solidFill>
@@ -13947,26 +17023,476 @@
           <a:p>
             <a:r>
               <a:rPr lang="zh-CN" altLang="en-US" dirty="0"/>
-              <a:t>选择菜单 </a:t>
+              <a:t>点击菜单项的</a:t>
+            </a:r>
+            <a:r>
+              <a:rPr lang="zh-CN" altLang="en-US" b="1" u="sng" dirty="0"/>
+              <a:t>文件</a:t>
+            </a:r>
+            <a:r>
+              <a:rPr lang="en-US" altLang="zh-CN" b="1" u="sng" dirty="0"/>
+              <a:t>-&gt;</a:t>
+            </a:r>
+            <a:r>
+              <a:rPr lang="zh-CN" altLang="en-US" b="1" u="sng" dirty="0"/>
+              <a:t>保存</a:t>
+            </a:r>
+            <a:r>
+              <a:rPr lang="zh-CN" altLang="en-US" dirty="0"/>
+              <a:t>来保存刚才输入的内容</a:t>
+            </a:r>
+            <a:endParaRPr lang="en-US" altLang="zh-CN" dirty="0"/>
+          </a:p>
+          <a:p>
+            <a:pPr marL="0" indent="0">
+              <a:buNone/>
+            </a:pPr>
+            <a:r>
+              <a:rPr lang="zh-CN" altLang="en-US" dirty="0"/>
+              <a:t>（推荐点选开启</a:t>
+            </a:r>
+            <a:r>
+              <a:rPr lang="zh-CN" altLang="en-US" b="1" dirty="0"/>
+              <a:t>自动保存</a:t>
+            </a:r>
+            <a:r>
+              <a:rPr lang="zh-CN" altLang="en-US" dirty="0"/>
+              <a:t>功能）</a:t>
+            </a:r>
+            <a:endParaRPr lang="en-US" altLang="zh-CN" dirty="0"/>
+          </a:p>
+          <a:p>
+            <a:pPr marL="0" indent="0">
+              <a:buNone/>
+            </a:pPr>
+            <a:r>
+              <a:rPr lang="en-US" altLang="zh-CN" b="1" dirty="0">
+                <a:highlight>
+                  <a:srgbClr val="FFFFFF"/>
+                </a:highlight>
+              </a:rPr>
+              <a:t>  </a:t>
+            </a:r>
+          </a:p>
+        </p:txBody>
+      </p:sp>
+      <p:sp>
+        <p:nvSpPr>
+          <p:cNvPr id="6" name="文本框 5">
+            <a:extLst>
+              <a:ext uri="{FF2B5EF4-FFF2-40B4-BE49-F238E27FC236}">
+                <a16:creationId xmlns:a16="http://schemas.microsoft.com/office/drawing/2014/main" id="{446DB7A6-FEBA-3FD3-6743-1F2AC323733E}"/>
+              </a:ext>
+            </a:extLst>
+          </p:cNvPr>
+          <p:cNvSpPr txBox="1"/>
+          <p:nvPr/>
+        </p:nvSpPr>
+        <p:spPr>
+          <a:xfrm>
+            <a:off x="948505" y="2399987"/>
+            <a:ext cx="4960989" cy="461665"/>
+          </a:xfrm>
+          <a:prstGeom prst="rect">
+            <a:avLst/>
+          </a:prstGeom>
+          <a:noFill/>
+        </p:spPr>
+        <p:txBody>
+          <a:bodyPr wrap="square">
+            <a:spAutoFit/>
+          </a:bodyPr>
+          <a:lstStyle/>
+          <a:p>
+            <a:pPr marL="0" indent="0">
+              <a:buNone/>
+            </a:pPr>
+            <a:r>
+              <a:rPr lang="en-US" altLang="zh-CN" sz="2400" b="1" dirty="0">
+                <a:solidFill>
+                  <a:schemeClr val="bg1">
+                    <a:lumMod val="65000"/>
+                  </a:schemeClr>
+                </a:solidFill>
+                <a:highlight>
+                  <a:srgbClr val="F0F0F0"/>
+                </a:highlight>
+                <a:latin typeface="Consolas" panose="020B0609020204030204" pitchFamily="49" charset="0"/>
+              </a:rPr>
+              <a:t>print("Hello Python world!")</a:t>
+            </a:r>
+          </a:p>
+        </p:txBody>
+      </p:sp>
+      <p:pic>
+        <p:nvPicPr>
+          <p:cNvPr id="7" name="内容占位符 8">
+            <a:extLst>
+              <a:ext uri="{FF2B5EF4-FFF2-40B4-BE49-F238E27FC236}">
+                <a16:creationId xmlns:a16="http://schemas.microsoft.com/office/drawing/2014/main" id="{9A0B1B14-8CFD-6FF1-DC93-0B0183D1778B}"/>
+              </a:ext>
+            </a:extLst>
+          </p:cNvPr>
+          <p:cNvPicPr>
+            <a:picLocks noGrp="1" noChangeAspect="1"/>
+          </p:cNvPicPr>
+          <p:nvPr>
+            <p:ph sz="half" idx="2"/>
+          </p:nvPr>
+        </p:nvPicPr>
+        <p:blipFill rotWithShape="1">
+          <a:blip r:embed="rId3">
+            <a:extLst>
+              <a:ext uri="{28A0092B-C50C-407E-A947-70E740481C1C}">
+                <a14:useLocalDpi xmlns:a14="http://schemas.microsoft.com/office/drawing/2010/main" val="0"/>
+              </a:ext>
+            </a:extLst>
+          </a:blip>
+          <a:srcRect t="45391" b="-1"/>
+          <a:stretch/>
+        </p:blipFill>
+        <p:spPr>
+          <a:xfrm>
+            <a:off x="6667318" y="2231312"/>
+            <a:ext cx="4191363" cy="3695538"/>
+          </a:xfrm>
+          <a:prstGeom prst="rect">
+            <a:avLst/>
+          </a:prstGeom>
+        </p:spPr>
+      </p:pic>
+    </p:spTree>
+    <p:extLst>
+      <p:ext uri="{BB962C8B-B14F-4D97-AF65-F5344CB8AC3E}">
+        <p14:creationId xmlns:p14="http://schemas.microsoft.com/office/powerpoint/2010/main" val="2094629854"/>
+      </p:ext>
+    </p:extLst>
+  </p:cSld>
+  <p:clrMapOvr>
+    <a:masterClrMapping/>
+  </p:clrMapOvr>
+  <mc:AlternateContent xmlns:mc="http://schemas.openxmlformats.org/markup-compatibility/2006">
+    <mc:Choice xmlns:p159="http://schemas.microsoft.com/office/powerpoint/2015/09/main" Requires="p159">
+      <p:transition spd="med">
+        <p159:morph option="byObject"/>
+      </p:transition>
+    </mc:Choice>
+    <mc:Fallback>
+      <p:transition spd="med">
+        <p:fade/>
+      </p:transition>
+    </mc:Fallback>
+  </mc:AlternateContent>
+</p:sld>
+</file>
+
+<file path=ppt/slides/slide27.xml><?xml version="1.0" encoding="utf-8"?>
+<p:sld xmlns:a="http://schemas.openxmlformats.org/drawingml/2006/main" xmlns:r="http://schemas.openxmlformats.org/officeDocument/2006/relationships" xmlns:p="http://schemas.openxmlformats.org/presentationml/2006/main">
+  <p:cSld>
+    <p:spTree>
+      <p:nvGrpSpPr>
+        <p:cNvPr id="1" name=""/>
+        <p:cNvGrpSpPr/>
+        <p:nvPr/>
+      </p:nvGrpSpPr>
+      <p:grpSpPr>
+        <a:xfrm>
+          <a:off x="0" y="0"/>
+          <a:ext cx="0" cy="0"/>
+          <a:chOff x="0" y="0"/>
+          <a:chExt cx="0" cy="0"/>
+        </a:xfrm>
+      </p:grpSpPr>
+      <p:sp>
+        <p:nvSpPr>
+          <p:cNvPr id="2" name="标题 1">
+            <a:extLst>
+              <a:ext uri="{FF2B5EF4-FFF2-40B4-BE49-F238E27FC236}">
+                <a16:creationId xmlns:a16="http://schemas.microsoft.com/office/drawing/2014/main" id="{ABA783DF-49A6-7EF1-661E-C574E2C2F386}"/>
+              </a:ext>
+            </a:extLst>
+          </p:cNvPr>
+          <p:cNvSpPr>
+            <a:spLocks noGrp="1"/>
+          </p:cNvSpPr>
+          <p:nvPr>
+            <p:ph type="title"/>
+          </p:nvPr>
+        </p:nvSpPr>
+        <p:spPr/>
+        <p:txBody>
+          <a:bodyPr/>
+          <a:lstStyle/>
+          <a:p>
+            <a:r>
+              <a:rPr lang="en-US" altLang="zh-CN" dirty="0">
+                <a:effectLst>
+                  <a:outerShdw blurRad="38100" dist="38100" dir="2700000" algn="tl">
+                    <a:srgbClr val="000000">
+                      <a:alpha val="43137"/>
+                    </a:srgbClr>
+                  </a:outerShdw>
+                </a:effectLst>
+              </a:rPr>
+              <a:t>1.3 </a:t>
+            </a:r>
+            <a:r>
+              <a:rPr lang="en-US" altLang="zh-CN" dirty="0">
+                <a:effectLst>
+                  <a:outerShdw blurRad="38100" dist="38100" dir="2700000" algn="tl">
+                    <a:srgbClr val="000000">
+                      <a:alpha val="43137"/>
+                    </a:srgbClr>
+                  </a:outerShdw>
+                </a:effectLst>
+                <a:latin typeface="+mj-lt"/>
+              </a:rPr>
+              <a:t>Hello World</a:t>
+            </a:r>
+            <a:r>
+              <a:rPr lang="zh-CN" altLang="en-US" dirty="0">
+                <a:effectLst>
+                  <a:outerShdw blurRad="38100" dist="38100" dir="2700000" algn="tl">
+                    <a:srgbClr val="000000">
+                      <a:alpha val="43137"/>
+                    </a:srgbClr>
+                  </a:outerShdw>
+                </a:effectLst>
+              </a:rPr>
+              <a:t>！：编写和运行</a:t>
+            </a:r>
+          </a:p>
+        </p:txBody>
+      </p:sp>
+      <p:sp>
+        <p:nvSpPr>
+          <p:cNvPr id="5" name="内容占位符 4">
+            <a:extLst>
+              <a:ext uri="{FF2B5EF4-FFF2-40B4-BE49-F238E27FC236}">
+                <a16:creationId xmlns:a16="http://schemas.microsoft.com/office/drawing/2014/main" id="{334FF01F-2A65-44F6-34F9-69AC934A31D7}"/>
+              </a:ext>
+            </a:extLst>
+          </p:cNvPr>
+          <p:cNvSpPr>
+            <a:spLocks noGrp="1"/>
+          </p:cNvSpPr>
+          <p:nvPr>
+            <p:ph sz="half" idx="1"/>
+          </p:nvPr>
+        </p:nvSpPr>
+        <p:spPr/>
+        <p:txBody>
+          <a:bodyPr/>
+          <a:lstStyle/>
+          <a:p>
+            <a:r>
+              <a:rPr lang="zh-CN" altLang="en-US" dirty="0">
+                <a:solidFill>
+                  <a:schemeClr val="bg1">
+                    <a:lumMod val="65000"/>
+                  </a:schemeClr>
+                </a:solidFill>
+              </a:rPr>
+              <a:t>打开新建的文件，在其中输入</a:t>
+            </a:r>
+            <a:endParaRPr lang="en-US" altLang="zh-CN" dirty="0">
+              <a:solidFill>
+                <a:schemeClr val="bg1">
+                  <a:lumMod val="65000"/>
+                </a:schemeClr>
+              </a:solidFill>
+            </a:endParaRPr>
+          </a:p>
+          <a:p>
+            <a:endParaRPr lang="en-US" altLang="zh-CN" dirty="0"/>
+          </a:p>
+          <a:p>
+            <a:r>
+              <a:rPr lang="zh-CN" altLang="en-US" dirty="0">
+                <a:solidFill>
+                  <a:schemeClr val="bg1">
+                    <a:lumMod val="65000"/>
+                  </a:schemeClr>
+                </a:solidFill>
+              </a:rPr>
+              <a:t>点击菜单项的</a:t>
+            </a:r>
+            <a:r>
+              <a:rPr lang="zh-CN" altLang="en-US" b="1" u="sng" dirty="0">
+                <a:solidFill>
+                  <a:schemeClr val="bg1">
+                    <a:lumMod val="65000"/>
+                  </a:schemeClr>
+                </a:solidFill>
+              </a:rPr>
+              <a:t>文件</a:t>
+            </a:r>
+            <a:r>
+              <a:rPr lang="en-US" altLang="zh-CN" b="1" u="sng" dirty="0">
+                <a:solidFill>
+                  <a:schemeClr val="bg1">
+                    <a:lumMod val="65000"/>
+                  </a:schemeClr>
+                </a:solidFill>
+              </a:rPr>
+              <a:t>-&gt;</a:t>
+            </a:r>
+            <a:r>
+              <a:rPr lang="zh-CN" altLang="en-US" b="1" u="sng" dirty="0">
+                <a:solidFill>
+                  <a:schemeClr val="bg1">
+                    <a:lumMod val="65000"/>
+                  </a:schemeClr>
+                </a:solidFill>
+              </a:rPr>
+              <a:t>保存</a:t>
+            </a:r>
+            <a:r>
+              <a:rPr lang="zh-CN" altLang="en-US" dirty="0">
+                <a:solidFill>
+                  <a:schemeClr val="bg1">
+                    <a:lumMod val="65000"/>
+                  </a:schemeClr>
+                </a:solidFill>
+              </a:rPr>
+              <a:t>来保存刚才输入的内容</a:t>
+            </a:r>
+            <a:endParaRPr lang="en-US" altLang="zh-CN" dirty="0">
+              <a:solidFill>
+                <a:schemeClr val="bg1">
+                  <a:lumMod val="65000"/>
+                </a:schemeClr>
+              </a:solidFill>
+            </a:endParaRPr>
+          </a:p>
+          <a:p>
+            <a:pPr marL="0" indent="0">
+              <a:buNone/>
+            </a:pPr>
+            <a:r>
+              <a:rPr lang="zh-CN" altLang="en-US" dirty="0">
+                <a:solidFill>
+                  <a:schemeClr val="bg1">
+                    <a:lumMod val="65000"/>
+                  </a:schemeClr>
+                </a:solidFill>
+              </a:rPr>
+              <a:t>（推荐点选开启</a:t>
+            </a:r>
+            <a:r>
+              <a:rPr lang="zh-CN" altLang="en-US" b="1" dirty="0">
+                <a:solidFill>
+                  <a:schemeClr val="bg1">
+                    <a:lumMod val="65000"/>
+                  </a:schemeClr>
+                </a:solidFill>
+              </a:rPr>
+              <a:t>自动保存</a:t>
+            </a:r>
+            <a:r>
+              <a:rPr lang="zh-CN" altLang="en-US" dirty="0">
+                <a:solidFill>
+                  <a:schemeClr val="bg1">
+                    <a:lumMod val="65000"/>
+                  </a:schemeClr>
+                </a:solidFill>
+              </a:rPr>
+              <a:t>功能）</a:t>
+            </a:r>
+            <a:endParaRPr lang="en-US" altLang="zh-CN" dirty="0">
+              <a:solidFill>
+                <a:schemeClr val="bg1">
+                  <a:lumMod val="65000"/>
+                </a:schemeClr>
+              </a:solidFill>
+            </a:endParaRPr>
+          </a:p>
+          <a:p>
+            <a:r>
+              <a:rPr lang="zh-CN" altLang="en-US" dirty="0"/>
+              <a:t>选择菜单项 </a:t>
+            </a:r>
+            <a:r>
+              <a:rPr lang="zh-CN" altLang="en-US" b="1" u="sng" dirty="0">
+                <a:latin typeface="Consolas" panose="020B0609020204030204" pitchFamily="49" charset="0"/>
+              </a:rPr>
+              <a:t>运行</a:t>
             </a:r>
             <a:r>
               <a:rPr lang="en-US" altLang="zh-CN" b="1" u="sng" dirty="0">
                 <a:latin typeface="Consolas" panose="020B0609020204030204" pitchFamily="49" charset="0"/>
               </a:rPr>
-              <a:t>Run -&gt; Run Without Debugging</a:t>
-            </a:r>
+              <a:t> -&gt; </a:t>
+            </a:r>
+            <a:r>
+              <a:rPr lang="zh-CN" altLang="en-US" b="1" u="sng" dirty="0">
+                <a:latin typeface="Consolas" panose="020B0609020204030204" pitchFamily="49" charset="0"/>
+              </a:rPr>
+              <a:t>以非调试模式运行</a:t>
+            </a:r>
+            <a:endParaRPr lang="en-US" altLang="zh-CN" b="1" u="sng" dirty="0">
+              <a:latin typeface="Consolas" panose="020B0609020204030204" pitchFamily="49" charset="0"/>
+            </a:endParaRPr>
           </a:p>
           <a:p>
             <a:endParaRPr lang="en-US" altLang="zh-CN" dirty="0"/>
+          </a:p>
+        </p:txBody>
+      </p:sp>
+      <p:sp>
+        <p:nvSpPr>
+          <p:cNvPr id="3" name="文本框 2">
+            <a:extLst>
+              <a:ext uri="{FF2B5EF4-FFF2-40B4-BE49-F238E27FC236}">
+                <a16:creationId xmlns:a16="http://schemas.microsoft.com/office/drawing/2014/main" id="{06BBC610-73D8-133D-0926-4B6DAAD664C2}"/>
+              </a:ext>
+            </a:extLst>
+          </p:cNvPr>
+          <p:cNvSpPr txBox="1"/>
+          <p:nvPr/>
+        </p:nvSpPr>
+        <p:spPr>
+          <a:xfrm>
+            <a:off x="948505" y="2399987"/>
+            <a:ext cx="4960989" cy="461665"/>
+          </a:xfrm>
+          <a:prstGeom prst="rect">
+            <a:avLst/>
+          </a:prstGeom>
+          <a:noFill/>
+        </p:spPr>
+        <p:txBody>
+          <a:bodyPr wrap="square">
+            <a:spAutoFit/>
+          </a:bodyPr>
+          <a:lstStyle/>
+          <a:p>
+            <a:pPr marL="0" indent="0">
+              <a:buNone/>
+            </a:pPr>
+            <a:r>
+              <a:rPr lang="en-US" altLang="zh-CN" sz="2400" b="1" dirty="0">
+                <a:solidFill>
+                  <a:schemeClr val="bg1">
+                    <a:lumMod val="65000"/>
+                  </a:schemeClr>
+                </a:solidFill>
+                <a:highlight>
+                  <a:srgbClr val="F0F0F0"/>
+                </a:highlight>
+                <a:latin typeface="Consolas" panose="020B0609020204030204" pitchFamily="49" charset="0"/>
+              </a:rPr>
+              <a:t>print("Hello Python world!")</a:t>
+            </a:r>
           </a:p>
         </p:txBody>
       </p:sp>
       <p:pic>
         <p:nvPicPr>
-          <p:cNvPr id="8" name="内容占位符 7">
+          <p:cNvPr id="9" name="内容占位符 8">
             <a:extLst>
               <a:ext uri="{FF2B5EF4-FFF2-40B4-BE49-F238E27FC236}">
-                <a16:creationId xmlns:a16="http://schemas.microsoft.com/office/drawing/2014/main" id="{B8572228-83F5-9541-4226-6825E87128EE}"/>
+                <a16:creationId xmlns:a16="http://schemas.microsoft.com/office/drawing/2014/main" id="{A509ADDC-1F52-B0E4-A760-B9949AFC0576}"/>
               </a:ext>
             </a:extLst>
           </p:cNvPr>
@@ -13985,67 +17511,17 @@
               </a:ext>
             </a:extLst>
           </a:blip>
-          <a:srcRect/>
-          <a:stretch/>
+          <a:stretch>
+            <a:fillRect/>
+          </a:stretch>
         </p:blipFill>
         <p:spPr>
           <a:xfrm>
-            <a:off x="6811887" y="2117522"/>
-            <a:ext cx="4541913" cy="2622956"/>
+            <a:off x="6667318" y="2250123"/>
+            <a:ext cx="4191363" cy="3657917"/>
           </a:xfrm>
-          <a:prstGeom prst="rect">
-            <a:avLst/>
-          </a:prstGeom>
         </p:spPr>
       </p:pic>
-      <p:sp>
-        <p:nvSpPr>
-          <p:cNvPr id="3" name="文本框 2">
-            <a:extLst>
-              <a:ext uri="{FF2B5EF4-FFF2-40B4-BE49-F238E27FC236}">
-                <a16:creationId xmlns:a16="http://schemas.microsoft.com/office/drawing/2014/main" id="{06BBC610-73D8-133D-0926-4B6DAAD664C2}"/>
-              </a:ext>
-            </a:extLst>
-          </p:cNvPr>
-          <p:cNvSpPr txBox="1"/>
-          <p:nvPr/>
-        </p:nvSpPr>
-        <p:spPr>
-          <a:xfrm>
-            <a:off x="948505" y="2399987"/>
-            <a:ext cx="4960989" cy="461665"/>
-          </a:xfrm>
-          <a:prstGeom prst="rect">
-            <a:avLst/>
-          </a:prstGeom>
-          <a:noFill/>
-        </p:spPr>
-        <p:txBody>
-          <a:bodyPr wrap="square">
-            <a:spAutoFit/>
-          </a:bodyPr>
-          <a:lstStyle/>
-          <a:p>
-            <a:pPr marL="0" indent="0">
-              <a:buNone/>
-            </a:pPr>
-            <a:r>
-              <a:rPr lang="en-US" altLang="zh-CN" sz="2400" b="1" dirty="0">
-                <a:solidFill>
-                  <a:schemeClr val="bg1">
-                    <a:lumMod val="65000"/>
-                  </a:schemeClr>
-                </a:solidFill>
-                <a:highlight>
-                  <a:srgbClr val="F0F0F0"/>
-                </a:highlight>
-                <a:latin typeface="Consolas" panose="020B0609020204030204" pitchFamily="49" charset="0"/>
-              </a:rPr>
-              <a:t>print("Hello Python world!")</a:t>
-            </a:r>
-          </a:p>
-        </p:txBody>
-      </p:sp>
     </p:spTree>
     <p:extLst>
       <p:ext uri="{BB962C8B-B14F-4D97-AF65-F5344CB8AC3E}">
@@ -14071,7 +17547,7 @@
 </p:sld>
 </file>
 
-<file path=ppt/slides/slide21.xml><?xml version="1.0" encoding="utf-8"?>
+<file path=ppt/slides/slide28.xml><?xml version="1.0" encoding="utf-8"?>
 <p:sld xmlns:a="http://schemas.openxmlformats.org/drawingml/2006/main" xmlns:r="http://schemas.openxmlformats.org/officeDocument/2006/relationships" xmlns:p="http://schemas.openxmlformats.org/presentationml/2006/main">
   <p:cSld>
     <p:spTree>
@@ -14178,41 +17654,7 @@
                   </a:schemeClr>
                 </a:solidFill>
               </a:rPr>
-              <a:t>在新建的 </a:t>
-            </a:r>
-            <a:r>
-              <a:rPr lang="en-US" altLang="zh-CN" dirty="0">
-                <a:solidFill>
-                  <a:schemeClr val="bg1">
-                    <a:lumMod val="65000"/>
-                  </a:schemeClr>
-                </a:solidFill>
-                <a:highlight>
-                  <a:srgbClr val="F0F0F0"/>
-                </a:highlight>
-                <a:latin typeface="Consolas" panose="020B0609020204030204" pitchFamily="49" charset="0"/>
-              </a:rPr>
-              <a:t>py</a:t>
-            </a:r>
-            <a:r>
-              <a:rPr lang="en-US" altLang="zh-CN" dirty="0">
-                <a:solidFill>
-                  <a:schemeClr val="bg1">
-                    <a:lumMod val="65000"/>
-                  </a:schemeClr>
-                </a:solidFill>
-              </a:rPr>
-              <a:t> </a:t>
-            </a:r>
-            <a:r>
-              <a:rPr lang="zh-CN" altLang="en-US" dirty="0">
-                <a:solidFill>
-                  <a:schemeClr val="bg1">
-                    <a:lumMod val="65000"/>
-                  </a:schemeClr>
-                </a:solidFill>
-              </a:rPr>
-              <a:t>文件中输入</a:t>
+              <a:t>打开新建的文件，在其中输入</a:t>
             </a:r>
             <a:endParaRPr lang="en-US" altLang="zh-CN" dirty="0">
               <a:solidFill>
@@ -14240,7 +17682,119 @@
                   </a:schemeClr>
                 </a:solidFill>
               </a:rPr>
-              <a:t>选择菜单 </a:t>
+              <a:t>点击菜单项的</a:t>
+            </a:r>
+            <a:r>
+              <a:rPr lang="zh-CN" altLang="en-US" b="1" u="sng" dirty="0">
+                <a:solidFill>
+                  <a:schemeClr val="bg1">
+                    <a:lumMod val="65000"/>
+                  </a:schemeClr>
+                </a:solidFill>
+              </a:rPr>
+              <a:t>文件</a:t>
+            </a:r>
+            <a:r>
+              <a:rPr lang="en-US" altLang="zh-CN" b="1" u="sng" dirty="0">
+                <a:solidFill>
+                  <a:schemeClr val="bg1">
+                    <a:lumMod val="65000"/>
+                  </a:schemeClr>
+                </a:solidFill>
+              </a:rPr>
+              <a:t>-&gt;</a:t>
+            </a:r>
+            <a:r>
+              <a:rPr lang="zh-CN" altLang="en-US" b="1" u="sng" dirty="0">
+                <a:solidFill>
+                  <a:schemeClr val="bg1">
+                    <a:lumMod val="65000"/>
+                  </a:schemeClr>
+                </a:solidFill>
+              </a:rPr>
+              <a:t>保存</a:t>
+            </a:r>
+            <a:r>
+              <a:rPr lang="zh-CN" altLang="en-US" dirty="0">
+                <a:solidFill>
+                  <a:schemeClr val="bg1">
+                    <a:lumMod val="65000"/>
+                  </a:schemeClr>
+                </a:solidFill>
+              </a:rPr>
+              <a:t>来保存刚才输入的内容</a:t>
+            </a:r>
+            <a:endParaRPr lang="en-US" altLang="zh-CN" dirty="0">
+              <a:solidFill>
+                <a:schemeClr val="bg1">
+                  <a:lumMod val="65000"/>
+                </a:schemeClr>
+              </a:solidFill>
+            </a:endParaRPr>
+          </a:p>
+          <a:p>
+            <a:pPr marL="0" indent="0">
+              <a:buNone/>
+            </a:pPr>
+            <a:r>
+              <a:rPr lang="zh-CN" altLang="en-US">
+                <a:solidFill>
+                  <a:schemeClr val="bg1">
+                    <a:lumMod val="65000"/>
+                  </a:schemeClr>
+                </a:solidFill>
+              </a:rPr>
+              <a:t>（推荐点选开启</a:t>
+            </a:r>
+            <a:r>
+              <a:rPr lang="zh-CN" altLang="en-US" b="1" dirty="0">
+                <a:solidFill>
+                  <a:schemeClr val="bg1">
+                    <a:lumMod val="65000"/>
+                  </a:schemeClr>
+                </a:solidFill>
+              </a:rPr>
+              <a:t>自动保存</a:t>
+            </a:r>
+            <a:r>
+              <a:rPr lang="zh-CN" altLang="en-US" dirty="0">
+                <a:solidFill>
+                  <a:schemeClr val="bg1">
+                    <a:lumMod val="65000"/>
+                  </a:schemeClr>
+                </a:solidFill>
+              </a:rPr>
+              <a:t>功能）</a:t>
+            </a:r>
+            <a:endParaRPr lang="en-US" altLang="zh-CN" dirty="0">
+              <a:solidFill>
+                <a:schemeClr val="bg1">
+                  <a:lumMod val="65000"/>
+                </a:schemeClr>
+              </a:solidFill>
+            </a:endParaRPr>
+          </a:p>
+          <a:p>
+            <a:r>
+              <a:rPr lang="zh-CN" altLang="en-US" dirty="0">
+                <a:solidFill>
+                  <a:schemeClr val="bg1">
+                    <a:lumMod val="65000"/>
+                  </a:schemeClr>
+                </a:solidFill>
+              </a:rPr>
+              <a:t>选择菜单项 </a:t>
+            </a:r>
+            <a:r>
+              <a:rPr lang="zh-CN" altLang="en-US" b="1" u="sng" dirty="0">
+                <a:solidFill>
+                  <a:schemeClr val="bg1">
+                    <a:lumMod val="65000"/>
+                  </a:schemeClr>
+                </a:solidFill>
+                <a:latin typeface="Consolas" panose="020B0609020204030204" pitchFamily="49" charset="0"/>
+              </a:rPr>
+              <a:t>运行</a:t>
             </a:r>
             <a:r>
               <a:rPr lang="en-US" altLang="zh-CN" b="1" u="sng" dirty="0">
@@ -14251,23 +17805,32 @@
                 </a:solidFill>
                 <a:latin typeface="Consolas" panose="020B0609020204030204" pitchFamily="49" charset="0"/>
               </a:rPr>
-              <a:t>Run -&gt; Run Without Debugging</a:t>
-            </a:r>
+              <a:t> -&gt; </a:t>
+            </a:r>
+            <a:r>
+              <a:rPr lang="zh-CN" altLang="en-US" b="1" u="sng" dirty="0">
+                <a:solidFill>
+                  <a:schemeClr val="bg1">
+                    <a:lumMod val="65000"/>
+                  </a:schemeClr>
+                </a:solidFill>
+                <a:latin typeface="Consolas" panose="020B0609020204030204" pitchFamily="49" charset="0"/>
+              </a:rPr>
+              <a:t>以非调试模式运行</a:t>
+            </a:r>
+            <a:endParaRPr lang="en-US" altLang="zh-CN" b="1" u="sng" dirty="0">
+              <a:solidFill>
+                <a:schemeClr val="bg1">
+                  <a:lumMod val="65000"/>
+                </a:schemeClr>
+              </a:solidFill>
+              <a:latin typeface="Consolas" panose="020B0609020204030204" pitchFamily="49" charset="0"/>
+            </a:endParaRPr>
           </a:p>
           <a:p>
             <a:r>
               <a:rPr lang="zh-CN" altLang="en-US" dirty="0"/>
-              <a:t>检查终端（</a:t>
-            </a:r>
-            <a:r>
-              <a:rPr lang="en-US" altLang="zh-CN" dirty="0">
-                <a:latin typeface="Consolas" panose="020B0609020204030204" pitchFamily="49" charset="0"/>
-              </a:rPr>
-              <a:t>Terminal</a:t>
-            </a:r>
-            <a:r>
-              <a:rPr lang="zh-CN" altLang="en-US" dirty="0"/>
-              <a:t>）窗口中的输出</a:t>
+              <a:t>检查下方终端窗口中的输出</a:t>
             </a:r>
             <a:endParaRPr lang="en-US" altLang="zh-CN" dirty="0"/>
           </a:p>
@@ -14290,7 +17853,7 @@
         </p:nvSpPr>
         <p:spPr>
           <a:xfrm>
-            <a:off x="1602774" y="4990542"/>
+            <a:off x="2055948" y="5870818"/>
             <a:ext cx="2746102" cy="584775"/>
           </a:xfrm>
           <a:prstGeom prst="rect">
@@ -14306,6 +17869,11 @@
           <a:p>
             <a:r>
               <a:rPr lang="zh-CN" altLang="en-US" sz="3200" b="1" i="1" dirty="0">
+                <a:solidFill>
+                  <a:schemeClr val="accent2">
+                    <a:lumMod val="75000"/>
+                  </a:schemeClr>
+                </a:solidFill>
                 <a:latin typeface="微软雅黑" panose="020B0503020204020204" pitchFamily="34" charset="-122"/>
                 <a:ea typeface="微软雅黑" panose="020B0503020204020204" pitchFamily="34" charset="-122"/>
               </a:rPr>
@@ -14314,12 +17882,60 @@
           </a:p>
         </p:txBody>
       </p:sp>
+      <p:sp>
+        <p:nvSpPr>
+          <p:cNvPr id="4" name="文本框 3">
+            <a:extLst>
+              <a:ext uri="{FF2B5EF4-FFF2-40B4-BE49-F238E27FC236}">
+                <a16:creationId xmlns:a16="http://schemas.microsoft.com/office/drawing/2014/main" id="{4328CDCF-210E-0D00-60CB-3A3ECF7ECEA1}"/>
+              </a:ext>
+            </a:extLst>
+          </p:cNvPr>
+          <p:cNvSpPr txBox="1"/>
+          <p:nvPr/>
+        </p:nvSpPr>
+        <p:spPr>
+          <a:xfrm>
+            <a:off x="948505" y="2399987"/>
+            <a:ext cx="4960989" cy="461665"/>
+          </a:xfrm>
+          <a:prstGeom prst="rect">
+            <a:avLst/>
+          </a:prstGeom>
+          <a:noFill/>
+        </p:spPr>
+        <p:txBody>
+          <a:bodyPr wrap="square">
+            <a:spAutoFit/>
+          </a:bodyPr>
+          <a:lstStyle/>
+          <a:p>
+            <a:pPr marL="0" indent="0">
+              <a:buNone/>
+            </a:pPr>
+            <a:r>
+              <a:rPr lang="en-US" altLang="zh-CN" sz="2400" b="1" dirty="0">
+                <a:solidFill>
+                  <a:schemeClr val="bg1">
+                    <a:lumMod val="65000"/>
+                  </a:schemeClr>
+                </a:solidFill>
+                <a:highlight>
+                  <a:srgbClr val="F0F0F0"/>
+                </a:highlight>
+                <a:latin typeface="Consolas" panose="020B0609020204030204" pitchFamily="49" charset="0"/>
+              </a:rPr>
+              <a:t>print("Hello Python world!")</a:t>
+            </a:r>
+          </a:p>
+        </p:txBody>
+      </p:sp>
       <p:pic>
         <p:nvPicPr>
-          <p:cNvPr id="8" name="内容占位符 7">
+          <p:cNvPr id="10" name="内容占位符 9">
             <a:extLst>
               <a:ext uri="{FF2B5EF4-FFF2-40B4-BE49-F238E27FC236}">
-                <a16:creationId xmlns:a16="http://schemas.microsoft.com/office/drawing/2014/main" id="{B2689DC9-F0D0-78AB-B085-C5A5AC71D70C}"/>
+                <a16:creationId xmlns:a16="http://schemas.microsoft.com/office/drawing/2014/main" id="{8FADF6E9-5187-34BF-98AF-44CE79D97BAF}"/>
               </a:ext>
             </a:extLst>
           </p:cNvPr>
@@ -14338,67 +17954,17 @@
               </a:ext>
             </a:extLst>
           </a:blip>
-          <a:srcRect/>
-          <a:stretch/>
+          <a:stretch>
+            <a:fillRect/>
+          </a:stretch>
         </p:blipFill>
         <p:spPr>
           <a:xfrm>
-            <a:off x="6784374" y="2142608"/>
-            <a:ext cx="4556545" cy="3140321"/>
+            <a:off x="6667318" y="2250123"/>
+            <a:ext cx="4191363" cy="3657917"/>
           </a:xfrm>
-          <a:prstGeom prst="rect">
-            <a:avLst/>
-          </a:prstGeom>
         </p:spPr>
       </p:pic>
-      <p:sp>
-        <p:nvSpPr>
-          <p:cNvPr id="4" name="文本框 3">
-            <a:extLst>
-              <a:ext uri="{FF2B5EF4-FFF2-40B4-BE49-F238E27FC236}">
-                <a16:creationId xmlns:a16="http://schemas.microsoft.com/office/drawing/2014/main" id="{4328CDCF-210E-0D00-60CB-3A3ECF7ECEA1}"/>
-              </a:ext>
-            </a:extLst>
-          </p:cNvPr>
-          <p:cNvSpPr txBox="1"/>
-          <p:nvPr/>
-        </p:nvSpPr>
-        <p:spPr>
-          <a:xfrm>
-            <a:off x="948505" y="2399987"/>
-            <a:ext cx="4960989" cy="461665"/>
-          </a:xfrm>
-          <a:prstGeom prst="rect">
-            <a:avLst/>
-          </a:prstGeom>
-          <a:noFill/>
-        </p:spPr>
-        <p:txBody>
-          <a:bodyPr wrap="square">
-            <a:spAutoFit/>
-          </a:bodyPr>
-          <a:lstStyle/>
-          <a:p>
-            <a:pPr marL="0" indent="0">
-              <a:buNone/>
-            </a:pPr>
-            <a:r>
-              <a:rPr lang="en-US" altLang="zh-CN" sz="2400" b="1" dirty="0">
-                <a:solidFill>
-                  <a:schemeClr val="bg1">
-                    <a:lumMod val="65000"/>
-                  </a:schemeClr>
-                </a:solidFill>
-                <a:highlight>
-                  <a:srgbClr val="F0F0F0"/>
-                </a:highlight>
-                <a:latin typeface="Consolas" panose="020B0609020204030204" pitchFamily="49" charset="0"/>
-              </a:rPr>
-              <a:t>print("Hello Python world!")</a:t>
-            </a:r>
-          </a:p>
-        </p:txBody>
-      </p:sp>
     </p:spTree>
     <p:extLst>
       <p:ext uri="{BB962C8B-B14F-4D97-AF65-F5344CB8AC3E}">
@@ -14502,7 +18068,7 @@
 </p:sld>
 </file>
 
-<file path=ppt/slides/slide22.xml><?xml version="1.0" encoding="utf-8"?>
+<file path=ppt/slides/slide29.xml><?xml version="1.0" encoding="utf-8"?>
 <p:sld xmlns:a="http://schemas.openxmlformats.org/drawingml/2006/main" xmlns:r="http://schemas.openxmlformats.org/officeDocument/2006/relationships" xmlns:p="http://schemas.openxmlformats.org/presentationml/2006/main">
   <p:cSld>
     <p:spTree>
@@ -14597,31 +18163,21 @@
           <a:p>
             <a:r>
               <a:rPr lang="zh-CN" altLang="en-US" dirty="0"/>
-              <a:t>阅读 </a:t>
-            </a:r>
-            <a:r>
-              <a:rPr lang="en-US" altLang="zh-CN" dirty="0">
+              <a:t>阅读编辑窗口</a:t>
+            </a:r>
+            <a:r>
+              <a:rPr lang="en-US" altLang="zh-CN" dirty="0"/>
+              <a:t>/</a:t>
+            </a:r>
+            <a:r>
+              <a:rPr lang="zh-CN" altLang="en-US">
                 <a:latin typeface="Consolas" panose="020B0609020204030204" pitchFamily="49" charset="0"/>
               </a:rPr>
-              <a:t>Terminal</a:t>
-            </a:r>
-            <a:r>
-              <a:rPr lang="en-US" altLang="zh-CN" dirty="0"/>
-              <a:t> </a:t>
-            </a:r>
-            <a:r>
-              <a:rPr lang="zh-CN" altLang="en-US" dirty="0"/>
-              <a:t>输出窗口中的错误报告（</a:t>
-            </a:r>
-            <a:r>
-              <a:rPr lang="en-US" altLang="zh-CN" dirty="0">
-                <a:latin typeface="Consolas" panose="020B0609020204030204" pitchFamily="49" charset="0"/>
-              </a:rPr>
-              <a:t>traceback</a:t>
-            </a:r>
-            <a:r>
-              <a:rPr lang="zh-CN" altLang="en-US" dirty="0"/>
-              <a:t>）</a:t>
+              <a:t>终端</a:t>
+            </a:r>
+            <a:r>
+              <a:rPr lang="zh-CN" altLang="en-US"/>
+              <a:t>输出窗口中给出的错误报告信息</a:t>
             </a:r>
             <a:endParaRPr lang="en-US" altLang="zh-CN" dirty="0"/>
           </a:p>
@@ -15132,7 +18688,232 @@
 </p:sld>
 </file>
 
-<file path=ppt/slides/slide23.xml><?xml version="1.0" encoding="utf-8"?>
+<file path=ppt/slides/slide3.xml><?xml version="1.0" encoding="utf-8"?>
+<p:sld xmlns:a="http://schemas.openxmlformats.org/drawingml/2006/main" xmlns:r="http://schemas.openxmlformats.org/officeDocument/2006/relationships" xmlns:p="http://schemas.openxmlformats.org/presentationml/2006/main">
+  <p:cSld>
+    <p:spTree>
+      <p:nvGrpSpPr>
+        <p:cNvPr id="1" name=""/>
+        <p:cNvGrpSpPr/>
+        <p:nvPr/>
+      </p:nvGrpSpPr>
+      <p:grpSpPr>
+        <a:xfrm>
+          <a:off x="0" y="0"/>
+          <a:ext cx="0" cy="0"/>
+          <a:chOff x="0" y="0"/>
+          <a:chExt cx="0" cy="0"/>
+        </a:xfrm>
+      </p:grpSpPr>
+      <p:sp>
+        <p:nvSpPr>
+          <p:cNvPr id="2" name="标题 1">
+            <a:extLst>
+              <a:ext uri="{FF2B5EF4-FFF2-40B4-BE49-F238E27FC236}">
+                <a16:creationId xmlns:a16="http://schemas.microsoft.com/office/drawing/2014/main" id="{1422DFF6-0952-1023-64E3-97184D36BE3F}"/>
+              </a:ext>
+            </a:extLst>
+          </p:cNvPr>
+          <p:cNvSpPr>
+            <a:spLocks noGrp="1"/>
+          </p:cNvSpPr>
+          <p:nvPr>
+            <p:ph type="title"/>
+          </p:nvPr>
+        </p:nvSpPr>
+        <p:spPr/>
+        <p:txBody>
+          <a:bodyPr/>
+          <a:lstStyle/>
+          <a:p>
+            <a:r>
+              <a:rPr lang="zh-CN" altLang="en-US" dirty="0">
+                <a:effectLst>
+                  <a:outerShdw blurRad="38100" dist="38100" dir="2700000" algn="tl">
+                    <a:srgbClr val="000000">
+                      <a:alpha val="43137"/>
+                    </a:srgbClr>
+                  </a:outerShdw>
+                </a:effectLst>
+              </a:rPr>
+              <a:t>第 </a:t>
+            </a:r>
+            <a:r>
+              <a:rPr lang="en-US" altLang="zh-CN">
+                <a:effectLst>
+                  <a:outerShdw blurRad="38100" dist="38100" dir="2700000" algn="tl">
+                    <a:srgbClr val="000000">
+                      <a:alpha val="43137"/>
+                    </a:srgbClr>
+                  </a:outerShdw>
+                </a:effectLst>
+              </a:rPr>
+              <a:t>1 </a:t>
+            </a:r>
+            <a:r>
+              <a:rPr lang="zh-CN" altLang="en-US">
+                <a:effectLst>
+                  <a:outerShdw blurRad="38100" dist="38100" dir="2700000" algn="tl">
+                    <a:srgbClr val="000000">
+                      <a:alpha val="43137"/>
+                    </a:srgbClr>
+                  </a:outerShdw>
+                </a:effectLst>
+              </a:rPr>
+              <a:t>章 </a:t>
+            </a:r>
+            <a:r>
+              <a:rPr lang="zh-CN" altLang="en-US" dirty="0">
+                <a:effectLst>
+                  <a:outerShdw blurRad="38100" dist="38100" dir="2700000" algn="tl">
+                    <a:srgbClr val="000000">
+                      <a:alpha val="43137"/>
+                    </a:srgbClr>
+                  </a:outerShdw>
+                </a:effectLst>
+              </a:rPr>
+              <a:t>起步</a:t>
+            </a:r>
+          </a:p>
+        </p:txBody>
+      </p:sp>
+      <p:sp>
+        <p:nvSpPr>
+          <p:cNvPr id="3" name="内容占位符 2">
+            <a:extLst>
+              <a:ext uri="{FF2B5EF4-FFF2-40B4-BE49-F238E27FC236}">
+                <a16:creationId xmlns:a16="http://schemas.microsoft.com/office/drawing/2014/main" id="{AC7759D9-0BB4-08ED-8476-24F7D903D6DE}"/>
+              </a:ext>
+            </a:extLst>
+          </p:cNvPr>
+          <p:cNvSpPr>
+            <a:spLocks noGrp="1"/>
+          </p:cNvSpPr>
+          <p:nvPr>
+            <p:ph idx="1"/>
+          </p:nvPr>
+        </p:nvSpPr>
+        <p:spPr/>
+        <p:txBody>
+          <a:bodyPr/>
+          <a:lstStyle/>
+          <a:p>
+            <a:r>
+              <a:rPr lang="en-US" altLang="zh-CN" dirty="0"/>
+              <a:t>1.1 </a:t>
+            </a:r>
+            <a:r>
+              <a:rPr lang="zh-CN" altLang="en-US" dirty="0"/>
+              <a:t>编程</a:t>
+            </a:r>
+            <a:r>
+              <a:rPr lang="zh-CN" altLang="en-US"/>
+              <a:t>环境简介</a:t>
+            </a:r>
+            <a:endParaRPr lang="en-US" altLang="zh-CN" dirty="0"/>
+          </a:p>
+          <a:p>
+            <a:r>
+              <a:rPr lang="en-US" altLang="zh-CN" dirty="0"/>
+              <a:t>1.2 </a:t>
+            </a:r>
+            <a:r>
+              <a:rPr lang="zh-CN" altLang="en-US" dirty="0"/>
+              <a:t>安装 </a:t>
+            </a:r>
+            <a:r>
+              <a:rPr lang="en-US" altLang="zh-CN" dirty="0"/>
+              <a:t>Python </a:t>
+            </a:r>
+            <a:r>
+              <a:rPr lang="zh-CN" altLang="en-US" dirty="0"/>
+              <a:t>和编辑器</a:t>
+            </a:r>
+            <a:endParaRPr lang="en-US" altLang="zh-CN" dirty="0"/>
+          </a:p>
+          <a:p>
+            <a:r>
+              <a:rPr lang="en-US" altLang="zh-CN" dirty="0"/>
+              <a:t>1.3 Hello World</a:t>
+            </a:r>
+            <a:r>
+              <a:rPr lang="zh-CN" altLang="en-US" dirty="0"/>
+              <a:t>！</a:t>
+            </a:r>
+            <a:endParaRPr lang="en-US" altLang="zh-CN" dirty="0"/>
+          </a:p>
+          <a:p>
+            <a:r>
+              <a:rPr lang="en-US" altLang="zh-CN" dirty="0"/>
+              <a:t>1.4 </a:t>
+            </a:r>
+            <a:r>
+              <a:rPr lang="zh-CN" altLang="en-US" dirty="0"/>
+              <a:t>排除安装问题</a:t>
+            </a:r>
+            <a:endParaRPr lang="en-US" altLang="zh-CN" dirty="0"/>
+          </a:p>
+          <a:p>
+            <a:r>
+              <a:rPr lang="en-US" altLang="zh-CN" dirty="0"/>
+              <a:t>1.5 </a:t>
+            </a:r>
+            <a:r>
+              <a:rPr lang="zh-CN" altLang="en-US" dirty="0"/>
+              <a:t>从终端运行 </a:t>
+            </a:r>
+            <a:r>
+              <a:rPr lang="en-US" altLang="zh-CN" dirty="0"/>
+              <a:t>Python </a:t>
+            </a:r>
+            <a:r>
+              <a:rPr lang="zh-CN" altLang="en-US" dirty="0"/>
+              <a:t>程序</a:t>
+            </a:r>
+            <a:endParaRPr lang="en-US" altLang="zh-CN" dirty="0"/>
+          </a:p>
+          <a:p>
+            <a:r>
+              <a:rPr lang="en-US" altLang="zh-CN" dirty="0"/>
+              <a:t>1.6 </a:t>
+            </a:r>
+            <a:r>
+              <a:rPr lang="zh-CN" altLang="en-US" dirty="0"/>
+              <a:t>小结</a:t>
+            </a:r>
+            <a:endParaRPr lang="en-US" altLang="zh-CN" dirty="0"/>
+          </a:p>
+          <a:p>
+            <a:endParaRPr lang="en-US" altLang="zh-CN" dirty="0"/>
+          </a:p>
+        </p:txBody>
+      </p:sp>
+    </p:spTree>
+    <p:extLst>
+      <p:ext uri="{BB962C8B-B14F-4D97-AF65-F5344CB8AC3E}">
+        <p14:creationId xmlns:p14="http://schemas.microsoft.com/office/powerpoint/2010/main" val="1112998187"/>
+      </p:ext>
+    </p:extLst>
+  </p:cSld>
+  <p:clrMapOvr>
+    <a:masterClrMapping/>
+  </p:clrMapOvr>
+  <mc:AlternateContent xmlns:mc="http://schemas.openxmlformats.org/markup-compatibility/2006" xmlns:p14="http://schemas.microsoft.com/office/powerpoint/2010/main">
+    <mc:Choice Requires="p14">
+      <p:transition spd="med" p14:dur="700">
+        <p:fade/>
+      </p:transition>
+    </mc:Choice>
+    <mc:Fallback xmlns="">
+      <p:transition spd="med">
+        <p:fade/>
+      </p:transition>
+    </mc:Fallback>
+  </mc:AlternateContent>
+</p:sld>
+</file>
+
+<file path=ppt/slides/slide30.xml><?xml version="1.0" encoding="utf-8"?>
 <p:sld xmlns:a="http://schemas.openxmlformats.org/drawingml/2006/main" xmlns:r="http://schemas.openxmlformats.org/officeDocument/2006/relationships" xmlns:p="http://schemas.openxmlformats.org/presentationml/2006/main">
   <p:cSld>
     <p:spTree>
@@ -15395,7 +19176,7 @@
 </p:sld>
 </file>
 
-<file path=ppt/slides/slide24.xml><?xml version="1.0" encoding="utf-8"?>
+<file path=ppt/slides/slide31.xml><?xml version="1.0" encoding="utf-8"?>
 <p:sld xmlns:a="http://schemas.openxmlformats.org/drawingml/2006/main" xmlns:r="http://schemas.openxmlformats.org/officeDocument/2006/relationships" xmlns:p="http://schemas.openxmlformats.org/presentationml/2006/main">
   <p:cSld>
     <p:spTree>
@@ -15749,7 +19530,7 @@
 </p:sld>
 </file>
 
-<file path=ppt/slides/slide25.xml><?xml version="1.0" encoding="utf-8"?>
+<file path=ppt/slides/slide32.xml><?xml version="1.0" encoding="utf-8"?>
 <p:sld xmlns:a="http://schemas.openxmlformats.org/drawingml/2006/main" xmlns:r="http://schemas.openxmlformats.org/officeDocument/2006/relationships" xmlns:p="http://schemas.openxmlformats.org/presentationml/2006/main">
   <p:cSld>
     <p:spTree>
@@ -16172,7 +19953,7 @@
 </p:sld>
 </file>
 
-<file path=ppt/slides/slide26.xml><?xml version="1.0" encoding="utf-8"?>
+<file path=ppt/slides/slide33.xml><?xml version="1.0" encoding="utf-8"?>
 <p:sld xmlns:a="http://schemas.openxmlformats.org/drawingml/2006/main" xmlns:r="http://schemas.openxmlformats.org/officeDocument/2006/relationships" xmlns:p="http://schemas.openxmlformats.org/presentationml/2006/main">
   <p:cSld>
     <p:spTree>
@@ -16488,7 +20269,7 @@
 </p:sld>
 </file>
 
-<file path=ppt/slides/slide27.xml><?xml version="1.0" encoding="utf-8"?>
+<file path=ppt/slides/slide34.xml><?xml version="1.0" encoding="utf-8"?>
 <p:sld xmlns:a="http://schemas.openxmlformats.org/drawingml/2006/main" xmlns:r="http://schemas.openxmlformats.org/officeDocument/2006/relationships" xmlns:p="http://schemas.openxmlformats.org/presentationml/2006/main">
   <p:cSld>
     <p:spTree>
@@ -16632,35 +20413,7 @@
             </a:r>
             <a:r>
               <a:rPr lang="zh-CN" altLang="en-US" dirty="0"/>
-              <a:t>虚拟环境的相关内容，了解 </a:t>
-            </a:r>
-            <a:r>
-              <a:rPr lang="en-US" altLang="zh-CN" dirty="0" err="1"/>
-              <a:t>Conda</a:t>
-            </a:r>
-            <a:r>
-              <a:rPr lang="zh-CN" altLang="en-US" dirty="0"/>
-              <a:t>、</a:t>
-            </a:r>
-            <a:r>
-              <a:rPr lang="en-US" altLang="zh-CN" dirty="0"/>
-              <a:t>Anaconda</a:t>
-            </a:r>
-            <a:r>
-              <a:rPr lang="zh-CN" altLang="en-US" dirty="0"/>
-              <a:t>、</a:t>
-            </a:r>
-            <a:r>
-              <a:rPr lang="en-US" altLang="zh-CN" dirty="0" err="1"/>
-              <a:t>Pyenv</a:t>
-            </a:r>
-            <a:r>
-              <a:rPr lang="en-US" altLang="zh-CN" dirty="0"/>
-              <a:t> </a:t>
-            </a:r>
-            <a:r>
-              <a:rPr lang="zh-CN" altLang="en-US" dirty="0"/>
-              <a:t>等</a:t>
+              <a:t>虚拟环境的相关内容（项目部分时会提及）</a:t>
             </a:r>
             <a:endParaRPr lang="en-US" altLang="zh-CN" dirty="0"/>
           </a:p>
@@ -16688,27 +20441,7 @@
           <a:p>
             <a:r>
               <a:rPr lang="zh-CN" altLang="en-US" dirty="0"/>
-              <a:t>安装 </a:t>
-            </a:r>
-            <a:r>
-              <a:rPr lang="en-US" altLang="zh-CN" dirty="0">
-                <a:latin typeface="Consolas" panose="020B0609020204030204" pitchFamily="49" charset="0"/>
-              </a:rPr>
-              <a:t>Anaconda</a:t>
-            </a:r>
-            <a:r>
-              <a:rPr lang="zh-CN" altLang="en-US" dirty="0"/>
-              <a:t>（</a:t>
-            </a:r>
-            <a:r>
-              <a:rPr lang="en-US" altLang="zh-CN" dirty="0" err="1">
-                <a:latin typeface="Consolas" panose="020B0609020204030204" pitchFamily="49" charset="0"/>
-              </a:rPr>
-              <a:t>Miniconda</a:t>
-            </a:r>
-            <a:r>
-              <a:rPr lang="zh-CN" altLang="en-US" dirty="0"/>
-              <a:t>），创建环境并在其中运行程序</a:t>
+              <a:t>选择一个你喜欢的虚拟环境，使用它创建环境并在其中运行代码</a:t>
             </a:r>
             <a:endParaRPr lang="en-US" altLang="zh-CN" dirty="0"/>
           </a:p>
@@ -16895,231 +20628,6 @@
       <p:bldP spid="3" grpId="0" uiExpand="1" build="p"/>
     </p:bldLst>
   </p:timing>
-</p:sld>
-</file>
-
-<file path=ppt/slides/slide3.xml><?xml version="1.0" encoding="utf-8"?>
-<p:sld xmlns:a="http://schemas.openxmlformats.org/drawingml/2006/main" xmlns:r="http://schemas.openxmlformats.org/officeDocument/2006/relationships" xmlns:p="http://schemas.openxmlformats.org/presentationml/2006/main">
-  <p:cSld>
-    <p:spTree>
-      <p:nvGrpSpPr>
-        <p:cNvPr id="1" name=""/>
-        <p:cNvGrpSpPr/>
-        <p:nvPr/>
-      </p:nvGrpSpPr>
-      <p:grpSpPr>
-        <a:xfrm>
-          <a:off x="0" y="0"/>
-          <a:ext cx="0" cy="0"/>
-          <a:chOff x="0" y="0"/>
-          <a:chExt cx="0" cy="0"/>
-        </a:xfrm>
-      </p:grpSpPr>
-      <p:sp>
-        <p:nvSpPr>
-          <p:cNvPr id="2" name="标题 1">
-            <a:extLst>
-              <a:ext uri="{FF2B5EF4-FFF2-40B4-BE49-F238E27FC236}">
-                <a16:creationId xmlns:a16="http://schemas.microsoft.com/office/drawing/2014/main" id="{1422DFF6-0952-1023-64E3-97184D36BE3F}"/>
-              </a:ext>
-            </a:extLst>
-          </p:cNvPr>
-          <p:cNvSpPr>
-            <a:spLocks noGrp="1"/>
-          </p:cNvSpPr>
-          <p:nvPr>
-            <p:ph type="title"/>
-          </p:nvPr>
-        </p:nvSpPr>
-        <p:spPr/>
-        <p:txBody>
-          <a:bodyPr/>
-          <a:lstStyle/>
-          <a:p>
-            <a:r>
-              <a:rPr lang="zh-CN" altLang="en-US" dirty="0">
-                <a:effectLst>
-                  <a:outerShdw blurRad="38100" dist="38100" dir="2700000" algn="tl">
-                    <a:srgbClr val="000000">
-                      <a:alpha val="43137"/>
-                    </a:srgbClr>
-                  </a:outerShdw>
-                </a:effectLst>
-              </a:rPr>
-              <a:t>第 </a:t>
-            </a:r>
-            <a:r>
-              <a:rPr lang="en-US" altLang="zh-CN">
-                <a:effectLst>
-                  <a:outerShdw blurRad="38100" dist="38100" dir="2700000" algn="tl">
-                    <a:srgbClr val="000000">
-                      <a:alpha val="43137"/>
-                    </a:srgbClr>
-                  </a:outerShdw>
-                </a:effectLst>
-              </a:rPr>
-              <a:t>1 </a:t>
-            </a:r>
-            <a:r>
-              <a:rPr lang="zh-CN" altLang="en-US">
-                <a:effectLst>
-                  <a:outerShdw blurRad="38100" dist="38100" dir="2700000" algn="tl">
-                    <a:srgbClr val="000000">
-                      <a:alpha val="43137"/>
-                    </a:srgbClr>
-                  </a:outerShdw>
-                </a:effectLst>
-              </a:rPr>
-              <a:t>章 </a:t>
-            </a:r>
-            <a:r>
-              <a:rPr lang="zh-CN" altLang="en-US" dirty="0">
-                <a:effectLst>
-                  <a:outerShdw blurRad="38100" dist="38100" dir="2700000" algn="tl">
-                    <a:srgbClr val="000000">
-                      <a:alpha val="43137"/>
-                    </a:srgbClr>
-                  </a:outerShdw>
-                </a:effectLst>
-              </a:rPr>
-              <a:t>起步</a:t>
-            </a:r>
-          </a:p>
-        </p:txBody>
-      </p:sp>
-      <p:sp>
-        <p:nvSpPr>
-          <p:cNvPr id="3" name="内容占位符 2">
-            <a:extLst>
-              <a:ext uri="{FF2B5EF4-FFF2-40B4-BE49-F238E27FC236}">
-                <a16:creationId xmlns:a16="http://schemas.microsoft.com/office/drawing/2014/main" id="{AC7759D9-0BB4-08ED-8476-24F7D903D6DE}"/>
-              </a:ext>
-            </a:extLst>
-          </p:cNvPr>
-          <p:cNvSpPr>
-            <a:spLocks noGrp="1"/>
-          </p:cNvSpPr>
-          <p:nvPr>
-            <p:ph idx="1"/>
-          </p:nvPr>
-        </p:nvSpPr>
-        <p:spPr/>
-        <p:txBody>
-          <a:bodyPr/>
-          <a:lstStyle/>
-          <a:p>
-            <a:r>
-              <a:rPr lang="en-US" altLang="zh-CN" dirty="0"/>
-              <a:t>1.1 </a:t>
-            </a:r>
-            <a:r>
-              <a:rPr lang="zh-CN" altLang="en-US" dirty="0"/>
-              <a:t>编程</a:t>
-            </a:r>
-            <a:r>
-              <a:rPr lang="zh-CN" altLang="en-US"/>
-              <a:t>环境简介</a:t>
-            </a:r>
-            <a:endParaRPr lang="en-US" altLang="zh-CN" dirty="0"/>
-          </a:p>
-          <a:p>
-            <a:r>
-              <a:rPr lang="en-US" altLang="zh-CN" dirty="0"/>
-              <a:t>1.2 </a:t>
-            </a:r>
-            <a:r>
-              <a:rPr lang="zh-CN" altLang="en-US" dirty="0"/>
-              <a:t>安装 </a:t>
-            </a:r>
-            <a:r>
-              <a:rPr lang="en-US" altLang="zh-CN" dirty="0"/>
-              <a:t>Python </a:t>
-            </a:r>
-            <a:r>
-              <a:rPr lang="zh-CN" altLang="en-US" dirty="0"/>
-              <a:t>和编辑器</a:t>
-            </a:r>
-            <a:endParaRPr lang="en-US" altLang="zh-CN" dirty="0"/>
-          </a:p>
-          <a:p>
-            <a:r>
-              <a:rPr lang="en-US" altLang="zh-CN" dirty="0"/>
-              <a:t>1.3 Hello World</a:t>
-            </a:r>
-            <a:r>
-              <a:rPr lang="zh-CN" altLang="en-US" dirty="0"/>
-              <a:t>！</a:t>
-            </a:r>
-            <a:endParaRPr lang="en-US" altLang="zh-CN" dirty="0"/>
-          </a:p>
-          <a:p>
-            <a:r>
-              <a:rPr lang="en-US" altLang="zh-CN" dirty="0"/>
-              <a:t>1.4 </a:t>
-            </a:r>
-            <a:r>
-              <a:rPr lang="zh-CN" altLang="en-US" dirty="0"/>
-              <a:t>排除安装问题</a:t>
-            </a:r>
-            <a:endParaRPr lang="en-US" altLang="zh-CN" dirty="0"/>
-          </a:p>
-          <a:p>
-            <a:r>
-              <a:rPr lang="en-US" altLang="zh-CN" dirty="0"/>
-              <a:t>1.5 </a:t>
-            </a:r>
-            <a:r>
-              <a:rPr lang="zh-CN" altLang="en-US" dirty="0"/>
-              <a:t>从终端运行 </a:t>
-            </a:r>
-            <a:r>
-              <a:rPr lang="en-US" altLang="zh-CN" dirty="0"/>
-              <a:t>Python </a:t>
-            </a:r>
-            <a:r>
-              <a:rPr lang="zh-CN" altLang="en-US" dirty="0"/>
-              <a:t>程序</a:t>
-            </a:r>
-            <a:endParaRPr lang="en-US" altLang="zh-CN" dirty="0"/>
-          </a:p>
-          <a:p>
-            <a:r>
-              <a:rPr lang="en-US" altLang="zh-CN" dirty="0"/>
-              <a:t>1.6 </a:t>
-            </a:r>
-            <a:r>
-              <a:rPr lang="zh-CN" altLang="en-US" dirty="0"/>
-              <a:t>小结</a:t>
-            </a:r>
-            <a:endParaRPr lang="en-US" altLang="zh-CN" dirty="0"/>
-          </a:p>
-          <a:p>
-            <a:endParaRPr lang="en-US" altLang="zh-CN" dirty="0"/>
-          </a:p>
-        </p:txBody>
-      </p:sp>
-    </p:spTree>
-    <p:extLst>
-      <p:ext uri="{BB962C8B-B14F-4D97-AF65-F5344CB8AC3E}">
-        <p14:creationId xmlns:p14="http://schemas.microsoft.com/office/powerpoint/2010/main" val="1112998187"/>
-      </p:ext>
-    </p:extLst>
-  </p:cSld>
-  <p:clrMapOvr>
-    <a:masterClrMapping/>
-  </p:clrMapOvr>
-  <mc:AlternateContent xmlns:mc="http://schemas.openxmlformats.org/markup-compatibility/2006" xmlns:p14="http://schemas.microsoft.com/office/powerpoint/2010/main">
-    <mc:Choice Requires="p14">
-      <p:transition spd="med" p14:dur="700">
-        <p:fade/>
-      </p:transition>
-    </mc:Choice>
-    <mc:Fallback xmlns="">
-      <p:transition spd="med">
-        <p:fade/>
-      </p:transition>
-    </mc:Fallback>
-  </mc:AlternateContent>
 </p:sld>
 </file>
 

--- a/PPT/python1.pptx
+++ b/PPT/python1.pptx
@@ -157,7 +157,7 @@
 <file path=ppt/revisionInfo.xml><?xml version="1.0" encoding="utf-8"?>
 <p1510:revInfo xmlns:a="http://schemas.openxmlformats.org/drawingml/2006/main" xmlns:r="http://schemas.openxmlformats.org/officeDocument/2006/relationships" xmlns:p1510="http://schemas.microsoft.com/office/powerpoint/2015/10/main">
   <p1510:revLst>
-    <p1510:client id="{42F73B06-DA81-4C67-8473-07E158E9C79B}" v="1915" dt="2023-06-02T16:45:48.996"/>
+    <p1510:client id="{42F73B06-DA81-4C67-8473-07E158E9C79B}" v="1916" dt="2023-06-02T16:51:27.895"/>
   </p1510:revLst>
 </p1510:revInfo>
 </file>
@@ -1269,7 +1269,7 @@
   <pc:docChgLst>
     <pc:chgData name="Scruel Tao" userId="5ea5c98d59b44d4b" providerId="LiveId" clId="{42F73B06-DA81-4C67-8473-07E158E9C79B}"/>
     <pc:docChg chg="undo redo custSel addSld delSld modSld sldOrd modMainMaster">
-      <pc:chgData name="Scruel Tao" userId="5ea5c98d59b44d4b" providerId="LiveId" clId="{42F73B06-DA81-4C67-8473-07E158E9C79B}" dt="2023-06-02T16:47:38.078" v="11483"/>
+      <pc:chgData name="Scruel Tao" userId="5ea5c98d59b44d4b" providerId="LiveId" clId="{42F73B06-DA81-4C67-8473-07E158E9C79B}" dt="2023-06-02T16:52:47.156" v="11546" actId="20577"/>
       <pc:docMkLst>
         <pc:docMk/>
       </pc:docMkLst>
@@ -2683,7 +2683,7 @@
         </pc:picChg>
       </pc:sldChg>
       <pc:sldChg chg="modSp add mod modTransition modAnim modNotesTx">
-        <pc:chgData name="Scruel Tao" userId="5ea5c98d59b44d4b" providerId="LiveId" clId="{42F73B06-DA81-4C67-8473-07E158E9C79B}" dt="2023-06-02T15:59:34.139" v="9016" actId="20577"/>
+        <pc:chgData name="Scruel Tao" userId="5ea5c98d59b44d4b" providerId="LiveId" clId="{42F73B06-DA81-4C67-8473-07E158E9C79B}" dt="2023-06-02T16:52:47.156" v="11546" actId="20577"/>
         <pc:sldMkLst>
           <pc:docMk/>
           <pc:sldMk cId="1751565490" sldId="276"/>
@@ -6905,10 +6905,26 @@
               <a:defRPr/>
             </a:pPr>
             <a:r>
-              <a:rPr lang="zh-CN" altLang="en-US" b="1" dirty="0"/>
-              <a:t>如果你是初学者，可选拓展部分可直接忽略，以后回来翻阅也不迟，避免增加学习负担。</a:t>
-            </a:r>
-            <a:endParaRPr lang="en-US" altLang="zh-CN" b="1" dirty="0"/>
+              <a:rPr lang="zh-CN" altLang="en-US" dirty="0"/>
+              <a:t>可配置 </a:t>
+            </a:r>
+            <a:r>
+              <a:rPr lang="en-US" altLang="zh-CN" dirty="0"/>
+              <a:t>VS Code </a:t>
+            </a:r>
+            <a:r>
+              <a:rPr lang="zh-CN" altLang="en-US" dirty="0"/>
+              <a:t>只显示程序的输出，配置方法请参阅附录 </a:t>
+            </a:r>
+            <a:r>
+              <a:rPr lang="en-US" altLang="zh-CN" dirty="0"/>
+              <a:t>B</a:t>
+            </a:r>
+            <a:r>
+              <a:rPr lang="zh-CN" altLang="en-US"/>
+              <a:t>，推荐按照书来做一下操作。</a:t>
+            </a:r>
+            <a:endParaRPr lang="en-US" altLang="zh-CN" dirty="0"/>
           </a:p>
           <a:p>
             <a:pPr marL="0" marR="0" lvl="0" indent="0" algn="l" defTabSz="914400" rtl="0" eaLnBrk="1" fontAlgn="auto" latinLnBrk="0" hangingPunct="1">
@@ -6928,7 +6944,7 @@
               <a:tabLst/>
               <a:defRPr/>
             </a:pPr>
-            <a:endParaRPr lang="en-US" altLang="zh-CN" dirty="0"/>
+            <a:endParaRPr lang="en-US" altLang="zh-CN" b="1" dirty="0"/>
           </a:p>
           <a:p>
             <a:pPr marL="0" marR="0" lvl="0" indent="0" algn="l" defTabSz="914400" rtl="0" eaLnBrk="1" fontAlgn="auto" latinLnBrk="0" hangingPunct="1">
@@ -6949,24 +6965,8 @@
               <a:defRPr/>
             </a:pPr>
             <a:r>
-              <a:rPr lang="zh-CN" altLang="en-US" dirty="0"/>
-              <a:t>可配置 </a:t>
-            </a:r>
-            <a:r>
-              <a:rPr lang="en-US" altLang="zh-CN" dirty="0"/>
-              <a:t>VS Code </a:t>
-            </a:r>
-            <a:r>
-              <a:rPr lang="zh-CN" altLang="en-US" dirty="0"/>
-              <a:t>只显示程序的输出，配置方法请参阅附录 </a:t>
-            </a:r>
-            <a:r>
-              <a:rPr lang="en-US" altLang="zh-CN" dirty="0"/>
-              <a:t>B</a:t>
-            </a:r>
-            <a:r>
-              <a:rPr lang="zh-CN" altLang="en-US" dirty="0"/>
-              <a:t>。</a:t>
+              <a:rPr lang="zh-CN" altLang="en-US" b="1" dirty="0"/>
+              <a:t>如果你是初学者，可选拓展部分可直接忽略，以后回来翻阅也不迟，避免增加学习负担。</a:t>
             </a:r>
             <a:endParaRPr lang="en-US" altLang="zh-CN" dirty="0"/>
           </a:p>
@@ -16885,13 +16885,13 @@
   <p:clrMapOvr>
     <a:masterClrMapping/>
   </p:clrMapOvr>
-  <mc:AlternateContent xmlns:mc="http://schemas.openxmlformats.org/markup-compatibility/2006">
-    <mc:Choice xmlns:p159="http://schemas.microsoft.com/office/powerpoint/2015/09/main" Requires="p159">
+  <mc:AlternateContent xmlns:mc="http://schemas.openxmlformats.org/markup-compatibility/2006" xmlns:p159="http://schemas.microsoft.com/office/powerpoint/2015/09/main">
+    <mc:Choice Requires="p159">
       <p:transition spd="med">
         <p159:morph option="byObject"/>
       </p:transition>
     </mc:Choice>
-    <mc:Fallback>
+    <mc:Fallback xmlns="">
       <p:transition spd="med">
         <p:fade/>
       </p:transition>
@@ -17171,13 +17171,13 @@
   <p:clrMapOvr>
     <a:masterClrMapping/>
   </p:clrMapOvr>
-  <mc:AlternateContent xmlns:mc="http://schemas.openxmlformats.org/markup-compatibility/2006">
-    <mc:Choice xmlns:p159="http://schemas.microsoft.com/office/powerpoint/2015/09/main" Requires="p159">
+  <mc:AlternateContent xmlns:mc="http://schemas.openxmlformats.org/markup-compatibility/2006" xmlns:p159="http://schemas.microsoft.com/office/powerpoint/2015/09/main">
+    <mc:Choice Requires="p159">
       <p:transition spd="med">
         <p159:morph option="byObject"/>
       </p:transition>
     </mc:Choice>
-    <mc:Fallback>
+    <mc:Fallback xmlns="">
       <p:transition spd="med">
         <p:fade/>
       </p:transition>

--- a/PPT/python1.pptx
+++ b/PPT/python1.pptx
@@ -154,14 +154,6 @@
 </p:presentation>
 </file>
 
-<file path=ppt/revisionInfo.xml><?xml version="1.0" encoding="utf-8"?>
-<p1510:revInfo xmlns:a="http://schemas.openxmlformats.org/drawingml/2006/main" xmlns:r="http://schemas.openxmlformats.org/officeDocument/2006/relationships" xmlns:p1510="http://schemas.microsoft.com/office/powerpoint/2015/10/main">
-  <p1510:revLst>
-    <p1510:client id="{42F73B06-DA81-4C67-8473-07E158E9C79B}" v="1916" dt="2023-06-02T16:51:27.895"/>
-  </p1510:revLst>
-</p1510:revInfo>
-</file>
-
 <file path=ppt/changesInfos/changesInfo1.xml><?xml version="1.0" encoding="utf-8"?>
 <pc:chgInfo xmlns:a="http://schemas.openxmlformats.org/drawingml/2006/main" xmlns:r="http://schemas.openxmlformats.org/officeDocument/2006/relationships" xmlns:ac="http://schemas.microsoft.com/office/drawing/2013/main/command" xmlns:pc="http://schemas.microsoft.com/office/powerpoint/2013/main/command">
   <pc:docChgLst>
@@ -1269,7 +1261,7 @@
   <pc:docChgLst>
     <pc:chgData name="Scruel Tao" userId="5ea5c98d59b44d4b" providerId="LiveId" clId="{42F73B06-DA81-4C67-8473-07E158E9C79B}"/>
     <pc:docChg chg="undo redo custSel addSld delSld modSld sldOrd modMainMaster">
-      <pc:chgData name="Scruel Tao" userId="5ea5c98d59b44d4b" providerId="LiveId" clId="{42F73B06-DA81-4C67-8473-07E158E9C79B}" dt="2023-06-02T16:52:47.156" v="11546" actId="20577"/>
+      <pc:chgData name="Scruel Tao" userId="5ea5c98d59b44d4b" providerId="LiveId" clId="{42F73B06-DA81-4C67-8473-07E158E9C79B}" dt="2023-06-05T04:03:11.995" v="12051" actId="1076"/>
       <pc:docMkLst>
         <pc:docMk/>
       </pc:docMkLst>
@@ -1856,7 +1848,7 @@
         </pc:picChg>
       </pc:sldChg>
       <pc:sldChg chg="modSp mod modTransition modAnim modNotesTx">
-        <pc:chgData name="Scruel Tao" userId="5ea5c98d59b44d4b" providerId="LiveId" clId="{42F73B06-DA81-4C67-8473-07E158E9C79B}" dt="2023-05-24T16:15:04.661" v="7045" actId="1076"/>
+        <pc:chgData name="Scruel Tao" userId="5ea5c98d59b44d4b" providerId="LiveId" clId="{42F73B06-DA81-4C67-8473-07E158E9C79B}" dt="2023-06-03T12:14:04.542" v="11548" actId="207"/>
         <pc:sldMkLst>
           <pc:docMk/>
           <pc:sldMk cId="1199684676" sldId="259"/>
@@ -1870,7 +1862,7 @@
           </ac:spMkLst>
         </pc:spChg>
         <pc:spChg chg="mod">
-          <ac:chgData name="Scruel Tao" userId="5ea5c98d59b44d4b" providerId="LiveId" clId="{42F73B06-DA81-4C67-8473-07E158E9C79B}" dt="2023-05-24T16:15:04.661" v="7045" actId="1076"/>
+          <ac:chgData name="Scruel Tao" userId="5ea5c98d59b44d4b" providerId="LiveId" clId="{42F73B06-DA81-4C67-8473-07E158E9C79B}" dt="2023-06-03T12:14:04.542" v="11548" actId="207"/>
           <ac:spMkLst>
             <pc:docMk/>
             <pc:sldMk cId="1199684676" sldId="259"/>
@@ -1997,7 +1989,7 @@
         </pc:picChg>
       </pc:sldChg>
       <pc:sldChg chg="modSp mod modTransition modAnim modNotesTx">
-        <pc:chgData name="Scruel Tao" userId="5ea5c98d59b44d4b" providerId="LiveId" clId="{42F73B06-DA81-4C67-8473-07E158E9C79B}" dt="2023-05-05T10:01:51.588" v="5834"/>
+        <pc:chgData name="Scruel Tao" userId="5ea5c98d59b44d4b" providerId="LiveId" clId="{42F73B06-DA81-4C67-8473-07E158E9C79B}" dt="2023-06-03T15:28:16.231" v="11549" actId="14826"/>
         <pc:sldMkLst>
           <pc:docMk/>
           <pc:sldMk cId="1122177192" sldId="262"/>
@@ -2018,6 +2010,14 @@
             <ac:spMk id="5" creationId="{334FF01F-2A65-44F6-34F9-69AC934A31D7}"/>
           </ac:spMkLst>
         </pc:spChg>
+        <pc:picChg chg="mod">
+          <ac:chgData name="Scruel Tao" userId="5ea5c98d59b44d4b" providerId="LiveId" clId="{42F73B06-DA81-4C67-8473-07E158E9C79B}" dt="2023-06-03T15:28:16.231" v="11549" actId="14826"/>
+          <ac:picMkLst>
+            <pc:docMk/>
+            <pc:sldMk cId="1122177192" sldId="262"/>
+            <ac:picMk id="4" creationId="{1025CE4E-D3BC-5184-15B8-313E85995FFB}"/>
+          </ac:picMkLst>
+        </pc:picChg>
       </pc:sldChg>
       <pc:sldChg chg="modSp mod modTransition modClrScheme chgLayout">
         <pc:chgData name="Scruel Tao" userId="5ea5c98d59b44d4b" providerId="LiveId" clId="{42F73B06-DA81-4C67-8473-07E158E9C79B}" dt="2023-05-14T16:29:25.572" v="6715" actId="167"/>
@@ -2319,8 +2319,8 @@
           </ac:picMkLst>
         </pc:picChg>
       </pc:sldChg>
-      <pc:sldChg chg="addSp delSp modSp mod modTransition addAnim delAnim modAnim">
-        <pc:chgData name="Scruel Tao" userId="5ea5c98d59b44d4b" providerId="LiveId" clId="{42F73B06-DA81-4C67-8473-07E158E9C79B}" dt="2023-05-24T16:15:18.735" v="7046" actId="478"/>
+      <pc:sldChg chg="addSp delSp modSp mod modTransition addAnim delAnim modAnim modNotesTx">
+        <pc:chgData name="Scruel Tao" userId="5ea5c98d59b44d4b" providerId="LiveId" clId="{42F73B06-DA81-4C67-8473-07E158E9C79B}" dt="2023-06-05T04:03:11.995" v="12051" actId="1076"/>
         <pc:sldMkLst>
           <pc:docMk/>
           <pc:sldMk cId="555885545" sldId="271"/>
@@ -2334,7 +2334,7 @@
           </ac:spMkLst>
         </pc:spChg>
         <pc:spChg chg="mod">
-          <ac:chgData name="Scruel Tao" userId="5ea5c98d59b44d4b" providerId="LiveId" clId="{42F73B06-DA81-4C67-8473-07E158E9C79B}" dt="2023-05-05T10:06:17.769" v="5874" actId="962"/>
+          <ac:chgData name="Scruel Tao" userId="5ea5c98d59b44d4b" providerId="LiveId" clId="{42F73B06-DA81-4C67-8473-07E158E9C79B}" dt="2023-06-05T03:51:56.596" v="11610" actId="20577"/>
           <ac:spMkLst>
             <pc:docMk/>
             <pc:sldMk cId="555885545" sldId="271"/>
@@ -2347,6 +2347,22 @@
             <pc:docMk/>
             <pc:sldMk cId="555885545" sldId="271"/>
             <ac:spMk id="6" creationId="{96411E61-71A7-90DE-7A32-314B47B9E195}"/>
+          </ac:spMkLst>
+        </pc:spChg>
+        <pc:spChg chg="add del">
+          <ac:chgData name="Scruel Tao" userId="5ea5c98d59b44d4b" providerId="LiveId" clId="{42F73B06-DA81-4C67-8473-07E158E9C79B}" dt="2023-06-05T03:42:21.629" v="11554" actId="22"/>
+          <ac:spMkLst>
+            <pc:docMk/>
+            <pc:sldMk cId="555885545" sldId="271"/>
+            <ac:spMk id="7" creationId="{7F85CC18-AC5D-FB60-DF4F-2F46924A2A37}"/>
+          </ac:spMkLst>
+        </pc:spChg>
+        <pc:spChg chg="add del mod">
+          <ac:chgData name="Scruel Tao" userId="5ea5c98d59b44d4b" providerId="LiveId" clId="{42F73B06-DA81-4C67-8473-07E158E9C79B}" dt="2023-06-05T04:01:37.954" v="11860" actId="21"/>
+          <ac:spMkLst>
+            <pc:docMk/>
+            <pc:sldMk cId="555885545" sldId="271"/>
+            <ac:spMk id="15" creationId="{108769B8-97BD-C0E6-4BBD-A8C8FC2C4C61}"/>
           </ac:spMkLst>
         </pc:spChg>
         <pc:picChg chg="del mod">
@@ -2355,6 +2371,14 @@
             <pc:docMk/>
             <pc:sldMk cId="555885545" sldId="271"/>
             <ac:picMk id="3" creationId="{E9C9C4B6-9E80-13FC-3C11-56455F818828}"/>
+          </ac:picMkLst>
+        </pc:picChg>
+        <pc:picChg chg="add del mod">
+          <ac:chgData name="Scruel Tao" userId="5ea5c98d59b44d4b" providerId="LiveId" clId="{42F73B06-DA81-4C67-8473-07E158E9C79B}" dt="2023-06-05T03:57:20.556" v="11654" actId="478"/>
+          <ac:picMkLst>
+            <pc:docMk/>
+            <pc:sldMk cId="555885545" sldId="271"/>
+            <ac:picMk id="4" creationId="{7853697B-912C-5F40-1F6A-10CD14560FDC}"/>
           </ac:picMkLst>
         </pc:picChg>
         <pc:picChg chg="add del">
@@ -2365,12 +2389,36 @@
             <ac:picMk id="6" creationId="{1F5CF4D0-7940-CB3A-CEC6-7CB0F85F81D0}"/>
           </ac:picMkLst>
         </pc:picChg>
+        <pc:picChg chg="add del mod">
+          <ac:chgData name="Scruel Tao" userId="5ea5c98d59b44d4b" providerId="LiveId" clId="{42F73B06-DA81-4C67-8473-07E158E9C79B}" dt="2023-06-05T03:57:19.395" v="11653"/>
+          <ac:picMkLst>
+            <pc:docMk/>
+            <pc:sldMk cId="555885545" sldId="271"/>
+            <ac:picMk id="9" creationId="{0D3969B3-3018-A250-BC13-17E7CD0944C5}"/>
+          </ac:picMkLst>
+        </pc:picChg>
         <pc:picChg chg="del">
           <ac:chgData name="Scruel Tao" userId="5ea5c98d59b44d4b" providerId="LiveId" clId="{42F73B06-DA81-4C67-8473-07E158E9C79B}" dt="2023-04-29T03:04:59.264" v="3277" actId="478"/>
           <ac:picMkLst>
             <pc:docMk/>
             <pc:sldMk cId="555885545" sldId="271"/>
             <ac:picMk id="10" creationId="{AB9AA877-00A8-CAE0-AEB2-54C3CC706AB2}"/>
+          </ac:picMkLst>
+        </pc:picChg>
+        <pc:picChg chg="add del mod">
+          <ac:chgData name="Scruel Tao" userId="5ea5c98d59b44d4b" providerId="LiveId" clId="{42F73B06-DA81-4C67-8473-07E158E9C79B}" dt="2023-06-05T03:57:50.203" v="11656"/>
+          <ac:picMkLst>
+            <pc:docMk/>
+            <pc:sldMk cId="555885545" sldId="271"/>
+            <ac:picMk id="11" creationId="{23D3939C-8234-6298-7CAB-D7474C7B484D}"/>
+          </ac:picMkLst>
+        </pc:picChg>
+        <pc:picChg chg="add mod">
+          <ac:chgData name="Scruel Tao" userId="5ea5c98d59b44d4b" providerId="LiveId" clId="{42F73B06-DA81-4C67-8473-07E158E9C79B}" dt="2023-06-05T04:03:11.995" v="12051" actId="1076"/>
+          <ac:picMkLst>
+            <pc:docMk/>
+            <pc:sldMk cId="555885545" sldId="271"/>
+            <ac:picMk id="13" creationId="{E02580EA-DC05-D002-FEB4-DD7CC58CFB9E}"/>
           </ac:picMkLst>
         </pc:picChg>
         <pc:picChg chg="del">
@@ -2556,7 +2604,7 @@
         </pc:spChg>
       </pc:sldChg>
       <pc:sldChg chg="addSp delSp modSp mod modTransition delAnim modAnim modNotesTx">
-        <pc:chgData name="Scruel Tao" userId="5ea5c98d59b44d4b" providerId="LiveId" clId="{42F73B06-DA81-4C67-8473-07E158E9C79B}" dt="2023-06-02T16:23:57.888" v="10267" actId="20577"/>
+        <pc:chgData name="Scruel Tao" userId="5ea5c98d59b44d4b" providerId="LiveId" clId="{42F73B06-DA81-4C67-8473-07E158E9C79B}" dt="2023-06-05T03:53:23.169" v="11646" actId="14100"/>
         <pc:sldMkLst>
           <pc:docMk/>
           <pc:sldMk cId="1525970791" sldId="275"/>
@@ -2634,7 +2682,7 @@
           </ac:picMkLst>
         </pc:picChg>
         <pc:picChg chg="add mod">
-          <ac:chgData name="Scruel Tao" userId="5ea5c98d59b44d4b" providerId="LiveId" clId="{42F73B06-DA81-4C67-8473-07E158E9C79B}" dt="2023-06-02T16:15:43.229" v="9470" actId="14826"/>
+          <ac:chgData name="Scruel Tao" userId="5ea5c98d59b44d4b" providerId="LiveId" clId="{42F73B06-DA81-4C67-8473-07E158E9C79B}" dt="2023-06-05T03:53:23.169" v="11646" actId="14100"/>
           <ac:picMkLst>
             <pc:docMk/>
             <pc:sldMk cId="1525970791" sldId="275"/>
@@ -2893,7 +2941,7 @@
         </pc:picChg>
       </pc:sldChg>
       <pc:sldChg chg="addSp delSp modSp add mod modTransition delAnim modAnim">
-        <pc:chgData name="Scruel Tao" userId="5ea5c98d59b44d4b" providerId="LiveId" clId="{42F73B06-DA81-4C67-8473-07E158E9C79B}" dt="2023-06-02T16:26:55.657" v="10449"/>
+        <pc:chgData name="Scruel Tao" userId="5ea5c98d59b44d4b" providerId="LiveId" clId="{42F73B06-DA81-4C67-8473-07E158E9C79B}" dt="2023-06-05T03:52:33.567" v="11633" actId="207"/>
         <pc:sldMkLst>
           <pc:docMk/>
           <pc:sldMk cId="4291654708" sldId="280"/>
@@ -2915,7 +2963,7 @@
           </ac:spMkLst>
         </pc:spChg>
         <pc:spChg chg="mod">
-          <ac:chgData name="Scruel Tao" userId="5ea5c98d59b44d4b" providerId="LiveId" clId="{42F73B06-DA81-4C67-8473-07E158E9C79B}" dt="2023-06-02T16:26:55.657" v="10449"/>
+          <ac:chgData name="Scruel Tao" userId="5ea5c98d59b44d4b" providerId="LiveId" clId="{42F73B06-DA81-4C67-8473-07E158E9C79B}" dt="2023-06-05T03:52:33.567" v="11633" actId="207"/>
           <ac:spMkLst>
             <pc:docMk/>
             <pc:sldMk cId="4291654708" sldId="280"/>
@@ -3012,7 +3060,7 @@
         </pc:picChg>
       </pc:sldChg>
       <pc:sldChg chg="addSp delSp modSp add mod modTransition addAnim delAnim modAnim">
-        <pc:chgData name="Scruel Tao" userId="5ea5c98d59b44d4b" providerId="LiveId" clId="{42F73B06-DA81-4C67-8473-07E158E9C79B}" dt="2023-06-02T16:46:55.531" v="11455" actId="20577"/>
+        <pc:chgData name="Scruel Tao" userId="5ea5c98d59b44d4b" providerId="LiveId" clId="{42F73B06-DA81-4C67-8473-07E158E9C79B}" dt="2023-06-05T03:53:18.660" v="11645" actId="14100"/>
         <pc:sldMkLst>
           <pc:docMk/>
           <pc:sldMk cId="908115860" sldId="281"/>
@@ -3026,7 +3074,7 @@
           </ac:spMkLst>
         </pc:spChg>
         <pc:spChg chg="mod">
-          <ac:chgData name="Scruel Tao" userId="5ea5c98d59b44d4b" providerId="LiveId" clId="{42F73B06-DA81-4C67-8473-07E158E9C79B}" dt="2023-06-02T16:46:55.531" v="11455" actId="20577"/>
+          <ac:chgData name="Scruel Tao" userId="5ea5c98d59b44d4b" providerId="LiveId" clId="{42F73B06-DA81-4C67-8473-07E158E9C79B}" dt="2023-06-05T03:52:45.389" v="11643" actId="14100"/>
           <ac:spMkLst>
             <pc:docMk/>
             <pc:sldMk cId="908115860" sldId="281"/>
@@ -3058,7 +3106,7 @@
           </ac:picMkLst>
         </pc:picChg>
         <pc:picChg chg="add mod">
-          <ac:chgData name="Scruel Tao" userId="5ea5c98d59b44d4b" providerId="LiveId" clId="{42F73B06-DA81-4C67-8473-07E158E9C79B}" dt="2023-06-02T16:13:34.568" v="9461"/>
+          <ac:chgData name="Scruel Tao" userId="5ea5c98d59b44d4b" providerId="LiveId" clId="{42F73B06-DA81-4C67-8473-07E158E9C79B}" dt="2023-06-05T03:53:18.660" v="11645" actId="14100"/>
           <ac:picMkLst>
             <pc:docMk/>
             <pc:sldMk cId="908115860" sldId="281"/>
@@ -3091,7 +3139,7 @@
         </pc:picChg>
       </pc:sldChg>
       <pc:sldChg chg="addSp delSp modSp add mod modTransition delAnim modAnim modNotesTx">
-        <pc:chgData name="Scruel Tao" userId="5ea5c98d59b44d4b" providerId="LiveId" clId="{42F73B06-DA81-4C67-8473-07E158E9C79B}" dt="2023-06-02T16:27:43.400" v="10501" actId="115"/>
+        <pc:chgData name="Scruel Tao" userId="5ea5c98d59b44d4b" providerId="LiveId" clId="{42F73B06-DA81-4C67-8473-07E158E9C79B}" dt="2023-06-05T03:53:09.889" v="11644" actId="14100"/>
         <pc:sldMkLst>
           <pc:docMk/>
           <pc:sldMk cId="1594483198" sldId="282"/>
@@ -3105,7 +3153,7 @@
           </ac:spMkLst>
         </pc:spChg>
         <pc:spChg chg="mod">
-          <ac:chgData name="Scruel Tao" userId="5ea5c98d59b44d4b" providerId="LiveId" clId="{42F73B06-DA81-4C67-8473-07E158E9C79B}" dt="2023-06-02T16:26:58.257" v="10452"/>
+          <ac:chgData name="Scruel Tao" userId="5ea5c98d59b44d4b" providerId="LiveId" clId="{42F73B06-DA81-4C67-8473-07E158E9C79B}" dt="2023-06-05T03:52:37.199" v="11634"/>
           <ac:spMkLst>
             <pc:docMk/>
             <pc:sldMk cId="1594483198" sldId="282"/>
@@ -3161,7 +3209,7 @@
           </ac:picMkLst>
         </pc:picChg>
         <pc:picChg chg="add mod">
-          <ac:chgData name="Scruel Tao" userId="5ea5c98d59b44d4b" providerId="LiveId" clId="{42F73B06-DA81-4C67-8473-07E158E9C79B}" dt="2023-06-02T16:10:26.886" v="9190" actId="14826"/>
+          <ac:chgData name="Scruel Tao" userId="5ea5c98d59b44d4b" providerId="LiveId" clId="{42F73B06-DA81-4C67-8473-07E158E9C79B}" dt="2023-06-05T03:53:09.889" v="11644" actId="14100"/>
           <ac:picMkLst>
             <pc:docMk/>
             <pc:sldMk cId="1594483198" sldId="282"/>
@@ -3280,7 +3328,7 @@
         </pc:picChg>
       </pc:sldChg>
       <pc:sldChg chg="addSp delSp modSp add mod modTransition delAnim modAnim modNotesTx">
-        <pc:chgData name="Scruel Tao" userId="5ea5c98d59b44d4b" providerId="LiveId" clId="{42F73B06-DA81-4C67-8473-07E158E9C79B}" dt="2023-06-02T16:47:36.061" v="11482"/>
+        <pc:chgData name="Scruel Tao" userId="5ea5c98d59b44d4b" providerId="LiveId" clId="{42F73B06-DA81-4C67-8473-07E158E9C79B}" dt="2023-06-05T03:53:42.701" v="11650" actId="14100"/>
         <pc:sldMkLst>
           <pc:docMk/>
           <pc:sldMk cId="1521228770" sldId="284"/>
@@ -3342,7 +3390,7 @@
           </ac:picMkLst>
         </pc:picChg>
         <pc:picChg chg="add mod">
-          <ac:chgData name="Scruel Tao" userId="5ea5c98d59b44d4b" providerId="LiveId" clId="{42F73B06-DA81-4C67-8473-07E158E9C79B}" dt="2023-06-02T16:16:29.669" v="9472"/>
+          <ac:chgData name="Scruel Tao" userId="5ea5c98d59b44d4b" providerId="LiveId" clId="{42F73B06-DA81-4C67-8473-07E158E9C79B}" dt="2023-06-05T03:53:42.701" v="11650" actId="14100"/>
           <ac:picMkLst>
             <pc:docMk/>
             <pc:sldMk cId="1521228770" sldId="284"/>
@@ -3374,7 +3422,7 @@
         </pc:sldMkLst>
       </pc:sldChg>
       <pc:sldChg chg="addSp delSp modSp add mod modTransition delAnim modAnim modNotesTx">
-        <pc:chgData name="Scruel Tao" userId="5ea5c98d59b44d4b" providerId="LiveId" clId="{42F73B06-DA81-4C67-8473-07E158E9C79B}" dt="2023-06-02T16:47:38.078" v="11483"/>
+        <pc:chgData name="Scruel Tao" userId="5ea5c98d59b44d4b" providerId="LiveId" clId="{42F73B06-DA81-4C67-8473-07E158E9C79B}" dt="2023-06-05T03:53:47.799" v="11651" actId="14100"/>
         <pc:sldMkLst>
           <pc:docMk/>
           <pc:sldMk cId="4038958788" sldId="285"/>
@@ -3436,7 +3484,7 @@
           </ac:picMkLst>
         </pc:picChg>
         <pc:picChg chg="add del mod">
-          <ac:chgData name="Scruel Tao" userId="5ea5c98d59b44d4b" providerId="LiveId" clId="{42F73B06-DA81-4C67-8473-07E158E9C79B}" dt="2023-06-02T16:19:53.821" v="9862"/>
+          <ac:chgData name="Scruel Tao" userId="5ea5c98d59b44d4b" providerId="LiveId" clId="{42F73B06-DA81-4C67-8473-07E158E9C79B}" dt="2023-06-05T03:53:47.799" v="11651" actId="14100"/>
           <ac:picMkLst>
             <pc:docMk/>
             <pc:sldMk cId="4038958788" sldId="285"/>
@@ -3863,13 +3911,13 @@
         </pc:spChg>
       </pc:sldChg>
       <pc:sldChg chg="addSp delSp modSp add mod modTransition modNotesTx">
-        <pc:chgData name="Scruel Tao" userId="5ea5c98d59b44d4b" providerId="LiveId" clId="{42F73B06-DA81-4C67-8473-07E158E9C79B}" dt="2023-06-02T16:27:24.680" v="10484" actId="115"/>
+        <pc:chgData name="Scruel Tao" userId="5ea5c98d59b44d4b" providerId="LiveId" clId="{42F73B06-DA81-4C67-8473-07E158E9C79B}" dt="2023-06-05T03:52:26.119" v="11631" actId="20577"/>
         <pc:sldMkLst>
           <pc:docMk/>
           <pc:sldMk cId="706773735" sldId="311"/>
         </pc:sldMkLst>
         <pc:spChg chg="mod">
-          <ac:chgData name="Scruel Tao" userId="5ea5c98d59b44d4b" providerId="LiveId" clId="{42F73B06-DA81-4C67-8473-07E158E9C79B}" dt="2023-06-02T16:26:01.019" v="10443" actId="20577"/>
+          <ac:chgData name="Scruel Tao" userId="5ea5c98d59b44d4b" providerId="LiveId" clId="{42F73B06-DA81-4C67-8473-07E158E9C79B}" dt="2023-06-05T03:52:26.119" v="11631" actId="20577"/>
           <ac:spMkLst>
             <pc:docMk/>
             <pc:sldMk cId="706773735" sldId="311"/>
@@ -4196,7 +4244,7 @@
         </pc:picChg>
       </pc:sldChg>
       <pc:sldChg chg="addSp delSp modSp add mod">
-        <pc:chgData name="Scruel Tao" userId="5ea5c98d59b44d4b" providerId="LiveId" clId="{42F73B06-DA81-4C67-8473-07E158E9C79B}" dt="2023-06-02T16:42:21.812" v="11298" actId="207"/>
+        <pc:chgData name="Scruel Tao" userId="5ea5c98d59b44d4b" providerId="LiveId" clId="{42F73B06-DA81-4C67-8473-07E158E9C79B}" dt="2023-06-05T03:53:27.871" v="11647" actId="14100"/>
         <pc:sldMkLst>
           <pc:docMk/>
           <pc:sldMk cId="1685033620" sldId="373"/>
@@ -4234,7 +4282,7 @@
           </ac:picMkLst>
         </pc:picChg>
         <pc:picChg chg="add mod modCrop">
-          <ac:chgData name="Scruel Tao" userId="5ea5c98d59b44d4b" providerId="LiveId" clId="{42F73B06-DA81-4C67-8473-07E158E9C79B}" dt="2023-06-02T16:37:39.494" v="10777" actId="1036"/>
+          <ac:chgData name="Scruel Tao" userId="5ea5c98d59b44d4b" providerId="LiveId" clId="{42F73B06-DA81-4C67-8473-07E158E9C79B}" dt="2023-06-05T03:53:27.871" v="11647" actId="14100"/>
           <ac:picMkLst>
             <pc:docMk/>
             <pc:sldMk cId="1685033620" sldId="373"/>
@@ -4243,7 +4291,7 @@
         </pc:picChg>
       </pc:sldChg>
       <pc:sldChg chg="addSp delSp modSp add mod modTransition modNotesTx">
-        <pc:chgData name="Scruel Tao" userId="5ea5c98d59b44d4b" providerId="LiveId" clId="{42F73B06-DA81-4C67-8473-07E158E9C79B}" dt="2023-06-02T16:45:08.886" v="11397" actId="20577"/>
+        <pc:chgData name="Scruel Tao" userId="5ea5c98d59b44d4b" providerId="LiveId" clId="{42F73B06-DA81-4C67-8473-07E158E9C79B}" dt="2023-06-05T03:53:32.130" v="11648" actId="14100"/>
         <pc:sldMkLst>
           <pc:docMk/>
           <pc:sldMk cId="1540976929" sldId="374"/>
@@ -4281,7 +4329,7 @@
           </ac:picMkLst>
         </pc:picChg>
         <pc:picChg chg="add del mod modCrop">
-          <ac:chgData name="Scruel Tao" userId="5ea5c98d59b44d4b" providerId="LiveId" clId="{42F73B06-DA81-4C67-8473-07E158E9C79B}" dt="2023-06-02T16:44:37.404" v="11390" actId="478"/>
+          <ac:chgData name="Scruel Tao" userId="5ea5c98d59b44d4b" providerId="LiveId" clId="{42F73B06-DA81-4C67-8473-07E158E9C79B}" dt="2023-06-05T03:53:32.130" v="11648" actId="14100"/>
           <ac:picMkLst>
             <pc:docMk/>
             <pc:sldMk cId="1540976929" sldId="374"/>
@@ -4329,7 +4377,7 @@
         </pc:picChg>
       </pc:sldChg>
       <pc:sldChg chg="addSp delSp modSp add mod">
-        <pc:chgData name="Scruel Tao" userId="5ea5c98d59b44d4b" providerId="LiveId" clId="{42F73B06-DA81-4C67-8473-07E158E9C79B}" dt="2023-06-02T16:47:28.886" v="11479" actId="20577"/>
+        <pc:chgData name="Scruel Tao" userId="5ea5c98d59b44d4b" providerId="LiveId" clId="{42F73B06-DA81-4C67-8473-07E158E9C79B}" dt="2023-06-05T03:53:37.899" v="11649" actId="14100"/>
         <pc:sldMkLst>
           <pc:docMk/>
           <pc:sldMk cId="2094629854" sldId="376"/>
@@ -4351,7 +4399,7 @@
           </ac:spMkLst>
         </pc:spChg>
         <pc:picChg chg="add mod">
-          <ac:chgData name="Scruel Tao" userId="5ea5c98d59b44d4b" providerId="LiveId" clId="{42F73B06-DA81-4C67-8473-07E158E9C79B}" dt="2023-06-02T16:44:52.781" v="11396"/>
+          <ac:chgData name="Scruel Tao" userId="5ea5c98d59b44d4b" providerId="LiveId" clId="{42F73B06-DA81-4C67-8473-07E158E9C79B}" dt="2023-06-05T03:53:37.899" v="11649" actId="14100"/>
           <ac:picMkLst>
             <pc:docMk/>
             <pc:sldMk cId="2094629854" sldId="376"/>
@@ -4580,6 +4628,146 @@
       </pc:sldMasterChg>
     </pc:docChg>
   </pc:docChgLst>
+  <pc:docChgLst>
+    <pc:chgData name="Scruel Tao" userId="5ea5c98d59b44d4b" providerId="LiveId" clId="{F2F99C1F-7DFD-4850-835A-88AC504601BD}"/>
+    <pc:docChg chg="undo custSel modSld">
+      <pc:chgData name="Scruel Tao" userId="5ea5c98d59b44d4b" providerId="LiveId" clId="{F2F99C1F-7DFD-4850-835A-88AC504601BD}" dt="2023-08-13T17:27:47.120" v="1554" actId="20577"/>
+      <pc:docMkLst>
+        <pc:docMk/>
+      </pc:docMkLst>
+      <pc:sldChg chg="modNotesTx">
+        <pc:chgData name="Scruel Tao" userId="5ea5c98d59b44d4b" providerId="LiveId" clId="{F2F99C1F-7DFD-4850-835A-88AC504601BD}" dt="2023-08-12T11:05:57.445" v="29" actId="20577"/>
+        <pc:sldMkLst>
+          <pc:docMk/>
+          <pc:sldMk cId="1199684676" sldId="259"/>
+        </pc:sldMkLst>
+      </pc:sldChg>
+      <pc:sldChg chg="modSp modNotesTx">
+        <pc:chgData name="Scruel Tao" userId="5ea5c98d59b44d4b" providerId="LiveId" clId="{F2F99C1F-7DFD-4850-835A-88AC504601BD}" dt="2023-08-13T16:16:36.089" v="1194" actId="207"/>
+        <pc:sldMkLst>
+          <pc:docMk/>
+          <pc:sldMk cId="3351160539" sldId="261"/>
+        </pc:sldMkLst>
+        <pc:spChg chg="mod">
+          <ac:chgData name="Scruel Tao" userId="5ea5c98d59b44d4b" providerId="LiveId" clId="{F2F99C1F-7DFD-4850-835A-88AC504601BD}" dt="2023-08-13T16:16:36.089" v="1194" actId="207"/>
+          <ac:spMkLst>
+            <pc:docMk/>
+            <pc:sldMk cId="3351160539" sldId="261"/>
+            <ac:spMk id="5" creationId="{334FF01F-2A65-44F6-34F9-69AC934A31D7}"/>
+          </ac:spMkLst>
+        </pc:spChg>
+      </pc:sldChg>
+      <pc:sldChg chg="modNotesTx">
+        <pc:chgData name="Scruel Tao" userId="5ea5c98d59b44d4b" providerId="LiveId" clId="{F2F99C1F-7DFD-4850-835A-88AC504601BD}" dt="2023-08-12T11:19:53.003" v="808" actId="20577"/>
+        <pc:sldMkLst>
+          <pc:docMk/>
+          <pc:sldMk cId="1122177192" sldId="262"/>
+        </pc:sldMkLst>
+      </pc:sldChg>
+      <pc:sldChg chg="modSp modNotesTx">
+        <pc:chgData name="Scruel Tao" userId="5ea5c98d59b44d4b" providerId="LiveId" clId="{F2F99C1F-7DFD-4850-835A-88AC504601BD}" dt="2023-08-12T11:19:33.431" v="789" actId="20577"/>
+        <pc:sldMkLst>
+          <pc:docMk/>
+          <pc:sldMk cId="3725727672" sldId="264"/>
+        </pc:sldMkLst>
+        <pc:spChg chg="mod">
+          <ac:chgData name="Scruel Tao" userId="5ea5c98d59b44d4b" providerId="LiveId" clId="{F2F99C1F-7DFD-4850-835A-88AC504601BD}" dt="2023-08-12T11:18:10.330" v="732" actId="20577"/>
+          <ac:spMkLst>
+            <pc:docMk/>
+            <pc:sldMk cId="3725727672" sldId="264"/>
+            <ac:spMk id="15" creationId="{57CD949C-3C60-4F11-3188-DAAC2954E147}"/>
+          </ac:spMkLst>
+        </pc:spChg>
+      </pc:sldChg>
+      <pc:sldChg chg="modNotesTx">
+        <pc:chgData name="Scruel Tao" userId="5ea5c98d59b44d4b" providerId="LiveId" clId="{F2F99C1F-7DFD-4850-835A-88AC504601BD}" dt="2023-08-12T11:13:27.783" v="701" actId="20577"/>
+        <pc:sldMkLst>
+          <pc:docMk/>
+          <pc:sldMk cId="192831406" sldId="270"/>
+        </pc:sldMkLst>
+      </pc:sldChg>
+      <pc:sldChg chg="modNotesTx">
+        <pc:chgData name="Scruel Tao" userId="5ea5c98d59b44d4b" providerId="LiveId" clId="{F2F99C1F-7DFD-4850-835A-88AC504601BD}" dt="2023-08-12T11:24:19.486" v="1154" actId="20577"/>
+        <pc:sldMkLst>
+          <pc:docMk/>
+          <pc:sldMk cId="555885545" sldId="271"/>
+        </pc:sldMkLst>
+      </pc:sldChg>
+      <pc:sldChg chg="modNotesTx">
+        <pc:chgData name="Scruel Tao" userId="5ea5c98d59b44d4b" providerId="LiveId" clId="{F2F99C1F-7DFD-4850-835A-88AC504601BD}" dt="2023-08-12T11:24:59.267" v="1191" actId="20577"/>
+        <pc:sldMkLst>
+          <pc:docMk/>
+          <pc:sldMk cId="1751565490" sldId="276"/>
+        </pc:sldMkLst>
+      </pc:sldChg>
+      <pc:sldChg chg="modSp mod">
+        <pc:chgData name="Scruel Tao" userId="5ea5c98d59b44d4b" providerId="LiveId" clId="{F2F99C1F-7DFD-4850-835A-88AC504601BD}" dt="2023-08-12T11:18:02.927" v="731" actId="20577"/>
+        <pc:sldMkLst>
+          <pc:docMk/>
+          <pc:sldMk cId="1355169620" sldId="283"/>
+        </pc:sldMkLst>
+        <pc:spChg chg="mod">
+          <ac:chgData name="Scruel Tao" userId="5ea5c98d59b44d4b" providerId="LiveId" clId="{F2F99C1F-7DFD-4850-835A-88AC504601BD}" dt="2023-08-12T11:18:02.927" v="731" actId="20577"/>
+          <ac:spMkLst>
+            <pc:docMk/>
+            <pc:sldMk cId="1355169620" sldId="283"/>
+            <ac:spMk id="5" creationId="{334FF01F-2A65-44F6-34F9-69AC934A31D7}"/>
+          </ac:spMkLst>
+        </pc:spChg>
+      </pc:sldChg>
+      <pc:sldChg chg="modNotesTx">
+        <pc:chgData name="Scruel Tao" userId="5ea5c98d59b44d4b" providerId="LiveId" clId="{F2F99C1F-7DFD-4850-835A-88AC504601BD}" dt="2023-08-13T17:27:47.120" v="1554" actId="20577"/>
+        <pc:sldMkLst>
+          <pc:docMk/>
+          <pc:sldMk cId="4038958788" sldId="285"/>
+        </pc:sldMkLst>
+      </pc:sldChg>
+      <pc:sldChg chg="modNotesTx">
+        <pc:chgData name="Scruel Tao" userId="5ea5c98d59b44d4b" providerId="LiveId" clId="{F2F99C1F-7DFD-4850-835A-88AC504601BD}" dt="2023-08-12T11:21:11.175" v="965" actId="20577"/>
+        <pc:sldMkLst>
+          <pc:docMk/>
+          <pc:sldMk cId="1263324175" sldId="367"/>
+        </pc:sldMkLst>
+      </pc:sldChg>
+      <pc:sldChg chg="modSp mod modNotesTx">
+        <pc:chgData name="Scruel Tao" userId="5ea5c98d59b44d4b" providerId="LiveId" clId="{F2F99C1F-7DFD-4850-835A-88AC504601BD}" dt="2023-08-12T11:23:35.249" v="1128" actId="20577"/>
+        <pc:sldMkLst>
+          <pc:docMk/>
+          <pc:sldMk cId="1718870275" sldId="369"/>
+        </pc:sldMkLst>
+        <pc:spChg chg="mod">
+          <ac:chgData name="Scruel Tao" userId="5ea5c98d59b44d4b" providerId="LiveId" clId="{F2F99C1F-7DFD-4850-835A-88AC504601BD}" dt="2023-08-12T11:23:35.249" v="1128" actId="20577"/>
+          <ac:spMkLst>
+            <pc:docMk/>
+            <pc:sldMk cId="1718870275" sldId="369"/>
+            <ac:spMk id="5" creationId="{334FF01F-2A65-44F6-34F9-69AC934A31D7}"/>
+          </ac:spMkLst>
+        </pc:spChg>
+      </pc:sldChg>
+      <pc:sldChg chg="modNotesTx">
+        <pc:chgData name="Scruel Tao" userId="5ea5c98d59b44d4b" providerId="LiveId" clId="{F2F99C1F-7DFD-4850-835A-88AC504601BD}" dt="2023-08-12T11:22:04.547" v="1014" actId="113"/>
+        <pc:sldMkLst>
+          <pc:docMk/>
+          <pc:sldMk cId="2826834387" sldId="371"/>
+        </pc:sldMkLst>
+      </pc:sldChg>
+      <pc:sldChg chg="modSp mod">
+        <pc:chgData name="Scruel Tao" userId="5ea5c98d59b44d4b" providerId="LiveId" clId="{F2F99C1F-7DFD-4850-835A-88AC504601BD}" dt="2023-08-12T11:23:40.018" v="1129" actId="20577"/>
+        <pc:sldMkLst>
+          <pc:docMk/>
+          <pc:sldMk cId="883490720" sldId="372"/>
+        </pc:sldMkLst>
+        <pc:spChg chg="mod">
+          <ac:chgData name="Scruel Tao" userId="5ea5c98d59b44d4b" providerId="LiveId" clId="{F2F99C1F-7DFD-4850-835A-88AC504601BD}" dt="2023-08-12T11:23:40.018" v="1129" actId="20577"/>
+          <ac:spMkLst>
+            <pc:docMk/>
+            <pc:sldMk cId="883490720" sldId="372"/>
+            <ac:spMk id="5" creationId="{334FF01F-2A65-44F6-34F9-69AC934A31D7}"/>
+          </ac:spMkLst>
+        </pc:spChg>
+      </pc:sldChg>
+    </pc:docChg>
+  </pc:docChgLst>
 </pc:chgInfo>
 </file>
 
@@ -4677,7 +4865,7 @@
           <a:p>
             <a:fld id="{AC7E1972-C479-4420-A687-8FB83BA90DEB}" type="datetimeFigureOut">
               <a:rPr lang="zh-CN" altLang="en-US" smtClean="0"/>
-              <a:t>2023/6/3</a:t>
+              <a:t>2023/8/14</a:t>
             </a:fld>
             <a:endParaRPr lang="zh-CN" altLang="en-US"/>
           </a:p>
@@ -4854,7 +5042,7 @@
           <a:p>
             <a:fld id="{89B7AB8D-BCC0-43C6-B24C-055A25DB558F}" type="datetimeFigureOut">
               <a:rPr lang="zh-CN" altLang="en-US" smtClean="0"/>
-              <a:t>2023/6/3</a:t>
+              <a:t>2023/8/14</a:t>
             </a:fld>
             <a:endParaRPr lang="zh-CN" altLang="en-US"/>
           </a:p>
@@ -5255,7 +5443,19 @@
           <a:bodyPr/>
           <a:lstStyle/>
           <a:p>
-            <a:endParaRPr lang="zh-CN" altLang="en-US" dirty="0"/>
+            <a:r>
+              <a:rPr lang="zh-CN" altLang="en-US" b="0" dirty="0"/>
+              <a:t>安装相关插件时，请务必认准 </a:t>
+            </a:r>
+            <a:r>
+              <a:rPr lang="en-US" altLang="zh-CN" b="0" dirty="0"/>
+              <a:t>Microsoft </a:t>
+            </a:r>
+            <a:r>
+              <a:rPr lang="zh-CN" altLang="en-US" b="0" dirty="0"/>
+              <a:t>（微软）的字样和认证标记</a:t>
+            </a:r>
+            <a:endParaRPr lang="en-US" altLang="zh-CN" b="0" dirty="0"/>
           </a:p>
         </p:txBody>
       </p:sp>
@@ -5276,7 +5476,7 @@
           <a:p>
             <a:fld id="{9901CBA2-7C9E-4AD6-B258-A0DB055BB3AF}" type="slidenum">
               <a:rPr lang="zh-CN" altLang="en-US" smtClean="0"/>
-              <a:t>15</a:t>
+              <a:t>14</a:t>
             </a:fld>
             <a:endParaRPr lang="zh-CN" altLang="en-US"/>
           </a:p>
@@ -5285,7 +5485,7 @@
     </p:spTree>
     <p:extLst>
       <p:ext uri="{BB962C8B-B14F-4D97-AF65-F5344CB8AC3E}">
-        <p14:creationId xmlns:p14="http://schemas.microsoft.com/office/powerpoint/2010/main" val="1395686011"/>
+        <p14:creationId xmlns:p14="http://schemas.microsoft.com/office/powerpoint/2010/main" val="303646085"/>
       </p:ext>
     </p:extLst>
   </p:cSld>
@@ -5341,15 +5541,7 @@
           <a:p>
             <a:r>
               <a:rPr lang="zh-CN" altLang="en-US" dirty="0"/>
-              <a:t>为了降低国内初学者的学习门槛，教程将使用汉化后的 </a:t>
-            </a:r>
-            <a:r>
-              <a:rPr lang="en-US" altLang="zh-CN" dirty="0"/>
-              <a:t>VS Code </a:t>
-            </a:r>
-            <a:r>
-              <a:rPr lang="zh-CN" altLang="en-US" dirty="0"/>
-              <a:t>做演示，虽然个人其实偏好使用英文原版，毕竟常用功能涉及的英文单词并不多。</a:t>
+              <a:t>如果有提示错误，请重试之前的步骤，实在不行可以搜索错误的内容，一般网络上都已有解决方案了。</a:t>
             </a:r>
           </a:p>
         </p:txBody>
@@ -5371,7 +5563,7 @@
           <a:p>
             <a:fld id="{9901CBA2-7C9E-4AD6-B258-A0DB055BB3AF}" type="slidenum">
               <a:rPr lang="zh-CN" altLang="en-US" smtClean="0"/>
-              <a:t>16</a:t>
+              <a:t>15</a:t>
             </a:fld>
             <a:endParaRPr lang="zh-CN" altLang="en-US"/>
           </a:p>
@@ -5380,7 +5572,7 @@
     </p:spTree>
     <p:extLst>
       <p:ext uri="{BB962C8B-B14F-4D97-AF65-F5344CB8AC3E}">
-        <p14:creationId xmlns:p14="http://schemas.microsoft.com/office/powerpoint/2010/main" val="1256729343"/>
+        <p14:creationId xmlns:p14="http://schemas.microsoft.com/office/powerpoint/2010/main" val="1395686011"/>
       </p:ext>
     </p:extLst>
   </p:cSld>
@@ -5455,7 +5647,7 @@
           <a:p>
             <a:fld id="{9901CBA2-7C9E-4AD6-B258-A0DB055BB3AF}" type="slidenum">
               <a:rPr lang="zh-CN" altLang="en-US" smtClean="0"/>
-              <a:t>17</a:t>
+              <a:t>16</a:t>
             </a:fld>
             <a:endParaRPr lang="zh-CN" altLang="en-US"/>
           </a:p>
@@ -5464,7 +5656,7 @@
     </p:spTree>
     <p:extLst>
       <p:ext uri="{BB962C8B-B14F-4D97-AF65-F5344CB8AC3E}">
-        <p14:creationId xmlns:p14="http://schemas.microsoft.com/office/powerpoint/2010/main" val="781603725"/>
+        <p14:creationId xmlns:p14="http://schemas.microsoft.com/office/powerpoint/2010/main" val="1256729343"/>
       </p:ext>
     </p:extLst>
   </p:cSld>
@@ -5518,26 +5710,6 @@
           <a:bodyPr/>
           <a:lstStyle/>
           <a:p>
-            <a:r>
-              <a:rPr lang="zh-CN" altLang="en-US" b="1" u="sng" dirty="0"/>
-              <a:t>文件 </a:t>
-            </a:r>
-            <a:r>
-              <a:rPr lang="en-US" altLang="zh-CN" b="1" u="sng" dirty="0"/>
-              <a:t>-&gt; </a:t>
-            </a:r>
-            <a:r>
-              <a:rPr lang="zh-CN" altLang="en-US" b="1" u="sng" dirty="0"/>
-              <a:t>打开文件夹</a:t>
-            </a:r>
-            <a:r>
-              <a:rPr lang="zh-CN" altLang="en-US" b="1" u="none" dirty="0"/>
-              <a:t>：</a:t>
-            </a:r>
-            <a:r>
-              <a:rPr lang="en-US" altLang="zh-CN" dirty="0"/>
-              <a:t>File -&gt; Open Folder</a:t>
-            </a:r>
             <a:endParaRPr lang="zh-CN" altLang="en-US" dirty="0"/>
           </a:p>
         </p:txBody>
@@ -5559,7 +5731,7 @@
           <a:p>
             <a:fld id="{9901CBA2-7C9E-4AD6-B258-A0DB055BB3AF}" type="slidenum">
               <a:rPr lang="zh-CN" altLang="en-US" smtClean="0"/>
-              <a:t>19</a:t>
+              <a:t>17</a:t>
             </a:fld>
             <a:endParaRPr lang="zh-CN" altLang="en-US"/>
           </a:p>
@@ -5568,7 +5740,7 @@
     </p:spTree>
     <p:extLst>
       <p:ext uri="{BB962C8B-B14F-4D97-AF65-F5344CB8AC3E}">
-        <p14:creationId xmlns:p14="http://schemas.microsoft.com/office/powerpoint/2010/main" val="1228176123"/>
+        <p14:creationId xmlns:p14="http://schemas.microsoft.com/office/powerpoint/2010/main" val="781603725"/>
       </p:ext>
     </p:extLst>
   </p:cSld>
@@ -5623,23 +5795,81 @@
           <a:lstStyle/>
           <a:p>
             <a:r>
-              <a:rPr lang="zh-CN" altLang="en-US" b="1" u="sng" dirty="0"/>
-              <a:t>新建文件</a:t>
-            </a:r>
-            <a:r>
-              <a:rPr lang="zh-CN" altLang="en-US" dirty="0"/>
-              <a:t>：</a:t>
-            </a:r>
+              <a:rPr lang="zh-CN" altLang="en-US" sz="1200" b="0" dirty="0">
+                <a:solidFill>
+                  <a:schemeClr val="accent1">
+                    <a:lumMod val="75000"/>
+                  </a:schemeClr>
+                </a:solidFill>
+                <a:latin typeface="微软雅黑" panose="020B0503020204020204" pitchFamily="34" charset="-122"/>
+                <a:ea typeface="微软雅黑" panose="020B0503020204020204" pitchFamily="34" charset="-122"/>
+              </a:rPr>
+              <a:t>幽默一下：国外视频网站上关于新建文件夹的教程，也就长达四个半小时，所以编程没有什么难的 </a:t>
+            </a:r>
+            <a:r>
+              <a:rPr lang="en-US" altLang="zh-CN" sz="1200" b="0" dirty="0">
+                <a:solidFill>
+                  <a:schemeClr val="accent1">
+                    <a:lumMod val="75000"/>
+                  </a:schemeClr>
+                </a:solidFill>
+                <a:latin typeface="微软雅黑" panose="020B0503020204020204" pitchFamily="34" charset="-122"/>
+                <a:ea typeface="微软雅黑" panose="020B0503020204020204" pitchFamily="34" charset="-122"/>
+              </a:rPr>
+              <a:t>:)</a:t>
+            </a:r>
+          </a:p>
+          <a:p>
+            <a:endParaRPr lang="en-US" altLang="zh-CN" sz="1200" b="0" dirty="0">
+              <a:solidFill>
+                <a:schemeClr val="accent1">
+                  <a:lumMod val="75000"/>
+                </a:schemeClr>
+              </a:solidFill>
+              <a:latin typeface="微软雅黑" panose="020B0503020204020204" pitchFamily="34" charset="-122"/>
+              <a:ea typeface="微软雅黑" panose="020B0503020204020204" pitchFamily="34" charset="-122"/>
+            </a:endParaRPr>
+          </a:p>
+          <a:p>
+            <a:pPr marL="0" marR="0" lvl="0" indent="0" algn="l" defTabSz="914400" rtl="0" eaLnBrk="1" fontAlgn="auto" latinLnBrk="0" hangingPunct="1">
+              <a:lnSpc>
+                <a:spcPct val="100000"/>
+              </a:lnSpc>
+              <a:spcBef>
+                <a:spcPts val="0"/>
+              </a:spcBef>
+              <a:spcAft>
+                <a:spcPts val="0"/>
+              </a:spcAft>
+              <a:buClrTx/>
+              <a:buSzTx/>
+              <a:buFontTx/>
+              <a:buNone/>
+              <a:tabLst/>
+              <a:defRPr/>
+            </a:pPr>
             <a:r>
               <a:rPr lang="en-US" altLang="zh-CN" dirty="0"/>
-              <a:t>New File</a:t>
-            </a:r>
-          </a:p>
-          <a:p>
-            <a:r>
-              <a:rPr lang="zh-CN" altLang="en-US" dirty="0"/>
-              <a:t>新建文件等操作的操作方式不止一种，可在熟悉后选择自己觉得方便的操作方式</a:t>
-            </a:r>
+              <a:t>When you want to start learning the base before you start coding</a:t>
+            </a:r>
+            <a:endParaRPr lang="en-US" altLang="zh-CN" sz="1200" b="1" dirty="0">
+              <a:solidFill>
+                <a:schemeClr val="accent1">
+                  <a:lumMod val="75000"/>
+                </a:schemeClr>
+              </a:solidFill>
+              <a:latin typeface="微软雅黑" panose="020B0503020204020204" pitchFamily="34" charset="-122"/>
+              <a:ea typeface="微软雅黑" panose="020B0503020204020204" pitchFamily="34" charset="-122"/>
+            </a:endParaRPr>
+          </a:p>
+          <a:p>
+            <a:r>
+              <a:rPr lang="en-US" altLang="zh-CN" dirty="0">
+                <a:hlinkClick r:id="rId3"/>
+              </a:rPr>
+              <a:t>https://reddit.com/r/programmerhumor/comments/140nw42</a:t>
+            </a:r>
+            <a:endParaRPr lang="zh-CN" altLang="en-US" dirty="0"/>
           </a:p>
         </p:txBody>
       </p:sp>
@@ -5660,7 +5890,7 @@
           <a:p>
             <a:fld id="{9901CBA2-7C9E-4AD6-B258-A0DB055BB3AF}" type="slidenum">
               <a:rPr lang="zh-CN" altLang="en-US" smtClean="0"/>
-              <a:t>21</a:t>
+              <a:t>18</a:t>
             </a:fld>
             <a:endParaRPr lang="zh-CN" altLang="en-US"/>
           </a:p>
@@ -5669,7 +5899,7 @@
     </p:spTree>
     <p:extLst>
       <p:ext uri="{BB962C8B-B14F-4D97-AF65-F5344CB8AC3E}">
-        <p14:creationId xmlns:p14="http://schemas.microsoft.com/office/powerpoint/2010/main" val="835326293"/>
+        <p14:creationId xmlns:p14="http://schemas.microsoft.com/office/powerpoint/2010/main" val="3860544156"/>
       </p:ext>
     </p:extLst>
   </p:cSld>
@@ -5723,7 +5953,27 @@
           <a:bodyPr/>
           <a:lstStyle/>
           <a:p>
-            <a:endParaRPr lang="en-US" altLang="zh-CN" dirty="0"/>
+            <a:r>
+              <a:rPr lang="zh-CN" altLang="en-US" b="1" u="sng" dirty="0"/>
+              <a:t>文件 </a:t>
+            </a:r>
+            <a:r>
+              <a:rPr lang="en-US" altLang="zh-CN" b="1" u="sng" dirty="0"/>
+              <a:t>-&gt; </a:t>
+            </a:r>
+            <a:r>
+              <a:rPr lang="zh-CN" altLang="en-US" b="1" u="sng" dirty="0"/>
+              <a:t>打开文件夹</a:t>
+            </a:r>
+            <a:r>
+              <a:rPr lang="zh-CN" altLang="en-US" b="1" u="none" dirty="0"/>
+              <a:t>：</a:t>
+            </a:r>
+            <a:r>
+              <a:rPr lang="en-US" altLang="zh-CN" dirty="0"/>
+              <a:t>File -&gt; Open Folder</a:t>
+            </a:r>
+            <a:endParaRPr lang="zh-CN" altLang="en-US" dirty="0"/>
           </a:p>
         </p:txBody>
       </p:sp>
@@ -5744,7 +5994,7 @@
           <a:p>
             <a:fld id="{9901CBA2-7C9E-4AD6-B258-A0DB055BB3AF}" type="slidenum">
               <a:rPr lang="zh-CN" altLang="en-US" smtClean="0"/>
-              <a:t>23</a:t>
+              <a:t>19</a:t>
             </a:fld>
             <a:endParaRPr lang="zh-CN" altLang="en-US"/>
           </a:p>
@@ -5753,7 +6003,7 @@
     </p:spTree>
     <p:extLst>
       <p:ext uri="{BB962C8B-B14F-4D97-AF65-F5344CB8AC3E}">
-        <p14:creationId xmlns:p14="http://schemas.microsoft.com/office/powerpoint/2010/main" val="794091751"/>
+        <p14:creationId xmlns:p14="http://schemas.microsoft.com/office/powerpoint/2010/main" val="1228176123"/>
       </p:ext>
     </p:extLst>
   </p:cSld>
@@ -5807,7 +6057,24 @@
           <a:bodyPr/>
           <a:lstStyle/>
           <a:p>
-            <a:endParaRPr lang="en-US" altLang="zh-CN" dirty="0"/>
+            <a:r>
+              <a:rPr lang="zh-CN" altLang="en-US" b="1" u="sng" dirty="0"/>
+              <a:t>新建文件</a:t>
+            </a:r>
+            <a:r>
+              <a:rPr lang="zh-CN" altLang="en-US" dirty="0"/>
+              <a:t>：</a:t>
+            </a:r>
+            <a:r>
+              <a:rPr lang="en-US" altLang="zh-CN" dirty="0"/>
+              <a:t>New File</a:t>
+            </a:r>
+          </a:p>
+          <a:p>
+            <a:r>
+              <a:rPr lang="zh-CN" altLang="en-US" dirty="0"/>
+              <a:t>新建文件等操作的操作方式不止一种，可在熟悉后选择自己觉得方便的操作方式</a:t>
+            </a:r>
           </a:p>
         </p:txBody>
       </p:sp>
@@ -5828,7 +6095,7 @@
           <a:p>
             <a:fld id="{9901CBA2-7C9E-4AD6-B258-A0DB055BB3AF}" type="slidenum">
               <a:rPr lang="zh-CN" altLang="en-US" smtClean="0"/>
-              <a:t>24</a:t>
+              <a:t>21</a:t>
             </a:fld>
             <a:endParaRPr lang="zh-CN" altLang="en-US"/>
           </a:p>
@@ -5837,7 +6104,7 @@
     </p:spTree>
     <p:extLst>
       <p:ext uri="{BB962C8B-B14F-4D97-AF65-F5344CB8AC3E}">
-        <p14:creationId xmlns:p14="http://schemas.microsoft.com/office/powerpoint/2010/main" val="1857318311"/>
+        <p14:creationId xmlns:p14="http://schemas.microsoft.com/office/powerpoint/2010/main" val="835326293"/>
       </p:ext>
     </p:extLst>
   </p:cSld>
@@ -5891,49 +6158,6 @@
           <a:bodyPr/>
           <a:lstStyle/>
           <a:p>
-            <a:r>
-              <a:rPr lang="zh-CN" altLang="en-US" dirty="0"/>
-              <a:t>编辑器中输入的内容一般都是临时的，所以强调一下：</a:t>
-            </a:r>
-            <a:endParaRPr lang="en-US" altLang="zh-CN" dirty="0"/>
-          </a:p>
-          <a:p>
-            <a:r>
-              <a:rPr lang="zh-CN" altLang="en-US" dirty="0"/>
-              <a:t>一定不要忘记编辑文件后，要及时保存！</a:t>
-            </a:r>
-            <a:endParaRPr lang="en-US" altLang="zh-CN" dirty="0"/>
-          </a:p>
-          <a:p>
-            <a:r>
-              <a:rPr lang="zh-CN" altLang="en-US" dirty="0"/>
-              <a:t>一定不要忘记编辑文件后，要及时保存！</a:t>
-            </a:r>
-            <a:endParaRPr lang="en-US" altLang="zh-CN" dirty="0"/>
-          </a:p>
-          <a:p>
-            <a:r>
-              <a:rPr lang="zh-CN" altLang="en-US" dirty="0"/>
-              <a:t>一定不要忘记编辑文件后，要及时保存！</a:t>
-            </a:r>
-            <a:endParaRPr lang="en-US" altLang="zh-CN" dirty="0"/>
-          </a:p>
-          <a:p>
-            <a:endParaRPr lang="en-US" altLang="zh-CN" dirty="0"/>
-          </a:p>
-          <a:p>
-            <a:r>
-              <a:rPr lang="zh-CN" altLang="en-US" dirty="0"/>
-              <a:t>可以使用快捷键 </a:t>
-            </a:r>
-            <a:r>
-              <a:rPr lang="en-US" altLang="zh-CN" dirty="0"/>
-              <a:t>Ctrl + S </a:t>
-            </a:r>
-            <a:r>
-              <a:rPr lang="zh-CN" altLang="en-US" dirty="0"/>
-              <a:t>来快速完成保存操作</a:t>
-            </a:r>
             <a:endParaRPr lang="en-US" altLang="zh-CN" dirty="0"/>
           </a:p>
         </p:txBody>
@@ -5955,7 +6179,7 @@
           <a:p>
             <a:fld id="{9901CBA2-7C9E-4AD6-B258-A0DB055BB3AF}" type="slidenum">
               <a:rPr lang="zh-CN" altLang="en-US" smtClean="0"/>
-              <a:t>25</a:t>
+              <a:t>23</a:t>
             </a:fld>
             <a:endParaRPr lang="zh-CN" altLang="en-US"/>
           </a:p>
@@ -5964,7 +6188,7 @@
     </p:spTree>
     <p:extLst>
       <p:ext uri="{BB962C8B-B14F-4D97-AF65-F5344CB8AC3E}">
-        <p14:creationId xmlns:p14="http://schemas.microsoft.com/office/powerpoint/2010/main" val="3383538170"/>
+        <p14:creationId xmlns:p14="http://schemas.microsoft.com/office/powerpoint/2010/main" val="794091751"/>
       </p:ext>
     </p:extLst>
   </p:cSld>
@@ -6018,49 +6242,6 @@
           <a:bodyPr/>
           <a:lstStyle/>
           <a:p>
-            <a:r>
-              <a:rPr lang="zh-CN" altLang="en-US" dirty="0"/>
-              <a:t>编辑器中输入的内容一般都是临时的，所以强调一下：</a:t>
-            </a:r>
-            <a:endParaRPr lang="en-US" altLang="zh-CN" dirty="0"/>
-          </a:p>
-          <a:p>
-            <a:r>
-              <a:rPr lang="zh-CN" altLang="en-US" dirty="0"/>
-              <a:t>一定不要忘记编辑文件后，要及时保存！</a:t>
-            </a:r>
-            <a:endParaRPr lang="en-US" altLang="zh-CN" dirty="0"/>
-          </a:p>
-          <a:p>
-            <a:r>
-              <a:rPr lang="zh-CN" altLang="en-US" dirty="0"/>
-              <a:t>一定不要忘记编辑文件后，要及时保存！</a:t>
-            </a:r>
-            <a:endParaRPr lang="en-US" altLang="zh-CN" dirty="0"/>
-          </a:p>
-          <a:p>
-            <a:r>
-              <a:rPr lang="zh-CN" altLang="en-US" dirty="0"/>
-              <a:t>一定不要忘记编辑文件后，要及时保存！</a:t>
-            </a:r>
-            <a:endParaRPr lang="en-US" altLang="zh-CN" dirty="0"/>
-          </a:p>
-          <a:p>
-            <a:endParaRPr lang="en-US" altLang="zh-CN" dirty="0"/>
-          </a:p>
-          <a:p>
-            <a:r>
-              <a:rPr lang="zh-CN" altLang="en-US" dirty="0"/>
-              <a:t>可以使用快捷键 </a:t>
-            </a:r>
-            <a:r>
-              <a:rPr lang="en-US" altLang="zh-CN" dirty="0"/>
-              <a:t>Ctrl + S </a:t>
-            </a:r>
-            <a:r>
-              <a:rPr lang="zh-CN" altLang="en-US" dirty="0"/>
-              <a:t>来快速完成保存操作</a:t>
-            </a:r>
             <a:endParaRPr lang="en-US" altLang="zh-CN" dirty="0"/>
           </a:p>
         </p:txBody>
@@ -6082,7 +6263,7 @@
           <a:p>
             <a:fld id="{9901CBA2-7C9E-4AD6-B258-A0DB055BB3AF}" type="slidenum">
               <a:rPr lang="zh-CN" altLang="en-US" smtClean="0"/>
-              <a:t>26</a:t>
+              <a:t>24</a:t>
             </a:fld>
             <a:endParaRPr lang="zh-CN" altLang="en-US"/>
           </a:p>
@@ -6091,7 +6272,7 @@
     </p:spTree>
     <p:extLst>
       <p:ext uri="{BB962C8B-B14F-4D97-AF65-F5344CB8AC3E}">
-        <p14:creationId xmlns:p14="http://schemas.microsoft.com/office/powerpoint/2010/main" val="507105514"/>
+        <p14:creationId xmlns:p14="http://schemas.microsoft.com/office/powerpoint/2010/main" val="1857318311"/>
       </p:ext>
     </p:extLst>
   </p:cSld>
@@ -6147,49 +6328,48 @@
           <a:p>
             <a:r>
               <a:rPr lang="zh-CN" altLang="en-US" dirty="0"/>
-              <a:t>在打开文件后，上边的菜单栏可能会隐藏，此时只要点击左上角的“三个横”图标，就能看到被隐藏的菜单选项了</a:t>
+              <a:t>编辑器中输入的内容一般都是临时的，所以强调一下：</a:t>
             </a:r>
             <a:endParaRPr lang="en-US" altLang="zh-CN" dirty="0"/>
           </a:p>
           <a:p>
             <a:r>
               <a:rPr lang="zh-CN" altLang="en-US" dirty="0"/>
-              <a:t>在你熟悉使用以后，也可以通过快捷键的方式来运行程序，快捷键一般会显示在选项的最右侧（这里就不演示了）</a:t>
+              <a:t>一定不要忘记编辑文件后，要及时保存！</a:t>
             </a:r>
             <a:endParaRPr lang="en-US" altLang="zh-CN" dirty="0"/>
           </a:p>
           <a:p>
             <a:r>
-              <a:rPr lang="zh-CN" altLang="en-US" b="1" u="sng" dirty="0">
-                <a:latin typeface="Consolas" panose="020B0609020204030204" pitchFamily="49" charset="0"/>
-              </a:rPr>
-              <a:t>运行</a:t>
-            </a:r>
-            <a:r>
-              <a:rPr lang="en-US" altLang="zh-CN" b="1" u="sng" dirty="0">
-                <a:latin typeface="Consolas" panose="020B0609020204030204" pitchFamily="49" charset="0"/>
-              </a:rPr>
-              <a:t> -&gt; </a:t>
-            </a:r>
-            <a:r>
-              <a:rPr lang="zh-CN" altLang="en-US" b="1" u="sng" dirty="0">
-                <a:latin typeface="Consolas" panose="020B0609020204030204" pitchFamily="49" charset="0"/>
-              </a:rPr>
-              <a:t>以非调试模式运行</a:t>
-            </a:r>
-            <a:r>
-              <a:rPr lang="zh-CN" altLang="en-US" b="0" u="none" dirty="0">
-                <a:latin typeface="Consolas" panose="020B0609020204030204" pitchFamily="49" charset="0"/>
-              </a:rPr>
-              <a:t>：</a:t>
-            </a:r>
-            <a:r>
-              <a:rPr lang="en-US" altLang="zh-CN" b="0" u="none" dirty="0">
-                <a:latin typeface="Consolas" panose="020B0609020204030204" pitchFamily="49" charset="0"/>
-              </a:rPr>
-              <a:t>Run -&gt; Run Without Debugging</a:t>
-            </a:r>
-            <a:endParaRPr lang="en-US" altLang="zh-CN" b="0" u="none" dirty="0"/>
+              <a:rPr lang="zh-CN" altLang="en-US" dirty="0"/>
+              <a:t>一定不要忘记编辑文件后，要及时保存！</a:t>
+            </a:r>
+            <a:endParaRPr lang="en-US" altLang="zh-CN" dirty="0"/>
+          </a:p>
+          <a:p>
+            <a:r>
+              <a:rPr lang="zh-CN" altLang="en-US" dirty="0"/>
+              <a:t>一定不要忘记编辑文件后，要及时保存！</a:t>
+            </a:r>
+            <a:endParaRPr lang="en-US" altLang="zh-CN" dirty="0"/>
+          </a:p>
+          <a:p>
+            <a:endParaRPr lang="en-US" altLang="zh-CN" dirty="0"/>
+          </a:p>
+          <a:p>
+            <a:r>
+              <a:rPr lang="zh-CN" altLang="en-US" dirty="0"/>
+              <a:t>可以使用快捷键 </a:t>
+            </a:r>
+            <a:r>
+              <a:rPr lang="en-US" altLang="zh-CN" dirty="0"/>
+              <a:t>Ctrl + S </a:t>
+            </a:r>
+            <a:r>
+              <a:rPr lang="zh-CN" altLang="en-US" dirty="0"/>
+              <a:t>来快速完成保存操作</a:t>
+            </a:r>
+            <a:endParaRPr lang="en-US" altLang="zh-CN" dirty="0"/>
           </a:p>
         </p:txBody>
       </p:sp>
@@ -6210,7 +6390,7 @@
           <a:p>
             <a:fld id="{9901CBA2-7C9E-4AD6-B258-A0DB055BB3AF}" type="slidenum">
               <a:rPr lang="zh-CN" altLang="en-US" smtClean="0"/>
-              <a:t>27</a:t>
+              <a:t>25</a:t>
             </a:fld>
             <a:endParaRPr lang="zh-CN" altLang="en-US"/>
           </a:p>
@@ -6219,7 +6399,7 @@
     </p:spTree>
     <p:extLst>
       <p:ext uri="{BB962C8B-B14F-4D97-AF65-F5344CB8AC3E}">
-        <p14:creationId xmlns:p14="http://schemas.microsoft.com/office/powerpoint/2010/main" val="2020201082"/>
+        <p14:creationId xmlns:p14="http://schemas.microsoft.com/office/powerpoint/2010/main" val="3383538170"/>
       </p:ext>
     </p:extLst>
   </p:cSld>
@@ -6444,12 +6624,48 @@
           <a:p>
             <a:r>
               <a:rPr lang="zh-CN" altLang="en-US" dirty="0"/>
-              <a:t>终端：</a:t>
+              <a:t>编辑器中输入的内容一般都是临时的，所以强调一下：</a:t>
+            </a:r>
+            <a:endParaRPr lang="en-US" altLang="zh-CN" dirty="0"/>
+          </a:p>
+          <a:p>
+            <a:r>
+              <a:rPr lang="zh-CN" altLang="en-US" dirty="0"/>
+              <a:t>一定不要忘记编辑文件后，要及时保存！</a:t>
+            </a:r>
+            <a:endParaRPr lang="en-US" altLang="zh-CN" dirty="0"/>
+          </a:p>
+          <a:p>
+            <a:r>
+              <a:rPr lang="zh-CN" altLang="en-US" dirty="0"/>
+              <a:t>一定不要忘记编辑文件后，要及时保存！</a:t>
+            </a:r>
+            <a:endParaRPr lang="en-US" altLang="zh-CN" dirty="0"/>
+          </a:p>
+          <a:p>
+            <a:r>
+              <a:rPr lang="zh-CN" altLang="en-US" dirty="0"/>
+              <a:t>一定不要忘记编辑文件后，要及时保存！</a:t>
+            </a:r>
+            <a:endParaRPr lang="en-US" altLang="zh-CN" dirty="0"/>
+          </a:p>
+          <a:p>
+            <a:endParaRPr lang="en-US" altLang="zh-CN" dirty="0"/>
+          </a:p>
+          <a:p>
+            <a:r>
+              <a:rPr lang="zh-CN" altLang="en-US" dirty="0"/>
+              <a:t>可以使用快捷键 </a:t>
             </a:r>
             <a:r>
               <a:rPr lang="en-US" altLang="zh-CN" dirty="0"/>
-              <a:t>Terminal</a:t>
-            </a:r>
+              <a:t>Ctrl + S </a:t>
+            </a:r>
+            <a:r>
+              <a:rPr lang="zh-CN" altLang="en-US" dirty="0"/>
+              <a:t>来快速完成保存操作</a:t>
+            </a:r>
+            <a:endParaRPr lang="en-US" altLang="zh-CN" dirty="0"/>
           </a:p>
         </p:txBody>
       </p:sp>
@@ -6470,7 +6686,7 @@
           <a:p>
             <a:fld id="{9901CBA2-7C9E-4AD6-B258-A0DB055BB3AF}" type="slidenum">
               <a:rPr lang="zh-CN" altLang="en-US" smtClean="0"/>
-              <a:t>28</a:t>
+              <a:t>26</a:t>
             </a:fld>
             <a:endParaRPr lang="zh-CN" altLang="en-US"/>
           </a:p>
@@ -6479,7 +6695,7 @@
     </p:spTree>
     <p:extLst>
       <p:ext uri="{BB962C8B-B14F-4D97-AF65-F5344CB8AC3E}">
-        <p14:creationId xmlns:p14="http://schemas.microsoft.com/office/powerpoint/2010/main" val="1907829771"/>
+        <p14:creationId xmlns:p14="http://schemas.microsoft.com/office/powerpoint/2010/main" val="507105514"/>
       </p:ext>
     </p:extLst>
   </p:cSld>
@@ -6534,24 +6750,50 @@
           <a:lstStyle/>
           <a:p>
             <a:r>
-              <a:rPr lang="zh-CN" altLang="en-US" sz="1800" b="0" i="0" u="none" strike="noStrike" baseline="0" dirty="0">
-                <a:latin typeface="FZSSJW--GB1-0"/>
-              </a:rPr>
-              <a:t>附录 </a:t>
-            </a:r>
-            <a:r>
-              <a:rPr lang="en-US" altLang="zh-CN" sz="1800" b="0" i="0" u="none" strike="noStrike" baseline="0" dirty="0">
-                <a:latin typeface="TimesNewRoman"/>
-              </a:rPr>
-              <a:t>C </a:t>
-            </a:r>
-            <a:r>
-              <a:rPr lang="zh-CN" altLang="en-US" sz="1800" b="0" i="0" u="none" strike="noStrike" baseline="0" dirty="0">
-                <a:latin typeface="FZSSJW--GB1-0"/>
-              </a:rPr>
-              <a:t>提供了很多在线资源，如论坛或在线聊天网站</a:t>
-            </a:r>
-            <a:endParaRPr lang="zh-CN" altLang="en-US" dirty="0"/>
+              <a:rPr lang="zh-CN" altLang="en-US" dirty="0"/>
+              <a:t>在打开文件后，上边的菜单栏可能会隐藏，此时只要点击左上角的“三个横”图标，就能看到被隐藏的菜单选项了</a:t>
+            </a:r>
+            <a:endParaRPr lang="en-US" altLang="zh-CN" dirty="0"/>
+          </a:p>
+          <a:p>
+            <a:r>
+              <a:rPr lang="zh-CN" altLang="en-US" dirty="0"/>
+              <a:t>在你熟悉使用以后，也可以通过快捷键的方式来运行程序，快捷键一般会显示在选项的最右侧（这里就不演示了）</a:t>
+            </a:r>
+            <a:endParaRPr lang="en-US" altLang="zh-CN" dirty="0"/>
+          </a:p>
+          <a:p>
+            <a:r>
+              <a:rPr lang="zh-CN" altLang="en-US" b="1" u="sng" dirty="0">
+                <a:latin typeface="Consolas" panose="020B0609020204030204" pitchFamily="49" charset="0"/>
+              </a:rPr>
+              <a:t>运行</a:t>
+            </a:r>
+            <a:r>
+              <a:rPr lang="en-US" altLang="zh-CN" b="1" u="sng" dirty="0">
+                <a:latin typeface="Consolas" panose="020B0609020204030204" pitchFamily="49" charset="0"/>
+              </a:rPr>
+              <a:t> -&gt; </a:t>
+            </a:r>
+            <a:r>
+              <a:rPr lang="zh-CN" altLang="en-US" b="1" u="sng" dirty="0">
+                <a:latin typeface="Consolas" panose="020B0609020204030204" pitchFamily="49" charset="0"/>
+              </a:rPr>
+              <a:t>以非调试模式运行</a:t>
+            </a:r>
+            <a:r>
+              <a:rPr lang="zh-CN" altLang="en-US" b="0" u="none" dirty="0">
+                <a:latin typeface="Consolas" panose="020B0609020204030204" pitchFamily="49" charset="0"/>
+              </a:rPr>
+              <a:t>：</a:t>
+            </a:r>
+            <a:r>
+              <a:rPr lang="en-US" altLang="zh-CN" b="0" u="none" dirty="0">
+                <a:latin typeface="Consolas" panose="020B0609020204030204" pitchFamily="49" charset="0"/>
+              </a:rPr>
+              <a:t>Run -&gt; Run Without Debugging</a:t>
+            </a:r>
+            <a:endParaRPr lang="en-US" altLang="zh-CN" b="0" u="none" dirty="0"/>
           </a:p>
         </p:txBody>
       </p:sp>
@@ -6572,7 +6814,7 @@
           <a:p>
             <a:fld id="{9901CBA2-7C9E-4AD6-B258-A0DB055BB3AF}" type="slidenum">
               <a:rPr lang="zh-CN" altLang="en-US" smtClean="0"/>
-              <a:t>29</a:t>
+              <a:t>27</a:t>
             </a:fld>
             <a:endParaRPr lang="zh-CN" altLang="en-US"/>
           </a:p>
@@ -6581,7 +6823,7 @@
     </p:spTree>
     <p:extLst>
       <p:ext uri="{BB962C8B-B14F-4D97-AF65-F5344CB8AC3E}">
-        <p14:creationId xmlns:p14="http://schemas.microsoft.com/office/powerpoint/2010/main" val="1308399219"/>
+        <p14:creationId xmlns:p14="http://schemas.microsoft.com/office/powerpoint/2010/main" val="2020201082"/>
       </p:ext>
     </p:extLst>
   </p:cSld>
@@ -6635,7 +6877,47 @@
           <a:bodyPr/>
           <a:lstStyle/>
           <a:p>
-            <a:endParaRPr lang="zh-CN" altLang="en-US" dirty="0"/>
+            <a:r>
+              <a:rPr lang="zh-CN" altLang="en-US" dirty="0"/>
+              <a:t>终端（</a:t>
+            </a:r>
+            <a:r>
+              <a:rPr lang="en-US" altLang="zh-CN" dirty="0"/>
+              <a:t>Terminal</a:t>
+            </a:r>
+            <a:r>
+              <a:rPr lang="zh-CN" altLang="en-US" dirty="0"/>
+              <a:t>）实际上包含了之前提到的“命令提示符”，</a:t>
+            </a:r>
+            <a:r>
+              <a:rPr lang="en-US" altLang="zh-CN" dirty="0"/>
+              <a:t>VS Code </a:t>
+            </a:r>
+            <a:r>
+              <a:rPr lang="zh-CN" altLang="en-US" dirty="0"/>
+              <a:t>为我们方便地集成了功能，使得</a:t>
+            </a:r>
+            <a:r>
+              <a:rPr lang="zh-CN" altLang="en-US"/>
+              <a:t>我们可以在</a:t>
+            </a:r>
+            <a:r>
+              <a:rPr lang="zh-CN" altLang="en-US" dirty="0"/>
+              <a:t>这一个</a:t>
+            </a:r>
+            <a:r>
+              <a:rPr lang="zh-CN" altLang="en-US"/>
+              <a:t>窗口中，专心完成我们</a:t>
+            </a:r>
+            <a:r>
+              <a:rPr lang="zh-CN" altLang="en-US" dirty="0"/>
+              <a:t>想要做</a:t>
+            </a:r>
+            <a:r>
+              <a:rPr lang="zh-CN" altLang="en-US"/>
+              <a:t>的一切。</a:t>
+            </a:r>
+            <a:endParaRPr lang="en-US" altLang="zh-CN" dirty="0"/>
           </a:p>
         </p:txBody>
       </p:sp>
@@ -6656,7 +6938,7 @@
           <a:p>
             <a:fld id="{9901CBA2-7C9E-4AD6-B258-A0DB055BB3AF}" type="slidenum">
               <a:rPr lang="zh-CN" altLang="en-US" smtClean="0"/>
-              <a:t>30</a:t>
+              <a:t>28</a:t>
             </a:fld>
             <a:endParaRPr lang="zh-CN" altLang="en-US"/>
           </a:p>
@@ -6665,7 +6947,7 @@
     </p:spTree>
     <p:extLst>
       <p:ext uri="{BB962C8B-B14F-4D97-AF65-F5344CB8AC3E}">
-        <p14:creationId xmlns:p14="http://schemas.microsoft.com/office/powerpoint/2010/main" val="2700064975"/>
+        <p14:creationId xmlns:p14="http://schemas.microsoft.com/office/powerpoint/2010/main" val="1907829771"/>
       </p:ext>
     </p:extLst>
   </p:cSld>
@@ -6719,6 +7001,24 @@
           <a:bodyPr/>
           <a:lstStyle/>
           <a:p>
+            <a:r>
+              <a:rPr lang="zh-CN" altLang="en-US" sz="1800" b="0" i="0" u="none" strike="noStrike" baseline="0" dirty="0">
+                <a:latin typeface="FZSSJW--GB1-0"/>
+              </a:rPr>
+              <a:t>附录 </a:t>
+            </a:r>
+            <a:r>
+              <a:rPr lang="en-US" altLang="zh-CN" sz="1800" b="0" i="0" u="none" strike="noStrike" baseline="0" dirty="0">
+                <a:latin typeface="TimesNewRoman"/>
+              </a:rPr>
+              <a:t>C </a:t>
+            </a:r>
+            <a:r>
+              <a:rPr lang="zh-CN" altLang="en-US" sz="1800" b="0" i="0" u="none" strike="noStrike" baseline="0" dirty="0">
+                <a:latin typeface="FZSSJW--GB1-0"/>
+              </a:rPr>
+              <a:t>提供了很多在线资源，如论坛或在线聊天网站</a:t>
+            </a:r>
             <a:endParaRPr lang="zh-CN" altLang="en-US" dirty="0"/>
           </a:p>
         </p:txBody>
@@ -6740,7 +7040,7 @@
           <a:p>
             <a:fld id="{9901CBA2-7C9E-4AD6-B258-A0DB055BB3AF}" type="slidenum">
               <a:rPr lang="zh-CN" altLang="en-US" smtClean="0"/>
-              <a:t>31</a:t>
+              <a:t>29</a:t>
             </a:fld>
             <a:endParaRPr lang="zh-CN" altLang="en-US"/>
           </a:p>
@@ -6749,7 +7049,7 @@
     </p:spTree>
     <p:extLst>
       <p:ext uri="{BB962C8B-B14F-4D97-AF65-F5344CB8AC3E}">
-        <p14:creationId xmlns:p14="http://schemas.microsoft.com/office/powerpoint/2010/main" val="3761428499"/>
+        <p14:creationId xmlns:p14="http://schemas.microsoft.com/office/powerpoint/2010/main" val="1308399219"/>
       </p:ext>
     </p:extLst>
   </p:cSld>
@@ -6824,7 +7124,7 @@
           <a:p>
             <a:fld id="{9901CBA2-7C9E-4AD6-B258-A0DB055BB3AF}" type="slidenum">
               <a:rPr lang="zh-CN" altLang="en-US" smtClean="0"/>
-              <a:t>32</a:t>
+              <a:t>30</a:t>
             </a:fld>
             <a:endParaRPr lang="zh-CN" altLang="en-US"/>
           </a:p>
@@ -6833,7 +7133,7 @@
     </p:spTree>
     <p:extLst>
       <p:ext uri="{BB962C8B-B14F-4D97-AF65-F5344CB8AC3E}">
-        <p14:creationId xmlns:p14="http://schemas.microsoft.com/office/powerpoint/2010/main" val="3250660397"/>
+        <p14:creationId xmlns:p14="http://schemas.microsoft.com/office/powerpoint/2010/main" val="2700064975"/>
       </p:ext>
     </p:extLst>
   </p:cSld>
@@ -6887,6 +7187,174 @@
           <a:bodyPr/>
           <a:lstStyle/>
           <a:p>
+            <a:endParaRPr lang="zh-CN" altLang="en-US" dirty="0"/>
+          </a:p>
+        </p:txBody>
+      </p:sp>
+      <p:sp>
+        <p:nvSpPr>
+          <p:cNvPr id="4" name="灯片编号占位符 3"/>
+          <p:cNvSpPr>
+            <a:spLocks noGrp="1"/>
+          </p:cNvSpPr>
+          <p:nvPr>
+            <p:ph type="sldNum" sz="quarter" idx="5"/>
+          </p:nvPr>
+        </p:nvSpPr>
+        <p:spPr/>
+        <p:txBody>
+          <a:bodyPr/>
+          <a:lstStyle/>
+          <a:p>
+            <a:fld id="{9901CBA2-7C9E-4AD6-B258-A0DB055BB3AF}" type="slidenum">
+              <a:rPr lang="zh-CN" altLang="en-US" smtClean="0"/>
+              <a:t>31</a:t>
+            </a:fld>
+            <a:endParaRPr lang="zh-CN" altLang="en-US"/>
+          </a:p>
+        </p:txBody>
+      </p:sp>
+    </p:spTree>
+    <p:extLst>
+      <p:ext uri="{BB962C8B-B14F-4D97-AF65-F5344CB8AC3E}">
+        <p14:creationId xmlns:p14="http://schemas.microsoft.com/office/powerpoint/2010/main" val="3761428499"/>
+      </p:ext>
+    </p:extLst>
+  </p:cSld>
+  <p:clrMapOvr>
+    <a:masterClrMapping/>
+  </p:clrMapOvr>
+</p:notes>
+</file>
+
+<file path=ppt/notesSlides/notesSlide26.xml><?xml version="1.0" encoding="utf-8"?>
+<p:notes xmlns:a="http://schemas.openxmlformats.org/drawingml/2006/main" xmlns:r="http://schemas.openxmlformats.org/officeDocument/2006/relationships" xmlns:p="http://schemas.openxmlformats.org/presentationml/2006/main">
+  <p:cSld>
+    <p:spTree>
+      <p:nvGrpSpPr>
+        <p:cNvPr id="1" name=""/>
+        <p:cNvGrpSpPr/>
+        <p:nvPr/>
+      </p:nvGrpSpPr>
+      <p:grpSpPr>
+        <a:xfrm>
+          <a:off x="0" y="0"/>
+          <a:ext cx="0" cy="0"/>
+          <a:chOff x="0" y="0"/>
+          <a:chExt cx="0" cy="0"/>
+        </a:xfrm>
+      </p:grpSpPr>
+      <p:sp>
+        <p:nvSpPr>
+          <p:cNvPr id="2" name="幻灯片图像占位符 1"/>
+          <p:cNvSpPr>
+            <a:spLocks noGrp="1" noRot="1" noChangeAspect="1"/>
+          </p:cNvSpPr>
+          <p:nvPr>
+            <p:ph type="sldImg"/>
+          </p:nvPr>
+        </p:nvSpPr>
+        <p:spPr/>
+      </p:sp>
+      <p:sp>
+        <p:nvSpPr>
+          <p:cNvPr id="3" name="备注占位符 2"/>
+          <p:cNvSpPr>
+            <a:spLocks noGrp="1"/>
+          </p:cNvSpPr>
+          <p:nvPr>
+            <p:ph type="body" idx="1"/>
+          </p:nvPr>
+        </p:nvSpPr>
+        <p:spPr/>
+        <p:txBody>
+          <a:bodyPr/>
+          <a:lstStyle/>
+          <a:p>
+            <a:endParaRPr lang="zh-CN" altLang="en-US" dirty="0"/>
+          </a:p>
+        </p:txBody>
+      </p:sp>
+      <p:sp>
+        <p:nvSpPr>
+          <p:cNvPr id="4" name="灯片编号占位符 3"/>
+          <p:cNvSpPr>
+            <a:spLocks noGrp="1"/>
+          </p:cNvSpPr>
+          <p:nvPr>
+            <p:ph type="sldNum" sz="quarter" idx="5"/>
+          </p:nvPr>
+        </p:nvSpPr>
+        <p:spPr/>
+        <p:txBody>
+          <a:bodyPr/>
+          <a:lstStyle/>
+          <a:p>
+            <a:fld id="{9901CBA2-7C9E-4AD6-B258-A0DB055BB3AF}" type="slidenum">
+              <a:rPr lang="zh-CN" altLang="en-US" smtClean="0"/>
+              <a:t>32</a:t>
+            </a:fld>
+            <a:endParaRPr lang="zh-CN" altLang="en-US"/>
+          </a:p>
+        </p:txBody>
+      </p:sp>
+    </p:spTree>
+    <p:extLst>
+      <p:ext uri="{BB962C8B-B14F-4D97-AF65-F5344CB8AC3E}">
+        <p14:creationId xmlns:p14="http://schemas.microsoft.com/office/powerpoint/2010/main" val="3250660397"/>
+      </p:ext>
+    </p:extLst>
+  </p:cSld>
+  <p:clrMapOvr>
+    <a:masterClrMapping/>
+  </p:clrMapOvr>
+</p:notes>
+</file>
+
+<file path=ppt/notesSlides/notesSlide27.xml><?xml version="1.0" encoding="utf-8"?>
+<p:notes xmlns:a="http://schemas.openxmlformats.org/drawingml/2006/main" xmlns:r="http://schemas.openxmlformats.org/officeDocument/2006/relationships" xmlns:p="http://schemas.openxmlformats.org/presentationml/2006/main">
+  <p:cSld>
+    <p:spTree>
+      <p:nvGrpSpPr>
+        <p:cNvPr id="1" name=""/>
+        <p:cNvGrpSpPr/>
+        <p:nvPr/>
+      </p:nvGrpSpPr>
+      <p:grpSpPr>
+        <a:xfrm>
+          <a:off x="0" y="0"/>
+          <a:ext cx="0" cy="0"/>
+          <a:chOff x="0" y="0"/>
+          <a:chExt cx="0" cy="0"/>
+        </a:xfrm>
+      </p:grpSpPr>
+      <p:sp>
+        <p:nvSpPr>
+          <p:cNvPr id="2" name="幻灯片图像占位符 1"/>
+          <p:cNvSpPr>
+            <a:spLocks noGrp="1" noRot="1" noChangeAspect="1"/>
+          </p:cNvSpPr>
+          <p:nvPr>
+            <p:ph type="sldImg"/>
+          </p:nvPr>
+        </p:nvSpPr>
+        <p:spPr/>
+      </p:sp>
+      <p:sp>
+        <p:nvSpPr>
+          <p:cNvPr id="3" name="备注占位符 2"/>
+          <p:cNvSpPr>
+            <a:spLocks noGrp="1"/>
+          </p:cNvSpPr>
+          <p:nvPr>
+            <p:ph type="body" idx="1"/>
+          </p:nvPr>
+        </p:nvSpPr>
+        <p:spPr/>
+        <p:txBody>
+          <a:bodyPr/>
+          <a:lstStyle/>
+          <a:p>
             <a:pPr marL="0" marR="0" lvl="0" indent="0" algn="l" defTabSz="914400" rtl="0" eaLnBrk="1" fontAlgn="auto" latinLnBrk="0" hangingPunct="1">
               <a:lnSpc>
                 <a:spcPct val="100000"/>
@@ -6921,7 +7389,7 @@
               <a:t>B</a:t>
             </a:r>
             <a:r>
-              <a:rPr lang="zh-CN" altLang="en-US"/>
+              <a:rPr lang="zh-CN" altLang="en-US" dirty="0"/>
               <a:t>，推荐按照书来做一下操作。</a:t>
             </a:r>
             <a:endParaRPr lang="en-US" altLang="zh-CN" dirty="0"/>
@@ -6966,7 +7434,23 @@
             </a:pPr>
             <a:r>
               <a:rPr lang="zh-CN" altLang="en-US" b="1" dirty="0"/>
-              <a:t>如果你是初学者，可选拓展部分可直接忽略，以后回来翻阅也不迟，避免增加学习负担。</a:t>
+              <a:t>如果你是初学者，可选拓展部分可</a:t>
+            </a:r>
+            <a:r>
+              <a:rPr lang="zh-CN" altLang="en-US" b="1"/>
+              <a:t>直接忽略（包括后面的章节），之后回来</a:t>
+            </a:r>
+            <a:r>
+              <a:rPr lang="zh-CN" altLang="en-US" b="1" dirty="0"/>
+              <a:t>翻阅也不</a:t>
+            </a:r>
+            <a:r>
+              <a:rPr lang="zh-CN" altLang="en-US" b="1"/>
+              <a:t>迟，以避免增加学习的负担</a:t>
+            </a:r>
+            <a:r>
+              <a:rPr lang="zh-CN" altLang="en-US" b="1" dirty="0"/>
+              <a:t>。</a:t>
             </a:r>
             <a:endParaRPr lang="en-US" altLang="zh-CN" dirty="0"/>
           </a:p>
@@ -7121,7 +7605,7 @@
               <a:rPr lang="en-US" altLang="zh-CN" sz="2800" dirty="0">
                 <a:hlinkClick r:id="rId3"/>
               </a:rPr>
-              <a:t>"Monty Python </a:t>
+              <a:t>《Monty Python </a:t>
             </a:r>
             <a:r>
               <a:rPr lang="zh-CN" altLang="en-US" sz="2800" dirty="0">
@@ -7133,17 +7617,17 @@
               <a:rPr lang="en-US" altLang="zh-CN" sz="2800" dirty="0">
                 <a:hlinkClick r:id="rId3"/>
               </a:rPr>
-              <a:t>"</a:t>
+              <a:t>》</a:t>
             </a:r>
             <a:r>
               <a:rPr lang="zh-CN" altLang="en-US" sz="2800" dirty="0"/>
-              <a:t> 这部剧本，</a:t>
+              <a:t>这部剧本，</a:t>
             </a:r>
             <a:r>
               <a:rPr lang="zh-CN" altLang="en-US" sz="1800" b="0" i="0" u="none" strike="noStrike" baseline="0" dirty="0">
                 <a:latin typeface="FZSSJW--GB1-0"/>
               </a:rPr>
-              <a:t>而不是单词的含义蟒蛇。虽然，蟒蛇们将会无处不在 </a:t>
+              <a:t>而不是单词的含义：蟒蛇。不过，蟒蛇们将会无处不在 </a:t>
             </a:r>
             <a:r>
               <a:rPr lang="en-US" altLang="zh-CN" sz="1800" b="0" i="0" u="none" strike="noStrike" baseline="0" dirty="0">
@@ -7153,8 +7637,13 @@
             </a:r>
           </a:p>
           <a:p>
-            <a:r>
-              <a:rPr lang="en-US" altLang="zh-CN"/>
+            <a:endParaRPr lang="en-US" altLang="zh-CN" sz="1800" b="0" i="0" u="none" strike="noStrike" baseline="0" dirty="0">
+              <a:latin typeface="FZSSJW--GB1-0"/>
+            </a:endParaRPr>
+          </a:p>
+          <a:p>
+            <a:r>
+              <a:rPr lang="en-US" altLang="zh-CN" dirty="0"/>
               <a:t>https://docs.python.org/zh-cn/3/faq/general.html#why-is-it-called-python</a:t>
             </a:r>
             <a:endParaRPr lang="zh-CN" altLang="en-US" dirty="0"/>
@@ -7260,7 +7749,7 @@
             </a:pPr>
             <a:r>
               <a:rPr lang="zh-CN" altLang="en-US" dirty="0"/>
-              <a:t>附图是在 </a:t>
+              <a:t>补充：附图为 </a:t>
             </a:r>
             <a:r>
               <a:rPr lang="en-US" altLang="zh-CN" dirty="0"/>
@@ -7268,7 +7757,7 @@
             </a:r>
             <a:r>
               <a:rPr lang="zh-CN" altLang="en-US" dirty="0"/>
-              <a:t>上采用 </a:t>
+              <a:t>系统上的终端窗口（</a:t>
             </a:r>
             <a:r>
               <a:rPr lang="en-US" altLang="zh-CN" dirty="0" err="1"/>
@@ -7288,15 +7777,7 @@
             </a:r>
             <a:r>
               <a:rPr lang="zh-CN" altLang="en-US" dirty="0"/>
-              <a:t>主题的效果，</a:t>
-            </a:r>
-            <a:r>
-              <a:rPr lang="en-US" altLang="zh-CN" dirty="0"/>
-              <a:t>windows </a:t>
-            </a:r>
-            <a:r>
-              <a:rPr lang="zh-CN" altLang="en-US" dirty="0"/>
-              <a:t>上显示的没有这么好看，不过执行命令之类的都是一样的</a:t>
+              <a:t>主题），其他系统的默认显示效果，虽然可能没有这么好看，但你没有必要提前涉及相关内容。</a:t>
             </a:r>
           </a:p>
         </p:txBody>
@@ -7381,7 +7862,18 @@
           <a:bodyPr/>
           <a:lstStyle/>
           <a:p>
-            <a:endParaRPr lang="zh-CN" altLang="en-US" dirty="0"/>
+            <a:r>
+              <a:rPr lang="zh-CN" altLang="en-US" dirty="0"/>
+              <a:t>在其他系统中的“命令提示符”，一般被叫做终端（</a:t>
+            </a:r>
+            <a:r>
+              <a:rPr lang="en-US" altLang="zh-CN" dirty="0"/>
+              <a:t>Terminal</a:t>
+            </a:r>
+            <a:r>
+              <a:rPr lang="zh-CN" altLang="en-US" dirty="0"/>
+              <a:t>）</a:t>
+            </a:r>
           </a:p>
         </p:txBody>
       </p:sp>
@@ -7402,7 +7894,7 @@
           <a:p>
             <a:fld id="{9901CBA2-7C9E-4AD6-B258-A0DB055BB3AF}" type="slidenum">
               <a:rPr lang="zh-CN" altLang="en-US" smtClean="0"/>
-              <a:t>9</a:t>
+              <a:t>8</a:t>
             </a:fld>
             <a:endParaRPr lang="zh-CN" altLang="en-US"/>
           </a:p>
@@ -7411,7 +7903,7 @@
     </p:spTree>
     <p:extLst>
       <p:ext uri="{BB962C8B-B14F-4D97-AF65-F5344CB8AC3E}">
-        <p14:creationId xmlns:p14="http://schemas.microsoft.com/office/powerpoint/2010/main" val="2059751540"/>
+        <p14:creationId xmlns:p14="http://schemas.microsoft.com/office/powerpoint/2010/main" val="2071071629"/>
       </p:ext>
     </p:extLst>
   </p:cSld>
@@ -7465,38 +7957,7 @@
           <a:bodyPr/>
           <a:lstStyle/>
           <a:p>
-            <a:r>
-              <a:rPr lang="zh-CN" altLang="en-US" dirty="0"/>
-              <a:t>在 </a:t>
-            </a:r>
-            <a:r>
-              <a:rPr lang="en-US" altLang="zh-CN" dirty="0"/>
-              <a:t>macOS </a:t>
-            </a:r>
-            <a:r>
-              <a:rPr lang="zh-CN" altLang="en-US" dirty="0"/>
-              <a:t>系统中，如果出现一个弹出框，询问你是否要安装命令行开发者工具，请单击 </a:t>
-            </a:r>
-            <a:r>
-              <a:rPr lang="en-US" altLang="zh-CN" dirty="0"/>
-              <a:t>Install</a:t>
-            </a:r>
-            <a:r>
-              <a:rPr lang="zh-CN" altLang="en-US" dirty="0"/>
-              <a:t>。可能会出现一条消息，指出需要很长时间才能安装完成，但只要你的网络连接不是很慢，实际上只需</a:t>
-            </a:r>
-            <a:r>
-              <a:rPr lang="zh-CN" altLang="en-US"/>
-              <a:t>要不到 </a:t>
-            </a:r>
-            <a:r>
-              <a:rPr lang="en-US" altLang="zh-CN"/>
-              <a:t>20 </a:t>
-            </a:r>
-            <a:r>
-              <a:rPr lang="zh-CN" altLang="en-US" dirty="0"/>
-              <a:t>分钟。</a:t>
-            </a:r>
+            <a:endParaRPr lang="zh-CN" altLang="en-US" dirty="0"/>
           </a:p>
         </p:txBody>
       </p:sp>
@@ -7517,7 +7978,7 @@
           <a:p>
             <a:fld id="{9901CBA2-7C9E-4AD6-B258-A0DB055BB3AF}" type="slidenum">
               <a:rPr lang="zh-CN" altLang="en-US" smtClean="0"/>
-              <a:t>10</a:t>
+              <a:t>9</a:t>
             </a:fld>
             <a:endParaRPr lang="zh-CN" altLang="en-US"/>
           </a:p>
@@ -7526,7 +7987,7 @@
     </p:spTree>
     <p:extLst>
       <p:ext uri="{BB962C8B-B14F-4D97-AF65-F5344CB8AC3E}">
-        <p14:creationId xmlns:p14="http://schemas.microsoft.com/office/powerpoint/2010/main" val="1664245364"/>
+        <p14:creationId xmlns:p14="http://schemas.microsoft.com/office/powerpoint/2010/main" val="2059751540"/>
       </p:ext>
     </p:extLst>
   </p:cSld>
@@ -7582,7 +8043,47 @@
           <a:p>
             <a:r>
               <a:rPr lang="zh-CN" altLang="en-US" dirty="0"/>
-              <a:t>当然，也可以选择自己喜欢的编辑器</a:t>
+              <a:t>在 </a:t>
+            </a:r>
+            <a:r>
+              <a:rPr lang="en-US" altLang="zh-CN" dirty="0"/>
+              <a:t>MacOS </a:t>
+            </a:r>
+            <a:r>
+              <a:rPr lang="zh-CN" altLang="en-US" dirty="0"/>
+              <a:t>系统中，如果出现一个询问你</a:t>
+            </a:r>
+            <a:r>
+              <a:rPr lang="en-US" altLang="zh-CN" dirty="0"/>
+              <a:t>”</a:t>
+            </a:r>
+            <a:r>
+              <a:rPr lang="zh-CN" altLang="en-US" dirty="0"/>
+              <a:t>是否要安装命令行开发者工具</a:t>
+            </a:r>
+            <a:r>
+              <a:rPr lang="en-US" altLang="zh-CN" dirty="0"/>
+              <a:t>”</a:t>
+            </a:r>
+            <a:r>
+              <a:rPr lang="zh-CN" altLang="en-US" dirty="0"/>
+              <a:t>弹出框，请单击安装（</a:t>
+            </a:r>
+            <a:r>
+              <a:rPr lang="en-US" altLang="zh-CN" dirty="0"/>
+              <a:t>Install</a:t>
+            </a:r>
+            <a:r>
+              <a:rPr lang="zh-CN" altLang="en-US" dirty="0"/>
+              <a:t>）。随后可能会出现一条消息，指出需要很长时间才能安装完成，但只要你的网络连接不是很慢，一般只需要不到 </a:t>
+            </a:r>
+            <a:r>
+              <a:rPr lang="en-US" altLang="zh-CN" dirty="0"/>
+              <a:t>20 </a:t>
+            </a:r>
+            <a:r>
+              <a:rPr lang="zh-CN" altLang="en-US" dirty="0"/>
+              <a:t>分钟。</a:t>
             </a:r>
           </a:p>
         </p:txBody>
@@ -7604,7 +8105,7 @@
           <a:p>
             <a:fld id="{9901CBA2-7C9E-4AD6-B258-A0DB055BB3AF}" type="slidenum">
               <a:rPr lang="zh-CN" altLang="en-US" smtClean="0"/>
-              <a:t>11</a:t>
+              <a:t>10</a:t>
             </a:fld>
             <a:endParaRPr lang="zh-CN" altLang="en-US"/>
           </a:p>
@@ -7613,7 +8114,7 @@
     </p:spTree>
     <p:extLst>
       <p:ext uri="{BB962C8B-B14F-4D97-AF65-F5344CB8AC3E}">
-        <p14:creationId xmlns:p14="http://schemas.microsoft.com/office/powerpoint/2010/main" val="2211635743"/>
+        <p14:creationId xmlns:p14="http://schemas.microsoft.com/office/powerpoint/2010/main" val="1664245364"/>
       </p:ext>
     </p:extLst>
   </p:cSld>
@@ -7667,30 +8168,10 @@
           <a:bodyPr/>
           <a:lstStyle/>
           <a:p>
-            <a:pPr marL="0" marR="0" lvl="0" indent="0" algn="l" defTabSz="914400" rtl="0" eaLnBrk="1" fontAlgn="auto" latinLnBrk="0" hangingPunct="1">
-              <a:lnSpc>
-                <a:spcPct val="100000"/>
-              </a:lnSpc>
-              <a:spcBef>
-                <a:spcPts val="0"/>
-              </a:spcBef>
-              <a:spcAft>
-                <a:spcPts val="0"/>
-              </a:spcAft>
-              <a:buClrTx/>
-              <a:buSzTx/>
-              <a:buFontTx/>
-              <a:buNone/>
-              <a:tabLst/>
-              <a:defRPr/>
-            </a:pPr>
             <a:r>
               <a:rPr lang="zh-CN" altLang="en-US" dirty="0"/>
-              <a:t>汉化是一个可选项，我们涉及到的操作不会涉及很多单词，如果你想顺便熟悉一下英文，这一步则是可选的，后文在备注中也会附上英文。</a:t>
-            </a:r>
-          </a:p>
-          <a:p>
-            <a:endParaRPr lang="zh-CN" altLang="en-US" dirty="0"/>
+              <a:t>当然，你也可以选择自己喜欢的编辑器。</a:t>
+            </a:r>
           </a:p>
         </p:txBody>
       </p:sp>
@@ -7711,7 +8192,7 @@
           <a:p>
             <a:fld id="{9901CBA2-7C9E-4AD6-B258-A0DB055BB3AF}" type="slidenum">
               <a:rPr lang="zh-CN" altLang="en-US" smtClean="0"/>
-              <a:t>13</a:t>
+              <a:t>11</a:t>
             </a:fld>
             <a:endParaRPr lang="zh-CN" altLang="en-US"/>
           </a:p>
@@ -7720,7 +8201,7 @@
     </p:spTree>
     <p:extLst>
       <p:ext uri="{BB962C8B-B14F-4D97-AF65-F5344CB8AC3E}">
-        <p14:creationId xmlns:p14="http://schemas.microsoft.com/office/powerpoint/2010/main" val="2035152831"/>
+        <p14:creationId xmlns:p14="http://schemas.microsoft.com/office/powerpoint/2010/main" val="2211635743"/>
       </p:ext>
     </p:extLst>
   </p:cSld>
@@ -7774,19 +8255,30 @@
           <a:bodyPr/>
           <a:lstStyle/>
           <a:p>
+            <a:pPr marL="0" marR="0" lvl="0" indent="0" algn="l" defTabSz="914400" rtl="0" eaLnBrk="1" fontAlgn="auto" latinLnBrk="0" hangingPunct="1">
+              <a:lnSpc>
+                <a:spcPct val="100000"/>
+              </a:lnSpc>
+              <a:spcBef>
+                <a:spcPts val="0"/>
+              </a:spcBef>
+              <a:spcAft>
+                <a:spcPts val="0"/>
+              </a:spcAft>
+              <a:buClrTx/>
+              <a:buSzTx/>
+              <a:buFontTx/>
+              <a:buNone/>
+              <a:tabLst/>
+              <a:defRPr/>
+            </a:pPr>
             <a:r>
               <a:rPr lang="zh-CN" altLang="en-US" dirty="0"/>
-              <a:t>安装汉化插件时，请认准 </a:t>
-            </a:r>
-            <a:r>
-              <a:rPr lang="en-US" altLang="zh-CN" dirty="0"/>
-              <a:t>Microsoft </a:t>
-            </a:r>
-            <a:r>
-              <a:rPr lang="zh-CN" altLang="en-US" dirty="0"/>
-              <a:t>（微软）的字样和认证标记</a:t>
-            </a:r>
-            <a:endParaRPr lang="en-US" altLang="zh-CN" dirty="0"/>
+              <a:t>汉化操作是个可选项，我们很少会涉及到生僻单词的使用，所以如果你想顺便熟悉一下英文，那就不用配置汉化了，后文在备注中会尽量附上英文原文。</a:t>
+            </a:r>
+          </a:p>
+          <a:p>
+            <a:endParaRPr lang="zh-CN" altLang="en-US" dirty="0"/>
           </a:p>
         </p:txBody>
       </p:sp>
@@ -7807,7 +8299,7 @@
           <a:p>
             <a:fld id="{9901CBA2-7C9E-4AD6-B258-A0DB055BB3AF}" type="slidenum">
               <a:rPr lang="zh-CN" altLang="en-US" smtClean="0"/>
-              <a:t>14</a:t>
+              <a:t>13</a:t>
             </a:fld>
             <a:endParaRPr lang="zh-CN" altLang="en-US"/>
           </a:p>
@@ -7816,7 +8308,7 @@
     </p:spTree>
     <p:extLst>
       <p:ext uri="{BB962C8B-B14F-4D97-AF65-F5344CB8AC3E}">
-        <p14:creationId xmlns:p14="http://schemas.microsoft.com/office/powerpoint/2010/main" val="303646085"/>
+        <p14:creationId xmlns:p14="http://schemas.microsoft.com/office/powerpoint/2010/main" val="2035152831"/>
       </p:ext>
     </p:extLst>
   </p:cSld>
@@ -7973,7 +8465,7 @@
           <a:p>
             <a:fld id="{F721228B-0167-4061-A906-8575043315EE}" type="datetimeFigureOut">
               <a:rPr lang="zh-CN" altLang="en-US" smtClean="0"/>
-              <a:t>2023/6/3</a:t>
+              <a:t>2023/8/14</a:t>
             </a:fld>
             <a:endParaRPr lang="zh-CN" altLang="en-US"/>
           </a:p>
@@ -8183,7 +8675,7 @@
           <a:p>
             <a:fld id="{F721228B-0167-4061-A906-8575043315EE}" type="datetimeFigureOut">
               <a:rPr lang="zh-CN" altLang="en-US" smtClean="0"/>
-              <a:t>2023/6/3</a:t>
+              <a:t>2023/8/14</a:t>
             </a:fld>
             <a:endParaRPr lang="zh-CN" altLang="en-US"/>
           </a:p>
@@ -8403,7 +8895,7 @@
           <a:p>
             <a:fld id="{F721228B-0167-4061-A906-8575043315EE}" type="datetimeFigureOut">
               <a:rPr lang="zh-CN" altLang="en-US" smtClean="0"/>
-              <a:t>2023/6/3</a:t>
+              <a:t>2023/8/14</a:t>
             </a:fld>
             <a:endParaRPr lang="zh-CN" altLang="en-US"/>
           </a:p>
@@ -8900,7 +9392,7 @@
           <a:p>
             <a:fld id="{F721228B-0167-4061-A906-8575043315EE}" type="datetimeFigureOut">
               <a:rPr lang="zh-CN" altLang="en-US" smtClean="0"/>
-              <a:t>2023/6/3</a:t>
+              <a:t>2023/8/14</a:t>
             </a:fld>
             <a:endParaRPr lang="zh-CN" altLang="en-US"/>
           </a:p>
@@ -9236,7 +9728,7 @@
           <a:p>
             <a:fld id="{F721228B-0167-4061-A906-8575043315EE}" type="datetimeFigureOut">
               <a:rPr lang="zh-CN" altLang="en-US" smtClean="0"/>
-              <a:t>2023/6/3</a:t>
+              <a:t>2023/8/14</a:t>
             </a:fld>
             <a:endParaRPr lang="zh-CN" altLang="en-US"/>
           </a:p>
@@ -9594,7 +10086,7 @@
           <a:p>
             <a:fld id="{F721228B-0167-4061-A906-8575043315EE}" type="datetimeFigureOut">
               <a:rPr lang="zh-CN" altLang="en-US" smtClean="0"/>
-              <a:t>2023/6/3</a:t>
+              <a:t>2023/8/14</a:t>
             </a:fld>
             <a:endParaRPr lang="zh-CN" altLang="en-US"/>
           </a:p>
@@ -10067,7 +10559,7 @@
           <a:p>
             <a:fld id="{F721228B-0167-4061-A906-8575043315EE}" type="datetimeFigureOut">
               <a:rPr lang="zh-CN" altLang="en-US" smtClean="0"/>
-              <a:t>2023/6/3</a:t>
+              <a:t>2023/8/14</a:t>
             </a:fld>
             <a:endParaRPr lang="zh-CN" altLang="en-US"/>
           </a:p>
@@ -10220,7 +10712,7 @@
           <a:p>
             <a:fld id="{F721228B-0167-4061-A906-8575043315EE}" type="datetimeFigureOut">
               <a:rPr lang="zh-CN" altLang="en-US" smtClean="0"/>
-              <a:t>2023/6/3</a:t>
+              <a:t>2023/8/14</a:t>
             </a:fld>
             <a:endParaRPr lang="zh-CN" altLang="en-US"/>
           </a:p>
@@ -10345,7 +10837,7 @@
           <a:p>
             <a:fld id="{F721228B-0167-4061-A906-8575043315EE}" type="datetimeFigureOut">
               <a:rPr lang="zh-CN" altLang="en-US" smtClean="0"/>
-              <a:t>2023/6/3</a:t>
+              <a:t>2023/8/14</a:t>
             </a:fld>
             <a:endParaRPr lang="zh-CN" altLang="en-US"/>
           </a:p>
@@ -10668,7 +11160,7 @@
           <a:p>
             <a:fld id="{F721228B-0167-4061-A906-8575043315EE}" type="datetimeFigureOut">
               <a:rPr lang="zh-CN" altLang="en-US" smtClean="0"/>
-              <a:t>2023/6/3</a:t>
+              <a:t>2023/8/14</a:t>
             </a:fld>
             <a:endParaRPr lang="zh-CN" altLang="en-US"/>
           </a:p>
@@ -10968,7 +11460,7 @@
           <a:p>
             <a:fld id="{F721228B-0167-4061-A906-8575043315EE}" type="datetimeFigureOut">
               <a:rPr lang="zh-CN" altLang="en-US" smtClean="0"/>
-              <a:t>2023/6/3</a:t>
+              <a:t>2023/8/14</a:t>
             </a:fld>
             <a:endParaRPr lang="zh-CN" altLang="en-US"/>
           </a:p>
@@ -11221,7 +11713,7 @@
           <a:p>
             <a:fld id="{F721228B-0167-4061-A906-8575043315EE}" type="datetimeFigureOut">
               <a:rPr lang="zh-CN" altLang="en-US" smtClean="0"/>
-              <a:t>2023/6/3</a:t>
+              <a:t>2023/8/14</a:t>
             </a:fld>
             <a:endParaRPr lang="zh-CN" altLang="en-US"/>
           </a:p>
@@ -12249,7 +12741,7 @@
                 <a:latin typeface="Consolas" panose="020B0609020204030204" pitchFamily="49" charset="0"/>
                 <a:ea typeface="微软雅黑" panose="020B0503020204020204" pitchFamily="34" charset="-122"/>
               </a:rPr>
-              <a:t>macOS</a:t>
+              <a:t>MacOS</a:t>
             </a:r>
             <a:r>
               <a:rPr lang="zh-CN" altLang="en-US" sz="2800" u="sng" dirty="0">
@@ -12615,9 +13107,8 @@
               </a:ext>
             </a:extLst>
           </a:blip>
-          <a:stretch>
-            <a:fillRect/>
-          </a:stretch>
+          <a:srcRect/>
+          <a:stretch/>
         </p:blipFill>
         <p:spPr>
           <a:xfrm>
@@ -13824,7 +14315,7 @@
             </a:pPr>
             <a:r>
               <a:rPr lang="zh-CN" altLang="en-US" dirty="0"/>
-              <a:t>如果有提示错误，请重试之前的步骤。当安装完毕后，右下角会出现一个小弹窗，点击后会自动重启，并完成 </a:t>
+              <a:t>当安装完毕后，右下角会出现一个小弹窗，点击后会自动重启，并完成 </a:t>
             </a:r>
             <a:r>
               <a:rPr lang="en-US" altLang="zh-CN" dirty="0"/>
@@ -13832,7 +14323,7 @@
             </a:r>
             <a:r>
               <a:rPr lang="zh-CN" altLang="en-US" dirty="0"/>
-              <a:t> 的汉化</a:t>
+              <a:t> 的汉化：</a:t>
             </a:r>
             <a:endParaRPr lang="en-US" altLang="zh-CN" dirty="0"/>
           </a:p>
@@ -14046,7 +14537,7 @@
             </a:pPr>
             <a:r>
               <a:rPr lang="zh-CN" altLang="en-US" dirty="0"/>
-              <a:t>如果有提示错误，请重试之前的步骤。当安装完毕后，右下角会出现一个小弹窗，点击后会自动重启，并完成 </a:t>
+              <a:t>当安装完毕后，右下角会出现一个小弹窗，点击后会自动重启，并完成 </a:t>
             </a:r>
             <a:r>
               <a:rPr lang="en-US" altLang="zh-CN" dirty="0"/>
@@ -14054,7 +14545,7 @@
             </a:r>
             <a:r>
               <a:rPr lang="zh-CN" altLang="en-US" dirty="0"/>
-              <a:t> 的汉化</a:t>
+              <a:t> 的汉化：</a:t>
             </a:r>
             <a:endParaRPr lang="en-US" altLang="zh-CN" dirty="0"/>
           </a:p>
@@ -14499,7 +14990,7 @@
           <a:p>
             <a:r>
               <a:rPr lang="zh-CN" altLang="en-US" dirty="0"/>
-              <a:t>新建 </a:t>
+              <a:t>在桌面上新建 </a:t>
             </a:r>
             <a:r>
               <a:rPr lang="en-US" altLang="zh-CN" b="1" dirty="0" err="1">
@@ -14526,6 +15017,42 @@
           </a:p>
         </p:txBody>
       </p:sp>
+      <p:pic>
+        <p:nvPicPr>
+          <p:cNvPr id="13" name="图片 12">
+            <a:extLst>
+              <a:ext uri="{FF2B5EF4-FFF2-40B4-BE49-F238E27FC236}">
+                <a16:creationId xmlns:a16="http://schemas.microsoft.com/office/drawing/2014/main" id="{E02580EA-DC05-D002-FEB4-DD7CC58CFB9E}"/>
+              </a:ext>
+            </a:extLst>
+          </p:cNvPr>
+          <p:cNvPicPr>
+            <a:picLocks noChangeAspect="1"/>
+          </p:cNvPicPr>
+          <p:nvPr/>
+        </p:nvPicPr>
+        <p:blipFill>
+          <a:blip r:embed="rId3">
+            <a:extLst>
+              <a:ext uri="{28A0092B-C50C-407E-A947-70E740481C1C}">
+                <a14:useLocalDpi xmlns:a14="http://schemas.microsoft.com/office/drawing/2010/main" val="0"/>
+              </a:ext>
+            </a:extLst>
+          </a:blip>
+          <a:stretch>
+            <a:fillRect/>
+          </a:stretch>
+        </p:blipFill>
+        <p:spPr>
+          <a:xfrm>
+            <a:off x="2449514" y="3146326"/>
+            <a:ext cx="7292972" cy="2453853"/>
+          </a:xfrm>
+          <a:prstGeom prst="rect">
+            <a:avLst/>
+          </a:prstGeom>
+        </p:spPr>
+      </p:pic>
     </p:spTree>
     <p:extLst>
       <p:ext uri="{BB962C8B-B14F-4D97-AF65-F5344CB8AC3E}">
@@ -14679,7 +15206,7 @@
                   </a:schemeClr>
                 </a:solidFill>
               </a:rPr>
-              <a:t>新建 </a:t>
+              <a:t>在桌面上新建 </a:t>
             </a:r>
             <a:r>
               <a:rPr lang="en-US" altLang="zh-CN" b="1" dirty="0" err="1">
@@ -14755,7 +15282,7 @@
             </a:r>
             <a:r>
               <a:rPr lang="zh-CN" altLang="en-US" dirty="0"/>
-              <a:t>，来打开刚才新建的文件夹</a:t>
+              <a:t>，来打开桌面上新建的文件夹</a:t>
             </a:r>
             <a:endParaRPr lang="en-US" altLang="zh-CN" dirty="0"/>
           </a:p>
@@ -15163,7 +15690,7 @@
                   </a:schemeClr>
                 </a:solidFill>
               </a:rPr>
-              <a:t>新建 </a:t>
+              <a:t>在桌面上新建 </a:t>
             </a:r>
             <a:r>
               <a:rPr lang="en-US" altLang="zh-CN" b="1" dirty="0" err="1">
@@ -15280,7 +15807,7 @@
                   </a:schemeClr>
                 </a:solidFill>
               </a:rPr>
-              <a:t>，来打开刚才新建的文件夹</a:t>
+              <a:t>，来打开桌面上新建的文件夹</a:t>
             </a:r>
             <a:endParaRPr lang="en-US" altLang="zh-CN" dirty="0">
               <a:solidFill>
@@ -15493,7 +16020,7 @@
                   </a:schemeClr>
                 </a:solidFill>
               </a:rPr>
-              <a:t>新建 </a:t>
+              <a:t>在桌面上新建 </a:t>
             </a:r>
             <a:r>
               <a:rPr lang="en-US" altLang="zh-CN" b="1" dirty="0" err="1">
@@ -15610,7 +16137,7 @@
                   </a:schemeClr>
                 </a:solidFill>
               </a:rPr>
-              <a:t>，来打开刚才新建的文件夹</a:t>
+              <a:t>，来打开桌面上新建的文件夹</a:t>
             </a:r>
             <a:endParaRPr lang="en-US" altLang="zh-CN" dirty="0">
               <a:solidFill>
@@ -15696,7 +16223,7 @@
         <p:spPr>
           <a:xfrm>
             <a:off x="6667318" y="2250123"/>
-            <a:ext cx="4191363" cy="3657917"/>
+            <a:ext cx="4400931" cy="3840813"/>
           </a:xfrm>
         </p:spPr>
       </p:pic>
@@ -15838,11 +16365,13 @@
         <p:spPr>
           <a:xfrm>
             <a:off x="838199" y="1825625"/>
-            <a:ext cx="5423115" cy="4351338"/>
+            <a:ext cx="5423115" cy="4606172"/>
           </a:xfrm>
         </p:spPr>
         <p:txBody>
-          <a:bodyPr tIns="46800"/>
+          <a:bodyPr tIns="46800">
+            <a:normAutofit/>
+          </a:bodyPr>
           <a:lstStyle/>
           <a:p>
             <a:r>
@@ -15853,7 +16382,7 @@
                   </a:schemeClr>
                 </a:solidFill>
               </a:rPr>
-              <a:t>新建 </a:t>
+              <a:t>在桌面上新建 </a:t>
             </a:r>
             <a:r>
               <a:rPr lang="en-US" altLang="zh-CN" b="1" dirty="0" err="1">
@@ -15970,7 +16499,7 @@
                   </a:schemeClr>
                 </a:solidFill>
               </a:rPr>
-              <a:t>，来打开刚才新建的文件夹</a:t>
+              <a:t>，来打开桌面上新建的文件夹</a:t>
             </a:r>
             <a:endParaRPr lang="en-US" altLang="zh-CN" dirty="0">
               <a:solidFill>
@@ -16128,7 +16657,7 @@
         <p:spPr>
           <a:xfrm>
             <a:off x="6667318" y="2250123"/>
-            <a:ext cx="4191363" cy="3657917"/>
+            <a:ext cx="4400931" cy="3840813"/>
           </a:xfrm>
         </p:spPr>
       </p:pic>
@@ -16350,7 +16879,7 @@
         <p:spPr>
           <a:xfrm>
             <a:off x="6667318" y="2250123"/>
-            <a:ext cx="4191363" cy="3657917"/>
+            <a:ext cx="4400931" cy="3840813"/>
           </a:xfrm>
         </p:spPr>
       </p:pic>
@@ -16606,7 +17135,7 @@
         <p:spPr>
           <a:xfrm>
             <a:off x="6668492" y="2257575"/>
-            <a:ext cx="4191363" cy="3666700"/>
+            <a:ext cx="4400931" cy="3850046"/>
           </a:xfrm>
         </p:spPr>
       </p:pic>
@@ -16870,8 +17399,8 @@
         </p:blipFill>
         <p:spPr>
           <a:xfrm>
-            <a:off x="6681373" y="2273117"/>
-            <a:ext cx="4191363" cy="3625403"/>
+            <a:off x="6681373" y="2273116"/>
+            <a:ext cx="4400931" cy="3806560"/>
           </a:xfrm>
         </p:spPr>
       </p:pic>
@@ -17154,7 +17683,7 @@
         <p:spPr>
           <a:xfrm>
             <a:off x="6667318" y="2231312"/>
-            <a:ext cx="4191363" cy="3695538"/>
+            <a:ext cx="4400931" cy="3880315"/>
           </a:xfrm>
           <a:prstGeom prst="rect">
             <a:avLst/>
@@ -17518,7 +18047,7 @@
         <p:spPr>
           <a:xfrm>
             <a:off x="6667318" y="2250123"/>
-            <a:ext cx="4191363" cy="3657917"/>
+            <a:ext cx="4400931" cy="3840813"/>
           </a:xfrm>
         </p:spPr>
       </p:pic>
@@ -17961,7 +18490,7 @@
         <p:spPr>
           <a:xfrm>
             <a:off x="6667318" y="2250123"/>
-            <a:ext cx="4191363" cy="3657917"/>
+            <a:ext cx="4400931" cy="3840813"/>
           </a:xfrm>
         </p:spPr>
       </p:pic>
@@ -18170,13 +18699,13 @@
               <a:t>/</a:t>
             </a:r>
             <a:r>
-              <a:rPr lang="zh-CN" altLang="en-US">
+              <a:rPr lang="zh-CN" altLang="en-US" dirty="0">
                 <a:latin typeface="Consolas" panose="020B0609020204030204" pitchFamily="49" charset="0"/>
               </a:rPr>
               <a:t>终端</a:t>
             </a:r>
             <a:r>
-              <a:rPr lang="zh-CN" altLang="en-US"/>
+              <a:rPr lang="zh-CN" altLang="en-US" dirty="0"/>
               <a:t>输出窗口中给出的错误报告信息</a:t>
             </a:r>
             <a:endParaRPr lang="en-US" altLang="zh-CN" dirty="0"/>
@@ -18804,11 +19333,7 @@
             </a:r>
             <a:r>
               <a:rPr lang="zh-CN" altLang="en-US" dirty="0"/>
-              <a:t>编程</a:t>
-            </a:r>
-            <a:r>
-              <a:rPr lang="zh-CN" altLang="en-US"/>
-              <a:t>环境简介</a:t>
+              <a:t>编程环境简介</a:t>
             </a:r>
             <a:endParaRPr lang="en-US" altLang="zh-CN" dirty="0"/>
           </a:p>
@@ -23213,24 +23738,53 @@
               <a:buNone/>
             </a:pPr>
             <a:r>
-              <a:rPr lang="zh-CN" altLang="en-US" dirty="0"/>
+              <a:rPr lang="zh-CN" altLang="en-US" b="1" dirty="0">
+                <a:solidFill>
+                  <a:schemeClr val="accent1">
+                    <a:lumMod val="50000"/>
+                  </a:schemeClr>
+                </a:solidFill>
+              </a:rPr>
               <a:t>书中使用 </a:t>
             </a:r>
             <a:r>
-              <a:rPr lang="en-US" altLang="zh-CN" dirty="0">
+              <a:rPr lang="en-US" altLang="zh-CN" b="1" dirty="0">
+                <a:solidFill>
+                  <a:schemeClr val="accent1">
+                    <a:lumMod val="50000"/>
+                  </a:schemeClr>
+                </a:solidFill>
                 <a:latin typeface="Consolas" panose="020B0609020204030204" pitchFamily="49" charset="0"/>
               </a:rPr>
               <a:t>3.11</a:t>
             </a:r>
             <a:r>
-              <a:rPr lang="en-US" altLang="zh-CN" dirty="0"/>
+              <a:rPr lang="en-US" altLang="zh-CN" b="1" dirty="0">
+                <a:solidFill>
+                  <a:schemeClr val="accent1">
+                    <a:lumMod val="50000"/>
+                  </a:schemeClr>
+                </a:solidFill>
+              </a:rPr>
               <a:t> </a:t>
             </a:r>
             <a:r>
-              <a:rPr lang="zh-CN" altLang="en-US" dirty="0"/>
+              <a:rPr lang="zh-CN" altLang="en-US" b="1" dirty="0">
+                <a:solidFill>
+                  <a:schemeClr val="accent1">
+                    <a:lumMod val="50000"/>
+                  </a:schemeClr>
+                </a:solidFill>
+              </a:rPr>
               <a:t>版本运行代码</a:t>
             </a:r>
-            <a:endParaRPr lang="en-US" altLang="zh-CN" dirty="0"/>
+            <a:endParaRPr lang="en-US" altLang="zh-CN" b="1" dirty="0">
+              <a:solidFill>
+                <a:schemeClr val="accent1">
+                  <a:lumMod val="50000"/>
+                </a:schemeClr>
+              </a:solidFill>
+            </a:endParaRPr>
           </a:p>
         </p:txBody>
       </p:sp>
@@ -24269,7 +24823,7 @@
           <p:nvPr/>
         </p:nvPicPr>
         <p:blipFill>
-          <a:blip r:embed="rId2">
+          <a:blip r:embed="rId3">
             <a:extLst>
               <a:ext uri="{28A0092B-C50C-407E-A947-70E740481C1C}">
                 <a14:useLocalDpi xmlns:a14="http://schemas.microsoft.com/office/drawing/2010/main" val="0"/>
@@ -24305,7 +24859,7 @@
           <p:nvPr/>
         </p:nvPicPr>
         <p:blipFill>
-          <a:blip r:embed="rId3"/>
+          <a:blip r:embed="rId4"/>
           <a:stretch>
             <a:fillRect/>
           </a:stretch>
@@ -24593,17 +25147,8 @@
                 <a:highlight>
                   <a:srgbClr val="FFFFFF"/>
                 </a:highlight>
-                <a:latin typeface="Consolas" panose="020B0609020204030204" pitchFamily="49" charset="0"/>
-              </a:rPr>
-              <a:t>Python</a:t>
-            </a:r>
-            <a:r>
-              <a:rPr lang="en-US" altLang="zh-CN" dirty="0">
-                <a:highlight>
-                  <a:srgbClr val="FFFFFF"/>
-                </a:highlight>
-              </a:rPr>
-              <a:t> </a:t>
+              </a:rPr>
+              <a:t>Python </a:t>
             </a:r>
             <a:r>
               <a:rPr lang="zh-CN" altLang="en-US" dirty="0">
@@ -24611,7 +25156,16 @@
                   <a:srgbClr val="FFFFFF"/>
                 </a:highlight>
               </a:rPr>
-              <a:t>解释器版本号，</a:t>
+              <a:t>解释器的版本号，</a:t>
+            </a:r>
+            <a:r>
+              <a:rPr lang="zh-CN" altLang="en-US" b="1" dirty="0">
+                <a:highlight>
+                  <a:srgbClr val="FFFFFF"/>
+                </a:highlight>
+                <a:latin typeface="Consolas" panose="020B0609020204030204" pitchFamily="49" charset="0"/>
+              </a:rPr>
+              <a:t>即</a:t>
             </a:r>
             <a:r>
               <a:rPr lang="zh-CN" altLang="en-US" b="1" dirty="0">
@@ -24629,22 +25183,6 @@
                 <a:latin typeface="Consolas" panose="020B0609020204030204" pitchFamily="49" charset="0"/>
               </a:rPr>
               <a:t>3.11.0</a:t>
-            </a:r>
-            <a:r>
-              <a:rPr lang="en-US" altLang="zh-CN" b="1" dirty="0">
-                <a:highlight>
-                  <a:srgbClr val="FFFFFF"/>
-                </a:highlight>
-              </a:rPr>
-              <a:t> </a:t>
-            </a:r>
-            <a:r>
-              <a:rPr lang="zh-CN" altLang="en-US" b="1" dirty="0">
-                <a:highlight>
-                  <a:srgbClr val="FFFFFF"/>
-                </a:highlight>
-              </a:rPr>
-              <a:t>为版本号</a:t>
             </a:r>
             <a:endParaRPr lang="en-US" altLang="zh-CN" b="1" dirty="0">
               <a:highlight>

--- a/PPT/python1.pptx
+++ b/PPT/python1.pptx
@@ -157,6 +157,30 @@
 <file path=ppt/changesInfos/changesInfo1.xml><?xml version="1.0" encoding="utf-8"?>
 <pc:chgInfo xmlns:a="http://schemas.openxmlformats.org/drawingml/2006/main" xmlns:r="http://schemas.openxmlformats.org/officeDocument/2006/relationships" xmlns:ac="http://schemas.microsoft.com/office/drawing/2013/main/command" xmlns:pc="http://schemas.microsoft.com/office/powerpoint/2013/main/command">
   <pc:docChgLst>
+    <pc:chgData name="Scruel Tao" userId="5ea5c98d59b44d4b" providerId="LiveId" clId="{8EAED540-8A80-49F0-B104-556597C30F3B}"/>
+    <pc:docChg chg="modSld">
+      <pc:chgData name="Scruel Tao" userId="5ea5c98d59b44d4b" providerId="LiveId" clId="{8EAED540-8A80-49F0-B104-556597C30F3B}" dt="2023-08-15T03:05:48.078" v="0" actId="2711"/>
+      <pc:docMkLst>
+        <pc:docMk/>
+      </pc:docMkLst>
+      <pc:sldChg chg="modSp mod">
+        <pc:chgData name="Scruel Tao" userId="5ea5c98d59b44d4b" providerId="LiveId" clId="{8EAED540-8A80-49F0-B104-556597C30F3B}" dt="2023-08-15T03:05:48.078" v="0" actId="2711"/>
+        <pc:sldMkLst>
+          <pc:docMk/>
+          <pc:sldMk cId="3625446739" sldId="366"/>
+        </pc:sldMkLst>
+        <pc:spChg chg="mod">
+          <ac:chgData name="Scruel Tao" userId="5ea5c98d59b44d4b" providerId="LiveId" clId="{8EAED540-8A80-49F0-B104-556597C30F3B}" dt="2023-08-15T03:05:48.078" v="0" actId="2711"/>
+          <ac:spMkLst>
+            <pc:docMk/>
+            <pc:sldMk cId="3625446739" sldId="366"/>
+            <ac:spMk id="5" creationId="{14B5F31E-85DD-B8D9-9ED7-E32A03C57260}"/>
+          </ac:spMkLst>
+        </pc:spChg>
+      </pc:sldChg>
+    </pc:docChg>
+  </pc:docChgLst>
+  <pc:docChgLst>
     <pc:chgData name="Scruel Tao" userId="5ea5c98d59b44d4b" providerId="LiveId" clId="{2BA6F94F-59B6-4AA6-9DB6-4A8227DBE37E}"/>
     <pc:docChg chg="undo redo custSel addSld delSld modSld sldOrd modMainMaster">
       <pc:chgData name="Scruel Tao" userId="5ea5c98d59b44d4b" providerId="LiveId" clId="{2BA6F94F-59B6-4AA6-9DB6-4A8227DBE37E}" dt="2023-04-06T03:22:01.021" v="6326" actId="20577"/>
@@ -4865,7 +4889,7 @@
           <a:p>
             <a:fld id="{AC7E1972-C479-4420-A687-8FB83BA90DEB}" type="datetimeFigureOut">
               <a:rPr lang="zh-CN" altLang="en-US" smtClean="0"/>
-              <a:t>2023/8/14</a:t>
+              <a:t>2023/8/15</a:t>
             </a:fld>
             <a:endParaRPr lang="zh-CN" altLang="en-US"/>
           </a:p>
@@ -5042,7 +5066,7 @@
           <a:p>
             <a:fld id="{89B7AB8D-BCC0-43C6-B24C-055A25DB558F}" type="datetimeFigureOut">
               <a:rPr lang="zh-CN" altLang="en-US" smtClean="0"/>
-              <a:t>2023/8/14</a:t>
+              <a:t>2023/8/15</a:t>
             </a:fld>
             <a:endParaRPr lang="zh-CN" altLang="en-US"/>
           </a:p>
@@ -8465,7 +8489,7 @@
           <a:p>
             <a:fld id="{F721228B-0167-4061-A906-8575043315EE}" type="datetimeFigureOut">
               <a:rPr lang="zh-CN" altLang="en-US" smtClean="0"/>
-              <a:t>2023/8/14</a:t>
+              <a:t>2023/8/15</a:t>
             </a:fld>
             <a:endParaRPr lang="zh-CN" altLang="en-US"/>
           </a:p>
@@ -8675,7 +8699,7 @@
           <a:p>
             <a:fld id="{F721228B-0167-4061-A906-8575043315EE}" type="datetimeFigureOut">
               <a:rPr lang="zh-CN" altLang="en-US" smtClean="0"/>
-              <a:t>2023/8/14</a:t>
+              <a:t>2023/8/15</a:t>
             </a:fld>
             <a:endParaRPr lang="zh-CN" altLang="en-US"/>
           </a:p>
@@ -8895,7 +8919,7 @@
           <a:p>
             <a:fld id="{F721228B-0167-4061-A906-8575043315EE}" type="datetimeFigureOut">
               <a:rPr lang="zh-CN" altLang="en-US" smtClean="0"/>
-              <a:t>2023/8/14</a:t>
+              <a:t>2023/8/15</a:t>
             </a:fld>
             <a:endParaRPr lang="zh-CN" altLang="en-US"/>
           </a:p>
@@ -9392,7 +9416,7 @@
           <a:p>
             <a:fld id="{F721228B-0167-4061-A906-8575043315EE}" type="datetimeFigureOut">
               <a:rPr lang="zh-CN" altLang="en-US" smtClean="0"/>
-              <a:t>2023/8/14</a:t>
+              <a:t>2023/8/15</a:t>
             </a:fld>
             <a:endParaRPr lang="zh-CN" altLang="en-US"/>
           </a:p>
@@ -9728,7 +9752,7 @@
           <a:p>
             <a:fld id="{F721228B-0167-4061-A906-8575043315EE}" type="datetimeFigureOut">
               <a:rPr lang="zh-CN" altLang="en-US" smtClean="0"/>
-              <a:t>2023/8/14</a:t>
+              <a:t>2023/8/15</a:t>
             </a:fld>
             <a:endParaRPr lang="zh-CN" altLang="en-US"/>
           </a:p>
@@ -10086,7 +10110,7 @@
           <a:p>
             <a:fld id="{F721228B-0167-4061-A906-8575043315EE}" type="datetimeFigureOut">
               <a:rPr lang="zh-CN" altLang="en-US" smtClean="0"/>
-              <a:t>2023/8/14</a:t>
+              <a:t>2023/8/15</a:t>
             </a:fld>
             <a:endParaRPr lang="zh-CN" altLang="en-US"/>
           </a:p>
@@ -10559,7 +10583,7 @@
           <a:p>
             <a:fld id="{F721228B-0167-4061-A906-8575043315EE}" type="datetimeFigureOut">
               <a:rPr lang="zh-CN" altLang="en-US" smtClean="0"/>
-              <a:t>2023/8/14</a:t>
+              <a:t>2023/8/15</a:t>
             </a:fld>
             <a:endParaRPr lang="zh-CN" altLang="en-US"/>
           </a:p>
@@ -10712,7 +10736,7 @@
           <a:p>
             <a:fld id="{F721228B-0167-4061-A906-8575043315EE}" type="datetimeFigureOut">
               <a:rPr lang="zh-CN" altLang="en-US" smtClean="0"/>
-              <a:t>2023/8/14</a:t>
+              <a:t>2023/8/15</a:t>
             </a:fld>
             <a:endParaRPr lang="zh-CN" altLang="en-US"/>
           </a:p>
@@ -10837,7 +10861,7 @@
           <a:p>
             <a:fld id="{F721228B-0167-4061-A906-8575043315EE}" type="datetimeFigureOut">
               <a:rPr lang="zh-CN" altLang="en-US" smtClean="0"/>
-              <a:t>2023/8/14</a:t>
+              <a:t>2023/8/15</a:t>
             </a:fld>
             <a:endParaRPr lang="zh-CN" altLang="en-US"/>
           </a:p>
@@ -11160,7 +11184,7 @@
           <a:p>
             <a:fld id="{F721228B-0167-4061-A906-8575043315EE}" type="datetimeFigureOut">
               <a:rPr lang="zh-CN" altLang="en-US" smtClean="0"/>
-              <a:t>2023/8/14</a:t>
+              <a:t>2023/8/15</a:t>
             </a:fld>
             <a:endParaRPr lang="zh-CN" altLang="en-US"/>
           </a:p>
@@ -11460,7 +11484,7 @@
           <a:p>
             <a:fld id="{F721228B-0167-4061-A906-8575043315EE}" type="datetimeFigureOut">
               <a:rPr lang="zh-CN" altLang="en-US" smtClean="0"/>
-              <a:t>2023/8/14</a:t>
+              <a:t>2023/8/15</a:t>
             </a:fld>
             <a:endParaRPr lang="zh-CN" altLang="en-US"/>
           </a:p>
@@ -11713,7 +11737,7 @@
           <a:p>
             <a:fld id="{F721228B-0167-4061-A906-8575043315EE}" type="datetimeFigureOut">
               <a:rPr lang="zh-CN" altLang="en-US" smtClean="0"/>
-              <a:t>2023/8/14</a:t>
+              <a:t>2023/8/15</a:t>
             </a:fld>
             <a:endParaRPr lang="zh-CN" altLang="en-US"/>
           </a:p>
@@ -12182,7 +12206,7 @@
           <a:p>
             <a:pPr algn="ctr"/>
             <a:r>
-              <a:rPr lang="en-US" altLang="zh-CN">
+              <a:rPr lang="en-US" altLang="zh-CN" dirty="0">
                 <a:solidFill>
                   <a:schemeClr val="tx1">
                     <a:lumMod val="95000"/>
@@ -12200,26 +12224,6 @@
                 <a:ea typeface="华文琥珀" panose="02010800040101010101" pitchFamily="2" charset="-122"/>
               </a:rPr>
               <a:t>Python </a:t>
-            </a:r>
-            <a:r>
-              <a:rPr lang="zh-CN" altLang="en-US">
-                <a:solidFill>
-                  <a:schemeClr val="tx1">
-                    <a:lumMod val="95000"/>
-                    <a:lumOff val="5000"/>
-                  </a:schemeClr>
-                </a:solidFill>
-                <a:effectLst>
-                  <a:outerShdw blurRad="38100" dist="38100" dir="2700000" algn="tl">
-                    <a:srgbClr val="000000">
-                      <a:alpha val="43137"/>
-                    </a:srgbClr>
-                  </a:outerShdw>
-                </a:effectLst>
-                <a:latin typeface="华文琥珀" panose="02010800040101010101" pitchFamily="2" charset="-122"/>
-                <a:ea typeface="华文琥珀" panose="02010800040101010101" pitchFamily="2" charset="-122"/>
-              </a:rPr>
-              <a:t>编程</a:t>
             </a:r>
             <a:r>
               <a:rPr lang="zh-CN" altLang="en-US" dirty="0">
@@ -12239,7 +12243,7 @@
                 <a:latin typeface="华文琥珀" panose="02010800040101010101" pitchFamily="2" charset="-122"/>
                 <a:ea typeface="华文琥珀" panose="02010800040101010101" pitchFamily="2" charset="-122"/>
               </a:rPr>
-              <a:t>：从入门到实践</a:t>
+              <a:t>编程：从入门到实践</a:t>
             </a:r>
             <a:br>
               <a:rPr lang="en-US" altLang="zh-CN" dirty="0">
@@ -15531,7 +15535,9 @@
           <a:lstStyle/>
           <a:p>
             <a:r>
-              <a:rPr lang="zh-CN" altLang="en-US" dirty="0"/>
+              <a:rPr lang="zh-CN" altLang="en-US" dirty="0">
+                <a:latin typeface="华文琥珀" panose="02010800040101010101" pitchFamily="2" charset="-122"/>
+              </a:rPr>
               <a:t>关于本讲义</a:t>
             </a:r>
           </a:p>

--- a/PPT/python1.pptx
+++ b/PPT/python1.pptx
@@ -158,11 +158,26 @@
 <pc:chgInfo xmlns:a="http://schemas.openxmlformats.org/drawingml/2006/main" xmlns:r="http://schemas.openxmlformats.org/officeDocument/2006/relationships" xmlns:ac="http://schemas.microsoft.com/office/drawing/2013/main/command" xmlns:pc="http://schemas.microsoft.com/office/powerpoint/2013/main/command">
   <pc:docChgLst>
     <pc:chgData name="Scruel Tao" userId="5ea5c98d59b44d4b" providerId="LiveId" clId="{8EAED540-8A80-49F0-B104-556597C30F3B}"/>
-    <pc:docChg chg="modSld">
-      <pc:chgData name="Scruel Tao" userId="5ea5c98d59b44d4b" providerId="LiveId" clId="{8EAED540-8A80-49F0-B104-556597C30F3B}" dt="2023-08-15T03:05:48.078" v="0" actId="2711"/>
+    <pc:docChg chg="custSel addSld modSld sldOrd">
+      <pc:chgData name="Scruel Tao" userId="5ea5c98d59b44d4b" providerId="LiveId" clId="{8EAED540-8A80-49F0-B104-556597C30F3B}" dt="2023-09-14T04:58:31.685" v="466" actId="20577"/>
       <pc:docMkLst>
         <pc:docMk/>
       </pc:docMkLst>
+      <pc:sldChg chg="modSp mod modNotesTx">
+        <pc:chgData name="Scruel Tao" userId="5ea5c98d59b44d4b" providerId="LiveId" clId="{8EAED540-8A80-49F0-B104-556597C30F3B}" dt="2023-09-14T04:58:31.685" v="466" actId="20577"/>
+        <pc:sldMkLst>
+          <pc:docMk/>
+          <pc:sldMk cId="3351160539" sldId="261"/>
+        </pc:sldMkLst>
+        <pc:spChg chg="mod">
+          <ac:chgData name="Scruel Tao" userId="5ea5c98d59b44d4b" providerId="LiveId" clId="{8EAED540-8A80-49F0-B104-556597C30F3B}" dt="2023-09-14T04:56:18.429" v="142" actId="14100"/>
+          <ac:spMkLst>
+            <pc:docMk/>
+            <pc:sldMk cId="3351160539" sldId="261"/>
+            <ac:spMk id="14" creationId="{670E3534-8F35-5B26-8418-171E013CEE09}"/>
+          </ac:spMkLst>
+        </pc:spChg>
+      </pc:sldChg>
       <pc:sldChg chg="modSp mod">
         <pc:chgData name="Scruel Tao" userId="5ea5c98d59b44d4b" providerId="LiveId" clId="{8EAED540-8A80-49F0-B104-556597C30F3B}" dt="2023-08-15T03:05:48.078" v="0" actId="2711"/>
         <pc:sldMkLst>
@@ -177,6 +192,53 @@
             <ac:spMk id="5" creationId="{14B5F31E-85DD-B8D9-9ED7-E32A03C57260}"/>
           </ac:spMkLst>
         </pc:spChg>
+      </pc:sldChg>
+      <pc:sldChg chg="addSp delSp modSp add mod ord delAnim">
+        <pc:chgData name="Scruel Tao" userId="5ea5c98d59b44d4b" providerId="LiveId" clId="{8EAED540-8A80-49F0-B104-556597C30F3B}" dt="2023-09-14T04:56:08.212" v="139" actId="21"/>
+        <pc:sldMkLst>
+          <pc:docMk/>
+          <pc:sldMk cId="1292145" sldId="377"/>
+        </pc:sldMkLst>
+        <pc:spChg chg="mod">
+          <ac:chgData name="Scruel Tao" userId="5ea5c98d59b44d4b" providerId="LiveId" clId="{8EAED540-8A80-49F0-B104-556597C30F3B}" dt="2023-09-14T04:56:02.390" v="136" actId="20577"/>
+          <ac:spMkLst>
+            <pc:docMk/>
+            <pc:sldMk cId="1292145" sldId="377"/>
+            <ac:spMk id="2" creationId="{ABA783DF-49A6-7EF1-661E-C574E2C2F386}"/>
+          </ac:spMkLst>
+        </pc:spChg>
+        <pc:spChg chg="add mod">
+          <ac:chgData name="Scruel Tao" userId="5ea5c98d59b44d4b" providerId="LiveId" clId="{8EAED540-8A80-49F0-B104-556597C30F3B}" dt="2023-09-14T04:56:05.028" v="138" actId="21"/>
+          <ac:spMkLst>
+            <pc:docMk/>
+            <pc:sldMk cId="1292145" sldId="377"/>
+            <ac:spMk id="4" creationId="{C963C569-0B0D-5422-217B-9C9D6339CD49}"/>
+          </ac:spMkLst>
+        </pc:spChg>
+        <pc:spChg chg="mod">
+          <ac:chgData name="Scruel Tao" userId="5ea5c98d59b44d4b" providerId="LiveId" clId="{8EAED540-8A80-49F0-B104-556597C30F3B}" dt="2023-09-14T04:56:03.953" v="137" actId="21"/>
+          <ac:spMkLst>
+            <pc:docMk/>
+            <pc:sldMk cId="1292145" sldId="377"/>
+            <ac:spMk id="5" creationId="{334FF01F-2A65-44F6-34F9-69AC934A31D7}"/>
+          </ac:spMkLst>
+        </pc:spChg>
+        <pc:spChg chg="del">
+          <ac:chgData name="Scruel Tao" userId="5ea5c98d59b44d4b" providerId="LiveId" clId="{8EAED540-8A80-49F0-B104-556597C30F3B}" dt="2023-09-14T04:56:08.212" v="139" actId="21"/>
+          <ac:spMkLst>
+            <pc:docMk/>
+            <pc:sldMk cId="1292145" sldId="377"/>
+            <ac:spMk id="14" creationId="{670E3534-8F35-5B26-8418-171E013CEE09}"/>
+          </ac:spMkLst>
+        </pc:spChg>
+        <pc:picChg chg="del">
+          <ac:chgData name="Scruel Tao" userId="5ea5c98d59b44d4b" providerId="LiveId" clId="{8EAED540-8A80-49F0-B104-556597C30F3B}" dt="2023-09-14T04:56:05.028" v="138" actId="21"/>
+          <ac:picMkLst>
+            <pc:docMk/>
+            <pc:sldMk cId="1292145" sldId="377"/>
+            <ac:picMk id="13" creationId="{7C633EC2-82A6-5F6A-D9A3-326C1E77FDA3}"/>
+          </ac:picMkLst>
+        </pc:picChg>
       </pc:sldChg>
     </pc:docChg>
   </pc:docChgLst>
@@ -4654,8 +4716,8 @@
   </pc:docChgLst>
   <pc:docChgLst>
     <pc:chgData name="Scruel Tao" userId="5ea5c98d59b44d4b" providerId="LiveId" clId="{F2F99C1F-7DFD-4850-835A-88AC504601BD}"/>
-    <pc:docChg chg="undo custSel modSld">
-      <pc:chgData name="Scruel Tao" userId="5ea5c98d59b44d4b" providerId="LiveId" clId="{F2F99C1F-7DFD-4850-835A-88AC504601BD}" dt="2023-08-13T17:27:47.120" v="1554" actId="20577"/>
+    <pc:docChg chg="undo custSel delSld modSld">
+      <pc:chgData name="Scruel Tao" userId="5ea5c98d59b44d4b" providerId="LiveId" clId="{F2F99C1F-7DFD-4850-835A-88AC504601BD}" dt="2023-12-03T14:24:02.020" v="2438"/>
       <pc:docMkLst>
         <pc:docMk/>
       </pc:docMkLst>
@@ -4689,7 +4751,7 @@
         </pc:sldMkLst>
       </pc:sldChg>
       <pc:sldChg chg="modSp modNotesTx">
-        <pc:chgData name="Scruel Tao" userId="5ea5c98d59b44d4b" providerId="LiveId" clId="{F2F99C1F-7DFD-4850-835A-88AC504601BD}" dt="2023-08-12T11:19:33.431" v="789" actId="20577"/>
+        <pc:chgData name="Scruel Tao" userId="5ea5c98d59b44d4b" providerId="LiveId" clId="{F2F99C1F-7DFD-4850-835A-88AC504601BD}" dt="2023-12-02T09:47:19.048" v="1956" actId="20577"/>
         <pc:sldMkLst>
           <pc:docMk/>
           <pc:sldMk cId="3725727672" sldId="264"/>
@@ -4704,17 +4766,63 @@
         </pc:spChg>
       </pc:sldChg>
       <pc:sldChg chg="modNotesTx">
-        <pc:chgData name="Scruel Tao" userId="5ea5c98d59b44d4b" providerId="LiveId" clId="{F2F99C1F-7DFD-4850-835A-88AC504601BD}" dt="2023-08-12T11:13:27.783" v="701" actId="20577"/>
+        <pc:chgData name="Scruel Tao" userId="5ea5c98d59b44d4b" providerId="LiveId" clId="{F2F99C1F-7DFD-4850-835A-88AC504601BD}" dt="2023-12-02T09:43:14.732" v="1803" actId="20577"/>
         <pc:sldMkLst>
           <pc:docMk/>
           <pc:sldMk cId="192831406" sldId="270"/>
         </pc:sldMkLst>
       </pc:sldChg>
-      <pc:sldChg chg="modNotesTx">
-        <pc:chgData name="Scruel Tao" userId="5ea5c98d59b44d4b" providerId="LiveId" clId="{F2F99C1F-7DFD-4850-835A-88AC504601BD}" dt="2023-08-12T11:24:19.486" v="1154" actId="20577"/>
+      <pc:sldChg chg="addSp modSp mod modAnim modNotesTx">
+        <pc:chgData name="Scruel Tao" userId="5ea5c98d59b44d4b" providerId="LiveId" clId="{F2F99C1F-7DFD-4850-835A-88AC504601BD}" dt="2023-12-02T09:54:44.877" v="1972"/>
         <pc:sldMkLst>
           <pc:docMk/>
           <pc:sldMk cId="555885545" sldId="271"/>
+        </pc:sldMkLst>
+        <pc:spChg chg="add mod">
+          <ac:chgData name="Scruel Tao" userId="5ea5c98d59b44d4b" providerId="LiveId" clId="{F2F99C1F-7DFD-4850-835A-88AC504601BD}" dt="2023-12-02T09:54:20.153" v="1970" actId="1076"/>
+          <ac:spMkLst>
+            <pc:docMk/>
+            <pc:sldMk cId="555885545" sldId="271"/>
+            <ac:spMk id="4" creationId="{164C637D-E8E2-D8F7-F848-8C0CABBFE0F5}"/>
+          </ac:spMkLst>
+        </pc:spChg>
+        <pc:picChg chg="mod">
+          <ac:chgData name="Scruel Tao" userId="5ea5c98d59b44d4b" providerId="LiveId" clId="{F2F99C1F-7DFD-4850-835A-88AC504601BD}" dt="2023-12-02T09:54:12.832" v="1968" actId="1076"/>
+          <ac:picMkLst>
+            <pc:docMk/>
+            <pc:sldMk cId="555885545" sldId="271"/>
+            <ac:picMk id="13" creationId="{E02580EA-DC05-D002-FEB4-DD7CC58CFB9E}"/>
+          </ac:picMkLst>
+        </pc:picChg>
+      </pc:sldChg>
+      <pc:sldChg chg="modSp mod modAnim">
+        <pc:chgData name="Scruel Tao" userId="5ea5c98d59b44d4b" providerId="LiveId" clId="{F2F99C1F-7DFD-4850-835A-88AC504601BD}" dt="2023-12-02T10:08:11.112" v="2434" actId="1076"/>
+        <pc:sldMkLst>
+          <pc:docMk/>
+          <pc:sldMk cId="1518949093" sldId="272"/>
+        </pc:sldMkLst>
+        <pc:spChg chg="mod">
+          <ac:chgData name="Scruel Tao" userId="5ea5c98d59b44d4b" providerId="LiveId" clId="{F2F99C1F-7DFD-4850-835A-88AC504601BD}" dt="2023-12-02T10:08:07.021" v="2433" actId="20577"/>
+          <ac:spMkLst>
+            <pc:docMk/>
+            <pc:sldMk cId="1518949093" sldId="272"/>
+            <ac:spMk id="3" creationId="{939F03AE-10F4-D882-D99A-D5393469A114}"/>
+          </ac:spMkLst>
+        </pc:spChg>
+        <pc:spChg chg="mod">
+          <ac:chgData name="Scruel Tao" userId="5ea5c98d59b44d4b" providerId="LiveId" clId="{F2F99C1F-7DFD-4850-835A-88AC504601BD}" dt="2023-12-02T10:08:11.112" v="2434" actId="1076"/>
+          <ac:spMkLst>
+            <pc:docMk/>
+            <pc:sldMk cId="1518949093" sldId="272"/>
+            <ac:spMk id="4" creationId="{7F9F47DD-E49D-A929-FBF6-0571BAC29FB6}"/>
+          </ac:spMkLst>
+        </pc:spChg>
+      </pc:sldChg>
+      <pc:sldChg chg="modNotesTx">
+        <pc:chgData name="Scruel Tao" userId="5ea5c98d59b44d4b" providerId="LiveId" clId="{F2F99C1F-7DFD-4850-835A-88AC504601BD}" dt="2023-12-02T10:00:52.377" v="2402" actId="20577"/>
+        <pc:sldMkLst>
+          <pc:docMk/>
+          <pc:sldMk cId="1525970791" sldId="275"/>
         </pc:sldMkLst>
       </pc:sldChg>
       <pc:sldChg chg="modNotesTx">
@@ -4725,13 +4833,13 @@
         </pc:sldMkLst>
       </pc:sldChg>
       <pc:sldChg chg="modSp mod">
-        <pc:chgData name="Scruel Tao" userId="5ea5c98d59b44d4b" providerId="LiveId" clId="{F2F99C1F-7DFD-4850-835A-88AC504601BD}" dt="2023-08-12T11:18:02.927" v="731" actId="20577"/>
+        <pc:chgData name="Scruel Tao" userId="5ea5c98d59b44d4b" providerId="LiveId" clId="{F2F99C1F-7DFD-4850-835A-88AC504601BD}" dt="2023-12-02T09:44:34.348" v="1804" actId="20578"/>
         <pc:sldMkLst>
           <pc:docMk/>
           <pc:sldMk cId="1355169620" sldId="283"/>
         </pc:sldMkLst>
         <pc:spChg chg="mod">
-          <ac:chgData name="Scruel Tao" userId="5ea5c98d59b44d4b" providerId="LiveId" clId="{F2F99C1F-7DFD-4850-835A-88AC504601BD}" dt="2023-08-12T11:18:02.927" v="731" actId="20577"/>
+          <ac:chgData name="Scruel Tao" userId="5ea5c98d59b44d4b" providerId="LiveId" clId="{F2F99C1F-7DFD-4850-835A-88AC504601BD}" dt="2023-12-02T09:44:34.348" v="1804" actId="20578"/>
           <ac:spMkLst>
             <pc:docMk/>
             <pc:sldMk cId="1355169620" sldId="283"/>
@@ -4768,15 +4876,15 @@
           </ac:spMkLst>
         </pc:spChg>
       </pc:sldChg>
-      <pc:sldChg chg="modNotesTx">
-        <pc:chgData name="Scruel Tao" userId="5ea5c98d59b44d4b" providerId="LiveId" clId="{F2F99C1F-7DFD-4850-835A-88AC504601BD}" dt="2023-08-12T11:22:04.547" v="1014" actId="113"/>
+      <pc:sldChg chg="modTransition modNotesTx">
+        <pc:chgData name="Scruel Tao" userId="5ea5c98d59b44d4b" providerId="LiveId" clId="{F2F99C1F-7DFD-4850-835A-88AC504601BD}" dt="2023-12-03T14:23:50.477" v="2435"/>
         <pc:sldMkLst>
           <pc:docMk/>
           <pc:sldMk cId="2826834387" sldId="371"/>
         </pc:sldMkLst>
       </pc:sldChg>
-      <pc:sldChg chg="modSp mod">
-        <pc:chgData name="Scruel Tao" userId="5ea5c98d59b44d4b" providerId="LiveId" clId="{F2F99C1F-7DFD-4850-835A-88AC504601BD}" dt="2023-08-12T11:23:40.018" v="1129" actId="20577"/>
+      <pc:sldChg chg="modSp mod modTransition">
+        <pc:chgData name="Scruel Tao" userId="5ea5c98d59b44d4b" providerId="LiveId" clId="{F2F99C1F-7DFD-4850-835A-88AC504601BD}" dt="2023-12-03T14:23:53.462" v="2436"/>
         <pc:sldMkLst>
           <pc:docMk/>
           <pc:sldMk cId="883490720" sldId="372"/>
@@ -4789,6 +4897,27 @@
             <ac:spMk id="5" creationId="{334FF01F-2A65-44F6-34F9-69AC934A31D7}"/>
           </ac:spMkLst>
         </pc:spChg>
+      </pc:sldChg>
+      <pc:sldChg chg="modTransition modNotesTx">
+        <pc:chgData name="Scruel Tao" userId="5ea5c98d59b44d4b" providerId="LiveId" clId="{F2F99C1F-7DFD-4850-835A-88AC504601BD}" dt="2023-12-03T14:24:00.175" v="2437"/>
+        <pc:sldMkLst>
+          <pc:docMk/>
+          <pc:sldMk cId="1540976929" sldId="374"/>
+        </pc:sldMkLst>
+      </pc:sldChg>
+      <pc:sldChg chg="modTransition">
+        <pc:chgData name="Scruel Tao" userId="5ea5c98d59b44d4b" providerId="LiveId" clId="{F2F99C1F-7DFD-4850-835A-88AC504601BD}" dt="2023-12-03T14:24:02.020" v="2438"/>
+        <pc:sldMkLst>
+          <pc:docMk/>
+          <pc:sldMk cId="2094629854" sldId="376"/>
+        </pc:sldMkLst>
+      </pc:sldChg>
+      <pc:sldChg chg="del">
+        <pc:chgData name="Scruel Tao" userId="5ea5c98d59b44d4b" providerId="LiveId" clId="{F2F99C1F-7DFD-4850-835A-88AC504601BD}" dt="2023-12-02T09:52:27.797" v="1957" actId="47"/>
+        <pc:sldMkLst>
+          <pc:docMk/>
+          <pc:sldMk cId="1292145" sldId="377"/>
+        </pc:sldMkLst>
       </pc:sldChg>
     </pc:docChg>
   </pc:docChgLst>
@@ -4889,7 +5018,7 @@
           <a:p>
             <a:fld id="{AC7E1972-C479-4420-A687-8FB83BA90DEB}" type="datetimeFigureOut">
               <a:rPr lang="zh-CN" altLang="en-US" smtClean="0"/>
-              <a:t>2023/8/15</a:t>
+              <a:t>2023/12/3</a:t>
             </a:fld>
             <a:endParaRPr lang="zh-CN" altLang="en-US"/>
           </a:p>
@@ -5066,7 +5195,7 @@
           <a:p>
             <a:fld id="{89B7AB8D-BCC0-43C6-B24C-055A25DB558F}" type="datetimeFigureOut">
               <a:rPr lang="zh-CN" altLang="en-US" smtClean="0"/>
-              <a:t>2023/8/15</a:t>
+              <a:t>2023/12/3</a:t>
             </a:fld>
             <a:endParaRPr lang="zh-CN" altLang="en-US"/>
           </a:p>
@@ -5819,60 +5948,6 @@
           <a:lstStyle/>
           <a:p>
             <a:r>
-              <a:rPr lang="zh-CN" altLang="en-US" sz="1200" b="0" dirty="0">
-                <a:solidFill>
-                  <a:schemeClr val="accent1">
-                    <a:lumMod val="75000"/>
-                  </a:schemeClr>
-                </a:solidFill>
-                <a:latin typeface="微软雅黑" panose="020B0503020204020204" pitchFamily="34" charset="-122"/>
-                <a:ea typeface="微软雅黑" panose="020B0503020204020204" pitchFamily="34" charset="-122"/>
-              </a:rPr>
-              <a:t>幽默一下：国外视频网站上关于新建文件夹的教程，也就长达四个半小时，所以编程没有什么难的 </a:t>
-            </a:r>
-            <a:r>
-              <a:rPr lang="en-US" altLang="zh-CN" sz="1200" b="0" dirty="0">
-                <a:solidFill>
-                  <a:schemeClr val="accent1">
-                    <a:lumMod val="75000"/>
-                  </a:schemeClr>
-                </a:solidFill>
-                <a:latin typeface="微软雅黑" panose="020B0503020204020204" pitchFamily="34" charset="-122"/>
-                <a:ea typeface="微软雅黑" panose="020B0503020204020204" pitchFamily="34" charset="-122"/>
-              </a:rPr>
-              <a:t>:)</a:t>
-            </a:r>
-          </a:p>
-          <a:p>
-            <a:endParaRPr lang="en-US" altLang="zh-CN" sz="1200" b="0" dirty="0">
-              <a:solidFill>
-                <a:schemeClr val="accent1">
-                  <a:lumMod val="75000"/>
-                </a:schemeClr>
-              </a:solidFill>
-              <a:latin typeface="微软雅黑" panose="020B0503020204020204" pitchFamily="34" charset="-122"/>
-              <a:ea typeface="微软雅黑" panose="020B0503020204020204" pitchFamily="34" charset="-122"/>
-            </a:endParaRPr>
-          </a:p>
-          <a:p>
-            <a:pPr marL="0" marR="0" lvl="0" indent="0" algn="l" defTabSz="914400" rtl="0" eaLnBrk="1" fontAlgn="auto" latinLnBrk="0" hangingPunct="1">
-              <a:lnSpc>
-                <a:spcPct val="100000"/>
-              </a:lnSpc>
-              <a:spcBef>
-                <a:spcPts val="0"/>
-              </a:spcBef>
-              <a:spcAft>
-                <a:spcPts val="0"/>
-              </a:spcAft>
-              <a:buClrTx/>
-              <a:buSzTx/>
-              <a:buFontTx/>
-              <a:buNone/>
-              <a:tabLst/>
-              <a:defRPr/>
-            </a:pPr>
-            <a:r>
               <a:rPr lang="en-US" altLang="zh-CN" dirty="0"/>
               <a:t>When you want to start learning the base before you start coding</a:t>
             </a:r>
@@ -6182,6 +6257,10 @@
           <a:bodyPr/>
           <a:lstStyle/>
           <a:p>
+            <a:r>
+              <a:rPr lang="zh-CN" altLang="en-US" dirty="0"/>
+              <a:t>注：所有符号都是英文符号，输入前请确保不要使用中文输入法，请照着输入内容，不要有任何增改。</a:t>
+            </a:r>
             <a:endParaRPr lang="en-US" altLang="zh-CN" dirty="0"/>
           </a:p>
         </p:txBody>
@@ -6391,9 +6470,12 @@
             </a:r>
             <a:r>
               <a:rPr lang="zh-CN" altLang="en-US" dirty="0"/>
-              <a:t>来快速完成保存操作</a:t>
-            </a:r>
-            <a:endParaRPr lang="en-US" altLang="zh-CN" dirty="0"/>
+              <a:t>来快速完成保存操作，推荐大家习惯性在写任何东西的时候，都要按一下</a:t>
+            </a:r>
+            <a:r>
+              <a:rPr lang="en-US" altLang="zh-CN" dirty="0"/>
+              <a:t>~</a:t>
+            </a:r>
           </a:p>
         </p:txBody>
       </p:sp>
@@ -7773,7 +7855,7 @@
             </a:pPr>
             <a:r>
               <a:rPr lang="zh-CN" altLang="en-US" dirty="0"/>
-              <a:t>补充：附图为 </a:t>
+              <a:t>补充：附图是 </a:t>
             </a:r>
             <a:r>
               <a:rPr lang="en-US" altLang="zh-CN" dirty="0"/>
@@ -7781,7 +7863,7 @@
             </a:r>
             <a:r>
               <a:rPr lang="zh-CN" altLang="en-US" dirty="0"/>
-              <a:t>系统上的终端窗口（</a:t>
+              <a:t>系统上的终端窗口截图（使用 </a:t>
             </a:r>
             <a:r>
               <a:rPr lang="en-US" altLang="zh-CN" dirty="0" err="1"/>
@@ -7793,7 +7875,7 @@
             </a:r>
             <a:r>
               <a:rPr lang="zh-CN" altLang="en-US" dirty="0"/>
-              <a:t>终端</a:t>
+              <a:t>终端 </a:t>
             </a:r>
             <a:r>
               <a:rPr lang="en-US" altLang="zh-CN" dirty="0"/>
@@ -7801,8 +7883,21 @@
             </a:r>
             <a:r>
               <a:rPr lang="zh-CN" altLang="en-US" dirty="0"/>
-              <a:t>主题），其他系统的默认显示效果，虽然可能没有这么好看，但你没有必要提前涉及相关内容。</a:t>
-            </a:r>
+              <a:t>主题），其他终端窗口的默认显示效果可能没有这么好看，不过也是可以自定义色彩字体等配置的，不过这里建议暂时不要折腾相关配置，毕竟，我们应把重心放到 </a:t>
+            </a:r>
+            <a:r>
+              <a:rPr lang="en-US" altLang="zh-CN" dirty="0"/>
+              <a:t>Python </a:t>
+            </a:r>
+            <a:r>
+              <a:rPr lang="zh-CN" altLang="en-US" dirty="0"/>
+              <a:t>的</a:t>
+            </a:r>
+            <a:r>
+              <a:rPr lang="zh-CN" altLang="en-US"/>
+              <a:t>学习上来。</a:t>
+            </a:r>
+            <a:endParaRPr lang="zh-CN" altLang="en-US" dirty="0"/>
           </a:p>
         </p:txBody>
       </p:sp>
@@ -7888,7 +7983,7 @@
           <a:p>
             <a:r>
               <a:rPr lang="zh-CN" altLang="en-US" dirty="0"/>
-              <a:t>在其他系统中的“命令提示符”，一般被叫做终端（</a:t>
+              <a:t>“命令提示符”实际上是前一页提到的终端（</a:t>
             </a:r>
             <a:r>
               <a:rPr lang="en-US" altLang="zh-CN" dirty="0"/>
@@ -7896,7 +7991,7 @@
             </a:r>
             <a:r>
               <a:rPr lang="zh-CN" altLang="en-US" dirty="0"/>
-              <a:t>）</a:t>
+              <a:t>）的一种。</a:t>
             </a:r>
           </a:p>
         </p:txBody>
@@ -8067,7 +8162,41 @@
           <a:p>
             <a:r>
               <a:rPr lang="zh-CN" altLang="en-US" dirty="0"/>
-              <a:t>在 </a:t>
+              <a:t>注</a:t>
+            </a:r>
+            <a:r>
+              <a:rPr lang="en-US" altLang="zh-CN" dirty="0"/>
+              <a:t>1</a:t>
+            </a:r>
+            <a:r>
+              <a:rPr lang="zh-CN" altLang="en-US" dirty="0"/>
+              <a:t>：官网随着版本更新，可能不会默认给出</a:t>
+            </a:r>
+            <a:r>
+              <a:rPr lang="en-US" altLang="zh-CN" dirty="0"/>
+              <a:t> 3.11 </a:t>
+            </a:r>
+            <a:r>
+              <a:rPr lang="zh-CN" altLang="en-US" dirty="0"/>
+              <a:t>版本的链接，我们在这里给出：</a:t>
+            </a:r>
+            <a:r>
+              <a:rPr lang="en-US" altLang="zh-CN" dirty="0"/>
+              <a:t>https://www.python.org/ftp/python/3.11.6/python-3.11.6-amd64.exe</a:t>
+            </a:r>
+          </a:p>
+          <a:p>
+            <a:r>
+              <a:rPr lang="zh-CN" altLang="en-US" dirty="0"/>
+              <a:t>注</a:t>
+            </a:r>
+            <a:r>
+              <a:rPr lang="en-US" altLang="zh-CN" dirty="0"/>
+              <a:t>2</a:t>
+            </a:r>
+            <a:r>
+              <a:rPr lang="zh-CN" altLang="en-US" dirty="0"/>
+              <a:t>：在 </a:t>
             </a:r>
             <a:r>
               <a:rPr lang="en-US" altLang="zh-CN" dirty="0"/>
@@ -8109,6 +8238,10 @@
               <a:rPr lang="zh-CN" altLang="en-US" dirty="0"/>
               <a:t>分钟。</a:t>
             </a:r>
+            <a:endParaRPr lang="en-US" altLang="zh-CN" dirty="0"/>
+          </a:p>
+          <a:p>
+            <a:endParaRPr lang="zh-CN" altLang="en-US" dirty="0"/>
           </a:p>
         </p:txBody>
       </p:sp>
@@ -8489,7 +8622,7 @@
           <a:p>
             <a:fld id="{F721228B-0167-4061-A906-8575043315EE}" type="datetimeFigureOut">
               <a:rPr lang="zh-CN" altLang="en-US" smtClean="0"/>
-              <a:t>2023/8/15</a:t>
+              <a:t>2023/12/3</a:t>
             </a:fld>
             <a:endParaRPr lang="zh-CN" altLang="en-US"/>
           </a:p>
@@ -8699,7 +8832,7 @@
           <a:p>
             <a:fld id="{F721228B-0167-4061-A906-8575043315EE}" type="datetimeFigureOut">
               <a:rPr lang="zh-CN" altLang="en-US" smtClean="0"/>
-              <a:t>2023/8/15</a:t>
+              <a:t>2023/12/3</a:t>
             </a:fld>
             <a:endParaRPr lang="zh-CN" altLang="en-US"/>
           </a:p>
@@ -8919,7 +9052,7 @@
           <a:p>
             <a:fld id="{F721228B-0167-4061-A906-8575043315EE}" type="datetimeFigureOut">
               <a:rPr lang="zh-CN" altLang="en-US" smtClean="0"/>
-              <a:t>2023/8/15</a:t>
+              <a:t>2023/12/3</a:t>
             </a:fld>
             <a:endParaRPr lang="zh-CN" altLang="en-US"/>
           </a:p>
@@ -9416,7 +9549,7 @@
           <a:p>
             <a:fld id="{F721228B-0167-4061-A906-8575043315EE}" type="datetimeFigureOut">
               <a:rPr lang="zh-CN" altLang="en-US" smtClean="0"/>
-              <a:t>2023/8/15</a:t>
+              <a:t>2023/12/3</a:t>
             </a:fld>
             <a:endParaRPr lang="zh-CN" altLang="en-US"/>
           </a:p>
@@ -9752,7 +9885,7 @@
           <a:p>
             <a:fld id="{F721228B-0167-4061-A906-8575043315EE}" type="datetimeFigureOut">
               <a:rPr lang="zh-CN" altLang="en-US" smtClean="0"/>
-              <a:t>2023/8/15</a:t>
+              <a:t>2023/12/3</a:t>
             </a:fld>
             <a:endParaRPr lang="zh-CN" altLang="en-US"/>
           </a:p>
@@ -10110,7 +10243,7 @@
           <a:p>
             <a:fld id="{F721228B-0167-4061-A906-8575043315EE}" type="datetimeFigureOut">
               <a:rPr lang="zh-CN" altLang="en-US" smtClean="0"/>
-              <a:t>2023/8/15</a:t>
+              <a:t>2023/12/3</a:t>
             </a:fld>
             <a:endParaRPr lang="zh-CN" altLang="en-US"/>
           </a:p>
@@ -10583,7 +10716,7 @@
           <a:p>
             <a:fld id="{F721228B-0167-4061-A906-8575043315EE}" type="datetimeFigureOut">
               <a:rPr lang="zh-CN" altLang="en-US" smtClean="0"/>
-              <a:t>2023/8/15</a:t>
+              <a:t>2023/12/3</a:t>
             </a:fld>
             <a:endParaRPr lang="zh-CN" altLang="en-US"/>
           </a:p>
@@ -10736,7 +10869,7 @@
           <a:p>
             <a:fld id="{F721228B-0167-4061-A906-8575043315EE}" type="datetimeFigureOut">
               <a:rPr lang="zh-CN" altLang="en-US" smtClean="0"/>
-              <a:t>2023/8/15</a:t>
+              <a:t>2023/12/3</a:t>
             </a:fld>
             <a:endParaRPr lang="zh-CN" altLang="en-US"/>
           </a:p>
@@ -10861,7 +10994,7 @@
           <a:p>
             <a:fld id="{F721228B-0167-4061-A906-8575043315EE}" type="datetimeFigureOut">
               <a:rPr lang="zh-CN" altLang="en-US" smtClean="0"/>
-              <a:t>2023/8/15</a:t>
+              <a:t>2023/12/3</a:t>
             </a:fld>
             <a:endParaRPr lang="zh-CN" altLang="en-US"/>
           </a:p>
@@ -11184,7 +11317,7 @@
           <a:p>
             <a:fld id="{F721228B-0167-4061-A906-8575043315EE}" type="datetimeFigureOut">
               <a:rPr lang="zh-CN" altLang="en-US" smtClean="0"/>
-              <a:t>2023/8/15</a:t>
+              <a:t>2023/12/3</a:t>
             </a:fld>
             <a:endParaRPr lang="zh-CN" altLang="en-US"/>
           </a:p>
@@ -11484,7 +11617,7 @@
           <a:p>
             <a:fld id="{F721228B-0167-4061-A906-8575043315EE}" type="datetimeFigureOut">
               <a:rPr lang="zh-CN" altLang="en-US" smtClean="0"/>
-              <a:t>2023/8/15</a:t>
+              <a:t>2023/12/3</a:t>
             </a:fld>
             <a:endParaRPr lang="zh-CN" altLang="en-US"/>
           </a:p>
@@ -11737,7 +11870,7 @@
           <a:p>
             <a:fld id="{F721228B-0167-4061-A906-8575043315EE}" type="datetimeFigureOut">
               <a:rPr lang="zh-CN" altLang="en-US" smtClean="0"/>
-              <a:t>2023/8/15</a:t>
+              <a:t>2023/12/3</a:t>
             </a:fld>
             <a:endParaRPr lang="zh-CN" altLang="en-US"/>
           </a:p>
@@ -14156,13 +14289,13 @@
   <p:clrMapOvr>
     <a:masterClrMapping/>
   </p:clrMapOvr>
-  <mc:AlternateContent xmlns:mc="http://schemas.openxmlformats.org/markup-compatibility/2006" xmlns:p159="http://schemas.microsoft.com/office/powerpoint/2015/09/main">
-    <mc:Choice Requires="p159">
-      <p:transition spd="med">
+  <mc:AlternateContent xmlns:mc="http://schemas.openxmlformats.org/markup-compatibility/2006">
+    <mc:Choice xmlns:p159="http://schemas.microsoft.com/office/powerpoint/2015/09/main" Requires="p159">
+      <p:transition xmlns:p14="http://schemas.microsoft.com/office/powerpoint/2010/main" spd="med" p14:dur="700">
         <p159:morph option="byObject"/>
       </p:transition>
     </mc:Choice>
-    <mc:Fallback xmlns="">
+    <mc:Fallback>
       <p:transition spd="med">
         <p:fade/>
       </p:transition>
@@ -14600,13 +14733,13 @@
   <p:clrMapOvr>
     <a:masterClrMapping/>
   </p:clrMapOvr>
-  <mc:AlternateContent xmlns:mc="http://schemas.openxmlformats.org/markup-compatibility/2006" xmlns:p159="http://schemas.microsoft.com/office/powerpoint/2015/09/main">
-    <mc:Choice Requires="p159">
-      <p:transition spd="med">
+  <mc:AlternateContent xmlns:mc="http://schemas.openxmlformats.org/markup-compatibility/2006">
+    <mc:Choice xmlns:p159="http://schemas.microsoft.com/office/powerpoint/2015/09/main" Requires="p159">
+      <p:transition xmlns:p14="http://schemas.microsoft.com/office/powerpoint/2010/main" spd="med" p14:dur="700">
         <p159:morph option="byObject"/>
       </p:transition>
     </mc:Choice>
-    <mc:Fallback xmlns="">
+    <mc:Fallback>
       <p:transition spd="med">
         <p:fade/>
       </p:transition>
@@ -15049,7 +15182,7 @@
         </p:blipFill>
         <p:spPr>
           <a:xfrm>
-            <a:off x="2449514" y="3146326"/>
+            <a:off x="2449514" y="2976083"/>
             <a:ext cx="7292972" cy="2453853"/>
           </a:xfrm>
           <a:prstGeom prst="rect">
@@ -15057,6 +15190,86 @@
           </a:prstGeom>
         </p:spPr>
       </p:pic>
+      <p:sp>
+        <p:nvSpPr>
+          <p:cNvPr id="4" name="文本框 3">
+            <a:extLst>
+              <a:ext uri="{FF2B5EF4-FFF2-40B4-BE49-F238E27FC236}">
+                <a16:creationId xmlns:a16="http://schemas.microsoft.com/office/drawing/2014/main" id="{164C637D-E8E2-D8F7-F848-8C0CABBFE0F5}"/>
+              </a:ext>
+            </a:extLst>
+          </p:cNvPr>
+          <p:cNvSpPr txBox="1"/>
+          <p:nvPr/>
+        </p:nvSpPr>
+        <p:spPr>
+          <a:xfrm>
+            <a:off x="3217459" y="5707123"/>
+            <a:ext cx="5757081" cy="707886"/>
+          </a:xfrm>
+          <a:prstGeom prst="rect">
+            <a:avLst/>
+          </a:prstGeom>
+          <a:noFill/>
+        </p:spPr>
+        <p:txBody>
+          <a:bodyPr wrap="square">
+            <a:spAutoFit/>
+          </a:bodyPr>
+          <a:lstStyle/>
+          <a:p>
+            <a:pPr algn="ctr"/>
+            <a:r>
+              <a:rPr lang="zh-CN" altLang="en-US" sz="2000" b="1" dirty="0">
+                <a:solidFill>
+                  <a:schemeClr val="accent1">
+                    <a:lumMod val="75000"/>
+                  </a:schemeClr>
+                </a:solidFill>
+                <a:latin typeface="微软雅黑" panose="020B0503020204020204" pitchFamily="34" charset="-122"/>
+                <a:ea typeface="微软雅黑" panose="020B0503020204020204" pitchFamily="34" charset="-122"/>
+              </a:rPr>
+              <a:t>国外视频网站上关于新建文件夹的教程，</a:t>
+            </a:r>
+            <a:endParaRPr lang="en-US" altLang="zh-CN" sz="2000" b="1" dirty="0">
+              <a:solidFill>
+                <a:schemeClr val="accent1">
+                  <a:lumMod val="75000"/>
+                </a:schemeClr>
+              </a:solidFill>
+              <a:latin typeface="微软雅黑" panose="020B0503020204020204" pitchFamily="34" charset="-122"/>
+              <a:ea typeface="微软雅黑" panose="020B0503020204020204" pitchFamily="34" charset="-122"/>
+            </a:endParaRPr>
+          </a:p>
+          <a:p>
+            <a:pPr algn="ctr"/>
+            <a:r>
+              <a:rPr lang="zh-CN" altLang="en-US" sz="2000" b="1" dirty="0">
+                <a:solidFill>
+                  <a:schemeClr val="accent1">
+                    <a:lumMod val="75000"/>
+                  </a:schemeClr>
+                </a:solidFill>
+                <a:latin typeface="微软雅黑" panose="020B0503020204020204" pitchFamily="34" charset="-122"/>
+                <a:ea typeface="微软雅黑" panose="020B0503020204020204" pitchFamily="34" charset="-122"/>
+              </a:rPr>
+              <a:t>也就长达四个半小时，所以编程没有什么难的 </a:t>
+            </a:r>
+            <a:r>
+              <a:rPr lang="en-US" altLang="zh-CN" sz="2000" b="1" dirty="0">
+                <a:solidFill>
+                  <a:schemeClr val="accent1">
+                    <a:lumMod val="75000"/>
+                  </a:schemeClr>
+                </a:solidFill>
+                <a:latin typeface="微软雅黑" panose="020B0503020204020204" pitchFamily="34" charset="-122"/>
+                <a:ea typeface="微软雅黑" panose="020B0503020204020204" pitchFamily="34" charset="-122"/>
+              </a:rPr>
+              <a:t>:)</a:t>
+            </a:r>
+          </a:p>
+        </p:txBody>
+      </p:sp>
     </p:spTree>
     <p:extLst>
       <p:ext uri="{BB962C8B-B14F-4D97-AF65-F5344CB8AC3E}">
@@ -15079,6 +15292,120 @@
       </p:transition>
     </mc:Fallback>
   </mc:AlternateContent>
+  <p:timing>
+    <p:tnLst>
+      <p:par>
+        <p:cTn id="1" dur="indefinite" restart="never" nodeType="tmRoot">
+          <p:childTnLst>
+            <p:seq concurrent="1" nextAc="seek">
+              <p:cTn id="2" dur="indefinite" nodeType="mainSeq">
+                <p:childTnLst>
+                  <p:par>
+                    <p:cTn id="3" fill="hold">
+                      <p:stCondLst>
+                        <p:cond delay="indefinite"/>
+                      </p:stCondLst>
+                      <p:childTnLst>
+                        <p:par>
+                          <p:cTn id="4" fill="hold">
+                            <p:stCondLst>
+                              <p:cond delay="0"/>
+                            </p:stCondLst>
+                            <p:childTnLst>
+                              <p:par>
+                                <p:cTn id="5" presetID="1" presetClass="entr" presetSubtype="0" fill="hold" nodeType="clickEffect">
+                                  <p:stCondLst>
+                                    <p:cond delay="0"/>
+                                  </p:stCondLst>
+                                  <p:childTnLst>
+                                    <p:set>
+                                      <p:cBhvr>
+                                        <p:cTn id="6" dur="1" fill="hold">
+                                          <p:stCondLst>
+                                            <p:cond delay="0"/>
+                                          </p:stCondLst>
+                                        </p:cTn>
+                                        <p:tgtEl>
+                                          <p:spTgt spid="13"/>
+                                        </p:tgtEl>
+                                        <p:attrNameLst>
+                                          <p:attrName>style.visibility</p:attrName>
+                                        </p:attrNameLst>
+                                      </p:cBhvr>
+                                      <p:to>
+                                        <p:strVal val="visible"/>
+                                      </p:to>
+                                    </p:set>
+                                  </p:childTnLst>
+                                </p:cTn>
+                              </p:par>
+                            </p:childTnLst>
+                          </p:cTn>
+                        </p:par>
+                        <p:par>
+                          <p:cTn id="7" fill="hold">
+                            <p:stCondLst>
+                              <p:cond delay="0"/>
+                            </p:stCondLst>
+                            <p:childTnLst>
+                              <p:par>
+                                <p:cTn id="8" presetID="1" presetClass="entr" presetSubtype="0" fill="hold" grpId="0" nodeType="afterEffect">
+                                  <p:stCondLst>
+                                    <p:cond delay="0"/>
+                                  </p:stCondLst>
+                                  <p:childTnLst>
+                                    <p:set>
+                                      <p:cBhvr>
+                                        <p:cTn id="9" dur="1" fill="hold">
+                                          <p:stCondLst>
+                                            <p:cond delay="0"/>
+                                          </p:stCondLst>
+                                        </p:cTn>
+                                        <p:tgtEl>
+                                          <p:spTgt spid="4"/>
+                                        </p:tgtEl>
+                                        <p:attrNameLst>
+                                          <p:attrName>style.visibility</p:attrName>
+                                        </p:attrNameLst>
+                                      </p:cBhvr>
+                                      <p:to>
+                                        <p:strVal val="visible"/>
+                                      </p:to>
+                                    </p:set>
+                                  </p:childTnLst>
+                                </p:cTn>
+                              </p:par>
+                            </p:childTnLst>
+                          </p:cTn>
+                        </p:par>
+                      </p:childTnLst>
+                    </p:cTn>
+                  </p:par>
+                </p:childTnLst>
+              </p:cTn>
+              <p:prevCondLst>
+                <p:cond evt="onPrev" delay="0">
+                  <p:tgtEl>
+                    <p:sldTgt/>
+                  </p:tgtEl>
+                </p:cond>
+              </p:prevCondLst>
+              <p:nextCondLst>
+                <p:cond evt="onNext" delay="0">
+                  <p:tgtEl>
+                    <p:sldTgt/>
+                  </p:tgtEl>
+                </p:cond>
+              </p:nextCondLst>
+            </p:seq>
+          </p:childTnLst>
+        </p:cTn>
+      </p:par>
+    </p:tnLst>
+    <p:bldLst>
+      <p:bldP spid="4" grpId="0"/>
+    </p:bldLst>
+  </p:timing>
 </p:sld>
 </file>
 
@@ -17420,13 +17747,13 @@
   <p:clrMapOvr>
     <a:masterClrMapping/>
   </p:clrMapOvr>
-  <mc:AlternateContent xmlns:mc="http://schemas.openxmlformats.org/markup-compatibility/2006" xmlns:p159="http://schemas.microsoft.com/office/powerpoint/2015/09/main">
-    <mc:Choice Requires="p159">
-      <p:transition spd="med">
+  <mc:AlternateContent xmlns:mc="http://schemas.openxmlformats.org/markup-compatibility/2006">
+    <mc:Choice xmlns:p159="http://schemas.microsoft.com/office/powerpoint/2015/09/main" Requires="p159">
+      <p:transition xmlns:p14="http://schemas.microsoft.com/office/powerpoint/2010/main" spd="med" p14:dur="700">
         <p159:morph option="byObject"/>
       </p:transition>
     </mc:Choice>
-    <mc:Fallback xmlns="">
+    <mc:Fallback>
       <p:transition spd="med">
         <p:fade/>
       </p:transition>
@@ -17706,13 +18033,13 @@
   <p:clrMapOvr>
     <a:masterClrMapping/>
   </p:clrMapOvr>
-  <mc:AlternateContent xmlns:mc="http://schemas.openxmlformats.org/markup-compatibility/2006" xmlns:p159="http://schemas.microsoft.com/office/powerpoint/2015/09/main">
-    <mc:Choice Requires="p159">
-      <p:transition spd="med">
+  <mc:AlternateContent xmlns:mc="http://schemas.openxmlformats.org/markup-compatibility/2006">
+    <mc:Choice xmlns:p159="http://schemas.microsoft.com/office/powerpoint/2015/09/main" Requires="p159">
+      <p:transition xmlns:p14="http://schemas.microsoft.com/office/powerpoint/2010/main" spd="med" p14:dur="700">
         <p159:morph option="byObject"/>
       </p:transition>
     </mc:Choice>
-    <mc:Fallback xmlns="">
+    <mc:Fallback>
       <p:transition spd="med">
         <p:fade/>
       </p:transition>
@@ -18691,7 +19018,7 @@
           <a:p>
             <a:r>
               <a:rPr lang="zh-CN" altLang="en-US" dirty="0"/>
-              <a:t>检查输入的每个字符：是否遗漏，大小写和中英文符号是否输错</a:t>
+              <a:t>检查输入的每个字符是否有遗漏，检查大小写和符号是否有输错，检查是不是误打了中文符号</a:t>
             </a:r>
             <a:endParaRPr lang="en-US" altLang="zh-CN" dirty="0"/>
           </a:p>
@@ -18719,9 +19046,13 @@
           <a:p>
             <a:r>
               <a:rPr lang="zh-CN" altLang="en-US" dirty="0"/>
-              <a:t>可以休息一会儿，然后再重新阅读，好好检查一下输入</a:t>
-            </a:r>
-            <a:endParaRPr lang="en-US" altLang="zh-CN" dirty="0"/>
+              <a:t>可以休息一会儿，然后删除文件夹，再</a:t>
+            </a:r>
+            <a:r>
+              <a:rPr lang="zh-CN" altLang="en-US" b="1" u="sng" dirty="0"/>
+              <a:t>重来一遍试试</a:t>
+            </a:r>
+            <a:endParaRPr lang="en-US" altLang="zh-CN" b="1" u="sng" dirty="0"/>
           </a:p>
           <a:p>
             <a:pPr marL="0" indent="0">
@@ -18732,14 +19063,8 @@
               <a:t>（推荐参阅书籍附录 </a:t>
             </a:r>
             <a:r>
-              <a:rPr lang="en-US" altLang="zh-CN" dirty="0">
-                <a:latin typeface="Consolas" panose="020B0609020204030204" pitchFamily="49" charset="0"/>
-              </a:rPr>
-              <a:t>A</a:t>
-            </a:r>
-            <a:r>
               <a:rPr lang="en-US" altLang="zh-CN" dirty="0"/>
-              <a:t> </a:t>
+              <a:t>A </a:t>
             </a:r>
             <a:r>
               <a:rPr lang="zh-CN" altLang="en-US" dirty="0"/>
@@ -18748,17 +19073,9 @@
             <a:endParaRPr lang="en-US" altLang="zh-CN" dirty="0"/>
           </a:p>
           <a:p>
-            <a:r>
-              <a:rPr lang="zh-CN" altLang="en-US" dirty="0"/>
-              <a:t>如果还是不行，试试删除文件夹，</a:t>
-            </a:r>
-            <a:r>
-              <a:rPr lang="zh-CN" altLang="en-US" b="1" u="sng" dirty="0"/>
-              <a:t>重来一遍试试</a:t>
-            </a:r>
-            <a:endParaRPr lang="en-US" altLang="zh-CN" b="1" u="sng" dirty="0"/>
-          </a:p>
-          <a:p>
+            <a:pPr marL="0" indent="0">
+              <a:buNone/>
+            </a:pPr>
             <a:endParaRPr lang="en-US" altLang="zh-CN" dirty="0"/>
           </a:p>
           <a:p>
@@ -19008,21 +19325,30 @@
                             </p:childTnLst>
                           </p:cTn>
                         </p:par>
+                      </p:childTnLst>
+                    </p:cTn>
+                  </p:par>
+                  <p:par>
+                    <p:cTn id="15" fill="hold">
+                      <p:stCondLst>
+                        <p:cond delay="indefinite"/>
+                      </p:stCondLst>
+                      <p:childTnLst>
                         <p:par>
-                          <p:cTn id="15" fill="hold">
+                          <p:cTn id="16" fill="hold">
                             <p:stCondLst>
                               <p:cond delay="0"/>
                             </p:stCondLst>
                             <p:childTnLst>
                               <p:par>
-                                <p:cTn id="16" presetID="1" presetClass="entr" presetSubtype="0" fill="hold" grpId="0" nodeType="afterEffect">
+                                <p:cTn id="17" presetID="1" presetClass="entr" presetSubtype="0" fill="hold" grpId="0" nodeType="clickEffect">
                                   <p:stCondLst>
                                     <p:cond delay="0"/>
                                   </p:stCondLst>
                                   <p:childTnLst>
                                     <p:set>
                                       <p:cBhvr>
-                                        <p:cTn id="17" dur="1" fill="hold">
+                                        <p:cTn id="18" dur="1" fill="hold">
                                           <p:stCondLst>
                                             <p:cond delay="0"/>
                                           </p:stCondLst>
@@ -19052,26 +19378,26 @@
                     </p:cTn>
                   </p:par>
                   <p:par>
-                    <p:cTn id="18" fill="hold">
+                    <p:cTn id="19" fill="hold">
                       <p:stCondLst>
                         <p:cond delay="indefinite"/>
                       </p:stCondLst>
                       <p:childTnLst>
                         <p:par>
-                          <p:cTn id="19" fill="hold">
+                          <p:cTn id="20" fill="hold">
                             <p:stCondLst>
                               <p:cond delay="0"/>
                             </p:stCondLst>
                             <p:childTnLst>
                               <p:par>
-                                <p:cTn id="20" presetID="1" presetClass="entr" presetSubtype="0" fill="hold" grpId="0" nodeType="clickEffect">
+                                <p:cTn id="21" presetID="1" presetClass="entr" presetSubtype="0" fill="hold" grpId="0" nodeType="clickEffect">
                                   <p:stCondLst>
                                     <p:cond delay="0"/>
                                   </p:stCondLst>
                                   <p:childTnLst>
                                     <p:set>
                                       <p:cBhvr>
-                                        <p:cTn id="21" dur="1" fill="hold">
+                                        <p:cTn id="22" dur="1" fill="hold">
                                           <p:stCondLst>
                                             <p:cond delay="0"/>
                                           </p:stCondLst>
@@ -19079,7 +19405,7 @@
                                         <p:tgtEl>
                                           <p:spTgt spid="3">
                                             <p:txEl>
-                                              <p:pRg st="4" end="4"/>
+                                              <p:pRg st="5" end="5"/>
                                             </p:txEl>
                                           </p:spTgt>
                                         </p:tgtEl>
@@ -19101,75 +19427,26 @@
                     </p:cTn>
                   </p:par>
                   <p:par>
-                    <p:cTn id="22" fill="hold">
+                    <p:cTn id="23" fill="hold">
                       <p:stCondLst>
                         <p:cond delay="indefinite"/>
                       </p:stCondLst>
                       <p:childTnLst>
                         <p:par>
-                          <p:cTn id="23" fill="hold">
+                          <p:cTn id="24" fill="hold">
                             <p:stCondLst>
                               <p:cond delay="0"/>
                             </p:stCondLst>
                             <p:childTnLst>
                               <p:par>
-                                <p:cTn id="24" presetID="1" presetClass="entr" presetSubtype="0" fill="hold" grpId="0" nodeType="clickEffect">
+                                <p:cTn id="25" presetID="1" presetClass="entr" presetSubtype="0" fill="hold" grpId="0" nodeType="clickEffect">
                                   <p:stCondLst>
                                     <p:cond delay="0"/>
                                   </p:stCondLst>
                                   <p:childTnLst>
                                     <p:set>
                                       <p:cBhvr>
-                                        <p:cTn id="25" dur="1" fill="hold">
-                                          <p:stCondLst>
-                                            <p:cond delay="0"/>
-                                          </p:stCondLst>
-                                        </p:cTn>
-                                        <p:tgtEl>
-                                          <p:spTgt spid="3">
-                                            <p:txEl>
-                                              <p:pRg st="6" end="6"/>
-                                            </p:txEl>
-                                          </p:spTgt>
-                                        </p:tgtEl>
-                                        <p:attrNameLst>
-                                          <p:attrName>style.visibility</p:attrName>
-                                        </p:attrNameLst>
-                                      </p:cBhvr>
-                                      <p:to>
-                                        <p:strVal val="visible"/>
-                                      </p:to>
-                                    </p:set>
-                                  </p:childTnLst>
-                                </p:cTn>
-                              </p:par>
-                            </p:childTnLst>
-                          </p:cTn>
-                        </p:par>
-                      </p:childTnLst>
-                    </p:cTn>
-                  </p:par>
-                  <p:par>
-                    <p:cTn id="26" fill="hold">
-                      <p:stCondLst>
-                        <p:cond delay="indefinite"/>
-                      </p:stCondLst>
-                      <p:childTnLst>
-                        <p:par>
-                          <p:cTn id="27" fill="hold">
-                            <p:stCondLst>
-                              <p:cond delay="0"/>
-                            </p:stCondLst>
-                            <p:childTnLst>
-                              <p:par>
-                                <p:cTn id="28" presetID="1" presetClass="entr" presetSubtype="0" fill="hold" grpId="0" nodeType="clickEffect">
-                                  <p:stCondLst>
-                                    <p:cond delay="0"/>
-                                  </p:stCondLst>
-                                  <p:childTnLst>
-                                    <p:set>
-                                      <p:cBhvr>
-                                        <p:cTn id="29" dur="1" fill="hold">
+                                        <p:cTn id="26" dur="1" fill="hold">
                                           <p:stCondLst>
                                             <p:cond delay="0"/>
                                           </p:stCondLst>
@@ -24206,7 +24483,7 @@
         <p:spPr>
           <a:xfrm>
             <a:off x="5990394" y="4874923"/>
-            <a:ext cx="5363406" cy="584775"/>
+            <a:ext cx="5660832" cy="584775"/>
           </a:xfrm>
           <a:prstGeom prst="rect">
             <a:avLst/>
@@ -24220,7 +24497,7 @@
           <a:lstStyle/>
           <a:p>
             <a:r>
-              <a:rPr lang="zh-CN" altLang="en-US" sz="3200" i="1" dirty="0">
+              <a:rPr lang="zh-CN" altLang="en-US" sz="3200" b="1" i="1" dirty="0">
                 <a:solidFill>
                   <a:schemeClr val="accent1">
                     <a:lumMod val="75000"/>
@@ -24232,7 +24509,7 @@
               <a:t>我们随后将一起安装 </a:t>
             </a:r>
             <a:r>
-              <a:rPr lang="en-US" altLang="zh-CN" sz="3200" i="1" dirty="0">
+              <a:rPr lang="en-US" altLang="zh-CN" sz="3200" b="1" i="1" dirty="0">
                 <a:solidFill>
                   <a:schemeClr val="accent1">
                     <a:lumMod val="75000"/>
@@ -24244,7 +24521,7 @@
               <a:t>Python</a:t>
             </a:r>
             <a:r>
-              <a:rPr lang="zh-CN" altLang="en-US" sz="3200" i="1" dirty="0">
+              <a:rPr lang="zh-CN" altLang="en-US" sz="3200" b="1" i="1" dirty="0">
                 <a:solidFill>
                   <a:schemeClr val="accent1">
                     <a:lumMod val="75000"/>
